--- a/UQ_2D_metamaterials_update.pptx
+++ b/UQ_2D_metamaterials_update.pptx
@@ -5,7 +5,7 @@
     <p:sldMasterId id="2147483660" r:id="rId4"/>
   </p:sldMasterIdLst>
   <p:notesMasterIdLst>
-    <p:notesMasterId r:id="rId25"/>
+    <p:notesMasterId r:id="rId37"/>
   </p:notesMasterIdLst>
   <p:sldIdLst>
     <p:sldId id="256" r:id="rId5"/>
@@ -13,21 +13,33 @@
     <p:sldId id="919" r:id="rId7"/>
     <p:sldId id="934" r:id="rId8"/>
     <p:sldId id="935" r:id="rId9"/>
-    <p:sldId id="936" r:id="rId10"/>
-    <p:sldId id="937" r:id="rId11"/>
-    <p:sldId id="926" r:id="rId12"/>
-    <p:sldId id="925" r:id="rId13"/>
-    <p:sldId id="928" r:id="rId14"/>
-    <p:sldId id="922" r:id="rId15"/>
-    <p:sldId id="920" r:id="rId16"/>
-    <p:sldId id="933" r:id="rId17"/>
-    <p:sldId id="931" r:id="rId18"/>
-    <p:sldId id="932" r:id="rId19"/>
-    <p:sldId id="929" r:id="rId20"/>
-    <p:sldId id="921" r:id="rId21"/>
-    <p:sldId id="927" r:id="rId22"/>
-    <p:sldId id="923" r:id="rId23"/>
-    <p:sldId id="924" r:id="rId24"/>
+    <p:sldId id="937" r:id="rId10"/>
+    <p:sldId id="926" r:id="rId11"/>
+    <p:sldId id="925" r:id="rId12"/>
+    <p:sldId id="928" r:id="rId13"/>
+    <p:sldId id="922" r:id="rId14"/>
+    <p:sldId id="920" r:id="rId15"/>
+    <p:sldId id="933" r:id="rId16"/>
+    <p:sldId id="931" r:id="rId17"/>
+    <p:sldId id="932" r:id="rId18"/>
+    <p:sldId id="929" r:id="rId19"/>
+    <p:sldId id="921" r:id="rId20"/>
+    <p:sldId id="927" r:id="rId21"/>
+    <p:sldId id="923" r:id="rId22"/>
+    <p:sldId id="924" r:id="rId23"/>
+    <p:sldId id="938" r:id="rId24"/>
+    <p:sldId id="941" r:id="rId25"/>
+    <p:sldId id="942" r:id="rId26"/>
+    <p:sldId id="939" r:id="rId27"/>
+    <p:sldId id="945" r:id="rId28"/>
+    <p:sldId id="944" r:id="rId29"/>
+    <p:sldId id="943" r:id="rId30"/>
+    <p:sldId id="946" r:id="rId31"/>
+    <p:sldId id="947" r:id="rId32"/>
+    <p:sldId id="948" r:id="rId33"/>
+    <p:sldId id="949" r:id="rId34"/>
+    <p:sldId id="950" r:id="rId35"/>
+    <p:sldId id="951" r:id="rId36"/>
   </p:sldIdLst>
   <p:sldSz cx="12192000" cy="6858000"/>
   <p:notesSz cx="6858000" cy="9144000"/>
@@ -216,7 +228,7 @@
           <a:p>
             <a:fld id="{5B2A9559-5325-4FFA-A5F2-CBDDB1074751}" type="datetimeFigureOut">
               <a:rPr lang="en-US" smtClean="0"/>
-              <a:t>6/7/2023</a:t>
+              <a:t>6/14/2023</a:t>
             </a:fld>
             <a:endParaRPr lang="en-US"/>
           </a:p>
@@ -632,7 +644,7 @@
           <a:p>
             <a:fld id="{5ED6D2F6-D9A8-4EC3-B74F-DA40A0FC4A95}" type="slidenum">
               <a:rPr lang="en-US" smtClean="0"/>
-              <a:t>12</a:t>
+              <a:t>11</a:t>
             </a:fld>
             <a:endParaRPr lang="en-US"/>
           </a:p>
@@ -716,7 +728,7 @@
           <a:p>
             <a:fld id="{5ED6D2F6-D9A8-4EC3-B74F-DA40A0FC4A95}" type="slidenum">
               <a:rPr lang="en-US" smtClean="0"/>
-              <a:t>13</a:t>
+              <a:t>12</a:t>
             </a:fld>
             <a:endParaRPr lang="en-US"/>
           </a:p>
@@ -800,7 +812,7 @@
           <a:p>
             <a:fld id="{5ED6D2F6-D9A8-4EC3-B74F-DA40A0FC4A95}" type="slidenum">
               <a:rPr lang="en-US" smtClean="0"/>
-              <a:t>14</a:t>
+              <a:t>13</a:t>
             </a:fld>
             <a:endParaRPr lang="en-US"/>
           </a:p>
@@ -884,7 +896,7 @@
           <a:p>
             <a:fld id="{5ED6D2F6-D9A8-4EC3-B74F-DA40A0FC4A95}" type="slidenum">
               <a:rPr lang="en-US" smtClean="0"/>
-              <a:t>15</a:t>
+              <a:t>14</a:t>
             </a:fld>
             <a:endParaRPr lang="en-US"/>
           </a:p>
@@ -1276,7 +1288,7 @@
           <a:p>
             <a:fld id="{43789B8F-7842-4BEF-9976-1EE74F57C738}" type="datetime1">
               <a:rPr lang="en-US" smtClean="0"/>
-              <a:t>6/7/2023</a:t>
+              <a:t>6/14/2023</a:t>
             </a:fld>
             <a:endParaRPr lang="en-US"/>
           </a:p>
@@ -1508,7 +1520,7 @@
           <a:p>
             <a:fld id="{050F5937-DD26-4F95-A0ED-C31A278A1247}" type="datetime1">
               <a:rPr lang="en-US" smtClean="0"/>
-              <a:t>6/7/2023</a:t>
+              <a:t>6/14/2023</a:t>
             </a:fld>
             <a:endParaRPr lang="en-US"/>
           </a:p>
@@ -1975,7 +1987,7 @@
           <a:p>
             <a:fld id="{49F581DC-F6E5-4AEE-98F3-A1977368E94D}" type="datetime1">
               <a:rPr lang="en-US" smtClean="0"/>
-              <a:t>6/7/2023</a:t>
+              <a:t>6/14/2023</a:t>
             </a:fld>
             <a:endParaRPr lang="en-US"/>
           </a:p>
@@ -2295,7 +2307,7 @@
           <a:p>
             <a:fld id="{A23148C6-A681-474A-852B-6488E264F1FD}" type="datetime1">
               <a:rPr lang="en-US" smtClean="0"/>
-              <a:t>6/7/2023</a:t>
+              <a:t>6/14/2023</a:t>
             </a:fld>
             <a:endParaRPr lang="en-US"/>
           </a:p>
@@ -2762,7 +2774,7 @@
           <a:p>
             <a:fld id="{E05877EE-87E6-4A80-A3D1-647EBC487900}" type="datetime1">
               <a:rPr lang="en-US" smtClean="0"/>
-              <a:t>6/7/2023</a:t>
+              <a:t>6/14/2023</a:t>
             </a:fld>
             <a:endParaRPr lang="en-US"/>
           </a:p>
@@ -3292,7 +3304,7 @@
           <a:p>
             <a:fld id="{1F39E345-7F84-425C-B838-418A9624F210}" type="datetime1">
               <a:rPr lang="en-US" smtClean="0"/>
-              <a:t>6/7/2023</a:t>
+              <a:t>6/14/2023</a:t>
             </a:fld>
             <a:endParaRPr lang="en-US"/>
           </a:p>
@@ -3607,7 +3619,7 @@
           <a:p>
             <a:fld id="{F90E5D04-5C5D-47CC-BDED-D4EAD1A4B7F8}" type="datetime1">
               <a:rPr lang="en-US" smtClean="0"/>
-              <a:t>6/7/2023</a:t>
+              <a:t>6/14/2023</a:t>
             </a:fld>
             <a:endParaRPr lang="en-US"/>
           </a:p>
@@ -3955,7 +3967,7 @@
           <a:p>
             <a:fld id="{B019BD83-B2B4-4833-86B7-8D5583952E34}" type="datetime1">
               <a:rPr lang="en-US" smtClean="0"/>
-              <a:t>6/7/2023</a:t>
+              <a:t>6/14/2023</a:t>
             </a:fld>
             <a:endParaRPr lang="en-US"/>
           </a:p>
@@ -4736,7 +4748,7 @@
           <p:cNvPr id="2" name="Title 1">
             <a:extLst>
               <a:ext uri="{FF2B5EF4-FFF2-40B4-BE49-F238E27FC236}">
-                <a16:creationId xmlns:a16="http://schemas.microsoft.com/office/drawing/2014/main" id="{FF46EFE3-2612-B04E-2A19-D61DA27B229B}"/>
+                <a16:creationId xmlns:a16="http://schemas.microsoft.com/office/drawing/2014/main" id="{2FB1AF1B-E5FB-47C6-F2C8-D17A8AB062DF}"/>
               </a:ext>
             </a:extLst>
           </p:cNvPr>
@@ -4749,60 +4761,55 @@
         </p:nvSpPr>
         <p:spPr>
           <a:xfrm>
-            <a:off x="838200" y="287165"/>
+            <a:off x="838200" y="346701"/>
             <a:ext cx="10515600" cy="1056686"/>
           </a:xfrm>
         </p:spPr>
         <p:txBody>
-          <a:bodyPr/>
+          <a:bodyPr>
+            <a:noAutofit/>
+          </a:bodyPr>
           <a:lstStyle/>
           <a:p>
             <a:r>
-              <a:rPr lang="en-US" sz="4400" dirty="0"/>
-              <a:t>Stochastic Collocation – MC Regression</a:t>
-            </a:r>
-            <a:endParaRPr lang="en-US" dirty="0"/>
-          </a:p>
-        </p:txBody>
-      </p:sp>
-      <p:sp>
-        <p:nvSpPr>
-          <p:cNvPr id="3" name="Content Placeholder 2">
-            <a:extLst>
-              <a:ext uri="{FF2B5EF4-FFF2-40B4-BE49-F238E27FC236}">
-                <a16:creationId xmlns:a16="http://schemas.microsoft.com/office/drawing/2014/main" id="{C5AD6461-80F6-D156-FBF4-9DA7849BE8B4}"/>
-              </a:ext>
-            </a:extLst>
-          </p:cNvPr>
-          <p:cNvSpPr>
-            <a:spLocks noGrp="1"/>
-          </p:cNvSpPr>
+              <a:rPr lang="en-US" sz="3600" dirty="0"/>
+              <a:t>Stochastic Collocation – MC Regression (Underfit)</a:t>
+            </a:r>
+          </a:p>
+        </p:txBody>
+      </p:sp>
+      <p:pic>
+        <p:nvPicPr>
+          <p:cNvPr id="5" name="Content Placeholder 4">
+            <a:extLst>
+              <a:ext uri="{FF2B5EF4-FFF2-40B4-BE49-F238E27FC236}">
+                <a16:creationId xmlns:a16="http://schemas.microsoft.com/office/drawing/2014/main" id="{AE2D6E08-A882-0A1D-DD91-568191A07070}"/>
+              </a:ext>
+            </a:extLst>
+          </p:cNvPr>
+          <p:cNvPicPr>
+            <a:picLocks noGrp="1" noChangeAspect="1"/>
+          </p:cNvPicPr>
           <p:nvPr>
             <p:ph idx="1"/>
           </p:nvPr>
-        </p:nvSpPr>
-        <p:spPr/>
-        <p:txBody>
-          <a:bodyPr/>
-          <a:lstStyle/>
-          <a:p>
-            <a:r>
-              <a:rPr lang="en-US" dirty="0"/>
-              <a:t>A variation of stochastic collocation where the orthogonal polynomials are fitted to MC generated samples</a:t>
-            </a:r>
-          </a:p>
-          <a:p>
-            <a:r>
-              <a:rPr lang="en-US" dirty="0"/>
-              <a:t>Usually more effective at higher dimensions and less efficient at lower dimensions compared to quadrature rule stochastic collocation</a:t>
-            </a:r>
-          </a:p>
-        </p:txBody>
-      </p:sp>
+        </p:nvPicPr>
+        <p:blipFill>
+          <a:blip r:embed="rId2"/>
+          <a:srcRect/>
+          <a:stretch/>
+        </p:blipFill>
+        <p:spPr>
+          <a:xfrm>
+            <a:off x="838200" y="1632281"/>
+            <a:ext cx="10515600" cy="4350675"/>
+          </a:xfrm>
+        </p:spPr>
+      </p:pic>
     </p:spTree>
     <p:extLst>
       <p:ext uri="{BB962C8B-B14F-4D97-AF65-F5344CB8AC3E}">
-        <p14:creationId xmlns:p14="http://schemas.microsoft.com/office/powerpoint/2010/main" val="51304751"/>
+        <p14:creationId xmlns:p14="http://schemas.microsoft.com/office/powerpoint/2010/main" val="313178282"/>
       </p:ext>
     </p:extLst>
   </p:cSld>
@@ -4858,8 +4865,8 @@
           <a:lstStyle/>
           <a:p>
             <a:r>
-              <a:rPr lang="en-US" sz="3600" dirty="0"/>
-              <a:t>Stochastic Collocation – MC Regression (Underfit)</a:t>
+              <a:rPr lang="en-US" sz="3200" dirty="0"/>
+              <a:t>Stochastic Collocation – MC Regression – Bandgap Size</a:t>
             </a:r>
           </a:p>
         </p:txBody>
@@ -4881,7 +4888,7 @@
           </p:nvPr>
         </p:nvPicPr>
         <p:blipFill>
-          <a:blip r:embed="rId2"/>
+          <a:blip r:embed="rId3"/>
           <a:srcRect/>
           <a:stretch/>
         </p:blipFill>
@@ -4895,7 +4902,7 @@
     </p:spTree>
     <p:extLst>
       <p:ext uri="{BB962C8B-B14F-4D97-AF65-F5344CB8AC3E}">
-        <p14:creationId xmlns:p14="http://schemas.microsoft.com/office/powerpoint/2010/main" val="313178282"/>
+        <p14:creationId xmlns:p14="http://schemas.microsoft.com/office/powerpoint/2010/main" val="745860620"/>
       </p:ext>
     </p:extLst>
   </p:cSld>
@@ -4952,7 +4959,7 @@
           <a:p>
             <a:r>
               <a:rPr lang="en-US" sz="3200" dirty="0"/>
-              <a:t>Stochastic Collocation – MC Regression – Bandgap Size</a:t>
+              <a:t>Stochastic Collocation – MC Regression – Bandgap Center</a:t>
             </a:r>
           </a:p>
         </p:txBody>
@@ -4988,7 +4995,7 @@
     </p:spTree>
     <p:extLst>
       <p:ext uri="{BB962C8B-B14F-4D97-AF65-F5344CB8AC3E}">
-        <p14:creationId xmlns:p14="http://schemas.microsoft.com/office/powerpoint/2010/main" val="745860620"/>
+        <p14:creationId xmlns:p14="http://schemas.microsoft.com/office/powerpoint/2010/main" val="3377187287"/>
       </p:ext>
     </p:extLst>
   </p:cSld>
@@ -5045,7 +5052,7 @@
           <a:p>
             <a:r>
               <a:rPr lang="en-US" sz="3200" dirty="0"/>
-              <a:t>Stochastic Collocation – MC Regression – Bandgap Center</a:t>
+              <a:t>Stochastic Collocation – MC Regression – Bandgap Top</a:t>
             </a:r>
           </a:p>
         </p:txBody>
@@ -5081,7 +5088,7 @@
     </p:spTree>
     <p:extLst>
       <p:ext uri="{BB962C8B-B14F-4D97-AF65-F5344CB8AC3E}">
-        <p14:creationId xmlns:p14="http://schemas.microsoft.com/office/powerpoint/2010/main" val="3377187287"/>
+        <p14:creationId xmlns:p14="http://schemas.microsoft.com/office/powerpoint/2010/main" val="555498027"/>
       </p:ext>
     </p:extLst>
   </p:cSld>
@@ -5138,7 +5145,7 @@
           <a:p>
             <a:r>
               <a:rPr lang="en-US" sz="3200" dirty="0"/>
-              <a:t>Stochastic Collocation – MC Regression – Bandgap Top</a:t>
+              <a:t>Stochastic Collocation – MC Regression – Bandgap Bottom</a:t>
             </a:r>
           </a:p>
         </p:txBody>
@@ -5174,7 +5181,7 @@
     </p:spTree>
     <p:extLst>
       <p:ext uri="{BB962C8B-B14F-4D97-AF65-F5344CB8AC3E}">
-        <p14:creationId xmlns:p14="http://schemas.microsoft.com/office/powerpoint/2010/main" val="555498027"/>
+        <p14:creationId xmlns:p14="http://schemas.microsoft.com/office/powerpoint/2010/main" val="3873354010"/>
       </p:ext>
     </p:extLst>
   </p:cSld>
@@ -5206,7 +5213,7 @@
           <p:cNvPr id="2" name="Title 1">
             <a:extLst>
               <a:ext uri="{FF2B5EF4-FFF2-40B4-BE49-F238E27FC236}">
-                <a16:creationId xmlns:a16="http://schemas.microsoft.com/office/drawing/2014/main" id="{2FB1AF1B-E5FB-47C6-F2C8-D17A8AB062DF}"/>
+                <a16:creationId xmlns:a16="http://schemas.microsoft.com/office/drawing/2014/main" id="{FF46EFE3-2612-B04E-2A19-D61DA27B229B}"/>
               </a:ext>
             </a:extLst>
           </p:cNvPr>
@@ -5219,55 +5226,60 @@
         </p:nvSpPr>
         <p:spPr>
           <a:xfrm>
-            <a:off x="838200" y="346701"/>
+            <a:off x="838200" y="265973"/>
             <a:ext cx="10515600" cy="1056686"/>
           </a:xfrm>
         </p:spPr>
         <p:txBody>
-          <a:bodyPr>
-            <a:noAutofit/>
-          </a:bodyPr>
+          <a:bodyPr/>
           <a:lstStyle/>
           <a:p>
             <a:r>
-              <a:rPr lang="en-US" sz="3200" dirty="0"/>
-              <a:t>Stochastic Collocation – MC Regression – Bandgap Bottom</a:t>
-            </a:r>
-          </a:p>
-        </p:txBody>
-      </p:sp>
-      <p:pic>
-        <p:nvPicPr>
-          <p:cNvPr id="5" name="Content Placeholder 4">
-            <a:extLst>
-              <a:ext uri="{FF2B5EF4-FFF2-40B4-BE49-F238E27FC236}">
-                <a16:creationId xmlns:a16="http://schemas.microsoft.com/office/drawing/2014/main" id="{AE2D6E08-A882-0A1D-DD91-568191A07070}"/>
-              </a:ext>
-            </a:extLst>
-          </p:cNvPr>
-          <p:cNvPicPr>
-            <a:picLocks noGrp="1" noChangeAspect="1"/>
-          </p:cNvPicPr>
+              <a:rPr lang="en-US" sz="4400" dirty="0"/>
+              <a:t>Stochastic Collocation – Quadrature Rule</a:t>
+            </a:r>
+            <a:endParaRPr lang="en-US" dirty="0"/>
+          </a:p>
+        </p:txBody>
+      </p:sp>
+      <p:sp>
+        <p:nvSpPr>
+          <p:cNvPr id="3" name="Content Placeholder 2">
+            <a:extLst>
+              <a:ext uri="{FF2B5EF4-FFF2-40B4-BE49-F238E27FC236}">
+                <a16:creationId xmlns:a16="http://schemas.microsoft.com/office/drawing/2014/main" id="{C5AD6461-80F6-D156-FBF4-9DA7849BE8B4}"/>
+              </a:ext>
+            </a:extLst>
+          </p:cNvPr>
+          <p:cNvSpPr>
+            <a:spLocks noGrp="1"/>
+          </p:cNvSpPr>
           <p:nvPr>
             <p:ph idx="1"/>
           </p:nvPr>
-        </p:nvPicPr>
-        <p:blipFill>
-          <a:blip r:embed="rId3"/>
-          <a:srcRect/>
-          <a:stretch/>
-        </p:blipFill>
-        <p:spPr>
-          <a:xfrm>
-            <a:off x="838200" y="1632281"/>
-            <a:ext cx="10515600" cy="4350675"/>
-          </a:xfrm>
-        </p:spPr>
-      </p:pic>
+        </p:nvSpPr>
+        <p:spPr/>
+        <p:txBody>
+          <a:bodyPr/>
+          <a:lstStyle/>
+          <a:p>
+            <a:r>
+              <a:rPr lang="en-US" dirty="0"/>
+              <a:t>A variation of stochastic collocation where the orthogonal polynomials are fitted to specific points with weights, generated by using a rule function on the input distribution.</a:t>
+            </a:r>
+          </a:p>
+          <a:p>
+            <a:r>
+              <a:rPr lang="en-US" dirty="0"/>
+              <a:t>Extremely efficient at low dimensions, however points needed scales as s = (p + 1)^d, where s is the number of samples needed, p is the order of polynomial fit, and d is the dimensionality of the input space. This method therefore becomes very expensive very quickly as d increases.</a:t>
+            </a:r>
+          </a:p>
+        </p:txBody>
+      </p:sp>
     </p:spTree>
     <p:extLst>
       <p:ext uri="{BB962C8B-B14F-4D97-AF65-F5344CB8AC3E}">
-        <p14:creationId xmlns:p14="http://schemas.microsoft.com/office/powerpoint/2010/main" val="3873354010"/>
+        <p14:creationId xmlns:p14="http://schemas.microsoft.com/office/powerpoint/2010/main" val="2229525489"/>
       </p:ext>
     </p:extLst>
   </p:cSld>
@@ -5299,7 +5311,7 @@
           <p:cNvPr id="2" name="Title 1">
             <a:extLst>
               <a:ext uri="{FF2B5EF4-FFF2-40B4-BE49-F238E27FC236}">
-                <a16:creationId xmlns:a16="http://schemas.microsoft.com/office/drawing/2014/main" id="{FF46EFE3-2612-B04E-2A19-D61DA27B229B}"/>
+                <a16:creationId xmlns:a16="http://schemas.microsoft.com/office/drawing/2014/main" id="{6DCC4830-BA42-B1C9-F66B-F78F9E32BB1D}"/>
               </a:ext>
             </a:extLst>
           </p:cNvPr>
@@ -5312,60 +5324,55 @@
         </p:nvSpPr>
         <p:spPr>
           <a:xfrm>
-            <a:off x="838200" y="265973"/>
+            <a:off x="838200" y="341221"/>
             <a:ext cx="10515600" cy="1056686"/>
           </a:xfrm>
         </p:spPr>
         <p:txBody>
-          <a:bodyPr/>
+          <a:bodyPr>
+            <a:noAutofit/>
+          </a:bodyPr>
           <a:lstStyle/>
           <a:p>
             <a:r>
-              <a:rPr lang="en-US" sz="4400" dirty="0"/>
-              <a:t>Stochastic Collocation – Quadrature Rule</a:t>
-            </a:r>
-            <a:endParaRPr lang="en-US" dirty="0"/>
-          </a:p>
-        </p:txBody>
-      </p:sp>
-      <p:sp>
-        <p:nvSpPr>
-          <p:cNvPr id="3" name="Content Placeholder 2">
-            <a:extLst>
-              <a:ext uri="{FF2B5EF4-FFF2-40B4-BE49-F238E27FC236}">
-                <a16:creationId xmlns:a16="http://schemas.microsoft.com/office/drawing/2014/main" id="{C5AD6461-80F6-D156-FBF4-9DA7849BE8B4}"/>
-              </a:ext>
-            </a:extLst>
-          </p:cNvPr>
-          <p:cNvSpPr>
-            <a:spLocks noGrp="1"/>
-          </p:cNvSpPr>
+              <a:rPr lang="en-US" sz="3200" dirty="0"/>
+              <a:t>Stochastic Collocation – Quadrature Rule – Bandgap Size</a:t>
+            </a:r>
+          </a:p>
+        </p:txBody>
+      </p:sp>
+      <p:pic>
+        <p:nvPicPr>
+          <p:cNvPr id="5" name="Content Placeholder 4">
+            <a:extLst>
+              <a:ext uri="{FF2B5EF4-FFF2-40B4-BE49-F238E27FC236}">
+                <a16:creationId xmlns:a16="http://schemas.microsoft.com/office/drawing/2014/main" id="{CAE9A72B-8A68-6F30-1013-174001A44746}"/>
+              </a:ext>
+            </a:extLst>
+          </p:cNvPr>
+          <p:cNvPicPr>
+            <a:picLocks noGrp="1" noChangeAspect="1"/>
+          </p:cNvPicPr>
           <p:nvPr>
             <p:ph idx="1"/>
           </p:nvPr>
-        </p:nvSpPr>
-        <p:spPr/>
-        <p:txBody>
-          <a:bodyPr/>
-          <a:lstStyle/>
-          <a:p>
-            <a:r>
-              <a:rPr lang="en-US" dirty="0"/>
-              <a:t>A variation of stochastic collocation where the orthogonal polynomials are fitted to specific points with weights, generated by using a rule function on the input distribution.</a:t>
-            </a:r>
-          </a:p>
-          <a:p>
-            <a:r>
-              <a:rPr lang="en-US" dirty="0"/>
-              <a:t>Extremely efficient at low dimensions, however points needed scales as s = (p + 1)^d, where s is the number of samples needed, p is the order of polynomial fit, and d is the dimensionality of the input space. This method therefore becomes very expensive very quickly as d increases.</a:t>
-            </a:r>
-          </a:p>
-        </p:txBody>
-      </p:sp>
+        </p:nvPicPr>
+        <p:blipFill>
+          <a:blip r:embed="rId2"/>
+          <a:srcRect/>
+          <a:stretch/>
+        </p:blipFill>
+        <p:spPr>
+          <a:xfrm>
+            <a:off x="838200" y="1626802"/>
+            <a:ext cx="10515600" cy="4361634"/>
+          </a:xfrm>
+        </p:spPr>
+      </p:pic>
     </p:spTree>
     <p:extLst>
       <p:ext uri="{BB962C8B-B14F-4D97-AF65-F5344CB8AC3E}">
-        <p14:creationId xmlns:p14="http://schemas.microsoft.com/office/powerpoint/2010/main" val="2229525489"/>
+        <p14:creationId xmlns:p14="http://schemas.microsoft.com/office/powerpoint/2010/main" val="2296558744"/>
       </p:ext>
     </p:extLst>
   </p:cSld>
@@ -5410,8 +5417,8 @@
         </p:nvSpPr>
         <p:spPr>
           <a:xfrm>
-            <a:off x="838200" y="341221"/>
-            <a:ext cx="10515600" cy="1056686"/>
+            <a:off x="730120" y="341221"/>
+            <a:ext cx="10731759" cy="1056686"/>
           </a:xfrm>
         </p:spPr>
         <p:txBody>
@@ -5422,7 +5429,7 @@
           <a:p>
             <a:r>
               <a:rPr lang="en-US" sz="3200" dirty="0"/>
-              <a:t>Stochastic Collocation – Quadrature Rule – Bandgap Size</a:t>
+              <a:t>Stochastic Collocation – Quadrature Rule – Bandgap Center</a:t>
             </a:r>
           </a:p>
         </p:txBody>
@@ -5458,7 +5465,7 @@
     </p:spTree>
     <p:extLst>
       <p:ext uri="{BB962C8B-B14F-4D97-AF65-F5344CB8AC3E}">
-        <p14:creationId xmlns:p14="http://schemas.microsoft.com/office/powerpoint/2010/main" val="2296558744"/>
+        <p14:creationId xmlns:p14="http://schemas.microsoft.com/office/powerpoint/2010/main" val="2358216360"/>
       </p:ext>
     </p:extLst>
   </p:cSld>
@@ -5503,8 +5510,8 @@
         </p:nvSpPr>
         <p:spPr>
           <a:xfrm>
-            <a:off x="730120" y="341221"/>
-            <a:ext cx="10731759" cy="1056686"/>
+            <a:off x="838200" y="341221"/>
+            <a:ext cx="10515600" cy="1056686"/>
           </a:xfrm>
         </p:spPr>
         <p:txBody>
@@ -5515,7 +5522,7 @@
           <a:p>
             <a:r>
               <a:rPr lang="en-US" sz="3200" dirty="0"/>
-              <a:t>Stochastic Collocation – Quadrature Rule – Bandgap Center</a:t>
+              <a:t>Stochastic Collocation – Quadrature Rule – Bandgap Top</a:t>
             </a:r>
           </a:p>
         </p:txBody>
@@ -5551,7 +5558,7 @@
     </p:spTree>
     <p:extLst>
       <p:ext uri="{BB962C8B-B14F-4D97-AF65-F5344CB8AC3E}">
-        <p14:creationId xmlns:p14="http://schemas.microsoft.com/office/powerpoint/2010/main" val="2358216360"/>
+        <p14:creationId xmlns:p14="http://schemas.microsoft.com/office/powerpoint/2010/main" val="2271108801"/>
       </p:ext>
     </p:extLst>
   </p:cSld>
@@ -5596,8 +5603,8 @@
         </p:nvSpPr>
         <p:spPr>
           <a:xfrm>
-            <a:off x="838200" y="341221"/>
-            <a:ext cx="10515600" cy="1056686"/>
+            <a:off x="730120" y="341221"/>
+            <a:ext cx="10731759" cy="1056686"/>
           </a:xfrm>
         </p:spPr>
         <p:txBody>
@@ -5608,7 +5615,7 @@
           <a:p>
             <a:r>
               <a:rPr lang="en-US" sz="3200" dirty="0"/>
-              <a:t>Stochastic Collocation – Quadrature Rule – Bandgap Top</a:t>
+              <a:t>Stochastic Collocation – Quadrature Rule – Bandgap Bottom</a:t>
             </a:r>
           </a:p>
         </p:txBody>
@@ -5644,7 +5651,7 @@
     </p:spTree>
     <p:extLst>
       <p:ext uri="{BB962C8B-B14F-4D97-AF65-F5344CB8AC3E}">
-        <p14:creationId xmlns:p14="http://schemas.microsoft.com/office/powerpoint/2010/main" val="2271108801"/>
+        <p14:creationId xmlns:p14="http://schemas.microsoft.com/office/powerpoint/2010/main" val="1348473648"/>
       </p:ext>
     </p:extLst>
   </p:cSld>
@@ -6106,6 +6113,163 @@
           <p:cNvPr id="2" name="Title 1">
             <a:extLst>
               <a:ext uri="{FF2B5EF4-FFF2-40B4-BE49-F238E27FC236}">
+                <a16:creationId xmlns:a16="http://schemas.microsoft.com/office/drawing/2014/main" id="{EA484178-6ED4-2998-2632-83D0A0FF0D35}"/>
+              </a:ext>
+            </a:extLst>
+          </p:cNvPr>
+          <p:cNvSpPr>
+            <a:spLocks noGrp="1"/>
+          </p:cNvSpPr>
+          <p:nvPr>
+            <p:ph type="title"/>
+          </p:nvPr>
+        </p:nvSpPr>
+        <p:spPr/>
+        <p:txBody>
+          <a:bodyPr/>
+          <a:lstStyle/>
+          <a:p>
+            <a:r>
+              <a:rPr lang="en-US" dirty="0"/>
+              <a:t>1D PCE Fits</a:t>
+            </a:r>
+          </a:p>
+        </p:txBody>
+      </p:sp>
+      <p:sp>
+        <p:nvSpPr>
+          <p:cNvPr id="3" name="Content Placeholder 2">
+            <a:extLst>
+              <a:ext uri="{FF2B5EF4-FFF2-40B4-BE49-F238E27FC236}">
+                <a16:creationId xmlns:a16="http://schemas.microsoft.com/office/drawing/2014/main" id="{F1238953-6B6C-9866-7402-40977869F30D}"/>
+              </a:ext>
+            </a:extLst>
+          </p:cNvPr>
+          <p:cNvSpPr>
+            <a:spLocks noGrp="1"/>
+          </p:cNvSpPr>
+          <p:nvPr>
+            <p:ph idx="1"/>
+          </p:nvPr>
+        </p:nvSpPr>
+        <p:spPr/>
+        <p:txBody>
+          <a:bodyPr/>
+          <a:lstStyle/>
+          <a:p>
+            <a:r>
+              <a:rPr lang="en-US" dirty="0"/>
+              <a:t>The following figures are for 1 input, 1 output scenarios, whereby the other 5 inputs are held at the following default values:</a:t>
+            </a:r>
+          </a:p>
+          <a:p>
+            <a:pPr lvl="1"/>
+            <a:r>
+              <a:rPr lang="en-US" dirty="0" err="1"/>
+              <a:t>E_soft</a:t>
+            </a:r>
+            <a:r>
+              <a:rPr lang="en-US" dirty="0"/>
+              <a:t>: 200 MPa</a:t>
+            </a:r>
+          </a:p>
+          <a:p>
+            <a:pPr lvl="1"/>
+            <a:r>
+              <a:rPr lang="en-US" dirty="0" err="1"/>
+              <a:t>E_hard</a:t>
+            </a:r>
+            <a:r>
+              <a:rPr lang="en-US" dirty="0"/>
+              <a:t>: 200 </a:t>
+            </a:r>
+            <a:r>
+              <a:rPr lang="en-US" dirty="0" err="1"/>
+              <a:t>GPa</a:t>
+            </a:r>
+            <a:endParaRPr lang="en-US" dirty="0"/>
+          </a:p>
+          <a:p>
+            <a:pPr lvl="1"/>
+            <a:r>
+              <a:rPr lang="en-US" dirty="0" err="1"/>
+              <a:t>Rho_soft</a:t>
+            </a:r>
+            <a:r>
+              <a:rPr lang="en-US" dirty="0"/>
+              <a:t>: 1000 kg/m^3</a:t>
+            </a:r>
+          </a:p>
+          <a:p>
+            <a:pPr lvl="1"/>
+            <a:r>
+              <a:rPr lang="en-US" dirty="0" err="1"/>
+              <a:t>Rho_hard</a:t>
+            </a:r>
+            <a:r>
+              <a:rPr lang="en-US" dirty="0"/>
+              <a:t>: 8000 kg/m^3</a:t>
+            </a:r>
+          </a:p>
+          <a:p>
+            <a:pPr lvl="1"/>
+            <a:r>
+              <a:rPr lang="en-US" dirty="0" err="1"/>
+              <a:t>PR_soft</a:t>
+            </a:r>
+            <a:r>
+              <a:rPr lang="en-US" dirty="0"/>
+              <a:t>: 0</a:t>
+            </a:r>
+          </a:p>
+          <a:p>
+            <a:pPr lvl="1"/>
+            <a:r>
+              <a:rPr lang="en-US" dirty="0" err="1"/>
+              <a:t>PR_hard</a:t>
+            </a:r>
+            <a:r>
+              <a:rPr lang="en-US" dirty="0"/>
+              <a:t>: 0.5</a:t>
+            </a:r>
+          </a:p>
+        </p:txBody>
+      </p:sp>
+    </p:spTree>
+    <p:extLst>
+      <p:ext uri="{BB962C8B-B14F-4D97-AF65-F5344CB8AC3E}">
+        <p14:creationId xmlns:p14="http://schemas.microsoft.com/office/powerpoint/2010/main" val="3582712087"/>
+      </p:ext>
+    </p:extLst>
+  </p:cSld>
+  <p:clrMapOvr>
+    <a:masterClrMapping/>
+  </p:clrMapOvr>
+</p:sld>
+</file>
+
+<file path=ppt/slides/slide21.xml><?xml version="1.0" encoding="utf-8"?>
+<p:sld xmlns:a="http://schemas.openxmlformats.org/drawingml/2006/main" xmlns:r="http://schemas.openxmlformats.org/officeDocument/2006/relationships" xmlns:p="http://schemas.openxmlformats.org/presentationml/2006/main">
+  <p:cSld>
+    <p:spTree>
+      <p:nvGrpSpPr>
+        <p:cNvPr id="1" name=""/>
+        <p:cNvGrpSpPr/>
+        <p:nvPr/>
+      </p:nvGrpSpPr>
+      <p:grpSpPr>
+        <a:xfrm>
+          <a:off x="0" y="0"/>
+          <a:ext cx="0" cy="0"/>
+          <a:chOff x="0" y="0"/>
+          <a:chExt cx="0" cy="0"/>
+        </a:xfrm>
+      </p:grpSpPr>
+      <p:sp>
+        <p:nvSpPr>
+          <p:cNvPr id="2" name="Title 1">
+            <a:extLst>
+              <a:ext uri="{FF2B5EF4-FFF2-40B4-BE49-F238E27FC236}">
                 <a16:creationId xmlns:a16="http://schemas.microsoft.com/office/drawing/2014/main" id="{6DCC4830-BA42-B1C9-F66B-F78F9E32BB1D}"/>
               </a:ext>
             </a:extLst>
@@ -6129,19 +6293,28 @@
           </a:bodyPr>
           <a:lstStyle/>
           <a:p>
+            <a:pPr algn="ctr"/>
             <a:r>
               <a:rPr lang="en-US" sz="3200" dirty="0"/>
-              <a:t>Stochastic Collocation – Quadrature Rule – Bandgap Bottom</a:t>
+              <a:t>100, 1000, &amp; 10000 MC </a:t>
+            </a:r>
+            <a:r>
+              <a:rPr lang="en-US" sz="3200" dirty="0" err="1"/>
+              <a:t>E_soft</a:t>
+            </a:r>
+            <a:r>
+              <a:rPr lang="en-US" sz="3200" dirty="0"/>
+              <a:t> &amp; Bandgap Sizes</a:t>
             </a:r>
           </a:p>
         </p:txBody>
       </p:sp>
       <p:pic>
         <p:nvPicPr>
-          <p:cNvPr id="5" name="Content Placeholder 4">
-            <a:extLst>
-              <a:ext uri="{FF2B5EF4-FFF2-40B4-BE49-F238E27FC236}">
-                <a16:creationId xmlns:a16="http://schemas.microsoft.com/office/drawing/2014/main" id="{CAE9A72B-8A68-6F30-1013-174001A44746}"/>
+          <p:cNvPr id="7" name="Content Placeholder 6">
+            <a:extLst>
+              <a:ext uri="{FF2B5EF4-FFF2-40B4-BE49-F238E27FC236}">
+                <a16:creationId xmlns:a16="http://schemas.microsoft.com/office/drawing/2014/main" id="{45C121E0-2D9F-1F26-2360-E24CA0CD5905}"/>
               </a:ext>
             </a:extLst>
           </p:cNvPr>
@@ -6159,15 +6332,869 @@
         </p:blipFill>
         <p:spPr>
           <a:xfrm>
-            <a:off x="838200" y="1626802"/>
-            <a:ext cx="10515600" cy="4361634"/>
+            <a:off x="1337301" y="1438275"/>
+            <a:ext cx="9517398" cy="4738688"/>
           </a:xfrm>
         </p:spPr>
       </p:pic>
     </p:spTree>
     <p:extLst>
       <p:ext uri="{BB962C8B-B14F-4D97-AF65-F5344CB8AC3E}">
-        <p14:creationId xmlns:p14="http://schemas.microsoft.com/office/powerpoint/2010/main" val="1348473648"/>
+        <p14:creationId xmlns:p14="http://schemas.microsoft.com/office/powerpoint/2010/main" val="3772126645"/>
+      </p:ext>
+    </p:extLst>
+  </p:cSld>
+  <p:clrMapOvr>
+    <a:masterClrMapping/>
+  </p:clrMapOvr>
+</p:sld>
+</file>
+
+<file path=ppt/slides/slide22.xml><?xml version="1.0" encoding="utf-8"?>
+<p:sld xmlns:a="http://schemas.openxmlformats.org/drawingml/2006/main" xmlns:r="http://schemas.openxmlformats.org/officeDocument/2006/relationships" xmlns:p="http://schemas.openxmlformats.org/presentationml/2006/main">
+  <p:cSld>
+    <p:spTree>
+      <p:nvGrpSpPr>
+        <p:cNvPr id="1" name=""/>
+        <p:cNvGrpSpPr/>
+        <p:nvPr/>
+      </p:nvGrpSpPr>
+      <p:grpSpPr>
+        <a:xfrm>
+          <a:off x="0" y="0"/>
+          <a:ext cx="0" cy="0"/>
+          <a:chOff x="0" y="0"/>
+          <a:chExt cx="0" cy="0"/>
+        </a:xfrm>
+      </p:grpSpPr>
+      <p:sp>
+        <p:nvSpPr>
+          <p:cNvPr id="2" name="Title 1">
+            <a:extLst>
+              <a:ext uri="{FF2B5EF4-FFF2-40B4-BE49-F238E27FC236}">
+                <a16:creationId xmlns:a16="http://schemas.microsoft.com/office/drawing/2014/main" id="{6DCC4830-BA42-B1C9-F66B-F78F9E32BB1D}"/>
+              </a:ext>
+            </a:extLst>
+          </p:cNvPr>
+          <p:cNvSpPr>
+            <a:spLocks noGrp="1"/>
+          </p:cNvSpPr>
+          <p:nvPr>
+            <p:ph type="title"/>
+          </p:nvPr>
+        </p:nvSpPr>
+        <p:spPr>
+          <a:xfrm>
+            <a:off x="730120" y="341221"/>
+            <a:ext cx="10731759" cy="1056686"/>
+          </a:xfrm>
+        </p:spPr>
+        <p:txBody>
+          <a:bodyPr>
+            <a:noAutofit/>
+          </a:bodyPr>
+          <a:lstStyle/>
+          <a:p>
+            <a:pPr algn="ctr"/>
+            <a:r>
+              <a:rPr lang="en-US" sz="3200" dirty="0"/>
+              <a:t>100, 1000, &amp; 10000 MC </a:t>
+            </a:r>
+            <a:r>
+              <a:rPr lang="en-US" sz="3200" dirty="0" err="1"/>
+              <a:t>E_soft</a:t>
+            </a:r>
+            <a:r>
+              <a:rPr lang="en-US" sz="3200" dirty="0"/>
+              <a:t> &amp; Bandgap Centers</a:t>
+            </a:r>
+          </a:p>
+        </p:txBody>
+      </p:sp>
+      <p:pic>
+        <p:nvPicPr>
+          <p:cNvPr id="7" name="Content Placeholder 6">
+            <a:extLst>
+              <a:ext uri="{FF2B5EF4-FFF2-40B4-BE49-F238E27FC236}">
+                <a16:creationId xmlns:a16="http://schemas.microsoft.com/office/drawing/2014/main" id="{45C121E0-2D9F-1F26-2360-E24CA0CD5905}"/>
+              </a:ext>
+            </a:extLst>
+          </p:cNvPr>
+          <p:cNvPicPr>
+            <a:picLocks noGrp="1" noChangeAspect="1"/>
+          </p:cNvPicPr>
+          <p:nvPr>
+            <p:ph idx="1"/>
+          </p:nvPr>
+        </p:nvPicPr>
+        <p:blipFill>
+          <a:blip r:embed="rId2"/>
+          <a:srcRect/>
+          <a:stretch/>
+        </p:blipFill>
+        <p:spPr>
+          <a:xfrm>
+            <a:off x="1337301" y="1438275"/>
+            <a:ext cx="9517398" cy="4738688"/>
+          </a:xfrm>
+        </p:spPr>
+      </p:pic>
+    </p:spTree>
+    <p:extLst>
+      <p:ext uri="{BB962C8B-B14F-4D97-AF65-F5344CB8AC3E}">
+        <p14:creationId xmlns:p14="http://schemas.microsoft.com/office/powerpoint/2010/main" val="2587583216"/>
+      </p:ext>
+    </p:extLst>
+  </p:cSld>
+  <p:clrMapOvr>
+    <a:masterClrMapping/>
+  </p:clrMapOvr>
+</p:sld>
+</file>
+
+<file path=ppt/slides/slide23.xml><?xml version="1.0" encoding="utf-8"?>
+<p:sld xmlns:a="http://schemas.openxmlformats.org/drawingml/2006/main" xmlns:r="http://schemas.openxmlformats.org/officeDocument/2006/relationships" xmlns:p="http://schemas.openxmlformats.org/presentationml/2006/main">
+  <p:cSld>
+    <p:spTree>
+      <p:nvGrpSpPr>
+        <p:cNvPr id="1" name=""/>
+        <p:cNvGrpSpPr/>
+        <p:nvPr/>
+      </p:nvGrpSpPr>
+      <p:grpSpPr>
+        <a:xfrm>
+          <a:off x="0" y="0"/>
+          <a:ext cx="0" cy="0"/>
+          <a:chOff x="0" y="0"/>
+          <a:chExt cx="0" cy="0"/>
+        </a:xfrm>
+      </p:grpSpPr>
+      <p:sp>
+        <p:nvSpPr>
+          <p:cNvPr id="2" name="Title 1">
+            <a:extLst>
+              <a:ext uri="{FF2B5EF4-FFF2-40B4-BE49-F238E27FC236}">
+                <a16:creationId xmlns:a16="http://schemas.microsoft.com/office/drawing/2014/main" id="{A4E5947E-1FD9-9A25-FE35-BC5561529035}"/>
+              </a:ext>
+            </a:extLst>
+          </p:cNvPr>
+          <p:cNvSpPr>
+            <a:spLocks noGrp="1"/>
+          </p:cNvSpPr>
+          <p:nvPr>
+            <p:ph type="title"/>
+          </p:nvPr>
+        </p:nvSpPr>
+        <p:spPr/>
+        <p:txBody>
+          <a:bodyPr>
+            <a:noAutofit/>
+          </a:bodyPr>
+          <a:lstStyle/>
+          <a:p>
+            <a:r>
+              <a:rPr lang="en-US" sz="2800" dirty="0"/>
+              <a:t>Stochastic Collocation 1D Quadrature – </a:t>
+            </a:r>
+            <a:r>
+              <a:rPr lang="en-US" sz="2800" dirty="0" err="1"/>
+              <a:t>E_soft</a:t>
+            </a:r>
+            <a:r>
+              <a:rPr lang="en-US" sz="2800" dirty="0"/>
+              <a:t> – Bandgap Size</a:t>
+            </a:r>
+          </a:p>
+        </p:txBody>
+      </p:sp>
+      <p:pic>
+        <p:nvPicPr>
+          <p:cNvPr id="5" name="Content Placeholder 4" descr="A graph with a red line&#10;&#10;Description automatically generated with low confidence">
+            <a:extLst>
+              <a:ext uri="{FF2B5EF4-FFF2-40B4-BE49-F238E27FC236}">
+                <a16:creationId xmlns:a16="http://schemas.microsoft.com/office/drawing/2014/main" id="{E481CCDB-BDC4-87DA-0787-F2BA39A1E2AE}"/>
+              </a:ext>
+            </a:extLst>
+          </p:cNvPr>
+          <p:cNvPicPr>
+            <a:picLocks noGrp="1" noChangeAspect="1"/>
+          </p:cNvPicPr>
+          <p:nvPr>
+            <p:ph idx="1"/>
+          </p:nvPr>
+        </p:nvPicPr>
+        <p:blipFill>
+          <a:blip r:embed="rId2"/>
+          <a:stretch>
+            <a:fillRect/>
+          </a:stretch>
+        </p:blipFill>
+        <p:spPr>
+          <a:xfrm>
+            <a:off x="97524" y="1293872"/>
+            <a:ext cx="5998476" cy="4270256"/>
+          </a:xfrm>
+        </p:spPr>
+      </p:pic>
+      <p:pic>
+        <p:nvPicPr>
+          <p:cNvPr id="6" name="Content Placeholder 4">
+            <a:extLst>
+              <a:ext uri="{FF2B5EF4-FFF2-40B4-BE49-F238E27FC236}">
+                <a16:creationId xmlns:a16="http://schemas.microsoft.com/office/drawing/2014/main" id="{E9363DFE-7C01-94EB-CEC4-D99A220009B8}"/>
+              </a:ext>
+            </a:extLst>
+          </p:cNvPr>
+          <p:cNvPicPr>
+            <a:picLocks noChangeAspect="1"/>
+          </p:cNvPicPr>
+          <p:nvPr/>
+        </p:nvPicPr>
+        <p:blipFill>
+          <a:blip r:embed="rId3"/>
+          <a:srcRect/>
+          <a:stretch/>
+        </p:blipFill>
+        <p:spPr>
+          <a:xfrm>
+            <a:off x="6096000" y="1300362"/>
+            <a:ext cx="5998476" cy="4257276"/>
+          </a:xfrm>
+          <a:prstGeom prst="rect">
+            <a:avLst/>
+          </a:prstGeom>
+        </p:spPr>
+      </p:pic>
+    </p:spTree>
+    <p:extLst>
+      <p:ext uri="{BB962C8B-B14F-4D97-AF65-F5344CB8AC3E}">
+        <p14:creationId xmlns:p14="http://schemas.microsoft.com/office/powerpoint/2010/main" val="3315475792"/>
+      </p:ext>
+    </p:extLst>
+  </p:cSld>
+  <p:clrMapOvr>
+    <a:masterClrMapping/>
+  </p:clrMapOvr>
+</p:sld>
+</file>
+
+<file path=ppt/slides/slide24.xml><?xml version="1.0" encoding="utf-8"?>
+<p:sld xmlns:a="http://schemas.openxmlformats.org/drawingml/2006/main" xmlns:r="http://schemas.openxmlformats.org/officeDocument/2006/relationships" xmlns:p="http://schemas.openxmlformats.org/presentationml/2006/main">
+  <p:cSld>
+    <p:spTree>
+      <p:nvGrpSpPr>
+        <p:cNvPr id="1" name=""/>
+        <p:cNvGrpSpPr/>
+        <p:nvPr/>
+      </p:nvGrpSpPr>
+      <p:grpSpPr>
+        <a:xfrm>
+          <a:off x="0" y="0"/>
+          <a:ext cx="0" cy="0"/>
+          <a:chOff x="0" y="0"/>
+          <a:chExt cx="0" cy="0"/>
+        </a:xfrm>
+      </p:grpSpPr>
+      <p:sp>
+        <p:nvSpPr>
+          <p:cNvPr id="2" name="Title 1">
+            <a:extLst>
+              <a:ext uri="{FF2B5EF4-FFF2-40B4-BE49-F238E27FC236}">
+                <a16:creationId xmlns:a16="http://schemas.microsoft.com/office/drawing/2014/main" id="{6DCC4830-BA42-B1C9-F66B-F78F9E32BB1D}"/>
+              </a:ext>
+            </a:extLst>
+          </p:cNvPr>
+          <p:cNvSpPr>
+            <a:spLocks noGrp="1"/>
+          </p:cNvSpPr>
+          <p:nvPr>
+            <p:ph type="title"/>
+          </p:nvPr>
+        </p:nvSpPr>
+        <p:spPr>
+          <a:xfrm>
+            <a:off x="730120" y="341221"/>
+            <a:ext cx="10731759" cy="1056686"/>
+          </a:xfrm>
+        </p:spPr>
+        <p:txBody>
+          <a:bodyPr>
+            <a:noAutofit/>
+          </a:bodyPr>
+          <a:lstStyle/>
+          <a:p>
+            <a:pPr algn="ctr"/>
+            <a:r>
+              <a:rPr lang="en-US" sz="3200" dirty="0"/>
+              <a:t>100, 1000, &amp; 10000 MC </a:t>
+            </a:r>
+            <a:r>
+              <a:rPr lang="en-US" sz="3200" dirty="0" err="1"/>
+              <a:t>E_hard</a:t>
+            </a:r>
+            <a:r>
+              <a:rPr lang="en-US" sz="3200" dirty="0"/>
+              <a:t> &amp; Bandgap Sizes</a:t>
+            </a:r>
+          </a:p>
+        </p:txBody>
+      </p:sp>
+      <p:pic>
+        <p:nvPicPr>
+          <p:cNvPr id="7" name="Content Placeholder 6">
+            <a:extLst>
+              <a:ext uri="{FF2B5EF4-FFF2-40B4-BE49-F238E27FC236}">
+                <a16:creationId xmlns:a16="http://schemas.microsoft.com/office/drawing/2014/main" id="{45C121E0-2D9F-1F26-2360-E24CA0CD5905}"/>
+              </a:ext>
+            </a:extLst>
+          </p:cNvPr>
+          <p:cNvPicPr>
+            <a:picLocks noGrp="1" noChangeAspect="1"/>
+          </p:cNvPicPr>
+          <p:nvPr>
+            <p:ph idx="1"/>
+          </p:nvPr>
+        </p:nvPicPr>
+        <p:blipFill>
+          <a:blip r:embed="rId2"/>
+          <a:srcRect/>
+          <a:stretch/>
+        </p:blipFill>
+        <p:spPr>
+          <a:xfrm>
+            <a:off x="1337301" y="1438275"/>
+            <a:ext cx="9517398" cy="4738688"/>
+          </a:xfrm>
+        </p:spPr>
+      </p:pic>
+    </p:spTree>
+    <p:extLst>
+      <p:ext uri="{BB962C8B-B14F-4D97-AF65-F5344CB8AC3E}">
+        <p14:creationId xmlns:p14="http://schemas.microsoft.com/office/powerpoint/2010/main" val="3493700788"/>
+      </p:ext>
+    </p:extLst>
+  </p:cSld>
+  <p:clrMapOvr>
+    <a:masterClrMapping/>
+  </p:clrMapOvr>
+</p:sld>
+</file>
+
+<file path=ppt/slides/slide25.xml><?xml version="1.0" encoding="utf-8"?>
+<p:sld xmlns:a="http://schemas.openxmlformats.org/drawingml/2006/main" xmlns:r="http://schemas.openxmlformats.org/officeDocument/2006/relationships" xmlns:p="http://schemas.openxmlformats.org/presentationml/2006/main">
+  <p:cSld>
+    <p:spTree>
+      <p:nvGrpSpPr>
+        <p:cNvPr id="1" name=""/>
+        <p:cNvGrpSpPr/>
+        <p:nvPr/>
+      </p:nvGrpSpPr>
+      <p:grpSpPr>
+        <a:xfrm>
+          <a:off x="0" y="0"/>
+          <a:ext cx="0" cy="0"/>
+          <a:chOff x="0" y="0"/>
+          <a:chExt cx="0" cy="0"/>
+        </a:xfrm>
+      </p:grpSpPr>
+      <p:sp>
+        <p:nvSpPr>
+          <p:cNvPr id="2" name="Title 1">
+            <a:extLst>
+              <a:ext uri="{FF2B5EF4-FFF2-40B4-BE49-F238E27FC236}">
+                <a16:creationId xmlns:a16="http://schemas.microsoft.com/office/drawing/2014/main" id="{6DCC4830-BA42-B1C9-F66B-F78F9E32BB1D}"/>
+              </a:ext>
+            </a:extLst>
+          </p:cNvPr>
+          <p:cNvSpPr>
+            <a:spLocks noGrp="1"/>
+          </p:cNvSpPr>
+          <p:nvPr>
+            <p:ph type="title"/>
+          </p:nvPr>
+        </p:nvSpPr>
+        <p:spPr>
+          <a:xfrm>
+            <a:off x="730120" y="341221"/>
+            <a:ext cx="10731759" cy="1056686"/>
+          </a:xfrm>
+        </p:spPr>
+        <p:txBody>
+          <a:bodyPr>
+            <a:noAutofit/>
+          </a:bodyPr>
+          <a:lstStyle/>
+          <a:p>
+            <a:pPr algn="ctr"/>
+            <a:r>
+              <a:rPr lang="en-US" sz="3200" dirty="0"/>
+              <a:t>100, 1000, &amp; 10000 MC </a:t>
+            </a:r>
+            <a:r>
+              <a:rPr lang="en-US" sz="3200" dirty="0" err="1"/>
+              <a:t>E_hard</a:t>
+            </a:r>
+            <a:r>
+              <a:rPr lang="en-US" sz="3200" dirty="0"/>
+              <a:t> &amp; Bandgap Centers</a:t>
+            </a:r>
+          </a:p>
+        </p:txBody>
+      </p:sp>
+      <p:pic>
+        <p:nvPicPr>
+          <p:cNvPr id="7" name="Content Placeholder 6">
+            <a:extLst>
+              <a:ext uri="{FF2B5EF4-FFF2-40B4-BE49-F238E27FC236}">
+                <a16:creationId xmlns:a16="http://schemas.microsoft.com/office/drawing/2014/main" id="{45C121E0-2D9F-1F26-2360-E24CA0CD5905}"/>
+              </a:ext>
+            </a:extLst>
+          </p:cNvPr>
+          <p:cNvPicPr>
+            <a:picLocks noGrp="1" noChangeAspect="1"/>
+          </p:cNvPicPr>
+          <p:nvPr>
+            <p:ph idx="1"/>
+          </p:nvPr>
+        </p:nvPicPr>
+        <p:blipFill>
+          <a:blip r:embed="rId2"/>
+          <a:srcRect/>
+          <a:stretch/>
+        </p:blipFill>
+        <p:spPr>
+          <a:xfrm>
+            <a:off x="1337301" y="1438275"/>
+            <a:ext cx="9517398" cy="4738688"/>
+          </a:xfrm>
+        </p:spPr>
+      </p:pic>
+    </p:spTree>
+    <p:extLst>
+      <p:ext uri="{BB962C8B-B14F-4D97-AF65-F5344CB8AC3E}">
+        <p14:creationId xmlns:p14="http://schemas.microsoft.com/office/powerpoint/2010/main" val="962386046"/>
+      </p:ext>
+    </p:extLst>
+  </p:cSld>
+  <p:clrMapOvr>
+    <a:masterClrMapping/>
+  </p:clrMapOvr>
+</p:sld>
+</file>
+
+<file path=ppt/slides/slide26.xml><?xml version="1.0" encoding="utf-8"?>
+<p:sld xmlns:a="http://schemas.openxmlformats.org/drawingml/2006/main" xmlns:r="http://schemas.openxmlformats.org/officeDocument/2006/relationships" xmlns:p="http://schemas.openxmlformats.org/presentationml/2006/main">
+  <p:cSld>
+    <p:spTree>
+      <p:nvGrpSpPr>
+        <p:cNvPr id="1" name=""/>
+        <p:cNvGrpSpPr/>
+        <p:nvPr/>
+      </p:nvGrpSpPr>
+      <p:grpSpPr>
+        <a:xfrm>
+          <a:off x="0" y="0"/>
+          <a:ext cx="0" cy="0"/>
+          <a:chOff x="0" y="0"/>
+          <a:chExt cx="0" cy="0"/>
+        </a:xfrm>
+      </p:grpSpPr>
+      <p:sp>
+        <p:nvSpPr>
+          <p:cNvPr id="2" name="Title 1">
+            <a:extLst>
+              <a:ext uri="{FF2B5EF4-FFF2-40B4-BE49-F238E27FC236}">
+                <a16:creationId xmlns:a16="http://schemas.microsoft.com/office/drawing/2014/main" id="{A4E5947E-1FD9-9A25-FE35-BC5561529035}"/>
+              </a:ext>
+            </a:extLst>
+          </p:cNvPr>
+          <p:cNvSpPr>
+            <a:spLocks noGrp="1"/>
+          </p:cNvSpPr>
+          <p:nvPr>
+            <p:ph type="title"/>
+          </p:nvPr>
+        </p:nvSpPr>
+        <p:spPr/>
+        <p:txBody>
+          <a:bodyPr>
+            <a:noAutofit/>
+          </a:bodyPr>
+          <a:lstStyle/>
+          <a:p>
+            <a:r>
+              <a:rPr lang="en-US" sz="2800" dirty="0"/>
+              <a:t>Stochastic Collocation 1D Quadrature – </a:t>
+            </a:r>
+            <a:r>
+              <a:rPr lang="en-US" sz="2800" dirty="0" err="1"/>
+              <a:t>E_hard</a:t>
+            </a:r>
+            <a:r>
+              <a:rPr lang="en-US" sz="2800" dirty="0"/>
+              <a:t> – Bandgap Size</a:t>
+            </a:r>
+          </a:p>
+        </p:txBody>
+      </p:sp>
+      <p:pic>
+        <p:nvPicPr>
+          <p:cNvPr id="5" name="Content Placeholder 4">
+            <a:extLst>
+              <a:ext uri="{FF2B5EF4-FFF2-40B4-BE49-F238E27FC236}">
+                <a16:creationId xmlns:a16="http://schemas.microsoft.com/office/drawing/2014/main" id="{E481CCDB-BDC4-87DA-0787-F2BA39A1E2AE}"/>
+              </a:ext>
+            </a:extLst>
+          </p:cNvPr>
+          <p:cNvPicPr>
+            <a:picLocks noGrp="1" noChangeAspect="1"/>
+          </p:cNvPicPr>
+          <p:nvPr>
+            <p:ph idx="1"/>
+          </p:nvPr>
+        </p:nvPicPr>
+        <p:blipFill>
+          <a:blip r:embed="rId2"/>
+          <a:srcRect/>
+          <a:stretch/>
+        </p:blipFill>
+        <p:spPr>
+          <a:xfrm>
+            <a:off x="97524" y="1293872"/>
+            <a:ext cx="5998476" cy="4270256"/>
+          </a:xfrm>
+        </p:spPr>
+      </p:pic>
+      <p:pic>
+        <p:nvPicPr>
+          <p:cNvPr id="6" name="Content Placeholder 4">
+            <a:extLst>
+              <a:ext uri="{FF2B5EF4-FFF2-40B4-BE49-F238E27FC236}">
+                <a16:creationId xmlns:a16="http://schemas.microsoft.com/office/drawing/2014/main" id="{E9363DFE-7C01-94EB-CEC4-D99A220009B8}"/>
+              </a:ext>
+            </a:extLst>
+          </p:cNvPr>
+          <p:cNvPicPr>
+            <a:picLocks noChangeAspect="1"/>
+          </p:cNvPicPr>
+          <p:nvPr/>
+        </p:nvPicPr>
+        <p:blipFill>
+          <a:blip r:embed="rId3"/>
+          <a:srcRect/>
+          <a:stretch/>
+        </p:blipFill>
+        <p:spPr>
+          <a:xfrm>
+            <a:off x="6096000" y="1300362"/>
+            <a:ext cx="5998475" cy="4257276"/>
+          </a:xfrm>
+          <a:prstGeom prst="rect">
+            <a:avLst/>
+          </a:prstGeom>
+        </p:spPr>
+      </p:pic>
+    </p:spTree>
+    <p:extLst>
+      <p:ext uri="{BB962C8B-B14F-4D97-AF65-F5344CB8AC3E}">
+        <p14:creationId xmlns:p14="http://schemas.microsoft.com/office/powerpoint/2010/main" val="6012088"/>
+      </p:ext>
+    </p:extLst>
+  </p:cSld>
+  <p:clrMapOvr>
+    <a:masterClrMapping/>
+  </p:clrMapOvr>
+</p:sld>
+</file>
+
+<file path=ppt/slides/slide27.xml><?xml version="1.0" encoding="utf-8"?>
+<p:sld xmlns:a="http://schemas.openxmlformats.org/drawingml/2006/main" xmlns:r="http://schemas.openxmlformats.org/officeDocument/2006/relationships" xmlns:p="http://schemas.openxmlformats.org/presentationml/2006/main">
+  <p:cSld>
+    <p:spTree>
+      <p:nvGrpSpPr>
+        <p:cNvPr id="1" name=""/>
+        <p:cNvGrpSpPr/>
+        <p:nvPr/>
+      </p:nvGrpSpPr>
+      <p:grpSpPr>
+        <a:xfrm>
+          <a:off x="0" y="0"/>
+          <a:ext cx="0" cy="0"/>
+          <a:chOff x="0" y="0"/>
+          <a:chExt cx="0" cy="0"/>
+        </a:xfrm>
+      </p:grpSpPr>
+      <p:sp>
+        <p:nvSpPr>
+          <p:cNvPr id="2" name="Title 1">
+            <a:extLst>
+              <a:ext uri="{FF2B5EF4-FFF2-40B4-BE49-F238E27FC236}">
+                <a16:creationId xmlns:a16="http://schemas.microsoft.com/office/drawing/2014/main" id="{6DCC4830-BA42-B1C9-F66B-F78F9E32BB1D}"/>
+              </a:ext>
+            </a:extLst>
+          </p:cNvPr>
+          <p:cNvSpPr>
+            <a:spLocks noGrp="1"/>
+          </p:cNvSpPr>
+          <p:nvPr>
+            <p:ph type="title"/>
+          </p:nvPr>
+        </p:nvSpPr>
+        <p:spPr>
+          <a:xfrm>
+            <a:off x="730120" y="341221"/>
+            <a:ext cx="10731759" cy="1056686"/>
+          </a:xfrm>
+        </p:spPr>
+        <p:txBody>
+          <a:bodyPr>
+            <a:noAutofit/>
+          </a:bodyPr>
+          <a:lstStyle/>
+          <a:p>
+            <a:pPr algn="ctr"/>
+            <a:r>
+              <a:rPr lang="en-US" sz="3200" dirty="0"/>
+              <a:t>100, 1000, &amp; 10000 MC </a:t>
+            </a:r>
+            <a:r>
+              <a:rPr lang="en-US" sz="3200" dirty="0" err="1"/>
+              <a:t>Rho_soft</a:t>
+            </a:r>
+            <a:r>
+              <a:rPr lang="en-US" sz="3200" dirty="0"/>
+              <a:t> &amp; Bandgap Sizes</a:t>
+            </a:r>
+          </a:p>
+        </p:txBody>
+      </p:sp>
+      <p:pic>
+        <p:nvPicPr>
+          <p:cNvPr id="7" name="Content Placeholder 6">
+            <a:extLst>
+              <a:ext uri="{FF2B5EF4-FFF2-40B4-BE49-F238E27FC236}">
+                <a16:creationId xmlns:a16="http://schemas.microsoft.com/office/drawing/2014/main" id="{45C121E0-2D9F-1F26-2360-E24CA0CD5905}"/>
+              </a:ext>
+            </a:extLst>
+          </p:cNvPr>
+          <p:cNvPicPr>
+            <a:picLocks noGrp="1" noChangeAspect="1"/>
+          </p:cNvPicPr>
+          <p:nvPr>
+            <p:ph idx="1"/>
+          </p:nvPr>
+        </p:nvPicPr>
+        <p:blipFill>
+          <a:blip r:embed="rId2"/>
+          <a:srcRect/>
+          <a:stretch/>
+        </p:blipFill>
+        <p:spPr>
+          <a:xfrm>
+            <a:off x="1337301" y="1438275"/>
+            <a:ext cx="9517398" cy="4738688"/>
+          </a:xfrm>
+        </p:spPr>
+      </p:pic>
+    </p:spTree>
+    <p:extLst>
+      <p:ext uri="{BB962C8B-B14F-4D97-AF65-F5344CB8AC3E}">
+        <p14:creationId xmlns:p14="http://schemas.microsoft.com/office/powerpoint/2010/main" val="2167552379"/>
+      </p:ext>
+    </p:extLst>
+  </p:cSld>
+  <p:clrMapOvr>
+    <a:masterClrMapping/>
+  </p:clrMapOvr>
+</p:sld>
+</file>
+
+<file path=ppt/slides/slide28.xml><?xml version="1.0" encoding="utf-8"?>
+<p:sld xmlns:a="http://schemas.openxmlformats.org/drawingml/2006/main" xmlns:r="http://schemas.openxmlformats.org/officeDocument/2006/relationships" xmlns:p="http://schemas.openxmlformats.org/presentationml/2006/main">
+  <p:cSld>
+    <p:spTree>
+      <p:nvGrpSpPr>
+        <p:cNvPr id="1" name=""/>
+        <p:cNvGrpSpPr/>
+        <p:nvPr/>
+      </p:nvGrpSpPr>
+      <p:grpSpPr>
+        <a:xfrm>
+          <a:off x="0" y="0"/>
+          <a:ext cx="0" cy="0"/>
+          <a:chOff x="0" y="0"/>
+          <a:chExt cx="0" cy="0"/>
+        </a:xfrm>
+      </p:grpSpPr>
+      <p:sp>
+        <p:nvSpPr>
+          <p:cNvPr id="2" name="Title 1">
+            <a:extLst>
+              <a:ext uri="{FF2B5EF4-FFF2-40B4-BE49-F238E27FC236}">
+                <a16:creationId xmlns:a16="http://schemas.microsoft.com/office/drawing/2014/main" id="{6DCC4830-BA42-B1C9-F66B-F78F9E32BB1D}"/>
+              </a:ext>
+            </a:extLst>
+          </p:cNvPr>
+          <p:cNvSpPr>
+            <a:spLocks noGrp="1"/>
+          </p:cNvSpPr>
+          <p:nvPr>
+            <p:ph type="title"/>
+          </p:nvPr>
+        </p:nvSpPr>
+        <p:spPr>
+          <a:xfrm>
+            <a:off x="730120" y="341221"/>
+            <a:ext cx="10731759" cy="1056686"/>
+          </a:xfrm>
+        </p:spPr>
+        <p:txBody>
+          <a:bodyPr>
+            <a:noAutofit/>
+          </a:bodyPr>
+          <a:lstStyle/>
+          <a:p>
+            <a:pPr algn="ctr"/>
+            <a:r>
+              <a:rPr lang="en-US" sz="3200" dirty="0"/>
+              <a:t>100, 1000, &amp; 10000 MC </a:t>
+            </a:r>
+            <a:r>
+              <a:rPr lang="en-US" sz="3200" dirty="0" err="1"/>
+              <a:t>rho_soft</a:t>
+            </a:r>
+            <a:r>
+              <a:rPr lang="en-US" sz="3200" dirty="0"/>
+              <a:t> &amp; Bandgap Centers</a:t>
+            </a:r>
+          </a:p>
+        </p:txBody>
+      </p:sp>
+      <p:pic>
+        <p:nvPicPr>
+          <p:cNvPr id="7" name="Content Placeholder 6">
+            <a:extLst>
+              <a:ext uri="{FF2B5EF4-FFF2-40B4-BE49-F238E27FC236}">
+                <a16:creationId xmlns:a16="http://schemas.microsoft.com/office/drawing/2014/main" id="{45C121E0-2D9F-1F26-2360-E24CA0CD5905}"/>
+              </a:ext>
+            </a:extLst>
+          </p:cNvPr>
+          <p:cNvPicPr>
+            <a:picLocks noGrp="1" noChangeAspect="1"/>
+          </p:cNvPicPr>
+          <p:nvPr>
+            <p:ph idx="1"/>
+          </p:nvPr>
+        </p:nvPicPr>
+        <p:blipFill>
+          <a:blip r:embed="rId2"/>
+          <a:srcRect/>
+          <a:stretch/>
+        </p:blipFill>
+        <p:spPr>
+          <a:xfrm>
+            <a:off x="1337301" y="1438275"/>
+            <a:ext cx="9517398" cy="4738688"/>
+          </a:xfrm>
+        </p:spPr>
+      </p:pic>
+    </p:spTree>
+    <p:extLst>
+      <p:ext uri="{BB962C8B-B14F-4D97-AF65-F5344CB8AC3E}">
+        <p14:creationId xmlns:p14="http://schemas.microsoft.com/office/powerpoint/2010/main" val="523439960"/>
+      </p:ext>
+    </p:extLst>
+  </p:cSld>
+  <p:clrMapOvr>
+    <a:masterClrMapping/>
+  </p:clrMapOvr>
+</p:sld>
+</file>
+
+<file path=ppt/slides/slide29.xml><?xml version="1.0" encoding="utf-8"?>
+<p:sld xmlns:a="http://schemas.openxmlformats.org/drawingml/2006/main" xmlns:r="http://schemas.openxmlformats.org/officeDocument/2006/relationships" xmlns:p="http://schemas.openxmlformats.org/presentationml/2006/main">
+  <p:cSld>
+    <p:spTree>
+      <p:nvGrpSpPr>
+        <p:cNvPr id="1" name=""/>
+        <p:cNvGrpSpPr/>
+        <p:nvPr/>
+      </p:nvGrpSpPr>
+      <p:grpSpPr>
+        <a:xfrm>
+          <a:off x="0" y="0"/>
+          <a:ext cx="0" cy="0"/>
+          <a:chOff x="0" y="0"/>
+          <a:chExt cx="0" cy="0"/>
+        </a:xfrm>
+      </p:grpSpPr>
+      <p:sp>
+        <p:nvSpPr>
+          <p:cNvPr id="2" name="Title 1">
+            <a:extLst>
+              <a:ext uri="{FF2B5EF4-FFF2-40B4-BE49-F238E27FC236}">
+                <a16:creationId xmlns:a16="http://schemas.microsoft.com/office/drawing/2014/main" id="{A4E5947E-1FD9-9A25-FE35-BC5561529035}"/>
+              </a:ext>
+            </a:extLst>
+          </p:cNvPr>
+          <p:cNvSpPr>
+            <a:spLocks noGrp="1"/>
+          </p:cNvSpPr>
+          <p:nvPr>
+            <p:ph type="title"/>
+          </p:nvPr>
+        </p:nvSpPr>
+        <p:spPr/>
+        <p:txBody>
+          <a:bodyPr>
+            <a:noAutofit/>
+          </a:bodyPr>
+          <a:lstStyle/>
+          <a:p>
+            <a:r>
+              <a:rPr lang="en-US" sz="2800" dirty="0"/>
+              <a:t>Stochastic Collocation 1D Quadrature – </a:t>
+            </a:r>
+            <a:r>
+              <a:rPr lang="en-US" sz="2800" dirty="0" err="1"/>
+              <a:t>rho_soft</a:t>
+            </a:r>
+            <a:r>
+              <a:rPr lang="en-US" sz="2800" dirty="0"/>
+              <a:t> – Bandgap Size</a:t>
+            </a:r>
+          </a:p>
+        </p:txBody>
+      </p:sp>
+      <p:sp>
+        <p:nvSpPr>
+          <p:cNvPr id="4" name="Content Placeholder 3">
+            <a:extLst>
+              <a:ext uri="{FF2B5EF4-FFF2-40B4-BE49-F238E27FC236}">
+                <a16:creationId xmlns:a16="http://schemas.microsoft.com/office/drawing/2014/main" id="{1EF3B450-ACB3-F857-A37F-3D8465AD3832}"/>
+              </a:ext>
+            </a:extLst>
+          </p:cNvPr>
+          <p:cNvSpPr>
+            <a:spLocks noGrp="1"/>
+          </p:cNvSpPr>
+          <p:nvPr>
+            <p:ph idx="1"/>
+          </p:nvPr>
+        </p:nvSpPr>
+        <p:spPr/>
+        <p:txBody>
+          <a:bodyPr/>
+          <a:lstStyle/>
+          <a:p>
+            <a:endParaRPr lang="en-US" dirty="0"/>
+          </a:p>
+        </p:txBody>
+      </p:sp>
+    </p:spTree>
+    <p:extLst>
+      <p:ext uri="{BB962C8B-B14F-4D97-AF65-F5344CB8AC3E}">
+        <p14:creationId xmlns:p14="http://schemas.microsoft.com/office/powerpoint/2010/main" val="52214635"/>
       </p:ext>
     </p:extLst>
   </p:cSld>
@@ -6290,6 +7317,335 @@
     <p:extLst>
       <p:ext uri="{BB962C8B-B14F-4D97-AF65-F5344CB8AC3E}">
         <p14:creationId xmlns:p14="http://schemas.microsoft.com/office/powerpoint/2010/main" val="3601365085"/>
+      </p:ext>
+    </p:extLst>
+  </p:cSld>
+  <p:clrMapOvr>
+    <a:masterClrMapping/>
+  </p:clrMapOvr>
+</p:sld>
+</file>
+
+<file path=ppt/slides/slide30.xml><?xml version="1.0" encoding="utf-8"?>
+<p:sld xmlns:a="http://schemas.openxmlformats.org/drawingml/2006/main" xmlns:r="http://schemas.openxmlformats.org/officeDocument/2006/relationships" xmlns:p="http://schemas.openxmlformats.org/presentationml/2006/main">
+  <p:cSld>
+    <p:spTree>
+      <p:nvGrpSpPr>
+        <p:cNvPr id="1" name=""/>
+        <p:cNvGrpSpPr/>
+        <p:nvPr/>
+      </p:nvGrpSpPr>
+      <p:grpSpPr>
+        <a:xfrm>
+          <a:off x="0" y="0"/>
+          <a:ext cx="0" cy="0"/>
+          <a:chOff x="0" y="0"/>
+          <a:chExt cx="0" cy="0"/>
+        </a:xfrm>
+      </p:grpSpPr>
+      <p:sp>
+        <p:nvSpPr>
+          <p:cNvPr id="2" name="Title 1">
+            <a:extLst>
+              <a:ext uri="{FF2B5EF4-FFF2-40B4-BE49-F238E27FC236}">
+                <a16:creationId xmlns:a16="http://schemas.microsoft.com/office/drawing/2014/main" id="{6DCC4830-BA42-B1C9-F66B-F78F9E32BB1D}"/>
+              </a:ext>
+            </a:extLst>
+          </p:cNvPr>
+          <p:cNvSpPr>
+            <a:spLocks noGrp="1"/>
+          </p:cNvSpPr>
+          <p:nvPr>
+            <p:ph type="title"/>
+          </p:nvPr>
+        </p:nvSpPr>
+        <p:spPr>
+          <a:xfrm>
+            <a:off x="730120" y="341221"/>
+            <a:ext cx="10731759" cy="1056686"/>
+          </a:xfrm>
+        </p:spPr>
+        <p:txBody>
+          <a:bodyPr>
+            <a:noAutofit/>
+          </a:bodyPr>
+          <a:lstStyle/>
+          <a:p>
+            <a:pPr algn="ctr"/>
+            <a:r>
+              <a:rPr lang="en-US" sz="3200" dirty="0"/>
+              <a:t>100, 1000, &amp; 10000 MC </a:t>
+            </a:r>
+            <a:r>
+              <a:rPr lang="en-US" sz="3200" dirty="0" err="1"/>
+              <a:t>Rho_hard</a:t>
+            </a:r>
+            <a:r>
+              <a:rPr lang="en-US" sz="3200" dirty="0"/>
+              <a:t> &amp; Bandgap Sizes</a:t>
+            </a:r>
+          </a:p>
+        </p:txBody>
+      </p:sp>
+      <p:pic>
+        <p:nvPicPr>
+          <p:cNvPr id="7" name="Content Placeholder 6">
+            <a:extLst>
+              <a:ext uri="{FF2B5EF4-FFF2-40B4-BE49-F238E27FC236}">
+                <a16:creationId xmlns:a16="http://schemas.microsoft.com/office/drawing/2014/main" id="{45C121E0-2D9F-1F26-2360-E24CA0CD5905}"/>
+              </a:ext>
+            </a:extLst>
+          </p:cNvPr>
+          <p:cNvPicPr>
+            <a:picLocks noGrp="1" noChangeAspect="1"/>
+          </p:cNvPicPr>
+          <p:nvPr>
+            <p:ph idx="1"/>
+          </p:nvPr>
+        </p:nvPicPr>
+        <p:blipFill>
+          <a:blip r:embed="rId2"/>
+          <a:srcRect/>
+          <a:stretch/>
+        </p:blipFill>
+        <p:spPr>
+          <a:xfrm>
+            <a:off x="1337301" y="1438275"/>
+            <a:ext cx="9517398" cy="4738688"/>
+          </a:xfrm>
+        </p:spPr>
+      </p:pic>
+    </p:spTree>
+    <p:extLst>
+      <p:ext uri="{BB962C8B-B14F-4D97-AF65-F5344CB8AC3E}">
+        <p14:creationId xmlns:p14="http://schemas.microsoft.com/office/powerpoint/2010/main" val="1938568823"/>
+      </p:ext>
+    </p:extLst>
+  </p:cSld>
+  <p:clrMapOvr>
+    <a:masterClrMapping/>
+  </p:clrMapOvr>
+</p:sld>
+</file>
+
+<file path=ppt/slides/slide31.xml><?xml version="1.0" encoding="utf-8"?>
+<p:sld xmlns:a="http://schemas.openxmlformats.org/drawingml/2006/main" xmlns:r="http://schemas.openxmlformats.org/officeDocument/2006/relationships" xmlns:p="http://schemas.openxmlformats.org/presentationml/2006/main">
+  <p:cSld>
+    <p:spTree>
+      <p:nvGrpSpPr>
+        <p:cNvPr id="1" name=""/>
+        <p:cNvGrpSpPr/>
+        <p:nvPr/>
+      </p:nvGrpSpPr>
+      <p:grpSpPr>
+        <a:xfrm>
+          <a:off x="0" y="0"/>
+          <a:ext cx="0" cy="0"/>
+          <a:chOff x="0" y="0"/>
+          <a:chExt cx="0" cy="0"/>
+        </a:xfrm>
+      </p:grpSpPr>
+      <p:sp>
+        <p:nvSpPr>
+          <p:cNvPr id="2" name="Title 1">
+            <a:extLst>
+              <a:ext uri="{FF2B5EF4-FFF2-40B4-BE49-F238E27FC236}">
+                <a16:creationId xmlns:a16="http://schemas.microsoft.com/office/drawing/2014/main" id="{6DCC4830-BA42-B1C9-F66B-F78F9E32BB1D}"/>
+              </a:ext>
+            </a:extLst>
+          </p:cNvPr>
+          <p:cNvSpPr>
+            <a:spLocks noGrp="1"/>
+          </p:cNvSpPr>
+          <p:nvPr>
+            <p:ph type="title"/>
+          </p:nvPr>
+        </p:nvSpPr>
+        <p:spPr>
+          <a:xfrm>
+            <a:off x="730120" y="341221"/>
+            <a:ext cx="10731759" cy="1056686"/>
+          </a:xfrm>
+        </p:spPr>
+        <p:txBody>
+          <a:bodyPr>
+            <a:noAutofit/>
+          </a:bodyPr>
+          <a:lstStyle/>
+          <a:p>
+            <a:pPr algn="ctr"/>
+            <a:r>
+              <a:rPr lang="en-US" sz="3200" dirty="0"/>
+              <a:t>100, 1000, &amp; 10000 MC </a:t>
+            </a:r>
+            <a:r>
+              <a:rPr lang="en-US" sz="3200" dirty="0" err="1"/>
+              <a:t>rho_soft</a:t>
+            </a:r>
+            <a:r>
+              <a:rPr lang="en-US" sz="3200" dirty="0"/>
+              <a:t> &amp; Bandgap Centers</a:t>
+            </a:r>
+          </a:p>
+        </p:txBody>
+      </p:sp>
+      <p:pic>
+        <p:nvPicPr>
+          <p:cNvPr id="7" name="Content Placeholder 6">
+            <a:extLst>
+              <a:ext uri="{FF2B5EF4-FFF2-40B4-BE49-F238E27FC236}">
+                <a16:creationId xmlns:a16="http://schemas.microsoft.com/office/drawing/2014/main" id="{45C121E0-2D9F-1F26-2360-E24CA0CD5905}"/>
+              </a:ext>
+            </a:extLst>
+          </p:cNvPr>
+          <p:cNvPicPr>
+            <a:picLocks noGrp="1" noChangeAspect="1"/>
+          </p:cNvPicPr>
+          <p:nvPr>
+            <p:ph idx="1"/>
+          </p:nvPr>
+        </p:nvPicPr>
+        <p:blipFill>
+          <a:blip r:embed="rId2"/>
+          <a:srcRect/>
+          <a:stretch/>
+        </p:blipFill>
+        <p:spPr>
+          <a:xfrm>
+            <a:off x="1337301" y="1438275"/>
+            <a:ext cx="9517398" cy="4738688"/>
+          </a:xfrm>
+        </p:spPr>
+      </p:pic>
+    </p:spTree>
+    <p:extLst>
+      <p:ext uri="{BB962C8B-B14F-4D97-AF65-F5344CB8AC3E}">
+        <p14:creationId xmlns:p14="http://schemas.microsoft.com/office/powerpoint/2010/main" val="603733736"/>
+      </p:ext>
+    </p:extLst>
+  </p:cSld>
+  <p:clrMapOvr>
+    <a:masterClrMapping/>
+  </p:clrMapOvr>
+</p:sld>
+</file>
+
+<file path=ppt/slides/slide32.xml><?xml version="1.0" encoding="utf-8"?>
+<p:sld xmlns:a="http://schemas.openxmlformats.org/drawingml/2006/main" xmlns:r="http://schemas.openxmlformats.org/officeDocument/2006/relationships" xmlns:p="http://schemas.openxmlformats.org/presentationml/2006/main">
+  <p:cSld>
+    <p:spTree>
+      <p:nvGrpSpPr>
+        <p:cNvPr id="1" name=""/>
+        <p:cNvGrpSpPr/>
+        <p:nvPr/>
+      </p:nvGrpSpPr>
+      <p:grpSpPr>
+        <a:xfrm>
+          <a:off x="0" y="0"/>
+          <a:ext cx="0" cy="0"/>
+          <a:chOff x="0" y="0"/>
+          <a:chExt cx="0" cy="0"/>
+        </a:xfrm>
+      </p:grpSpPr>
+      <p:sp>
+        <p:nvSpPr>
+          <p:cNvPr id="2" name="Title 1">
+            <a:extLst>
+              <a:ext uri="{FF2B5EF4-FFF2-40B4-BE49-F238E27FC236}">
+                <a16:creationId xmlns:a16="http://schemas.microsoft.com/office/drawing/2014/main" id="{A4E5947E-1FD9-9A25-FE35-BC5561529035}"/>
+              </a:ext>
+            </a:extLst>
+          </p:cNvPr>
+          <p:cNvSpPr>
+            <a:spLocks noGrp="1"/>
+          </p:cNvSpPr>
+          <p:nvPr>
+            <p:ph type="title"/>
+          </p:nvPr>
+        </p:nvSpPr>
+        <p:spPr/>
+        <p:txBody>
+          <a:bodyPr>
+            <a:noAutofit/>
+          </a:bodyPr>
+          <a:lstStyle/>
+          <a:p>
+            <a:r>
+              <a:rPr lang="en-US" sz="2800" dirty="0"/>
+              <a:t>Stochastic Collocation 1D Quadrature – </a:t>
+            </a:r>
+            <a:r>
+              <a:rPr lang="en-US" sz="2800" dirty="0" err="1"/>
+              <a:t>E_hard</a:t>
+            </a:r>
+            <a:r>
+              <a:rPr lang="en-US" sz="2800" dirty="0"/>
+              <a:t> – Bandgap Size</a:t>
+            </a:r>
+          </a:p>
+        </p:txBody>
+      </p:sp>
+      <p:pic>
+        <p:nvPicPr>
+          <p:cNvPr id="5" name="Content Placeholder 4">
+            <a:extLst>
+              <a:ext uri="{FF2B5EF4-FFF2-40B4-BE49-F238E27FC236}">
+                <a16:creationId xmlns:a16="http://schemas.microsoft.com/office/drawing/2014/main" id="{E481CCDB-BDC4-87DA-0787-F2BA39A1E2AE}"/>
+              </a:ext>
+            </a:extLst>
+          </p:cNvPr>
+          <p:cNvPicPr>
+            <a:picLocks noGrp="1" noChangeAspect="1"/>
+          </p:cNvPicPr>
+          <p:nvPr>
+            <p:ph idx="1"/>
+          </p:nvPr>
+        </p:nvPicPr>
+        <p:blipFill>
+          <a:blip r:embed="rId2"/>
+          <a:srcRect/>
+          <a:stretch/>
+        </p:blipFill>
+        <p:spPr>
+          <a:xfrm>
+            <a:off x="97524" y="1293872"/>
+            <a:ext cx="5998476" cy="4270256"/>
+          </a:xfrm>
+        </p:spPr>
+      </p:pic>
+      <p:pic>
+        <p:nvPicPr>
+          <p:cNvPr id="6" name="Content Placeholder 4">
+            <a:extLst>
+              <a:ext uri="{FF2B5EF4-FFF2-40B4-BE49-F238E27FC236}">
+                <a16:creationId xmlns:a16="http://schemas.microsoft.com/office/drawing/2014/main" id="{E9363DFE-7C01-94EB-CEC4-D99A220009B8}"/>
+              </a:ext>
+            </a:extLst>
+          </p:cNvPr>
+          <p:cNvPicPr>
+            <a:picLocks noChangeAspect="1"/>
+          </p:cNvPicPr>
+          <p:nvPr/>
+        </p:nvPicPr>
+        <p:blipFill>
+          <a:blip r:embed="rId3"/>
+          <a:srcRect/>
+          <a:stretch/>
+        </p:blipFill>
+        <p:spPr>
+          <a:xfrm>
+            <a:off x="6096000" y="1300362"/>
+            <a:ext cx="5998475" cy="4257275"/>
+          </a:xfrm>
+          <a:prstGeom prst="rect">
+            <a:avLst/>
+          </a:prstGeom>
+        </p:spPr>
+      </p:pic>
+    </p:spTree>
+    <p:extLst>
+      <p:ext uri="{BB962C8B-B14F-4D97-AF65-F5344CB8AC3E}">
+        <p14:creationId xmlns:p14="http://schemas.microsoft.com/office/powerpoint/2010/main" val="3211597128"/>
       </p:ext>
     </p:extLst>
   </p:cSld>
@@ -6569,7 +7925,7 @@
     </p:spTree>
     <p:extLst>
       <p:ext uri="{BB962C8B-B14F-4D97-AF65-F5344CB8AC3E}">
-        <p14:creationId xmlns:p14="http://schemas.microsoft.com/office/powerpoint/2010/main" val="567332990"/>
+        <p14:creationId xmlns:p14="http://schemas.microsoft.com/office/powerpoint/2010/main" val="2312735222"/>
       </p:ext>
     </p:extLst>
   </p:cSld>
@@ -6625,18 +7981,19 @@
           <a:lstStyle/>
           <a:p>
             <a:r>
-              <a:rPr lang="en-US" sz="3200" dirty="0"/>
-              <a:t>Histograms – 10000 MC Inputs</a:t>
-            </a:r>
+              <a:rPr lang="en-US" sz="3200"/>
+              <a:t>Histograms – Bandgap Top, Bottom, &amp; Size</a:t>
+            </a:r>
+            <a:endParaRPr lang="en-US" sz="3200" dirty="0"/>
           </a:p>
         </p:txBody>
       </p:sp>
       <p:pic>
         <p:nvPicPr>
-          <p:cNvPr id="7" name="Content Placeholder 6">
-            <a:extLst>
-              <a:ext uri="{FF2B5EF4-FFF2-40B4-BE49-F238E27FC236}">
-                <a16:creationId xmlns:a16="http://schemas.microsoft.com/office/drawing/2014/main" id="{45C121E0-2D9F-1F26-2360-E24CA0CD5905}"/>
+          <p:cNvPr id="5" name="Content Placeholder 4">
+            <a:extLst>
+              <a:ext uri="{FF2B5EF4-FFF2-40B4-BE49-F238E27FC236}">
+                <a16:creationId xmlns:a16="http://schemas.microsoft.com/office/drawing/2014/main" id="{CAE9A72B-8A68-6F30-1013-174001A44746}"/>
               </a:ext>
             </a:extLst>
           </p:cNvPr>
@@ -6654,15 +8011,15 @@
         </p:blipFill>
         <p:spPr>
           <a:xfrm>
-            <a:off x="1337301" y="1438275"/>
-            <a:ext cx="9517398" cy="4738688"/>
+            <a:off x="838200" y="1626802"/>
+            <a:ext cx="10515600" cy="4361634"/>
           </a:xfrm>
         </p:spPr>
       </p:pic>
     </p:spTree>
     <p:extLst>
       <p:ext uri="{BB962C8B-B14F-4D97-AF65-F5344CB8AC3E}">
-        <p14:creationId xmlns:p14="http://schemas.microsoft.com/office/powerpoint/2010/main" val="2312735222"/>
+        <p14:creationId xmlns:p14="http://schemas.microsoft.com/office/powerpoint/2010/main" val="3004886916"/>
       </p:ext>
     </p:extLst>
   </p:cSld>
@@ -6718,10 +8075,9 @@
           <a:lstStyle/>
           <a:p>
             <a:r>
-              <a:rPr lang="en-US" sz="3200"/>
-              <a:t>Histograms – Bandgap Top, Bottom, &amp; Size</a:t>
-            </a:r>
-            <a:endParaRPr lang="en-US" sz="3200" dirty="0"/>
+              <a:rPr lang="en-US" sz="3200" dirty="0"/>
+              <a:t>Histograms – Bandgap Top, Bottom, &amp; Center</a:t>
+            </a:r>
           </a:p>
         </p:txBody>
       </p:sp>
@@ -6756,7 +8112,7 @@
     </p:spTree>
     <p:extLst>
       <p:ext uri="{BB962C8B-B14F-4D97-AF65-F5344CB8AC3E}">
-        <p14:creationId xmlns:p14="http://schemas.microsoft.com/office/powerpoint/2010/main" val="3004886916"/>
+        <p14:creationId xmlns:p14="http://schemas.microsoft.com/office/powerpoint/2010/main" val="1203512841"/>
       </p:ext>
     </p:extLst>
   </p:cSld>
@@ -6788,7 +8144,7 @@
           <p:cNvPr id="2" name="Title 1">
             <a:extLst>
               <a:ext uri="{FF2B5EF4-FFF2-40B4-BE49-F238E27FC236}">
-                <a16:creationId xmlns:a16="http://schemas.microsoft.com/office/drawing/2014/main" id="{6DCC4830-BA42-B1C9-F66B-F78F9E32BB1D}"/>
+                <a16:creationId xmlns:a16="http://schemas.microsoft.com/office/drawing/2014/main" id="{FF46EFE3-2612-B04E-2A19-D61DA27B229B}"/>
               </a:ext>
             </a:extLst>
           </p:cNvPr>
@@ -6801,55 +8157,60 @@
         </p:nvSpPr>
         <p:spPr>
           <a:xfrm>
-            <a:off x="730120" y="341221"/>
-            <a:ext cx="10731759" cy="1056686"/>
-          </a:xfrm>
-        </p:spPr>
-        <p:txBody>
-          <a:bodyPr>
-            <a:noAutofit/>
-          </a:bodyPr>
+            <a:off x="838200" y="287165"/>
+            <a:ext cx="10515600" cy="1056686"/>
+          </a:xfrm>
+        </p:spPr>
+        <p:txBody>
+          <a:bodyPr/>
           <a:lstStyle/>
           <a:p>
             <a:r>
-              <a:rPr lang="en-US" sz="3200" dirty="0"/>
-              <a:t>Histograms – Bandgap Top, Bottom, &amp; Center</a:t>
-            </a:r>
-          </a:p>
-        </p:txBody>
-      </p:sp>
-      <p:pic>
-        <p:nvPicPr>
-          <p:cNvPr id="5" name="Content Placeholder 4">
-            <a:extLst>
-              <a:ext uri="{FF2B5EF4-FFF2-40B4-BE49-F238E27FC236}">
-                <a16:creationId xmlns:a16="http://schemas.microsoft.com/office/drawing/2014/main" id="{CAE9A72B-8A68-6F30-1013-174001A44746}"/>
-              </a:ext>
-            </a:extLst>
-          </p:cNvPr>
-          <p:cNvPicPr>
-            <a:picLocks noGrp="1" noChangeAspect="1"/>
-          </p:cNvPicPr>
+              <a:rPr lang="en-US" sz="4400" dirty="0"/>
+              <a:t>Stochastic Collocation – MC Regression</a:t>
+            </a:r>
+            <a:endParaRPr lang="en-US" dirty="0"/>
+          </a:p>
+        </p:txBody>
+      </p:sp>
+      <p:sp>
+        <p:nvSpPr>
+          <p:cNvPr id="3" name="Content Placeholder 2">
+            <a:extLst>
+              <a:ext uri="{FF2B5EF4-FFF2-40B4-BE49-F238E27FC236}">
+                <a16:creationId xmlns:a16="http://schemas.microsoft.com/office/drawing/2014/main" id="{C5AD6461-80F6-D156-FBF4-9DA7849BE8B4}"/>
+              </a:ext>
+            </a:extLst>
+          </p:cNvPr>
+          <p:cNvSpPr>
+            <a:spLocks noGrp="1"/>
+          </p:cNvSpPr>
           <p:nvPr>
             <p:ph idx="1"/>
           </p:nvPr>
-        </p:nvPicPr>
-        <p:blipFill>
-          <a:blip r:embed="rId2"/>
-          <a:srcRect/>
-          <a:stretch/>
-        </p:blipFill>
-        <p:spPr>
-          <a:xfrm>
-            <a:off x="838200" y="1626802"/>
-            <a:ext cx="10515600" cy="4361634"/>
-          </a:xfrm>
-        </p:spPr>
-      </p:pic>
+        </p:nvSpPr>
+        <p:spPr/>
+        <p:txBody>
+          <a:bodyPr/>
+          <a:lstStyle/>
+          <a:p>
+            <a:r>
+              <a:rPr lang="en-US" dirty="0"/>
+              <a:t>A variation of stochastic collocation where the orthogonal polynomials are fitted to MC generated samples</a:t>
+            </a:r>
+          </a:p>
+          <a:p>
+            <a:r>
+              <a:rPr lang="en-US" dirty="0"/>
+              <a:t>Usually more effective at higher dimensions and less efficient at lower dimensions compared to quadrature rule stochastic collocation</a:t>
+            </a:r>
+          </a:p>
+        </p:txBody>
+      </p:sp>
     </p:spTree>
     <p:extLst>
       <p:ext uri="{BB962C8B-B14F-4D97-AF65-F5344CB8AC3E}">
-        <p14:creationId xmlns:p14="http://schemas.microsoft.com/office/powerpoint/2010/main" val="1203512841"/>
+        <p14:creationId xmlns:p14="http://schemas.microsoft.com/office/powerpoint/2010/main" val="51304751"/>
       </p:ext>
     </p:extLst>
   </p:cSld>
@@ -7450,18 +8811,18 @@
 </file>
 
 <file path=customXml/item1.xml><?xml version="1.0" encoding="utf-8"?>
-<p:properties xmlns:p="http://schemas.microsoft.com/office/2006/metadata/properties" xmlns:xsi="http://www.w3.org/2001/XMLSchema-instance" xmlns:pc="http://schemas.microsoft.com/office/infopath/2007/PartnerControls">
-  <documentManagement/>
-</p:properties>
-</file>
-
-<file path=customXml/item2.xml><?xml version="1.0" encoding="utf-8"?>
 <?mso-contentType ?>
 <FormTemplates xmlns="http://schemas.microsoft.com/sharepoint/v3/contenttype/forms">
   <Display>DocumentLibraryForm</Display>
   <Edit>DocumentLibraryForm</Edit>
   <New>DocumentLibraryForm</New>
 </FormTemplates>
+</file>
+
+<file path=customXml/item2.xml><?xml version="1.0" encoding="utf-8"?>
+<p:properties xmlns:p="http://schemas.microsoft.com/office/2006/metadata/properties" xmlns:xsi="http://www.w3.org/2001/XMLSchema-instance" xmlns:pc="http://schemas.microsoft.com/office/infopath/2007/PartnerControls">
+  <documentManagement/>
+</p:properties>
 </file>
 
 <file path=customXml/item3.xml><?xml version="1.0" encoding="utf-8"?>
@@ -7611,6 +8972,14 @@
 </file>
 
 <file path=customXml/itemProps1.xml><?xml version="1.0" encoding="utf-8"?>
+<ds:datastoreItem xmlns:ds="http://schemas.openxmlformats.org/officeDocument/2006/customXml" ds:itemID="{B294D1B7-8679-422F-949D-1455F508E596}">
+  <ds:schemaRefs>
+    <ds:schemaRef ds:uri="http://schemas.microsoft.com/sharepoint/v3/contenttype/forms"/>
+  </ds:schemaRefs>
+</ds:datastoreItem>
+</file>
+
+<file path=customXml/itemProps2.xml><?xml version="1.0" encoding="utf-8"?>
 <ds:datastoreItem xmlns:ds="http://schemas.openxmlformats.org/officeDocument/2006/customXml" ds:itemID="{0748A49F-C736-4524-BB36-F11018D26634}">
   <ds:schemaRefs>
     <ds:schemaRef ds:uri="ce377175-54a4-4d7f-a690-a38d13686295"/>
@@ -7622,14 +8991,6 @@
     <ds:schemaRef ds:uri="http://schemas.microsoft.com/office/infopath/2007/PartnerControls"/>
     <ds:schemaRef ds:uri="http://schemas.openxmlformats.org/package/2006/metadata/core-properties"/>
     <ds:schemaRef ds:uri="http://www.w3.org/XML/1998/namespace"/>
-  </ds:schemaRefs>
-</ds:datastoreItem>
-</file>
-
-<file path=customXml/itemProps2.xml><?xml version="1.0" encoding="utf-8"?>
-<ds:datastoreItem xmlns:ds="http://schemas.openxmlformats.org/officeDocument/2006/customXml" ds:itemID="{B294D1B7-8679-422F-949D-1455F508E596}">
-  <ds:schemaRefs>
-    <ds:schemaRef ds:uri="http://schemas.microsoft.com/sharepoint/v3/contenttype/forms"/>
   </ds:schemaRefs>
 </ds:datastoreItem>
 </file>

--- a/UQ_2D_metamaterials_update.pptx
+++ b/UQ_2D_metamaterials_update.pptx
@@ -5,41 +5,51 @@
     <p:sldMasterId id="2147483660" r:id="rId4"/>
   </p:sldMasterIdLst>
   <p:notesMasterIdLst>
-    <p:notesMasterId r:id="rId37"/>
+    <p:notesMasterId r:id="rId47"/>
   </p:notesMasterIdLst>
   <p:sldIdLst>
     <p:sldId id="256" r:id="rId5"/>
     <p:sldId id="918" r:id="rId6"/>
     <p:sldId id="919" r:id="rId7"/>
-    <p:sldId id="934" r:id="rId8"/>
-    <p:sldId id="935" r:id="rId9"/>
-    <p:sldId id="937" r:id="rId10"/>
-    <p:sldId id="926" r:id="rId11"/>
-    <p:sldId id="925" r:id="rId12"/>
-    <p:sldId id="928" r:id="rId13"/>
-    <p:sldId id="922" r:id="rId14"/>
-    <p:sldId id="920" r:id="rId15"/>
-    <p:sldId id="933" r:id="rId16"/>
-    <p:sldId id="931" r:id="rId17"/>
-    <p:sldId id="932" r:id="rId18"/>
-    <p:sldId id="929" r:id="rId19"/>
-    <p:sldId id="921" r:id="rId20"/>
-    <p:sldId id="927" r:id="rId21"/>
-    <p:sldId id="923" r:id="rId22"/>
-    <p:sldId id="924" r:id="rId23"/>
-    <p:sldId id="938" r:id="rId24"/>
-    <p:sldId id="941" r:id="rId25"/>
-    <p:sldId id="942" r:id="rId26"/>
-    <p:sldId id="939" r:id="rId27"/>
-    <p:sldId id="945" r:id="rId28"/>
-    <p:sldId id="944" r:id="rId29"/>
-    <p:sldId id="943" r:id="rId30"/>
-    <p:sldId id="946" r:id="rId31"/>
-    <p:sldId id="947" r:id="rId32"/>
-    <p:sldId id="948" r:id="rId33"/>
-    <p:sldId id="949" r:id="rId34"/>
-    <p:sldId id="950" r:id="rId35"/>
-    <p:sldId id="951" r:id="rId36"/>
+    <p:sldId id="961" r:id="rId8"/>
+    <p:sldId id="962" r:id="rId9"/>
+    <p:sldId id="934" r:id="rId10"/>
+    <p:sldId id="935" r:id="rId11"/>
+    <p:sldId id="937" r:id="rId12"/>
+    <p:sldId id="926" r:id="rId13"/>
+    <p:sldId id="925" r:id="rId14"/>
+    <p:sldId id="958" r:id="rId15"/>
+    <p:sldId id="928" r:id="rId16"/>
+    <p:sldId id="922" r:id="rId17"/>
+    <p:sldId id="920" r:id="rId18"/>
+    <p:sldId id="933" r:id="rId19"/>
+    <p:sldId id="931" r:id="rId20"/>
+    <p:sldId id="932" r:id="rId21"/>
+    <p:sldId id="929" r:id="rId22"/>
+    <p:sldId id="921" r:id="rId23"/>
+    <p:sldId id="927" r:id="rId24"/>
+    <p:sldId id="923" r:id="rId25"/>
+    <p:sldId id="924" r:id="rId26"/>
+    <p:sldId id="938" r:id="rId27"/>
+    <p:sldId id="941" r:id="rId28"/>
+    <p:sldId id="942" r:id="rId29"/>
+    <p:sldId id="939" r:id="rId30"/>
+    <p:sldId id="945" r:id="rId31"/>
+    <p:sldId id="944" r:id="rId32"/>
+    <p:sldId id="943" r:id="rId33"/>
+    <p:sldId id="946" r:id="rId34"/>
+    <p:sldId id="947" r:id="rId35"/>
+    <p:sldId id="948" r:id="rId36"/>
+    <p:sldId id="949" r:id="rId37"/>
+    <p:sldId id="950" r:id="rId38"/>
+    <p:sldId id="951" r:id="rId39"/>
+    <p:sldId id="952" r:id="rId40"/>
+    <p:sldId id="953" r:id="rId41"/>
+    <p:sldId id="954" r:id="rId42"/>
+    <p:sldId id="955" r:id="rId43"/>
+    <p:sldId id="956" r:id="rId44"/>
+    <p:sldId id="957" r:id="rId45"/>
+    <p:sldId id="960" r:id="rId46"/>
   </p:sldIdLst>
   <p:sldSz cx="12192000" cy="6858000"/>
   <p:notesSz cx="6858000" cy="9144000"/>
@@ -144,6 +154,55 @@
     </p:ext>
   </p:extLst>
 </p:presentation>
+</file>
+
+<file path=ppt/authors.xml><?xml version="1.0" encoding="utf-8"?>
+<p188:authorLst xmlns:a="http://schemas.openxmlformats.org/drawingml/2006/main" xmlns:r="http://schemas.openxmlformats.org/officeDocument/2006/relationships" xmlns:p188="http://schemas.microsoft.com/office/powerpoint/2018/8/main">
+  <p188:author id="{A186E619-9A90-75DF-C2FC-ED5272E1CCB1}" name="Han Zhang" initials="HZ" userId="S::hz283@duke.edu::0a7a48f2-d47e-4d90-872a-778c92faed43" providerId="AD"/>
+</p188:authorLst>
+</file>
+
+<file path=ppt/comments/modernComment_3B3_1F330F58.xml><?xml version="1.0" encoding="utf-8"?>
+<p188:cmLst xmlns:a="http://schemas.openxmlformats.org/drawingml/2006/main" xmlns:r="http://schemas.openxmlformats.org/officeDocument/2006/relationships" xmlns:p188="http://schemas.microsoft.com/office/powerpoint/2018/8/main">
+  <p188:cm id="{D909BD6D-4C03-4315-94F0-FE8C8D322B80}" authorId="{A186E619-9A90-75DF-C2FC-ED5272E1CCB1}" created="2023-06-14T17:07:45.820">
+    <ac:deMkLst xmlns:ac="http://schemas.microsoft.com/office/drawing/2013/main/command">
+      <pc:docMk xmlns:pc="http://schemas.microsoft.com/office/powerpoint/2013/main/command"/>
+      <pc:sldMk xmlns:pc="http://schemas.microsoft.com/office/powerpoint/2013/main/command" cId="523439960" sldId="947"/>
+      <ac:picMk id="7" creationId="{45C121E0-2D9F-1F26-2360-E24CA0CD5905}"/>
+    </ac:deMkLst>
+    <p188:txBody>
+      <a:bodyPr/>
+      <a:lstStyle/>
+      <a:p>
+        <a:r>
+          <a:rPr lang="en-US"/>
+          <a:t>Change x label</a:t>
+        </a:r>
+      </a:p>
+    </p188:txBody>
+  </p188:cm>
+</p188:cmLst>
+</file>
+
+<file path=ppt/comments/modernComment_3BD_B74AA3C8.xml><?xml version="1.0" encoding="utf-8"?>
+<p188:cmLst xmlns:a="http://schemas.openxmlformats.org/drawingml/2006/main" xmlns:r="http://schemas.openxmlformats.org/officeDocument/2006/relationships" xmlns:p188="http://schemas.microsoft.com/office/powerpoint/2018/8/main">
+  <p188:cm id="{43231FAC-377C-4030-A7FF-395654AB00E2}" authorId="{A186E619-9A90-75DF-C2FC-ED5272E1CCB1}" created="2023-06-14T17:07:34.295">
+    <pc:sldMkLst xmlns:pc="http://schemas.microsoft.com/office/powerpoint/2013/main/command">
+      <pc:docMk/>
+      <pc:sldMk cId="3075122120" sldId="957"/>
+    </pc:sldMkLst>
+    <p188:txBody>
+      <a:bodyPr/>
+      <a:lstStyle/>
+      <a:p>
+        <a:r>
+          <a:rPr lang="en-US"/>
+          <a:t>Change to symbol</a:t>
+        </a:r>
+      </a:p>
+    </p188:txBody>
+  </p188:cm>
+</p188:cmLst>
 </file>
 
 <file path=ppt/notesMasters/notesMaster1.xml><?xml version="1.0" encoding="utf-8"?>
@@ -644,7 +703,7 @@
           <a:p>
             <a:fld id="{5ED6D2F6-D9A8-4EC3-B74F-DA40A0FC4A95}" type="slidenum">
               <a:rPr lang="en-US" smtClean="0"/>
-              <a:t>11</a:t>
+              <a:t>14</a:t>
             </a:fld>
             <a:endParaRPr lang="en-US"/>
           </a:p>
@@ -728,7 +787,7 @@
           <a:p>
             <a:fld id="{5ED6D2F6-D9A8-4EC3-B74F-DA40A0FC4A95}" type="slidenum">
               <a:rPr lang="en-US" smtClean="0"/>
-              <a:t>12</a:t>
+              <a:t>15</a:t>
             </a:fld>
             <a:endParaRPr lang="en-US"/>
           </a:p>
@@ -812,7 +871,7 @@
           <a:p>
             <a:fld id="{5ED6D2F6-D9A8-4EC3-B74F-DA40A0FC4A95}" type="slidenum">
               <a:rPr lang="en-US" smtClean="0"/>
-              <a:t>13</a:t>
+              <a:t>16</a:t>
             </a:fld>
             <a:endParaRPr lang="en-US"/>
           </a:p>
@@ -896,7 +955,7 @@
           <a:p>
             <a:fld id="{5ED6D2F6-D9A8-4EC3-B74F-DA40A0FC4A95}" type="slidenum">
               <a:rPr lang="en-US" smtClean="0"/>
-              <a:t>14</a:t>
+              <a:t>17</a:t>
             </a:fld>
             <a:endParaRPr lang="en-US"/>
           </a:p>
@@ -4748,7 +4807,7 @@
           <p:cNvPr id="2" name="Title 1">
             <a:extLst>
               <a:ext uri="{FF2B5EF4-FFF2-40B4-BE49-F238E27FC236}">
-                <a16:creationId xmlns:a16="http://schemas.microsoft.com/office/drawing/2014/main" id="{2FB1AF1B-E5FB-47C6-F2C8-D17A8AB062DF}"/>
+                <a16:creationId xmlns:a16="http://schemas.microsoft.com/office/drawing/2014/main" id="{6DCC4830-BA42-B1C9-F66B-F78F9E32BB1D}"/>
               </a:ext>
             </a:extLst>
           </p:cNvPr>
@@ -4761,8 +4820,8 @@
         </p:nvSpPr>
         <p:spPr>
           <a:xfrm>
-            <a:off x="838200" y="346701"/>
-            <a:ext cx="10515600" cy="1056686"/>
+            <a:off x="730120" y="341221"/>
+            <a:ext cx="10731759" cy="1056686"/>
           </a:xfrm>
         </p:spPr>
         <p:txBody>
@@ -4772,8 +4831,8 @@
           <a:lstStyle/>
           <a:p>
             <a:r>
-              <a:rPr lang="en-US" sz="3600" dirty="0"/>
-              <a:t>Stochastic Collocation – MC Regression (Underfit)</a:t>
+              <a:rPr lang="en-US" sz="3200" dirty="0"/>
+              <a:t>Histograms – Bandgap Top, Bottom, &amp; Center</a:t>
             </a:r>
           </a:p>
         </p:txBody>
@@ -4783,7 +4842,7 @@
           <p:cNvPr id="5" name="Content Placeholder 4">
             <a:extLst>
               <a:ext uri="{FF2B5EF4-FFF2-40B4-BE49-F238E27FC236}">
-                <a16:creationId xmlns:a16="http://schemas.microsoft.com/office/drawing/2014/main" id="{AE2D6E08-A882-0A1D-DD91-568191A07070}"/>
+                <a16:creationId xmlns:a16="http://schemas.microsoft.com/office/drawing/2014/main" id="{CAE9A72B-8A68-6F30-1013-174001A44746}"/>
               </a:ext>
             </a:extLst>
           </p:cNvPr>
@@ -4801,15 +4860,15 @@
         </p:blipFill>
         <p:spPr>
           <a:xfrm>
-            <a:off x="838200" y="1632281"/>
-            <a:ext cx="10515600" cy="4350675"/>
+            <a:off x="838200" y="1626802"/>
+            <a:ext cx="10515600" cy="4361634"/>
           </a:xfrm>
         </p:spPr>
       </p:pic>
     </p:spTree>
     <p:extLst>
       <p:ext uri="{BB962C8B-B14F-4D97-AF65-F5344CB8AC3E}">
-        <p14:creationId xmlns:p14="http://schemas.microsoft.com/office/powerpoint/2010/main" val="313178282"/>
+        <p14:creationId xmlns:p14="http://schemas.microsoft.com/office/powerpoint/2010/main" val="1203512841"/>
       </p:ext>
     </p:extLst>
   </p:cSld>
@@ -4841,7 +4900,7 @@
           <p:cNvPr id="2" name="Title 1">
             <a:extLst>
               <a:ext uri="{FF2B5EF4-FFF2-40B4-BE49-F238E27FC236}">
-                <a16:creationId xmlns:a16="http://schemas.microsoft.com/office/drawing/2014/main" id="{2FB1AF1B-E5FB-47C6-F2C8-D17A8AB062DF}"/>
+                <a16:creationId xmlns:a16="http://schemas.microsoft.com/office/drawing/2014/main" id="{4A3CA758-6A17-8C51-7237-048A1FF3B783}"/>
               </a:ext>
             </a:extLst>
           </p:cNvPr>
@@ -4852,57 +4911,51 @@
             <p:ph type="title"/>
           </p:nvPr>
         </p:nvSpPr>
-        <p:spPr>
-          <a:xfrm>
-            <a:off x="838200" y="346701"/>
-            <a:ext cx="10515600" cy="1056686"/>
-          </a:xfrm>
-        </p:spPr>
-        <p:txBody>
-          <a:bodyPr>
-            <a:noAutofit/>
-          </a:bodyPr>
+        <p:spPr/>
+        <p:txBody>
+          <a:bodyPr/>
           <a:lstStyle/>
           <a:p>
             <a:r>
-              <a:rPr lang="en-US" sz="3200" dirty="0"/>
-              <a:t>Stochastic Collocation – MC Regression – Bandgap Size</a:t>
+              <a:rPr lang="en-US" dirty="0"/>
+              <a:t>2D Histograms</a:t>
             </a:r>
           </a:p>
         </p:txBody>
       </p:sp>
       <p:pic>
         <p:nvPicPr>
-          <p:cNvPr id="5" name="Content Placeholder 4">
-            <a:extLst>
-              <a:ext uri="{FF2B5EF4-FFF2-40B4-BE49-F238E27FC236}">
-                <a16:creationId xmlns:a16="http://schemas.microsoft.com/office/drawing/2014/main" id="{AE2D6E08-A882-0A1D-DD91-568191A07070}"/>
+          <p:cNvPr id="13" name="Picture 12">
+            <a:extLst>
+              <a:ext uri="{FF2B5EF4-FFF2-40B4-BE49-F238E27FC236}">
+                <a16:creationId xmlns:a16="http://schemas.microsoft.com/office/drawing/2014/main" id="{EA6512F5-051F-B774-200B-47343643C1A6}"/>
               </a:ext>
             </a:extLst>
           </p:cNvPr>
           <p:cNvPicPr>
-            <a:picLocks noGrp="1" noChangeAspect="1"/>
+            <a:picLocks noChangeAspect="1"/>
           </p:cNvPicPr>
-          <p:nvPr>
-            <p:ph idx="1"/>
-          </p:nvPr>
+          <p:nvPr/>
         </p:nvPicPr>
         <p:blipFill>
-          <a:blip r:embed="rId3"/>
+          <a:blip r:embed="rId2"/>
           <a:srcRect/>
           <a:stretch/>
         </p:blipFill>
         <p:spPr>
           <a:xfrm>
-            <a:off x="838200" y="1632281"/>
-            <a:ext cx="10515600" cy="4350675"/>
-          </a:xfrm>
+            <a:off x="43349" y="1248103"/>
+            <a:ext cx="12105302" cy="4361794"/>
+          </a:xfrm>
+          <a:prstGeom prst="rect">
+            <a:avLst/>
+          </a:prstGeom>
         </p:spPr>
       </p:pic>
     </p:spTree>
     <p:extLst>
       <p:ext uri="{BB962C8B-B14F-4D97-AF65-F5344CB8AC3E}">
-        <p14:creationId xmlns:p14="http://schemas.microsoft.com/office/powerpoint/2010/main" val="745860620"/>
+        <p14:creationId xmlns:p14="http://schemas.microsoft.com/office/powerpoint/2010/main" val="61816796"/>
       </p:ext>
     </p:extLst>
   </p:cSld>
@@ -4934,7 +4987,7 @@
           <p:cNvPr id="2" name="Title 1">
             <a:extLst>
               <a:ext uri="{FF2B5EF4-FFF2-40B4-BE49-F238E27FC236}">
-                <a16:creationId xmlns:a16="http://schemas.microsoft.com/office/drawing/2014/main" id="{2FB1AF1B-E5FB-47C6-F2C8-D17A8AB062DF}"/>
+                <a16:creationId xmlns:a16="http://schemas.microsoft.com/office/drawing/2014/main" id="{FF46EFE3-2612-B04E-2A19-D61DA27B229B}"/>
               </a:ext>
             </a:extLst>
           </p:cNvPr>
@@ -4947,55 +5000,60 @@
         </p:nvSpPr>
         <p:spPr>
           <a:xfrm>
-            <a:off x="838200" y="346701"/>
+            <a:off x="838200" y="287165"/>
             <a:ext cx="10515600" cy="1056686"/>
           </a:xfrm>
         </p:spPr>
         <p:txBody>
-          <a:bodyPr>
-            <a:noAutofit/>
-          </a:bodyPr>
+          <a:bodyPr/>
           <a:lstStyle/>
           <a:p>
             <a:r>
-              <a:rPr lang="en-US" sz="3200" dirty="0"/>
-              <a:t>Stochastic Collocation – MC Regression – Bandgap Center</a:t>
-            </a:r>
-          </a:p>
-        </p:txBody>
-      </p:sp>
-      <p:pic>
-        <p:nvPicPr>
-          <p:cNvPr id="5" name="Content Placeholder 4">
-            <a:extLst>
-              <a:ext uri="{FF2B5EF4-FFF2-40B4-BE49-F238E27FC236}">
-                <a16:creationId xmlns:a16="http://schemas.microsoft.com/office/drawing/2014/main" id="{AE2D6E08-A882-0A1D-DD91-568191A07070}"/>
-              </a:ext>
-            </a:extLst>
-          </p:cNvPr>
-          <p:cNvPicPr>
-            <a:picLocks noGrp="1" noChangeAspect="1"/>
-          </p:cNvPicPr>
+              <a:rPr lang="en-US" sz="4400" dirty="0"/>
+              <a:t>Stochastic Collocation – MC Regression</a:t>
+            </a:r>
+            <a:endParaRPr lang="en-US" dirty="0"/>
+          </a:p>
+        </p:txBody>
+      </p:sp>
+      <p:sp>
+        <p:nvSpPr>
+          <p:cNvPr id="3" name="Content Placeholder 2">
+            <a:extLst>
+              <a:ext uri="{FF2B5EF4-FFF2-40B4-BE49-F238E27FC236}">
+                <a16:creationId xmlns:a16="http://schemas.microsoft.com/office/drawing/2014/main" id="{C5AD6461-80F6-D156-FBF4-9DA7849BE8B4}"/>
+              </a:ext>
+            </a:extLst>
+          </p:cNvPr>
+          <p:cNvSpPr>
+            <a:spLocks noGrp="1"/>
+          </p:cNvSpPr>
           <p:nvPr>
             <p:ph idx="1"/>
           </p:nvPr>
-        </p:nvPicPr>
-        <p:blipFill>
-          <a:blip r:embed="rId3"/>
-          <a:srcRect/>
-          <a:stretch/>
-        </p:blipFill>
-        <p:spPr>
-          <a:xfrm>
-            <a:off x="838200" y="1632281"/>
-            <a:ext cx="10515600" cy="4350675"/>
-          </a:xfrm>
-        </p:spPr>
-      </p:pic>
+        </p:nvSpPr>
+        <p:spPr/>
+        <p:txBody>
+          <a:bodyPr/>
+          <a:lstStyle/>
+          <a:p>
+            <a:r>
+              <a:rPr lang="en-US" dirty="0"/>
+              <a:t>A variation of stochastic collocation where the orthogonal polynomials are fitted to MC generated samples</a:t>
+            </a:r>
+          </a:p>
+          <a:p>
+            <a:r>
+              <a:rPr lang="en-US" dirty="0"/>
+              <a:t>Usually more effective at higher dimensions and less efficient at lower dimensions compared to quadrature rule stochastic collocation</a:t>
+            </a:r>
+          </a:p>
+        </p:txBody>
+      </p:sp>
     </p:spTree>
     <p:extLst>
       <p:ext uri="{BB962C8B-B14F-4D97-AF65-F5344CB8AC3E}">
-        <p14:creationId xmlns:p14="http://schemas.microsoft.com/office/powerpoint/2010/main" val="3377187287"/>
+        <p14:creationId xmlns:p14="http://schemas.microsoft.com/office/powerpoint/2010/main" val="51304751"/>
       </p:ext>
     </p:extLst>
   </p:cSld>
@@ -5051,8 +5109,8 @@
           <a:lstStyle/>
           <a:p>
             <a:r>
-              <a:rPr lang="en-US" sz="3200" dirty="0"/>
-              <a:t>Stochastic Collocation – MC Regression – Bandgap Top</a:t>
+              <a:rPr lang="en-US" sz="3600" dirty="0"/>
+              <a:t>Stochastic Collocation – MC Regression (Underfit)</a:t>
             </a:r>
           </a:p>
         </p:txBody>
@@ -5074,7 +5132,7 @@
           </p:nvPr>
         </p:nvPicPr>
         <p:blipFill>
-          <a:blip r:embed="rId3"/>
+          <a:blip r:embed="rId2"/>
           <a:srcRect/>
           <a:stretch/>
         </p:blipFill>
@@ -5088,7 +5146,7 @@
     </p:spTree>
     <p:extLst>
       <p:ext uri="{BB962C8B-B14F-4D97-AF65-F5344CB8AC3E}">
-        <p14:creationId xmlns:p14="http://schemas.microsoft.com/office/powerpoint/2010/main" val="555498027"/>
+        <p14:creationId xmlns:p14="http://schemas.microsoft.com/office/powerpoint/2010/main" val="313178282"/>
       </p:ext>
     </p:extLst>
   </p:cSld>
@@ -5145,7 +5203,7 @@
           <a:p>
             <a:r>
               <a:rPr lang="en-US" sz="3200" dirty="0"/>
-              <a:t>Stochastic Collocation – MC Regression – Bandgap Bottom</a:t>
+              <a:t>Stochastic Collocation – MC Regression – Bandgap Size</a:t>
             </a:r>
           </a:p>
         </p:txBody>
@@ -5181,7 +5239,7 @@
     </p:spTree>
     <p:extLst>
       <p:ext uri="{BB962C8B-B14F-4D97-AF65-F5344CB8AC3E}">
-        <p14:creationId xmlns:p14="http://schemas.microsoft.com/office/powerpoint/2010/main" val="3873354010"/>
+        <p14:creationId xmlns:p14="http://schemas.microsoft.com/office/powerpoint/2010/main" val="745860620"/>
       </p:ext>
     </p:extLst>
   </p:cSld>
@@ -5213,7 +5271,7 @@
           <p:cNvPr id="2" name="Title 1">
             <a:extLst>
               <a:ext uri="{FF2B5EF4-FFF2-40B4-BE49-F238E27FC236}">
-                <a16:creationId xmlns:a16="http://schemas.microsoft.com/office/drawing/2014/main" id="{FF46EFE3-2612-B04E-2A19-D61DA27B229B}"/>
+                <a16:creationId xmlns:a16="http://schemas.microsoft.com/office/drawing/2014/main" id="{2FB1AF1B-E5FB-47C6-F2C8-D17A8AB062DF}"/>
               </a:ext>
             </a:extLst>
           </p:cNvPr>
@@ -5226,60 +5284,55 @@
         </p:nvSpPr>
         <p:spPr>
           <a:xfrm>
-            <a:off x="838200" y="265973"/>
+            <a:off x="838200" y="346701"/>
             <a:ext cx="10515600" cy="1056686"/>
           </a:xfrm>
         </p:spPr>
         <p:txBody>
-          <a:bodyPr/>
+          <a:bodyPr>
+            <a:noAutofit/>
+          </a:bodyPr>
           <a:lstStyle/>
           <a:p>
             <a:r>
-              <a:rPr lang="en-US" sz="4400" dirty="0"/>
-              <a:t>Stochastic Collocation – Quadrature Rule</a:t>
-            </a:r>
-            <a:endParaRPr lang="en-US" dirty="0"/>
-          </a:p>
-        </p:txBody>
-      </p:sp>
-      <p:sp>
-        <p:nvSpPr>
-          <p:cNvPr id="3" name="Content Placeholder 2">
-            <a:extLst>
-              <a:ext uri="{FF2B5EF4-FFF2-40B4-BE49-F238E27FC236}">
-                <a16:creationId xmlns:a16="http://schemas.microsoft.com/office/drawing/2014/main" id="{C5AD6461-80F6-D156-FBF4-9DA7849BE8B4}"/>
-              </a:ext>
-            </a:extLst>
-          </p:cNvPr>
-          <p:cNvSpPr>
-            <a:spLocks noGrp="1"/>
-          </p:cNvSpPr>
+              <a:rPr lang="en-US" sz="3200" dirty="0"/>
+              <a:t>Stochastic Collocation – MC Regression – Bandgap Center</a:t>
+            </a:r>
+          </a:p>
+        </p:txBody>
+      </p:sp>
+      <p:pic>
+        <p:nvPicPr>
+          <p:cNvPr id="5" name="Content Placeholder 4">
+            <a:extLst>
+              <a:ext uri="{FF2B5EF4-FFF2-40B4-BE49-F238E27FC236}">
+                <a16:creationId xmlns:a16="http://schemas.microsoft.com/office/drawing/2014/main" id="{AE2D6E08-A882-0A1D-DD91-568191A07070}"/>
+              </a:ext>
+            </a:extLst>
+          </p:cNvPr>
+          <p:cNvPicPr>
+            <a:picLocks noGrp="1" noChangeAspect="1"/>
+          </p:cNvPicPr>
           <p:nvPr>
             <p:ph idx="1"/>
           </p:nvPr>
-        </p:nvSpPr>
-        <p:spPr/>
-        <p:txBody>
-          <a:bodyPr/>
-          <a:lstStyle/>
-          <a:p>
-            <a:r>
-              <a:rPr lang="en-US" dirty="0"/>
-              <a:t>A variation of stochastic collocation where the orthogonal polynomials are fitted to specific points with weights, generated by using a rule function on the input distribution.</a:t>
-            </a:r>
-          </a:p>
-          <a:p>
-            <a:r>
-              <a:rPr lang="en-US" dirty="0"/>
-              <a:t>Extremely efficient at low dimensions, however points needed scales as s = (p + 1)^d, where s is the number of samples needed, p is the order of polynomial fit, and d is the dimensionality of the input space. This method therefore becomes very expensive very quickly as d increases.</a:t>
-            </a:r>
-          </a:p>
-        </p:txBody>
-      </p:sp>
+        </p:nvPicPr>
+        <p:blipFill>
+          <a:blip r:embed="rId3"/>
+          <a:srcRect/>
+          <a:stretch/>
+        </p:blipFill>
+        <p:spPr>
+          <a:xfrm>
+            <a:off x="838200" y="1632281"/>
+            <a:ext cx="10515600" cy="4350675"/>
+          </a:xfrm>
+        </p:spPr>
+      </p:pic>
     </p:spTree>
     <p:extLst>
       <p:ext uri="{BB962C8B-B14F-4D97-AF65-F5344CB8AC3E}">
-        <p14:creationId xmlns:p14="http://schemas.microsoft.com/office/powerpoint/2010/main" val="2229525489"/>
+        <p14:creationId xmlns:p14="http://schemas.microsoft.com/office/powerpoint/2010/main" val="3377187287"/>
       </p:ext>
     </p:extLst>
   </p:cSld>
@@ -5311,7 +5364,7 @@
           <p:cNvPr id="2" name="Title 1">
             <a:extLst>
               <a:ext uri="{FF2B5EF4-FFF2-40B4-BE49-F238E27FC236}">
-                <a16:creationId xmlns:a16="http://schemas.microsoft.com/office/drawing/2014/main" id="{6DCC4830-BA42-B1C9-F66B-F78F9E32BB1D}"/>
+                <a16:creationId xmlns:a16="http://schemas.microsoft.com/office/drawing/2014/main" id="{2FB1AF1B-E5FB-47C6-F2C8-D17A8AB062DF}"/>
               </a:ext>
             </a:extLst>
           </p:cNvPr>
@@ -5324,7 +5377,7 @@
         </p:nvSpPr>
         <p:spPr>
           <a:xfrm>
-            <a:off x="838200" y="341221"/>
+            <a:off x="838200" y="346701"/>
             <a:ext cx="10515600" cy="1056686"/>
           </a:xfrm>
         </p:spPr>
@@ -5336,7 +5389,7 @@
           <a:p>
             <a:r>
               <a:rPr lang="en-US" sz="3200" dirty="0"/>
-              <a:t>Stochastic Collocation – Quadrature Rule – Bandgap Size</a:t>
+              <a:t>Stochastic Collocation – MC Regression – Bandgap Top</a:t>
             </a:r>
           </a:p>
         </p:txBody>
@@ -5346,7 +5399,7 @@
           <p:cNvPr id="5" name="Content Placeholder 4">
             <a:extLst>
               <a:ext uri="{FF2B5EF4-FFF2-40B4-BE49-F238E27FC236}">
-                <a16:creationId xmlns:a16="http://schemas.microsoft.com/office/drawing/2014/main" id="{CAE9A72B-8A68-6F30-1013-174001A44746}"/>
+                <a16:creationId xmlns:a16="http://schemas.microsoft.com/office/drawing/2014/main" id="{AE2D6E08-A882-0A1D-DD91-568191A07070}"/>
               </a:ext>
             </a:extLst>
           </p:cNvPr>
@@ -5358,21 +5411,21 @@
           </p:nvPr>
         </p:nvPicPr>
         <p:blipFill>
-          <a:blip r:embed="rId2"/>
+          <a:blip r:embed="rId3"/>
           <a:srcRect/>
           <a:stretch/>
         </p:blipFill>
         <p:spPr>
           <a:xfrm>
-            <a:off x="838200" y="1626802"/>
-            <a:ext cx="10515600" cy="4361634"/>
+            <a:off x="838200" y="1632281"/>
+            <a:ext cx="10515600" cy="4350675"/>
           </a:xfrm>
         </p:spPr>
       </p:pic>
     </p:spTree>
     <p:extLst>
       <p:ext uri="{BB962C8B-B14F-4D97-AF65-F5344CB8AC3E}">
-        <p14:creationId xmlns:p14="http://schemas.microsoft.com/office/powerpoint/2010/main" val="2296558744"/>
+        <p14:creationId xmlns:p14="http://schemas.microsoft.com/office/powerpoint/2010/main" val="555498027"/>
       </p:ext>
     </p:extLst>
   </p:cSld>
@@ -5404,7 +5457,7 @@
           <p:cNvPr id="2" name="Title 1">
             <a:extLst>
               <a:ext uri="{FF2B5EF4-FFF2-40B4-BE49-F238E27FC236}">
-                <a16:creationId xmlns:a16="http://schemas.microsoft.com/office/drawing/2014/main" id="{6DCC4830-BA42-B1C9-F66B-F78F9E32BB1D}"/>
+                <a16:creationId xmlns:a16="http://schemas.microsoft.com/office/drawing/2014/main" id="{2FB1AF1B-E5FB-47C6-F2C8-D17A8AB062DF}"/>
               </a:ext>
             </a:extLst>
           </p:cNvPr>
@@ -5417,8 +5470,8 @@
         </p:nvSpPr>
         <p:spPr>
           <a:xfrm>
-            <a:off x="730120" y="341221"/>
-            <a:ext cx="10731759" cy="1056686"/>
+            <a:off x="838200" y="346701"/>
+            <a:ext cx="10515600" cy="1056686"/>
           </a:xfrm>
         </p:spPr>
         <p:txBody>
@@ -5429,7 +5482,7 @@
           <a:p>
             <a:r>
               <a:rPr lang="en-US" sz="3200" dirty="0"/>
-              <a:t>Stochastic Collocation – Quadrature Rule – Bandgap Center</a:t>
+              <a:t>Stochastic Collocation – MC Regression – Bandgap Bottom</a:t>
             </a:r>
           </a:p>
         </p:txBody>
@@ -5439,7 +5492,7 @@
           <p:cNvPr id="5" name="Content Placeholder 4">
             <a:extLst>
               <a:ext uri="{FF2B5EF4-FFF2-40B4-BE49-F238E27FC236}">
-                <a16:creationId xmlns:a16="http://schemas.microsoft.com/office/drawing/2014/main" id="{CAE9A72B-8A68-6F30-1013-174001A44746}"/>
+                <a16:creationId xmlns:a16="http://schemas.microsoft.com/office/drawing/2014/main" id="{AE2D6E08-A882-0A1D-DD91-568191A07070}"/>
               </a:ext>
             </a:extLst>
           </p:cNvPr>
@@ -5451,21 +5504,21 @@
           </p:nvPr>
         </p:nvPicPr>
         <p:blipFill>
-          <a:blip r:embed="rId2"/>
+          <a:blip r:embed="rId3"/>
           <a:srcRect/>
           <a:stretch/>
         </p:blipFill>
         <p:spPr>
           <a:xfrm>
-            <a:off x="838200" y="1626802"/>
-            <a:ext cx="10515600" cy="4361634"/>
+            <a:off x="838200" y="1632281"/>
+            <a:ext cx="10515600" cy="4350675"/>
           </a:xfrm>
         </p:spPr>
       </p:pic>
     </p:spTree>
     <p:extLst>
       <p:ext uri="{BB962C8B-B14F-4D97-AF65-F5344CB8AC3E}">
-        <p14:creationId xmlns:p14="http://schemas.microsoft.com/office/powerpoint/2010/main" val="2358216360"/>
+        <p14:creationId xmlns:p14="http://schemas.microsoft.com/office/powerpoint/2010/main" val="3873354010"/>
       </p:ext>
     </p:extLst>
   </p:cSld>
@@ -5497,7 +5550,7 @@
           <p:cNvPr id="2" name="Title 1">
             <a:extLst>
               <a:ext uri="{FF2B5EF4-FFF2-40B4-BE49-F238E27FC236}">
-                <a16:creationId xmlns:a16="http://schemas.microsoft.com/office/drawing/2014/main" id="{6DCC4830-BA42-B1C9-F66B-F78F9E32BB1D}"/>
+                <a16:creationId xmlns:a16="http://schemas.microsoft.com/office/drawing/2014/main" id="{FF46EFE3-2612-B04E-2A19-D61DA27B229B}"/>
               </a:ext>
             </a:extLst>
           </p:cNvPr>
@@ -5510,55 +5563,60 @@
         </p:nvSpPr>
         <p:spPr>
           <a:xfrm>
-            <a:off x="838200" y="341221"/>
+            <a:off x="838200" y="265973"/>
             <a:ext cx="10515600" cy="1056686"/>
           </a:xfrm>
         </p:spPr>
         <p:txBody>
-          <a:bodyPr>
-            <a:noAutofit/>
-          </a:bodyPr>
+          <a:bodyPr/>
           <a:lstStyle/>
           <a:p>
             <a:r>
-              <a:rPr lang="en-US" sz="3200" dirty="0"/>
-              <a:t>Stochastic Collocation – Quadrature Rule – Bandgap Top</a:t>
-            </a:r>
-          </a:p>
-        </p:txBody>
-      </p:sp>
-      <p:pic>
-        <p:nvPicPr>
-          <p:cNvPr id="5" name="Content Placeholder 4">
-            <a:extLst>
-              <a:ext uri="{FF2B5EF4-FFF2-40B4-BE49-F238E27FC236}">
-                <a16:creationId xmlns:a16="http://schemas.microsoft.com/office/drawing/2014/main" id="{CAE9A72B-8A68-6F30-1013-174001A44746}"/>
-              </a:ext>
-            </a:extLst>
-          </p:cNvPr>
-          <p:cNvPicPr>
-            <a:picLocks noGrp="1" noChangeAspect="1"/>
-          </p:cNvPicPr>
+              <a:rPr lang="en-US" sz="4400" dirty="0"/>
+              <a:t>Stochastic Collocation – Quadrature Rule</a:t>
+            </a:r>
+            <a:endParaRPr lang="en-US" dirty="0"/>
+          </a:p>
+        </p:txBody>
+      </p:sp>
+      <p:sp>
+        <p:nvSpPr>
+          <p:cNvPr id="3" name="Content Placeholder 2">
+            <a:extLst>
+              <a:ext uri="{FF2B5EF4-FFF2-40B4-BE49-F238E27FC236}">
+                <a16:creationId xmlns:a16="http://schemas.microsoft.com/office/drawing/2014/main" id="{C5AD6461-80F6-D156-FBF4-9DA7849BE8B4}"/>
+              </a:ext>
+            </a:extLst>
+          </p:cNvPr>
+          <p:cNvSpPr>
+            <a:spLocks noGrp="1"/>
+          </p:cNvSpPr>
           <p:nvPr>
             <p:ph idx="1"/>
           </p:nvPr>
-        </p:nvPicPr>
-        <p:blipFill>
-          <a:blip r:embed="rId2"/>
-          <a:srcRect/>
-          <a:stretch/>
-        </p:blipFill>
-        <p:spPr>
-          <a:xfrm>
-            <a:off x="838200" y="1626802"/>
-            <a:ext cx="10515600" cy="4361634"/>
-          </a:xfrm>
-        </p:spPr>
-      </p:pic>
+        </p:nvSpPr>
+        <p:spPr/>
+        <p:txBody>
+          <a:bodyPr/>
+          <a:lstStyle/>
+          <a:p>
+            <a:r>
+              <a:rPr lang="en-US" dirty="0"/>
+              <a:t>A variation of stochastic collocation where the orthogonal polynomials are fitted to specific points with weights, generated by using a rule function on the input distribution.</a:t>
+            </a:r>
+          </a:p>
+          <a:p>
+            <a:r>
+              <a:rPr lang="en-US" dirty="0"/>
+              <a:t>Extremely efficient at low dimensions, however points needed scales as s = (p + 1)^d, where s is the number of samples needed, p is the order of polynomial fit, and d is the dimensionality of the input space. This method therefore becomes very expensive very quickly as d increases.</a:t>
+            </a:r>
+          </a:p>
+        </p:txBody>
+      </p:sp>
     </p:spTree>
     <p:extLst>
       <p:ext uri="{BB962C8B-B14F-4D97-AF65-F5344CB8AC3E}">
-        <p14:creationId xmlns:p14="http://schemas.microsoft.com/office/powerpoint/2010/main" val="2271108801"/>
+        <p14:creationId xmlns:p14="http://schemas.microsoft.com/office/powerpoint/2010/main" val="2229525489"/>
       </p:ext>
     </p:extLst>
   </p:cSld>
@@ -5603,8 +5661,8 @@
         </p:nvSpPr>
         <p:spPr>
           <a:xfrm>
-            <a:off x="730120" y="341221"/>
-            <a:ext cx="10731759" cy="1056686"/>
+            <a:off x="838200" y="341221"/>
+            <a:ext cx="10515600" cy="1056686"/>
           </a:xfrm>
         </p:spPr>
         <p:txBody>
@@ -5615,7 +5673,7 @@
           <a:p>
             <a:r>
               <a:rPr lang="en-US" sz="3200" dirty="0"/>
-              <a:t>Stochastic Collocation – Quadrature Rule – Bandgap Bottom</a:t>
+              <a:t>Stochastic Collocation – Quadrature Rule – Bandgap Size</a:t>
             </a:r>
           </a:p>
         </p:txBody>
@@ -5651,7 +5709,7 @@
     </p:spTree>
     <p:extLst>
       <p:ext uri="{BB962C8B-B14F-4D97-AF65-F5344CB8AC3E}">
-        <p14:creationId xmlns:p14="http://schemas.microsoft.com/office/powerpoint/2010/main" val="1348473648"/>
+        <p14:creationId xmlns:p14="http://schemas.microsoft.com/office/powerpoint/2010/main" val="2296558744"/>
       </p:ext>
     </p:extLst>
   </p:cSld>
@@ -6113,7 +6171,7 @@
           <p:cNvPr id="2" name="Title 1">
             <a:extLst>
               <a:ext uri="{FF2B5EF4-FFF2-40B4-BE49-F238E27FC236}">
-                <a16:creationId xmlns:a16="http://schemas.microsoft.com/office/drawing/2014/main" id="{EA484178-6ED4-2998-2632-83D0A0FF0D35}"/>
+                <a16:creationId xmlns:a16="http://schemas.microsoft.com/office/drawing/2014/main" id="{6DCC4830-BA42-B1C9-F66B-F78F9E32BB1D}"/>
               </a:ext>
             </a:extLst>
           </p:cNvPr>
@@ -6124,121 +6182,57 @@
             <p:ph type="title"/>
           </p:nvPr>
         </p:nvSpPr>
-        <p:spPr/>
-        <p:txBody>
-          <a:bodyPr/>
+        <p:spPr>
+          <a:xfrm>
+            <a:off x="730120" y="341221"/>
+            <a:ext cx="10731759" cy="1056686"/>
+          </a:xfrm>
+        </p:spPr>
+        <p:txBody>
+          <a:bodyPr>
+            <a:noAutofit/>
+          </a:bodyPr>
           <a:lstStyle/>
           <a:p>
             <a:r>
-              <a:rPr lang="en-US" dirty="0"/>
-              <a:t>1D PCE Fits</a:t>
-            </a:r>
-          </a:p>
-        </p:txBody>
-      </p:sp>
-      <p:sp>
-        <p:nvSpPr>
-          <p:cNvPr id="3" name="Content Placeholder 2">
-            <a:extLst>
-              <a:ext uri="{FF2B5EF4-FFF2-40B4-BE49-F238E27FC236}">
-                <a16:creationId xmlns:a16="http://schemas.microsoft.com/office/drawing/2014/main" id="{F1238953-6B6C-9866-7402-40977869F30D}"/>
-              </a:ext>
-            </a:extLst>
-          </p:cNvPr>
-          <p:cNvSpPr>
-            <a:spLocks noGrp="1"/>
-          </p:cNvSpPr>
+              <a:rPr lang="en-US" sz="3200" dirty="0"/>
+              <a:t>Stochastic Collocation – Quadrature Rule – Bandgap Center</a:t>
+            </a:r>
+          </a:p>
+        </p:txBody>
+      </p:sp>
+      <p:pic>
+        <p:nvPicPr>
+          <p:cNvPr id="5" name="Content Placeholder 4">
+            <a:extLst>
+              <a:ext uri="{FF2B5EF4-FFF2-40B4-BE49-F238E27FC236}">
+                <a16:creationId xmlns:a16="http://schemas.microsoft.com/office/drawing/2014/main" id="{CAE9A72B-8A68-6F30-1013-174001A44746}"/>
+              </a:ext>
+            </a:extLst>
+          </p:cNvPr>
+          <p:cNvPicPr>
+            <a:picLocks noGrp="1" noChangeAspect="1"/>
+          </p:cNvPicPr>
           <p:nvPr>
             <p:ph idx="1"/>
           </p:nvPr>
-        </p:nvSpPr>
-        <p:spPr/>
-        <p:txBody>
-          <a:bodyPr/>
-          <a:lstStyle/>
-          <a:p>
-            <a:r>
-              <a:rPr lang="en-US" dirty="0"/>
-              <a:t>The following figures are for 1 input, 1 output scenarios, whereby the other 5 inputs are held at the following default values:</a:t>
-            </a:r>
-          </a:p>
-          <a:p>
-            <a:pPr lvl="1"/>
-            <a:r>
-              <a:rPr lang="en-US" dirty="0" err="1"/>
-              <a:t>E_soft</a:t>
-            </a:r>
-            <a:r>
-              <a:rPr lang="en-US" dirty="0"/>
-              <a:t>: 200 MPa</a:t>
-            </a:r>
-          </a:p>
-          <a:p>
-            <a:pPr lvl="1"/>
-            <a:r>
-              <a:rPr lang="en-US" dirty="0" err="1"/>
-              <a:t>E_hard</a:t>
-            </a:r>
-            <a:r>
-              <a:rPr lang="en-US" dirty="0"/>
-              <a:t>: 200 </a:t>
-            </a:r>
-            <a:r>
-              <a:rPr lang="en-US" dirty="0" err="1"/>
-              <a:t>GPa</a:t>
-            </a:r>
-            <a:endParaRPr lang="en-US" dirty="0"/>
-          </a:p>
-          <a:p>
-            <a:pPr lvl="1"/>
-            <a:r>
-              <a:rPr lang="en-US" dirty="0" err="1"/>
-              <a:t>Rho_soft</a:t>
-            </a:r>
-            <a:r>
-              <a:rPr lang="en-US" dirty="0"/>
-              <a:t>: 1000 kg/m^3</a:t>
-            </a:r>
-          </a:p>
-          <a:p>
-            <a:pPr lvl="1"/>
-            <a:r>
-              <a:rPr lang="en-US" dirty="0" err="1"/>
-              <a:t>Rho_hard</a:t>
-            </a:r>
-            <a:r>
-              <a:rPr lang="en-US" dirty="0"/>
-              <a:t>: 8000 kg/m^3</a:t>
-            </a:r>
-          </a:p>
-          <a:p>
-            <a:pPr lvl="1"/>
-            <a:r>
-              <a:rPr lang="en-US" dirty="0" err="1"/>
-              <a:t>PR_soft</a:t>
-            </a:r>
-            <a:r>
-              <a:rPr lang="en-US" dirty="0"/>
-              <a:t>: 0</a:t>
-            </a:r>
-          </a:p>
-          <a:p>
-            <a:pPr lvl="1"/>
-            <a:r>
-              <a:rPr lang="en-US" dirty="0" err="1"/>
-              <a:t>PR_hard</a:t>
-            </a:r>
-            <a:r>
-              <a:rPr lang="en-US" dirty="0"/>
-              <a:t>: 0.5</a:t>
-            </a:r>
-          </a:p>
-        </p:txBody>
-      </p:sp>
+        </p:nvPicPr>
+        <p:blipFill>
+          <a:blip r:embed="rId2"/>
+          <a:srcRect/>
+          <a:stretch/>
+        </p:blipFill>
+        <p:spPr>
+          <a:xfrm>
+            <a:off x="838200" y="1626802"/>
+            <a:ext cx="10515600" cy="4361634"/>
+          </a:xfrm>
+        </p:spPr>
+      </p:pic>
     </p:spTree>
     <p:extLst>
       <p:ext uri="{BB962C8B-B14F-4D97-AF65-F5344CB8AC3E}">
-        <p14:creationId xmlns:p14="http://schemas.microsoft.com/office/powerpoint/2010/main" val="3582712087"/>
+        <p14:creationId xmlns:p14="http://schemas.microsoft.com/office/powerpoint/2010/main" val="2358216360"/>
       </p:ext>
     </p:extLst>
   </p:cSld>
@@ -6283,8 +6277,8 @@
         </p:nvSpPr>
         <p:spPr>
           <a:xfrm>
-            <a:off x="730120" y="341221"/>
-            <a:ext cx="10731759" cy="1056686"/>
+            <a:off x="838200" y="341221"/>
+            <a:ext cx="10515600" cy="1056686"/>
           </a:xfrm>
         </p:spPr>
         <p:txBody>
@@ -6293,28 +6287,19 @@
           </a:bodyPr>
           <a:lstStyle/>
           <a:p>
-            <a:pPr algn="ctr"/>
             <a:r>
               <a:rPr lang="en-US" sz="3200" dirty="0"/>
-              <a:t>100, 1000, &amp; 10000 MC </a:t>
-            </a:r>
-            <a:r>
-              <a:rPr lang="en-US" sz="3200" dirty="0" err="1"/>
-              <a:t>E_soft</a:t>
-            </a:r>
-            <a:r>
-              <a:rPr lang="en-US" sz="3200" dirty="0"/>
-              <a:t> &amp; Bandgap Sizes</a:t>
+              <a:t>Stochastic Collocation – Quadrature Rule – Bandgap Top</a:t>
             </a:r>
           </a:p>
         </p:txBody>
       </p:sp>
       <p:pic>
         <p:nvPicPr>
-          <p:cNvPr id="7" name="Content Placeholder 6">
-            <a:extLst>
-              <a:ext uri="{FF2B5EF4-FFF2-40B4-BE49-F238E27FC236}">
-                <a16:creationId xmlns:a16="http://schemas.microsoft.com/office/drawing/2014/main" id="{45C121E0-2D9F-1F26-2360-E24CA0CD5905}"/>
+          <p:cNvPr id="5" name="Content Placeholder 4">
+            <a:extLst>
+              <a:ext uri="{FF2B5EF4-FFF2-40B4-BE49-F238E27FC236}">
+                <a16:creationId xmlns:a16="http://schemas.microsoft.com/office/drawing/2014/main" id="{CAE9A72B-8A68-6F30-1013-174001A44746}"/>
               </a:ext>
             </a:extLst>
           </p:cNvPr>
@@ -6332,15 +6317,15 @@
         </p:blipFill>
         <p:spPr>
           <a:xfrm>
-            <a:off x="1337301" y="1438275"/>
-            <a:ext cx="9517398" cy="4738688"/>
+            <a:off x="838200" y="1626802"/>
+            <a:ext cx="10515600" cy="4361634"/>
           </a:xfrm>
         </p:spPr>
       </p:pic>
     </p:spTree>
     <p:extLst>
       <p:ext uri="{BB962C8B-B14F-4D97-AF65-F5344CB8AC3E}">
-        <p14:creationId xmlns:p14="http://schemas.microsoft.com/office/powerpoint/2010/main" val="3772126645"/>
+        <p14:creationId xmlns:p14="http://schemas.microsoft.com/office/powerpoint/2010/main" val="2271108801"/>
       </p:ext>
     </p:extLst>
   </p:cSld>
@@ -6395,28 +6380,19 @@
           </a:bodyPr>
           <a:lstStyle/>
           <a:p>
-            <a:pPr algn="ctr"/>
             <a:r>
               <a:rPr lang="en-US" sz="3200" dirty="0"/>
-              <a:t>100, 1000, &amp; 10000 MC </a:t>
-            </a:r>
-            <a:r>
-              <a:rPr lang="en-US" sz="3200" dirty="0" err="1"/>
-              <a:t>E_soft</a:t>
-            </a:r>
-            <a:r>
-              <a:rPr lang="en-US" sz="3200" dirty="0"/>
-              <a:t> &amp; Bandgap Centers</a:t>
+              <a:t>Stochastic Collocation – Quadrature Rule – Bandgap Bottom</a:t>
             </a:r>
           </a:p>
         </p:txBody>
       </p:sp>
       <p:pic>
         <p:nvPicPr>
-          <p:cNvPr id="7" name="Content Placeholder 6">
-            <a:extLst>
-              <a:ext uri="{FF2B5EF4-FFF2-40B4-BE49-F238E27FC236}">
-                <a16:creationId xmlns:a16="http://schemas.microsoft.com/office/drawing/2014/main" id="{45C121E0-2D9F-1F26-2360-E24CA0CD5905}"/>
+          <p:cNvPr id="5" name="Content Placeholder 4">
+            <a:extLst>
+              <a:ext uri="{FF2B5EF4-FFF2-40B4-BE49-F238E27FC236}">
+                <a16:creationId xmlns:a16="http://schemas.microsoft.com/office/drawing/2014/main" id="{CAE9A72B-8A68-6F30-1013-174001A44746}"/>
               </a:ext>
             </a:extLst>
           </p:cNvPr>
@@ -6434,15 +6410,15 @@
         </p:blipFill>
         <p:spPr>
           <a:xfrm>
-            <a:off x="1337301" y="1438275"/>
-            <a:ext cx="9517398" cy="4738688"/>
+            <a:off x="838200" y="1626802"/>
+            <a:ext cx="10515600" cy="4361634"/>
           </a:xfrm>
         </p:spPr>
       </p:pic>
     </p:spTree>
     <p:extLst>
       <p:ext uri="{BB962C8B-B14F-4D97-AF65-F5344CB8AC3E}">
-        <p14:creationId xmlns:p14="http://schemas.microsoft.com/office/powerpoint/2010/main" val="2587583216"/>
+        <p14:creationId xmlns:p14="http://schemas.microsoft.com/office/powerpoint/2010/main" val="1348473648"/>
       </p:ext>
     </p:extLst>
   </p:cSld>
@@ -6474,7 +6450,7 @@
           <p:cNvPr id="2" name="Title 1">
             <a:extLst>
               <a:ext uri="{FF2B5EF4-FFF2-40B4-BE49-F238E27FC236}">
-                <a16:creationId xmlns:a16="http://schemas.microsoft.com/office/drawing/2014/main" id="{A4E5947E-1FD9-9A25-FE35-BC5561529035}"/>
+                <a16:creationId xmlns:a16="http://schemas.microsoft.com/office/drawing/2014/main" id="{EA484178-6ED4-2998-2632-83D0A0FF0D35}"/>
               </a:ext>
             </a:extLst>
           </p:cNvPr>
@@ -6487,88 +6463,119 @@
         </p:nvSpPr>
         <p:spPr/>
         <p:txBody>
-          <a:bodyPr>
-            <a:noAutofit/>
-          </a:bodyPr>
+          <a:bodyPr/>
           <a:lstStyle/>
           <a:p>
             <a:r>
-              <a:rPr lang="en-US" sz="2800" dirty="0"/>
-              <a:t>Stochastic Collocation 1D Quadrature – </a:t>
-            </a:r>
-            <a:r>
-              <a:rPr lang="en-US" sz="2800" dirty="0" err="1"/>
+              <a:rPr lang="en-US" dirty="0"/>
+              <a:t>1D PCE Fits</a:t>
+            </a:r>
+          </a:p>
+        </p:txBody>
+      </p:sp>
+      <p:sp>
+        <p:nvSpPr>
+          <p:cNvPr id="3" name="Content Placeholder 2">
+            <a:extLst>
+              <a:ext uri="{FF2B5EF4-FFF2-40B4-BE49-F238E27FC236}">
+                <a16:creationId xmlns:a16="http://schemas.microsoft.com/office/drawing/2014/main" id="{F1238953-6B6C-9866-7402-40977869F30D}"/>
+              </a:ext>
+            </a:extLst>
+          </p:cNvPr>
+          <p:cNvSpPr>
+            <a:spLocks noGrp="1"/>
+          </p:cNvSpPr>
+          <p:nvPr>
+            <p:ph idx="1"/>
+          </p:nvPr>
+        </p:nvSpPr>
+        <p:spPr/>
+        <p:txBody>
+          <a:bodyPr/>
+          <a:lstStyle/>
+          <a:p>
+            <a:r>
+              <a:rPr lang="en-US" dirty="0"/>
+              <a:t>The following figures are for 1 input, 1 output scenarios, whereby the other 5 inputs are held at the following default values:</a:t>
+            </a:r>
+          </a:p>
+          <a:p>
+            <a:pPr lvl="1"/>
+            <a:r>
+              <a:rPr lang="en-US" dirty="0" err="1"/>
               <a:t>E_soft</a:t>
             </a:r>
             <a:r>
-              <a:rPr lang="en-US" sz="2800" dirty="0"/>
-              <a:t> – Bandgap Size</a:t>
-            </a:r>
-          </a:p>
-        </p:txBody>
-      </p:sp>
-      <p:pic>
-        <p:nvPicPr>
-          <p:cNvPr id="5" name="Content Placeholder 4" descr="A graph with a red line&#10;&#10;Description automatically generated with low confidence">
-            <a:extLst>
-              <a:ext uri="{FF2B5EF4-FFF2-40B4-BE49-F238E27FC236}">
-                <a16:creationId xmlns:a16="http://schemas.microsoft.com/office/drawing/2014/main" id="{E481CCDB-BDC4-87DA-0787-F2BA39A1E2AE}"/>
-              </a:ext>
-            </a:extLst>
-          </p:cNvPr>
-          <p:cNvPicPr>
-            <a:picLocks noGrp="1" noChangeAspect="1"/>
-          </p:cNvPicPr>
-          <p:nvPr>
-            <p:ph idx="1"/>
-          </p:nvPr>
-        </p:nvPicPr>
-        <p:blipFill>
-          <a:blip r:embed="rId2"/>
-          <a:stretch>
-            <a:fillRect/>
-          </a:stretch>
-        </p:blipFill>
-        <p:spPr>
-          <a:xfrm>
-            <a:off x="97524" y="1293872"/>
-            <a:ext cx="5998476" cy="4270256"/>
-          </a:xfrm>
-        </p:spPr>
-      </p:pic>
-      <p:pic>
-        <p:nvPicPr>
-          <p:cNvPr id="6" name="Content Placeholder 4">
-            <a:extLst>
-              <a:ext uri="{FF2B5EF4-FFF2-40B4-BE49-F238E27FC236}">
-                <a16:creationId xmlns:a16="http://schemas.microsoft.com/office/drawing/2014/main" id="{E9363DFE-7C01-94EB-CEC4-D99A220009B8}"/>
-              </a:ext>
-            </a:extLst>
-          </p:cNvPr>
-          <p:cNvPicPr>
-            <a:picLocks noChangeAspect="1"/>
-          </p:cNvPicPr>
-          <p:nvPr/>
-        </p:nvPicPr>
-        <p:blipFill>
-          <a:blip r:embed="rId3"/>
-          <a:srcRect/>
-          <a:stretch/>
-        </p:blipFill>
-        <p:spPr>
-          <a:xfrm>
-            <a:off x="6096000" y="1300362"/>
-            <a:ext cx="5998476" cy="4257276"/>
-          </a:xfrm>
-          <a:prstGeom prst="rect">
-            <a:avLst/>
-          </a:prstGeom>
-        </p:spPr>
-      </p:pic>
+              <a:rPr lang="en-US" dirty="0"/>
+              <a:t>: 200 MPa</a:t>
+            </a:r>
+          </a:p>
+          <a:p>
+            <a:pPr lvl="1"/>
+            <a:r>
+              <a:rPr lang="en-US" dirty="0" err="1"/>
+              <a:t>E_hard</a:t>
+            </a:r>
+            <a:r>
+              <a:rPr lang="en-US" dirty="0"/>
+              <a:t>: 200 </a:t>
+            </a:r>
+            <a:r>
+              <a:rPr lang="en-US" dirty="0" err="1"/>
+              <a:t>GPa</a:t>
+            </a:r>
+            <a:endParaRPr lang="en-US" dirty="0"/>
+          </a:p>
+          <a:p>
+            <a:pPr lvl="1"/>
+            <a:r>
+              <a:rPr lang="en-US" dirty="0" err="1"/>
+              <a:t>Rho_soft</a:t>
+            </a:r>
+            <a:r>
+              <a:rPr lang="en-US" dirty="0"/>
+              <a:t>: 1000 kg/m^3</a:t>
+            </a:r>
+          </a:p>
+          <a:p>
+            <a:pPr lvl="1"/>
+            <a:r>
+              <a:rPr lang="en-US" dirty="0" err="1"/>
+              <a:t>Rho_hard</a:t>
+            </a:r>
+            <a:r>
+              <a:rPr lang="en-US" dirty="0"/>
+              <a:t>: 8000 kg/m^3</a:t>
+            </a:r>
+          </a:p>
+          <a:p>
+            <a:pPr lvl="1"/>
+            <a:r>
+              <a:rPr lang="en-US" dirty="0" err="1"/>
+              <a:t>PR_soft</a:t>
+            </a:r>
+            <a:r>
+              <a:rPr lang="en-US" dirty="0"/>
+              <a:t>: 0</a:t>
+            </a:r>
+          </a:p>
+          <a:p>
+            <a:pPr lvl="1"/>
+            <a:r>
+              <a:rPr lang="en-US" dirty="0" err="1"/>
+              <a:t>PR_hard</a:t>
+            </a:r>
+            <a:r>
+              <a:rPr lang="en-US" dirty="0"/>
+              <a:t>: 0.5</a:t>
+            </a:r>
+          </a:p>
+        </p:txBody>
+      </p:sp>
     </p:spTree>
     <p:extLst>
       <p:ext uri="{BB962C8B-B14F-4D97-AF65-F5344CB8AC3E}">
-        <p14:creationId xmlns:p14="http://schemas.microsoft.com/office/powerpoint/2010/main" val="3315475792"/>
+        <p14:creationId xmlns:p14="http://schemas.microsoft.com/office/powerpoint/2010/main" val="3582712087"/>
       </p:ext>
     </p:extLst>
   </p:cSld>
@@ -6630,7 +6637,7 @@
             </a:r>
             <a:r>
               <a:rPr lang="en-US" sz="3200" dirty="0" err="1"/>
-              <a:t>E_hard</a:t>
+              <a:t>E_soft</a:t>
             </a:r>
             <a:r>
               <a:rPr lang="en-US" sz="3200" dirty="0"/>
@@ -6670,7 +6677,7 @@
     </p:spTree>
     <p:extLst>
       <p:ext uri="{BB962C8B-B14F-4D97-AF65-F5344CB8AC3E}">
-        <p14:creationId xmlns:p14="http://schemas.microsoft.com/office/powerpoint/2010/main" val="3493700788"/>
+        <p14:creationId xmlns:p14="http://schemas.microsoft.com/office/powerpoint/2010/main" val="3772126645"/>
       </p:ext>
     </p:extLst>
   </p:cSld>
@@ -6732,7 +6739,7 @@
             </a:r>
             <a:r>
               <a:rPr lang="en-US" sz="3200" dirty="0" err="1"/>
-              <a:t>E_hard</a:t>
+              <a:t>E_soft</a:t>
             </a:r>
             <a:r>
               <a:rPr lang="en-US" sz="3200" dirty="0"/>
@@ -6772,7 +6779,7 @@
     </p:spTree>
     <p:extLst>
       <p:ext uri="{BB962C8B-B14F-4D97-AF65-F5344CB8AC3E}">
-        <p14:creationId xmlns:p14="http://schemas.microsoft.com/office/powerpoint/2010/main" val="962386046"/>
+        <p14:creationId xmlns:p14="http://schemas.microsoft.com/office/powerpoint/2010/main" val="2587583216"/>
       </p:ext>
     </p:extLst>
   </p:cSld>
@@ -6828,7 +6835,7 @@
             </a:r>
             <a:r>
               <a:rPr lang="en-US" sz="2800" dirty="0" err="1"/>
-              <a:t>E_hard</a:t>
+              <a:t>E_soft</a:t>
             </a:r>
             <a:r>
               <a:rPr lang="en-US" sz="2800" dirty="0"/>
@@ -6839,7 +6846,7 @@
       </p:sp>
       <p:pic>
         <p:nvPicPr>
-          <p:cNvPr id="5" name="Content Placeholder 4">
+          <p:cNvPr id="5" name="Content Placeholder 4" descr="A graph with a red line&#10;&#10;Description automatically generated with low confidence">
             <a:extLst>
               <a:ext uri="{FF2B5EF4-FFF2-40B4-BE49-F238E27FC236}">
                 <a16:creationId xmlns:a16="http://schemas.microsoft.com/office/drawing/2014/main" id="{E481CCDB-BDC4-87DA-0787-F2BA39A1E2AE}"/>
@@ -6855,8 +6862,9 @@
         </p:nvPicPr>
         <p:blipFill>
           <a:blip r:embed="rId2"/>
-          <a:srcRect/>
-          <a:stretch/>
+          <a:stretch>
+            <a:fillRect/>
+          </a:stretch>
         </p:blipFill>
         <p:spPr>
           <a:xfrm>
@@ -6887,7 +6895,7 @@
         <p:spPr>
           <a:xfrm>
             <a:off x="6096000" y="1300362"/>
-            <a:ext cx="5998475" cy="4257276"/>
+            <a:ext cx="5998476" cy="4257276"/>
           </a:xfrm>
           <a:prstGeom prst="rect">
             <a:avLst/>
@@ -6897,7 +6905,7 @@
     </p:spTree>
     <p:extLst>
       <p:ext uri="{BB962C8B-B14F-4D97-AF65-F5344CB8AC3E}">
-        <p14:creationId xmlns:p14="http://schemas.microsoft.com/office/powerpoint/2010/main" val="6012088"/>
+        <p14:creationId xmlns:p14="http://schemas.microsoft.com/office/powerpoint/2010/main" val="3315475792"/>
       </p:ext>
     </p:extLst>
   </p:cSld>
@@ -6959,7 +6967,7 @@
             </a:r>
             <a:r>
               <a:rPr lang="en-US" sz="3200" dirty="0" err="1"/>
-              <a:t>Rho_soft</a:t>
+              <a:t>E_hard</a:t>
             </a:r>
             <a:r>
               <a:rPr lang="en-US" sz="3200" dirty="0"/>
@@ -6999,7 +7007,7 @@
     </p:spTree>
     <p:extLst>
       <p:ext uri="{BB962C8B-B14F-4D97-AF65-F5344CB8AC3E}">
-        <p14:creationId xmlns:p14="http://schemas.microsoft.com/office/powerpoint/2010/main" val="2167552379"/>
+        <p14:creationId xmlns:p14="http://schemas.microsoft.com/office/powerpoint/2010/main" val="3493700788"/>
       </p:ext>
     </p:extLst>
   </p:cSld>
@@ -7061,7 +7069,7 @@
             </a:r>
             <a:r>
               <a:rPr lang="en-US" sz="3200" dirty="0" err="1"/>
-              <a:t>rho_soft</a:t>
+              <a:t>E_hard</a:t>
             </a:r>
             <a:r>
               <a:rPr lang="en-US" sz="3200" dirty="0"/>
@@ -7101,7 +7109,7 @@
     </p:spTree>
     <p:extLst>
       <p:ext uri="{BB962C8B-B14F-4D97-AF65-F5344CB8AC3E}">
-        <p14:creationId xmlns:p14="http://schemas.microsoft.com/office/powerpoint/2010/main" val="523439960"/>
+        <p14:creationId xmlns:p14="http://schemas.microsoft.com/office/powerpoint/2010/main" val="962386046"/>
       </p:ext>
     </p:extLst>
   </p:cSld>
@@ -7157,7 +7165,7 @@
             </a:r>
             <a:r>
               <a:rPr lang="en-US" sz="2800" dirty="0" err="1"/>
-              <a:t>rho_soft</a:t>
+              <a:t>E_hard</a:t>
             </a:r>
             <a:r>
               <a:rPr lang="en-US" sz="2800" dirty="0"/>
@@ -7166,35 +7174,67 @@
           </a:p>
         </p:txBody>
       </p:sp>
-      <p:sp>
-        <p:nvSpPr>
-          <p:cNvPr id="4" name="Content Placeholder 3">
-            <a:extLst>
-              <a:ext uri="{FF2B5EF4-FFF2-40B4-BE49-F238E27FC236}">
-                <a16:creationId xmlns:a16="http://schemas.microsoft.com/office/drawing/2014/main" id="{1EF3B450-ACB3-F857-A37F-3D8465AD3832}"/>
-              </a:ext>
-            </a:extLst>
-          </p:cNvPr>
-          <p:cNvSpPr>
-            <a:spLocks noGrp="1"/>
-          </p:cNvSpPr>
+      <p:pic>
+        <p:nvPicPr>
+          <p:cNvPr id="5" name="Content Placeholder 4">
+            <a:extLst>
+              <a:ext uri="{FF2B5EF4-FFF2-40B4-BE49-F238E27FC236}">
+                <a16:creationId xmlns:a16="http://schemas.microsoft.com/office/drawing/2014/main" id="{E481CCDB-BDC4-87DA-0787-F2BA39A1E2AE}"/>
+              </a:ext>
+            </a:extLst>
+          </p:cNvPr>
+          <p:cNvPicPr>
+            <a:picLocks noGrp="1" noChangeAspect="1"/>
+          </p:cNvPicPr>
           <p:nvPr>
             <p:ph idx="1"/>
           </p:nvPr>
-        </p:nvSpPr>
-        <p:spPr/>
-        <p:txBody>
-          <a:bodyPr/>
-          <a:lstStyle/>
-          <a:p>
-            <a:endParaRPr lang="en-US" dirty="0"/>
-          </a:p>
-        </p:txBody>
-      </p:sp>
+        </p:nvPicPr>
+        <p:blipFill>
+          <a:blip r:embed="rId2"/>
+          <a:srcRect/>
+          <a:stretch/>
+        </p:blipFill>
+        <p:spPr>
+          <a:xfrm>
+            <a:off x="97524" y="1293872"/>
+            <a:ext cx="5998476" cy="4270256"/>
+          </a:xfrm>
+        </p:spPr>
+      </p:pic>
+      <p:pic>
+        <p:nvPicPr>
+          <p:cNvPr id="6" name="Content Placeholder 4">
+            <a:extLst>
+              <a:ext uri="{FF2B5EF4-FFF2-40B4-BE49-F238E27FC236}">
+                <a16:creationId xmlns:a16="http://schemas.microsoft.com/office/drawing/2014/main" id="{E9363DFE-7C01-94EB-CEC4-D99A220009B8}"/>
+              </a:ext>
+            </a:extLst>
+          </p:cNvPr>
+          <p:cNvPicPr>
+            <a:picLocks noChangeAspect="1"/>
+          </p:cNvPicPr>
+          <p:nvPr/>
+        </p:nvPicPr>
+        <p:blipFill>
+          <a:blip r:embed="rId3"/>
+          <a:srcRect/>
+          <a:stretch/>
+        </p:blipFill>
+        <p:spPr>
+          <a:xfrm>
+            <a:off x="6096000" y="1300362"/>
+            <a:ext cx="5998475" cy="4257276"/>
+          </a:xfrm>
+          <a:prstGeom prst="rect">
+            <a:avLst/>
+          </a:prstGeom>
+        </p:spPr>
+      </p:pic>
     </p:spTree>
     <p:extLst>
       <p:ext uri="{BB962C8B-B14F-4D97-AF65-F5344CB8AC3E}">
-        <p14:creationId xmlns:p14="http://schemas.microsoft.com/office/powerpoint/2010/main" val="52214635"/>
+        <p14:creationId xmlns:p14="http://schemas.microsoft.com/office/powerpoint/2010/main" val="6012088"/>
       </p:ext>
     </p:extLst>
   </p:cSld>
@@ -7378,7 +7418,7 @@
             </a:r>
             <a:r>
               <a:rPr lang="en-US" sz="3200" dirty="0" err="1"/>
-              <a:t>Rho_hard</a:t>
+              <a:t>Rho_soft</a:t>
             </a:r>
             <a:r>
               <a:rPr lang="en-US" sz="3200" dirty="0"/>
@@ -7418,7 +7458,7 @@
     </p:spTree>
     <p:extLst>
       <p:ext uri="{BB962C8B-B14F-4D97-AF65-F5344CB8AC3E}">
-        <p14:creationId xmlns:p14="http://schemas.microsoft.com/office/powerpoint/2010/main" val="1938568823"/>
+        <p14:creationId xmlns:p14="http://schemas.microsoft.com/office/powerpoint/2010/main" val="2167552379"/>
       </p:ext>
     </p:extLst>
   </p:cSld>
@@ -7506,7 +7546,7 @@
           </p:nvPr>
         </p:nvPicPr>
         <p:blipFill>
-          <a:blip r:embed="rId2"/>
+          <a:blip r:embed="rId3"/>
           <a:srcRect/>
           <a:stretch/>
         </p:blipFill>
@@ -7520,13 +7560,18 @@
     </p:spTree>
     <p:extLst>
       <p:ext uri="{BB962C8B-B14F-4D97-AF65-F5344CB8AC3E}">
-        <p14:creationId xmlns:p14="http://schemas.microsoft.com/office/powerpoint/2010/main" val="603733736"/>
+        <p14:creationId xmlns:p14="http://schemas.microsoft.com/office/powerpoint/2010/main" val="523439960"/>
       </p:ext>
     </p:extLst>
   </p:cSld>
   <p:clrMapOvr>
     <a:masterClrMapping/>
   </p:clrMapOvr>
+  <p:extLst>
+    <p:ext uri="{6950BFC3-D8DA-4A85-94F7-54DA5524770B}">
+      <p188:commentRel xmlns:p188="http://schemas.microsoft.com/office/powerpoint/2018/8/main" r:id="rId2"/>
+    </p:ext>
+  </p:extLst>
 </p:sld>
 </file>
 
@@ -7576,7 +7621,7 @@
             </a:r>
             <a:r>
               <a:rPr lang="en-US" sz="2800" dirty="0" err="1"/>
-              <a:t>E_hard</a:t>
+              <a:t>rho_soft</a:t>
             </a:r>
             <a:r>
               <a:rPr lang="en-US" sz="2800" dirty="0"/>
@@ -7585,21 +7630,44 @@
           </a:p>
         </p:txBody>
       </p:sp>
+      <p:sp>
+        <p:nvSpPr>
+          <p:cNvPr id="4" name="Content Placeholder 3">
+            <a:extLst>
+              <a:ext uri="{FF2B5EF4-FFF2-40B4-BE49-F238E27FC236}">
+                <a16:creationId xmlns:a16="http://schemas.microsoft.com/office/drawing/2014/main" id="{1EF3B450-ACB3-F857-A37F-3D8465AD3832}"/>
+              </a:ext>
+            </a:extLst>
+          </p:cNvPr>
+          <p:cNvSpPr>
+            <a:spLocks noGrp="1"/>
+          </p:cNvSpPr>
+          <p:nvPr>
+            <p:ph idx="1"/>
+          </p:nvPr>
+        </p:nvSpPr>
+        <p:spPr/>
+        <p:txBody>
+          <a:bodyPr/>
+          <a:lstStyle/>
+          <a:p>
+            <a:endParaRPr lang="en-US" dirty="0"/>
+          </a:p>
+        </p:txBody>
+      </p:sp>
       <p:pic>
         <p:nvPicPr>
-          <p:cNvPr id="5" name="Content Placeholder 4">
-            <a:extLst>
-              <a:ext uri="{FF2B5EF4-FFF2-40B4-BE49-F238E27FC236}">
-                <a16:creationId xmlns:a16="http://schemas.microsoft.com/office/drawing/2014/main" id="{E481CCDB-BDC4-87DA-0787-F2BA39A1E2AE}"/>
+          <p:cNvPr id="3" name="Content Placeholder 4">
+            <a:extLst>
+              <a:ext uri="{FF2B5EF4-FFF2-40B4-BE49-F238E27FC236}">
+                <a16:creationId xmlns:a16="http://schemas.microsoft.com/office/drawing/2014/main" id="{1C739005-B4B3-37FB-BA7A-F1409391C1DB}"/>
               </a:ext>
             </a:extLst>
           </p:cNvPr>
           <p:cNvPicPr>
-            <a:picLocks noGrp="1" noChangeAspect="1"/>
+            <a:picLocks noChangeAspect="1"/>
           </p:cNvPicPr>
-          <p:nvPr>
-            <p:ph idx="1"/>
-          </p:nvPr>
+          <p:nvPr/>
         </p:nvPicPr>
         <p:blipFill>
           <a:blip r:embed="rId2"/>
@@ -7608,17 +7676,20 @@
         </p:blipFill>
         <p:spPr>
           <a:xfrm>
-            <a:off x="97524" y="1293872"/>
-            <a:ext cx="5998476" cy="4270256"/>
-          </a:xfrm>
+            <a:off x="134100" y="1293872"/>
+            <a:ext cx="5925324" cy="4270256"/>
+          </a:xfrm>
+          <a:prstGeom prst="rect">
+            <a:avLst/>
+          </a:prstGeom>
         </p:spPr>
       </p:pic>
       <p:pic>
         <p:nvPicPr>
-          <p:cNvPr id="6" name="Content Placeholder 4">
-            <a:extLst>
-              <a:ext uri="{FF2B5EF4-FFF2-40B4-BE49-F238E27FC236}">
-                <a16:creationId xmlns:a16="http://schemas.microsoft.com/office/drawing/2014/main" id="{E9363DFE-7C01-94EB-CEC4-D99A220009B8}"/>
+          <p:cNvPr id="5" name="Content Placeholder 4">
+            <a:extLst>
+              <a:ext uri="{FF2B5EF4-FFF2-40B4-BE49-F238E27FC236}">
+                <a16:creationId xmlns:a16="http://schemas.microsoft.com/office/drawing/2014/main" id="{942B7815-0639-2204-5B85-6081319074D7}"/>
               </a:ext>
             </a:extLst>
           </p:cNvPr>
@@ -7634,6 +7705,335 @@
         </p:blipFill>
         <p:spPr>
           <a:xfrm>
+            <a:off x="6096001" y="1300362"/>
+            <a:ext cx="5998473" cy="4257275"/>
+          </a:xfrm>
+          <a:prstGeom prst="rect">
+            <a:avLst/>
+          </a:prstGeom>
+        </p:spPr>
+      </p:pic>
+    </p:spTree>
+    <p:extLst>
+      <p:ext uri="{BB962C8B-B14F-4D97-AF65-F5344CB8AC3E}">
+        <p14:creationId xmlns:p14="http://schemas.microsoft.com/office/powerpoint/2010/main" val="52214635"/>
+      </p:ext>
+    </p:extLst>
+  </p:cSld>
+  <p:clrMapOvr>
+    <a:masterClrMapping/>
+  </p:clrMapOvr>
+</p:sld>
+</file>
+
+<file path=ppt/slides/slide33.xml><?xml version="1.0" encoding="utf-8"?>
+<p:sld xmlns:a="http://schemas.openxmlformats.org/drawingml/2006/main" xmlns:r="http://schemas.openxmlformats.org/officeDocument/2006/relationships" xmlns:p="http://schemas.openxmlformats.org/presentationml/2006/main">
+  <p:cSld>
+    <p:spTree>
+      <p:nvGrpSpPr>
+        <p:cNvPr id="1" name=""/>
+        <p:cNvGrpSpPr/>
+        <p:nvPr/>
+      </p:nvGrpSpPr>
+      <p:grpSpPr>
+        <a:xfrm>
+          <a:off x="0" y="0"/>
+          <a:ext cx="0" cy="0"/>
+          <a:chOff x="0" y="0"/>
+          <a:chExt cx="0" cy="0"/>
+        </a:xfrm>
+      </p:grpSpPr>
+      <p:sp>
+        <p:nvSpPr>
+          <p:cNvPr id="2" name="Title 1">
+            <a:extLst>
+              <a:ext uri="{FF2B5EF4-FFF2-40B4-BE49-F238E27FC236}">
+                <a16:creationId xmlns:a16="http://schemas.microsoft.com/office/drawing/2014/main" id="{6DCC4830-BA42-B1C9-F66B-F78F9E32BB1D}"/>
+              </a:ext>
+            </a:extLst>
+          </p:cNvPr>
+          <p:cNvSpPr>
+            <a:spLocks noGrp="1"/>
+          </p:cNvSpPr>
+          <p:nvPr>
+            <p:ph type="title"/>
+          </p:nvPr>
+        </p:nvSpPr>
+        <p:spPr>
+          <a:xfrm>
+            <a:off x="730120" y="341221"/>
+            <a:ext cx="10731759" cy="1056686"/>
+          </a:xfrm>
+        </p:spPr>
+        <p:txBody>
+          <a:bodyPr>
+            <a:noAutofit/>
+          </a:bodyPr>
+          <a:lstStyle/>
+          <a:p>
+            <a:pPr algn="ctr"/>
+            <a:r>
+              <a:rPr lang="en-US" sz="3200" dirty="0"/>
+              <a:t>100, 1000, &amp; 10000 MC </a:t>
+            </a:r>
+            <a:r>
+              <a:rPr lang="en-US" sz="3200" dirty="0" err="1"/>
+              <a:t>rho_hard</a:t>
+            </a:r>
+            <a:r>
+              <a:rPr lang="en-US" sz="3200" dirty="0"/>
+              <a:t> &amp; Bandgap Sizes</a:t>
+            </a:r>
+          </a:p>
+        </p:txBody>
+      </p:sp>
+      <p:pic>
+        <p:nvPicPr>
+          <p:cNvPr id="7" name="Content Placeholder 6">
+            <a:extLst>
+              <a:ext uri="{FF2B5EF4-FFF2-40B4-BE49-F238E27FC236}">
+                <a16:creationId xmlns:a16="http://schemas.microsoft.com/office/drawing/2014/main" id="{45C121E0-2D9F-1F26-2360-E24CA0CD5905}"/>
+              </a:ext>
+            </a:extLst>
+          </p:cNvPr>
+          <p:cNvPicPr>
+            <a:picLocks noGrp="1" noChangeAspect="1"/>
+          </p:cNvPicPr>
+          <p:nvPr>
+            <p:ph idx="1"/>
+          </p:nvPr>
+        </p:nvPicPr>
+        <p:blipFill>
+          <a:blip r:embed="rId2"/>
+          <a:srcRect/>
+          <a:stretch/>
+        </p:blipFill>
+        <p:spPr>
+          <a:xfrm>
+            <a:off x="1337301" y="1438275"/>
+            <a:ext cx="9517398" cy="4738688"/>
+          </a:xfrm>
+        </p:spPr>
+      </p:pic>
+    </p:spTree>
+    <p:extLst>
+      <p:ext uri="{BB962C8B-B14F-4D97-AF65-F5344CB8AC3E}">
+        <p14:creationId xmlns:p14="http://schemas.microsoft.com/office/powerpoint/2010/main" val="1938568823"/>
+      </p:ext>
+    </p:extLst>
+  </p:cSld>
+  <p:clrMapOvr>
+    <a:masterClrMapping/>
+  </p:clrMapOvr>
+</p:sld>
+</file>
+
+<file path=ppt/slides/slide34.xml><?xml version="1.0" encoding="utf-8"?>
+<p:sld xmlns:a="http://schemas.openxmlformats.org/drawingml/2006/main" xmlns:r="http://schemas.openxmlformats.org/officeDocument/2006/relationships" xmlns:p="http://schemas.openxmlformats.org/presentationml/2006/main">
+  <p:cSld>
+    <p:spTree>
+      <p:nvGrpSpPr>
+        <p:cNvPr id="1" name=""/>
+        <p:cNvGrpSpPr/>
+        <p:nvPr/>
+      </p:nvGrpSpPr>
+      <p:grpSpPr>
+        <a:xfrm>
+          <a:off x="0" y="0"/>
+          <a:ext cx="0" cy="0"/>
+          <a:chOff x="0" y="0"/>
+          <a:chExt cx="0" cy="0"/>
+        </a:xfrm>
+      </p:grpSpPr>
+      <p:sp>
+        <p:nvSpPr>
+          <p:cNvPr id="2" name="Title 1">
+            <a:extLst>
+              <a:ext uri="{FF2B5EF4-FFF2-40B4-BE49-F238E27FC236}">
+                <a16:creationId xmlns:a16="http://schemas.microsoft.com/office/drawing/2014/main" id="{6DCC4830-BA42-B1C9-F66B-F78F9E32BB1D}"/>
+              </a:ext>
+            </a:extLst>
+          </p:cNvPr>
+          <p:cNvSpPr>
+            <a:spLocks noGrp="1"/>
+          </p:cNvSpPr>
+          <p:nvPr>
+            <p:ph type="title"/>
+          </p:nvPr>
+        </p:nvSpPr>
+        <p:spPr>
+          <a:xfrm>
+            <a:off x="730120" y="341221"/>
+            <a:ext cx="10731759" cy="1056686"/>
+          </a:xfrm>
+        </p:spPr>
+        <p:txBody>
+          <a:bodyPr>
+            <a:noAutofit/>
+          </a:bodyPr>
+          <a:lstStyle/>
+          <a:p>
+            <a:pPr algn="ctr"/>
+            <a:r>
+              <a:rPr lang="en-US" sz="3200" dirty="0"/>
+              <a:t>100, 1000, &amp; 10000 MC </a:t>
+            </a:r>
+            <a:r>
+              <a:rPr lang="en-US" sz="3200" dirty="0" err="1"/>
+              <a:t>rho_hard</a:t>
+            </a:r>
+            <a:r>
+              <a:rPr lang="en-US" sz="3200" dirty="0"/>
+              <a:t> &amp; Bandgap Centers</a:t>
+            </a:r>
+          </a:p>
+        </p:txBody>
+      </p:sp>
+      <p:pic>
+        <p:nvPicPr>
+          <p:cNvPr id="7" name="Content Placeholder 6">
+            <a:extLst>
+              <a:ext uri="{FF2B5EF4-FFF2-40B4-BE49-F238E27FC236}">
+                <a16:creationId xmlns:a16="http://schemas.microsoft.com/office/drawing/2014/main" id="{45C121E0-2D9F-1F26-2360-E24CA0CD5905}"/>
+              </a:ext>
+            </a:extLst>
+          </p:cNvPr>
+          <p:cNvPicPr>
+            <a:picLocks noGrp="1" noChangeAspect="1"/>
+          </p:cNvPicPr>
+          <p:nvPr>
+            <p:ph idx="1"/>
+          </p:nvPr>
+        </p:nvPicPr>
+        <p:blipFill>
+          <a:blip r:embed="rId2"/>
+          <a:srcRect/>
+          <a:stretch/>
+        </p:blipFill>
+        <p:spPr>
+          <a:xfrm>
+            <a:off x="1337301" y="1438275"/>
+            <a:ext cx="9517398" cy="4738688"/>
+          </a:xfrm>
+        </p:spPr>
+      </p:pic>
+    </p:spTree>
+    <p:extLst>
+      <p:ext uri="{BB962C8B-B14F-4D97-AF65-F5344CB8AC3E}">
+        <p14:creationId xmlns:p14="http://schemas.microsoft.com/office/powerpoint/2010/main" val="603733736"/>
+      </p:ext>
+    </p:extLst>
+  </p:cSld>
+  <p:clrMapOvr>
+    <a:masterClrMapping/>
+  </p:clrMapOvr>
+</p:sld>
+</file>
+
+<file path=ppt/slides/slide35.xml><?xml version="1.0" encoding="utf-8"?>
+<p:sld xmlns:a="http://schemas.openxmlformats.org/drawingml/2006/main" xmlns:r="http://schemas.openxmlformats.org/officeDocument/2006/relationships" xmlns:p="http://schemas.openxmlformats.org/presentationml/2006/main">
+  <p:cSld>
+    <p:spTree>
+      <p:nvGrpSpPr>
+        <p:cNvPr id="1" name=""/>
+        <p:cNvGrpSpPr/>
+        <p:nvPr/>
+      </p:nvGrpSpPr>
+      <p:grpSpPr>
+        <a:xfrm>
+          <a:off x="0" y="0"/>
+          <a:ext cx="0" cy="0"/>
+          <a:chOff x="0" y="0"/>
+          <a:chExt cx="0" cy="0"/>
+        </a:xfrm>
+      </p:grpSpPr>
+      <p:sp>
+        <p:nvSpPr>
+          <p:cNvPr id="2" name="Title 1">
+            <a:extLst>
+              <a:ext uri="{FF2B5EF4-FFF2-40B4-BE49-F238E27FC236}">
+                <a16:creationId xmlns:a16="http://schemas.microsoft.com/office/drawing/2014/main" id="{A4E5947E-1FD9-9A25-FE35-BC5561529035}"/>
+              </a:ext>
+            </a:extLst>
+          </p:cNvPr>
+          <p:cNvSpPr>
+            <a:spLocks noGrp="1"/>
+          </p:cNvSpPr>
+          <p:nvPr>
+            <p:ph type="title"/>
+          </p:nvPr>
+        </p:nvSpPr>
+        <p:spPr/>
+        <p:txBody>
+          <a:bodyPr>
+            <a:noAutofit/>
+          </a:bodyPr>
+          <a:lstStyle/>
+          <a:p>
+            <a:r>
+              <a:rPr lang="en-US" sz="2800" dirty="0"/>
+              <a:t>Stochastic Collocation 1D Quadrature – </a:t>
+            </a:r>
+            <a:r>
+              <a:rPr lang="en-US" sz="2800" dirty="0" err="1"/>
+              <a:t>rho_hard</a:t>
+            </a:r>
+            <a:r>
+              <a:rPr lang="en-US" sz="2800" dirty="0"/>
+              <a:t> – Bandgap Size</a:t>
+            </a:r>
+          </a:p>
+        </p:txBody>
+      </p:sp>
+      <p:pic>
+        <p:nvPicPr>
+          <p:cNvPr id="5" name="Content Placeholder 4">
+            <a:extLst>
+              <a:ext uri="{FF2B5EF4-FFF2-40B4-BE49-F238E27FC236}">
+                <a16:creationId xmlns:a16="http://schemas.microsoft.com/office/drawing/2014/main" id="{E481CCDB-BDC4-87DA-0787-F2BA39A1E2AE}"/>
+              </a:ext>
+            </a:extLst>
+          </p:cNvPr>
+          <p:cNvPicPr>
+            <a:picLocks noGrp="1" noChangeAspect="1"/>
+          </p:cNvPicPr>
+          <p:nvPr>
+            <p:ph idx="1"/>
+          </p:nvPr>
+        </p:nvPicPr>
+        <p:blipFill>
+          <a:blip r:embed="rId2"/>
+          <a:srcRect/>
+          <a:stretch/>
+        </p:blipFill>
+        <p:spPr>
+          <a:xfrm>
+            <a:off x="97524" y="1293872"/>
+            <a:ext cx="5998476" cy="4270256"/>
+          </a:xfrm>
+        </p:spPr>
+      </p:pic>
+      <p:pic>
+        <p:nvPicPr>
+          <p:cNvPr id="6" name="Content Placeholder 4">
+            <a:extLst>
+              <a:ext uri="{FF2B5EF4-FFF2-40B4-BE49-F238E27FC236}">
+                <a16:creationId xmlns:a16="http://schemas.microsoft.com/office/drawing/2014/main" id="{E9363DFE-7C01-94EB-CEC4-D99A220009B8}"/>
+              </a:ext>
+            </a:extLst>
+          </p:cNvPr>
+          <p:cNvPicPr>
+            <a:picLocks noChangeAspect="1"/>
+          </p:cNvPicPr>
+          <p:nvPr/>
+        </p:nvPicPr>
+        <p:blipFill>
+          <a:blip r:embed="rId3"/>
+          <a:srcRect/>
+          <a:stretch/>
+        </p:blipFill>
+        <p:spPr>
+          <a:xfrm>
             <a:off x="6096000" y="1300362"/>
             <a:ext cx="5998475" cy="4257275"/>
           </a:xfrm>
@@ -7646,6 +8046,727 @@
     <p:extLst>
       <p:ext uri="{BB962C8B-B14F-4D97-AF65-F5344CB8AC3E}">
         <p14:creationId xmlns:p14="http://schemas.microsoft.com/office/powerpoint/2010/main" val="3211597128"/>
+      </p:ext>
+    </p:extLst>
+  </p:cSld>
+  <p:clrMapOvr>
+    <a:masterClrMapping/>
+  </p:clrMapOvr>
+</p:sld>
+</file>
+
+<file path=ppt/slides/slide36.xml><?xml version="1.0" encoding="utf-8"?>
+<p:sld xmlns:a="http://schemas.openxmlformats.org/drawingml/2006/main" xmlns:r="http://schemas.openxmlformats.org/officeDocument/2006/relationships" xmlns:p="http://schemas.openxmlformats.org/presentationml/2006/main">
+  <p:cSld>
+    <p:spTree>
+      <p:nvGrpSpPr>
+        <p:cNvPr id="1" name=""/>
+        <p:cNvGrpSpPr/>
+        <p:nvPr/>
+      </p:nvGrpSpPr>
+      <p:grpSpPr>
+        <a:xfrm>
+          <a:off x="0" y="0"/>
+          <a:ext cx="0" cy="0"/>
+          <a:chOff x="0" y="0"/>
+          <a:chExt cx="0" cy="0"/>
+        </a:xfrm>
+      </p:grpSpPr>
+      <mc:AlternateContent xmlns:mc="http://schemas.openxmlformats.org/markup-compatibility/2006">
+        <mc:Choice xmlns:a14="http://schemas.microsoft.com/office/drawing/2010/main" Requires="a14">
+          <p:sp>
+            <p:nvSpPr>
+              <p:cNvPr id="2" name="Title 1">
+                <a:extLst>
+                  <a:ext uri="{FF2B5EF4-FFF2-40B4-BE49-F238E27FC236}">
+                    <a16:creationId xmlns:a16="http://schemas.microsoft.com/office/drawing/2014/main" id="{6DCC4830-BA42-B1C9-F66B-F78F9E32BB1D}"/>
+                  </a:ext>
+                </a:extLst>
+              </p:cNvPr>
+              <p:cNvSpPr>
+                <a:spLocks noGrp="1"/>
+              </p:cNvSpPr>
+              <p:nvPr>
+                <p:ph type="title"/>
+              </p:nvPr>
+            </p:nvSpPr>
+            <p:spPr>
+              <a:xfrm>
+                <a:off x="730120" y="341221"/>
+                <a:ext cx="10731759" cy="1056686"/>
+              </a:xfrm>
+            </p:spPr>
+            <p:txBody>
+              <a:bodyPr>
+                <a:noAutofit/>
+              </a:bodyPr>
+              <a:lstStyle/>
+              <a:p>
+                <a:pPr algn="ctr"/>
+                <a:r>
+                  <a:rPr lang="en-US" sz="3200" dirty="0"/>
+                  <a:t>100, 1000, &amp; 10000 MC </a:t>
+                </a:r>
+                <a14:m>
+                  <m:oMath xmlns:m="http://schemas.openxmlformats.org/officeDocument/2006/math">
+                    <m:sSub>
+                      <m:sSubPr>
+                        <m:ctrlPr>
+                          <a:rPr lang="en-US" sz="3200" i="1" dirty="0" smtClean="0">
+                            <a:latin typeface="Cambria Math" panose="02040503050406030204" pitchFamily="18" charset="0"/>
+                          </a:rPr>
+                        </m:ctrlPr>
+                      </m:sSubPr>
+                      <m:e>
+                        <m:r>
+                          <a:rPr lang="en-US" sz="3200" b="1" i="1" dirty="0" smtClean="0">
+                            <a:latin typeface="Cambria Math" panose="02040503050406030204" pitchFamily="18" charset="0"/>
+                          </a:rPr>
+                          <m:t>𝝂</m:t>
+                        </m:r>
+                      </m:e>
+                      <m:sub>
+                        <m:r>
+                          <a:rPr lang="en-US" sz="3200" b="1" i="1" dirty="0" smtClean="0">
+                            <a:latin typeface="Cambria Math" panose="02040503050406030204" pitchFamily="18" charset="0"/>
+                          </a:rPr>
+                          <m:t>𝒔𝒐𝒇𝒕</m:t>
+                        </m:r>
+                      </m:sub>
+                    </m:sSub>
+                  </m:oMath>
+                </a14:m>
+                <a:r>
+                  <a:rPr lang="en-US" sz="3200" dirty="0"/>
+                  <a:t> &amp; Bandgap Sizes</a:t>
+                </a:r>
+              </a:p>
+            </p:txBody>
+          </p:sp>
+        </mc:Choice>
+        <mc:Fallback>
+          <p:sp>
+            <p:nvSpPr>
+              <p:cNvPr id="2" name="Title 1">
+                <a:extLst>
+                  <a:ext uri="{FF2B5EF4-FFF2-40B4-BE49-F238E27FC236}">
+                    <a16:creationId xmlns:a16="http://schemas.microsoft.com/office/drawing/2014/main" id="{6DCC4830-BA42-B1C9-F66B-F78F9E32BB1D}"/>
+                  </a:ext>
+                </a:extLst>
+              </p:cNvPr>
+              <p:cNvSpPr>
+                <a:spLocks noGrp="1" noRot="1" noChangeAspect="1" noMove="1" noResize="1" noEditPoints="1" noAdjustHandles="1" noChangeArrowheads="1" noChangeShapeType="1" noTextEdit="1"/>
+              </p:cNvSpPr>
+              <p:nvPr>
+                <p:ph type="title"/>
+              </p:nvPr>
+            </p:nvSpPr>
+            <p:spPr>
+              <a:xfrm>
+                <a:off x="730120" y="341221"/>
+                <a:ext cx="10731759" cy="1056686"/>
+              </a:xfrm>
+              <a:blipFill>
+                <a:blip r:embed="rId2"/>
+                <a:stretch>
+                  <a:fillRect/>
+                </a:stretch>
+              </a:blipFill>
+            </p:spPr>
+            <p:txBody>
+              <a:bodyPr/>
+              <a:lstStyle/>
+              <a:p>
+                <a:r>
+                  <a:rPr lang="en-US">
+                    <a:noFill/>
+                  </a:rPr>
+                  <a:t> </a:t>
+                </a:r>
+              </a:p>
+            </p:txBody>
+          </p:sp>
+        </mc:Fallback>
+      </mc:AlternateContent>
+      <p:pic>
+        <p:nvPicPr>
+          <p:cNvPr id="7" name="Content Placeholder 6">
+            <a:extLst>
+              <a:ext uri="{FF2B5EF4-FFF2-40B4-BE49-F238E27FC236}">
+                <a16:creationId xmlns:a16="http://schemas.microsoft.com/office/drawing/2014/main" id="{45C121E0-2D9F-1F26-2360-E24CA0CD5905}"/>
+              </a:ext>
+            </a:extLst>
+          </p:cNvPr>
+          <p:cNvPicPr>
+            <a:picLocks noGrp="1" noChangeAspect="1"/>
+          </p:cNvPicPr>
+          <p:nvPr>
+            <p:ph idx="1"/>
+          </p:nvPr>
+        </p:nvPicPr>
+        <p:blipFill>
+          <a:blip r:embed="rId3"/>
+          <a:srcRect/>
+          <a:stretch/>
+        </p:blipFill>
+        <p:spPr>
+          <a:xfrm>
+            <a:off x="1337301" y="1438275"/>
+            <a:ext cx="9517398" cy="4738688"/>
+          </a:xfrm>
+        </p:spPr>
+      </p:pic>
+    </p:spTree>
+    <p:extLst>
+      <p:ext uri="{BB962C8B-B14F-4D97-AF65-F5344CB8AC3E}">
+        <p14:creationId xmlns:p14="http://schemas.microsoft.com/office/powerpoint/2010/main" val="3569887846"/>
+      </p:ext>
+    </p:extLst>
+  </p:cSld>
+  <p:clrMapOvr>
+    <a:masterClrMapping/>
+  </p:clrMapOvr>
+</p:sld>
+</file>
+
+<file path=ppt/slides/slide37.xml><?xml version="1.0" encoding="utf-8"?>
+<p:sld xmlns:a="http://schemas.openxmlformats.org/drawingml/2006/main" xmlns:r="http://schemas.openxmlformats.org/officeDocument/2006/relationships" xmlns:p="http://schemas.openxmlformats.org/presentationml/2006/main">
+  <p:cSld>
+    <p:spTree>
+      <p:nvGrpSpPr>
+        <p:cNvPr id="1" name=""/>
+        <p:cNvGrpSpPr/>
+        <p:nvPr/>
+      </p:nvGrpSpPr>
+      <p:grpSpPr>
+        <a:xfrm>
+          <a:off x="0" y="0"/>
+          <a:ext cx="0" cy="0"/>
+          <a:chOff x="0" y="0"/>
+          <a:chExt cx="0" cy="0"/>
+        </a:xfrm>
+      </p:grpSpPr>
+      <mc:AlternateContent xmlns:mc="http://schemas.openxmlformats.org/markup-compatibility/2006">
+        <mc:Choice xmlns:a14="http://schemas.microsoft.com/office/drawing/2010/main" Requires="a14">
+          <p:sp>
+            <p:nvSpPr>
+              <p:cNvPr id="2" name="Title 1">
+                <a:extLst>
+                  <a:ext uri="{FF2B5EF4-FFF2-40B4-BE49-F238E27FC236}">
+                    <a16:creationId xmlns:a16="http://schemas.microsoft.com/office/drawing/2014/main" id="{6DCC4830-BA42-B1C9-F66B-F78F9E32BB1D}"/>
+                  </a:ext>
+                </a:extLst>
+              </p:cNvPr>
+              <p:cNvSpPr>
+                <a:spLocks noGrp="1"/>
+              </p:cNvSpPr>
+              <p:nvPr>
+                <p:ph type="title"/>
+              </p:nvPr>
+            </p:nvSpPr>
+            <p:spPr>
+              <a:xfrm>
+                <a:off x="730120" y="341221"/>
+                <a:ext cx="10731759" cy="1056686"/>
+              </a:xfrm>
+            </p:spPr>
+            <p:txBody>
+              <a:bodyPr>
+                <a:noAutofit/>
+              </a:bodyPr>
+              <a:lstStyle/>
+              <a:p>
+                <a:pPr algn="ctr"/>
+                <a:r>
+                  <a:rPr lang="en-US" sz="3200" dirty="0"/>
+                  <a:t>100, 1000, &amp; 10000 MC </a:t>
+                </a:r>
+                <a14:m>
+                  <m:oMath xmlns:m="http://schemas.openxmlformats.org/officeDocument/2006/math">
+                    <m:sSub>
+                      <m:sSubPr>
+                        <m:ctrlPr>
+                          <a:rPr lang="en-US" sz="3200" i="1" dirty="0" smtClean="0">
+                            <a:latin typeface="Cambria Math" panose="02040503050406030204" pitchFamily="18" charset="0"/>
+                          </a:rPr>
+                        </m:ctrlPr>
+                      </m:sSubPr>
+                      <m:e>
+                        <m:r>
+                          <a:rPr lang="en-US" sz="3200" b="1" i="1" dirty="0" smtClean="0">
+                            <a:latin typeface="Cambria Math" panose="02040503050406030204" pitchFamily="18" charset="0"/>
+                          </a:rPr>
+                          <m:t>𝝂</m:t>
+                        </m:r>
+                      </m:e>
+                      <m:sub>
+                        <m:r>
+                          <a:rPr lang="en-US" sz="3200" b="1" i="1" dirty="0" smtClean="0">
+                            <a:latin typeface="Cambria Math" panose="02040503050406030204" pitchFamily="18" charset="0"/>
+                          </a:rPr>
+                          <m:t>𝒔𝒐𝒇𝒕</m:t>
+                        </m:r>
+                      </m:sub>
+                    </m:sSub>
+                  </m:oMath>
+                </a14:m>
+                <a:r>
+                  <a:rPr lang="en-US" sz="3200" dirty="0"/>
+                  <a:t> &amp; Bandgap Centers</a:t>
+                </a:r>
+              </a:p>
+            </p:txBody>
+          </p:sp>
+        </mc:Choice>
+        <mc:Fallback>
+          <p:sp>
+            <p:nvSpPr>
+              <p:cNvPr id="2" name="Title 1">
+                <a:extLst>
+                  <a:ext uri="{FF2B5EF4-FFF2-40B4-BE49-F238E27FC236}">
+                    <a16:creationId xmlns:a16="http://schemas.microsoft.com/office/drawing/2014/main" id="{6DCC4830-BA42-B1C9-F66B-F78F9E32BB1D}"/>
+                  </a:ext>
+                </a:extLst>
+              </p:cNvPr>
+              <p:cNvSpPr>
+                <a:spLocks noGrp="1" noRot="1" noChangeAspect="1" noMove="1" noResize="1" noEditPoints="1" noAdjustHandles="1" noChangeArrowheads="1" noChangeShapeType="1" noTextEdit="1"/>
+              </p:cNvSpPr>
+              <p:nvPr>
+                <p:ph type="title"/>
+              </p:nvPr>
+            </p:nvSpPr>
+            <p:spPr>
+              <a:xfrm>
+                <a:off x="730120" y="341221"/>
+                <a:ext cx="10731759" cy="1056686"/>
+              </a:xfrm>
+              <a:blipFill>
+                <a:blip r:embed="rId2"/>
+                <a:stretch>
+                  <a:fillRect/>
+                </a:stretch>
+              </a:blipFill>
+            </p:spPr>
+            <p:txBody>
+              <a:bodyPr/>
+              <a:lstStyle/>
+              <a:p>
+                <a:r>
+                  <a:rPr lang="en-US">
+                    <a:noFill/>
+                  </a:rPr>
+                  <a:t> </a:t>
+                </a:r>
+              </a:p>
+            </p:txBody>
+          </p:sp>
+        </mc:Fallback>
+      </mc:AlternateContent>
+      <p:pic>
+        <p:nvPicPr>
+          <p:cNvPr id="7" name="Content Placeholder 6">
+            <a:extLst>
+              <a:ext uri="{FF2B5EF4-FFF2-40B4-BE49-F238E27FC236}">
+                <a16:creationId xmlns:a16="http://schemas.microsoft.com/office/drawing/2014/main" id="{45C121E0-2D9F-1F26-2360-E24CA0CD5905}"/>
+              </a:ext>
+            </a:extLst>
+          </p:cNvPr>
+          <p:cNvPicPr>
+            <a:picLocks noGrp="1" noChangeAspect="1"/>
+          </p:cNvPicPr>
+          <p:nvPr>
+            <p:ph idx="1"/>
+          </p:nvPr>
+        </p:nvPicPr>
+        <p:blipFill>
+          <a:blip r:embed="rId3"/>
+          <a:srcRect/>
+          <a:stretch/>
+        </p:blipFill>
+        <p:spPr>
+          <a:xfrm>
+            <a:off x="1337301" y="1438275"/>
+            <a:ext cx="9517398" cy="4738688"/>
+          </a:xfrm>
+        </p:spPr>
+      </p:pic>
+    </p:spTree>
+    <p:extLst>
+      <p:ext uri="{BB962C8B-B14F-4D97-AF65-F5344CB8AC3E}">
+        <p14:creationId xmlns:p14="http://schemas.microsoft.com/office/powerpoint/2010/main" val="124403465"/>
+      </p:ext>
+    </p:extLst>
+  </p:cSld>
+  <p:clrMapOvr>
+    <a:masterClrMapping/>
+  </p:clrMapOvr>
+</p:sld>
+</file>
+
+<file path=ppt/slides/slide38.xml><?xml version="1.0" encoding="utf-8"?>
+<p:sld xmlns:a="http://schemas.openxmlformats.org/drawingml/2006/main" xmlns:r="http://schemas.openxmlformats.org/officeDocument/2006/relationships" xmlns:p="http://schemas.openxmlformats.org/presentationml/2006/main">
+  <p:cSld>
+    <p:spTree>
+      <p:nvGrpSpPr>
+        <p:cNvPr id="1" name=""/>
+        <p:cNvGrpSpPr/>
+        <p:nvPr/>
+      </p:nvGrpSpPr>
+      <p:grpSpPr>
+        <a:xfrm>
+          <a:off x="0" y="0"/>
+          <a:ext cx="0" cy="0"/>
+          <a:chOff x="0" y="0"/>
+          <a:chExt cx="0" cy="0"/>
+        </a:xfrm>
+      </p:grpSpPr>
+      <mc:AlternateContent xmlns:mc="http://schemas.openxmlformats.org/markup-compatibility/2006">
+        <mc:Choice xmlns:a14="http://schemas.microsoft.com/office/drawing/2010/main" Requires="a14">
+          <p:sp>
+            <p:nvSpPr>
+              <p:cNvPr id="2" name="Title 1">
+                <a:extLst>
+                  <a:ext uri="{FF2B5EF4-FFF2-40B4-BE49-F238E27FC236}">
+                    <a16:creationId xmlns:a16="http://schemas.microsoft.com/office/drawing/2014/main" id="{A4E5947E-1FD9-9A25-FE35-BC5561529035}"/>
+                  </a:ext>
+                </a:extLst>
+              </p:cNvPr>
+              <p:cNvSpPr>
+                <a:spLocks noGrp="1"/>
+              </p:cNvSpPr>
+              <p:nvPr>
+                <p:ph type="title"/>
+              </p:nvPr>
+            </p:nvSpPr>
+            <p:spPr/>
+            <p:txBody>
+              <a:bodyPr>
+                <a:noAutofit/>
+              </a:bodyPr>
+              <a:lstStyle/>
+              <a:p>
+                <a:r>
+                  <a:rPr lang="en-US" sz="2800" dirty="0"/>
+                  <a:t>Stochastic Collocation 1D Quadrature – </a:t>
+                </a:r>
+                <a14:m>
+                  <m:oMath xmlns:m="http://schemas.openxmlformats.org/officeDocument/2006/math">
+                    <m:sSub>
+                      <m:sSubPr>
+                        <m:ctrlPr>
+                          <a:rPr lang="en-US" sz="2800" i="1" dirty="0" smtClean="0">
+                            <a:latin typeface="Cambria Math" panose="02040503050406030204" pitchFamily="18" charset="0"/>
+                          </a:rPr>
+                        </m:ctrlPr>
+                      </m:sSubPr>
+                      <m:e>
+                        <m:r>
+                          <a:rPr lang="en-US" sz="2800" b="1" i="1" dirty="0" smtClean="0">
+                            <a:latin typeface="Cambria Math" panose="02040503050406030204" pitchFamily="18" charset="0"/>
+                          </a:rPr>
+                          <m:t>𝝂</m:t>
+                        </m:r>
+                      </m:e>
+                      <m:sub>
+                        <m:r>
+                          <a:rPr lang="en-US" sz="2800" b="1" i="1" dirty="0" smtClean="0">
+                            <a:latin typeface="Cambria Math" panose="02040503050406030204" pitchFamily="18" charset="0"/>
+                          </a:rPr>
+                          <m:t>𝒔𝒐𝒇𝒕</m:t>
+                        </m:r>
+                      </m:sub>
+                    </m:sSub>
+                  </m:oMath>
+                </a14:m>
+                <a:r>
+                  <a:rPr lang="en-US" sz="2800" dirty="0"/>
+                  <a:t>– Bandgap Size</a:t>
+                </a:r>
+              </a:p>
+            </p:txBody>
+          </p:sp>
+        </mc:Choice>
+        <mc:Fallback>
+          <p:sp>
+            <p:nvSpPr>
+              <p:cNvPr id="2" name="Title 1">
+                <a:extLst>
+                  <a:ext uri="{FF2B5EF4-FFF2-40B4-BE49-F238E27FC236}">
+                    <a16:creationId xmlns:a16="http://schemas.microsoft.com/office/drawing/2014/main" id="{A4E5947E-1FD9-9A25-FE35-BC5561529035}"/>
+                  </a:ext>
+                </a:extLst>
+              </p:cNvPr>
+              <p:cNvSpPr>
+                <a:spLocks noGrp="1" noRot="1" noChangeAspect="1" noMove="1" noResize="1" noEditPoints="1" noAdjustHandles="1" noChangeArrowheads="1" noChangeShapeType="1" noTextEdit="1"/>
+              </p:cNvSpPr>
+              <p:nvPr>
+                <p:ph type="title"/>
+              </p:nvPr>
+            </p:nvSpPr>
+            <p:spPr>
+              <a:blipFill>
+                <a:blip r:embed="rId2"/>
+                <a:stretch>
+                  <a:fillRect l="-1217"/>
+                </a:stretch>
+              </a:blipFill>
+            </p:spPr>
+            <p:txBody>
+              <a:bodyPr/>
+              <a:lstStyle/>
+              <a:p>
+                <a:r>
+                  <a:rPr lang="en-US">
+                    <a:noFill/>
+                  </a:rPr>
+                  <a:t> </a:t>
+                </a:r>
+              </a:p>
+            </p:txBody>
+          </p:sp>
+        </mc:Fallback>
+      </mc:AlternateContent>
+      <p:pic>
+        <p:nvPicPr>
+          <p:cNvPr id="5" name="Content Placeholder 4">
+            <a:extLst>
+              <a:ext uri="{FF2B5EF4-FFF2-40B4-BE49-F238E27FC236}">
+                <a16:creationId xmlns:a16="http://schemas.microsoft.com/office/drawing/2014/main" id="{E481CCDB-BDC4-87DA-0787-F2BA39A1E2AE}"/>
+              </a:ext>
+            </a:extLst>
+          </p:cNvPr>
+          <p:cNvPicPr>
+            <a:picLocks noGrp="1" noChangeAspect="1"/>
+          </p:cNvPicPr>
+          <p:nvPr>
+            <p:ph idx="1"/>
+          </p:nvPr>
+        </p:nvPicPr>
+        <p:blipFill>
+          <a:blip r:embed="rId3"/>
+          <a:srcRect/>
+          <a:stretch/>
+        </p:blipFill>
+        <p:spPr>
+          <a:xfrm>
+            <a:off x="97524" y="1293872"/>
+            <a:ext cx="5998476" cy="4270256"/>
+          </a:xfrm>
+        </p:spPr>
+      </p:pic>
+      <p:pic>
+        <p:nvPicPr>
+          <p:cNvPr id="6" name="Content Placeholder 4">
+            <a:extLst>
+              <a:ext uri="{FF2B5EF4-FFF2-40B4-BE49-F238E27FC236}">
+                <a16:creationId xmlns:a16="http://schemas.microsoft.com/office/drawing/2014/main" id="{E9363DFE-7C01-94EB-CEC4-D99A220009B8}"/>
+              </a:ext>
+            </a:extLst>
+          </p:cNvPr>
+          <p:cNvPicPr>
+            <a:picLocks noChangeAspect="1"/>
+          </p:cNvPicPr>
+          <p:nvPr/>
+        </p:nvPicPr>
+        <p:blipFill>
+          <a:blip r:embed="rId4"/>
+          <a:srcRect/>
+          <a:stretch/>
+        </p:blipFill>
+        <p:spPr>
+          <a:xfrm>
+            <a:off x="6096001" y="1300362"/>
+            <a:ext cx="5998473" cy="4257275"/>
+          </a:xfrm>
+          <a:prstGeom prst="rect">
+            <a:avLst/>
+          </a:prstGeom>
+        </p:spPr>
+      </p:pic>
+    </p:spTree>
+    <p:extLst>
+      <p:ext uri="{BB962C8B-B14F-4D97-AF65-F5344CB8AC3E}">
+        <p14:creationId xmlns:p14="http://schemas.microsoft.com/office/powerpoint/2010/main" val="1482633773"/>
+      </p:ext>
+    </p:extLst>
+  </p:cSld>
+  <p:clrMapOvr>
+    <a:masterClrMapping/>
+  </p:clrMapOvr>
+</p:sld>
+</file>
+
+<file path=ppt/slides/slide39.xml><?xml version="1.0" encoding="utf-8"?>
+<p:sld xmlns:a="http://schemas.openxmlformats.org/drawingml/2006/main" xmlns:r="http://schemas.openxmlformats.org/officeDocument/2006/relationships" xmlns:p="http://schemas.openxmlformats.org/presentationml/2006/main">
+  <p:cSld>
+    <p:spTree>
+      <p:nvGrpSpPr>
+        <p:cNvPr id="1" name=""/>
+        <p:cNvGrpSpPr/>
+        <p:nvPr/>
+      </p:nvGrpSpPr>
+      <p:grpSpPr>
+        <a:xfrm>
+          <a:off x="0" y="0"/>
+          <a:ext cx="0" cy="0"/>
+          <a:chOff x="0" y="0"/>
+          <a:chExt cx="0" cy="0"/>
+        </a:xfrm>
+      </p:grpSpPr>
+      <mc:AlternateContent xmlns:mc="http://schemas.openxmlformats.org/markup-compatibility/2006">
+        <mc:Choice xmlns:a14="http://schemas.microsoft.com/office/drawing/2010/main" Requires="a14">
+          <p:sp>
+            <p:nvSpPr>
+              <p:cNvPr id="2" name="Title 1">
+                <a:extLst>
+                  <a:ext uri="{FF2B5EF4-FFF2-40B4-BE49-F238E27FC236}">
+                    <a16:creationId xmlns:a16="http://schemas.microsoft.com/office/drawing/2014/main" id="{6DCC4830-BA42-B1C9-F66B-F78F9E32BB1D}"/>
+                  </a:ext>
+                </a:extLst>
+              </p:cNvPr>
+              <p:cNvSpPr>
+                <a:spLocks noGrp="1"/>
+              </p:cNvSpPr>
+              <p:nvPr>
+                <p:ph type="title"/>
+              </p:nvPr>
+            </p:nvSpPr>
+            <p:spPr>
+              <a:xfrm>
+                <a:off x="730120" y="341221"/>
+                <a:ext cx="10731759" cy="1056686"/>
+              </a:xfrm>
+            </p:spPr>
+            <p:txBody>
+              <a:bodyPr>
+                <a:noAutofit/>
+              </a:bodyPr>
+              <a:lstStyle/>
+              <a:p>
+                <a:pPr algn="ctr"/>
+                <a:r>
+                  <a:rPr lang="en-US" sz="3200" dirty="0"/>
+                  <a:t>100, 1000, &amp; 10000 MC </a:t>
+                </a:r>
+                <a14:m>
+                  <m:oMath xmlns:m="http://schemas.openxmlformats.org/officeDocument/2006/math">
+                    <m:sSub>
+                      <m:sSubPr>
+                        <m:ctrlPr>
+                          <a:rPr lang="en-US" sz="3200" i="1" dirty="0" smtClean="0">
+                            <a:latin typeface="Cambria Math" panose="02040503050406030204" pitchFamily="18" charset="0"/>
+                          </a:rPr>
+                        </m:ctrlPr>
+                      </m:sSubPr>
+                      <m:e>
+                        <m:r>
+                          <a:rPr lang="en-US" sz="3200" b="1" i="1" dirty="0" smtClean="0">
+                            <a:latin typeface="Cambria Math" panose="02040503050406030204" pitchFamily="18" charset="0"/>
+                          </a:rPr>
+                          <m:t>𝝂</m:t>
+                        </m:r>
+                      </m:e>
+                      <m:sub>
+                        <m:r>
+                          <a:rPr lang="en-US" sz="3200" i="1" dirty="0" err="1" smtClean="0">
+                            <a:latin typeface="Cambria Math" panose="02040503050406030204" pitchFamily="18" charset="0"/>
+                          </a:rPr>
+                          <m:t>h𝑎𝑟𝑑</m:t>
+                        </m:r>
+                      </m:sub>
+                    </m:sSub>
+                    <m:r>
+                      <a:rPr lang="en-US" sz="3200" i="1" dirty="0" err="1" smtClean="0">
+                        <a:latin typeface="Cambria Math" panose="02040503050406030204" pitchFamily="18" charset="0"/>
+                      </a:rPr>
+                      <m:t> </m:t>
+                    </m:r>
+                  </m:oMath>
+                </a14:m>
+                <a:r>
+                  <a:rPr lang="en-US" sz="3200" dirty="0"/>
+                  <a:t>&amp; Bandgap Sizes</a:t>
+                </a:r>
+              </a:p>
+            </p:txBody>
+          </p:sp>
+        </mc:Choice>
+        <mc:Fallback>
+          <p:sp>
+            <p:nvSpPr>
+              <p:cNvPr id="2" name="Title 1">
+                <a:extLst>
+                  <a:ext uri="{FF2B5EF4-FFF2-40B4-BE49-F238E27FC236}">
+                    <a16:creationId xmlns:a16="http://schemas.microsoft.com/office/drawing/2014/main" id="{6DCC4830-BA42-B1C9-F66B-F78F9E32BB1D}"/>
+                  </a:ext>
+                </a:extLst>
+              </p:cNvPr>
+              <p:cNvSpPr>
+                <a:spLocks noGrp="1" noRot="1" noChangeAspect="1" noMove="1" noResize="1" noEditPoints="1" noAdjustHandles="1" noChangeArrowheads="1" noChangeShapeType="1" noTextEdit="1"/>
+              </p:cNvSpPr>
+              <p:nvPr>
+                <p:ph type="title"/>
+              </p:nvPr>
+            </p:nvSpPr>
+            <p:spPr>
+              <a:xfrm>
+                <a:off x="730120" y="341221"/>
+                <a:ext cx="10731759" cy="1056686"/>
+              </a:xfrm>
+              <a:blipFill>
+                <a:blip r:embed="rId2"/>
+                <a:stretch>
+                  <a:fillRect/>
+                </a:stretch>
+              </a:blipFill>
+            </p:spPr>
+            <p:txBody>
+              <a:bodyPr/>
+              <a:lstStyle/>
+              <a:p>
+                <a:r>
+                  <a:rPr lang="en-US">
+                    <a:noFill/>
+                  </a:rPr>
+                  <a:t> </a:t>
+                </a:r>
+              </a:p>
+            </p:txBody>
+          </p:sp>
+        </mc:Fallback>
+      </mc:AlternateContent>
+      <p:pic>
+        <p:nvPicPr>
+          <p:cNvPr id="7" name="Content Placeholder 6">
+            <a:extLst>
+              <a:ext uri="{FF2B5EF4-FFF2-40B4-BE49-F238E27FC236}">
+                <a16:creationId xmlns:a16="http://schemas.microsoft.com/office/drawing/2014/main" id="{45C121E0-2D9F-1F26-2360-E24CA0CD5905}"/>
+              </a:ext>
+            </a:extLst>
+          </p:cNvPr>
+          <p:cNvPicPr>
+            <a:picLocks noGrp="1" noChangeAspect="1"/>
+          </p:cNvPicPr>
+          <p:nvPr>
+            <p:ph idx="1"/>
+          </p:nvPr>
+        </p:nvPicPr>
+        <p:blipFill>
+          <a:blip r:embed="rId3"/>
+          <a:srcRect/>
+          <a:stretch/>
+        </p:blipFill>
+        <p:spPr>
+          <a:xfrm>
+            <a:off x="1337301" y="1438275"/>
+            <a:ext cx="9517398" cy="4738688"/>
+          </a:xfrm>
+        </p:spPr>
+      </p:pic>
+    </p:spTree>
+    <p:extLst>
+      <p:ext uri="{BB962C8B-B14F-4D97-AF65-F5344CB8AC3E}">
+        <p14:creationId xmlns:p14="http://schemas.microsoft.com/office/powerpoint/2010/main" val="2931762564"/>
       </p:ext>
     </p:extLst>
   </p:cSld>
@@ -7677,7 +8798,7 @@
           <p:cNvPr id="2" name="Title 1">
             <a:extLst>
               <a:ext uri="{FF2B5EF4-FFF2-40B4-BE49-F238E27FC236}">
-                <a16:creationId xmlns:a16="http://schemas.microsoft.com/office/drawing/2014/main" id="{6DCC4830-BA42-B1C9-F66B-F78F9E32BB1D}"/>
+                <a16:creationId xmlns:a16="http://schemas.microsoft.com/office/drawing/2014/main" id="{3BAA2E43-7A4A-6304-F335-33307160CFA4}"/>
               </a:ext>
             </a:extLst>
           </p:cNvPr>
@@ -7688,28 +8809,194 @@
             <p:ph type="title"/>
           </p:nvPr>
         </p:nvSpPr>
-        <p:spPr>
-          <a:xfrm>
-            <a:off x="730120" y="341221"/>
-            <a:ext cx="10731759" cy="1056686"/>
-          </a:xfrm>
-        </p:spPr>
+        <p:spPr/>
         <p:txBody>
           <a:bodyPr>
-            <a:noAutofit/>
+            <a:normAutofit/>
           </a:bodyPr>
           <a:lstStyle/>
           <a:p>
             <a:r>
-              <a:rPr lang="en-US" sz="3200" dirty="0"/>
-              <a:t>Histograms – 100 MC Inputs</a:t>
-            </a:r>
-          </a:p>
-        </p:txBody>
-      </p:sp>
+              <a:rPr lang="en-US" sz="3600" dirty="0"/>
+              <a:t>Theory – Stochastic Collocation (MC)</a:t>
+            </a:r>
+          </a:p>
+        </p:txBody>
+      </p:sp>
+      <p:sp>
+        <p:nvSpPr>
+          <p:cNvPr id="3" name="Content Placeholder 2">
+            <a:extLst>
+              <a:ext uri="{FF2B5EF4-FFF2-40B4-BE49-F238E27FC236}">
+                <a16:creationId xmlns:a16="http://schemas.microsoft.com/office/drawing/2014/main" id="{0F260905-9ADD-4326-B482-481B439CEFD5}"/>
+              </a:ext>
+            </a:extLst>
+          </p:cNvPr>
+          <p:cNvSpPr>
+            <a:spLocks noGrp="1"/>
+          </p:cNvSpPr>
+          <p:nvPr>
+            <p:ph idx="1"/>
+          </p:nvPr>
+        </p:nvSpPr>
+        <p:spPr/>
+        <p:txBody>
+          <a:bodyPr/>
+          <a:lstStyle/>
+          <a:p>
+            <a:endParaRPr lang="en-US" dirty="0"/>
+          </a:p>
+        </p:txBody>
+      </p:sp>
+    </p:spTree>
+    <p:extLst>
+      <p:ext uri="{BB962C8B-B14F-4D97-AF65-F5344CB8AC3E}">
+        <p14:creationId xmlns:p14="http://schemas.microsoft.com/office/powerpoint/2010/main" val="1359899547"/>
+      </p:ext>
+    </p:extLst>
+  </p:cSld>
+  <p:clrMapOvr>
+    <a:masterClrMapping/>
+  </p:clrMapOvr>
+</p:sld>
+</file>
+
+<file path=ppt/slides/slide40.xml><?xml version="1.0" encoding="utf-8"?>
+<p:sld xmlns:a="http://schemas.openxmlformats.org/drawingml/2006/main" xmlns:r="http://schemas.openxmlformats.org/officeDocument/2006/relationships" xmlns:p="http://schemas.openxmlformats.org/presentationml/2006/main">
+  <p:cSld>
+    <p:spTree>
+      <p:nvGrpSpPr>
+        <p:cNvPr id="1" name=""/>
+        <p:cNvGrpSpPr/>
+        <p:nvPr/>
+      </p:nvGrpSpPr>
+      <p:grpSpPr>
+        <a:xfrm>
+          <a:off x="0" y="0"/>
+          <a:ext cx="0" cy="0"/>
+          <a:chOff x="0" y="0"/>
+          <a:chExt cx="0" cy="0"/>
+        </a:xfrm>
+      </p:grpSpPr>
+      <mc:AlternateContent xmlns:mc="http://schemas.openxmlformats.org/markup-compatibility/2006">
+        <mc:Choice xmlns:a14="http://schemas.microsoft.com/office/drawing/2010/main" Requires="a14">
+          <p:sp>
+            <p:nvSpPr>
+              <p:cNvPr id="2" name="Title 1">
+                <a:extLst>
+                  <a:ext uri="{FF2B5EF4-FFF2-40B4-BE49-F238E27FC236}">
+                    <a16:creationId xmlns:a16="http://schemas.microsoft.com/office/drawing/2014/main" id="{6DCC4830-BA42-B1C9-F66B-F78F9E32BB1D}"/>
+                  </a:ext>
+                </a:extLst>
+              </p:cNvPr>
+              <p:cNvSpPr>
+                <a:spLocks noGrp="1"/>
+              </p:cNvSpPr>
+              <p:nvPr>
+                <p:ph type="title"/>
+              </p:nvPr>
+            </p:nvSpPr>
+            <p:spPr>
+              <a:xfrm>
+                <a:off x="730120" y="341221"/>
+                <a:ext cx="10731759" cy="1056686"/>
+              </a:xfrm>
+            </p:spPr>
+            <p:txBody>
+              <a:bodyPr>
+                <a:noAutofit/>
+              </a:bodyPr>
+              <a:lstStyle/>
+              <a:p>
+                <a:pPr algn="ctr"/>
+                <a:r>
+                  <a:rPr lang="en-US" sz="3200" dirty="0"/>
+                  <a:t>100, 1000, &amp; 10000 MC </a:t>
+                </a:r>
+                <a14:m>
+                  <m:oMath xmlns:m="http://schemas.openxmlformats.org/officeDocument/2006/math">
+                    <m:sSub>
+                      <m:sSubPr>
+                        <m:ctrlPr>
+                          <a:rPr lang="en-US" sz="3200" i="1" dirty="0" smtClean="0">
+                            <a:latin typeface="Cambria Math" panose="02040503050406030204" pitchFamily="18" charset="0"/>
+                          </a:rPr>
+                        </m:ctrlPr>
+                      </m:sSubPr>
+                      <m:e>
+                        <m:r>
+                          <a:rPr lang="en-US" sz="3200" b="1" i="1" dirty="0" smtClean="0">
+                            <a:latin typeface="Cambria Math" panose="02040503050406030204" pitchFamily="18" charset="0"/>
+                          </a:rPr>
+                          <m:t>𝝂</m:t>
+                        </m:r>
+                      </m:e>
+                      <m:sub>
+                        <m:r>
+                          <a:rPr lang="en-US" sz="3200" i="1" dirty="0" err="1" smtClean="0">
+                            <a:latin typeface="Cambria Math" panose="02040503050406030204" pitchFamily="18" charset="0"/>
+                          </a:rPr>
+                          <m:t>h𝑎𝑟𝑑</m:t>
+                        </m:r>
+                      </m:sub>
+                    </m:sSub>
+                  </m:oMath>
+                </a14:m>
+                <a:r>
+                  <a:rPr lang="en-US" sz="3200" dirty="0"/>
+                  <a:t> &amp; Bandgap Centers</a:t>
+                </a:r>
+              </a:p>
+            </p:txBody>
+          </p:sp>
+        </mc:Choice>
+        <mc:Fallback>
+          <p:sp>
+            <p:nvSpPr>
+              <p:cNvPr id="2" name="Title 1">
+                <a:extLst>
+                  <a:ext uri="{FF2B5EF4-FFF2-40B4-BE49-F238E27FC236}">
+                    <a16:creationId xmlns:a16="http://schemas.microsoft.com/office/drawing/2014/main" id="{6DCC4830-BA42-B1C9-F66B-F78F9E32BB1D}"/>
+                  </a:ext>
+                </a:extLst>
+              </p:cNvPr>
+              <p:cNvSpPr>
+                <a:spLocks noGrp="1" noRot="1" noChangeAspect="1" noMove="1" noResize="1" noEditPoints="1" noAdjustHandles="1" noChangeArrowheads="1" noChangeShapeType="1" noTextEdit="1"/>
+              </p:cNvSpPr>
+              <p:nvPr>
+                <p:ph type="title"/>
+              </p:nvPr>
+            </p:nvSpPr>
+            <p:spPr>
+              <a:xfrm>
+                <a:off x="730120" y="341221"/>
+                <a:ext cx="10731759" cy="1056686"/>
+              </a:xfrm>
+              <a:blipFill>
+                <a:blip r:embed="rId2"/>
+                <a:stretch>
+                  <a:fillRect/>
+                </a:stretch>
+              </a:blipFill>
+            </p:spPr>
+            <p:txBody>
+              <a:bodyPr/>
+              <a:lstStyle/>
+              <a:p>
+                <a:r>
+                  <a:rPr lang="en-US">
+                    <a:noFill/>
+                  </a:rPr>
+                  <a:t> </a:t>
+                </a:r>
+              </a:p>
+            </p:txBody>
+          </p:sp>
+        </mc:Fallback>
+      </mc:AlternateContent>
       <p:pic>
         <p:nvPicPr>
-          <p:cNvPr id="7" name="Content Placeholder 6" descr="A picture containing text, screenshot, diagram, plot&#10;&#10;Description automatically generated">
+          <p:cNvPr id="7" name="Content Placeholder 6">
             <a:extLst>
               <a:ext uri="{FF2B5EF4-FFF2-40B4-BE49-F238E27FC236}">
                 <a16:creationId xmlns:a16="http://schemas.microsoft.com/office/drawing/2014/main" id="{45C121E0-2D9F-1F26-2360-E24CA0CD5905}"/>
@@ -7724,10 +9011,9 @@
           </p:nvPr>
         </p:nvPicPr>
         <p:blipFill>
-          <a:blip r:embed="rId2"/>
-          <a:stretch>
-            <a:fillRect/>
-          </a:stretch>
+          <a:blip r:embed="rId3"/>
+          <a:srcRect/>
+          <a:stretch/>
         </p:blipFill>
         <p:spPr>
           <a:xfrm>
@@ -7739,7 +9025,324 @@
     </p:spTree>
     <p:extLst>
       <p:ext uri="{BB962C8B-B14F-4D97-AF65-F5344CB8AC3E}">
-        <p14:creationId xmlns:p14="http://schemas.microsoft.com/office/powerpoint/2010/main" val="3409933397"/>
+        <p14:creationId xmlns:p14="http://schemas.microsoft.com/office/powerpoint/2010/main" val="1025062297"/>
+      </p:ext>
+    </p:extLst>
+  </p:cSld>
+  <p:clrMapOvr>
+    <a:masterClrMapping/>
+  </p:clrMapOvr>
+</p:sld>
+</file>
+
+<file path=ppt/slides/slide41.xml><?xml version="1.0" encoding="utf-8"?>
+<p:sld xmlns:a="http://schemas.openxmlformats.org/drawingml/2006/main" xmlns:r="http://schemas.openxmlformats.org/officeDocument/2006/relationships" xmlns:p="http://schemas.openxmlformats.org/presentationml/2006/main">
+  <p:cSld>
+    <p:spTree>
+      <p:nvGrpSpPr>
+        <p:cNvPr id="1" name=""/>
+        <p:cNvGrpSpPr/>
+        <p:nvPr/>
+      </p:nvGrpSpPr>
+      <p:grpSpPr>
+        <a:xfrm>
+          <a:off x="0" y="0"/>
+          <a:ext cx="0" cy="0"/>
+          <a:chOff x="0" y="0"/>
+          <a:chExt cx="0" cy="0"/>
+        </a:xfrm>
+      </p:grpSpPr>
+      <mc:AlternateContent xmlns:mc="http://schemas.openxmlformats.org/markup-compatibility/2006">
+        <mc:Choice xmlns:a14="http://schemas.microsoft.com/office/drawing/2010/main" Requires="a14">
+          <p:sp>
+            <p:nvSpPr>
+              <p:cNvPr id="2" name="Title 1">
+                <a:extLst>
+                  <a:ext uri="{FF2B5EF4-FFF2-40B4-BE49-F238E27FC236}">
+                    <a16:creationId xmlns:a16="http://schemas.microsoft.com/office/drawing/2014/main" id="{A4E5947E-1FD9-9A25-FE35-BC5561529035}"/>
+                  </a:ext>
+                </a:extLst>
+              </p:cNvPr>
+              <p:cNvSpPr>
+                <a:spLocks noGrp="1"/>
+              </p:cNvSpPr>
+              <p:nvPr>
+                <p:ph type="title"/>
+              </p:nvPr>
+            </p:nvSpPr>
+            <p:spPr/>
+            <p:txBody>
+              <a:bodyPr>
+                <a:noAutofit/>
+              </a:bodyPr>
+              <a:lstStyle/>
+              <a:p>
+                <a:r>
+                  <a:rPr lang="en-US" sz="2800" dirty="0"/>
+                  <a:t>Stochastic Collocation 1D Quadrature – </a:t>
+                </a:r>
+                <a14:m>
+                  <m:oMath xmlns:m="http://schemas.openxmlformats.org/officeDocument/2006/math">
+                    <m:sSub>
+                      <m:sSubPr>
+                        <m:ctrlPr>
+                          <a:rPr lang="en-US" sz="2800" i="1" dirty="0" err="1" smtClean="0">
+                            <a:latin typeface="Cambria Math" panose="02040503050406030204" pitchFamily="18" charset="0"/>
+                          </a:rPr>
+                        </m:ctrlPr>
+                      </m:sSubPr>
+                      <m:e>
+                        <m:r>
+                          <a:rPr lang="en-US" sz="2800" b="1" i="1" dirty="0" smtClean="0">
+                            <a:latin typeface="Cambria Math" panose="02040503050406030204" pitchFamily="18" charset="0"/>
+                          </a:rPr>
+                          <m:t>𝝂</m:t>
+                        </m:r>
+                      </m:e>
+                      <m:sub>
+                        <m:r>
+                          <a:rPr lang="en-US" sz="2800" i="1" dirty="0" err="1" smtClean="0">
+                            <a:latin typeface="Cambria Math" panose="02040503050406030204" pitchFamily="18" charset="0"/>
+                          </a:rPr>
+                          <m:t>h𝑎𝑟𝑑</m:t>
+                        </m:r>
+                      </m:sub>
+                    </m:sSub>
+                  </m:oMath>
+                </a14:m>
+                <a:r>
+                  <a:rPr lang="en-US" sz="2800" dirty="0"/>
+                  <a:t> – Bandgap Size</a:t>
+                </a:r>
+              </a:p>
+            </p:txBody>
+          </p:sp>
+        </mc:Choice>
+        <mc:Fallback>
+          <p:sp>
+            <p:nvSpPr>
+              <p:cNvPr id="2" name="Title 1">
+                <a:extLst>
+                  <a:ext uri="{FF2B5EF4-FFF2-40B4-BE49-F238E27FC236}">
+                    <a16:creationId xmlns:a16="http://schemas.microsoft.com/office/drawing/2014/main" id="{A4E5947E-1FD9-9A25-FE35-BC5561529035}"/>
+                  </a:ext>
+                </a:extLst>
+              </p:cNvPr>
+              <p:cNvSpPr>
+                <a:spLocks noGrp="1" noRot="1" noChangeAspect="1" noMove="1" noResize="1" noEditPoints="1" noAdjustHandles="1" noChangeArrowheads="1" noChangeShapeType="1" noTextEdit="1"/>
+              </p:cNvSpPr>
+              <p:nvPr>
+                <p:ph type="title"/>
+              </p:nvPr>
+            </p:nvSpPr>
+            <p:spPr>
+              <a:blipFill>
+                <a:blip r:embed="rId3"/>
+                <a:stretch>
+                  <a:fillRect l="-1217"/>
+                </a:stretch>
+              </a:blipFill>
+            </p:spPr>
+            <p:txBody>
+              <a:bodyPr/>
+              <a:lstStyle/>
+              <a:p>
+                <a:r>
+                  <a:rPr lang="en-US">
+                    <a:noFill/>
+                  </a:rPr>
+                  <a:t> </a:t>
+                </a:r>
+              </a:p>
+            </p:txBody>
+          </p:sp>
+        </mc:Fallback>
+      </mc:AlternateContent>
+      <p:pic>
+        <p:nvPicPr>
+          <p:cNvPr id="5" name="Content Placeholder 4">
+            <a:extLst>
+              <a:ext uri="{FF2B5EF4-FFF2-40B4-BE49-F238E27FC236}">
+                <a16:creationId xmlns:a16="http://schemas.microsoft.com/office/drawing/2014/main" id="{E481CCDB-BDC4-87DA-0787-F2BA39A1E2AE}"/>
+              </a:ext>
+            </a:extLst>
+          </p:cNvPr>
+          <p:cNvPicPr>
+            <a:picLocks noGrp="1" noChangeAspect="1"/>
+          </p:cNvPicPr>
+          <p:nvPr>
+            <p:ph idx="1"/>
+          </p:nvPr>
+        </p:nvPicPr>
+        <p:blipFill>
+          <a:blip r:embed="rId4"/>
+          <a:srcRect/>
+          <a:stretch/>
+        </p:blipFill>
+        <p:spPr>
+          <a:xfrm>
+            <a:off x="97524" y="1293872"/>
+            <a:ext cx="5998476" cy="4270256"/>
+          </a:xfrm>
+        </p:spPr>
+      </p:pic>
+      <p:pic>
+        <p:nvPicPr>
+          <p:cNvPr id="6" name="Content Placeholder 4">
+            <a:extLst>
+              <a:ext uri="{FF2B5EF4-FFF2-40B4-BE49-F238E27FC236}">
+                <a16:creationId xmlns:a16="http://schemas.microsoft.com/office/drawing/2014/main" id="{E9363DFE-7C01-94EB-CEC4-D99A220009B8}"/>
+              </a:ext>
+            </a:extLst>
+          </p:cNvPr>
+          <p:cNvPicPr>
+            <a:picLocks noChangeAspect="1"/>
+          </p:cNvPicPr>
+          <p:nvPr/>
+        </p:nvPicPr>
+        <p:blipFill>
+          <a:blip r:embed="rId5"/>
+          <a:srcRect/>
+          <a:stretch/>
+        </p:blipFill>
+        <p:spPr>
+          <a:xfrm>
+            <a:off x="6096001" y="1300362"/>
+            <a:ext cx="5998473" cy="4257274"/>
+          </a:xfrm>
+          <a:prstGeom prst="rect">
+            <a:avLst/>
+          </a:prstGeom>
+        </p:spPr>
+      </p:pic>
+    </p:spTree>
+    <p:extLst>
+      <p:ext uri="{BB962C8B-B14F-4D97-AF65-F5344CB8AC3E}">
+        <p14:creationId xmlns:p14="http://schemas.microsoft.com/office/powerpoint/2010/main" val="3075122120"/>
+      </p:ext>
+    </p:extLst>
+  </p:cSld>
+  <p:clrMapOvr>
+    <a:masterClrMapping/>
+  </p:clrMapOvr>
+  <p:extLst>
+    <p:ext uri="{6950BFC3-D8DA-4A85-94F7-54DA5524770B}">
+      <p188:commentRel xmlns:p188="http://schemas.microsoft.com/office/powerpoint/2018/8/main" r:id="rId2"/>
+    </p:ext>
+  </p:extLst>
+</p:sld>
+</file>
+
+<file path=ppt/slides/slide42.xml><?xml version="1.0" encoding="utf-8"?>
+<p:sld xmlns:a="http://schemas.openxmlformats.org/drawingml/2006/main" xmlns:r="http://schemas.openxmlformats.org/officeDocument/2006/relationships" xmlns:p="http://schemas.openxmlformats.org/presentationml/2006/main">
+  <p:cSld>
+    <p:spTree>
+      <p:nvGrpSpPr>
+        <p:cNvPr id="1" name=""/>
+        <p:cNvGrpSpPr/>
+        <p:nvPr/>
+      </p:nvGrpSpPr>
+      <p:grpSpPr>
+        <a:xfrm>
+          <a:off x="0" y="0"/>
+          <a:ext cx="0" cy="0"/>
+          <a:chOff x="0" y="0"/>
+          <a:chExt cx="0" cy="0"/>
+        </a:xfrm>
+      </p:grpSpPr>
+      <p:sp>
+        <p:nvSpPr>
+          <p:cNvPr id="2" name="Title 1">
+            <a:extLst>
+              <a:ext uri="{FF2B5EF4-FFF2-40B4-BE49-F238E27FC236}">
+                <a16:creationId xmlns:a16="http://schemas.microsoft.com/office/drawing/2014/main" id="{6391A121-E91A-D632-84C2-8F51F2B330EF}"/>
+              </a:ext>
+            </a:extLst>
+          </p:cNvPr>
+          <p:cNvSpPr>
+            <a:spLocks noGrp="1"/>
+          </p:cNvSpPr>
+          <p:nvPr>
+            <p:ph type="title"/>
+          </p:nvPr>
+        </p:nvSpPr>
+        <p:spPr/>
+        <p:txBody>
+          <a:bodyPr/>
+          <a:lstStyle/>
+          <a:p>
+            <a:endParaRPr lang="en-US"/>
+          </a:p>
+        </p:txBody>
+      </p:sp>
+      <p:sp>
+        <p:nvSpPr>
+          <p:cNvPr id="3" name="Content Placeholder 2">
+            <a:extLst>
+              <a:ext uri="{FF2B5EF4-FFF2-40B4-BE49-F238E27FC236}">
+                <a16:creationId xmlns:a16="http://schemas.microsoft.com/office/drawing/2014/main" id="{7E223DBE-B3B7-29E3-193F-7DEB94ABDAAE}"/>
+              </a:ext>
+            </a:extLst>
+          </p:cNvPr>
+          <p:cNvSpPr>
+            <a:spLocks noGrp="1"/>
+          </p:cNvSpPr>
+          <p:nvPr>
+            <p:ph idx="1"/>
+          </p:nvPr>
+        </p:nvSpPr>
+        <p:spPr/>
+        <p:txBody>
+          <a:bodyPr/>
+          <a:lstStyle/>
+          <a:p>
+            <a:r>
+              <a:rPr lang="en-US" dirty="0" err="1"/>
+              <a:t>E_soft</a:t>
+            </a:r>
+            <a:endParaRPr lang="en-US" dirty="0"/>
+          </a:p>
+          <a:p>
+            <a:r>
+              <a:rPr lang="en-US" dirty="0" err="1"/>
+              <a:t>E_hard</a:t>
+            </a:r>
+            <a:endParaRPr lang="en-US" dirty="0"/>
+          </a:p>
+          <a:p>
+            <a:r>
+              <a:rPr lang="en-US" dirty="0" err="1"/>
+              <a:t>Rho_soft</a:t>
+            </a:r>
+            <a:endParaRPr lang="en-US" dirty="0"/>
+          </a:p>
+          <a:p>
+            <a:r>
+              <a:rPr lang="en-US" dirty="0" err="1"/>
+              <a:t>Rho_hard</a:t>
+            </a:r>
+            <a:endParaRPr lang="en-US" dirty="0"/>
+          </a:p>
+          <a:p>
+            <a:r>
+              <a:rPr lang="en-US" dirty="0" err="1"/>
+              <a:t>Pr_soft</a:t>
+            </a:r>
+            <a:endParaRPr lang="en-US" dirty="0"/>
+          </a:p>
+          <a:p>
+            <a:r>
+              <a:rPr lang="en-US" dirty="0" err="1"/>
+              <a:t>Pr_hard</a:t>
+            </a:r>
+            <a:endParaRPr lang="en-US" dirty="0"/>
+          </a:p>
+        </p:txBody>
+      </p:sp>
+    </p:spTree>
+    <p:extLst>
+      <p:ext uri="{BB962C8B-B14F-4D97-AF65-F5344CB8AC3E}">
+        <p14:creationId xmlns:p14="http://schemas.microsoft.com/office/powerpoint/2010/main" val="4278976690"/>
       </p:ext>
     </p:extLst>
   </p:cSld>
@@ -7771,7 +9374,7 @@
           <p:cNvPr id="2" name="Title 1">
             <a:extLst>
               <a:ext uri="{FF2B5EF4-FFF2-40B4-BE49-F238E27FC236}">
-                <a16:creationId xmlns:a16="http://schemas.microsoft.com/office/drawing/2014/main" id="{6DCC4830-BA42-B1C9-F66B-F78F9E32BB1D}"/>
+                <a16:creationId xmlns:a16="http://schemas.microsoft.com/office/drawing/2014/main" id="{3BAA2E43-7A4A-6304-F335-33307160CFA4}"/>
               </a:ext>
             </a:extLst>
           </p:cNvPr>
@@ -7782,57 +9385,49 @@
             <p:ph type="title"/>
           </p:nvPr>
         </p:nvSpPr>
-        <p:spPr>
-          <a:xfrm>
-            <a:off x="730120" y="341221"/>
-            <a:ext cx="10731759" cy="1056686"/>
-          </a:xfrm>
-        </p:spPr>
+        <p:spPr/>
         <p:txBody>
           <a:bodyPr>
-            <a:noAutofit/>
+            <a:normAutofit/>
           </a:bodyPr>
           <a:lstStyle/>
           <a:p>
             <a:r>
-              <a:rPr lang="en-US" sz="3200" dirty="0"/>
-              <a:t>Histograms – 1000 MC Inputs</a:t>
-            </a:r>
-          </a:p>
-        </p:txBody>
-      </p:sp>
-      <p:pic>
-        <p:nvPicPr>
-          <p:cNvPr id="7" name="Content Placeholder 6">
-            <a:extLst>
-              <a:ext uri="{FF2B5EF4-FFF2-40B4-BE49-F238E27FC236}">
-                <a16:creationId xmlns:a16="http://schemas.microsoft.com/office/drawing/2014/main" id="{45C121E0-2D9F-1F26-2360-E24CA0CD5905}"/>
-              </a:ext>
-            </a:extLst>
-          </p:cNvPr>
-          <p:cNvPicPr>
-            <a:picLocks noGrp="1" noChangeAspect="1"/>
-          </p:cNvPicPr>
+              <a:rPr lang="en-US" sz="3600" dirty="0"/>
+              <a:t>Theory – Stochastic Collocation (Quadrature)</a:t>
+            </a:r>
+          </a:p>
+        </p:txBody>
+      </p:sp>
+      <p:sp>
+        <p:nvSpPr>
+          <p:cNvPr id="3" name="Content Placeholder 2">
+            <a:extLst>
+              <a:ext uri="{FF2B5EF4-FFF2-40B4-BE49-F238E27FC236}">
+                <a16:creationId xmlns:a16="http://schemas.microsoft.com/office/drawing/2014/main" id="{0F260905-9ADD-4326-B482-481B439CEFD5}"/>
+              </a:ext>
+            </a:extLst>
+          </p:cNvPr>
+          <p:cNvSpPr>
+            <a:spLocks noGrp="1"/>
+          </p:cNvSpPr>
           <p:nvPr>
             <p:ph idx="1"/>
           </p:nvPr>
-        </p:nvPicPr>
-        <p:blipFill>
-          <a:blip r:embed="rId2"/>
-          <a:srcRect/>
-          <a:stretch/>
-        </p:blipFill>
-        <p:spPr>
-          <a:xfrm>
-            <a:off x="1337301" y="1438275"/>
-            <a:ext cx="9517398" cy="4738688"/>
-          </a:xfrm>
-        </p:spPr>
-      </p:pic>
+        </p:nvSpPr>
+        <p:spPr/>
+        <p:txBody>
+          <a:bodyPr/>
+          <a:lstStyle/>
+          <a:p>
+            <a:endParaRPr lang="en-US" dirty="0"/>
+          </a:p>
+        </p:txBody>
+      </p:sp>
     </p:spTree>
     <p:extLst>
       <p:ext uri="{BB962C8B-B14F-4D97-AF65-F5344CB8AC3E}">
-        <p14:creationId xmlns:p14="http://schemas.microsoft.com/office/powerpoint/2010/main" val="3552821756"/>
+        <p14:creationId xmlns:p14="http://schemas.microsoft.com/office/powerpoint/2010/main" val="2151549923"/>
       </p:ext>
     </p:extLst>
   </p:cSld>
@@ -7889,14 +9484,14 @@
           <a:p>
             <a:r>
               <a:rPr lang="en-US" sz="3200" dirty="0"/>
-              <a:t>Histograms – 10000 MC Inputs</a:t>
+              <a:t>Histograms – 100 MC Inputs</a:t>
             </a:r>
           </a:p>
         </p:txBody>
       </p:sp>
       <p:pic>
         <p:nvPicPr>
-          <p:cNvPr id="7" name="Content Placeholder 6">
+          <p:cNvPr id="7" name="Content Placeholder 6" descr="A picture containing text, screenshot, diagram, plot&#10;&#10;Description automatically generated">
             <a:extLst>
               <a:ext uri="{FF2B5EF4-FFF2-40B4-BE49-F238E27FC236}">
                 <a16:creationId xmlns:a16="http://schemas.microsoft.com/office/drawing/2014/main" id="{45C121E0-2D9F-1F26-2360-E24CA0CD5905}"/>
@@ -7912,8 +9507,9 @@
         </p:nvPicPr>
         <p:blipFill>
           <a:blip r:embed="rId2"/>
-          <a:srcRect/>
-          <a:stretch/>
+          <a:stretch>
+            <a:fillRect/>
+          </a:stretch>
         </p:blipFill>
         <p:spPr>
           <a:xfrm>
@@ -7925,7 +9521,7 @@
     </p:spTree>
     <p:extLst>
       <p:ext uri="{BB962C8B-B14F-4D97-AF65-F5344CB8AC3E}">
-        <p14:creationId xmlns:p14="http://schemas.microsoft.com/office/powerpoint/2010/main" val="2312735222"/>
+        <p14:creationId xmlns:p14="http://schemas.microsoft.com/office/powerpoint/2010/main" val="3409933397"/>
       </p:ext>
     </p:extLst>
   </p:cSld>
@@ -7981,19 +9577,18 @@
           <a:lstStyle/>
           <a:p>
             <a:r>
-              <a:rPr lang="en-US" sz="3200"/>
-              <a:t>Histograms – Bandgap Top, Bottom, &amp; Size</a:t>
-            </a:r>
-            <a:endParaRPr lang="en-US" sz="3200" dirty="0"/>
+              <a:rPr lang="en-US" sz="3200" dirty="0"/>
+              <a:t>Histograms – 1000 MC Inputs</a:t>
+            </a:r>
           </a:p>
         </p:txBody>
       </p:sp>
       <p:pic>
         <p:nvPicPr>
-          <p:cNvPr id="5" name="Content Placeholder 4">
-            <a:extLst>
-              <a:ext uri="{FF2B5EF4-FFF2-40B4-BE49-F238E27FC236}">
-                <a16:creationId xmlns:a16="http://schemas.microsoft.com/office/drawing/2014/main" id="{CAE9A72B-8A68-6F30-1013-174001A44746}"/>
+          <p:cNvPr id="7" name="Content Placeholder 6">
+            <a:extLst>
+              <a:ext uri="{FF2B5EF4-FFF2-40B4-BE49-F238E27FC236}">
+                <a16:creationId xmlns:a16="http://schemas.microsoft.com/office/drawing/2014/main" id="{45C121E0-2D9F-1F26-2360-E24CA0CD5905}"/>
               </a:ext>
             </a:extLst>
           </p:cNvPr>
@@ -8011,15 +9606,15 @@
         </p:blipFill>
         <p:spPr>
           <a:xfrm>
-            <a:off x="838200" y="1626802"/>
-            <a:ext cx="10515600" cy="4361634"/>
+            <a:off x="1337301" y="1438275"/>
+            <a:ext cx="9517398" cy="4738688"/>
           </a:xfrm>
         </p:spPr>
       </p:pic>
     </p:spTree>
     <p:extLst>
       <p:ext uri="{BB962C8B-B14F-4D97-AF65-F5344CB8AC3E}">
-        <p14:creationId xmlns:p14="http://schemas.microsoft.com/office/powerpoint/2010/main" val="3004886916"/>
+        <p14:creationId xmlns:p14="http://schemas.microsoft.com/office/powerpoint/2010/main" val="3552821756"/>
       </p:ext>
     </p:extLst>
   </p:cSld>
@@ -8076,17 +9671,17 @@
           <a:p>
             <a:r>
               <a:rPr lang="en-US" sz="3200" dirty="0"/>
-              <a:t>Histograms – Bandgap Top, Bottom, &amp; Center</a:t>
+              <a:t>Histograms – 10000 MC Inputs</a:t>
             </a:r>
           </a:p>
         </p:txBody>
       </p:sp>
       <p:pic>
         <p:nvPicPr>
-          <p:cNvPr id="5" name="Content Placeholder 4">
-            <a:extLst>
-              <a:ext uri="{FF2B5EF4-FFF2-40B4-BE49-F238E27FC236}">
-                <a16:creationId xmlns:a16="http://schemas.microsoft.com/office/drawing/2014/main" id="{CAE9A72B-8A68-6F30-1013-174001A44746}"/>
+          <p:cNvPr id="7" name="Content Placeholder 6">
+            <a:extLst>
+              <a:ext uri="{FF2B5EF4-FFF2-40B4-BE49-F238E27FC236}">
+                <a16:creationId xmlns:a16="http://schemas.microsoft.com/office/drawing/2014/main" id="{45C121E0-2D9F-1F26-2360-E24CA0CD5905}"/>
               </a:ext>
             </a:extLst>
           </p:cNvPr>
@@ -8104,15 +9699,15 @@
         </p:blipFill>
         <p:spPr>
           <a:xfrm>
-            <a:off x="838200" y="1626802"/>
-            <a:ext cx="10515600" cy="4361634"/>
+            <a:off x="1337301" y="1438275"/>
+            <a:ext cx="9517398" cy="4738688"/>
           </a:xfrm>
         </p:spPr>
       </p:pic>
     </p:spTree>
     <p:extLst>
       <p:ext uri="{BB962C8B-B14F-4D97-AF65-F5344CB8AC3E}">
-        <p14:creationId xmlns:p14="http://schemas.microsoft.com/office/powerpoint/2010/main" val="1203512841"/>
+        <p14:creationId xmlns:p14="http://schemas.microsoft.com/office/powerpoint/2010/main" val="2312735222"/>
       </p:ext>
     </p:extLst>
   </p:cSld>
@@ -8144,7 +9739,7 @@
           <p:cNvPr id="2" name="Title 1">
             <a:extLst>
               <a:ext uri="{FF2B5EF4-FFF2-40B4-BE49-F238E27FC236}">
-                <a16:creationId xmlns:a16="http://schemas.microsoft.com/office/drawing/2014/main" id="{FF46EFE3-2612-B04E-2A19-D61DA27B229B}"/>
+                <a16:creationId xmlns:a16="http://schemas.microsoft.com/office/drawing/2014/main" id="{6DCC4830-BA42-B1C9-F66B-F78F9E32BB1D}"/>
               </a:ext>
             </a:extLst>
           </p:cNvPr>
@@ -8157,60 +9752,56 @@
         </p:nvSpPr>
         <p:spPr>
           <a:xfrm>
-            <a:off x="838200" y="287165"/>
-            <a:ext cx="10515600" cy="1056686"/>
-          </a:xfrm>
-        </p:spPr>
-        <p:txBody>
-          <a:bodyPr/>
+            <a:off x="730120" y="341221"/>
+            <a:ext cx="10731759" cy="1056686"/>
+          </a:xfrm>
+        </p:spPr>
+        <p:txBody>
+          <a:bodyPr>
+            <a:noAutofit/>
+          </a:bodyPr>
           <a:lstStyle/>
           <a:p>
             <a:r>
-              <a:rPr lang="en-US" sz="4400" dirty="0"/>
-              <a:t>Stochastic Collocation – MC Regression</a:t>
-            </a:r>
-            <a:endParaRPr lang="en-US" dirty="0"/>
-          </a:p>
-        </p:txBody>
-      </p:sp>
-      <p:sp>
-        <p:nvSpPr>
-          <p:cNvPr id="3" name="Content Placeholder 2">
-            <a:extLst>
-              <a:ext uri="{FF2B5EF4-FFF2-40B4-BE49-F238E27FC236}">
-                <a16:creationId xmlns:a16="http://schemas.microsoft.com/office/drawing/2014/main" id="{C5AD6461-80F6-D156-FBF4-9DA7849BE8B4}"/>
-              </a:ext>
-            </a:extLst>
-          </p:cNvPr>
-          <p:cNvSpPr>
-            <a:spLocks noGrp="1"/>
-          </p:cNvSpPr>
+              <a:rPr lang="en-US" sz="3200"/>
+              <a:t>Histograms – Bandgap Top, Bottom, &amp; Size</a:t>
+            </a:r>
+            <a:endParaRPr lang="en-US" sz="3200" dirty="0"/>
+          </a:p>
+        </p:txBody>
+      </p:sp>
+      <p:pic>
+        <p:nvPicPr>
+          <p:cNvPr id="5" name="Content Placeholder 4">
+            <a:extLst>
+              <a:ext uri="{FF2B5EF4-FFF2-40B4-BE49-F238E27FC236}">
+                <a16:creationId xmlns:a16="http://schemas.microsoft.com/office/drawing/2014/main" id="{CAE9A72B-8A68-6F30-1013-174001A44746}"/>
+              </a:ext>
+            </a:extLst>
+          </p:cNvPr>
+          <p:cNvPicPr>
+            <a:picLocks noGrp="1" noChangeAspect="1"/>
+          </p:cNvPicPr>
           <p:nvPr>
             <p:ph idx="1"/>
           </p:nvPr>
-        </p:nvSpPr>
-        <p:spPr/>
-        <p:txBody>
-          <a:bodyPr/>
-          <a:lstStyle/>
-          <a:p>
-            <a:r>
-              <a:rPr lang="en-US" dirty="0"/>
-              <a:t>A variation of stochastic collocation where the orthogonal polynomials are fitted to MC generated samples</a:t>
-            </a:r>
-          </a:p>
-          <a:p>
-            <a:r>
-              <a:rPr lang="en-US" dirty="0"/>
-              <a:t>Usually more effective at higher dimensions and less efficient at lower dimensions compared to quadrature rule stochastic collocation</a:t>
-            </a:r>
-          </a:p>
-        </p:txBody>
-      </p:sp>
+        </p:nvPicPr>
+        <p:blipFill>
+          <a:blip r:embed="rId2"/>
+          <a:srcRect/>
+          <a:stretch/>
+        </p:blipFill>
+        <p:spPr>
+          <a:xfrm>
+            <a:off x="838200" y="1626802"/>
+            <a:ext cx="10515600" cy="4361634"/>
+          </a:xfrm>
+        </p:spPr>
+      </p:pic>
     </p:spTree>
     <p:extLst>
       <p:ext uri="{BB962C8B-B14F-4D97-AF65-F5344CB8AC3E}">
-        <p14:creationId xmlns:p14="http://schemas.microsoft.com/office/powerpoint/2010/main" val="51304751"/>
+        <p14:creationId xmlns:p14="http://schemas.microsoft.com/office/powerpoint/2010/main" val="3004886916"/>
       </p:ext>
     </p:extLst>
   </p:cSld>
@@ -8811,18 +10402,18 @@
 </file>
 
 <file path=customXml/item1.xml><?xml version="1.0" encoding="utf-8"?>
+<p:properties xmlns:p="http://schemas.microsoft.com/office/2006/metadata/properties" xmlns:xsi="http://www.w3.org/2001/XMLSchema-instance" xmlns:pc="http://schemas.microsoft.com/office/infopath/2007/PartnerControls">
+  <documentManagement/>
+</p:properties>
+</file>
+
+<file path=customXml/item2.xml><?xml version="1.0" encoding="utf-8"?>
 <?mso-contentType ?>
 <FormTemplates xmlns="http://schemas.microsoft.com/sharepoint/v3/contenttype/forms">
   <Display>DocumentLibraryForm</Display>
   <Edit>DocumentLibraryForm</Edit>
   <New>DocumentLibraryForm</New>
 </FormTemplates>
-</file>
-
-<file path=customXml/item2.xml><?xml version="1.0" encoding="utf-8"?>
-<p:properties xmlns:p="http://schemas.microsoft.com/office/2006/metadata/properties" xmlns:xsi="http://www.w3.org/2001/XMLSchema-instance" xmlns:pc="http://schemas.microsoft.com/office/infopath/2007/PartnerControls">
-  <documentManagement/>
-</p:properties>
 </file>
 
 <file path=customXml/item3.xml><?xml version="1.0" encoding="utf-8"?>
@@ -8972,14 +10563,6 @@
 </file>
 
 <file path=customXml/itemProps1.xml><?xml version="1.0" encoding="utf-8"?>
-<ds:datastoreItem xmlns:ds="http://schemas.openxmlformats.org/officeDocument/2006/customXml" ds:itemID="{B294D1B7-8679-422F-949D-1455F508E596}">
-  <ds:schemaRefs>
-    <ds:schemaRef ds:uri="http://schemas.microsoft.com/sharepoint/v3/contenttype/forms"/>
-  </ds:schemaRefs>
-</ds:datastoreItem>
-</file>
-
-<file path=customXml/itemProps2.xml><?xml version="1.0" encoding="utf-8"?>
 <ds:datastoreItem xmlns:ds="http://schemas.openxmlformats.org/officeDocument/2006/customXml" ds:itemID="{0748A49F-C736-4524-BB36-F11018D26634}">
   <ds:schemaRefs>
     <ds:schemaRef ds:uri="ce377175-54a4-4d7f-a690-a38d13686295"/>
@@ -8991,6 +10574,14 @@
     <ds:schemaRef ds:uri="http://schemas.microsoft.com/office/infopath/2007/PartnerControls"/>
     <ds:schemaRef ds:uri="http://schemas.openxmlformats.org/package/2006/metadata/core-properties"/>
     <ds:schemaRef ds:uri="http://www.w3.org/XML/1998/namespace"/>
+  </ds:schemaRefs>
+</ds:datastoreItem>
+</file>
+
+<file path=customXml/itemProps2.xml><?xml version="1.0" encoding="utf-8"?>
+<ds:datastoreItem xmlns:ds="http://schemas.openxmlformats.org/officeDocument/2006/customXml" ds:itemID="{B294D1B7-8679-422F-949D-1455F508E596}">
+  <ds:schemaRefs>
+    <ds:schemaRef ds:uri="http://schemas.microsoft.com/sharepoint/v3/contenttype/forms"/>
   </ds:schemaRefs>
 </ds:datastoreItem>
 </file>

--- a/UQ_2D_metamaterials_update.pptx
+++ b/UQ_2D_metamaterials_update.pptx
@@ -5,51 +5,49 @@
     <p:sldMasterId id="2147483660" r:id="rId4"/>
   </p:sldMasterIdLst>
   <p:notesMasterIdLst>
-    <p:notesMasterId r:id="rId47"/>
+    <p:notesMasterId r:id="rId45"/>
   </p:notesMasterIdLst>
   <p:sldIdLst>
     <p:sldId id="256" r:id="rId5"/>
     <p:sldId id="918" r:id="rId6"/>
     <p:sldId id="919" r:id="rId7"/>
-    <p:sldId id="961" r:id="rId8"/>
-    <p:sldId id="962" r:id="rId9"/>
-    <p:sldId id="934" r:id="rId10"/>
-    <p:sldId id="935" r:id="rId11"/>
-    <p:sldId id="937" r:id="rId12"/>
-    <p:sldId id="926" r:id="rId13"/>
-    <p:sldId id="925" r:id="rId14"/>
-    <p:sldId id="958" r:id="rId15"/>
-    <p:sldId id="928" r:id="rId16"/>
-    <p:sldId id="922" r:id="rId17"/>
-    <p:sldId id="920" r:id="rId18"/>
-    <p:sldId id="933" r:id="rId19"/>
-    <p:sldId id="931" r:id="rId20"/>
-    <p:sldId id="932" r:id="rId21"/>
-    <p:sldId id="929" r:id="rId22"/>
-    <p:sldId id="921" r:id="rId23"/>
-    <p:sldId id="927" r:id="rId24"/>
-    <p:sldId id="923" r:id="rId25"/>
-    <p:sldId id="924" r:id="rId26"/>
-    <p:sldId id="938" r:id="rId27"/>
-    <p:sldId id="941" r:id="rId28"/>
-    <p:sldId id="942" r:id="rId29"/>
-    <p:sldId id="939" r:id="rId30"/>
-    <p:sldId id="945" r:id="rId31"/>
-    <p:sldId id="944" r:id="rId32"/>
-    <p:sldId id="943" r:id="rId33"/>
-    <p:sldId id="946" r:id="rId34"/>
-    <p:sldId id="947" r:id="rId35"/>
-    <p:sldId id="948" r:id="rId36"/>
-    <p:sldId id="949" r:id="rId37"/>
-    <p:sldId id="950" r:id="rId38"/>
-    <p:sldId id="951" r:id="rId39"/>
-    <p:sldId id="952" r:id="rId40"/>
-    <p:sldId id="953" r:id="rId41"/>
-    <p:sldId id="954" r:id="rId42"/>
-    <p:sldId id="955" r:id="rId43"/>
-    <p:sldId id="956" r:id="rId44"/>
-    <p:sldId id="957" r:id="rId45"/>
-    <p:sldId id="960" r:id="rId46"/>
+    <p:sldId id="934" r:id="rId8"/>
+    <p:sldId id="935" r:id="rId9"/>
+    <p:sldId id="937" r:id="rId10"/>
+    <p:sldId id="926" r:id="rId11"/>
+    <p:sldId id="925" r:id="rId12"/>
+    <p:sldId id="958" r:id="rId13"/>
+    <p:sldId id="928" r:id="rId14"/>
+    <p:sldId id="922" r:id="rId15"/>
+    <p:sldId id="920" r:id="rId16"/>
+    <p:sldId id="933" r:id="rId17"/>
+    <p:sldId id="931" r:id="rId18"/>
+    <p:sldId id="932" r:id="rId19"/>
+    <p:sldId id="929" r:id="rId20"/>
+    <p:sldId id="921" r:id="rId21"/>
+    <p:sldId id="927" r:id="rId22"/>
+    <p:sldId id="923" r:id="rId23"/>
+    <p:sldId id="924" r:id="rId24"/>
+    <p:sldId id="938" r:id="rId25"/>
+    <p:sldId id="941" r:id="rId26"/>
+    <p:sldId id="942" r:id="rId27"/>
+    <p:sldId id="939" r:id="rId28"/>
+    <p:sldId id="945" r:id="rId29"/>
+    <p:sldId id="944" r:id="rId30"/>
+    <p:sldId id="943" r:id="rId31"/>
+    <p:sldId id="946" r:id="rId32"/>
+    <p:sldId id="947" r:id="rId33"/>
+    <p:sldId id="948" r:id="rId34"/>
+    <p:sldId id="949" r:id="rId35"/>
+    <p:sldId id="950" r:id="rId36"/>
+    <p:sldId id="951" r:id="rId37"/>
+    <p:sldId id="952" r:id="rId38"/>
+    <p:sldId id="953" r:id="rId39"/>
+    <p:sldId id="954" r:id="rId40"/>
+    <p:sldId id="955" r:id="rId41"/>
+    <p:sldId id="956" r:id="rId42"/>
+    <p:sldId id="957" r:id="rId43"/>
+    <p:sldId id="960" r:id="rId44"/>
   </p:sldIdLst>
   <p:sldSz cx="12192000" cy="6858000"/>
   <p:notesSz cx="6858000" cy="9144000"/>
@@ -287,7 +285,7 @@
           <a:p>
             <a:fld id="{5B2A9559-5325-4FFA-A5F2-CBDDB1074751}" type="datetimeFigureOut">
               <a:rPr lang="en-US" smtClean="0"/>
-              <a:t>6/14/2023</a:t>
+              <a:t>6/15/2023</a:t>
             </a:fld>
             <a:endParaRPr lang="en-US"/>
           </a:p>
@@ -703,7 +701,7 @@
           <a:p>
             <a:fld id="{5ED6D2F6-D9A8-4EC3-B74F-DA40A0FC4A95}" type="slidenum">
               <a:rPr lang="en-US" smtClean="0"/>
-              <a:t>14</a:t>
+              <a:t>12</a:t>
             </a:fld>
             <a:endParaRPr lang="en-US"/>
           </a:p>
@@ -787,7 +785,7 @@
           <a:p>
             <a:fld id="{5ED6D2F6-D9A8-4EC3-B74F-DA40A0FC4A95}" type="slidenum">
               <a:rPr lang="en-US" smtClean="0"/>
-              <a:t>15</a:t>
+              <a:t>13</a:t>
             </a:fld>
             <a:endParaRPr lang="en-US"/>
           </a:p>
@@ -871,7 +869,7 @@
           <a:p>
             <a:fld id="{5ED6D2F6-D9A8-4EC3-B74F-DA40A0FC4A95}" type="slidenum">
               <a:rPr lang="en-US" smtClean="0"/>
-              <a:t>16</a:t>
+              <a:t>14</a:t>
             </a:fld>
             <a:endParaRPr lang="en-US"/>
           </a:p>
@@ -955,7 +953,7 @@
           <a:p>
             <a:fld id="{5ED6D2F6-D9A8-4EC3-B74F-DA40A0FC4A95}" type="slidenum">
               <a:rPr lang="en-US" smtClean="0"/>
-              <a:t>17</a:t>
+              <a:t>15</a:t>
             </a:fld>
             <a:endParaRPr lang="en-US"/>
           </a:p>
@@ -1347,7 +1345,7 @@
           <a:p>
             <a:fld id="{43789B8F-7842-4BEF-9976-1EE74F57C738}" type="datetime1">
               <a:rPr lang="en-US" smtClean="0"/>
-              <a:t>6/14/2023</a:t>
+              <a:t>6/15/2023</a:t>
             </a:fld>
             <a:endParaRPr lang="en-US"/>
           </a:p>
@@ -1579,7 +1577,7 @@
           <a:p>
             <a:fld id="{050F5937-DD26-4F95-A0ED-C31A278A1247}" type="datetime1">
               <a:rPr lang="en-US" smtClean="0"/>
-              <a:t>6/14/2023</a:t>
+              <a:t>6/15/2023</a:t>
             </a:fld>
             <a:endParaRPr lang="en-US"/>
           </a:p>
@@ -2046,7 +2044,7 @@
           <a:p>
             <a:fld id="{49F581DC-F6E5-4AEE-98F3-A1977368E94D}" type="datetime1">
               <a:rPr lang="en-US" smtClean="0"/>
-              <a:t>6/14/2023</a:t>
+              <a:t>6/15/2023</a:t>
             </a:fld>
             <a:endParaRPr lang="en-US"/>
           </a:p>
@@ -2366,7 +2364,7 @@
           <a:p>
             <a:fld id="{A23148C6-A681-474A-852B-6488E264F1FD}" type="datetime1">
               <a:rPr lang="en-US" smtClean="0"/>
-              <a:t>6/14/2023</a:t>
+              <a:t>6/15/2023</a:t>
             </a:fld>
             <a:endParaRPr lang="en-US"/>
           </a:p>
@@ -2833,7 +2831,7 @@
           <a:p>
             <a:fld id="{E05877EE-87E6-4A80-A3D1-647EBC487900}" type="datetime1">
               <a:rPr lang="en-US" smtClean="0"/>
-              <a:t>6/14/2023</a:t>
+              <a:t>6/15/2023</a:t>
             </a:fld>
             <a:endParaRPr lang="en-US"/>
           </a:p>
@@ -3363,7 +3361,7 @@
           <a:p>
             <a:fld id="{1F39E345-7F84-425C-B838-418A9624F210}" type="datetime1">
               <a:rPr lang="en-US" smtClean="0"/>
-              <a:t>6/14/2023</a:t>
+              <a:t>6/15/2023</a:t>
             </a:fld>
             <a:endParaRPr lang="en-US"/>
           </a:p>
@@ -3678,7 +3676,7 @@
           <a:p>
             <a:fld id="{F90E5D04-5C5D-47CC-BDED-D4EAD1A4B7F8}" type="datetime1">
               <a:rPr lang="en-US" smtClean="0"/>
-              <a:t>6/14/2023</a:t>
+              <a:t>6/15/2023</a:t>
             </a:fld>
             <a:endParaRPr lang="en-US"/>
           </a:p>
@@ -4026,7 +4024,7 @@
           <a:p>
             <a:fld id="{B019BD83-B2B4-4833-86B7-8D5583952E34}" type="datetime1">
               <a:rPr lang="en-US" smtClean="0"/>
-              <a:t>6/14/2023</a:t>
+              <a:t>6/15/2023</a:t>
             </a:fld>
             <a:endParaRPr lang="en-US"/>
           </a:p>
@@ -4807,7 +4805,7 @@
           <p:cNvPr id="2" name="Title 1">
             <a:extLst>
               <a:ext uri="{FF2B5EF4-FFF2-40B4-BE49-F238E27FC236}">
-                <a16:creationId xmlns:a16="http://schemas.microsoft.com/office/drawing/2014/main" id="{6DCC4830-BA42-B1C9-F66B-F78F9E32BB1D}"/>
+                <a16:creationId xmlns:a16="http://schemas.microsoft.com/office/drawing/2014/main" id="{FF46EFE3-2612-B04E-2A19-D61DA27B229B}"/>
               </a:ext>
             </a:extLst>
           </p:cNvPr>
@@ -4820,55 +4818,60 @@
         </p:nvSpPr>
         <p:spPr>
           <a:xfrm>
-            <a:off x="730120" y="341221"/>
-            <a:ext cx="10731759" cy="1056686"/>
-          </a:xfrm>
-        </p:spPr>
-        <p:txBody>
-          <a:bodyPr>
-            <a:noAutofit/>
-          </a:bodyPr>
+            <a:off x="838200" y="287165"/>
+            <a:ext cx="10515600" cy="1056686"/>
+          </a:xfrm>
+        </p:spPr>
+        <p:txBody>
+          <a:bodyPr/>
           <a:lstStyle/>
           <a:p>
             <a:r>
-              <a:rPr lang="en-US" sz="3200" dirty="0"/>
-              <a:t>Histograms – Bandgap Top, Bottom, &amp; Center</a:t>
-            </a:r>
-          </a:p>
-        </p:txBody>
-      </p:sp>
-      <p:pic>
-        <p:nvPicPr>
-          <p:cNvPr id="5" name="Content Placeholder 4">
-            <a:extLst>
-              <a:ext uri="{FF2B5EF4-FFF2-40B4-BE49-F238E27FC236}">
-                <a16:creationId xmlns:a16="http://schemas.microsoft.com/office/drawing/2014/main" id="{CAE9A72B-8A68-6F30-1013-174001A44746}"/>
-              </a:ext>
-            </a:extLst>
-          </p:cNvPr>
-          <p:cNvPicPr>
-            <a:picLocks noGrp="1" noChangeAspect="1"/>
-          </p:cNvPicPr>
+              <a:rPr lang="en-US" sz="4400" dirty="0"/>
+              <a:t>Stochastic Collocation – MC Regression</a:t>
+            </a:r>
+            <a:endParaRPr lang="en-US" dirty="0"/>
+          </a:p>
+        </p:txBody>
+      </p:sp>
+      <p:sp>
+        <p:nvSpPr>
+          <p:cNvPr id="3" name="Content Placeholder 2">
+            <a:extLst>
+              <a:ext uri="{FF2B5EF4-FFF2-40B4-BE49-F238E27FC236}">
+                <a16:creationId xmlns:a16="http://schemas.microsoft.com/office/drawing/2014/main" id="{C5AD6461-80F6-D156-FBF4-9DA7849BE8B4}"/>
+              </a:ext>
+            </a:extLst>
+          </p:cNvPr>
+          <p:cNvSpPr>
+            <a:spLocks noGrp="1"/>
+          </p:cNvSpPr>
           <p:nvPr>
             <p:ph idx="1"/>
           </p:nvPr>
-        </p:nvPicPr>
-        <p:blipFill>
-          <a:blip r:embed="rId2"/>
-          <a:srcRect/>
-          <a:stretch/>
-        </p:blipFill>
-        <p:spPr>
-          <a:xfrm>
-            <a:off x="838200" y="1626802"/>
-            <a:ext cx="10515600" cy="4361634"/>
-          </a:xfrm>
-        </p:spPr>
-      </p:pic>
+        </p:nvSpPr>
+        <p:spPr/>
+        <p:txBody>
+          <a:bodyPr/>
+          <a:lstStyle/>
+          <a:p>
+            <a:r>
+              <a:rPr lang="en-US" dirty="0"/>
+              <a:t>A variation of stochastic collocation where the orthogonal polynomials are fitted to MC generated samples</a:t>
+            </a:r>
+          </a:p>
+          <a:p>
+            <a:r>
+              <a:rPr lang="en-US" dirty="0"/>
+              <a:t>Usually more effective at higher dimensions and less efficient at lower dimensions compared to quadrature rule stochastic collocation</a:t>
+            </a:r>
+          </a:p>
+        </p:txBody>
+      </p:sp>
     </p:spTree>
     <p:extLst>
       <p:ext uri="{BB962C8B-B14F-4D97-AF65-F5344CB8AC3E}">
-        <p14:creationId xmlns:p14="http://schemas.microsoft.com/office/powerpoint/2010/main" val="1203512841"/>
+        <p14:creationId xmlns:p14="http://schemas.microsoft.com/office/powerpoint/2010/main" val="51304751"/>
       </p:ext>
     </p:extLst>
   </p:cSld>
@@ -4900,7 +4903,7 @@
           <p:cNvPr id="2" name="Title 1">
             <a:extLst>
               <a:ext uri="{FF2B5EF4-FFF2-40B4-BE49-F238E27FC236}">
-                <a16:creationId xmlns:a16="http://schemas.microsoft.com/office/drawing/2014/main" id="{4A3CA758-6A17-8C51-7237-048A1FF3B783}"/>
+                <a16:creationId xmlns:a16="http://schemas.microsoft.com/office/drawing/2014/main" id="{2FB1AF1B-E5FB-47C6-F2C8-D17A8AB062DF}"/>
               </a:ext>
             </a:extLst>
           </p:cNvPr>
@@ -4911,31 +4914,40 @@
             <p:ph type="title"/>
           </p:nvPr>
         </p:nvSpPr>
-        <p:spPr/>
-        <p:txBody>
-          <a:bodyPr/>
+        <p:spPr>
+          <a:xfrm>
+            <a:off x="838200" y="346701"/>
+            <a:ext cx="10515600" cy="1056686"/>
+          </a:xfrm>
+        </p:spPr>
+        <p:txBody>
+          <a:bodyPr>
+            <a:noAutofit/>
+          </a:bodyPr>
           <a:lstStyle/>
           <a:p>
             <a:r>
-              <a:rPr lang="en-US" dirty="0"/>
-              <a:t>2D Histograms</a:t>
+              <a:rPr lang="en-US" sz="3600" dirty="0"/>
+              <a:t>Stochastic Collocation – MC Regression (Underfit)</a:t>
             </a:r>
           </a:p>
         </p:txBody>
       </p:sp>
       <p:pic>
         <p:nvPicPr>
-          <p:cNvPr id="13" name="Picture 12">
-            <a:extLst>
-              <a:ext uri="{FF2B5EF4-FFF2-40B4-BE49-F238E27FC236}">
-                <a16:creationId xmlns:a16="http://schemas.microsoft.com/office/drawing/2014/main" id="{EA6512F5-051F-B774-200B-47343643C1A6}"/>
+          <p:cNvPr id="5" name="Content Placeholder 4">
+            <a:extLst>
+              <a:ext uri="{FF2B5EF4-FFF2-40B4-BE49-F238E27FC236}">
+                <a16:creationId xmlns:a16="http://schemas.microsoft.com/office/drawing/2014/main" id="{AE2D6E08-A882-0A1D-DD91-568191A07070}"/>
               </a:ext>
             </a:extLst>
           </p:cNvPr>
           <p:cNvPicPr>
-            <a:picLocks noChangeAspect="1"/>
+            <a:picLocks noGrp="1" noChangeAspect="1"/>
           </p:cNvPicPr>
-          <p:nvPr/>
+          <p:nvPr>
+            <p:ph idx="1"/>
+          </p:nvPr>
         </p:nvPicPr>
         <p:blipFill>
           <a:blip r:embed="rId2"/>
@@ -4944,18 +4956,15 @@
         </p:blipFill>
         <p:spPr>
           <a:xfrm>
-            <a:off x="43349" y="1248103"/>
-            <a:ext cx="12105302" cy="4361794"/>
-          </a:xfrm>
-          <a:prstGeom prst="rect">
-            <a:avLst/>
-          </a:prstGeom>
+            <a:off x="838200" y="1632281"/>
+            <a:ext cx="10515600" cy="4350675"/>
+          </a:xfrm>
         </p:spPr>
       </p:pic>
     </p:spTree>
     <p:extLst>
       <p:ext uri="{BB962C8B-B14F-4D97-AF65-F5344CB8AC3E}">
-        <p14:creationId xmlns:p14="http://schemas.microsoft.com/office/powerpoint/2010/main" val="61816796"/>
+        <p14:creationId xmlns:p14="http://schemas.microsoft.com/office/powerpoint/2010/main" val="313178282"/>
       </p:ext>
     </p:extLst>
   </p:cSld>
@@ -4987,7 +4996,7 @@
           <p:cNvPr id="2" name="Title 1">
             <a:extLst>
               <a:ext uri="{FF2B5EF4-FFF2-40B4-BE49-F238E27FC236}">
-                <a16:creationId xmlns:a16="http://schemas.microsoft.com/office/drawing/2014/main" id="{FF46EFE3-2612-B04E-2A19-D61DA27B229B}"/>
+                <a16:creationId xmlns:a16="http://schemas.microsoft.com/office/drawing/2014/main" id="{2FB1AF1B-E5FB-47C6-F2C8-D17A8AB062DF}"/>
               </a:ext>
             </a:extLst>
           </p:cNvPr>
@@ -5000,60 +5009,55 @@
         </p:nvSpPr>
         <p:spPr>
           <a:xfrm>
-            <a:off x="838200" y="287165"/>
+            <a:off x="838200" y="346701"/>
             <a:ext cx="10515600" cy="1056686"/>
           </a:xfrm>
         </p:spPr>
         <p:txBody>
-          <a:bodyPr/>
+          <a:bodyPr>
+            <a:noAutofit/>
+          </a:bodyPr>
           <a:lstStyle/>
           <a:p>
             <a:r>
-              <a:rPr lang="en-US" sz="4400" dirty="0"/>
-              <a:t>Stochastic Collocation – MC Regression</a:t>
-            </a:r>
-            <a:endParaRPr lang="en-US" dirty="0"/>
-          </a:p>
-        </p:txBody>
-      </p:sp>
-      <p:sp>
-        <p:nvSpPr>
-          <p:cNvPr id="3" name="Content Placeholder 2">
-            <a:extLst>
-              <a:ext uri="{FF2B5EF4-FFF2-40B4-BE49-F238E27FC236}">
-                <a16:creationId xmlns:a16="http://schemas.microsoft.com/office/drawing/2014/main" id="{C5AD6461-80F6-D156-FBF4-9DA7849BE8B4}"/>
-              </a:ext>
-            </a:extLst>
-          </p:cNvPr>
-          <p:cNvSpPr>
-            <a:spLocks noGrp="1"/>
-          </p:cNvSpPr>
+              <a:rPr lang="en-US" sz="3200" dirty="0"/>
+              <a:t>Stochastic Collocation – MC Regression – Bandgap Size</a:t>
+            </a:r>
+          </a:p>
+        </p:txBody>
+      </p:sp>
+      <p:pic>
+        <p:nvPicPr>
+          <p:cNvPr id="5" name="Content Placeholder 4">
+            <a:extLst>
+              <a:ext uri="{FF2B5EF4-FFF2-40B4-BE49-F238E27FC236}">
+                <a16:creationId xmlns:a16="http://schemas.microsoft.com/office/drawing/2014/main" id="{AE2D6E08-A882-0A1D-DD91-568191A07070}"/>
+              </a:ext>
+            </a:extLst>
+          </p:cNvPr>
+          <p:cNvPicPr>
+            <a:picLocks noGrp="1" noChangeAspect="1"/>
+          </p:cNvPicPr>
           <p:nvPr>
             <p:ph idx="1"/>
           </p:nvPr>
-        </p:nvSpPr>
-        <p:spPr/>
-        <p:txBody>
-          <a:bodyPr/>
-          <a:lstStyle/>
-          <a:p>
-            <a:r>
-              <a:rPr lang="en-US" dirty="0"/>
-              <a:t>A variation of stochastic collocation where the orthogonal polynomials are fitted to MC generated samples</a:t>
-            </a:r>
-          </a:p>
-          <a:p>
-            <a:r>
-              <a:rPr lang="en-US" dirty="0"/>
-              <a:t>Usually more effective at higher dimensions and less efficient at lower dimensions compared to quadrature rule stochastic collocation</a:t>
-            </a:r>
-          </a:p>
-        </p:txBody>
-      </p:sp>
+        </p:nvPicPr>
+        <p:blipFill>
+          <a:blip r:embed="rId3"/>
+          <a:srcRect/>
+          <a:stretch/>
+        </p:blipFill>
+        <p:spPr>
+          <a:xfrm>
+            <a:off x="838200" y="1632281"/>
+            <a:ext cx="10515600" cy="4350675"/>
+          </a:xfrm>
+        </p:spPr>
+      </p:pic>
     </p:spTree>
     <p:extLst>
       <p:ext uri="{BB962C8B-B14F-4D97-AF65-F5344CB8AC3E}">
-        <p14:creationId xmlns:p14="http://schemas.microsoft.com/office/powerpoint/2010/main" val="51304751"/>
+        <p14:creationId xmlns:p14="http://schemas.microsoft.com/office/powerpoint/2010/main" val="745860620"/>
       </p:ext>
     </p:extLst>
   </p:cSld>
@@ -5109,8 +5113,8 @@
           <a:lstStyle/>
           <a:p>
             <a:r>
-              <a:rPr lang="en-US" sz="3600" dirty="0"/>
-              <a:t>Stochastic Collocation – MC Regression (Underfit)</a:t>
+              <a:rPr lang="en-US" sz="3200" dirty="0"/>
+              <a:t>Stochastic Collocation – MC Regression – Bandgap Center</a:t>
             </a:r>
           </a:p>
         </p:txBody>
@@ -5132,7 +5136,7 @@
           </p:nvPr>
         </p:nvPicPr>
         <p:blipFill>
-          <a:blip r:embed="rId2"/>
+          <a:blip r:embed="rId3"/>
           <a:srcRect/>
           <a:stretch/>
         </p:blipFill>
@@ -5146,7 +5150,7 @@
     </p:spTree>
     <p:extLst>
       <p:ext uri="{BB962C8B-B14F-4D97-AF65-F5344CB8AC3E}">
-        <p14:creationId xmlns:p14="http://schemas.microsoft.com/office/powerpoint/2010/main" val="313178282"/>
+        <p14:creationId xmlns:p14="http://schemas.microsoft.com/office/powerpoint/2010/main" val="3377187287"/>
       </p:ext>
     </p:extLst>
   </p:cSld>
@@ -5203,7 +5207,7 @@
           <a:p>
             <a:r>
               <a:rPr lang="en-US" sz="3200" dirty="0"/>
-              <a:t>Stochastic Collocation – MC Regression – Bandgap Size</a:t>
+              <a:t>Stochastic Collocation – MC Regression – Bandgap Top</a:t>
             </a:r>
           </a:p>
         </p:txBody>
@@ -5239,7 +5243,7 @@
     </p:spTree>
     <p:extLst>
       <p:ext uri="{BB962C8B-B14F-4D97-AF65-F5344CB8AC3E}">
-        <p14:creationId xmlns:p14="http://schemas.microsoft.com/office/powerpoint/2010/main" val="745860620"/>
+        <p14:creationId xmlns:p14="http://schemas.microsoft.com/office/powerpoint/2010/main" val="555498027"/>
       </p:ext>
     </p:extLst>
   </p:cSld>
@@ -5296,7 +5300,7 @@
           <a:p>
             <a:r>
               <a:rPr lang="en-US" sz="3200" dirty="0"/>
-              <a:t>Stochastic Collocation – MC Regression – Bandgap Center</a:t>
+              <a:t>Stochastic Collocation – MC Regression – Bandgap Bottom</a:t>
             </a:r>
           </a:p>
         </p:txBody>
@@ -5332,7 +5336,7 @@
     </p:spTree>
     <p:extLst>
       <p:ext uri="{BB962C8B-B14F-4D97-AF65-F5344CB8AC3E}">
-        <p14:creationId xmlns:p14="http://schemas.microsoft.com/office/powerpoint/2010/main" val="3377187287"/>
+        <p14:creationId xmlns:p14="http://schemas.microsoft.com/office/powerpoint/2010/main" val="3873354010"/>
       </p:ext>
     </p:extLst>
   </p:cSld>
@@ -5364,7 +5368,7 @@
           <p:cNvPr id="2" name="Title 1">
             <a:extLst>
               <a:ext uri="{FF2B5EF4-FFF2-40B4-BE49-F238E27FC236}">
-                <a16:creationId xmlns:a16="http://schemas.microsoft.com/office/drawing/2014/main" id="{2FB1AF1B-E5FB-47C6-F2C8-D17A8AB062DF}"/>
+                <a16:creationId xmlns:a16="http://schemas.microsoft.com/office/drawing/2014/main" id="{FF46EFE3-2612-B04E-2A19-D61DA27B229B}"/>
               </a:ext>
             </a:extLst>
           </p:cNvPr>
@@ -5377,55 +5381,60 @@
         </p:nvSpPr>
         <p:spPr>
           <a:xfrm>
-            <a:off x="838200" y="346701"/>
+            <a:off x="838200" y="265973"/>
             <a:ext cx="10515600" cy="1056686"/>
           </a:xfrm>
         </p:spPr>
         <p:txBody>
-          <a:bodyPr>
-            <a:noAutofit/>
-          </a:bodyPr>
+          <a:bodyPr/>
           <a:lstStyle/>
           <a:p>
             <a:r>
-              <a:rPr lang="en-US" sz="3200" dirty="0"/>
-              <a:t>Stochastic Collocation – MC Regression – Bandgap Top</a:t>
-            </a:r>
-          </a:p>
-        </p:txBody>
-      </p:sp>
-      <p:pic>
-        <p:nvPicPr>
-          <p:cNvPr id="5" name="Content Placeholder 4">
-            <a:extLst>
-              <a:ext uri="{FF2B5EF4-FFF2-40B4-BE49-F238E27FC236}">
-                <a16:creationId xmlns:a16="http://schemas.microsoft.com/office/drawing/2014/main" id="{AE2D6E08-A882-0A1D-DD91-568191A07070}"/>
-              </a:ext>
-            </a:extLst>
-          </p:cNvPr>
-          <p:cNvPicPr>
-            <a:picLocks noGrp="1" noChangeAspect="1"/>
-          </p:cNvPicPr>
+              <a:rPr lang="en-US" sz="4400" dirty="0"/>
+              <a:t>Stochastic Collocation – Quadrature Rule</a:t>
+            </a:r>
+            <a:endParaRPr lang="en-US" dirty="0"/>
+          </a:p>
+        </p:txBody>
+      </p:sp>
+      <p:sp>
+        <p:nvSpPr>
+          <p:cNvPr id="3" name="Content Placeholder 2">
+            <a:extLst>
+              <a:ext uri="{FF2B5EF4-FFF2-40B4-BE49-F238E27FC236}">
+                <a16:creationId xmlns:a16="http://schemas.microsoft.com/office/drawing/2014/main" id="{C5AD6461-80F6-D156-FBF4-9DA7849BE8B4}"/>
+              </a:ext>
+            </a:extLst>
+          </p:cNvPr>
+          <p:cNvSpPr>
+            <a:spLocks noGrp="1"/>
+          </p:cNvSpPr>
           <p:nvPr>
             <p:ph idx="1"/>
           </p:nvPr>
-        </p:nvPicPr>
-        <p:blipFill>
-          <a:blip r:embed="rId3"/>
-          <a:srcRect/>
-          <a:stretch/>
-        </p:blipFill>
-        <p:spPr>
-          <a:xfrm>
-            <a:off x="838200" y="1632281"/>
-            <a:ext cx="10515600" cy="4350675"/>
-          </a:xfrm>
-        </p:spPr>
-      </p:pic>
+        </p:nvSpPr>
+        <p:spPr/>
+        <p:txBody>
+          <a:bodyPr/>
+          <a:lstStyle/>
+          <a:p>
+            <a:r>
+              <a:rPr lang="en-US" dirty="0"/>
+              <a:t>A variation of stochastic collocation where the orthogonal polynomials are fitted to specific points with weights, generated by using a rule function on the input distribution.</a:t>
+            </a:r>
+          </a:p>
+          <a:p>
+            <a:r>
+              <a:rPr lang="en-US" dirty="0"/>
+              <a:t>Extremely efficient at low dimensions, however points needed scales as s = (p + 1)^d, where s is the number of samples needed, p is the order of polynomial fit, and d is the dimensionality of the input space. This method therefore becomes very expensive very quickly as d increases.</a:t>
+            </a:r>
+          </a:p>
+        </p:txBody>
+      </p:sp>
     </p:spTree>
     <p:extLst>
       <p:ext uri="{BB962C8B-B14F-4D97-AF65-F5344CB8AC3E}">
-        <p14:creationId xmlns:p14="http://schemas.microsoft.com/office/powerpoint/2010/main" val="555498027"/>
+        <p14:creationId xmlns:p14="http://schemas.microsoft.com/office/powerpoint/2010/main" val="2229525489"/>
       </p:ext>
     </p:extLst>
   </p:cSld>
@@ -5457,7 +5466,7 @@
           <p:cNvPr id="2" name="Title 1">
             <a:extLst>
               <a:ext uri="{FF2B5EF4-FFF2-40B4-BE49-F238E27FC236}">
-                <a16:creationId xmlns:a16="http://schemas.microsoft.com/office/drawing/2014/main" id="{2FB1AF1B-E5FB-47C6-F2C8-D17A8AB062DF}"/>
+                <a16:creationId xmlns:a16="http://schemas.microsoft.com/office/drawing/2014/main" id="{6DCC4830-BA42-B1C9-F66B-F78F9E32BB1D}"/>
               </a:ext>
             </a:extLst>
           </p:cNvPr>
@@ -5470,7 +5479,7 @@
         </p:nvSpPr>
         <p:spPr>
           <a:xfrm>
-            <a:off x="838200" y="346701"/>
+            <a:off x="838200" y="341221"/>
             <a:ext cx="10515600" cy="1056686"/>
           </a:xfrm>
         </p:spPr>
@@ -5482,7 +5491,7 @@
           <a:p>
             <a:r>
               <a:rPr lang="en-US" sz="3200" dirty="0"/>
-              <a:t>Stochastic Collocation – MC Regression – Bandgap Bottom</a:t>
+              <a:t>Stochastic Collocation – Quadrature Rule – Bandgap Size</a:t>
             </a:r>
           </a:p>
         </p:txBody>
@@ -5492,7 +5501,7 @@
           <p:cNvPr id="5" name="Content Placeholder 4">
             <a:extLst>
               <a:ext uri="{FF2B5EF4-FFF2-40B4-BE49-F238E27FC236}">
-                <a16:creationId xmlns:a16="http://schemas.microsoft.com/office/drawing/2014/main" id="{AE2D6E08-A882-0A1D-DD91-568191A07070}"/>
+                <a16:creationId xmlns:a16="http://schemas.microsoft.com/office/drawing/2014/main" id="{CAE9A72B-8A68-6F30-1013-174001A44746}"/>
               </a:ext>
             </a:extLst>
           </p:cNvPr>
@@ -5504,21 +5513,21 @@
           </p:nvPr>
         </p:nvPicPr>
         <p:blipFill>
-          <a:blip r:embed="rId3"/>
+          <a:blip r:embed="rId2"/>
           <a:srcRect/>
           <a:stretch/>
         </p:blipFill>
         <p:spPr>
           <a:xfrm>
-            <a:off x="838200" y="1632281"/>
-            <a:ext cx="10515600" cy="4350675"/>
+            <a:off x="838200" y="1626802"/>
+            <a:ext cx="10515600" cy="4361634"/>
           </a:xfrm>
         </p:spPr>
       </p:pic>
     </p:spTree>
     <p:extLst>
       <p:ext uri="{BB962C8B-B14F-4D97-AF65-F5344CB8AC3E}">
-        <p14:creationId xmlns:p14="http://schemas.microsoft.com/office/powerpoint/2010/main" val="3873354010"/>
+        <p14:creationId xmlns:p14="http://schemas.microsoft.com/office/powerpoint/2010/main" val="2296558744"/>
       </p:ext>
     </p:extLst>
   </p:cSld>
@@ -5550,7 +5559,7 @@
           <p:cNvPr id="2" name="Title 1">
             <a:extLst>
               <a:ext uri="{FF2B5EF4-FFF2-40B4-BE49-F238E27FC236}">
-                <a16:creationId xmlns:a16="http://schemas.microsoft.com/office/drawing/2014/main" id="{FF46EFE3-2612-B04E-2A19-D61DA27B229B}"/>
+                <a16:creationId xmlns:a16="http://schemas.microsoft.com/office/drawing/2014/main" id="{6DCC4830-BA42-B1C9-F66B-F78F9E32BB1D}"/>
               </a:ext>
             </a:extLst>
           </p:cNvPr>
@@ -5563,60 +5572,55 @@
         </p:nvSpPr>
         <p:spPr>
           <a:xfrm>
-            <a:off x="838200" y="265973"/>
-            <a:ext cx="10515600" cy="1056686"/>
-          </a:xfrm>
-        </p:spPr>
-        <p:txBody>
-          <a:bodyPr/>
+            <a:off x="730120" y="341221"/>
+            <a:ext cx="10731759" cy="1056686"/>
+          </a:xfrm>
+        </p:spPr>
+        <p:txBody>
+          <a:bodyPr>
+            <a:noAutofit/>
+          </a:bodyPr>
           <a:lstStyle/>
           <a:p>
             <a:r>
-              <a:rPr lang="en-US" sz="4400" dirty="0"/>
-              <a:t>Stochastic Collocation – Quadrature Rule</a:t>
-            </a:r>
-            <a:endParaRPr lang="en-US" dirty="0"/>
-          </a:p>
-        </p:txBody>
-      </p:sp>
-      <p:sp>
-        <p:nvSpPr>
-          <p:cNvPr id="3" name="Content Placeholder 2">
-            <a:extLst>
-              <a:ext uri="{FF2B5EF4-FFF2-40B4-BE49-F238E27FC236}">
-                <a16:creationId xmlns:a16="http://schemas.microsoft.com/office/drawing/2014/main" id="{C5AD6461-80F6-D156-FBF4-9DA7849BE8B4}"/>
-              </a:ext>
-            </a:extLst>
-          </p:cNvPr>
-          <p:cNvSpPr>
-            <a:spLocks noGrp="1"/>
-          </p:cNvSpPr>
+              <a:rPr lang="en-US" sz="3200" dirty="0"/>
+              <a:t>Stochastic Collocation – Quadrature Rule – Bandgap Center</a:t>
+            </a:r>
+          </a:p>
+        </p:txBody>
+      </p:sp>
+      <p:pic>
+        <p:nvPicPr>
+          <p:cNvPr id="5" name="Content Placeholder 4">
+            <a:extLst>
+              <a:ext uri="{FF2B5EF4-FFF2-40B4-BE49-F238E27FC236}">
+                <a16:creationId xmlns:a16="http://schemas.microsoft.com/office/drawing/2014/main" id="{CAE9A72B-8A68-6F30-1013-174001A44746}"/>
+              </a:ext>
+            </a:extLst>
+          </p:cNvPr>
+          <p:cNvPicPr>
+            <a:picLocks noGrp="1" noChangeAspect="1"/>
+          </p:cNvPicPr>
           <p:nvPr>
             <p:ph idx="1"/>
           </p:nvPr>
-        </p:nvSpPr>
-        <p:spPr/>
-        <p:txBody>
-          <a:bodyPr/>
-          <a:lstStyle/>
-          <a:p>
-            <a:r>
-              <a:rPr lang="en-US" dirty="0"/>
-              <a:t>A variation of stochastic collocation where the orthogonal polynomials are fitted to specific points with weights, generated by using a rule function on the input distribution.</a:t>
-            </a:r>
-          </a:p>
-          <a:p>
-            <a:r>
-              <a:rPr lang="en-US" dirty="0"/>
-              <a:t>Extremely efficient at low dimensions, however points needed scales as s = (p + 1)^d, where s is the number of samples needed, p is the order of polynomial fit, and d is the dimensionality of the input space. This method therefore becomes very expensive very quickly as d increases.</a:t>
-            </a:r>
-          </a:p>
-        </p:txBody>
-      </p:sp>
+        </p:nvPicPr>
+        <p:blipFill>
+          <a:blip r:embed="rId2"/>
+          <a:srcRect/>
+          <a:stretch/>
+        </p:blipFill>
+        <p:spPr>
+          <a:xfrm>
+            <a:off x="838200" y="1626802"/>
+            <a:ext cx="10515600" cy="4361634"/>
+          </a:xfrm>
+        </p:spPr>
+      </p:pic>
     </p:spTree>
     <p:extLst>
       <p:ext uri="{BB962C8B-B14F-4D97-AF65-F5344CB8AC3E}">
-        <p14:creationId xmlns:p14="http://schemas.microsoft.com/office/powerpoint/2010/main" val="2229525489"/>
+        <p14:creationId xmlns:p14="http://schemas.microsoft.com/office/powerpoint/2010/main" val="2358216360"/>
       </p:ext>
     </p:extLst>
   </p:cSld>
@@ -5673,7 +5677,7 @@
           <a:p>
             <a:r>
               <a:rPr lang="en-US" sz="3200" dirty="0"/>
-              <a:t>Stochastic Collocation – Quadrature Rule – Bandgap Size</a:t>
+              <a:t>Stochastic Collocation – Quadrature Rule – Bandgap Top</a:t>
             </a:r>
           </a:p>
         </p:txBody>
@@ -5709,7 +5713,7 @@
     </p:spTree>
     <p:extLst>
       <p:ext uri="{BB962C8B-B14F-4D97-AF65-F5344CB8AC3E}">
-        <p14:creationId xmlns:p14="http://schemas.microsoft.com/office/powerpoint/2010/main" val="2296558744"/>
+        <p14:creationId xmlns:p14="http://schemas.microsoft.com/office/powerpoint/2010/main" val="2271108801"/>
       </p:ext>
     </p:extLst>
   </p:cSld>
@@ -6196,7 +6200,7 @@
           <a:p>
             <a:r>
               <a:rPr lang="en-US" sz="3200" dirty="0"/>
-              <a:t>Stochastic Collocation – Quadrature Rule – Bandgap Center</a:t>
+              <a:t>Stochastic Collocation – Quadrature Rule – Bandgap Bottom</a:t>
             </a:r>
           </a:p>
         </p:txBody>
@@ -6232,7 +6236,7 @@
     </p:spTree>
     <p:extLst>
       <p:ext uri="{BB962C8B-B14F-4D97-AF65-F5344CB8AC3E}">
-        <p14:creationId xmlns:p14="http://schemas.microsoft.com/office/powerpoint/2010/main" val="2358216360"/>
+        <p14:creationId xmlns:p14="http://schemas.microsoft.com/office/powerpoint/2010/main" val="1348473648"/>
       </p:ext>
     </p:extLst>
   </p:cSld>
@@ -6264,7 +6268,7 @@
           <p:cNvPr id="2" name="Title 1">
             <a:extLst>
               <a:ext uri="{FF2B5EF4-FFF2-40B4-BE49-F238E27FC236}">
-                <a16:creationId xmlns:a16="http://schemas.microsoft.com/office/drawing/2014/main" id="{6DCC4830-BA42-B1C9-F66B-F78F9E32BB1D}"/>
+                <a16:creationId xmlns:a16="http://schemas.microsoft.com/office/drawing/2014/main" id="{EA484178-6ED4-2998-2632-83D0A0FF0D35}"/>
               </a:ext>
             </a:extLst>
           </p:cNvPr>
@@ -6275,57 +6279,121 @@
             <p:ph type="title"/>
           </p:nvPr>
         </p:nvSpPr>
-        <p:spPr>
-          <a:xfrm>
-            <a:off x="838200" y="341221"/>
-            <a:ext cx="10515600" cy="1056686"/>
-          </a:xfrm>
-        </p:spPr>
-        <p:txBody>
-          <a:bodyPr>
-            <a:noAutofit/>
-          </a:bodyPr>
+        <p:spPr/>
+        <p:txBody>
+          <a:bodyPr/>
           <a:lstStyle/>
           <a:p>
             <a:r>
-              <a:rPr lang="en-US" sz="3200" dirty="0"/>
-              <a:t>Stochastic Collocation – Quadrature Rule – Bandgap Top</a:t>
-            </a:r>
-          </a:p>
-        </p:txBody>
-      </p:sp>
-      <p:pic>
-        <p:nvPicPr>
-          <p:cNvPr id="5" name="Content Placeholder 4">
-            <a:extLst>
-              <a:ext uri="{FF2B5EF4-FFF2-40B4-BE49-F238E27FC236}">
-                <a16:creationId xmlns:a16="http://schemas.microsoft.com/office/drawing/2014/main" id="{CAE9A72B-8A68-6F30-1013-174001A44746}"/>
-              </a:ext>
-            </a:extLst>
-          </p:cNvPr>
-          <p:cNvPicPr>
-            <a:picLocks noGrp="1" noChangeAspect="1"/>
-          </p:cNvPicPr>
+              <a:rPr lang="en-US" dirty="0"/>
+              <a:t>1D PCE Fits</a:t>
+            </a:r>
+          </a:p>
+        </p:txBody>
+      </p:sp>
+      <p:sp>
+        <p:nvSpPr>
+          <p:cNvPr id="3" name="Content Placeholder 2">
+            <a:extLst>
+              <a:ext uri="{FF2B5EF4-FFF2-40B4-BE49-F238E27FC236}">
+                <a16:creationId xmlns:a16="http://schemas.microsoft.com/office/drawing/2014/main" id="{F1238953-6B6C-9866-7402-40977869F30D}"/>
+              </a:ext>
+            </a:extLst>
+          </p:cNvPr>
+          <p:cNvSpPr>
+            <a:spLocks noGrp="1"/>
+          </p:cNvSpPr>
           <p:nvPr>
             <p:ph idx="1"/>
           </p:nvPr>
-        </p:nvPicPr>
-        <p:blipFill>
-          <a:blip r:embed="rId2"/>
-          <a:srcRect/>
-          <a:stretch/>
-        </p:blipFill>
-        <p:spPr>
-          <a:xfrm>
-            <a:off x="838200" y="1626802"/>
-            <a:ext cx="10515600" cy="4361634"/>
-          </a:xfrm>
-        </p:spPr>
-      </p:pic>
+        </p:nvSpPr>
+        <p:spPr/>
+        <p:txBody>
+          <a:bodyPr/>
+          <a:lstStyle/>
+          <a:p>
+            <a:r>
+              <a:rPr lang="en-US" dirty="0"/>
+              <a:t>The following figures are for 1 input, 1 output scenarios, whereby the other 5 inputs are held at the following default values:</a:t>
+            </a:r>
+          </a:p>
+          <a:p>
+            <a:pPr lvl="1"/>
+            <a:r>
+              <a:rPr lang="en-US" dirty="0" err="1"/>
+              <a:t>E_soft</a:t>
+            </a:r>
+            <a:r>
+              <a:rPr lang="en-US" dirty="0"/>
+              <a:t>: 200 MPa</a:t>
+            </a:r>
+          </a:p>
+          <a:p>
+            <a:pPr lvl="1"/>
+            <a:r>
+              <a:rPr lang="en-US" dirty="0" err="1"/>
+              <a:t>E_hard</a:t>
+            </a:r>
+            <a:r>
+              <a:rPr lang="en-US" dirty="0"/>
+              <a:t>: 200 </a:t>
+            </a:r>
+            <a:r>
+              <a:rPr lang="en-US" dirty="0" err="1"/>
+              <a:t>GPa</a:t>
+            </a:r>
+            <a:endParaRPr lang="en-US" dirty="0"/>
+          </a:p>
+          <a:p>
+            <a:pPr lvl="1"/>
+            <a:r>
+              <a:rPr lang="en-US" dirty="0" err="1"/>
+              <a:t>Rho_soft</a:t>
+            </a:r>
+            <a:r>
+              <a:rPr lang="en-US" dirty="0"/>
+              <a:t>: 1000 kg/m^3</a:t>
+            </a:r>
+          </a:p>
+          <a:p>
+            <a:pPr lvl="1"/>
+            <a:r>
+              <a:rPr lang="en-US" dirty="0" err="1"/>
+              <a:t>Rho_hard</a:t>
+            </a:r>
+            <a:r>
+              <a:rPr lang="en-US" dirty="0"/>
+              <a:t>: 8000 kg/m^3</a:t>
+            </a:r>
+          </a:p>
+          <a:p>
+            <a:pPr lvl="1"/>
+            <a:r>
+              <a:rPr lang="en-US" dirty="0" err="1"/>
+              <a:t>PR_soft</a:t>
+            </a:r>
+            <a:r>
+              <a:rPr lang="en-US" dirty="0"/>
+              <a:t>: 0</a:t>
+            </a:r>
+          </a:p>
+          <a:p>
+            <a:pPr lvl="1"/>
+            <a:r>
+              <a:rPr lang="en-US" dirty="0" err="1"/>
+              <a:t>PR_hard</a:t>
+            </a:r>
+            <a:r>
+              <a:rPr lang="en-US" dirty="0"/>
+              <a:t>: 0.5</a:t>
+            </a:r>
+          </a:p>
+        </p:txBody>
+      </p:sp>
     </p:spTree>
     <p:extLst>
       <p:ext uri="{BB962C8B-B14F-4D97-AF65-F5344CB8AC3E}">
-        <p14:creationId xmlns:p14="http://schemas.microsoft.com/office/powerpoint/2010/main" val="2271108801"/>
+        <p14:creationId xmlns:p14="http://schemas.microsoft.com/office/powerpoint/2010/main" val="3582712087"/>
       </p:ext>
     </p:extLst>
   </p:cSld>
@@ -6380,19 +6448,28 @@
           </a:bodyPr>
           <a:lstStyle/>
           <a:p>
+            <a:pPr algn="ctr"/>
             <a:r>
               <a:rPr lang="en-US" sz="3200" dirty="0"/>
-              <a:t>Stochastic Collocation – Quadrature Rule – Bandgap Bottom</a:t>
+              <a:t>100, 1000, &amp; 10000 MC </a:t>
+            </a:r>
+            <a:r>
+              <a:rPr lang="en-US" sz="3200" dirty="0" err="1"/>
+              <a:t>E_soft</a:t>
+            </a:r>
+            <a:r>
+              <a:rPr lang="en-US" sz="3200" dirty="0"/>
+              <a:t> &amp; Bandgap Sizes</a:t>
             </a:r>
           </a:p>
         </p:txBody>
       </p:sp>
       <p:pic>
         <p:nvPicPr>
-          <p:cNvPr id="5" name="Content Placeholder 4">
-            <a:extLst>
-              <a:ext uri="{FF2B5EF4-FFF2-40B4-BE49-F238E27FC236}">
-                <a16:creationId xmlns:a16="http://schemas.microsoft.com/office/drawing/2014/main" id="{CAE9A72B-8A68-6F30-1013-174001A44746}"/>
+          <p:cNvPr id="7" name="Content Placeholder 6">
+            <a:extLst>
+              <a:ext uri="{FF2B5EF4-FFF2-40B4-BE49-F238E27FC236}">
+                <a16:creationId xmlns:a16="http://schemas.microsoft.com/office/drawing/2014/main" id="{45C121E0-2D9F-1F26-2360-E24CA0CD5905}"/>
               </a:ext>
             </a:extLst>
           </p:cNvPr>
@@ -6410,15 +6487,15 @@
         </p:blipFill>
         <p:spPr>
           <a:xfrm>
-            <a:off x="838200" y="1626802"/>
-            <a:ext cx="10515600" cy="4361634"/>
+            <a:off x="1337301" y="1438275"/>
+            <a:ext cx="9517398" cy="4738688"/>
           </a:xfrm>
         </p:spPr>
       </p:pic>
     </p:spTree>
     <p:extLst>
       <p:ext uri="{BB962C8B-B14F-4D97-AF65-F5344CB8AC3E}">
-        <p14:creationId xmlns:p14="http://schemas.microsoft.com/office/powerpoint/2010/main" val="1348473648"/>
+        <p14:creationId xmlns:p14="http://schemas.microsoft.com/office/powerpoint/2010/main" val="3772126645"/>
       </p:ext>
     </p:extLst>
   </p:cSld>
@@ -6450,7 +6527,7 @@
           <p:cNvPr id="2" name="Title 1">
             <a:extLst>
               <a:ext uri="{FF2B5EF4-FFF2-40B4-BE49-F238E27FC236}">
-                <a16:creationId xmlns:a16="http://schemas.microsoft.com/office/drawing/2014/main" id="{EA484178-6ED4-2998-2632-83D0A0FF0D35}"/>
+                <a16:creationId xmlns:a16="http://schemas.microsoft.com/office/drawing/2014/main" id="{6DCC4830-BA42-B1C9-F66B-F78F9E32BB1D}"/>
               </a:ext>
             </a:extLst>
           </p:cNvPr>
@@ -6461,121 +6538,66 @@
             <p:ph type="title"/>
           </p:nvPr>
         </p:nvSpPr>
-        <p:spPr/>
-        <p:txBody>
-          <a:bodyPr/>
+        <p:spPr>
+          <a:xfrm>
+            <a:off x="730120" y="341221"/>
+            <a:ext cx="10731759" cy="1056686"/>
+          </a:xfrm>
+        </p:spPr>
+        <p:txBody>
+          <a:bodyPr>
+            <a:noAutofit/>
+          </a:bodyPr>
           <a:lstStyle/>
           <a:p>
-            <a:r>
-              <a:rPr lang="en-US" dirty="0"/>
-              <a:t>1D PCE Fits</a:t>
-            </a:r>
-          </a:p>
-        </p:txBody>
-      </p:sp>
-      <p:sp>
-        <p:nvSpPr>
-          <p:cNvPr id="3" name="Content Placeholder 2">
-            <a:extLst>
-              <a:ext uri="{FF2B5EF4-FFF2-40B4-BE49-F238E27FC236}">
-                <a16:creationId xmlns:a16="http://schemas.microsoft.com/office/drawing/2014/main" id="{F1238953-6B6C-9866-7402-40977869F30D}"/>
-              </a:ext>
-            </a:extLst>
-          </p:cNvPr>
-          <p:cNvSpPr>
-            <a:spLocks noGrp="1"/>
-          </p:cNvSpPr>
+            <a:pPr algn="ctr"/>
+            <a:r>
+              <a:rPr lang="en-US" sz="3200" dirty="0"/>
+              <a:t>100, 1000, &amp; 10000 MC </a:t>
+            </a:r>
+            <a:r>
+              <a:rPr lang="en-US" sz="3200" dirty="0" err="1"/>
+              <a:t>E_soft</a:t>
+            </a:r>
+            <a:r>
+              <a:rPr lang="en-US" sz="3200" dirty="0"/>
+              <a:t> &amp; Bandgap Centers</a:t>
+            </a:r>
+          </a:p>
+        </p:txBody>
+      </p:sp>
+      <p:pic>
+        <p:nvPicPr>
+          <p:cNvPr id="7" name="Content Placeholder 6">
+            <a:extLst>
+              <a:ext uri="{FF2B5EF4-FFF2-40B4-BE49-F238E27FC236}">
+                <a16:creationId xmlns:a16="http://schemas.microsoft.com/office/drawing/2014/main" id="{45C121E0-2D9F-1F26-2360-E24CA0CD5905}"/>
+              </a:ext>
+            </a:extLst>
+          </p:cNvPr>
+          <p:cNvPicPr>
+            <a:picLocks noGrp="1" noChangeAspect="1"/>
+          </p:cNvPicPr>
           <p:nvPr>
             <p:ph idx="1"/>
           </p:nvPr>
-        </p:nvSpPr>
-        <p:spPr/>
-        <p:txBody>
-          <a:bodyPr/>
-          <a:lstStyle/>
-          <a:p>
-            <a:r>
-              <a:rPr lang="en-US" dirty="0"/>
-              <a:t>The following figures are for 1 input, 1 output scenarios, whereby the other 5 inputs are held at the following default values:</a:t>
-            </a:r>
-          </a:p>
-          <a:p>
-            <a:pPr lvl="1"/>
-            <a:r>
-              <a:rPr lang="en-US" dirty="0" err="1"/>
-              <a:t>E_soft</a:t>
-            </a:r>
-            <a:r>
-              <a:rPr lang="en-US" dirty="0"/>
-              <a:t>: 200 MPa</a:t>
-            </a:r>
-          </a:p>
-          <a:p>
-            <a:pPr lvl="1"/>
-            <a:r>
-              <a:rPr lang="en-US" dirty="0" err="1"/>
-              <a:t>E_hard</a:t>
-            </a:r>
-            <a:r>
-              <a:rPr lang="en-US" dirty="0"/>
-              <a:t>: 200 </a:t>
-            </a:r>
-            <a:r>
-              <a:rPr lang="en-US" dirty="0" err="1"/>
-              <a:t>GPa</a:t>
-            </a:r>
-            <a:endParaRPr lang="en-US" dirty="0"/>
-          </a:p>
-          <a:p>
-            <a:pPr lvl="1"/>
-            <a:r>
-              <a:rPr lang="en-US" dirty="0" err="1"/>
-              <a:t>Rho_soft</a:t>
-            </a:r>
-            <a:r>
-              <a:rPr lang="en-US" dirty="0"/>
-              <a:t>: 1000 kg/m^3</a:t>
-            </a:r>
-          </a:p>
-          <a:p>
-            <a:pPr lvl="1"/>
-            <a:r>
-              <a:rPr lang="en-US" dirty="0" err="1"/>
-              <a:t>Rho_hard</a:t>
-            </a:r>
-            <a:r>
-              <a:rPr lang="en-US" dirty="0"/>
-              <a:t>: 8000 kg/m^3</a:t>
-            </a:r>
-          </a:p>
-          <a:p>
-            <a:pPr lvl="1"/>
-            <a:r>
-              <a:rPr lang="en-US" dirty="0" err="1"/>
-              <a:t>PR_soft</a:t>
-            </a:r>
-            <a:r>
-              <a:rPr lang="en-US" dirty="0"/>
-              <a:t>: 0</a:t>
-            </a:r>
-          </a:p>
-          <a:p>
-            <a:pPr lvl="1"/>
-            <a:r>
-              <a:rPr lang="en-US" dirty="0" err="1"/>
-              <a:t>PR_hard</a:t>
-            </a:r>
-            <a:r>
-              <a:rPr lang="en-US" dirty="0"/>
-              <a:t>: 0.5</a:t>
-            </a:r>
-          </a:p>
-        </p:txBody>
-      </p:sp>
+        </p:nvPicPr>
+        <p:blipFill>
+          <a:blip r:embed="rId2"/>
+          <a:srcRect/>
+          <a:stretch/>
+        </p:blipFill>
+        <p:spPr>
+          <a:xfrm>
+            <a:off x="1337301" y="1438275"/>
+            <a:ext cx="9517398" cy="4738688"/>
+          </a:xfrm>
+        </p:spPr>
+      </p:pic>
     </p:spTree>
     <p:extLst>
       <p:ext uri="{BB962C8B-B14F-4D97-AF65-F5344CB8AC3E}">
-        <p14:creationId xmlns:p14="http://schemas.microsoft.com/office/powerpoint/2010/main" val="3582712087"/>
+        <p14:creationId xmlns:p14="http://schemas.microsoft.com/office/powerpoint/2010/main" val="2587583216"/>
       </p:ext>
     </p:extLst>
   </p:cSld>
@@ -6607,7 +6629,7 @@
           <p:cNvPr id="2" name="Title 1">
             <a:extLst>
               <a:ext uri="{FF2B5EF4-FFF2-40B4-BE49-F238E27FC236}">
-                <a16:creationId xmlns:a16="http://schemas.microsoft.com/office/drawing/2014/main" id="{6DCC4830-BA42-B1C9-F66B-F78F9E32BB1D}"/>
+                <a16:creationId xmlns:a16="http://schemas.microsoft.com/office/drawing/2014/main" id="{A4E5947E-1FD9-9A25-FE35-BC5561529035}"/>
               </a:ext>
             </a:extLst>
           </p:cNvPr>
@@ -6618,40 +6640,34 @@
             <p:ph type="title"/>
           </p:nvPr>
         </p:nvSpPr>
-        <p:spPr>
-          <a:xfrm>
-            <a:off x="730120" y="341221"/>
-            <a:ext cx="10731759" cy="1056686"/>
-          </a:xfrm>
-        </p:spPr>
+        <p:spPr/>
         <p:txBody>
           <a:bodyPr>
             <a:noAutofit/>
           </a:bodyPr>
           <a:lstStyle/>
           <a:p>
-            <a:pPr algn="ctr"/>
-            <a:r>
-              <a:rPr lang="en-US" sz="3200" dirty="0"/>
-              <a:t>100, 1000, &amp; 10000 MC </a:t>
-            </a:r>
-            <a:r>
-              <a:rPr lang="en-US" sz="3200" dirty="0" err="1"/>
+            <a:r>
+              <a:rPr lang="en-US" sz="2800" dirty="0"/>
+              <a:t>Stochastic Collocation 1D Quadrature – </a:t>
+            </a:r>
+            <a:r>
+              <a:rPr lang="en-US" sz="2800" dirty="0" err="1"/>
               <a:t>E_soft</a:t>
             </a:r>
             <a:r>
-              <a:rPr lang="en-US" sz="3200" dirty="0"/>
-              <a:t> &amp; Bandgap Sizes</a:t>
+              <a:rPr lang="en-US" sz="2800" dirty="0"/>
+              <a:t> – Bandgap Size</a:t>
             </a:r>
           </a:p>
         </p:txBody>
       </p:sp>
       <p:pic>
         <p:nvPicPr>
-          <p:cNvPr id="7" name="Content Placeholder 6">
-            <a:extLst>
-              <a:ext uri="{FF2B5EF4-FFF2-40B4-BE49-F238E27FC236}">
-                <a16:creationId xmlns:a16="http://schemas.microsoft.com/office/drawing/2014/main" id="{45C121E0-2D9F-1F26-2360-E24CA0CD5905}"/>
+          <p:cNvPr id="5" name="Content Placeholder 4" descr="A graph with a red line&#10;&#10;Description automatically generated with low confidence">
+            <a:extLst>
+              <a:ext uri="{FF2B5EF4-FFF2-40B4-BE49-F238E27FC236}">
+                <a16:creationId xmlns:a16="http://schemas.microsoft.com/office/drawing/2014/main" id="{E481CCDB-BDC4-87DA-0787-F2BA39A1E2AE}"/>
               </a:ext>
             </a:extLst>
           </p:cNvPr>
@@ -6664,20 +6680,50 @@
         </p:nvPicPr>
         <p:blipFill>
           <a:blip r:embed="rId2"/>
+          <a:stretch>
+            <a:fillRect/>
+          </a:stretch>
+        </p:blipFill>
+        <p:spPr>
+          <a:xfrm>
+            <a:off x="97524" y="1293872"/>
+            <a:ext cx="5998476" cy="4270256"/>
+          </a:xfrm>
+        </p:spPr>
+      </p:pic>
+      <p:pic>
+        <p:nvPicPr>
+          <p:cNvPr id="6" name="Content Placeholder 4">
+            <a:extLst>
+              <a:ext uri="{FF2B5EF4-FFF2-40B4-BE49-F238E27FC236}">
+                <a16:creationId xmlns:a16="http://schemas.microsoft.com/office/drawing/2014/main" id="{E9363DFE-7C01-94EB-CEC4-D99A220009B8}"/>
+              </a:ext>
+            </a:extLst>
+          </p:cNvPr>
+          <p:cNvPicPr>
+            <a:picLocks noChangeAspect="1"/>
+          </p:cNvPicPr>
+          <p:nvPr/>
+        </p:nvPicPr>
+        <p:blipFill>
+          <a:blip r:embed="rId3"/>
           <a:srcRect/>
           <a:stretch/>
         </p:blipFill>
         <p:spPr>
           <a:xfrm>
-            <a:off x="1337301" y="1438275"/>
-            <a:ext cx="9517398" cy="4738688"/>
-          </a:xfrm>
+            <a:off x="6096000" y="1300362"/>
+            <a:ext cx="5998476" cy="4257276"/>
+          </a:xfrm>
+          <a:prstGeom prst="rect">
+            <a:avLst/>
+          </a:prstGeom>
         </p:spPr>
       </p:pic>
     </p:spTree>
     <p:extLst>
       <p:ext uri="{BB962C8B-B14F-4D97-AF65-F5344CB8AC3E}">
-        <p14:creationId xmlns:p14="http://schemas.microsoft.com/office/powerpoint/2010/main" val="3772126645"/>
+        <p14:creationId xmlns:p14="http://schemas.microsoft.com/office/powerpoint/2010/main" val="3315475792"/>
       </p:ext>
     </p:extLst>
   </p:cSld>
@@ -6739,11 +6785,11 @@
             </a:r>
             <a:r>
               <a:rPr lang="en-US" sz="3200" dirty="0" err="1"/>
-              <a:t>E_soft</a:t>
+              <a:t>E_hard</a:t>
             </a:r>
             <a:r>
               <a:rPr lang="en-US" sz="3200" dirty="0"/>
-              <a:t> &amp; Bandgap Centers</a:t>
+              <a:t> &amp; Bandgap Sizes</a:t>
             </a:r>
           </a:p>
         </p:txBody>
@@ -6779,7 +6825,7 @@
     </p:spTree>
     <p:extLst>
       <p:ext uri="{BB962C8B-B14F-4D97-AF65-F5344CB8AC3E}">
-        <p14:creationId xmlns:p14="http://schemas.microsoft.com/office/powerpoint/2010/main" val="2587583216"/>
+        <p14:creationId xmlns:p14="http://schemas.microsoft.com/office/powerpoint/2010/main" val="3493700788"/>
       </p:ext>
     </p:extLst>
   </p:cSld>
@@ -6811,7 +6857,7 @@
           <p:cNvPr id="2" name="Title 1">
             <a:extLst>
               <a:ext uri="{FF2B5EF4-FFF2-40B4-BE49-F238E27FC236}">
-                <a16:creationId xmlns:a16="http://schemas.microsoft.com/office/drawing/2014/main" id="{A4E5947E-1FD9-9A25-FE35-BC5561529035}"/>
+                <a16:creationId xmlns:a16="http://schemas.microsoft.com/office/drawing/2014/main" id="{6DCC4830-BA42-B1C9-F66B-F78F9E32BB1D}"/>
               </a:ext>
             </a:extLst>
           </p:cNvPr>
@@ -6822,34 +6868,40 @@
             <p:ph type="title"/>
           </p:nvPr>
         </p:nvSpPr>
-        <p:spPr/>
+        <p:spPr>
+          <a:xfrm>
+            <a:off x="730120" y="341221"/>
+            <a:ext cx="10731759" cy="1056686"/>
+          </a:xfrm>
+        </p:spPr>
         <p:txBody>
           <a:bodyPr>
             <a:noAutofit/>
           </a:bodyPr>
           <a:lstStyle/>
           <a:p>
-            <a:r>
-              <a:rPr lang="en-US" sz="2800" dirty="0"/>
-              <a:t>Stochastic Collocation 1D Quadrature – </a:t>
-            </a:r>
-            <a:r>
-              <a:rPr lang="en-US" sz="2800" dirty="0" err="1"/>
-              <a:t>E_soft</a:t>
-            </a:r>
-            <a:r>
-              <a:rPr lang="en-US" sz="2800" dirty="0"/>
-              <a:t> – Bandgap Size</a:t>
+            <a:pPr algn="ctr"/>
+            <a:r>
+              <a:rPr lang="en-US" sz="3200" dirty="0"/>
+              <a:t>100, 1000, &amp; 10000 MC </a:t>
+            </a:r>
+            <a:r>
+              <a:rPr lang="en-US" sz="3200" dirty="0" err="1"/>
+              <a:t>E_hard</a:t>
+            </a:r>
+            <a:r>
+              <a:rPr lang="en-US" sz="3200" dirty="0"/>
+              <a:t> &amp; Bandgap Centers</a:t>
             </a:r>
           </a:p>
         </p:txBody>
       </p:sp>
       <p:pic>
         <p:nvPicPr>
-          <p:cNvPr id="5" name="Content Placeholder 4" descr="A graph with a red line&#10;&#10;Description automatically generated with low confidence">
-            <a:extLst>
-              <a:ext uri="{FF2B5EF4-FFF2-40B4-BE49-F238E27FC236}">
-                <a16:creationId xmlns:a16="http://schemas.microsoft.com/office/drawing/2014/main" id="{E481CCDB-BDC4-87DA-0787-F2BA39A1E2AE}"/>
+          <p:cNvPr id="7" name="Content Placeholder 6">
+            <a:extLst>
+              <a:ext uri="{FF2B5EF4-FFF2-40B4-BE49-F238E27FC236}">
+                <a16:creationId xmlns:a16="http://schemas.microsoft.com/office/drawing/2014/main" id="{45C121E0-2D9F-1F26-2360-E24CA0CD5905}"/>
               </a:ext>
             </a:extLst>
           </p:cNvPr>
@@ -6862,50 +6914,20 @@
         </p:nvPicPr>
         <p:blipFill>
           <a:blip r:embed="rId2"/>
-          <a:stretch>
-            <a:fillRect/>
-          </a:stretch>
-        </p:blipFill>
-        <p:spPr>
-          <a:xfrm>
-            <a:off x="97524" y="1293872"/>
-            <a:ext cx="5998476" cy="4270256"/>
-          </a:xfrm>
-        </p:spPr>
-      </p:pic>
-      <p:pic>
-        <p:nvPicPr>
-          <p:cNvPr id="6" name="Content Placeholder 4">
-            <a:extLst>
-              <a:ext uri="{FF2B5EF4-FFF2-40B4-BE49-F238E27FC236}">
-                <a16:creationId xmlns:a16="http://schemas.microsoft.com/office/drawing/2014/main" id="{E9363DFE-7C01-94EB-CEC4-D99A220009B8}"/>
-              </a:ext>
-            </a:extLst>
-          </p:cNvPr>
-          <p:cNvPicPr>
-            <a:picLocks noChangeAspect="1"/>
-          </p:cNvPicPr>
-          <p:nvPr/>
-        </p:nvPicPr>
-        <p:blipFill>
-          <a:blip r:embed="rId3"/>
           <a:srcRect/>
           <a:stretch/>
         </p:blipFill>
         <p:spPr>
           <a:xfrm>
-            <a:off x="6096000" y="1300362"/>
-            <a:ext cx="5998476" cy="4257276"/>
-          </a:xfrm>
-          <a:prstGeom prst="rect">
-            <a:avLst/>
-          </a:prstGeom>
+            <a:off x="1337301" y="1438275"/>
+            <a:ext cx="9517398" cy="4738688"/>
+          </a:xfrm>
         </p:spPr>
       </p:pic>
     </p:spTree>
     <p:extLst>
       <p:ext uri="{BB962C8B-B14F-4D97-AF65-F5344CB8AC3E}">
-        <p14:creationId xmlns:p14="http://schemas.microsoft.com/office/powerpoint/2010/main" val="3315475792"/>
+        <p14:creationId xmlns:p14="http://schemas.microsoft.com/office/powerpoint/2010/main" val="962386046"/>
       </p:ext>
     </p:extLst>
   </p:cSld>
@@ -6937,7 +6959,7 @@
           <p:cNvPr id="2" name="Title 1">
             <a:extLst>
               <a:ext uri="{FF2B5EF4-FFF2-40B4-BE49-F238E27FC236}">
-                <a16:creationId xmlns:a16="http://schemas.microsoft.com/office/drawing/2014/main" id="{6DCC4830-BA42-B1C9-F66B-F78F9E32BB1D}"/>
+                <a16:creationId xmlns:a16="http://schemas.microsoft.com/office/drawing/2014/main" id="{A4E5947E-1FD9-9A25-FE35-BC5561529035}"/>
               </a:ext>
             </a:extLst>
           </p:cNvPr>
@@ -6948,40 +6970,34 @@
             <p:ph type="title"/>
           </p:nvPr>
         </p:nvSpPr>
-        <p:spPr>
-          <a:xfrm>
-            <a:off x="730120" y="341221"/>
-            <a:ext cx="10731759" cy="1056686"/>
-          </a:xfrm>
-        </p:spPr>
+        <p:spPr/>
         <p:txBody>
           <a:bodyPr>
             <a:noAutofit/>
           </a:bodyPr>
           <a:lstStyle/>
           <a:p>
-            <a:pPr algn="ctr"/>
-            <a:r>
-              <a:rPr lang="en-US" sz="3200" dirty="0"/>
-              <a:t>100, 1000, &amp; 10000 MC </a:t>
-            </a:r>
-            <a:r>
-              <a:rPr lang="en-US" sz="3200" dirty="0" err="1"/>
+            <a:r>
+              <a:rPr lang="en-US" sz="2800" dirty="0"/>
+              <a:t>Stochastic Collocation 1D Quadrature – </a:t>
+            </a:r>
+            <a:r>
+              <a:rPr lang="en-US" sz="2800" dirty="0" err="1"/>
               <a:t>E_hard</a:t>
             </a:r>
             <a:r>
-              <a:rPr lang="en-US" sz="3200" dirty="0"/>
-              <a:t> &amp; Bandgap Sizes</a:t>
+              <a:rPr lang="en-US" sz="2800" dirty="0"/>
+              <a:t> – Bandgap Size</a:t>
             </a:r>
           </a:p>
         </p:txBody>
       </p:sp>
       <p:pic>
         <p:nvPicPr>
-          <p:cNvPr id="7" name="Content Placeholder 6">
-            <a:extLst>
-              <a:ext uri="{FF2B5EF4-FFF2-40B4-BE49-F238E27FC236}">
-                <a16:creationId xmlns:a16="http://schemas.microsoft.com/office/drawing/2014/main" id="{45C121E0-2D9F-1F26-2360-E24CA0CD5905}"/>
+          <p:cNvPr id="5" name="Content Placeholder 4">
+            <a:extLst>
+              <a:ext uri="{FF2B5EF4-FFF2-40B4-BE49-F238E27FC236}">
+                <a16:creationId xmlns:a16="http://schemas.microsoft.com/office/drawing/2014/main" id="{E481CCDB-BDC4-87DA-0787-F2BA39A1E2AE}"/>
               </a:ext>
             </a:extLst>
           </p:cNvPr>
@@ -6999,15 +7015,44 @@
         </p:blipFill>
         <p:spPr>
           <a:xfrm>
-            <a:off x="1337301" y="1438275"/>
-            <a:ext cx="9517398" cy="4738688"/>
-          </a:xfrm>
+            <a:off x="97524" y="1293872"/>
+            <a:ext cx="5998476" cy="4270256"/>
+          </a:xfrm>
+        </p:spPr>
+      </p:pic>
+      <p:pic>
+        <p:nvPicPr>
+          <p:cNvPr id="6" name="Content Placeholder 4">
+            <a:extLst>
+              <a:ext uri="{FF2B5EF4-FFF2-40B4-BE49-F238E27FC236}">
+                <a16:creationId xmlns:a16="http://schemas.microsoft.com/office/drawing/2014/main" id="{E9363DFE-7C01-94EB-CEC4-D99A220009B8}"/>
+              </a:ext>
+            </a:extLst>
+          </p:cNvPr>
+          <p:cNvPicPr>
+            <a:picLocks noChangeAspect="1"/>
+          </p:cNvPicPr>
+          <p:nvPr/>
+        </p:nvPicPr>
+        <p:blipFill>
+          <a:blip r:embed="rId3"/>
+          <a:srcRect/>
+          <a:stretch/>
+        </p:blipFill>
+        <p:spPr>
+          <a:xfrm>
+            <a:off x="6096000" y="1300362"/>
+            <a:ext cx="5998475" cy="4257276"/>
+          </a:xfrm>
+          <a:prstGeom prst="rect">
+            <a:avLst/>
+          </a:prstGeom>
         </p:spPr>
       </p:pic>
     </p:spTree>
     <p:extLst>
       <p:ext uri="{BB962C8B-B14F-4D97-AF65-F5344CB8AC3E}">
-        <p14:creationId xmlns:p14="http://schemas.microsoft.com/office/powerpoint/2010/main" val="3493700788"/>
+        <p14:creationId xmlns:p14="http://schemas.microsoft.com/office/powerpoint/2010/main" val="6012088"/>
       </p:ext>
     </p:extLst>
   </p:cSld>
@@ -7069,11 +7114,11 @@
             </a:r>
             <a:r>
               <a:rPr lang="en-US" sz="3200" dirty="0" err="1"/>
-              <a:t>E_hard</a:t>
+              <a:t>Rho_soft</a:t>
             </a:r>
             <a:r>
               <a:rPr lang="en-US" sz="3200" dirty="0"/>
-              <a:t> &amp; Bandgap Centers</a:t>
+              <a:t> &amp; Bandgap Sizes</a:t>
             </a:r>
           </a:p>
         </p:txBody>
@@ -7109,7 +7154,7 @@
     </p:spTree>
     <p:extLst>
       <p:ext uri="{BB962C8B-B14F-4D97-AF65-F5344CB8AC3E}">
-        <p14:creationId xmlns:p14="http://schemas.microsoft.com/office/powerpoint/2010/main" val="962386046"/>
+        <p14:creationId xmlns:p14="http://schemas.microsoft.com/office/powerpoint/2010/main" val="2167552379"/>
       </p:ext>
     </p:extLst>
   </p:cSld>
@@ -7141,7 +7186,7 @@
           <p:cNvPr id="2" name="Title 1">
             <a:extLst>
               <a:ext uri="{FF2B5EF4-FFF2-40B4-BE49-F238E27FC236}">
-                <a16:creationId xmlns:a16="http://schemas.microsoft.com/office/drawing/2014/main" id="{A4E5947E-1FD9-9A25-FE35-BC5561529035}"/>
+                <a16:creationId xmlns:a16="http://schemas.microsoft.com/office/drawing/2014/main" id="{6DCC4830-BA42-B1C9-F66B-F78F9E32BB1D}"/>
               </a:ext>
             </a:extLst>
           </p:cNvPr>
@@ -7152,34 +7197,40 @@
             <p:ph type="title"/>
           </p:nvPr>
         </p:nvSpPr>
-        <p:spPr/>
+        <p:spPr>
+          <a:xfrm>
+            <a:off x="730120" y="341221"/>
+            <a:ext cx="10731759" cy="1056686"/>
+          </a:xfrm>
+        </p:spPr>
         <p:txBody>
           <a:bodyPr>
             <a:noAutofit/>
           </a:bodyPr>
           <a:lstStyle/>
           <a:p>
-            <a:r>
-              <a:rPr lang="en-US" sz="2800" dirty="0"/>
-              <a:t>Stochastic Collocation 1D Quadrature – </a:t>
-            </a:r>
-            <a:r>
-              <a:rPr lang="en-US" sz="2800" dirty="0" err="1"/>
-              <a:t>E_hard</a:t>
-            </a:r>
-            <a:r>
-              <a:rPr lang="en-US" sz="2800" dirty="0"/>
-              <a:t> – Bandgap Size</a:t>
+            <a:pPr algn="ctr"/>
+            <a:r>
+              <a:rPr lang="en-US" sz="3200" dirty="0"/>
+              <a:t>100, 1000, &amp; 10000 MC </a:t>
+            </a:r>
+            <a:r>
+              <a:rPr lang="en-US" sz="3200" dirty="0" err="1"/>
+              <a:t>rho_soft</a:t>
+            </a:r>
+            <a:r>
+              <a:rPr lang="en-US" sz="3200" dirty="0"/>
+              <a:t> &amp; Bandgap Centers</a:t>
             </a:r>
           </a:p>
         </p:txBody>
       </p:sp>
       <p:pic>
         <p:nvPicPr>
-          <p:cNvPr id="5" name="Content Placeholder 4">
-            <a:extLst>
-              <a:ext uri="{FF2B5EF4-FFF2-40B4-BE49-F238E27FC236}">
-                <a16:creationId xmlns:a16="http://schemas.microsoft.com/office/drawing/2014/main" id="{E481CCDB-BDC4-87DA-0787-F2BA39A1E2AE}"/>
+          <p:cNvPr id="7" name="Content Placeholder 6">
+            <a:extLst>
+              <a:ext uri="{FF2B5EF4-FFF2-40B4-BE49-F238E27FC236}">
+                <a16:creationId xmlns:a16="http://schemas.microsoft.com/office/drawing/2014/main" id="{45C121E0-2D9F-1F26-2360-E24CA0CD5905}"/>
               </a:ext>
             </a:extLst>
           </p:cNvPr>
@@ -7189,32 +7240,6 @@
           <p:nvPr>
             <p:ph idx="1"/>
           </p:nvPr>
-        </p:nvPicPr>
-        <p:blipFill>
-          <a:blip r:embed="rId2"/>
-          <a:srcRect/>
-          <a:stretch/>
-        </p:blipFill>
-        <p:spPr>
-          <a:xfrm>
-            <a:off x="97524" y="1293872"/>
-            <a:ext cx="5998476" cy="4270256"/>
-          </a:xfrm>
-        </p:spPr>
-      </p:pic>
-      <p:pic>
-        <p:nvPicPr>
-          <p:cNvPr id="6" name="Content Placeholder 4">
-            <a:extLst>
-              <a:ext uri="{FF2B5EF4-FFF2-40B4-BE49-F238E27FC236}">
-                <a16:creationId xmlns:a16="http://schemas.microsoft.com/office/drawing/2014/main" id="{E9363DFE-7C01-94EB-CEC4-D99A220009B8}"/>
-              </a:ext>
-            </a:extLst>
-          </p:cNvPr>
-          <p:cNvPicPr>
-            <a:picLocks noChangeAspect="1"/>
-          </p:cNvPicPr>
-          <p:nvPr/>
         </p:nvPicPr>
         <p:blipFill>
           <a:blip r:embed="rId3"/>
@@ -7223,24 +7248,26 @@
         </p:blipFill>
         <p:spPr>
           <a:xfrm>
-            <a:off x="6096000" y="1300362"/>
-            <a:ext cx="5998475" cy="4257276"/>
-          </a:xfrm>
-          <a:prstGeom prst="rect">
-            <a:avLst/>
-          </a:prstGeom>
+            <a:off x="1337301" y="1438275"/>
+            <a:ext cx="9517398" cy="4738688"/>
+          </a:xfrm>
         </p:spPr>
       </p:pic>
     </p:spTree>
     <p:extLst>
       <p:ext uri="{BB962C8B-B14F-4D97-AF65-F5344CB8AC3E}">
-        <p14:creationId xmlns:p14="http://schemas.microsoft.com/office/powerpoint/2010/main" val="6012088"/>
+        <p14:creationId xmlns:p14="http://schemas.microsoft.com/office/powerpoint/2010/main" val="523439960"/>
       </p:ext>
     </p:extLst>
   </p:cSld>
   <p:clrMapOvr>
     <a:masterClrMapping/>
   </p:clrMapOvr>
+  <p:extLst>
+    <p:ext uri="{6950BFC3-D8DA-4A85-94F7-54DA5524770B}">
+      <p188:commentRel xmlns:p188="http://schemas.microsoft.com/office/powerpoint/2018/8/main" r:id="rId2"/>
+    </p:ext>
+  </p:extLst>
 </p:sld>
 </file>
 
@@ -7388,7 +7415,7 @@
           <p:cNvPr id="2" name="Title 1">
             <a:extLst>
               <a:ext uri="{FF2B5EF4-FFF2-40B4-BE49-F238E27FC236}">
-                <a16:creationId xmlns:a16="http://schemas.microsoft.com/office/drawing/2014/main" id="{6DCC4830-BA42-B1C9-F66B-F78F9E32BB1D}"/>
+                <a16:creationId xmlns:a16="http://schemas.microsoft.com/office/drawing/2014/main" id="{A4E5947E-1FD9-9A25-FE35-BC5561529035}"/>
               </a:ext>
             </a:extLst>
           </p:cNvPr>
@@ -7399,49 +7426,66 @@
             <p:ph type="title"/>
           </p:nvPr>
         </p:nvSpPr>
-        <p:spPr>
-          <a:xfrm>
-            <a:off x="730120" y="341221"/>
-            <a:ext cx="10731759" cy="1056686"/>
-          </a:xfrm>
-        </p:spPr>
+        <p:spPr/>
         <p:txBody>
           <a:bodyPr>
             <a:noAutofit/>
           </a:bodyPr>
           <a:lstStyle/>
           <a:p>
-            <a:pPr algn="ctr"/>
-            <a:r>
-              <a:rPr lang="en-US" sz="3200" dirty="0"/>
-              <a:t>100, 1000, &amp; 10000 MC </a:t>
-            </a:r>
-            <a:r>
-              <a:rPr lang="en-US" sz="3200" dirty="0" err="1"/>
-              <a:t>Rho_soft</a:t>
-            </a:r>
-            <a:r>
-              <a:rPr lang="en-US" sz="3200" dirty="0"/>
-              <a:t> &amp; Bandgap Sizes</a:t>
-            </a:r>
+            <a:r>
+              <a:rPr lang="en-US" sz="2800" dirty="0"/>
+              <a:t>Stochastic Collocation 1D Quadrature – </a:t>
+            </a:r>
+            <a:r>
+              <a:rPr lang="en-US" sz="2800" dirty="0" err="1"/>
+              <a:t>rho_soft</a:t>
+            </a:r>
+            <a:r>
+              <a:rPr lang="en-US" sz="2800" dirty="0"/>
+              <a:t> – Bandgap Size</a:t>
+            </a:r>
+          </a:p>
+        </p:txBody>
+      </p:sp>
+      <p:sp>
+        <p:nvSpPr>
+          <p:cNvPr id="4" name="Content Placeholder 3">
+            <a:extLst>
+              <a:ext uri="{FF2B5EF4-FFF2-40B4-BE49-F238E27FC236}">
+                <a16:creationId xmlns:a16="http://schemas.microsoft.com/office/drawing/2014/main" id="{1EF3B450-ACB3-F857-A37F-3D8465AD3832}"/>
+              </a:ext>
+            </a:extLst>
+          </p:cNvPr>
+          <p:cNvSpPr>
+            <a:spLocks noGrp="1"/>
+          </p:cNvSpPr>
+          <p:nvPr>
+            <p:ph idx="1"/>
+          </p:nvPr>
+        </p:nvSpPr>
+        <p:spPr/>
+        <p:txBody>
+          <a:bodyPr/>
+          <a:lstStyle/>
+          <a:p>
+            <a:endParaRPr lang="en-US" dirty="0"/>
           </a:p>
         </p:txBody>
       </p:sp>
       <p:pic>
         <p:nvPicPr>
-          <p:cNvPr id="7" name="Content Placeholder 6">
-            <a:extLst>
-              <a:ext uri="{FF2B5EF4-FFF2-40B4-BE49-F238E27FC236}">
-                <a16:creationId xmlns:a16="http://schemas.microsoft.com/office/drawing/2014/main" id="{45C121E0-2D9F-1F26-2360-E24CA0CD5905}"/>
+          <p:cNvPr id="3" name="Content Placeholder 4">
+            <a:extLst>
+              <a:ext uri="{FF2B5EF4-FFF2-40B4-BE49-F238E27FC236}">
+                <a16:creationId xmlns:a16="http://schemas.microsoft.com/office/drawing/2014/main" id="{1C739005-B4B3-37FB-BA7A-F1409391C1DB}"/>
               </a:ext>
             </a:extLst>
           </p:cNvPr>
           <p:cNvPicPr>
-            <a:picLocks noGrp="1" noChangeAspect="1"/>
+            <a:picLocks noChangeAspect="1"/>
           </p:cNvPicPr>
-          <p:nvPr>
-            <p:ph idx="1"/>
-          </p:nvPr>
+          <p:nvPr/>
         </p:nvPicPr>
         <p:blipFill>
           <a:blip r:embed="rId2"/>
@@ -7450,15 +7494,47 @@
         </p:blipFill>
         <p:spPr>
           <a:xfrm>
-            <a:off x="1337301" y="1438275"/>
-            <a:ext cx="9517398" cy="4738688"/>
-          </a:xfrm>
+            <a:off x="134100" y="1293872"/>
+            <a:ext cx="5925324" cy="4270256"/>
+          </a:xfrm>
+          <a:prstGeom prst="rect">
+            <a:avLst/>
+          </a:prstGeom>
+        </p:spPr>
+      </p:pic>
+      <p:pic>
+        <p:nvPicPr>
+          <p:cNvPr id="5" name="Content Placeholder 4">
+            <a:extLst>
+              <a:ext uri="{FF2B5EF4-FFF2-40B4-BE49-F238E27FC236}">
+                <a16:creationId xmlns:a16="http://schemas.microsoft.com/office/drawing/2014/main" id="{942B7815-0639-2204-5B85-6081319074D7}"/>
+              </a:ext>
+            </a:extLst>
+          </p:cNvPr>
+          <p:cNvPicPr>
+            <a:picLocks noChangeAspect="1"/>
+          </p:cNvPicPr>
+          <p:nvPr/>
+        </p:nvPicPr>
+        <p:blipFill>
+          <a:blip r:embed="rId3"/>
+          <a:srcRect/>
+          <a:stretch/>
+        </p:blipFill>
+        <p:spPr>
+          <a:xfrm>
+            <a:off x="6096001" y="1300362"/>
+            <a:ext cx="5998473" cy="4257275"/>
+          </a:xfrm>
+          <a:prstGeom prst="rect">
+            <a:avLst/>
+          </a:prstGeom>
         </p:spPr>
       </p:pic>
     </p:spTree>
     <p:extLst>
       <p:ext uri="{BB962C8B-B14F-4D97-AF65-F5344CB8AC3E}">
-        <p14:creationId xmlns:p14="http://schemas.microsoft.com/office/powerpoint/2010/main" val="2167552379"/>
+        <p14:creationId xmlns:p14="http://schemas.microsoft.com/office/powerpoint/2010/main" val="52214635"/>
       </p:ext>
     </p:extLst>
   </p:cSld>
@@ -7520,11 +7596,11 @@
             </a:r>
             <a:r>
               <a:rPr lang="en-US" sz="3200" dirty="0" err="1"/>
-              <a:t>rho_soft</a:t>
+              <a:t>rho_hard</a:t>
             </a:r>
             <a:r>
               <a:rPr lang="en-US" sz="3200" dirty="0"/>
-              <a:t> &amp; Bandgap Centers</a:t>
+              <a:t> &amp; Bandgap Sizes</a:t>
             </a:r>
           </a:p>
         </p:txBody>
@@ -7546,7 +7622,7 @@
           </p:nvPr>
         </p:nvPicPr>
         <p:blipFill>
-          <a:blip r:embed="rId3"/>
+          <a:blip r:embed="rId2"/>
           <a:srcRect/>
           <a:stretch/>
         </p:blipFill>
@@ -7560,18 +7636,13 @@
     </p:spTree>
     <p:extLst>
       <p:ext uri="{BB962C8B-B14F-4D97-AF65-F5344CB8AC3E}">
-        <p14:creationId xmlns:p14="http://schemas.microsoft.com/office/powerpoint/2010/main" val="523439960"/>
+        <p14:creationId xmlns:p14="http://schemas.microsoft.com/office/powerpoint/2010/main" val="1938568823"/>
       </p:ext>
     </p:extLst>
   </p:cSld>
   <p:clrMapOvr>
     <a:masterClrMapping/>
   </p:clrMapOvr>
-  <p:extLst>
-    <p:ext uri="{6950BFC3-D8DA-4A85-94F7-54DA5524770B}">
-      <p188:commentRel xmlns:p188="http://schemas.microsoft.com/office/powerpoint/2018/8/main" r:id="rId2"/>
-    </p:ext>
-  </p:extLst>
 </p:sld>
 </file>
 
@@ -7597,7 +7668,7 @@
           <p:cNvPr id="2" name="Title 1">
             <a:extLst>
               <a:ext uri="{FF2B5EF4-FFF2-40B4-BE49-F238E27FC236}">
-                <a16:creationId xmlns:a16="http://schemas.microsoft.com/office/drawing/2014/main" id="{A4E5947E-1FD9-9A25-FE35-BC5561529035}"/>
+                <a16:creationId xmlns:a16="http://schemas.microsoft.com/office/drawing/2014/main" id="{6DCC4830-BA42-B1C9-F66B-F78F9E32BB1D}"/>
               </a:ext>
             </a:extLst>
           </p:cNvPr>
@@ -7608,66 +7679,49 @@
             <p:ph type="title"/>
           </p:nvPr>
         </p:nvSpPr>
-        <p:spPr/>
+        <p:spPr>
+          <a:xfrm>
+            <a:off x="730120" y="341221"/>
+            <a:ext cx="10731759" cy="1056686"/>
+          </a:xfrm>
+        </p:spPr>
         <p:txBody>
           <a:bodyPr>
             <a:noAutofit/>
           </a:bodyPr>
           <a:lstStyle/>
           <a:p>
-            <a:r>
-              <a:rPr lang="en-US" sz="2800" dirty="0"/>
-              <a:t>Stochastic Collocation 1D Quadrature – </a:t>
-            </a:r>
-            <a:r>
-              <a:rPr lang="en-US" sz="2800" dirty="0" err="1"/>
-              <a:t>rho_soft</a:t>
-            </a:r>
-            <a:r>
-              <a:rPr lang="en-US" sz="2800" dirty="0"/>
-              <a:t> – Bandgap Size</a:t>
-            </a:r>
-          </a:p>
-        </p:txBody>
-      </p:sp>
-      <p:sp>
-        <p:nvSpPr>
-          <p:cNvPr id="4" name="Content Placeholder 3">
-            <a:extLst>
-              <a:ext uri="{FF2B5EF4-FFF2-40B4-BE49-F238E27FC236}">
-                <a16:creationId xmlns:a16="http://schemas.microsoft.com/office/drawing/2014/main" id="{1EF3B450-ACB3-F857-A37F-3D8465AD3832}"/>
-              </a:ext>
-            </a:extLst>
-          </p:cNvPr>
-          <p:cNvSpPr>
-            <a:spLocks noGrp="1"/>
-          </p:cNvSpPr>
-          <p:nvPr>
-            <p:ph idx="1"/>
-          </p:nvPr>
-        </p:nvSpPr>
-        <p:spPr/>
-        <p:txBody>
-          <a:bodyPr/>
-          <a:lstStyle/>
-          <a:p>
-            <a:endParaRPr lang="en-US" dirty="0"/>
+            <a:pPr algn="ctr"/>
+            <a:r>
+              <a:rPr lang="en-US" sz="3200" dirty="0"/>
+              <a:t>100, 1000, &amp; 10000 MC </a:t>
+            </a:r>
+            <a:r>
+              <a:rPr lang="en-US" sz="3200" dirty="0" err="1"/>
+              <a:t>rho_hard</a:t>
+            </a:r>
+            <a:r>
+              <a:rPr lang="en-US" sz="3200" dirty="0"/>
+              <a:t> &amp; Bandgap Centers</a:t>
+            </a:r>
           </a:p>
         </p:txBody>
       </p:sp>
       <p:pic>
         <p:nvPicPr>
-          <p:cNvPr id="3" name="Content Placeholder 4">
-            <a:extLst>
-              <a:ext uri="{FF2B5EF4-FFF2-40B4-BE49-F238E27FC236}">
-                <a16:creationId xmlns:a16="http://schemas.microsoft.com/office/drawing/2014/main" id="{1C739005-B4B3-37FB-BA7A-F1409391C1DB}"/>
+          <p:cNvPr id="7" name="Content Placeholder 6">
+            <a:extLst>
+              <a:ext uri="{FF2B5EF4-FFF2-40B4-BE49-F238E27FC236}">
+                <a16:creationId xmlns:a16="http://schemas.microsoft.com/office/drawing/2014/main" id="{45C121E0-2D9F-1F26-2360-E24CA0CD5905}"/>
               </a:ext>
             </a:extLst>
           </p:cNvPr>
           <p:cNvPicPr>
-            <a:picLocks noChangeAspect="1"/>
+            <a:picLocks noGrp="1" noChangeAspect="1"/>
           </p:cNvPicPr>
-          <p:nvPr/>
+          <p:nvPr>
+            <p:ph idx="1"/>
+          </p:nvPr>
         </p:nvPicPr>
         <p:blipFill>
           <a:blip r:embed="rId2"/>
@@ -7676,47 +7730,15 @@
         </p:blipFill>
         <p:spPr>
           <a:xfrm>
-            <a:off x="134100" y="1293872"/>
-            <a:ext cx="5925324" cy="4270256"/>
-          </a:xfrm>
-          <a:prstGeom prst="rect">
-            <a:avLst/>
-          </a:prstGeom>
-        </p:spPr>
-      </p:pic>
-      <p:pic>
-        <p:nvPicPr>
-          <p:cNvPr id="5" name="Content Placeholder 4">
-            <a:extLst>
-              <a:ext uri="{FF2B5EF4-FFF2-40B4-BE49-F238E27FC236}">
-                <a16:creationId xmlns:a16="http://schemas.microsoft.com/office/drawing/2014/main" id="{942B7815-0639-2204-5B85-6081319074D7}"/>
-              </a:ext>
-            </a:extLst>
-          </p:cNvPr>
-          <p:cNvPicPr>
-            <a:picLocks noChangeAspect="1"/>
-          </p:cNvPicPr>
-          <p:nvPr/>
-        </p:nvPicPr>
-        <p:blipFill>
-          <a:blip r:embed="rId3"/>
-          <a:srcRect/>
-          <a:stretch/>
-        </p:blipFill>
-        <p:spPr>
-          <a:xfrm>
-            <a:off x="6096001" y="1300362"/>
-            <a:ext cx="5998473" cy="4257275"/>
-          </a:xfrm>
-          <a:prstGeom prst="rect">
-            <a:avLst/>
-          </a:prstGeom>
+            <a:off x="1337301" y="1438275"/>
+            <a:ext cx="9517398" cy="4738688"/>
+          </a:xfrm>
         </p:spPr>
       </p:pic>
     </p:spTree>
     <p:extLst>
       <p:ext uri="{BB962C8B-B14F-4D97-AF65-F5344CB8AC3E}">
-        <p14:creationId xmlns:p14="http://schemas.microsoft.com/office/powerpoint/2010/main" val="52214635"/>
+        <p14:creationId xmlns:p14="http://schemas.microsoft.com/office/powerpoint/2010/main" val="603733736"/>
       </p:ext>
     </p:extLst>
   </p:cSld>
@@ -7748,7 +7770,7 @@
           <p:cNvPr id="2" name="Title 1">
             <a:extLst>
               <a:ext uri="{FF2B5EF4-FFF2-40B4-BE49-F238E27FC236}">
-                <a16:creationId xmlns:a16="http://schemas.microsoft.com/office/drawing/2014/main" id="{6DCC4830-BA42-B1C9-F66B-F78F9E32BB1D}"/>
+                <a16:creationId xmlns:a16="http://schemas.microsoft.com/office/drawing/2014/main" id="{A4E5947E-1FD9-9A25-FE35-BC5561529035}"/>
               </a:ext>
             </a:extLst>
           </p:cNvPr>
@@ -7759,40 +7781,34 @@
             <p:ph type="title"/>
           </p:nvPr>
         </p:nvSpPr>
-        <p:spPr>
-          <a:xfrm>
-            <a:off x="730120" y="341221"/>
-            <a:ext cx="10731759" cy="1056686"/>
-          </a:xfrm>
-        </p:spPr>
+        <p:spPr/>
         <p:txBody>
           <a:bodyPr>
             <a:noAutofit/>
           </a:bodyPr>
           <a:lstStyle/>
           <a:p>
-            <a:pPr algn="ctr"/>
-            <a:r>
-              <a:rPr lang="en-US" sz="3200" dirty="0"/>
-              <a:t>100, 1000, &amp; 10000 MC </a:t>
-            </a:r>
-            <a:r>
-              <a:rPr lang="en-US" sz="3200" dirty="0" err="1"/>
+            <a:r>
+              <a:rPr lang="en-US" sz="2800" dirty="0"/>
+              <a:t>Stochastic Collocation 1D Quadrature – </a:t>
+            </a:r>
+            <a:r>
+              <a:rPr lang="en-US" sz="2800" dirty="0" err="1"/>
               <a:t>rho_hard</a:t>
             </a:r>
             <a:r>
-              <a:rPr lang="en-US" sz="3200" dirty="0"/>
-              <a:t> &amp; Bandgap Sizes</a:t>
+              <a:rPr lang="en-US" sz="2800" dirty="0"/>
+              <a:t> – Bandgap Size</a:t>
             </a:r>
           </a:p>
         </p:txBody>
       </p:sp>
       <p:pic>
         <p:nvPicPr>
-          <p:cNvPr id="7" name="Content Placeholder 6">
-            <a:extLst>
-              <a:ext uri="{FF2B5EF4-FFF2-40B4-BE49-F238E27FC236}">
-                <a16:creationId xmlns:a16="http://schemas.microsoft.com/office/drawing/2014/main" id="{45C121E0-2D9F-1F26-2360-E24CA0CD5905}"/>
+          <p:cNvPr id="5" name="Content Placeholder 4">
+            <a:extLst>
+              <a:ext uri="{FF2B5EF4-FFF2-40B4-BE49-F238E27FC236}">
+                <a16:creationId xmlns:a16="http://schemas.microsoft.com/office/drawing/2014/main" id="{E481CCDB-BDC4-87DA-0787-F2BA39A1E2AE}"/>
               </a:ext>
             </a:extLst>
           </p:cNvPr>
@@ -7810,15 +7826,44 @@
         </p:blipFill>
         <p:spPr>
           <a:xfrm>
-            <a:off x="1337301" y="1438275"/>
-            <a:ext cx="9517398" cy="4738688"/>
-          </a:xfrm>
+            <a:off x="97524" y="1293872"/>
+            <a:ext cx="5998476" cy="4270256"/>
+          </a:xfrm>
+        </p:spPr>
+      </p:pic>
+      <p:pic>
+        <p:nvPicPr>
+          <p:cNvPr id="6" name="Content Placeholder 4">
+            <a:extLst>
+              <a:ext uri="{FF2B5EF4-FFF2-40B4-BE49-F238E27FC236}">
+                <a16:creationId xmlns:a16="http://schemas.microsoft.com/office/drawing/2014/main" id="{E9363DFE-7C01-94EB-CEC4-D99A220009B8}"/>
+              </a:ext>
+            </a:extLst>
+          </p:cNvPr>
+          <p:cNvPicPr>
+            <a:picLocks noChangeAspect="1"/>
+          </p:cNvPicPr>
+          <p:nvPr/>
+        </p:nvPicPr>
+        <p:blipFill>
+          <a:blip r:embed="rId3"/>
+          <a:srcRect/>
+          <a:stretch/>
+        </p:blipFill>
+        <p:spPr>
+          <a:xfrm>
+            <a:off x="6096000" y="1300362"/>
+            <a:ext cx="5998475" cy="4257275"/>
+          </a:xfrm>
+          <a:prstGeom prst="rect">
+            <a:avLst/>
+          </a:prstGeom>
         </p:spPr>
       </p:pic>
     </p:spTree>
     <p:extLst>
       <p:ext uri="{BB962C8B-B14F-4D97-AF65-F5344CB8AC3E}">
-        <p14:creationId xmlns:p14="http://schemas.microsoft.com/office/powerpoint/2010/main" val="1938568823"/>
+        <p14:creationId xmlns:p14="http://schemas.microsoft.com/office/powerpoint/2010/main" val="3211597128"/>
       </p:ext>
     </p:extLst>
   </p:cSld>
@@ -7845,235 +7890,8 @@
           <a:chExt cx="0" cy="0"/>
         </a:xfrm>
       </p:grpSpPr>
-      <p:sp>
-        <p:nvSpPr>
-          <p:cNvPr id="2" name="Title 1">
-            <a:extLst>
-              <a:ext uri="{FF2B5EF4-FFF2-40B4-BE49-F238E27FC236}">
-                <a16:creationId xmlns:a16="http://schemas.microsoft.com/office/drawing/2014/main" id="{6DCC4830-BA42-B1C9-F66B-F78F9E32BB1D}"/>
-              </a:ext>
-            </a:extLst>
-          </p:cNvPr>
-          <p:cNvSpPr>
-            <a:spLocks noGrp="1"/>
-          </p:cNvSpPr>
-          <p:nvPr>
-            <p:ph type="title"/>
-          </p:nvPr>
-        </p:nvSpPr>
-        <p:spPr>
-          <a:xfrm>
-            <a:off x="730120" y="341221"/>
-            <a:ext cx="10731759" cy="1056686"/>
-          </a:xfrm>
-        </p:spPr>
-        <p:txBody>
-          <a:bodyPr>
-            <a:noAutofit/>
-          </a:bodyPr>
-          <a:lstStyle/>
-          <a:p>
-            <a:pPr algn="ctr"/>
-            <a:r>
-              <a:rPr lang="en-US" sz="3200" dirty="0"/>
-              <a:t>100, 1000, &amp; 10000 MC </a:t>
-            </a:r>
-            <a:r>
-              <a:rPr lang="en-US" sz="3200" dirty="0" err="1"/>
-              <a:t>rho_hard</a:t>
-            </a:r>
-            <a:r>
-              <a:rPr lang="en-US" sz="3200" dirty="0"/>
-              <a:t> &amp; Bandgap Centers</a:t>
-            </a:r>
-          </a:p>
-        </p:txBody>
-      </p:sp>
-      <p:pic>
-        <p:nvPicPr>
-          <p:cNvPr id="7" name="Content Placeholder 6">
-            <a:extLst>
-              <a:ext uri="{FF2B5EF4-FFF2-40B4-BE49-F238E27FC236}">
-                <a16:creationId xmlns:a16="http://schemas.microsoft.com/office/drawing/2014/main" id="{45C121E0-2D9F-1F26-2360-E24CA0CD5905}"/>
-              </a:ext>
-            </a:extLst>
-          </p:cNvPr>
-          <p:cNvPicPr>
-            <a:picLocks noGrp="1" noChangeAspect="1"/>
-          </p:cNvPicPr>
-          <p:nvPr>
-            <p:ph idx="1"/>
-          </p:nvPr>
-        </p:nvPicPr>
-        <p:blipFill>
-          <a:blip r:embed="rId2"/>
-          <a:srcRect/>
-          <a:stretch/>
-        </p:blipFill>
-        <p:spPr>
-          <a:xfrm>
-            <a:off x="1337301" y="1438275"/>
-            <a:ext cx="9517398" cy="4738688"/>
-          </a:xfrm>
-        </p:spPr>
-      </p:pic>
-    </p:spTree>
-    <p:extLst>
-      <p:ext uri="{BB962C8B-B14F-4D97-AF65-F5344CB8AC3E}">
-        <p14:creationId xmlns:p14="http://schemas.microsoft.com/office/powerpoint/2010/main" val="603733736"/>
-      </p:ext>
-    </p:extLst>
-  </p:cSld>
-  <p:clrMapOvr>
-    <a:masterClrMapping/>
-  </p:clrMapOvr>
-</p:sld>
-</file>
-
-<file path=ppt/slides/slide35.xml><?xml version="1.0" encoding="utf-8"?>
-<p:sld xmlns:a="http://schemas.openxmlformats.org/drawingml/2006/main" xmlns:r="http://schemas.openxmlformats.org/officeDocument/2006/relationships" xmlns:p="http://schemas.openxmlformats.org/presentationml/2006/main">
-  <p:cSld>
-    <p:spTree>
-      <p:nvGrpSpPr>
-        <p:cNvPr id="1" name=""/>
-        <p:cNvGrpSpPr/>
-        <p:nvPr/>
-      </p:nvGrpSpPr>
-      <p:grpSpPr>
-        <a:xfrm>
-          <a:off x="0" y="0"/>
-          <a:ext cx="0" cy="0"/>
-          <a:chOff x="0" y="0"/>
-          <a:chExt cx="0" cy="0"/>
-        </a:xfrm>
-      </p:grpSpPr>
-      <p:sp>
-        <p:nvSpPr>
-          <p:cNvPr id="2" name="Title 1">
-            <a:extLst>
-              <a:ext uri="{FF2B5EF4-FFF2-40B4-BE49-F238E27FC236}">
-                <a16:creationId xmlns:a16="http://schemas.microsoft.com/office/drawing/2014/main" id="{A4E5947E-1FD9-9A25-FE35-BC5561529035}"/>
-              </a:ext>
-            </a:extLst>
-          </p:cNvPr>
-          <p:cNvSpPr>
-            <a:spLocks noGrp="1"/>
-          </p:cNvSpPr>
-          <p:nvPr>
-            <p:ph type="title"/>
-          </p:nvPr>
-        </p:nvSpPr>
-        <p:spPr/>
-        <p:txBody>
-          <a:bodyPr>
-            <a:noAutofit/>
-          </a:bodyPr>
-          <a:lstStyle/>
-          <a:p>
-            <a:r>
-              <a:rPr lang="en-US" sz="2800" dirty="0"/>
-              <a:t>Stochastic Collocation 1D Quadrature – </a:t>
-            </a:r>
-            <a:r>
-              <a:rPr lang="en-US" sz="2800" dirty="0" err="1"/>
-              <a:t>rho_hard</a:t>
-            </a:r>
-            <a:r>
-              <a:rPr lang="en-US" sz="2800" dirty="0"/>
-              <a:t> – Bandgap Size</a:t>
-            </a:r>
-          </a:p>
-        </p:txBody>
-      </p:sp>
-      <p:pic>
-        <p:nvPicPr>
-          <p:cNvPr id="5" name="Content Placeholder 4">
-            <a:extLst>
-              <a:ext uri="{FF2B5EF4-FFF2-40B4-BE49-F238E27FC236}">
-                <a16:creationId xmlns:a16="http://schemas.microsoft.com/office/drawing/2014/main" id="{E481CCDB-BDC4-87DA-0787-F2BA39A1E2AE}"/>
-              </a:ext>
-            </a:extLst>
-          </p:cNvPr>
-          <p:cNvPicPr>
-            <a:picLocks noGrp="1" noChangeAspect="1"/>
-          </p:cNvPicPr>
-          <p:nvPr>
-            <p:ph idx="1"/>
-          </p:nvPr>
-        </p:nvPicPr>
-        <p:blipFill>
-          <a:blip r:embed="rId2"/>
-          <a:srcRect/>
-          <a:stretch/>
-        </p:blipFill>
-        <p:spPr>
-          <a:xfrm>
-            <a:off x="97524" y="1293872"/>
-            <a:ext cx="5998476" cy="4270256"/>
-          </a:xfrm>
-        </p:spPr>
-      </p:pic>
-      <p:pic>
-        <p:nvPicPr>
-          <p:cNvPr id="6" name="Content Placeholder 4">
-            <a:extLst>
-              <a:ext uri="{FF2B5EF4-FFF2-40B4-BE49-F238E27FC236}">
-                <a16:creationId xmlns:a16="http://schemas.microsoft.com/office/drawing/2014/main" id="{E9363DFE-7C01-94EB-CEC4-D99A220009B8}"/>
-              </a:ext>
-            </a:extLst>
-          </p:cNvPr>
-          <p:cNvPicPr>
-            <a:picLocks noChangeAspect="1"/>
-          </p:cNvPicPr>
-          <p:nvPr/>
-        </p:nvPicPr>
-        <p:blipFill>
-          <a:blip r:embed="rId3"/>
-          <a:srcRect/>
-          <a:stretch/>
-        </p:blipFill>
-        <p:spPr>
-          <a:xfrm>
-            <a:off x="6096000" y="1300362"/>
-            <a:ext cx="5998475" cy="4257275"/>
-          </a:xfrm>
-          <a:prstGeom prst="rect">
-            <a:avLst/>
-          </a:prstGeom>
-        </p:spPr>
-      </p:pic>
-    </p:spTree>
-    <p:extLst>
-      <p:ext uri="{BB962C8B-B14F-4D97-AF65-F5344CB8AC3E}">
-        <p14:creationId xmlns:p14="http://schemas.microsoft.com/office/powerpoint/2010/main" val="3211597128"/>
-      </p:ext>
-    </p:extLst>
-  </p:cSld>
-  <p:clrMapOvr>
-    <a:masterClrMapping/>
-  </p:clrMapOvr>
-</p:sld>
-</file>
-
-<file path=ppt/slides/slide36.xml><?xml version="1.0" encoding="utf-8"?>
-<p:sld xmlns:a="http://schemas.openxmlformats.org/drawingml/2006/main" xmlns:r="http://schemas.openxmlformats.org/officeDocument/2006/relationships" xmlns:p="http://schemas.openxmlformats.org/presentationml/2006/main">
-  <p:cSld>
-    <p:spTree>
-      <p:nvGrpSpPr>
-        <p:cNvPr id="1" name=""/>
-        <p:cNvGrpSpPr/>
-        <p:nvPr/>
-      </p:nvGrpSpPr>
-      <p:grpSpPr>
-        <a:xfrm>
-          <a:off x="0" y="0"/>
-          <a:ext cx="0" cy="0"/>
-          <a:chOff x="0" y="0"/>
-          <a:chExt cx="0" cy="0"/>
-        </a:xfrm>
-      </p:grpSpPr>
-      <mc:AlternateContent xmlns:mc="http://schemas.openxmlformats.org/markup-compatibility/2006">
-        <mc:Choice xmlns:a14="http://schemas.microsoft.com/office/drawing/2010/main" Requires="a14">
+      <mc:AlternateContent xmlns:mc="http://schemas.openxmlformats.org/markup-compatibility/2006" xmlns:a14="http://schemas.microsoft.com/office/drawing/2010/main">
+        <mc:Choice Requires="a14">
           <p:sp>
             <p:nvSpPr>
               <p:cNvPr id="2" name="Title 1">
@@ -8144,7 +7962,7 @@
             </p:txBody>
           </p:sp>
         </mc:Choice>
-        <mc:Fallback>
+        <mc:Fallback xmlns="">
           <p:sp>
             <p:nvSpPr>
               <p:cNvPr id="2" name="Title 1">
@@ -8229,7 +8047,7 @@
 </p:sld>
 </file>
 
-<file path=ppt/slides/slide37.xml><?xml version="1.0" encoding="utf-8"?>
+<file path=ppt/slides/slide35.xml><?xml version="1.0" encoding="utf-8"?>
 <p:sld xmlns:a="http://schemas.openxmlformats.org/drawingml/2006/main" xmlns:r="http://schemas.openxmlformats.org/officeDocument/2006/relationships" xmlns:p="http://schemas.openxmlformats.org/presentationml/2006/main">
   <p:cSld>
     <p:spTree>
@@ -8246,8 +8064,8 @@
           <a:chExt cx="0" cy="0"/>
         </a:xfrm>
       </p:grpSpPr>
-      <mc:AlternateContent xmlns:mc="http://schemas.openxmlformats.org/markup-compatibility/2006">
-        <mc:Choice xmlns:a14="http://schemas.microsoft.com/office/drawing/2010/main" Requires="a14">
+      <mc:AlternateContent xmlns:mc="http://schemas.openxmlformats.org/markup-compatibility/2006" xmlns:a14="http://schemas.microsoft.com/office/drawing/2010/main">
+        <mc:Choice Requires="a14">
           <p:sp>
             <p:nvSpPr>
               <p:cNvPr id="2" name="Title 1">
@@ -8318,7 +8136,7 @@
             </p:txBody>
           </p:sp>
         </mc:Choice>
-        <mc:Fallback>
+        <mc:Fallback xmlns="">
           <p:sp>
             <p:nvSpPr>
               <p:cNvPr id="2" name="Title 1">
@@ -8403,7 +8221,7 @@
 </p:sld>
 </file>
 
-<file path=ppt/slides/slide38.xml><?xml version="1.0" encoding="utf-8"?>
+<file path=ppt/slides/slide36.xml><?xml version="1.0" encoding="utf-8"?>
 <p:sld xmlns:a="http://schemas.openxmlformats.org/drawingml/2006/main" xmlns:r="http://schemas.openxmlformats.org/officeDocument/2006/relationships" xmlns:p="http://schemas.openxmlformats.org/presentationml/2006/main">
   <p:cSld>
     <p:spTree>
@@ -8420,8 +8238,8 @@
           <a:chExt cx="0" cy="0"/>
         </a:xfrm>
       </p:grpSpPr>
-      <mc:AlternateContent xmlns:mc="http://schemas.openxmlformats.org/markup-compatibility/2006">
-        <mc:Choice xmlns:a14="http://schemas.microsoft.com/office/drawing/2010/main" Requires="a14">
+      <mc:AlternateContent xmlns:mc="http://schemas.openxmlformats.org/markup-compatibility/2006" xmlns:a14="http://schemas.microsoft.com/office/drawing/2010/main">
+        <mc:Choice Requires="a14">
           <p:sp>
             <p:nvSpPr>
               <p:cNvPr id="2" name="Title 1">
@@ -8486,7 +8304,7 @@
             </p:txBody>
           </p:sp>
         </mc:Choice>
-        <mc:Fallback>
+        <mc:Fallback xmlns="">
           <p:sp>
             <p:nvSpPr>
               <p:cNvPr id="2" name="Title 1">
@@ -8596,7 +8414,7 @@
 </p:sld>
 </file>
 
-<file path=ppt/slides/slide39.xml><?xml version="1.0" encoding="utf-8"?>
+<file path=ppt/slides/slide37.xml><?xml version="1.0" encoding="utf-8"?>
 <p:sld xmlns:a="http://schemas.openxmlformats.org/drawingml/2006/main" xmlns:r="http://schemas.openxmlformats.org/officeDocument/2006/relationships" xmlns:p="http://schemas.openxmlformats.org/presentationml/2006/main">
   <p:cSld>
     <p:spTree>
@@ -8613,8 +8431,8 @@
           <a:chExt cx="0" cy="0"/>
         </a:xfrm>
       </p:grpSpPr>
-      <mc:AlternateContent xmlns:mc="http://schemas.openxmlformats.org/markup-compatibility/2006">
-        <mc:Choice xmlns:a14="http://schemas.microsoft.com/office/drawing/2010/main" Requires="a14">
+      <mc:AlternateContent xmlns:mc="http://schemas.openxmlformats.org/markup-compatibility/2006" xmlns:a14="http://schemas.microsoft.com/office/drawing/2010/main">
+        <mc:Choice Requires="a14">
           <p:sp>
             <p:nvSpPr>
               <p:cNvPr id="2" name="Title 1">
@@ -8691,7 +8509,7 @@
             </p:txBody>
           </p:sp>
         </mc:Choice>
-        <mc:Fallback>
+        <mc:Fallback xmlns="">
           <p:sp>
             <p:nvSpPr>
               <p:cNvPr id="2" name="Title 1">
@@ -8776,7 +8594,7 @@
 </p:sld>
 </file>
 
-<file path=ppt/slides/slide4.xml><?xml version="1.0" encoding="utf-8"?>
+<file path=ppt/slides/slide38.xml><?xml version="1.0" encoding="utf-8"?>
 <p:sld xmlns:a="http://schemas.openxmlformats.org/drawingml/2006/main" xmlns:r="http://schemas.openxmlformats.org/officeDocument/2006/relationships" xmlns:p="http://schemas.openxmlformats.org/presentationml/2006/main">
   <p:cSld>
     <p:spTree>
@@ -8793,93 +8611,8 @@
           <a:chExt cx="0" cy="0"/>
         </a:xfrm>
       </p:grpSpPr>
-      <p:sp>
-        <p:nvSpPr>
-          <p:cNvPr id="2" name="Title 1">
-            <a:extLst>
-              <a:ext uri="{FF2B5EF4-FFF2-40B4-BE49-F238E27FC236}">
-                <a16:creationId xmlns:a16="http://schemas.microsoft.com/office/drawing/2014/main" id="{3BAA2E43-7A4A-6304-F335-33307160CFA4}"/>
-              </a:ext>
-            </a:extLst>
-          </p:cNvPr>
-          <p:cNvSpPr>
-            <a:spLocks noGrp="1"/>
-          </p:cNvSpPr>
-          <p:nvPr>
-            <p:ph type="title"/>
-          </p:nvPr>
-        </p:nvSpPr>
-        <p:spPr/>
-        <p:txBody>
-          <a:bodyPr>
-            <a:normAutofit/>
-          </a:bodyPr>
-          <a:lstStyle/>
-          <a:p>
-            <a:r>
-              <a:rPr lang="en-US" sz="3600" dirty="0"/>
-              <a:t>Theory – Stochastic Collocation (MC)</a:t>
-            </a:r>
-          </a:p>
-        </p:txBody>
-      </p:sp>
-      <p:sp>
-        <p:nvSpPr>
-          <p:cNvPr id="3" name="Content Placeholder 2">
-            <a:extLst>
-              <a:ext uri="{FF2B5EF4-FFF2-40B4-BE49-F238E27FC236}">
-                <a16:creationId xmlns:a16="http://schemas.microsoft.com/office/drawing/2014/main" id="{0F260905-9ADD-4326-B482-481B439CEFD5}"/>
-              </a:ext>
-            </a:extLst>
-          </p:cNvPr>
-          <p:cNvSpPr>
-            <a:spLocks noGrp="1"/>
-          </p:cNvSpPr>
-          <p:nvPr>
-            <p:ph idx="1"/>
-          </p:nvPr>
-        </p:nvSpPr>
-        <p:spPr/>
-        <p:txBody>
-          <a:bodyPr/>
-          <a:lstStyle/>
-          <a:p>
-            <a:endParaRPr lang="en-US" dirty="0"/>
-          </a:p>
-        </p:txBody>
-      </p:sp>
-    </p:spTree>
-    <p:extLst>
-      <p:ext uri="{BB962C8B-B14F-4D97-AF65-F5344CB8AC3E}">
-        <p14:creationId xmlns:p14="http://schemas.microsoft.com/office/powerpoint/2010/main" val="1359899547"/>
-      </p:ext>
-    </p:extLst>
-  </p:cSld>
-  <p:clrMapOvr>
-    <a:masterClrMapping/>
-  </p:clrMapOvr>
-</p:sld>
-</file>
-
-<file path=ppt/slides/slide40.xml><?xml version="1.0" encoding="utf-8"?>
-<p:sld xmlns:a="http://schemas.openxmlformats.org/drawingml/2006/main" xmlns:r="http://schemas.openxmlformats.org/officeDocument/2006/relationships" xmlns:p="http://schemas.openxmlformats.org/presentationml/2006/main">
-  <p:cSld>
-    <p:spTree>
-      <p:nvGrpSpPr>
-        <p:cNvPr id="1" name=""/>
-        <p:cNvGrpSpPr/>
-        <p:nvPr/>
-      </p:nvGrpSpPr>
-      <p:grpSpPr>
-        <a:xfrm>
-          <a:off x="0" y="0"/>
-          <a:ext cx="0" cy="0"/>
-          <a:chOff x="0" y="0"/>
-          <a:chExt cx="0" cy="0"/>
-        </a:xfrm>
-      </p:grpSpPr>
-      <mc:AlternateContent xmlns:mc="http://schemas.openxmlformats.org/markup-compatibility/2006">
-        <mc:Choice xmlns:a14="http://schemas.microsoft.com/office/drawing/2010/main" Requires="a14">
+      <mc:AlternateContent xmlns:mc="http://schemas.openxmlformats.org/markup-compatibility/2006" xmlns:a14="http://schemas.microsoft.com/office/drawing/2010/main">
+        <mc:Choice Requires="a14">
           <p:sp>
             <p:nvSpPr>
               <p:cNvPr id="2" name="Title 1">
@@ -8950,7 +8683,7 @@
             </p:txBody>
           </p:sp>
         </mc:Choice>
-        <mc:Fallback>
+        <mc:Fallback xmlns="">
           <p:sp>
             <p:nvSpPr>
               <p:cNvPr id="2" name="Title 1">
@@ -9035,7 +8768,7 @@
 </p:sld>
 </file>
 
-<file path=ppt/slides/slide41.xml><?xml version="1.0" encoding="utf-8"?>
+<file path=ppt/slides/slide39.xml><?xml version="1.0" encoding="utf-8"?>
 <p:sld xmlns:a="http://schemas.openxmlformats.org/drawingml/2006/main" xmlns:r="http://schemas.openxmlformats.org/officeDocument/2006/relationships" xmlns:p="http://schemas.openxmlformats.org/presentationml/2006/main">
   <p:cSld>
     <p:spTree>
@@ -9052,8 +8785,8 @@
           <a:chExt cx="0" cy="0"/>
         </a:xfrm>
       </p:grpSpPr>
-      <mc:AlternateContent xmlns:mc="http://schemas.openxmlformats.org/markup-compatibility/2006">
-        <mc:Choice xmlns:a14="http://schemas.microsoft.com/office/drawing/2010/main" Requires="a14">
+      <mc:AlternateContent xmlns:mc="http://schemas.openxmlformats.org/markup-compatibility/2006" xmlns:a14="http://schemas.microsoft.com/office/drawing/2010/main">
+        <mc:Choice Requires="a14">
           <p:sp>
             <p:nvSpPr>
               <p:cNvPr id="2" name="Title 1">
@@ -9118,7 +8851,7 @@
             </p:txBody>
           </p:sp>
         </mc:Choice>
-        <mc:Fallback>
+        <mc:Fallback xmlns="">
           <p:sp>
             <p:nvSpPr>
               <p:cNvPr id="2" name="Title 1">
@@ -9233,7 +8966,101 @@
 </p:sld>
 </file>
 
-<file path=ppt/slides/slide42.xml><?xml version="1.0" encoding="utf-8"?>
+<file path=ppt/slides/slide4.xml><?xml version="1.0" encoding="utf-8"?>
+<p:sld xmlns:a="http://schemas.openxmlformats.org/drawingml/2006/main" xmlns:r="http://schemas.openxmlformats.org/officeDocument/2006/relationships" xmlns:p="http://schemas.openxmlformats.org/presentationml/2006/main">
+  <p:cSld>
+    <p:spTree>
+      <p:nvGrpSpPr>
+        <p:cNvPr id="1" name=""/>
+        <p:cNvGrpSpPr/>
+        <p:nvPr/>
+      </p:nvGrpSpPr>
+      <p:grpSpPr>
+        <a:xfrm>
+          <a:off x="0" y="0"/>
+          <a:ext cx="0" cy="0"/>
+          <a:chOff x="0" y="0"/>
+          <a:chExt cx="0" cy="0"/>
+        </a:xfrm>
+      </p:grpSpPr>
+      <p:sp>
+        <p:nvSpPr>
+          <p:cNvPr id="2" name="Title 1">
+            <a:extLst>
+              <a:ext uri="{FF2B5EF4-FFF2-40B4-BE49-F238E27FC236}">
+                <a16:creationId xmlns:a16="http://schemas.microsoft.com/office/drawing/2014/main" id="{6DCC4830-BA42-B1C9-F66B-F78F9E32BB1D}"/>
+              </a:ext>
+            </a:extLst>
+          </p:cNvPr>
+          <p:cNvSpPr>
+            <a:spLocks noGrp="1"/>
+          </p:cNvSpPr>
+          <p:nvPr>
+            <p:ph type="title"/>
+          </p:nvPr>
+        </p:nvSpPr>
+        <p:spPr>
+          <a:xfrm>
+            <a:off x="730120" y="341221"/>
+            <a:ext cx="10731759" cy="1056686"/>
+          </a:xfrm>
+        </p:spPr>
+        <p:txBody>
+          <a:bodyPr>
+            <a:noAutofit/>
+          </a:bodyPr>
+          <a:lstStyle/>
+          <a:p>
+            <a:r>
+              <a:rPr lang="en-US" sz="3200" dirty="0"/>
+              <a:t>Histograms – 100 MC Inputs</a:t>
+            </a:r>
+          </a:p>
+        </p:txBody>
+      </p:sp>
+      <p:pic>
+        <p:nvPicPr>
+          <p:cNvPr id="7" name="Content Placeholder 6" descr="A picture containing text, screenshot, diagram, plot&#10;&#10;Description automatically generated">
+            <a:extLst>
+              <a:ext uri="{FF2B5EF4-FFF2-40B4-BE49-F238E27FC236}">
+                <a16:creationId xmlns:a16="http://schemas.microsoft.com/office/drawing/2014/main" id="{45C121E0-2D9F-1F26-2360-E24CA0CD5905}"/>
+              </a:ext>
+            </a:extLst>
+          </p:cNvPr>
+          <p:cNvPicPr>
+            <a:picLocks noGrp="1" noChangeAspect="1"/>
+          </p:cNvPicPr>
+          <p:nvPr>
+            <p:ph idx="1"/>
+          </p:nvPr>
+        </p:nvPicPr>
+        <p:blipFill>
+          <a:blip r:embed="rId2"/>
+          <a:stretch>
+            <a:fillRect/>
+          </a:stretch>
+        </p:blipFill>
+        <p:spPr>
+          <a:xfrm>
+            <a:off x="1337301" y="1438275"/>
+            <a:ext cx="9517398" cy="4738688"/>
+          </a:xfrm>
+        </p:spPr>
+      </p:pic>
+    </p:spTree>
+    <p:extLst>
+      <p:ext uri="{BB962C8B-B14F-4D97-AF65-F5344CB8AC3E}">
+        <p14:creationId xmlns:p14="http://schemas.microsoft.com/office/powerpoint/2010/main" val="3409933397"/>
+      </p:ext>
+    </p:extLst>
+  </p:cSld>
+  <p:clrMapOvr>
+    <a:masterClrMapping/>
+  </p:clrMapOvr>
+</p:sld>
+</file>
+
+<file path=ppt/slides/slide40.xml><?xml version="1.0" encoding="utf-8"?>
 <p:sld xmlns:a="http://schemas.openxmlformats.org/drawingml/2006/main" xmlns:r="http://schemas.openxmlformats.org/officeDocument/2006/relationships" xmlns:p="http://schemas.openxmlformats.org/presentationml/2006/main">
   <p:cSld>
     <p:spTree>
@@ -9374,7 +9201,7 @@
           <p:cNvPr id="2" name="Title 1">
             <a:extLst>
               <a:ext uri="{FF2B5EF4-FFF2-40B4-BE49-F238E27FC236}">
-                <a16:creationId xmlns:a16="http://schemas.microsoft.com/office/drawing/2014/main" id="{3BAA2E43-7A4A-6304-F335-33307160CFA4}"/>
+                <a16:creationId xmlns:a16="http://schemas.microsoft.com/office/drawing/2014/main" id="{6DCC4830-BA42-B1C9-F66B-F78F9E32BB1D}"/>
               </a:ext>
             </a:extLst>
           </p:cNvPr>
@@ -9385,49 +9212,57 @@
             <p:ph type="title"/>
           </p:nvPr>
         </p:nvSpPr>
-        <p:spPr/>
+        <p:spPr>
+          <a:xfrm>
+            <a:off x="730120" y="341221"/>
+            <a:ext cx="10731759" cy="1056686"/>
+          </a:xfrm>
+        </p:spPr>
         <p:txBody>
           <a:bodyPr>
-            <a:normAutofit/>
+            <a:noAutofit/>
           </a:bodyPr>
           <a:lstStyle/>
           <a:p>
             <a:r>
-              <a:rPr lang="en-US" sz="3600" dirty="0"/>
-              <a:t>Theory – Stochastic Collocation (Quadrature)</a:t>
-            </a:r>
-          </a:p>
-        </p:txBody>
-      </p:sp>
-      <p:sp>
-        <p:nvSpPr>
-          <p:cNvPr id="3" name="Content Placeholder 2">
-            <a:extLst>
-              <a:ext uri="{FF2B5EF4-FFF2-40B4-BE49-F238E27FC236}">
-                <a16:creationId xmlns:a16="http://schemas.microsoft.com/office/drawing/2014/main" id="{0F260905-9ADD-4326-B482-481B439CEFD5}"/>
-              </a:ext>
-            </a:extLst>
-          </p:cNvPr>
-          <p:cNvSpPr>
-            <a:spLocks noGrp="1"/>
-          </p:cNvSpPr>
+              <a:rPr lang="en-US" sz="3200" dirty="0"/>
+              <a:t>Histograms – 1000 MC Inputs</a:t>
+            </a:r>
+          </a:p>
+        </p:txBody>
+      </p:sp>
+      <p:pic>
+        <p:nvPicPr>
+          <p:cNvPr id="7" name="Content Placeholder 6">
+            <a:extLst>
+              <a:ext uri="{FF2B5EF4-FFF2-40B4-BE49-F238E27FC236}">
+                <a16:creationId xmlns:a16="http://schemas.microsoft.com/office/drawing/2014/main" id="{45C121E0-2D9F-1F26-2360-E24CA0CD5905}"/>
+              </a:ext>
+            </a:extLst>
+          </p:cNvPr>
+          <p:cNvPicPr>
+            <a:picLocks noGrp="1" noChangeAspect="1"/>
+          </p:cNvPicPr>
           <p:nvPr>
             <p:ph idx="1"/>
           </p:nvPr>
-        </p:nvSpPr>
-        <p:spPr/>
-        <p:txBody>
-          <a:bodyPr/>
-          <a:lstStyle/>
-          <a:p>
-            <a:endParaRPr lang="en-US" dirty="0"/>
-          </a:p>
-        </p:txBody>
-      </p:sp>
+        </p:nvPicPr>
+        <p:blipFill>
+          <a:blip r:embed="rId2"/>
+          <a:srcRect/>
+          <a:stretch/>
+        </p:blipFill>
+        <p:spPr>
+          <a:xfrm>
+            <a:off x="1337301" y="1438275"/>
+            <a:ext cx="9517398" cy="4738688"/>
+          </a:xfrm>
+        </p:spPr>
+      </p:pic>
     </p:spTree>
     <p:extLst>
       <p:ext uri="{BB962C8B-B14F-4D97-AF65-F5344CB8AC3E}">
-        <p14:creationId xmlns:p14="http://schemas.microsoft.com/office/powerpoint/2010/main" val="2151549923"/>
+        <p14:creationId xmlns:p14="http://schemas.microsoft.com/office/powerpoint/2010/main" val="3552821756"/>
       </p:ext>
     </p:extLst>
   </p:cSld>
@@ -9484,14 +9319,14 @@
           <a:p>
             <a:r>
               <a:rPr lang="en-US" sz="3200" dirty="0"/>
-              <a:t>Histograms – 100 MC Inputs</a:t>
+              <a:t>Histograms – 10000 MC Inputs</a:t>
             </a:r>
           </a:p>
         </p:txBody>
       </p:sp>
       <p:pic>
         <p:nvPicPr>
-          <p:cNvPr id="7" name="Content Placeholder 6" descr="A picture containing text, screenshot, diagram, plot&#10;&#10;Description automatically generated">
+          <p:cNvPr id="7" name="Content Placeholder 6">
             <a:extLst>
               <a:ext uri="{FF2B5EF4-FFF2-40B4-BE49-F238E27FC236}">
                 <a16:creationId xmlns:a16="http://schemas.microsoft.com/office/drawing/2014/main" id="{45C121E0-2D9F-1F26-2360-E24CA0CD5905}"/>
@@ -9507,9 +9342,8 @@
         </p:nvPicPr>
         <p:blipFill>
           <a:blip r:embed="rId2"/>
-          <a:stretch>
-            <a:fillRect/>
-          </a:stretch>
+          <a:srcRect/>
+          <a:stretch/>
         </p:blipFill>
         <p:spPr>
           <a:xfrm>
@@ -9521,7 +9355,7 @@
     </p:spTree>
     <p:extLst>
       <p:ext uri="{BB962C8B-B14F-4D97-AF65-F5344CB8AC3E}">
-        <p14:creationId xmlns:p14="http://schemas.microsoft.com/office/powerpoint/2010/main" val="3409933397"/>
+        <p14:creationId xmlns:p14="http://schemas.microsoft.com/office/powerpoint/2010/main" val="2312735222"/>
       </p:ext>
     </p:extLst>
   </p:cSld>
@@ -9577,18 +9411,19 @@
           <a:lstStyle/>
           <a:p>
             <a:r>
-              <a:rPr lang="en-US" sz="3200" dirty="0"/>
-              <a:t>Histograms – 1000 MC Inputs</a:t>
-            </a:r>
+              <a:rPr lang="en-US" sz="3200"/>
+              <a:t>Histograms – Bandgap Top, Bottom, &amp; Size</a:t>
+            </a:r>
+            <a:endParaRPr lang="en-US" sz="3200" dirty="0"/>
           </a:p>
         </p:txBody>
       </p:sp>
       <p:pic>
         <p:nvPicPr>
-          <p:cNvPr id="7" name="Content Placeholder 6">
-            <a:extLst>
-              <a:ext uri="{FF2B5EF4-FFF2-40B4-BE49-F238E27FC236}">
-                <a16:creationId xmlns:a16="http://schemas.microsoft.com/office/drawing/2014/main" id="{45C121E0-2D9F-1F26-2360-E24CA0CD5905}"/>
+          <p:cNvPr id="5" name="Content Placeholder 4">
+            <a:extLst>
+              <a:ext uri="{FF2B5EF4-FFF2-40B4-BE49-F238E27FC236}">
+                <a16:creationId xmlns:a16="http://schemas.microsoft.com/office/drawing/2014/main" id="{CAE9A72B-8A68-6F30-1013-174001A44746}"/>
               </a:ext>
             </a:extLst>
           </p:cNvPr>
@@ -9606,15 +9441,15 @@
         </p:blipFill>
         <p:spPr>
           <a:xfrm>
-            <a:off x="1337301" y="1438275"/>
-            <a:ext cx="9517398" cy="4738688"/>
+            <a:off x="838200" y="1626802"/>
+            <a:ext cx="10515600" cy="4361634"/>
           </a:xfrm>
         </p:spPr>
       </p:pic>
     </p:spTree>
     <p:extLst>
       <p:ext uri="{BB962C8B-B14F-4D97-AF65-F5344CB8AC3E}">
-        <p14:creationId xmlns:p14="http://schemas.microsoft.com/office/powerpoint/2010/main" val="3552821756"/>
+        <p14:creationId xmlns:p14="http://schemas.microsoft.com/office/powerpoint/2010/main" val="3004886916"/>
       </p:ext>
     </p:extLst>
   </p:cSld>
@@ -9671,17 +9506,17 @@
           <a:p>
             <a:r>
               <a:rPr lang="en-US" sz="3200" dirty="0"/>
-              <a:t>Histograms – 10000 MC Inputs</a:t>
+              <a:t>Histograms – Bandgap Top, Bottom, &amp; Center</a:t>
             </a:r>
           </a:p>
         </p:txBody>
       </p:sp>
       <p:pic>
         <p:nvPicPr>
-          <p:cNvPr id="7" name="Content Placeholder 6">
-            <a:extLst>
-              <a:ext uri="{FF2B5EF4-FFF2-40B4-BE49-F238E27FC236}">
-                <a16:creationId xmlns:a16="http://schemas.microsoft.com/office/drawing/2014/main" id="{45C121E0-2D9F-1F26-2360-E24CA0CD5905}"/>
+          <p:cNvPr id="5" name="Content Placeholder 4">
+            <a:extLst>
+              <a:ext uri="{FF2B5EF4-FFF2-40B4-BE49-F238E27FC236}">
+                <a16:creationId xmlns:a16="http://schemas.microsoft.com/office/drawing/2014/main" id="{CAE9A72B-8A68-6F30-1013-174001A44746}"/>
               </a:ext>
             </a:extLst>
           </p:cNvPr>
@@ -9699,15 +9534,15 @@
         </p:blipFill>
         <p:spPr>
           <a:xfrm>
-            <a:off x="1337301" y="1438275"/>
-            <a:ext cx="9517398" cy="4738688"/>
+            <a:off x="838200" y="1626802"/>
+            <a:ext cx="10515600" cy="4361634"/>
           </a:xfrm>
         </p:spPr>
       </p:pic>
     </p:spTree>
     <p:extLst>
       <p:ext uri="{BB962C8B-B14F-4D97-AF65-F5344CB8AC3E}">
-        <p14:creationId xmlns:p14="http://schemas.microsoft.com/office/powerpoint/2010/main" val="2312735222"/>
+        <p14:creationId xmlns:p14="http://schemas.microsoft.com/office/powerpoint/2010/main" val="1203512841"/>
       </p:ext>
     </p:extLst>
   </p:cSld>
@@ -9739,7 +9574,7 @@
           <p:cNvPr id="2" name="Title 1">
             <a:extLst>
               <a:ext uri="{FF2B5EF4-FFF2-40B4-BE49-F238E27FC236}">
-                <a16:creationId xmlns:a16="http://schemas.microsoft.com/office/drawing/2014/main" id="{6DCC4830-BA42-B1C9-F66B-F78F9E32BB1D}"/>
+                <a16:creationId xmlns:a16="http://schemas.microsoft.com/office/drawing/2014/main" id="{4A3CA758-6A17-8C51-7237-048A1FF3B783}"/>
               </a:ext>
             </a:extLst>
           </p:cNvPr>
@@ -9750,41 +9585,31 @@
             <p:ph type="title"/>
           </p:nvPr>
         </p:nvSpPr>
-        <p:spPr>
-          <a:xfrm>
-            <a:off x="730120" y="341221"/>
-            <a:ext cx="10731759" cy="1056686"/>
-          </a:xfrm>
-        </p:spPr>
-        <p:txBody>
-          <a:bodyPr>
-            <a:noAutofit/>
-          </a:bodyPr>
+        <p:spPr/>
+        <p:txBody>
+          <a:bodyPr/>
           <a:lstStyle/>
           <a:p>
             <a:r>
-              <a:rPr lang="en-US" sz="3200"/>
-              <a:t>Histograms – Bandgap Top, Bottom, &amp; Size</a:t>
-            </a:r>
-            <a:endParaRPr lang="en-US" sz="3200" dirty="0"/>
+              <a:rPr lang="en-US" dirty="0"/>
+              <a:t>2D Histograms</a:t>
+            </a:r>
           </a:p>
         </p:txBody>
       </p:sp>
       <p:pic>
         <p:nvPicPr>
-          <p:cNvPr id="5" name="Content Placeholder 4">
-            <a:extLst>
-              <a:ext uri="{FF2B5EF4-FFF2-40B4-BE49-F238E27FC236}">
-                <a16:creationId xmlns:a16="http://schemas.microsoft.com/office/drawing/2014/main" id="{CAE9A72B-8A68-6F30-1013-174001A44746}"/>
+          <p:cNvPr id="13" name="Picture 12">
+            <a:extLst>
+              <a:ext uri="{FF2B5EF4-FFF2-40B4-BE49-F238E27FC236}">
+                <a16:creationId xmlns:a16="http://schemas.microsoft.com/office/drawing/2014/main" id="{EA6512F5-051F-B774-200B-47343643C1A6}"/>
               </a:ext>
             </a:extLst>
           </p:cNvPr>
           <p:cNvPicPr>
-            <a:picLocks noGrp="1" noChangeAspect="1"/>
+            <a:picLocks noChangeAspect="1"/>
           </p:cNvPicPr>
-          <p:nvPr>
-            <p:ph idx="1"/>
-          </p:nvPr>
+          <p:nvPr/>
         </p:nvPicPr>
         <p:blipFill>
           <a:blip r:embed="rId2"/>
@@ -9793,15 +9618,18 @@
         </p:blipFill>
         <p:spPr>
           <a:xfrm>
-            <a:off x="838200" y="1626802"/>
-            <a:ext cx="10515600" cy="4361634"/>
-          </a:xfrm>
+            <a:off x="43349" y="1248103"/>
+            <a:ext cx="12105302" cy="4361794"/>
+          </a:xfrm>
+          <a:prstGeom prst="rect">
+            <a:avLst/>
+          </a:prstGeom>
         </p:spPr>
       </p:pic>
     </p:spTree>
     <p:extLst>
       <p:ext uri="{BB962C8B-B14F-4D97-AF65-F5344CB8AC3E}">
-        <p14:creationId xmlns:p14="http://schemas.microsoft.com/office/powerpoint/2010/main" val="3004886916"/>
+        <p14:creationId xmlns:p14="http://schemas.microsoft.com/office/powerpoint/2010/main" val="61816796"/>
       </p:ext>
     </p:extLst>
   </p:cSld>
@@ -10402,12 +10230,6 @@
 </file>
 
 <file path=customXml/item1.xml><?xml version="1.0" encoding="utf-8"?>
-<p:properties xmlns:p="http://schemas.microsoft.com/office/2006/metadata/properties" xmlns:xsi="http://www.w3.org/2001/XMLSchema-instance" xmlns:pc="http://schemas.microsoft.com/office/infopath/2007/PartnerControls">
-  <documentManagement/>
-</p:properties>
-</file>
-
-<file path=customXml/item2.xml><?xml version="1.0" encoding="utf-8"?>
 <?mso-contentType ?>
 <FormTemplates xmlns="http://schemas.microsoft.com/sharepoint/v3/contenttype/forms">
   <Display>DocumentLibraryForm</Display>
@@ -10416,7 +10238,7 @@
 </FormTemplates>
 </file>
 
-<file path=customXml/item3.xml><?xml version="1.0" encoding="utf-8"?>
+<file path=customXml/item2.xml><?xml version="1.0" encoding="utf-8"?>
 <ct:contentTypeSchema xmlns:ct="http://schemas.microsoft.com/office/2006/metadata/contentType" xmlns:ma="http://schemas.microsoft.com/office/2006/metadata/properties/metaAttributes" ct:_="" ma:_="" ma:contentTypeName="Document" ma:contentTypeID="0x0101006D977AFE0BA24A48A44BA40749E58BCA" ma:contentTypeVersion="4" ma:contentTypeDescription="Create a new document." ma:contentTypeScope="" ma:versionID="96123a612a8ea52de9eccec3cfd875c5">
   <xsd:schema xmlns:xsd="http://www.w3.org/2001/XMLSchema" xmlns:xs="http://www.w3.org/2001/XMLSchema" xmlns:p="http://schemas.microsoft.com/office/2006/metadata/properties" xmlns:ns2="ce377175-54a4-4d7f-a690-a38d13686295" targetNamespace="http://schemas.microsoft.com/office/2006/metadata/properties" ma:root="true" ma:fieldsID="e02eeb2f666df3e14fcd556b413490be" ns2:_="">
     <xsd:import namespace="ce377175-54a4-4d7f-a690-a38d13686295"/>
@@ -10562,23 +10384,13 @@
 </ct:contentTypeSchema>
 </file>
 
-<file path=customXml/itemProps1.xml><?xml version="1.0" encoding="utf-8"?>
-<ds:datastoreItem xmlns:ds="http://schemas.openxmlformats.org/officeDocument/2006/customXml" ds:itemID="{0748A49F-C736-4524-BB36-F11018D26634}">
-  <ds:schemaRefs>
-    <ds:schemaRef ds:uri="ce377175-54a4-4d7f-a690-a38d13686295"/>
-    <ds:schemaRef ds:uri="http://purl.org/dc/dcmitype/"/>
-    <ds:schemaRef ds:uri="http://purl.org/dc/elements/1.1/"/>
-    <ds:schemaRef ds:uri="http://purl.org/dc/terms/"/>
-    <ds:schemaRef ds:uri="http://schemas.microsoft.com/office/2006/documentManagement/types"/>
-    <ds:schemaRef ds:uri="http://schemas.microsoft.com/office/2006/metadata/properties"/>
-    <ds:schemaRef ds:uri="http://schemas.microsoft.com/office/infopath/2007/PartnerControls"/>
-    <ds:schemaRef ds:uri="http://schemas.openxmlformats.org/package/2006/metadata/core-properties"/>
-    <ds:schemaRef ds:uri="http://www.w3.org/XML/1998/namespace"/>
-  </ds:schemaRefs>
-</ds:datastoreItem>
+<file path=customXml/item3.xml><?xml version="1.0" encoding="utf-8"?>
+<p:properties xmlns:p="http://schemas.microsoft.com/office/2006/metadata/properties" xmlns:xsi="http://www.w3.org/2001/XMLSchema-instance" xmlns:pc="http://schemas.microsoft.com/office/infopath/2007/PartnerControls">
+  <documentManagement/>
+</p:properties>
 </file>
 
-<file path=customXml/itemProps2.xml><?xml version="1.0" encoding="utf-8"?>
+<file path=customXml/itemProps1.xml><?xml version="1.0" encoding="utf-8"?>
 <ds:datastoreItem xmlns:ds="http://schemas.openxmlformats.org/officeDocument/2006/customXml" ds:itemID="{B294D1B7-8679-422F-949D-1455F508E596}">
   <ds:schemaRefs>
     <ds:schemaRef ds:uri="http://schemas.microsoft.com/sharepoint/v3/contenttype/forms"/>
@@ -10586,7 +10398,7 @@
 </ds:datastoreItem>
 </file>
 
-<file path=customXml/itemProps3.xml><?xml version="1.0" encoding="utf-8"?>
+<file path=customXml/itemProps2.xml><?xml version="1.0" encoding="utf-8"?>
 <ds:datastoreItem xmlns:ds="http://schemas.openxmlformats.org/officeDocument/2006/customXml" ds:itemID="{AA97010D-7C71-4286-B859-6803BB0ABFD2}">
   <ds:schemaRefs>
     <ds:schemaRef ds:uri="ce377175-54a4-4d7f-a690-a38d13686295"/>
@@ -10602,4 +10414,20 @@
     <ds:schemaRef ds:uri="http://www.w3.org/2001/XMLSchema"/>
   </ds:schemaRefs>
 </ds:datastoreItem>
+</file>
+
+<file path=customXml/itemProps3.xml><?xml version="1.0" encoding="utf-8"?>
+<ds:datastoreItem xmlns:ds="http://schemas.openxmlformats.org/officeDocument/2006/customXml" ds:itemID="{0748A49F-C736-4524-BB36-F11018D26634}">
+  <ds:schemaRefs>
+    <ds:schemaRef ds:uri="ce377175-54a4-4d7f-a690-a38d13686295"/>
+    <ds:schemaRef ds:uri="http://purl.org/dc/dcmitype/"/>
+    <ds:schemaRef ds:uri="http://purl.org/dc/elements/1.1/"/>
+    <ds:schemaRef ds:uri="http://purl.org/dc/terms/"/>
+    <ds:schemaRef ds:uri="http://schemas.microsoft.com/office/2006/documentManagement/types"/>
+    <ds:schemaRef ds:uri="http://schemas.microsoft.com/office/2006/metadata/properties"/>
+    <ds:schemaRef ds:uri="http://schemas.microsoft.com/office/infopath/2007/PartnerControls"/>
+    <ds:schemaRef ds:uri="http://schemas.openxmlformats.org/package/2006/metadata/core-properties"/>
+    <ds:schemaRef ds:uri="http://www.w3.org/XML/1998/namespace"/>
+  </ds:schemaRefs>
+</ds:datastoreItem>
 </file>
--- a/UQ_2D_metamaterials_update.pptx
+++ b/UQ_2D_metamaterials_update.pptx
@@ -285,7 +285,7 @@
           <a:p>
             <a:fld id="{5B2A9559-5325-4FFA-A5F2-CBDDB1074751}" type="datetimeFigureOut">
               <a:rPr lang="en-US" smtClean="0"/>
-              <a:t>6/15/2023</a:t>
+              <a:t>7/5/2023</a:t>
             </a:fld>
             <a:endParaRPr lang="en-US"/>
           </a:p>
@@ -1345,7 +1345,7 @@
           <a:p>
             <a:fld id="{43789B8F-7842-4BEF-9976-1EE74F57C738}" type="datetime1">
               <a:rPr lang="en-US" smtClean="0"/>
-              <a:t>6/15/2023</a:t>
+              <a:t>7/5/2023</a:t>
             </a:fld>
             <a:endParaRPr lang="en-US"/>
           </a:p>
@@ -1577,7 +1577,7 @@
           <a:p>
             <a:fld id="{050F5937-DD26-4F95-A0ED-C31A278A1247}" type="datetime1">
               <a:rPr lang="en-US" smtClean="0"/>
-              <a:t>6/15/2023</a:t>
+              <a:t>7/5/2023</a:t>
             </a:fld>
             <a:endParaRPr lang="en-US"/>
           </a:p>
@@ -2044,7 +2044,7 @@
           <a:p>
             <a:fld id="{49F581DC-F6E5-4AEE-98F3-A1977368E94D}" type="datetime1">
               <a:rPr lang="en-US" smtClean="0"/>
-              <a:t>6/15/2023</a:t>
+              <a:t>7/5/2023</a:t>
             </a:fld>
             <a:endParaRPr lang="en-US"/>
           </a:p>
@@ -2364,7 +2364,7 @@
           <a:p>
             <a:fld id="{A23148C6-A681-474A-852B-6488E264F1FD}" type="datetime1">
               <a:rPr lang="en-US" smtClean="0"/>
-              <a:t>6/15/2023</a:t>
+              <a:t>7/5/2023</a:t>
             </a:fld>
             <a:endParaRPr lang="en-US"/>
           </a:p>
@@ -2831,7 +2831,7 @@
           <a:p>
             <a:fld id="{E05877EE-87E6-4A80-A3D1-647EBC487900}" type="datetime1">
               <a:rPr lang="en-US" smtClean="0"/>
-              <a:t>6/15/2023</a:t>
+              <a:t>7/5/2023</a:t>
             </a:fld>
             <a:endParaRPr lang="en-US"/>
           </a:p>
@@ -3361,7 +3361,7 @@
           <a:p>
             <a:fld id="{1F39E345-7F84-425C-B838-418A9624F210}" type="datetime1">
               <a:rPr lang="en-US" smtClean="0"/>
-              <a:t>6/15/2023</a:t>
+              <a:t>7/5/2023</a:t>
             </a:fld>
             <a:endParaRPr lang="en-US"/>
           </a:p>
@@ -3676,7 +3676,7 @@
           <a:p>
             <a:fld id="{F90E5D04-5C5D-47CC-BDED-D4EAD1A4B7F8}" type="datetime1">
               <a:rPr lang="en-US" smtClean="0"/>
-              <a:t>6/15/2023</a:t>
+              <a:t>7/5/2023</a:t>
             </a:fld>
             <a:endParaRPr lang="en-US"/>
           </a:p>
@@ -4024,7 +4024,7 @@
           <a:p>
             <a:fld id="{B019BD83-B2B4-4833-86B7-8D5583952E34}" type="datetime1">
               <a:rPr lang="en-US" smtClean="0"/>
-              <a:t>6/15/2023</a:t>
+              <a:t>7/5/2023</a:t>
             </a:fld>
             <a:endParaRPr lang="en-US"/>
           </a:p>
@@ -7445,31 +7445,6 @@
               <a:rPr lang="en-US" sz="2800" dirty="0"/>
               <a:t> – Bandgap Size</a:t>
             </a:r>
-          </a:p>
-        </p:txBody>
-      </p:sp>
-      <p:sp>
-        <p:nvSpPr>
-          <p:cNvPr id="4" name="Content Placeholder 3">
-            <a:extLst>
-              <a:ext uri="{FF2B5EF4-FFF2-40B4-BE49-F238E27FC236}">
-                <a16:creationId xmlns:a16="http://schemas.microsoft.com/office/drawing/2014/main" id="{1EF3B450-ACB3-F857-A37F-3D8465AD3832}"/>
-              </a:ext>
-            </a:extLst>
-          </p:cNvPr>
-          <p:cNvSpPr>
-            <a:spLocks noGrp="1"/>
-          </p:cNvSpPr>
-          <p:nvPr>
-            <p:ph idx="1"/>
-          </p:nvPr>
-        </p:nvSpPr>
-        <p:spPr/>
-        <p:txBody>
-          <a:bodyPr/>
-          <a:lstStyle/>
-          <a:p>
-            <a:endParaRPr lang="en-US" dirty="0"/>
           </a:p>
         </p:txBody>
       </p:sp>
@@ -10230,15 +10205,6 @@
 </file>
 
 <file path=customXml/item1.xml><?xml version="1.0" encoding="utf-8"?>
-<?mso-contentType ?>
-<FormTemplates xmlns="http://schemas.microsoft.com/sharepoint/v3/contenttype/forms">
-  <Display>DocumentLibraryForm</Display>
-  <Edit>DocumentLibraryForm</Edit>
-  <New>DocumentLibraryForm</New>
-</FormTemplates>
-</file>
-
-<file path=customXml/item2.xml><?xml version="1.0" encoding="utf-8"?>
 <ct:contentTypeSchema xmlns:ct="http://schemas.microsoft.com/office/2006/metadata/contentType" xmlns:ma="http://schemas.microsoft.com/office/2006/metadata/properties/metaAttributes" ct:_="" ma:_="" ma:contentTypeName="Document" ma:contentTypeID="0x0101006D977AFE0BA24A48A44BA40749E58BCA" ma:contentTypeVersion="4" ma:contentTypeDescription="Create a new document." ma:contentTypeScope="" ma:versionID="96123a612a8ea52de9eccec3cfd875c5">
   <xsd:schema xmlns:xsd="http://www.w3.org/2001/XMLSchema" xmlns:xs="http://www.w3.org/2001/XMLSchema" xmlns:p="http://schemas.microsoft.com/office/2006/metadata/properties" xmlns:ns2="ce377175-54a4-4d7f-a690-a38d13686295" targetNamespace="http://schemas.microsoft.com/office/2006/metadata/properties" ma:root="true" ma:fieldsID="e02eeb2f666df3e14fcd556b413490be" ns2:_="">
     <xsd:import namespace="ce377175-54a4-4d7f-a690-a38d13686295"/>
@@ -10384,21 +10350,22 @@
 </ct:contentTypeSchema>
 </file>
 
-<file path=customXml/item3.xml><?xml version="1.0" encoding="utf-8"?>
+<file path=customXml/item2.xml><?xml version="1.0" encoding="utf-8"?>
 <p:properties xmlns:p="http://schemas.microsoft.com/office/2006/metadata/properties" xmlns:xsi="http://www.w3.org/2001/XMLSchema-instance" xmlns:pc="http://schemas.microsoft.com/office/infopath/2007/PartnerControls">
   <documentManagement/>
 </p:properties>
 </file>
 
-<file path=customXml/itemProps1.xml><?xml version="1.0" encoding="utf-8"?>
-<ds:datastoreItem xmlns:ds="http://schemas.openxmlformats.org/officeDocument/2006/customXml" ds:itemID="{B294D1B7-8679-422F-949D-1455F508E596}">
-  <ds:schemaRefs>
-    <ds:schemaRef ds:uri="http://schemas.microsoft.com/sharepoint/v3/contenttype/forms"/>
-  </ds:schemaRefs>
-</ds:datastoreItem>
+<file path=customXml/item3.xml><?xml version="1.0" encoding="utf-8"?>
+<?mso-contentType ?>
+<FormTemplates xmlns="http://schemas.microsoft.com/sharepoint/v3/contenttype/forms">
+  <Display>DocumentLibraryForm</Display>
+  <Edit>DocumentLibraryForm</Edit>
+  <New>DocumentLibraryForm</New>
+</FormTemplates>
 </file>
 
-<file path=customXml/itemProps2.xml><?xml version="1.0" encoding="utf-8"?>
+<file path=customXml/itemProps1.xml><?xml version="1.0" encoding="utf-8"?>
 <ds:datastoreItem xmlns:ds="http://schemas.openxmlformats.org/officeDocument/2006/customXml" ds:itemID="{AA97010D-7C71-4286-B859-6803BB0ABFD2}">
   <ds:schemaRefs>
     <ds:schemaRef ds:uri="ce377175-54a4-4d7f-a690-a38d13686295"/>
@@ -10416,7 +10383,7 @@
 </ds:datastoreItem>
 </file>
 
-<file path=customXml/itemProps3.xml><?xml version="1.0" encoding="utf-8"?>
+<file path=customXml/itemProps2.xml><?xml version="1.0" encoding="utf-8"?>
 <ds:datastoreItem xmlns:ds="http://schemas.openxmlformats.org/officeDocument/2006/customXml" ds:itemID="{0748A49F-C736-4524-BB36-F11018D26634}">
   <ds:schemaRefs>
     <ds:schemaRef ds:uri="ce377175-54a4-4d7f-a690-a38d13686295"/>
@@ -10430,4 +10397,12 @@
     <ds:schemaRef ds:uri="http://www.w3.org/XML/1998/namespace"/>
   </ds:schemaRefs>
 </ds:datastoreItem>
+</file>
+
+<file path=customXml/itemProps3.xml><?xml version="1.0" encoding="utf-8"?>
+<ds:datastoreItem xmlns:ds="http://schemas.openxmlformats.org/officeDocument/2006/customXml" ds:itemID="{B294D1B7-8679-422F-949D-1455F508E596}">
+  <ds:schemaRefs>
+    <ds:schemaRef ds:uri="http://schemas.microsoft.com/sharepoint/v3/contenttype/forms"/>
+  </ds:schemaRefs>
+</ds:datastoreItem>
 </file>
--- a/UQ_2D_metamaterials_update.pptx
+++ b/UQ_2D_metamaterials_update.pptx
@@ -5,7 +5,7 @@
     <p:sldMasterId id="2147483660" r:id="rId4"/>
   </p:sldMasterIdLst>
   <p:notesMasterIdLst>
-    <p:notesMasterId r:id="rId45"/>
+    <p:notesMasterId r:id="rId49"/>
   </p:notesMasterIdLst>
   <p:sldIdLst>
     <p:sldId id="256" r:id="rId5"/>
@@ -17,37 +17,41 @@
     <p:sldId id="926" r:id="rId11"/>
     <p:sldId id="925" r:id="rId12"/>
     <p:sldId id="958" r:id="rId13"/>
-    <p:sldId id="928" r:id="rId14"/>
-    <p:sldId id="922" r:id="rId15"/>
-    <p:sldId id="920" r:id="rId16"/>
-    <p:sldId id="933" r:id="rId17"/>
-    <p:sldId id="931" r:id="rId18"/>
-    <p:sldId id="932" r:id="rId19"/>
-    <p:sldId id="929" r:id="rId20"/>
-    <p:sldId id="921" r:id="rId21"/>
-    <p:sldId id="927" r:id="rId22"/>
-    <p:sldId id="923" r:id="rId23"/>
-    <p:sldId id="924" r:id="rId24"/>
-    <p:sldId id="938" r:id="rId25"/>
-    <p:sldId id="941" r:id="rId26"/>
-    <p:sldId id="942" r:id="rId27"/>
-    <p:sldId id="939" r:id="rId28"/>
-    <p:sldId id="945" r:id="rId29"/>
-    <p:sldId id="944" r:id="rId30"/>
-    <p:sldId id="943" r:id="rId31"/>
-    <p:sldId id="946" r:id="rId32"/>
-    <p:sldId id="947" r:id="rId33"/>
-    <p:sldId id="948" r:id="rId34"/>
-    <p:sldId id="949" r:id="rId35"/>
-    <p:sldId id="950" r:id="rId36"/>
-    <p:sldId id="951" r:id="rId37"/>
-    <p:sldId id="952" r:id="rId38"/>
-    <p:sldId id="953" r:id="rId39"/>
-    <p:sldId id="954" r:id="rId40"/>
-    <p:sldId id="955" r:id="rId41"/>
-    <p:sldId id="956" r:id="rId42"/>
-    <p:sldId id="957" r:id="rId43"/>
-    <p:sldId id="960" r:id="rId44"/>
+    <p:sldId id="961" r:id="rId14"/>
+    <p:sldId id="962" r:id="rId15"/>
+    <p:sldId id="963" r:id="rId16"/>
+    <p:sldId id="964" r:id="rId17"/>
+    <p:sldId id="928" r:id="rId18"/>
+    <p:sldId id="922" r:id="rId19"/>
+    <p:sldId id="920" r:id="rId20"/>
+    <p:sldId id="933" r:id="rId21"/>
+    <p:sldId id="931" r:id="rId22"/>
+    <p:sldId id="932" r:id="rId23"/>
+    <p:sldId id="929" r:id="rId24"/>
+    <p:sldId id="921" r:id="rId25"/>
+    <p:sldId id="927" r:id="rId26"/>
+    <p:sldId id="923" r:id="rId27"/>
+    <p:sldId id="924" r:id="rId28"/>
+    <p:sldId id="938" r:id="rId29"/>
+    <p:sldId id="941" r:id="rId30"/>
+    <p:sldId id="942" r:id="rId31"/>
+    <p:sldId id="939" r:id="rId32"/>
+    <p:sldId id="945" r:id="rId33"/>
+    <p:sldId id="944" r:id="rId34"/>
+    <p:sldId id="943" r:id="rId35"/>
+    <p:sldId id="946" r:id="rId36"/>
+    <p:sldId id="947" r:id="rId37"/>
+    <p:sldId id="948" r:id="rId38"/>
+    <p:sldId id="949" r:id="rId39"/>
+    <p:sldId id="950" r:id="rId40"/>
+    <p:sldId id="951" r:id="rId41"/>
+    <p:sldId id="952" r:id="rId42"/>
+    <p:sldId id="953" r:id="rId43"/>
+    <p:sldId id="954" r:id="rId44"/>
+    <p:sldId id="955" r:id="rId45"/>
+    <p:sldId id="956" r:id="rId46"/>
+    <p:sldId id="957" r:id="rId47"/>
+    <p:sldId id="960" r:id="rId48"/>
   </p:sldIdLst>
   <p:sldSz cx="12192000" cy="6858000"/>
   <p:notesSz cx="6858000" cy="9144000"/>
@@ -147,6 +151,74 @@
     </a:lvl9pPr>
   </p:defaultTextStyle>
   <p:extLst>
+    <p:ext uri="{521415D9-36F7-43E2-AB2F-B90AF26B5E84}">
+      <p14:sectionLst xmlns:p14="http://schemas.microsoft.com/office/powerpoint/2010/main">
+        <p14:section name="Default Section" id="{8504F1F5-CE46-42C0-85B0-35D241E81344}">
+          <p14:sldIdLst>
+            <p14:sldId id="256"/>
+            <p14:sldId id="918"/>
+            <p14:sldId id="919"/>
+            <p14:sldId id="934"/>
+            <p14:sldId id="935"/>
+            <p14:sldId id="937"/>
+            <p14:sldId id="926"/>
+            <p14:sldId id="925"/>
+            <p14:sldId id="958"/>
+            <p14:sldId id="961"/>
+            <p14:sldId id="962"/>
+            <p14:sldId id="963"/>
+            <p14:sldId id="964"/>
+          </p14:sldIdLst>
+        </p14:section>
+        <p14:section name="6D Material UQ - SC - MC" id="{64B834F4-7BF1-4CAA-BA6F-7818E8324EF0}">
+          <p14:sldIdLst>
+            <p14:sldId id="928"/>
+            <p14:sldId id="922"/>
+            <p14:sldId id="920"/>
+            <p14:sldId id="933"/>
+            <p14:sldId id="931"/>
+            <p14:sldId id="932"/>
+          </p14:sldIdLst>
+        </p14:section>
+        <p14:section name="6D Material UQ - SC - QR" id="{FEA66BCC-57C5-4250-8393-F4B96C6E0F47}">
+          <p14:sldIdLst>
+            <p14:sldId id="929"/>
+            <p14:sldId id="921"/>
+            <p14:sldId id="927"/>
+            <p14:sldId id="923"/>
+            <p14:sldId id="924"/>
+          </p14:sldIdLst>
+        </p14:section>
+        <p14:section name="1D Fits" id="{048AB1BA-8EAC-4318-A43A-A537C749B66C}">
+          <p14:sldIdLst>
+            <p14:sldId id="938"/>
+            <p14:sldId id="941"/>
+            <p14:sldId id="942"/>
+            <p14:sldId id="939"/>
+            <p14:sldId id="945"/>
+            <p14:sldId id="944"/>
+            <p14:sldId id="943"/>
+            <p14:sldId id="946"/>
+            <p14:sldId id="947"/>
+            <p14:sldId id="948"/>
+            <p14:sldId id="949"/>
+            <p14:sldId id="950"/>
+            <p14:sldId id="951"/>
+            <p14:sldId id="952"/>
+            <p14:sldId id="953"/>
+            <p14:sldId id="954"/>
+            <p14:sldId id="955"/>
+            <p14:sldId id="956"/>
+            <p14:sldId id="957"/>
+          </p14:sldIdLst>
+        </p14:section>
+        <p14:section name="Conclusion" id="{9E81FF3C-1AB5-4DC8-89CB-2D291690784C}">
+          <p14:sldIdLst>
+            <p14:sldId id="960"/>
+          </p14:sldIdLst>
+        </p14:section>
+      </p14:sectionLst>
+    </p:ext>
     <p:ext uri="{EFAFB233-063F-42B5-8137-9DF3F51BA10A}">
       <p15:sldGuideLst xmlns:p15="http://schemas.microsoft.com/office/powerpoint/2012/main"/>
     </p:ext>
@@ -182,27 +254,6 @@
 </p188:cmLst>
 </file>
 
-<file path=ppt/comments/modernComment_3BD_B74AA3C8.xml><?xml version="1.0" encoding="utf-8"?>
-<p188:cmLst xmlns:a="http://schemas.openxmlformats.org/drawingml/2006/main" xmlns:r="http://schemas.openxmlformats.org/officeDocument/2006/relationships" xmlns:p188="http://schemas.microsoft.com/office/powerpoint/2018/8/main">
-  <p188:cm id="{43231FAC-377C-4030-A7FF-395654AB00E2}" authorId="{A186E619-9A90-75DF-C2FC-ED5272E1CCB1}" created="2023-06-14T17:07:34.295">
-    <pc:sldMkLst xmlns:pc="http://schemas.microsoft.com/office/powerpoint/2013/main/command">
-      <pc:docMk/>
-      <pc:sldMk cId="3075122120" sldId="957"/>
-    </pc:sldMkLst>
-    <p188:txBody>
-      <a:bodyPr/>
-      <a:lstStyle/>
-      <a:p>
-        <a:r>
-          <a:rPr lang="en-US"/>
-          <a:t>Change to symbol</a:t>
-        </a:r>
-      </a:p>
-    </p188:txBody>
-  </p188:cm>
-</p188:cmLst>
-</file>
-
 <file path=ppt/notesMasters/notesMaster1.xml><?xml version="1.0" encoding="utf-8"?>
 <p:notesMaster xmlns:a="http://schemas.openxmlformats.org/drawingml/2006/main" xmlns:r="http://schemas.openxmlformats.org/officeDocument/2006/relationships" xmlns:p="http://schemas.openxmlformats.org/presentationml/2006/main">
   <p:cSld>
@@ -285,7 +336,7 @@
           <a:p>
             <a:fld id="{5B2A9559-5325-4FFA-A5F2-CBDDB1074751}" type="datetimeFigureOut">
               <a:rPr lang="en-US" smtClean="0"/>
-              <a:t>7/5/2023</a:t>
+              <a:t>8/7/2023</a:t>
             </a:fld>
             <a:endParaRPr lang="en-US"/>
           </a:p>
@@ -701,7 +752,7 @@
           <a:p>
             <a:fld id="{5ED6D2F6-D9A8-4EC3-B74F-DA40A0FC4A95}" type="slidenum">
               <a:rPr lang="en-US" smtClean="0"/>
-              <a:t>12</a:t>
+              <a:t>11</a:t>
             </a:fld>
             <a:endParaRPr lang="en-US"/>
           </a:p>
@@ -710,7 +761,7 @@
     </p:spTree>
     <p:extLst>
       <p:ext uri="{BB962C8B-B14F-4D97-AF65-F5344CB8AC3E}">
-        <p14:creationId xmlns:p14="http://schemas.microsoft.com/office/powerpoint/2010/main" val="3356451182"/>
+        <p14:creationId xmlns:p14="http://schemas.microsoft.com/office/powerpoint/2010/main" val="1993618983"/>
       </p:ext>
     </p:extLst>
   </p:cSld>
@@ -785,7 +836,7 @@
           <a:p>
             <a:fld id="{5ED6D2F6-D9A8-4EC3-B74F-DA40A0FC4A95}" type="slidenum">
               <a:rPr lang="en-US" smtClean="0"/>
-              <a:t>13</a:t>
+              <a:t>12</a:t>
             </a:fld>
             <a:endParaRPr lang="en-US"/>
           </a:p>
@@ -794,7 +845,7 @@
     </p:spTree>
     <p:extLst>
       <p:ext uri="{BB962C8B-B14F-4D97-AF65-F5344CB8AC3E}">
-        <p14:creationId xmlns:p14="http://schemas.microsoft.com/office/powerpoint/2010/main" val="917664598"/>
+        <p14:creationId xmlns:p14="http://schemas.microsoft.com/office/powerpoint/2010/main" val="760431522"/>
       </p:ext>
     </p:extLst>
   </p:cSld>
@@ -869,7 +920,7 @@
           <a:p>
             <a:fld id="{5ED6D2F6-D9A8-4EC3-B74F-DA40A0FC4A95}" type="slidenum">
               <a:rPr lang="en-US" smtClean="0"/>
-              <a:t>14</a:t>
+              <a:t>13</a:t>
             </a:fld>
             <a:endParaRPr lang="en-US"/>
           </a:p>
@@ -878,7 +929,7 @@
     </p:spTree>
     <p:extLst>
       <p:ext uri="{BB962C8B-B14F-4D97-AF65-F5344CB8AC3E}">
-        <p14:creationId xmlns:p14="http://schemas.microsoft.com/office/powerpoint/2010/main" val="4209106263"/>
+        <p14:creationId xmlns:p14="http://schemas.microsoft.com/office/powerpoint/2010/main" val="4089741967"/>
       </p:ext>
     </p:extLst>
   </p:cSld>
@@ -953,7 +1004,259 @@
           <a:p>
             <a:fld id="{5ED6D2F6-D9A8-4EC3-B74F-DA40A0FC4A95}" type="slidenum">
               <a:rPr lang="en-US" smtClean="0"/>
-              <a:t>15</a:t>
+              <a:t>16</a:t>
+            </a:fld>
+            <a:endParaRPr lang="en-US"/>
+          </a:p>
+        </p:txBody>
+      </p:sp>
+    </p:spTree>
+    <p:extLst>
+      <p:ext uri="{BB962C8B-B14F-4D97-AF65-F5344CB8AC3E}">
+        <p14:creationId xmlns:p14="http://schemas.microsoft.com/office/powerpoint/2010/main" val="3356451182"/>
+      </p:ext>
+    </p:extLst>
+  </p:cSld>
+  <p:clrMapOvr>
+    <a:masterClrMapping/>
+  </p:clrMapOvr>
+</p:notes>
+</file>
+
+<file path=ppt/notesSlides/notesSlide6.xml><?xml version="1.0" encoding="utf-8"?>
+<p:notes xmlns:a="http://schemas.openxmlformats.org/drawingml/2006/main" xmlns:r="http://schemas.openxmlformats.org/officeDocument/2006/relationships" xmlns:p="http://schemas.openxmlformats.org/presentationml/2006/main">
+  <p:cSld>
+    <p:spTree>
+      <p:nvGrpSpPr>
+        <p:cNvPr id="1" name=""/>
+        <p:cNvGrpSpPr/>
+        <p:nvPr/>
+      </p:nvGrpSpPr>
+      <p:grpSpPr>
+        <a:xfrm>
+          <a:off x="0" y="0"/>
+          <a:ext cx="0" cy="0"/>
+          <a:chOff x="0" y="0"/>
+          <a:chExt cx="0" cy="0"/>
+        </a:xfrm>
+      </p:grpSpPr>
+      <p:sp>
+        <p:nvSpPr>
+          <p:cNvPr id="2" name="Slide Image Placeholder 1"/>
+          <p:cNvSpPr>
+            <a:spLocks noGrp="1" noRot="1" noChangeAspect="1"/>
+          </p:cNvSpPr>
+          <p:nvPr>
+            <p:ph type="sldImg"/>
+          </p:nvPr>
+        </p:nvSpPr>
+        <p:spPr/>
+      </p:sp>
+      <p:sp>
+        <p:nvSpPr>
+          <p:cNvPr id="3" name="Notes Placeholder 2"/>
+          <p:cNvSpPr>
+            <a:spLocks noGrp="1"/>
+          </p:cNvSpPr>
+          <p:nvPr>
+            <p:ph type="body" idx="1"/>
+          </p:nvPr>
+        </p:nvSpPr>
+        <p:spPr/>
+        <p:txBody>
+          <a:bodyPr/>
+          <a:lstStyle/>
+          <a:p>
+            <a:endParaRPr lang="en-US" dirty="0"/>
+          </a:p>
+        </p:txBody>
+      </p:sp>
+      <p:sp>
+        <p:nvSpPr>
+          <p:cNvPr id="4" name="Slide Number Placeholder 3"/>
+          <p:cNvSpPr>
+            <a:spLocks noGrp="1"/>
+          </p:cNvSpPr>
+          <p:nvPr>
+            <p:ph type="sldNum" sz="quarter" idx="5"/>
+          </p:nvPr>
+        </p:nvSpPr>
+        <p:spPr/>
+        <p:txBody>
+          <a:bodyPr/>
+          <a:lstStyle/>
+          <a:p>
+            <a:fld id="{5ED6D2F6-D9A8-4EC3-B74F-DA40A0FC4A95}" type="slidenum">
+              <a:rPr lang="en-US" smtClean="0"/>
+              <a:t>17</a:t>
+            </a:fld>
+            <a:endParaRPr lang="en-US"/>
+          </a:p>
+        </p:txBody>
+      </p:sp>
+    </p:spTree>
+    <p:extLst>
+      <p:ext uri="{BB962C8B-B14F-4D97-AF65-F5344CB8AC3E}">
+        <p14:creationId xmlns:p14="http://schemas.microsoft.com/office/powerpoint/2010/main" val="917664598"/>
+      </p:ext>
+    </p:extLst>
+  </p:cSld>
+  <p:clrMapOvr>
+    <a:masterClrMapping/>
+  </p:clrMapOvr>
+</p:notes>
+</file>
+
+<file path=ppt/notesSlides/notesSlide7.xml><?xml version="1.0" encoding="utf-8"?>
+<p:notes xmlns:a="http://schemas.openxmlformats.org/drawingml/2006/main" xmlns:r="http://schemas.openxmlformats.org/officeDocument/2006/relationships" xmlns:p="http://schemas.openxmlformats.org/presentationml/2006/main">
+  <p:cSld>
+    <p:spTree>
+      <p:nvGrpSpPr>
+        <p:cNvPr id="1" name=""/>
+        <p:cNvGrpSpPr/>
+        <p:nvPr/>
+      </p:nvGrpSpPr>
+      <p:grpSpPr>
+        <a:xfrm>
+          <a:off x="0" y="0"/>
+          <a:ext cx="0" cy="0"/>
+          <a:chOff x="0" y="0"/>
+          <a:chExt cx="0" cy="0"/>
+        </a:xfrm>
+      </p:grpSpPr>
+      <p:sp>
+        <p:nvSpPr>
+          <p:cNvPr id="2" name="Slide Image Placeholder 1"/>
+          <p:cNvSpPr>
+            <a:spLocks noGrp="1" noRot="1" noChangeAspect="1"/>
+          </p:cNvSpPr>
+          <p:nvPr>
+            <p:ph type="sldImg"/>
+          </p:nvPr>
+        </p:nvSpPr>
+        <p:spPr/>
+      </p:sp>
+      <p:sp>
+        <p:nvSpPr>
+          <p:cNvPr id="3" name="Notes Placeholder 2"/>
+          <p:cNvSpPr>
+            <a:spLocks noGrp="1"/>
+          </p:cNvSpPr>
+          <p:nvPr>
+            <p:ph type="body" idx="1"/>
+          </p:nvPr>
+        </p:nvSpPr>
+        <p:spPr/>
+        <p:txBody>
+          <a:bodyPr/>
+          <a:lstStyle/>
+          <a:p>
+            <a:endParaRPr lang="en-US" dirty="0"/>
+          </a:p>
+        </p:txBody>
+      </p:sp>
+      <p:sp>
+        <p:nvSpPr>
+          <p:cNvPr id="4" name="Slide Number Placeholder 3"/>
+          <p:cNvSpPr>
+            <a:spLocks noGrp="1"/>
+          </p:cNvSpPr>
+          <p:nvPr>
+            <p:ph type="sldNum" sz="quarter" idx="5"/>
+          </p:nvPr>
+        </p:nvSpPr>
+        <p:spPr/>
+        <p:txBody>
+          <a:bodyPr/>
+          <a:lstStyle/>
+          <a:p>
+            <a:fld id="{5ED6D2F6-D9A8-4EC3-B74F-DA40A0FC4A95}" type="slidenum">
+              <a:rPr lang="en-US" smtClean="0"/>
+              <a:t>18</a:t>
+            </a:fld>
+            <a:endParaRPr lang="en-US"/>
+          </a:p>
+        </p:txBody>
+      </p:sp>
+    </p:spTree>
+    <p:extLst>
+      <p:ext uri="{BB962C8B-B14F-4D97-AF65-F5344CB8AC3E}">
+        <p14:creationId xmlns:p14="http://schemas.microsoft.com/office/powerpoint/2010/main" val="4209106263"/>
+      </p:ext>
+    </p:extLst>
+  </p:cSld>
+  <p:clrMapOvr>
+    <a:masterClrMapping/>
+  </p:clrMapOvr>
+</p:notes>
+</file>
+
+<file path=ppt/notesSlides/notesSlide8.xml><?xml version="1.0" encoding="utf-8"?>
+<p:notes xmlns:a="http://schemas.openxmlformats.org/drawingml/2006/main" xmlns:r="http://schemas.openxmlformats.org/officeDocument/2006/relationships" xmlns:p="http://schemas.openxmlformats.org/presentationml/2006/main">
+  <p:cSld>
+    <p:spTree>
+      <p:nvGrpSpPr>
+        <p:cNvPr id="1" name=""/>
+        <p:cNvGrpSpPr/>
+        <p:nvPr/>
+      </p:nvGrpSpPr>
+      <p:grpSpPr>
+        <a:xfrm>
+          <a:off x="0" y="0"/>
+          <a:ext cx="0" cy="0"/>
+          <a:chOff x="0" y="0"/>
+          <a:chExt cx="0" cy="0"/>
+        </a:xfrm>
+      </p:grpSpPr>
+      <p:sp>
+        <p:nvSpPr>
+          <p:cNvPr id="2" name="Slide Image Placeholder 1"/>
+          <p:cNvSpPr>
+            <a:spLocks noGrp="1" noRot="1" noChangeAspect="1"/>
+          </p:cNvSpPr>
+          <p:nvPr>
+            <p:ph type="sldImg"/>
+          </p:nvPr>
+        </p:nvSpPr>
+        <p:spPr/>
+      </p:sp>
+      <p:sp>
+        <p:nvSpPr>
+          <p:cNvPr id="3" name="Notes Placeholder 2"/>
+          <p:cNvSpPr>
+            <a:spLocks noGrp="1"/>
+          </p:cNvSpPr>
+          <p:nvPr>
+            <p:ph type="body" idx="1"/>
+          </p:nvPr>
+        </p:nvSpPr>
+        <p:spPr/>
+        <p:txBody>
+          <a:bodyPr/>
+          <a:lstStyle/>
+          <a:p>
+            <a:endParaRPr lang="en-US" dirty="0"/>
+          </a:p>
+        </p:txBody>
+      </p:sp>
+      <p:sp>
+        <p:nvSpPr>
+          <p:cNvPr id="4" name="Slide Number Placeholder 3"/>
+          <p:cNvSpPr>
+            <a:spLocks noGrp="1"/>
+          </p:cNvSpPr>
+          <p:nvPr>
+            <p:ph type="sldNum" sz="quarter" idx="5"/>
+          </p:nvPr>
+        </p:nvSpPr>
+        <p:spPr/>
+        <p:txBody>
+          <a:bodyPr/>
+          <a:lstStyle/>
+          <a:p>
+            <a:fld id="{5ED6D2F6-D9A8-4EC3-B74F-DA40A0FC4A95}" type="slidenum">
+              <a:rPr lang="en-US" smtClean="0"/>
+              <a:t>19</a:t>
             </a:fld>
             <a:endParaRPr lang="en-US"/>
           </a:p>
@@ -1345,7 +1648,7 @@
           <a:p>
             <a:fld id="{43789B8F-7842-4BEF-9976-1EE74F57C738}" type="datetime1">
               <a:rPr lang="en-US" smtClean="0"/>
-              <a:t>7/5/2023</a:t>
+              <a:t>8/7/2023</a:t>
             </a:fld>
             <a:endParaRPr lang="en-US"/>
           </a:p>
@@ -1577,7 +1880,7 @@
           <a:p>
             <a:fld id="{050F5937-DD26-4F95-A0ED-C31A278A1247}" type="datetime1">
               <a:rPr lang="en-US" smtClean="0"/>
-              <a:t>7/5/2023</a:t>
+              <a:t>8/7/2023</a:t>
             </a:fld>
             <a:endParaRPr lang="en-US"/>
           </a:p>
@@ -2044,7 +2347,7 @@
           <a:p>
             <a:fld id="{49F581DC-F6E5-4AEE-98F3-A1977368E94D}" type="datetime1">
               <a:rPr lang="en-US" smtClean="0"/>
-              <a:t>7/5/2023</a:t>
+              <a:t>8/7/2023</a:t>
             </a:fld>
             <a:endParaRPr lang="en-US"/>
           </a:p>
@@ -2364,7 +2667,7 @@
           <a:p>
             <a:fld id="{A23148C6-A681-474A-852B-6488E264F1FD}" type="datetime1">
               <a:rPr lang="en-US" smtClean="0"/>
-              <a:t>7/5/2023</a:t>
+              <a:t>8/7/2023</a:t>
             </a:fld>
             <a:endParaRPr lang="en-US"/>
           </a:p>
@@ -2831,7 +3134,7 @@
           <a:p>
             <a:fld id="{E05877EE-87E6-4A80-A3D1-647EBC487900}" type="datetime1">
               <a:rPr lang="en-US" smtClean="0"/>
-              <a:t>7/5/2023</a:t>
+              <a:t>8/7/2023</a:t>
             </a:fld>
             <a:endParaRPr lang="en-US"/>
           </a:p>
@@ -3361,7 +3664,7 @@
           <a:p>
             <a:fld id="{1F39E345-7F84-425C-B838-418A9624F210}" type="datetime1">
               <a:rPr lang="en-US" smtClean="0"/>
-              <a:t>7/5/2023</a:t>
+              <a:t>8/7/2023</a:t>
             </a:fld>
             <a:endParaRPr lang="en-US"/>
           </a:p>
@@ -3676,7 +3979,7 @@
           <a:p>
             <a:fld id="{F90E5D04-5C5D-47CC-BDED-D4EAD1A4B7F8}" type="datetime1">
               <a:rPr lang="en-US" smtClean="0"/>
-              <a:t>7/5/2023</a:t>
+              <a:t>8/7/2023</a:t>
             </a:fld>
             <a:endParaRPr lang="en-US"/>
           </a:p>
@@ -4024,7 +4327,7 @@
           <a:p>
             <a:fld id="{B019BD83-B2B4-4833-86B7-8D5583952E34}" type="datetime1">
               <a:rPr lang="en-US" smtClean="0"/>
-              <a:t>7/5/2023</a:t>
+              <a:t>8/7/2023</a:t>
             </a:fld>
             <a:endParaRPr lang="en-US"/>
           </a:p>
@@ -4805,7 +5108,7 @@
           <p:cNvPr id="2" name="Title 1">
             <a:extLst>
               <a:ext uri="{FF2B5EF4-FFF2-40B4-BE49-F238E27FC236}">
-                <a16:creationId xmlns:a16="http://schemas.microsoft.com/office/drawing/2014/main" id="{FF46EFE3-2612-B04E-2A19-D61DA27B229B}"/>
+                <a16:creationId xmlns:a16="http://schemas.microsoft.com/office/drawing/2014/main" id="{3A6E25C4-0E70-13FA-3397-72BFBB2F2D6D}"/>
               </a:ext>
             </a:extLst>
           </p:cNvPr>
@@ -4816,21 +5119,15 @@
             <p:ph type="title"/>
           </p:nvPr>
         </p:nvSpPr>
-        <p:spPr>
-          <a:xfrm>
-            <a:off x="838200" y="287165"/>
-            <a:ext cx="10515600" cy="1056686"/>
-          </a:xfrm>
-        </p:spPr>
+        <p:spPr/>
         <p:txBody>
           <a:bodyPr/>
           <a:lstStyle/>
           <a:p>
             <a:r>
-              <a:rPr lang="en-US" sz="4400" dirty="0"/>
-              <a:t>Stochastic Collocation – MC Regression</a:t>
-            </a:r>
-            <a:endParaRPr lang="en-US" dirty="0"/>
+              <a:rPr lang="en-US" dirty="0"/>
+              <a:t>The Geometry Uncertainty Problem</a:t>
+            </a:r>
           </a:p>
         </p:txBody>
       </p:sp>
@@ -4839,7 +5136,7 @@
           <p:cNvPr id="3" name="Content Placeholder 2">
             <a:extLst>
               <a:ext uri="{FF2B5EF4-FFF2-40B4-BE49-F238E27FC236}">
-                <a16:creationId xmlns:a16="http://schemas.microsoft.com/office/drawing/2014/main" id="{C5AD6461-80F6-D156-FBF4-9DA7849BE8B4}"/>
+                <a16:creationId xmlns:a16="http://schemas.microsoft.com/office/drawing/2014/main" id="{B37A6507-D72A-2779-D9A6-D4C0B65BD9D6}"/>
               </a:ext>
             </a:extLst>
           </p:cNvPr>
@@ -4850,20 +5147,109 @@
             <p:ph idx="1"/>
           </p:nvPr>
         </p:nvSpPr>
-        <p:spPr/>
-        <p:txBody>
-          <a:bodyPr/>
+        <p:spPr>
+          <a:xfrm>
+            <a:off x="838200" y="1161294"/>
+            <a:ext cx="10515600" cy="5015669"/>
+          </a:xfrm>
+        </p:spPr>
+        <p:txBody>
+          <a:bodyPr>
+            <a:normAutofit fontScale="62500" lnSpcReduction="20000"/>
+          </a:bodyPr>
           <a:lstStyle/>
           <a:p>
             <a:r>
               <a:rPr lang="en-US" dirty="0"/>
-              <a:t>A variation of stochastic collocation where the orthogonal polynomials are fitted to MC generated samples</a:t>
+              <a:t>Curse of dimensionality limits possibilities with UQ on geometry. </a:t>
             </a:r>
           </a:p>
           <a:p>
             <a:r>
               <a:rPr lang="en-US" dirty="0"/>
-              <a:t>Usually more effective at higher dimensions and less efficient at lower dimensions compared to quadrature rule stochastic collocation</a:t>
+              <a:t>Candidate approach: Individual Pixel Specification</a:t>
+            </a:r>
+          </a:p>
+          <a:p>
+            <a:pPr lvl="1"/>
+            <a:r>
+              <a:rPr lang="en-US" dirty="0"/>
+              <a:t>Treat each pixel as a separate input with some value between 0-1 representing a ratio of how much hard and soft material is in that pixel.</a:t>
+            </a:r>
+          </a:p>
+          <a:p>
+            <a:pPr lvl="1"/>
+            <a:r>
+              <a:rPr lang="en-US" dirty="0"/>
+              <a:t>Pros: Intuitive, simple, deterministic</a:t>
+            </a:r>
+          </a:p>
+          <a:p>
+            <a:pPr lvl="1"/>
+            <a:r>
+              <a:rPr lang="en-US" dirty="0"/>
+              <a:t>Cons: Input dimensions scales with pixel count</a:t>
+            </a:r>
+          </a:p>
+          <a:p>
+            <a:r>
+              <a:rPr lang="en-US" dirty="0"/>
+              <a:t>Candidate approach: Latent parameters w/ ML algorithms (Wei’s group)</a:t>
+            </a:r>
+          </a:p>
+          <a:p>
+            <a:pPr lvl="1"/>
+            <a:r>
+              <a:rPr lang="en-US" dirty="0"/>
+              <a:t>Use ML algorithms to generate realistic defects, forcing the neural architecture to be such that there are a small fixed number of “latent” parameters that specify the defect.</a:t>
+            </a:r>
+          </a:p>
+          <a:p>
+            <a:pPr lvl="1"/>
+            <a:r>
+              <a:rPr lang="en-US" dirty="0"/>
+              <a:t>Pros: Can be deterministic?, NN tunable to give certain types of defects preferentially</a:t>
+            </a:r>
+          </a:p>
+          <a:p>
+            <a:pPr lvl="1"/>
+            <a:r>
+              <a:rPr lang="en-US" dirty="0"/>
+              <a:t>Cons: Latent parameters are by definition not reflective of physical quantities, and thus difficult for any user to assign a distribution to given a real world problem.</a:t>
+            </a:r>
+          </a:p>
+          <a:p>
+            <a:r>
+              <a:rPr lang="en-US" dirty="0"/>
+              <a:t>Candidate approach: Edge pixel flip chance</a:t>
+            </a:r>
+          </a:p>
+          <a:p>
+            <a:pPr lvl="1"/>
+            <a:r>
+              <a:rPr lang="en-US" dirty="0"/>
+              <a:t>For any given geometry, locate subset of pixels that are at the edge between hard and soft materials. One value, the flip chance, is applied to all these pixels to get random flipping of pixels to generate defective shapes.</a:t>
+            </a:r>
+          </a:p>
+          <a:p>
+            <a:pPr lvl="1"/>
+            <a:r>
+              <a:rPr lang="en-US" dirty="0"/>
+              <a:t>Pros: 1D input regardless of geometry complexity, meaningful physical parameter</a:t>
+            </a:r>
+          </a:p>
+          <a:p>
+            <a:pPr lvl="1"/>
+            <a:r>
+              <a:rPr lang="en-US" dirty="0"/>
+              <a:t>Cons: NOT deterministic, which means this is only a valid geometry UQ approach if the distribution from geometry defects alone is small for any given flip chance, relative to the distribution from variations in material properties. I.e. all defects of a certain flip chance are similar in their impact on outputs of interest.</a:t>
+            </a:r>
+          </a:p>
+          <a:p>
+            <a:pPr lvl="1"/>
+            <a:r>
+              <a:rPr lang="en-US" dirty="0"/>
+              <a:t>Variations: Specify no. of flipped pixels instead of flip chance; include/exclude soft material from the edge pixel subset; count touching corners as edge pixels.</a:t>
             </a:r>
           </a:p>
         </p:txBody>
@@ -4871,7 +5257,7 @@
     </p:spTree>
     <p:extLst>
       <p:ext uri="{BB962C8B-B14F-4D97-AF65-F5344CB8AC3E}">
-        <p14:creationId xmlns:p14="http://schemas.microsoft.com/office/powerpoint/2010/main" val="51304751"/>
+        <p14:creationId xmlns:p14="http://schemas.microsoft.com/office/powerpoint/2010/main" val="983418227"/>
       </p:ext>
     </p:extLst>
   </p:cSld>
@@ -4903,7 +5289,7 @@
           <p:cNvPr id="2" name="Title 1">
             <a:extLst>
               <a:ext uri="{FF2B5EF4-FFF2-40B4-BE49-F238E27FC236}">
-                <a16:creationId xmlns:a16="http://schemas.microsoft.com/office/drawing/2014/main" id="{2FB1AF1B-E5FB-47C6-F2C8-D17A8AB062DF}"/>
+                <a16:creationId xmlns:a16="http://schemas.microsoft.com/office/drawing/2014/main" id="{DE9A25E5-E49D-B8C1-069F-E83D8A83DA79}"/>
               </a:ext>
             </a:extLst>
           </p:cNvPr>
@@ -4914,31 +5300,26 @@
             <p:ph type="title"/>
           </p:nvPr>
         </p:nvSpPr>
-        <p:spPr>
-          <a:xfrm>
-            <a:off x="838200" y="346701"/>
-            <a:ext cx="10515600" cy="1056686"/>
-          </a:xfrm>
-        </p:spPr>
+        <p:spPr/>
         <p:txBody>
           <a:bodyPr>
-            <a:noAutofit/>
+            <a:normAutofit fontScale="90000"/>
           </a:bodyPr>
           <a:lstStyle/>
           <a:p>
             <a:r>
-              <a:rPr lang="en-US" sz="3600" dirty="0"/>
-              <a:t>Stochastic Collocation – MC Regression (Underfit)</a:t>
+              <a:rPr lang="en-US" dirty="0"/>
+              <a:t>Edge Pixel Flip Chance – Geometry Generation</a:t>
             </a:r>
           </a:p>
         </p:txBody>
       </p:sp>
       <p:pic>
         <p:nvPicPr>
-          <p:cNvPr id="5" name="Content Placeholder 4">
-            <a:extLst>
-              <a:ext uri="{FF2B5EF4-FFF2-40B4-BE49-F238E27FC236}">
-                <a16:creationId xmlns:a16="http://schemas.microsoft.com/office/drawing/2014/main" id="{AE2D6E08-A882-0A1D-DD91-568191A07070}"/>
+          <p:cNvPr id="5" name="Content Placeholder 4" descr="A black grid with white lines&#10;&#10;Description automatically generated">
+            <a:extLst>
+              <a:ext uri="{FF2B5EF4-FFF2-40B4-BE49-F238E27FC236}">
+                <a16:creationId xmlns:a16="http://schemas.microsoft.com/office/drawing/2014/main" id="{B4D5F369-BB8F-09EB-6BBC-D52472D212F6}"/>
               </a:ext>
             </a:extLst>
           </p:cNvPr>
@@ -4950,21 +5331,22 @@
           </p:nvPr>
         </p:nvPicPr>
         <p:blipFill>
-          <a:blip r:embed="rId2"/>
-          <a:srcRect/>
-          <a:stretch/>
+          <a:blip r:embed="rId3"/>
+          <a:stretch>
+            <a:fillRect/>
+          </a:stretch>
         </p:blipFill>
         <p:spPr>
           <a:xfrm>
-            <a:off x="838200" y="1632281"/>
-            <a:ext cx="10515600" cy="4350675"/>
+            <a:off x="838200" y="2047759"/>
+            <a:ext cx="10515600" cy="3519719"/>
           </a:xfrm>
         </p:spPr>
       </p:pic>
     </p:spTree>
     <p:extLst>
       <p:ext uri="{BB962C8B-B14F-4D97-AF65-F5344CB8AC3E}">
-        <p14:creationId xmlns:p14="http://schemas.microsoft.com/office/powerpoint/2010/main" val="313178282"/>
+        <p14:creationId xmlns:p14="http://schemas.microsoft.com/office/powerpoint/2010/main" val="4154470498"/>
       </p:ext>
     </p:extLst>
   </p:cSld>
@@ -4996,7 +5378,7 @@
           <p:cNvPr id="2" name="Title 1">
             <a:extLst>
               <a:ext uri="{FF2B5EF4-FFF2-40B4-BE49-F238E27FC236}">
-                <a16:creationId xmlns:a16="http://schemas.microsoft.com/office/drawing/2014/main" id="{2FB1AF1B-E5FB-47C6-F2C8-D17A8AB062DF}"/>
+                <a16:creationId xmlns:a16="http://schemas.microsoft.com/office/drawing/2014/main" id="{DE9A25E5-E49D-B8C1-069F-E83D8A83DA79}"/>
               </a:ext>
             </a:extLst>
           </p:cNvPr>
@@ -5007,21 +5389,16 @@
             <p:ph type="title"/>
           </p:nvPr>
         </p:nvSpPr>
-        <p:spPr>
-          <a:xfrm>
-            <a:off x="838200" y="346701"/>
-            <a:ext cx="10515600" cy="1056686"/>
-          </a:xfrm>
-        </p:spPr>
+        <p:spPr/>
         <p:txBody>
           <a:bodyPr>
-            <a:noAutofit/>
+            <a:normAutofit/>
           </a:bodyPr>
           <a:lstStyle/>
           <a:p>
             <a:r>
-              <a:rPr lang="en-US" sz="3200" dirty="0"/>
-              <a:t>Stochastic Collocation – MC Regression – Bandgap Size</a:t>
+              <a:rPr lang="en-US" dirty="0"/>
+              <a:t>Finite Element Mesh Convergence</a:t>
             </a:r>
           </a:p>
         </p:txBody>
@@ -5031,7 +5408,7 @@
           <p:cNvPr id="5" name="Content Placeholder 4">
             <a:extLst>
               <a:ext uri="{FF2B5EF4-FFF2-40B4-BE49-F238E27FC236}">
-                <a16:creationId xmlns:a16="http://schemas.microsoft.com/office/drawing/2014/main" id="{AE2D6E08-A882-0A1D-DD91-568191A07070}"/>
+                <a16:creationId xmlns:a16="http://schemas.microsoft.com/office/drawing/2014/main" id="{B4D5F369-BB8F-09EB-6BBC-D52472D212F6}"/>
               </a:ext>
             </a:extLst>
           </p:cNvPr>
@@ -5049,15 +5426,15 @@
         </p:blipFill>
         <p:spPr>
           <a:xfrm>
-            <a:off x="838200" y="1632281"/>
-            <a:ext cx="10515600" cy="4350675"/>
+            <a:off x="838200" y="2047759"/>
+            <a:ext cx="10515600" cy="3519719"/>
           </a:xfrm>
         </p:spPr>
       </p:pic>
     </p:spTree>
     <p:extLst>
       <p:ext uri="{BB962C8B-B14F-4D97-AF65-F5344CB8AC3E}">
-        <p14:creationId xmlns:p14="http://schemas.microsoft.com/office/powerpoint/2010/main" val="745860620"/>
+        <p14:creationId xmlns:p14="http://schemas.microsoft.com/office/powerpoint/2010/main" val="481315881"/>
       </p:ext>
     </p:extLst>
   </p:cSld>
@@ -5084,47 +5461,12 @@
           <a:chExt cx="0" cy="0"/>
         </a:xfrm>
       </p:grpSpPr>
-      <p:sp>
-        <p:nvSpPr>
-          <p:cNvPr id="2" name="Title 1">
-            <a:extLst>
-              <a:ext uri="{FF2B5EF4-FFF2-40B4-BE49-F238E27FC236}">
-                <a16:creationId xmlns:a16="http://schemas.microsoft.com/office/drawing/2014/main" id="{2FB1AF1B-E5FB-47C6-F2C8-D17A8AB062DF}"/>
-              </a:ext>
-            </a:extLst>
-          </p:cNvPr>
-          <p:cNvSpPr>
-            <a:spLocks noGrp="1"/>
-          </p:cNvSpPr>
-          <p:nvPr>
-            <p:ph type="title"/>
-          </p:nvPr>
-        </p:nvSpPr>
-        <p:spPr>
-          <a:xfrm>
-            <a:off x="838200" y="346701"/>
-            <a:ext cx="10515600" cy="1056686"/>
-          </a:xfrm>
-        </p:spPr>
-        <p:txBody>
-          <a:bodyPr>
-            <a:noAutofit/>
-          </a:bodyPr>
-          <a:lstStyle/>
-          <a:p>
-            <a:r>
-              <a:rPr lang="en-US" sz="3200" dirty="0"/>
-              <a:t>Stochastic Collocation – MC Regression – Bandgap Center</a:t>
-            </a:r>
-          </a:p>
-        </p:txBody>
-      </p:sp>
       <p:pic>
         <p:nvPicPr>
-          <p:cNvPr id="5" name="Content Placeholder 4">
-            <a:extLst>
-              <a:ext uri="{FF2B5EF4-FFF2-40B4-BE49-F238E27FC236}">
-                <a16:creationId xmlns:a16="http://schemas.microsoft.com/office/drawing/2014/main" id="{AE2D6E08-A882-0A1D-DD91-568191A07070}"/>
+          <p:cNvPr id="7" name="Content Placeholder 6">
+            <a:extLst>
+              <a:ext uri="{FF2B5EF4-FFF2-40B4-BE49-F238E27FC236}">
+                <a16:creationId xmlns:a16="http://schemas.microsoft.com/office/drawing/2014/main" id="{1932DB80-BA16-4C33-684D-08E3A69A4340}"/>
               </a:ext>
             </a:extLst>
           </p:cNvPr>
@@ -5142,15 +5484,306 @@
         </p:blipFill>
         <p:spPr>
           <a:xfrm>
-            <a:off x="838200" y="1632281"/>
-            <a:ext cx="10515600" cy="4350675"/>
+            <a:off x="678169" y="879354"/>
+            <a:ext cx="5417831" cy="2715773"/>
           </a:xfrm>
         </p:spPr>
       </p:pic>
+      <p:pic>
+        <p:nvPicPr>
+          <p:cNvPr id="9" name="Picture 8">
+            <a:extLst>
+              <a:ext uri="{FF2B5EF4-FFF2-40B4-BE49-F238E27FC236}">
+                <a16:creationId xmlns:a16="http://schemas.microsoft.com/office/drawing/2014/main" id="{6B9C0983-42DC-E474-62AD-0C079F360FFE}"/>
+              </a:ext>
+            </a:extLst>
+          </p:cNvPr>
+          <p:cNvPicPr>
+            <a:picLocks noChangeAspect="1"/>
+          </p:cNvPicPr>
+          <p:nvPr/>
+        </p:nvPicPr>
+        <p:blipFill>
+          <a:blip r:embed="rId4"/>
+          <a:srcRect/>
+          <a:stretch/>
+        </p:blipFill>
+        <p:spPr>
+          <a:xfrm>
+            <a:off x="678168" y="3595127"/>
+            <a:ext cx="5417830" cy="2715773"/>
+          </a:xfrm>
+          <a:prstGeom prst="rect">
+            <a:avLst/>
+          </a:prstGeom>
+        </p:spPr>
+      </p:pic>
+      <p:sp>
+        <p:nvSpPr>
+          <p:cNvPr id="2" name="Title 1">
+            <a:extLst>
+              <a:ext uri="{FF2B5EF4-FFF2-40B4-BE49-F238E27FC236}">
+                <a16:creationId xmlns:a16="http://schemas.microsoft.com/office/drawing/2014/main" id="{DE9A25E5-E49D-B8C1-069F-E83D8A83DA79}"/>
+              </a:ext>
+            </a:extLst>
+          </p:cNvPr>
+          <p:cNvSpPr>
+            <a:spLocks noGrp="1"/>
+          </p:cNvSpPr>
+          <p:nvPr>
+            <p:ph type="title"/>
+          </p:nvPr>
+        </p:nvSpPr>
+        <p:spPr>
+          <a:xfrm>
+            <a:off x="838200" y="104608"/>
+            <a:ext cx="10515600" cy="1056686"/>
+          </a:xfrm>
+        </p:spPr>
+        <p:txBody>
+          <a:bodyPr anchor="ctr">
+            <a:normAutofit/>
+          </a:bodyPr>
+          <a:lstStyle/>
+          <a:p>
+            <a:r>
+              <a:rPr lang="en-US" dirty="0"/>
+              <a:t>EPF – Defect Convergence</a:t>
+            </a:r>
+          </a:p>
+        </p:txBody>
+      </p:sp>
+      <p:sp>
+        <p:nvSpPr>
+          <p:cNvPr id="12" name="Content Placeholder 2">
+            <a:extLst>
+              <a:ext uri="{FF2B5EF4-FFF2-40B4-BE49-F238E27FC236}">
+                <a16:creationId xmlns:a16="http://schemas.microsoft.com/office/drawing/2014/main" id="{E1ACE7C9-7BBC-A392-0AA7-4A145D8DDAE9}"/>
+              </a:ext>
+            </a:extLst>
+          </p:cNvPr>
+          <p:cNvSpPr txBox="1">
+            <a:spLocks/>
+          </p:cNvSpPr>
+          <p:nvPr/>
+        </p:nvSpPr>
+        <p:spPr>
+          <a:xfrm>
+            <a:off x="6095999" y="1161294"/>
+            <a:ext cx="5494021" cy="5149606"/>
+          </a:xfrm>
+          <a:prstGeom prst="rect">
+            <a:avLst/>
+          </a:prstGeom>
+        </p:spPr>
+        <p:txBody>
+          <a:bodyPr vert="horz" lIns="91440" tIns="45720" rIns="91440" bIns="45720" rtlCol="0">
+            <a:normAutofit fontScale="70000" lnSpcReduction="20000"/>
+          </a:bodyPr>
+          <a:lstStyle>
+            <a:lvl1pPr marL="228600" indent="-228600" algn="l" defTabSz="914400" rtl="0" eaLnBrk="1" latinLnBrk="0" hangingPunct="1">
+              <a:lnSpc>
+                <a:spcPct val="90000"/>
+              </a:lnSpc>
+              <a:spcBef>
+                <a:spcPts val="1000"/>
+              </a:spcBef>
+              <a:buFont typeface="Arial" panose="020B0604020202020204" pitchFamily="34" charset="0"/>
+              <a:buChar char="•"/>
+              <a:defRPr sz="2800" kern="1200">
+                <a:solidFill>
+                  <a:schemeClr val="accent6">
+                    <a:lumMod val="75000"/>
+                  </a:schemeClr>
+                </a:solidFill>
+                <a:latin typeface="Trebuchet MS" panose="020B0603020202020204" pitchFamily="34" charset="0"/>
+                <a:ea typeface="+mn-ea"/>
+                <a:cs typeface="+mn-cs"/>
+              </a:defRPr>
+            </a:lvl1pPr>
+            <a:lvl2pPr marL="685800" indent="-228600" algn="l" defTabSz="914400" rtl="0" eaLnBrk="1" latinLnBrk="0" hangingPunct="1">
+              <a:lnSpc>
+                <a:spcPct val="90000"/>
+              </a:lnSpc>
+              <a:spcBef>
+                <a:spcPts val="500"/>
+              </a:spcBef>
+              <a:buFont typeface="Arial" panose="020B0604020202020204" pitchFamily="34" charset="0"/>
+              <a:buChar char="•"/>
+              <a:defRPr sz="2400" kern="1200">
+                <a:solidFill>
+                  <a:schemeClr val="accent6">
+                    <a:lumMod val="75000"/>
+                  </a:schemeClr>
+                </a:solidFill>
+                <a:latin typeface="Trebuchet MS" panose="020B0603020202020204" pitchFamily="34" charset="0"/>
+                <a:ea typeface="+mn-ea"/>
+                <a:cs typeface="+mn-cs"/>
+              </a:defRPr>
+            </a:lvl2pPr>
+            <a:lvl3pPr marL="1143000" indent="-228600" algn="l" defTabSz="914400" rtl="0" eaLnBrk="1" latinLnBrk="0" hangingPunct="1">
+              <a:lnSpc>
+                <a:spcPct val="90000"/>
+              </a:lnSpc>
+              <a:spcBef>
+                <a:spcPts val="500"/>
+              </a:spcBef>
+              <a:buFont typeface="Arial" panose="020B0604020202020204" pitchFamily="34" charset="0"/>
+              <a:buChar char="•"/>
+              <a:defRPr sz="2000" kern="1200">
+                <a:solidFill>
+                  <a:schemeClr val="accent6">
+                    <a:lumMod val="75000"/>
+                  </a:schemeClr>
+                </a:solidFill>
+                <a:latin typeface="Trebuchet MS" panose="020B0603020202020204" pitchFamily="34" charset="0"/>
+                <a:ea typeface="+mn-ea"/>
+                <a:cs typeface="+mn-cs"/>
+              </a:defRPr>
+            </a:lvl3pPr>
+            <a:lvl4pPr marL="1600200" indent="-228600" algn="l" defTabSz="914400" rtl="0" eaLnBrk="1" latinLnBrk="0" hangingPunct="1">
+              <a:lnSpc>
+                <a:spcPct val="90000"/>
+              </a:lnSpc>
+              <a:spcBef>
+                <a:spcPts val="500"/>
+              </a:spcBef>
+              <a:buFont typeface="Arial" panose="020B0604020202020204" pitchFamily="34" charset="0"/>
+              <a:buChar char="•"/>
+              <a:defRPr sz="1800" kern="1200">
+                <a:solidFill>
+                  <a:schemeClr val="accent6">
+                    <a:lumMod val="75000"/>
+                  </a:schemeClr>
+                </a:solidFill>
+                <a:latin typeface="Trebuchet MS" panose="020B0603020202020204" pitchFamily="34" charset="0"/>
+                <a:ea typeface="+mn-ea"/>
+                <a:cs typeface="+mn-cs"/>
+              </a:defRPr>
+            </a:lvl4pPr>
+            <a:lvl5pPr marL="2057400" indent="-228600" algn="l" defTabSz="914400" rtl="0" eaLnBrk="1" latinLnBrk="0" hangingPunct="1">
+              <a:lnSpc>
+                <a:spcPct val="90000"/>
+              </a:lnSpc>
+              <a:spcBef>
+                <a:spcPts val="500"/>
+              </a:spcBef>
+              <a:buFont typeface="Arial" panose="020B0604020202020204" pitchFamily="34" charset="0"/>
+              <a:buChar char="•"/>
+              <a:defRPr sz="1800" kern="1200">
+                <a:solidFill>
+                  <a:schemeClr val="accent6">
+                    <a:lumMod val="75000"/>
+                  </a:schemeClr>
+                </a:solidFill>
+                <a:latin typeface="Trebuchet MS" panose="020B0603020202020204" pitchFamily="34" charset="0"/>
+                <a:ea typeface="+mn-ea"/>
+                <a:cs typeface="+mn-cs"/>
+              </a:defRPr>
+            </a:lvl5pPr>
+            <a:lvl6pPr marL="2514600" indent="-228600" algn="l" defTabSz="914400" rtl="0" eaLnBrk="1" latinLnBrk="0" hangingPunct="1">
+              <a:lnSpc>
+                <a:spcPct val="90000"/>
+              </a:lnSpc>
+              <a:spcBef>
+                <a:spcPts val="500"/>
+              </a:spcBef>
+              <a:buFont typeface="Arial" panose="020B0604020202020204" pitchFamily="34" charset="0"/>
+              <a:buChar char="•"/>
+              <a:defRPr sz="1800" kern="1200">
+                <a:solidFill>
+                  <a:schemeClr val="tx1"/>
+                </a:solidFill>
+                <a:latin typeface="+mn-lt"/>
+                <a:ea typeface="+mn-ea"/>
+                <a:cs typeface="+mn-cs"/>
+              </a:defRPr>
+            </a:lvl6pPr>
+            <a:lvl7pPr marL="2971800" indent="-228600" algn="l" defTabSz="914400" rtl="0" eaLnBrk="1" latinLnBrk="0" hangingPunct="1">
+              <a:lnSpc>
+                <a:spcPct val="90000"/>
+              </a:lnSpc>
+              <a:spcBef>
+                <a:spcPts val="500"/>
+              </a:spcBef>
+              <a:buFont typeface="Arial" panose="020B0604020202020204" pitchFamily="34" charset="0"/>
+              <a:buChar char="•"/>
+              <a:defRPr sz="1800" kern="1200">
+                <a:solidFill>
+                  <a:schemeClr val="tx1"/>
+                </a:solidFill>
+                <a:latin typeface="+mn-lt"/>
+                <a:ea typeface="+mn-ea"/>
+                <a:cs typeface="+mn-cs"/>
+              </a:defRPr>
+            </a:lvl7pPr>
+            <a:lvl8pPr marL="3429000" indent="-228600" algn="l" defTabSz="914400" rtl="0" eaLnBrk="1" latinLnBrk="0" hangingPunct="1">
+              <a:lnSpc>
+                <a:spcPct val="90000"/>
+              </a:lnSpc>
+              <a:spcBef>
+                <a:spcPts val="500"/>
+              </a:spcBef>
+              <a:buFont typeface="Arial" panose="020B0604020202020204" pitchFamily="34" charset="0"/>
+              <a:buChar char="•"/>
+              <a:defRPr sz="1800" kern="1200">
+                <a:solidFill>
+                  <a:schemeClr val="tx1"/>
+                </a:solidFill>
+                <a:latin typeface="+mn-lt"/>
+                <a:ea typeface="+mn-ea"/>
+                <a:cs typeface="+mn-cs"/>
+              </a:defRPr>
+            </a:lvl8pPr>
+            <a:lvl9pPr marL="3886200" indent="-228600" algn="l" defTabSz="914400" rtl="0" eaLnBrk="1" latinLnBrk="0" hangingPunct="1">
+              <a:lnSpc>
+                <a:spcPct val="90000"/>
+              </a:lnSpc>
+              <a:spcBef>
+                <a:spcPts val="500"/>
+              </a:spcBef>
+              <a:buFont typeface="Arial" panose="020B0604020202020204" pitchFamily="34" charset="0"/>
+              <a:buChar char="•"/>
+              <a:defRPr sz="1800" kern="1200">
+                <a:solidFill>
+                  <a:schemeClr val="tx1"/>
+                </a:solidFill>
+                <a:latin typeface="+mn-lt"/>
+                <a:ea typeface="+mn-ea"/>
+                <a:cs typeface="+mn-cs"/>
+              </a:defRPr>
+            </a:lvl9pPr>
+          </a:lstStyle>
+          <a:p>
+            <a:r>
+              <a:rPr lang="en-US" dirty="0"/>
+              <a:t>Typical bandgap size and center output distributions ranges 1000Hz for specified material property input distributions.</a:t>
+            </a:r>
+          </a:p>
+          <a:p>
+            <a:r>
+              <a:rPr lang="en-US" dirty="0"/>
+              <a:t>For 10p EPF, results are terrible, no way for any surrogate model to differentiate between effects of geometry defects and material properties.</a:t>
+            </a:r>
+          </a:p>
+          <a:p>
+            <a:r>
+              <a:rPr lang="en-US" dirty="0"/>
+              <a:t>However, around 40p, EPF becomes a reasonable strategy, with the distribution of computed bandgap results for fixed material properties and 100 randomly generated defective geometries being more than an order of magnitude tighter than ranges seen from UQ on material properties.</a:t>
+            </a:r>
+          </a:p>
+          <a:p>
+            <a:r>
+              <a:rPr lang="en-US" dirty="0"/>
+              <a:t>This suggests we may be able to either incorporate geometry defects as part of the original model (as a meta-parameter), or as one of the inputs to UQ.</a:t>
+            </a:r>
+          </a:p>
+        </p:txBody>
+      </p:sp>
     </p:spTree>
     <p:extLst>
       <p:ext uri="{BB962C8B-B14F-4D97-AF65-F5344CB8AC3E}">
-        <p14:creationId xmlns:p14="http://schemas.microsoft.com/office/powerpoint/2010/main" val="3377187287"/>
+        <p14:creationId xmlns:p14="http://schemas.microsoft.com/office/powerpoint/2010/main" val="3440650923"/>
       </p:ext>
     </p:extLst>
   </p:cSld>
@@ -5182,7 +5815,7 @@
           <p:cNvPr id="2" name="Title 1">
             <a:extLst>
               <a:ext uri="{FF2B5EF4-FFF2-40B4-BE49-F238E27FC236}">
-                <a16:creationId xmlns:a16="http://schemas.microsoft.com/office/drawing/2014/main" id="{2FB1AF1B-E5FB-47C6-F2C8-D17A8AB062DF}"/>
+                <a16:creationId xmlns:a16="http://schemas.microsoft.com/office/drawing/2014/main" id="{FF46EFE3-2612-B04E-2A19-D61DA27B229B}"/>
               </a:ext>
             </a:extLst>
           </p:cNvPr>
@@ -5195,55 +5828,60 @@
         </p:nvSpPr>
         <p:spPr>
           <a:xfrm>
-            <a:off x="838200" y="346701"/>
+            <a:off x="838200" y="287165"/>
             <a:ext cx="10515600" cy="1056686"/>
           </a:xfrm>
         </p:spPr>
         <p:txBody>
-          <a:bodyPr>
-            <a:noAutofit/>
-          </a:bodyPr>
+          <a:bodyPr/>
           <a:lstStyle/>
           <a:p>
             <a:r>
-              <a:rPr lang="en-US" sz="3200" dirty="0"/>
-              <a:t>Stochastic Collocation – MC Regression – Bandgap Top</a:t>
-            </a:r>
-          </a:p>
-        </p:txBody>
-      </p:sp>
-      <p:pic>
-        <p:nvPicPr>
-          <p:cNvPr id="5" name="Content Placeholder 4">
-            <a:extLst>
-              <a:ext uri="{FF2B5EF4-FFF2-40B4-BE49-F238E27FC236}">
-                <a16:creationId xmlns:a16="http://schemas.microsoft.com/office/drawing/2014/main" id="{AE2D6E08-A882-0A1D-DD91-568191A07070}"/>
-              </a:ext>
-            </a:extLst>
-          </p:cNvPr>
-          <p:cNvPicPr>
-            <a:picLocks noGrp="1" noChangeAspect="1"/>
-          </p:cNvPicPr>
+              <a:rPr lang="en-US" sz="4400" dirty="0"/>
+              <a:t>Stochastic Collocation – MC Regression</a:t>
+            </a:r>
+            <a:endParaRPr lang="en-US" dirty="0"/>
+          </a:p>
+        </p:txBody>
+      </p:sp>
+      <p:sp>
+        <p:nvSpPr>
+          <p:cNvPr id="3" name="Content Placeholder 2">
+            <a:extLst>
+              <a:ext uri="{FF2B5EF4-FFF2-40B4-BE49-F238E27FC236}">
+                <a16:creationId xmlns:a16="http://schemas.microsoft.com/office/drawing/2014/main" id="{C5AD6461-80F6-D156-FBF4-9DA7849BE8B4}"/>
+              </a:ext>
+            </a:extLst>
+          </p:cNvPr>
+          <p:cNvSpPr>
+            <a:spLocks noGrp="1"/>
+          </p:cNvSpPr>
           <p:nvPr>
             <p:ph idx="1"/>
           </p:nvPr>
-        </p:nvPicPr>
-        <p:blipFill>
-          <a:blip r:embed="rId3"/>
-          <a:srcRect/>
-          <a:stretch/>
-        </p:blipFill>
-        <p:spPr>
-          <a:xfrm>
-            <a:off x="838200" y="1632281"/>
-            <a:ext cx="10515600" cy="4350675"/>
-          </a:xfrm>
-        </p:spPr>
-      </p:pic>
+        </p:nvSpPr>
+        <p:spPr/>
+        <p:txBody>
+          <a:bodyPr/>
+          <a:lstStyle/>
+          <a:p>
+            <a:r>
+              <a:rPr lang="en-US" dirty="0"/>
+              <a:t>A variation of stochastic collocation where the orthogonal polynomials are fitted to MC generated samples</a:t>
+            </a:r>
+          </a:p>
+          <a:p>
+            <a:r>
+              <a:rPr lang="en-US" dirty="0"/>
+              <a:t>Usually more effective at higher dimensions and less efficient at lower dimensions compared to quadrature rule stochastic collocation</a:t>
+            </a:r>
+          </a:p>
+        </p:txBody>
+      </p:sp>
     </p:spTree>
     <p:extLst>
       <p:ext uri="{BB962C8B-B14F-4D97-AF65-F5344CB8AC3E}">
-        <p14:creationId xmlns:p14="http://schemas.microsoft.com/office/powerpoint/2010/main" val="555498027"/>
+        <p14:creationId xmlns:p14="http://schemas.microsoft.com/office/powerpoint/2010/main" val="51304751"/>
       </p:ext>
     </p:extLst>
   </p:cSld>
@@ -5299,8 +5937,8 @@
           <a:lstStyle/>
           <a:p>
             <a:r>
-              <a:rPr lang="en-US" sz="3200" dirty="0"/>
-              <a:t>Stochastic Collocation – MC Regression – Bandgap Bottom</a:t>
+              <a:rPr lang="en-US" sz="3600" dirty="0"/>
+              <a:t>Stochastic Collocation – MC Regression (Underfit)</a:t>
             </a:r>
           </a:p>
         </p:txBody>
@@ -5322,7 +5960,7 @@
           </p:nvPr>
         </p:nvPicPr>
         <p:blipFill>
-          <a:blip r:embed="rId3"/>
+          <a:blip r:embed="rId2"/>
           <a:srcRect/>
           <a:stretch/>
         </p:blipFill>
@@ -5336,7 +5974,7 @@
     </p:spTree>
     <p:extLst>
       <p:ext uri="{BB962C8B-B14F-4D97-AF65-F5344CB8AC3E}">
-        <p14:creationId xmlns:p14="http://schemas.microsoft.com/office/powerpoint/2010/main" val="3873354010"/>
+        <p14:creationId xmlns:p14="http://schemas.microsoft.com/office/powerpoint/2010/main" val="313178282"/>
       </p:ext>
     </p:extLst>
   </p:cSld>
@@ -5368,7 +6006,7 @@
           <p:cNvPr id="2" name="Title 1">
             <a:extLst>
               <a:ext uri="{FF2B5EF4-FFF2-40B4-BE49-F238E27FC236}">
-                <a16:creationId xmlns:a16="http://schemas.microsoft.com/office/drawing/2014/main" id="{FF46EFE3-2612-B04E-2A19-D61DA27B229B}"/>
+                <a16:creationId xmlns:a16="http://schemas.microsoft.com/office/drawing/2014/main" id="{2FB1AF1B-E5FB-47C6-F2C8-D17A8AB062DF}"/>
               </a:ext>
             </a:extLst>
           </p:cNvPr>
@@ -5381,60 +6019,55 @@
         </p:nvSpPr>
         <p:spPr>
           <a:xfrm>
-            <a:off x="838200" y="265973"/>
+            <a:off x="838200" y="346701"/>
             <a:ext cx="10515600" cy="1056686"/>
           </a:xfrm>
         </p:spPr>
         <p:txBody>
-          <a:bodyPr/>
+          <a:bodyPr>
+            <a:noAutofit/>
+          </a:bodyPr>
           <a:lstStyle/>
           <a:p>
             <a:r>
-              <a:rPr lang="en-US" sz="4400" dirty="0"/>
-              <a:t>Stochastic Collocation – Quadrature Rule</a:t>
-            </a:r>
-            <a:endParaRPr lang="en-US" dirty="0"/>
-          </a:p>
-        </p:txBody>
-      </p:sp>
-      <p:sp>
-        <p:nvSpPr>
-          <p:cNvPr id="3" name="Content Placeholder 2">
-            <a:extLst>
-              <a:ext uri="{FF2B5EF4-FFF2-40B4-BE49-F238E27FC236}">
-                <a16:creationId xmlns:a16="http://schemas.microsoft.com/office/drawing/2014/main" id="{C5AD6461-80F6-D156-FBF4-9DA7849BE8B4}"/>
-              </a:ext>
-            </a:extLst>
-          </p:cNvPr>
-          <p:cNvSpPr>
-            <a:spLocks noGrp="1"/>
-          </p:cNvSpPr>
+              <a:rPr lang="en-US" sz="3200" dirty="0"/>
+              <a:t>Stochastic Collocation – MC Regression – Bandgap Size</a:t>
+            </a:r>
+          </a:p>
+        </p:txBody>
+      </p:sp>
+      <p:pic>
+        <p:nvPicPr>
+          <p:cNvPr id="5" name="Content Placeholder 4">
+            <a:extLst>
+              <a:ext uri="{FF2B5EF4-FFF2-40B4-BE49-F238E27FC236}">
+                <a16:creationId xmlns:a16="http://schemas.microsoft.com/office/drawing/2014/main" id="{AE2D6E08-A882-0A1D-DD91-568191A07070}"/>
+              </a:ext>
+            </a:extLst>
+          </p:cNvPr>
+          <p:cNvPicPr>
+            <a:picLocks noGrp="1" noChangeAspect="1"/>
+          </p:cNvPicPr>
           <p:nvPr>
             <p:ph idx="1"/>
           </p:nvPr>
-        </p:nvSpPr>
-        <p:spPr/>
-        <p:txBody>
-          <a:bodyPr/>
-          <a:lstStyle/>
-          <a:p>
-            <a:r>
-              <a:rPr lang="en-US" dirty="0"/>
-              <a:t>A variation of stochastic collocation where the orthogonal polynomials are fitted to specific points with weights, generated by using a rule function on the input distribution.</a:t>
-            </a:r>
-          </a:p>
-          <a:p>
-            <a:r>
-              <a:rPr lang="en-US" dirty="0"/>
-              <a:t>Extremely efficient at low dimensions, however points needed scales as s = (p + 1)^d, where s is the number of samples needed, p is the order of polynomial fit, and d is the dimensionality of the input space. This method therefore becomes very expensive very quickly as d increases.</a:t>
-            </a:r>
-          </a:p>
-        </p:txBody>
-      </p:sp>
+        </p:nvPicPr>
+        <p:blipFill>
+          <a:blip r:embed="rId3"/>
+          <a:srcRect/>
+          <a:stretch/>
+        </p:blipFill>
+        <p:spPr>
+          <a:xfrm>
+            <a:off x="838200" y="1632281"/>
+            <a:ext cx="10515600" cy="4350675"/>
+          </a:xfrm>
+        </p:spPr>
+      </p:pic>
     </p:spTree>
     <p:extLst>
       <p:ext uri="{BB962C8B-B14F-4D97-AF65-F5344CB8AC3E}">
-        <p14:creationId xmlns:p14="http://schemas.microsoft.com/office/powerpoint/2010/main" val="2229525489"/>
+        <p14:creationId xmlns:p14="http://schemas.microsoft.com/office/powerpoint/2010/main" val="745860620"/>
       </p:ext>
     </p:extLst>
   </p:cSld>
@@ -5466,7 +6099,7 @@
           <p:cNvPr id="2" name="Title 1">
             <a:extLst>
               <a:ext uri="{FF2B5EF4-FFF2-40B4-BE49-F238E27FC236}">
-                <a16:creationId xmlns:a16="http://schemas.microsoft.com/office/drawing/2014/main" id="{6DCC4830-BA42-B1C9-F66B-F78F9E32BB1D}"/>
+                <a16:creationId xmlns:a16="http://schemas.microsoft.com/office/drawing/2014/main" id="{2FB1AF1B-E5FB-47C6-F2C8-D17A8AB062DF}"/>
               </a:ext>
             </a:extLst>
           </p:cNvPr>
@@ -5479,7 +6112,7 @@
         </p:nvSpPr>
         <p:spPr>
           <a:xfrm>
-            <a:off x="838200" y="341221"/>
+            <a:off x="838200" y="346701"/>
             <a:ext cx="10515600" cy="1056686"/>
           </a:xfrm>
         </p:spPr>
@@ -5491,7 +6124,7 @@
           <a:p>
             <a:r>
               <a:rPr lang="en-US" sz="3200" dirty="0"/>
-              <a:t>Stochastic Collocation – Quadrature Rule – Bandgap Size</a:t>
+              <a:t>Stochastic Collocation – MC Regression – Bandgap Center</a:t>
             </a:r>
           </a:p>
         </p:txBody>
@@ -5501,7 +6134,7 @@
           <p:cNvPr id="5" name="Content Placeholder 4">
             <a:extLst>
               <a:ext uri="{FF2B5EF4-FFF2-40B4-BE49-F238E27FC236}">
-                <a16:creationId xmlns:a16="http://schemas.microsoft.com/office/drawing/2014/main" id="{CAE9A72B-8A68-6F30-1013-174001A44746}"/>
+                <a16:creationId xmlns:a16="http://schemas.microsoft.com/office/drawing/2014/main" id="{AE2D6E08-A882-0A1D-DD91-568191A07070}"/>
               </a:ext>
             </a:extLst>
           </p:cNvPr>
@@ -5513,21 +6146,21 @@
           </p:nvPr>
         </p:nvPicPr>
         <p:blipFill>
-          <a:blip r:embed="rId2"/>
+          <a:blip r:embed="rId3"/>
           <a:srcRect/>
           <a:stretch/>
         </p:blipFill>
         <p:spPr>
           <a:xfrm>
-            <a:off x="838200" y="1626802"/>
-            <a:ext cx="10515600" cy="4361634"/>
+            <a:off x="838200" y="1632281"/>
+            <a:ext cx="10515600" cy="4350675"/>
           </a:xfrm>
         </p:spPr>
       </p:pic>
     </p:spTree>
     <p:extLst>
       <p:ext uri="{BB962C8B-B14F-4D97-AF65-F5344CB8AC3E}">
-        <p14:creationId xmlns:p14="http://schemas.microsoft.com/office/powerpoint/2010/main" val="2296558744"/>
+        <p14:creationId xmlns:p14="http://schemas.microsoft.com/office/powerpoint/2010/main" val="3377187287"/>
       </p:ext>
     </p:extLst>
   </p:cSld>
@@ -5559,7 +6192,7 @@
           <p:cNvPr id="2" name="Title 1">
             <a:extLst>
               <a:ext uri="{FF2B5EF4-FFF2-40B4-BE49-F238E27FC236}">
-                <a16:creationId xmlns:a16="http://schemas.microsoft.com/office/drawing/2014/main" id="{6DCC4830-BA42-B1C9-F66B-F78F9E32BB1D}"/>
+                <a16:creationId xmlns:a16="http://schemas.microsoft.com/office/drawing/2014/main" id="{2FB1AF1B-E5FB-47C6-F2C8-D17A8AB062DF}"/>
               </a:ext>
             </a:extLst>
           </p:cNvPr>
@@ -5572,8 +6205,8 @@
         </p:nvSpPr>
         <p:spPr>
           <a:xfrm>
-            <a:off x="730120" y="341221"/>
-            <a:ext cx="10731759" cy="1056686"/>
+            <a:off x="838200" y="346701"/>
+            <a:ext cx="10515600" cy="1056686"/>
           </a:xfrm>
         </p:spPr>
         <p:txBody>
@@ -5584,7 +6217,7 @@
           <a:p>
             <a:r>
               <a:rPr lang="en-US" sz="3200" dirty="0"/>
-              <a:t>Stochastic Collocation – Quadrature Rule – Bandgap Center</a:t>
+              <a:t>Stochastic Collocation – MC Regression – Bandgap Top</a:t>
             </a:r>
           </a:p>
         </p:txBody>
@@ -5594,7 +6227,7 @@
           <p:cNvPr id="5" name="Content Placeholder 4">
             <a:extLst>
               <a:ext uri="{FF2B5EF4-FFF2-40B4-BE49-F238E27FC236}">
-                <a16:creationId xmlns:a16="http://schemas.microsoft.com/office/drawing/2014/main" id="{CAE9A72B-8A68-6F30-1013-174001A44746}"/>
+                <a16:creationId xmlns:a16="http://schemas.microsoft.com/office/drawing/2014/main" id="{AE2D6E08-A882-0A1D-DD91-568191A07070}"/>
               </a:ext>
             </a:extLst>
           </p:cNvPr>
@@ -5606,21 +6239,21 @@
           </p:nvPr>
         </p:nvPicPr>
         <p:blipFill>
-          <a:blip r:embed="rId2"/>
+          <a:blip r:embed="rId3"/>
           <a:srcRect/>
           <a:stretch/>
         </p:blipFill>
         <p:spPr>
           <a:xfrm>
-            <a:off x="838200" y="1626802"/>
-            <a:ext cx="10515600" cy="4361634"/>
+            <a:off x="838200" y="1632281"/>
+            <a:ext cx="10515600" cy="4350675"/>
           </a:xfrm>
         </p:spPr>
       </p:pic>
     </p:spTree>
     <p:extLst>
       <p:ext uri="{BB962C8B-B14F-4D97-AF65-F5344CB8AC3E}">
-        <p14:creationId xmlns:p14="http://schemas.microsoft.com/office/powerpoint/2010/main" val="2358216360"/>
+        <p14:creationId xmlns:p14="http://schemas.microsoft.com/office/powerpoint/2010/main" val="555498027"/>
       </p:ext>
     </p:extLst>
   </p:cSld>
@@ -5652,7 +6285,7 @@
           <p:cNvPr id="2" name="Title 1">
             <a:extLst>
               <a:ext uri="{FF2B5EF4-FFF2-40B4-BE49-F238E27FC236}">
-                <a16:creationId xmlns:a16="http://schemas.microsoft.com/office/drawing/2014/main" id="{6DCC4830-BA42-B1C9-F66B-F78F9E32BB1D}"/>
+                <a16:creationId xmlns:a16="http://schemas.microsoft.com/office/drawing/2014/main" id="{2FB1AF1B-E5FB-47C6-F2C8-D17A8AB062DF}"/>
               </a:ext>
             </a:extLst>
           </p:cNvPr>
@@ -5665,7 +6298,7 @@
         </p:nvSpPr>
         <p:spPr>
           <a:xfrm>
-            <a:off x="838200" y="341221"/>
+            <a:off x="838200" y="346701"/>
             <a:ext cx="10515600" cy="1056686"/>
           </a:xfrm>
         </p:spPr>
@@ -5677,7 +6310,7 @@
           <a:p>
             <a:r>
               <a:rPr lang="en-US" sz="3200" dirty="0"/>
-              <a:t>Stochastic Collocation – Quadrature Rule – Bandgap Top</a:t>
+              <a:t>Stochastic Collocation – MC Regression – Bandgap Bottom</a:t>
             </a:r>
           </a:p>
         </p:txBody>
@@ -5687,7 +6320,7 @@
           <p:cNvPr id="5" name="Content Placeholder 4">
             <a:extLst>
               <a:ext uri="{FF2B5EF4-FFF2-40B4-BE49-F238E27FC236}">
-                <a16:creationId xmlns:a16="http://schemas.microsoft.com/office/drawing/2014/main" id="{CAE9A72B-8A68-6F30-1013-174001A44746}"/>
+                <a16:creationId xmlns:a16="http://schemas.microsoft.com/office/drawing/2014/main" id="{AE2D6E08-A882-0A1D-DD91-568191A07070}"/>
               </a:ext>
             </a:extLst>
           </p:cNvPr>
@@ -5699,21 +6332,21 @@
           </p:nvPr>
         </p:nvPicPr>
         <p:blipFill>
-          <a:blip r:embed="rId2"/>
+          <a:blip r:embed="rId3"/>
           <a:srcRect/>
           <a:stretch/>
         </p:blipFill>
         <p:spPr>
           <a:xfrm>
-            <a:off x="838200" y="1626802"/>
-            <a:ext cx="10515600" cy="4361634"/>
+            <a:off x="838200" y="1632281"/>
+            <a:ext cx="10515600" cy="4350675"/>
           </a:xfrm>
         </p:spPr>
       </p:pic>
     </p:spTree>
     <p:extLst>
       <p:ext uri="{BB962C8B-B14F-4D97-AF65-F5344CB8AC3E}">
-        <p14:creationId xmlns:p14="http://schemas.microsoft.com/office/powerpoint/2010/main" val="2271108801"/>
+        <p14:creationId xmlns:p14="http://schemas.microsoft.com/office/powerpoint/2010/main" val="3873354010"/>
       </p:ext>
     </p:extLst>
   </p:cSld>
@@ -6175,7 +6808,7 @@
           <p:cNvPr id="2" name="Title 1">
             <a:extLst>
               <a:ext uri="{FF2B5EF4-FFF2-40B4-BE49-F238E27FC236}">
-                <a16:creationId xmlns:a16="http://schemas.microsoft.com/office/drawing/2014/main" id="{6DCC4830-BA42-B1C9-F66B-F78F9E32BB1D}"/>
+                <a16:creationId xmlns:a16="http://schemas.microsoft.com/office/drawing/2014/main" id="{FF46EFE3-2612-B04E-2A19-D61DA27B229B}"/>
               </a:ext>
             </a:extLst>
           </p:cNvPr>
@@ -6188,55 +6821,60 @@
         </p:nvSpPr>
         <p:spPr>
           <a:xfrm>
-            <a:off x="730120" y="341221"/>
-            <a:ext cx="10731759" cy="1056686"/>
-          </a:xfrm>
-        </p:spPr>
-        <p:txBody>
-          <a:bodyPr>
-            <a:noAutofit/>
-          </a:bodyPr>
+            <a:off x="838200" y="265973"/>
+            <a:ext cx="10515600" cy="1056686"/>
+          </a:xfrm>
+        </p:spPr>
+        <p:txBody>
+          <a:bodyPr/>
           <a:lstStyle/>
           <a:p>
             <a:r>
-              <a:rPr lang="en-US" sz="3200" dirty="0"/>
-              <a:t>Stochastic Collocation – Quadrature Rule – Bandgap Bottom</a:t>
-            </a:r>
-          </a:p>
-        </p:txBody>
-      </p:sp>
-      <p:pic>
-        <p:nvPicPr>
-          <p:cNvPr id="5" name="Content Placeholder 4">
-            <a:extLst>
-              <a:ext uri="{FF2B5EF4-FFF2-40B4-BE49-F238E27FC236}">
-                <a16:creationId xmlns:a16="http://schemas.microsoft.com/office/drawing/2014/main" id="{CAE9A72B-8A68-6F30-1013-174001A44746}"/>
-              </a:ext>
-            </a:extLst>
-          </p:cNvPr>
-          <p:cNvPicPr>
-            <a:picLocks noGrp="1" noChangeAspect="1"/>
-          </p:cNvPicPr>
+              <a:rPr lang="en-US" sz="4400" dirty="0"/>
+              <a:t>Stochastic Collocation – Quadrature Rule</a:t>
+            </a:r>
+            <a:endParaRPr lang="en-US" dirty="0"/>
+          </a:p>
+        </p:txBody>
+      </p:sp>
+      <p:sp>
+        <p:nvSpPr>
+          <p:cNvPr id="3" name="Content Placeholder 2">
+            <a:extLst>
+              <a:ext uri="{FF2B5EF4-FFF2-40B4-BE49-F238E27FC236}">
+                <a16:creationId xmlns:a16="http://schemas.microsoft.com/office/drawing/2014/main" id="{C5AD6461-80F6-D156-FBF4-9DA7849BE8B4}"/>
+              </a:ext>
+            </a:extLst>
+          </p:cNvPr>
+          <p:cNvSpPr>
+            <a:spLocks noGrp="1"/>
+          </p:cNvSpPr>
           <p:nvPr>
             <p:ph idx="1"/>
           </p:nvPr>
-        </p:nvPicPr>
-        <p:blipFill>
-          <a:blip r:embed="rId2"/>
-          <a:srcRect/>
-          <a:stretch/>
-        </p:blipFill>
-        <p:spPr>
-          <a:xfrm>
-            <a:off x="838200" y="1626802"/>
-            <a:ext cx="10515600" cy="4361634"/>
-          </a:xfrm>
-        </p:spPr>
-      </p:pic>
+        </p:nvSpPr>
+        <p:spPr/>
+        <p:txBody>
+          <a:bodyPr/>
+          <a:lstStyle/>
+          <a:p>
+            <a:r>
+              <a:rPr lang="en-US" dirty="0"/>
+              <a:t>A variation of stochastic collocation where the orthogonal polynomials are fitted to specific points with weights, generated by using a rule function on the input distribution.</a:t>
+            </a:r>
+          </a:p>
+          <a:p>
+            <a:r>
+              <a:rPr lang="en-US" dirty="0"/>
+              <a:t>Extremely efficient at low dimensions, however points needed scales as s = (p + 1)^d, where s is the number of samples needed, p is the order of polynomial fit, and d is the dimensionality of the input space. This method therefore becomes very expensive very quickly as d increases.</a:t>
+            </a:r>
+          </a:p>
+        </p:txBody>
+      </p:sp>
     </p:spTree>
     <p:extLst>
       <p:ext uri="{BB962C8B-B14F-4D97-AF65-F5344CB8AC3E}">
-        <p14:creationId xmlns:p14="http://schemas.microsoft.com/office/powerpoint/2010/main" val="1348473648"/>
+        <p14:creationId xmlns:p14="http://schemas.microsoft.com/office/powerpoint/2010/main" val="2229525489"/>
       </p:ext>
     </p:extLst>
   </p:cSld>
@@ -6268,7 +6906,7 @@
           <p:cNvPr id="2" name="Title 1">
             <a:extLst>
               <a:ext uri="{FF2B5EF4-FFF2-40B4-BE49-F238E27FC236}">
-                <a16:creationId xmlns:a16="http://schemas.microsoft.com/office/drawing/2014/main" id="{EA484178-6ED4-2998-2632-83D0A0FF0D35}"/>
+                <a16:creationId xmlns:a16="http://schemas.microsoft.com/office/drawing/2014/main" id="{6DCC4830-BA42-B1C9-F66B-F78F9E32BB1D}"/>
               </a:ext>
             </a:extLst>
           </p:cNvPr>
@@ -6279,121 +6917,57 @@
             <p:ph type="title"/>
           </p:nvPr>
         </p:nvSpPr>
-        <p:spPr/>
-        <p:txBody>
-          <a:bodyPr/>
+        <p:spPr>
+          <a:xfrm>
+            <a:off x="838200" y="341221"/>
+            <a:ext cx="10515600" cy="1056686"/>
+          </a:xfrm>
+        </p:spPr>
+        <p:txBody>
+          <a:bodyPr>
+            <a:noAutofit/>
+          </a:bodyPr>
           <a:lstStyle/>
           <a:p>
             <a:r>
-              <a:rPr lang="en-US" dirty="0"/>
-              <a:t>1D PCE Fits</a:t>
-            </a:r>
-          </a:p>
-        </p:txBody>
-      </p:sp>
-      <p:sp>
-        <p:nvSpPr>
-          <p:cNvPr id="3" name="Content Placeholder 2">
-            <a:extLst>
-              <a:ext uri="{FF2B5EF4-FFF2-40B4-BE49-F238E27FC236}">
-                <a16:creationId xmlns:a16="http://schemas.microsoft.com/office/drawing/2014/main" id="{F1238953-6B6C-9866-7402-40977869F30D}"/>
-              </a:ext>
-            </a:extLst>
-          </p:cNvPr>
-          <p:cNvSpPr>
-            <a:spLocks noGrp="1"/>
-          </p:cNvSpPr>
+              <a:rPr lang="en-US" sz="3200" dirty="0"/>
+              <a:t>Stochastic Collocation – Quadrature Rule – Bandgap Size</a:t>
+            </a:r>
+          </a:p>
+        </p:txBody>
+      </p:sp>
+      <p:pic>
+        <p:nvPicPr>
+          <p:cNvPr id="5" name="Content Placeholder 4">
+            <a:extLst>
+              <a:ext uri="{FF2B5EF4-FFF2-40B4-BE49-F238E27FC236}">
+                <a16:creationId xmlns:a16="http://schemas.microsoft.com/office/drawing/2014/main" id="{CAE9A72B-8A68-6F30-1013-174001A44746}"/>
+              </a:ext>
+            </a:extLst>
+          </p:cNvPr>
+          <p:cNvPicPr>
+            <a:picLocks noGrp="1" noChangeAspect="1"/>
+          </p:cNvPicPr>
           <p:nvPr>
             <p:ph idx="1"/>
           </p:nvPr>
-        </p:nvSpPr>
-        <p:spPr/>
-        <p:txBody>
-          <a:bodyPr/>
-          <a:lstStyle/>
-          <a:p>
-            <a:r>
-              <a:rPr lang="en-US" dirty="0"/>
-              <a:t>The following figures are for 1 input, 1 output scenarios, whereby the other 5 inputs are held at the following default values:</a:t>
-            </a:r>
-          </a:p>
-          <a:p>
-            <a:pPr lvl="1"/>
-            <a:r>
-              <a:rPr lang="en-US" dirty="0" err="1"/>
-              <a:t>E_soft</a:t>
-            </a:r>
-            <a:r>
-              <a:rPr lang="en-US" dirty="0"/>
-              <a:t>: 200 MPa</a:t>
-            </a:r>
-          </a:p>
-          <a:p>
-            <a:pPr lvl="1"/>
-            <a:r>
-              <a:rPr lang="en-US" dirty="0" err="1"/>
-              <a:t>E_hard</a:t>
-            </a:r>
-            <a:r>
-              <a:rPr lang="en-US" dirty="0"/>
-              <a:t>: 200 </a:t>
-            </a:r>
-            <a:r>
-              <a:rPr lang="en-US" dirty="0" err="1"/>
-              <a:t>GPa</a:t>
-            </a:r>
-            <a:endParaRPr lang="en-US" dirty="0"/>
-          </a:p>
-          <a:p>
-            <a:pPr lvl="1"/>
-            <a:r>
-              <a:rPr lang="en-US" dirty="0" err="1"/>
-              <a:t>Rho_soft</a:t>
-            </a:r>
-            <a:r>
-              <a:rPr lang="en-US" dirty="0"/>
-              <a:t>: 1000 kg/m^3</a:t>
-            </a:r>
-          </a:p>
-          <a:p>
-            <a:pPr lvl="1"/>
-            <a:r>
-              <a:rPr lang="en-US" dirty="0" err="1"/>
-              <a:t>Rho_hard</a:t>
-            </a:r>
-            <a:r>
-              <a:rPr lang="en-US" dirty="0"/>
-              <a:t>: 8000 kg/m^3</a:t>
-            </a:r>
-          </a:p>
-          <a:p>
-            <a:pPr lvl="1"/>
-            <a:r>
-              <a:rPr lang="en-US" dirty="0" err="1"/>
-              <a:t>PR_soft</a:t>
-            </a:r>
-            <a:r>
-              <a:rPr lang="en-US" dirty="0"/>
-              <a:t>: 0</a:t>
-            </a:r>
-          </a:p>
-          <a:p>
-            <a:pPr lvl="1"/>
-            <a:r>
-              <a:rPr lang="en-US" dirty="0" err="1"/>
-              <a:t>PR_hard</a:t>
-            </a:r>
-            <a:r>
-              <a:rPr lang="en-US" dirty="0"/>
-              <a:t>: 0.5</a:t>
-            </a:r>
-          </a:p>
-        </p:txBody>
-      </p:sp>
+        </p:nvPicPr>
+        <p:blipFill>
+          <a:blip r:embed="rId2"/>
+          <a:srcRect/>
+          <a:stretch/>
+        </p:blipFill>
+        <p:spPr>
+          <a:xfrm>
+            <a:off x="838200" y="1626802"/>
+            <a:ext cx="10515600" cy="4361634"/>
+          </a:xfrm>
+        </p:spPr>
+      </p:pic>
     </p:spTree>
     <p:extLst>
       <p:ext uri="{BB962C8B-B14F-4D97-AF65-F5344CB8AC3E}">
-        <p14:creationId xmlns:p14="http://schemas.microsoft.com/office/powerpoint/2010/main" val="3582712087"/>
+        <p14:creationId xmlns:p14="http://schemas.microsoft.com/office/powerpoint/2010/main" val="2296558744"/>
       </p:ext>
     </p:extLst>
   </p:cSld>
@@ -6448,28 +7022,19 @@
           </a:bodyPr>
           <a:lstStyle/>
           <a:p>
-            <a:pPr algn="ctr"/>
             <a:r>
               <a:rPr lang="en-US" sz="3200" dirty="0"/>
-              <a:t>100, 1000, &amp; 10000 MC </a:t>
-            </a:r>
-            <a:r>
-              <a:rPr lang="en-US" sz="3200" dirty="0" err="1"/>
-              <a:t>E_soft</a:t>
-            </a:r>
-            <a:r>
-              <a:rPr lang="en-US" sz="3200" dirty="0"/>
-              <a:t> &amp; Bandgap Sizes</a:t>
+              <a:t>Stochastic Collocation – Quadrature Rule – Bandgap Center</a:t>
             </a:r>
           </a:p>
         </p:txBody>
       </p:sp>
       <p:pic>
         <p:nvPicPr>
-          <p:cNvPr id="7" name="Content Placeholder 6">
-            <a:extLst>
-              <a:ext uri="{FF2B5EF4-FFF2-40B4-BE49-F238E27FC236}">
-                <a16:creationId xmlns:a16="http://schemas.microsoft.com/office/drawing/2014/main" id="{45C121E0-2D9F-1F26-2360-E24CA0CD5905}"/>
+          <p:cNvPr id="5" name="Content Placeholder 4">
+            <a:extLst>
+              <a:ext uri="{FF2B5EF4-FFF2-40B4-BE49-F238E27FC236}">
+                <a16:creationId xmlns:a16="http://schemas.microsoft.com/office/drawing/2014/main" id="{CAE9A72B-8A68-6F30-1013-174001A44746}"/>
               </a:ext>
             </a:extLst>
           </p:cNvPr>
@@ -6487,15 +7052,15 @@
         </p:blipFill>
         <p:spPr>
           <a:xfrm>
-            <a:off x="1337301" y="1438275"/>
-            <a:ext cx="9517398" cy="4738688"/>
+            <a:off x="838200" y="1626802"/>
+            <a:ext cx="10515600" cy="4361634"/>
           </a:xfrm>
         </p:spPr>
       </p:pic>
     </p:spTree>
     <p:extLst>
       <p:ext uri="{BB962C8B-B14F-4D97-AF65-F5344CB8AC3E}">
-        <p14:creationId xmlns:p14="http://schemas.microsoft.com/office/powerpoint/2010/main" val="3772126645"/>
+        <p14:creationId xmlns:p14="http://schemas.microsoft.com/office/powerpoint/2010/main" val="2358216360"/>
       </p:ext>
     </p:extLst>
   </p:cSld>
@@ -6540,8 +7105,8 @@
         </p:nvSpPr>
         <p:spPr>
           <a:xfrm>
-            <a:off x="730120" y="341221"/>
-            <a:ext cx="10731759" cy="1056686"/>
+            <a:off x="838200" y="341221"/>
+            <a:ext cx="10515600" cy="1056686"/>
           </a:xfrm>
         </p:spPr>
         <p:txBody>
@@ -6550,28 +7115,19 @@
           </a:bodyPr>
           <a:lstStyle/>
           <a:p>
-            <a:pPr algn="ctr"/>
             <a:r>
               <a:rPr lang="en-US" sz="3200" dirty="0"/>
-              <a:t>100, 1000, &amp; 10000 MC </a:t>
-            </a:r>
-            <a:r>
-              <a:rPr lang="en-US" sz="3200" dirty="0" err="1"/>
-              <a:t>E_soft</a:t>
-            </a:r>
-            <a:r>
-              <a:rPr lang="en-US" sz="3200" dirty="0"/>
-              <a:t> &amp; Bandgap Centers</a:t>
+              <a:t>Stochastic Collocation – Quadrature Rule – Bandgap Top</a:t>
             </a:r>
           </a:p>
         </p:txBody>
       </p:sp>
       <p:pic>
         <p:nvPicPr>
-          <p:cNvPr id="7" name="Content Placeholder 6">
-            <a:extLst>
-              <a:ext uri="{FF2B5EF4-FFF2-40B4-BE49-F238E27FC236}">
-                <a16:creationId xmlns:a16="http://schemas.microsoft.com/office/drawing/2014/main" id="{45C121E0-2D9F-1F26-2360-E24CA0CD5905}"/>
+          <p:cNvPr id="5" name="Content Placeholder 4">
+            <a:extLst>
+              <a:ext uri="{FF2B5EF4-FFF2-40B4-BE49-F238E27FC236}">
+                <a16:creationId xmlns:a16="http://schemas.microsoft.com/office/drawing/2014/main" id="{CAE9A72B-8A68-6F30-1013-174001A44746}"/>
               </a:ext>
             </a:extLst>
           </p:cNvPr>
@@ -6589,15 +7145,15 @@
         </p:blipFill>
         <p:spPr>
           <a:xfrm>
-            <a:off x="1337301" y="1438275"/>
-            <a:ext cx="9517398" cy="4738688"/>
+            <a:off x="838200" y="1626802"/>
+            <a:ext cx="10515600" cy="4361634"/>
           </a:xfrm>
         </p:spPr>
       </p:pic>
     </p:spTree>
     <p:extLst>
       <p:ext uri="{BB962C8B-B14F-4D97-AF65-F5344CB8AC3E}">
-        <p14:creationId xmlns:p14="http://schemas.microsoft.com/office/powerpoint/2010/main" val="2587583216"/>
+        <p14:creationId xmlns:p14="http://schemas.microsoft.com/office/powerpoint/2010/main" val="2271108801"/>
       </p:ext>
     </p:extLst>
   </p:cSld>
@@ -6629,7 +7185,7 @@
           <p:cNvPr id="2" name="Title 1">
             <a:extLst>
               <a:ext uri="{FF2B5EF4-FFF2-40B4-BE49-F238E27FC236}">
-                <a16:creationId xmlns:a16="http://schemas.microsoft.com/office/drawing/2014/main" id="{A4E5947E-1FD9-9A25-FE35-BC5561529035}"/>
+                <a16:creationId xmlns:a16="http://schemas.microsoft.com/office/drawing/2014/main" id="{6DCC4830-BA42-B1C9-F66B-F78F9E32BB1D}"/>
               </a:ext>
             </a:extLst>
           </p:cNvPr>
@@ -6640,7 +7196,12 @@
             <p:ph type="title"/>
           </p:nvPr>
         </p:nvSpPr>
-        <p:spPr/>
+        <p:spPr>
+          <a:xfrm>
+            <a:off x="730120" y="341221"/>
+            <a:ext cx="10731759" cy="1056686"/>
+          </a:xfrm>
+        </p:spPr>
         <p:txBody>
           <a:bodyPr>
             <a:noAutofit/>
@@ -6648,26 +7209,18 @@
           <a:lstStyle/>
           <a:p>
             <a:r>
-              <a:rPr lang="en-US" sz="2800" dirty="0"/>
-              <a:t>Stochastic Collocation 1D Quadrature – </a:t>
-            </a:r>
-            <a:r>
-              <a:rPr lang="en-US" sz="2800" dirty="0" err="1"/>
-              <a:t>E_soft</a:t>
-            </a:r>
-            <a:r>
-              <a:rPr lang="en-US" sz="2800" dirty="0"/>
-              <a:t> – Bandgap Size</a:t>
+              <a:rPr lang="en-US" sz="3200" dirty="0"/>
+              <a:t>Stochastic Collocation – Quadrature Rule – Bandgap Bottom</a:t>
             </a:r>
           </a:p>
         </p:txBody>
       </p:sp>
       <p:pic>
         <p:nvPicPr>
-          <p:cNvPr id="5" name="Content Placeholder 4" descr="A graph with a red line&#10;&#10;Description automatically generated with low confidence">
-            <a:extLst>
-              <a:ext uri="{FF2B5EF4-FFF2-40B4-BE49-F238E27FC236}">
-                <a16:creationId xmlns:a16="http://schemas.microsoft.com/office/drawing/2014/main" id="{E481CCDB-BDC4-87DA-0787-F2BA39A1E2AE}"/>
+          <p:cNvPr id="5" name="Content Placeholder 4">
+            <a:extLst>
+              <a:ext uri="{FF2B5EF4-FFF2-40B4-BE49-F238E27FC236}">
+                <a16:creationId xmlns:a16="http://schemas.microsoft.com/office/drawing/2014/main" id="{CAE9A72B-8A68-6F30-1013-174001A44746}"/>
               </a:ext>
             </a:extLst>
           </p:cNvPr>
@@ -6680,50 +7233,20 @@
         </p:nvPicPr>
         <p:blipFill>
           <a:blip r:embed="rId2"/>
-          <a:stretch>
-            <a:fillRect/>
-          </a:stretch>
-        </p:blipFill>
-        <p:spPr>
-          <a:xfrm>
-            <a:off x="97524" y="1293872"/>
-            <a:ext cx="5998476" cy="4270256"/>
-          </a:xfrm>
-        </p:spPr>
-      </p:pic>
-      <p:pic>
-        <p:nvPicPr>
-          <p:cNvPr id="6" name="Content Placeholder 4">
-            <a:extLst>
-              <a:ext uri="{FF2B5EF4-FFF2-40B4-BE49-F238E27FC236}">
-                <a16:creationId xmlns:a16="http://schemas.microsoft.com/office/drawing/2014/main" id="{E9363DFE-7C01-94EB-CEC4-D99A220009B8}"/>
-              </a:ext>
-            </a:extLst>
-          </p:cNvPr>
-          <p:cNvPicPr>
-            <a:picLocks noChangeAspect="1"/>
-          </p:cNvPicPr>
-          <p:nvPr/>
-        </p:nvPicPr>
-        <p:blipFill>
-          <a:blip r:embed="rId3"/>
           <a:srcRect/>
           <a:stretch/>
         </p:blipFill>
         <p:spPr>
           <a:xfrm>
-            <a:off x="6096000" y="1300362"/>
-            <a:ext cx="5998476" cy="4257276"/>
-          </a:xfrm>
-          <a:prstGeom prst="rect">
-            <a:avLst/>
-          </a:prstGeom>
+            <a:off x="838200" y="1626802"/>
+            <a:ext cx="10515600" cy="4361634"/>
+          </a:xfrm>
         </p:spPr>
       </p:pic>
     </p:spTree>
     <p:extLst>
       <p:ext uri="{BB962C8B-B14F-4D97-AF65-F5344CB8AC3E}">
-        <p14:creationId xmlns:p14="http://schemas.microsoft.com/office/powerpoint/2010/main" val="3315475792"/>
+        <p14:creationId xmlns:p14="http://schemas.microsoft.com/office/powerpoint/2010/main" val="1348473648"/>
       </p:ext>
     </p:extLst>
   </p:cSld>
@@ -6755,7 +7278,7 @@
           <p:cNvPr id="2" name="Title 1">
             <a:extLst>
               <a:ext uri="{FF2B5EF4-FFF2-40B4-BE49-F238E27FC236}">
-                <a16:creationId xmlns:a16="http://schemas.microsoft.com/office/drawing/2014/main" id="{6DCC4830-BA42-B1C9-F66B-F78F9E32BB1D}"/>
+                <a16:creationId xmlns:a16="http://schemas.microsoft.com/office/drawing/2014/main" id="{EA484178-6ED4-2998-2632-83D0A0FF0D35}"/>
               </a:ext>
             </a:extLst>
           </p:cNvPr>
@@ -6766,66 +7289,121 @@
             <p:ph type="title"/>
           </p:nvPr>
         </p:nvSpPr>
-        <p:spPr>
-          <a:xfrm>
-            <a:off x="730120" y="341221"/>
-            <a:ext cx="10731759" cy="1056686"/>
-          </a:xfrm>
-        </p:spPr>
-        <p:txBody>
-          <a:bodyPr>
-            <a:noAutofit/>
-          </a:bodyPr>
+        <p:spPr/>
+        <p:txBody>
+          <a:bodyPr/>
           <a:lstStyle/>
           <a:p>
-            <a:pPr algn="ctr"/>
-            <a:r>
-              <a:rPr lang="en-US" sz="3200" dirty="0"/>
-              <a:t>100, 1000, &amp; 10000 MC </a:t>
-            </a:r>
-            <a:r>
-              <a:rPr lang="en-US" sz="3200" dirty="0" err="1"/>
+            <a:r>
+              <a:rPr lang="en-US" dirty="0"/>
+              <a:t>1D PCE Fits</a:t>
+            </a:r>
+          </a:p>
+        </p:txBody>
+      </p:sp>
+      <p:sp>
+        <p:nvSpPr>
+          <p:cNvPr id="3" name="Content Placeholder 2">
+            <a:extLst>
+              <a:ext uri="{FF2B5EF4-FFF2-40B4-BE49-F238E27FC236}">
+                <a16:creationId xmlns:a16="http://schemas.microsoft.com/office/drawing/2014/main" id="{F1238953-6B6C-9866-7402-40977869F30D}"/>
+              </a:ext>
+            </a:extLst>
+          </p:cNvPr>
+          <p:cNvSpPr>
+            <a:spLocks noGrp="1"/>
+          </p:cNvSpPr>
+          <p:nvPr>
+            <p:ph idx="1"/>
+          </p:nvPr>
+        </p:nvSpPr>
+        <p:spPr/>
+        <p:txBody>
+          <a:bodyPr/>
+          <a:lstStyle/>
+          <a:p>
+            <a:r>
+              <a:rPr lang="en-US" dirty="0"/>
+              <a:t>The following figures are for 1 input, 1 output scenarios, whereby the other 5 inputs are held at the following default values:</a:t>
+            </a:r>
+          </a:p>
+          <a:p>
+            <a:pPr lvl="1"/>
+            <a:r>
+              <a:rPr lang="en-US" dirty="0" err="1"/>
+              <a:t>E_soft</a:t>
+            </a:r>
+            <a:r>
+              <a:rPr lang="en-US" dirty="0"/>
+              <a:t>: 200 MPa</a:t>
+            </a:r>
+          </a:p>
+          <a:p>
+            <a:pPr lvl="1"/>
+            <a:r>
+              <a:rPr lang="en-US" dirty="0" err="1"/>
               <a:t>E_hard</a:t>
             </a:r>
             <a:r>
-              <a:rPr lang="en-US" sz="3200" dirty="0"/>
-              <a:t> &amp; Bandgap Sizes</a:t>
-            </a:r>
-          </a:p>
-        </p:txBody>
-      </p:sp>
-      <p:pic>
-        <p:nvPicPr>
-          <p:cNvPr id="7" name="Content Placeholder 6">
-            <a:extLst>
-              <a:ext uri="{FF2B5EF4-FFF2-40B4-BE49-F238E27FC236}">
-                <a16:creationId xmlns:a16="http://schemas.microsoft.com/office/drawing/2014/main" id="{45C121E0-2D9F-1F26-2360-E24CA0CD5905}"/>
-              </a:ext>
-            </a:extLst>
-          </p:cNvPr>
-          <p:cNvPicPr>
-            <a:picLocks noGrp="1" noChangeAspect="1"/>
-          </p:cNvPicPr>
-          <p:nvPr>
-            <p:ph idx="1"/>
-          </p:nvPr>
-        </p:nvPicPr>
-        <p:blipFill>
-          <a:blip r:embed="rId2"/>
-          <a:srcRect/>
-          <a:stretch/>
-        </p:blipFill>
-        <p:spPr>
-          <a:xfrm>
-            <a:off x="1337301" y="1438275"/>
-            <a:ext cx="9517398" cy="4738688"/>
-          </a:xfrm>
-        </p:spPr>
-      </p:pic>
+              <a:rPr lang="en-US" dirty="0"/>
+              <a:t>: 200 </a:t>
+            </a:r>
+            <a:r>
+              <a:rPr lang="en-US" dirty="0" err="1"/>
+              <a:t>GPa</a:t>
+            </a:r>
+            <a:endParaRPr lang="en-US" dirty="0"/>
+          </a:p>
+          <a:p>
+            <a:pPr lvl="1"/>
+            <a:r>
+              <a:rPr lang="en-US" dirty="0" err="1"/>
+              <a:t>Rho_soft</a:t>
+            </a:r>
+            <a:r>
+              <a:rPr lang="en-US" dirty="0"/>
+              <a:t>: 1000 kg/m^3</a:t>
+            </a:r>
+          </a:p>
+          <a:p>
+            <a:pPr lvl="1"/>
+            <a:r>
+              <a:rPr lang="en-US" dirty="0" err="1"/>
+              <a:t>Rho_hard</a:t>
+            </a:r>
+            <a:r>
+              <a:rPr lang="en-US" dirty="0"/>
+              <a:t>: 8000 kg/m^3</a:t>
+            </a:r>
+          </a:p>
+          <a:p>
+            <a:pPr lvl="1"/>
+            <a:r>
+              <a:rPr lang="en-US" dirty="0" err="1"/>
+              <a:t>PR_soft</a:t>
+            </a:r>
+            <a:r>
+              <a:rPr lang="en-US" dirty="0"/>
+              <a:t>: 0</a:t>
+            </a:r>
+          </a:p>
+          <a:p>
+            <a:pPr lvl="1"/>
+            <a:r>
+              <a:rPr lang="en-US" dirty="0" err="1"/>
+              <a:t>PR_hard</a:t>
+            </a:r>
+            <a:r>
+              <a:rPr lang="en-US" dirty="0"/>
+              <a:t>: 0.5</a:t>
+            </a:r>
+          </a:p>
+        </p:txBody>
+      </p:sp>
     </p:spTree>
     <p:extLst>
       <p:ext uri="{BB962C8B-B14F-4D97-AF65-F5344CB8AC3E}">
-        <p14:creationId xmlns:p14="http://schemas.microsoft.com/office/powerpoint/2010/main" val="3493700788"/>
+        <p14:creationId xmlns:p14="http://schemas.microsoft.com/office/powerpoint/2010/main" val="3582712087"/>
       </p:ext>
     </p:extLst>
   </p:cSld>
@@ -6887,11 +7465,11 @@
             </a:r>
             <a:r>
               <a:rPr lang="en-US" sz="3200" dirty="0" err="1"/>
-              <a:t>E_hard</a:t>
+              <a:t>E_soft</a:t>
             </a:r>
             <a:r>
               <a:rPr lang="en-US" sz="3200" dirty="0"/>
-              <a:t> &amp; Bandgap Centers</a:t>
+              <a:t> &amp; Bandgap Sizes</a:t>
             </a:r>
           </a:p>
         </p:txBody>
@@ -6927,7 +7505,7 @@
     </p:spTree>
     <p:extLst>
       <p:ext uri="{BB962C8B-B14F-4D97-AF65-F5344CB8AC3E}">
-        <p14:creationId xmlns:p14="http://schemas.microsoft.com/office/powerpoint/2010/main" val="962386046"/>
+        <p14:creationId xmlns:p14="http://schemas.microsoft.com/office/powerpoint/2010/main" val="3772126645"/>
       </p:ext>
     </p:extLst>
   </p:cSld>
@@ -6959,7 +7537,7 @@
           <p:cNvPr id="2" name="Title 1">
             <a:extLst>
               <a:ext uri="{FF2B5EF4-FFF2-40B4-BE49-F238E27FC236}">
-                <a16:creationId xmlns:a16="http://schemas.microsoft.com/office/drawing/2014/main" id="{A4E5947E-1FD9-9A25-FE35-BC5561529035}"/>
+                <a16:creationId xmlns:a16="http://schemas.microsoft.com/office/drawing/2014/main" id="{6DCC4830-BA42-B1C9-F66B-F78F9E32BB1D}"/>
               </a:ext>
             </a:extLst>
           </p:cNvPr>
@@ -6970,34 +7548,40 @@
             <p:ph type="title"/>
           </p:nvPr>
         </p:nvSpPr>
-        <p:spPr/>
+        <p:spPr>
+          <a:xfrm>
+            <a:off x="730120" y="341221"/>
+            <a:ext cx="10731759" cy="1056686"/>
+          </a:xfrm>
+        </p:spPr>
         <p:txBody>
           <a:bodyPr>
             <a:noAutofit/>
           </a:bodyPr>
           <a:lstStyle/>
           <a:p>
-            <a:r>
-              <a:rPr lang="en-US" sz="2800" dirty="0"/>
-              <a:t>Stochastic Collocation 1D Quadrature – </a:t>
-            </a:r>
-            <a:r>
-              <a:rPr lang="en-US" sz="2800" dirty="0" err="1"/>
-              <a:t>E_hard</a:t>
-            </a:r>
-            <a:r>
-              <a:rPr lang="en-US" sz="2800" dirty="0"/>
-              <a:t> – Bandgap Size</a:t>
+            <a:pPr algn="ctr"/>
+            <a:r>
+              <a:rPr lang="en-US" sz="3200" dirty="0"/>
+              <a:t>100, 1000, &amp; 10000 MC </a:t>
+            </a:r>
+            <a:r>
+              <a:rPr lang="en-US" sz="3200" dirty="0" err="1"/>
+              <a:t>E_soft</a:t>
+            </a:r>
+            <a:r>
+              <a:rPr lang="en-US" sz="3200" dirty="0"/>
+              <a:t> &amp; Bandgap Centers</a:t>
             </a:r>
           </a:p>
         </p:txBody>
       </p:sp>
       <p:pic>
         <p:nvPicPr>
-          <p:cNvPr id="5" name="Content Placeholder 4">
-            <a:extLst>
-              <a:ext uri="{FF2B5EF4-FFF2-40B4-BE49-F238E27FC236}">
-                <a16:creationId xmlns:a16="http://schemas.microsoft.com/office/drawing/2014/main" id="{E481CCDB-BDC4-87DA-0787-F2BA39A1E2AE}"/>
+          <p:cNvPr id="7" name="Content Placeholder 6">
+            <a:extLst>
+              <a:ext uri="{FF2B5EF4-FFF2-40B4-BE49-F238E27FC236}">
+                <a16:creationId xmlns:a16="http://schemas.microsoft.com/office/drawing/2014/main" id="{45C121E0-2D9F-1F26-2360-E24CA0CD5905}"/>
               </a:ext>
             </a:extLst>
           </p:cNvPr>
@@ -7015,44 +7599,15 @@
         </p:blipFill>
         <p:spPr>
           <a:xfrm>
-            <a:off x="97524" y="1293872"/>
-            <a:ext cx="5998476" cy="4270256"/>
-          </a:xfrm>
-        </p:spPr>
-      </p:pic>
-      <p:pic>
-        <p:nvPicPr>
-          <p:cNvPr id="6" name="Content Placeholder 4">
-            <a:extLst>
-              <a:ext uri="{FF2B5EF4-FFF2-40B4-BE49-F238E27FC236}">
-                <a16:creationId xmlns:a16="http://schemas.microsoft.com/office/drawing/2014/main" id="{E9363DFE-7C01-94EB-CEC4-D99A220009B8}"/>
-              </a:ext>
-            </a:extLst>
-          </p:cNvPr>
-          <p:cNvPicPr>
-            <a:picLocks noChangeAspect="1"/>
-          </p:cNvPicPr>
-          <p:nvPr/>
-        </p:nvPicPr>
-        <p:blipFill>
-          <a:blip r:embed="rId3"/>
-          <a:srcRect/>
-          <a:stretch/>
-        </p:blipFill>
-        <p:spPr>
-          <a:xfrm>
-            <a:off x="6096000" y="1300362"/>
-            <a:ext cx="5998475" cy="4257276"/>
-          </a:xfrm>
-          <a:prstGeom prst="rect">
-            <a:avLst/>
-          </a:prstGeom>
+            <a:off x="1337301" y="1438275"/>
+            <a:ext cx="9517398" cy="4738688"/>
+          </a:xfrm>
         </p:spPr>
       </p:pic>
     </p:spTree>
     <p:extLst>
       <p:ext uri="{BB962C8B-B14F-4D97-AF65-F5344CB8AC3E}">
-        <p14:creationId xmlns:p14="http://schemas.microsoft.com/office/powerpoint/2010/main" val="6012088"/>
+        <p14:creationId xmlns:p14="http://schemas.microsoft.com/office/powerpoint/2010/main" val="2587583216"/>
       </p:ext>
     </p:extLst>
   </p:cSld>
@@ -7084,7 +7639,7 @@
           <p:cNvPr id="2" name="Title 1">
             <a:extLst>
               <a:ext uri="{FF2B5EF4-FFF2-40B4-BE49-F238E27FC236}">
-                <a16:creationId xmlns:a16="http://schemas.microsoft.com/office/drawing/2014/main" id="{6DCC4830-BA42-B1C9-F66B-F78F9E32BB1D}"/>
+                <a16:creationId xmlns:a16="http://schemas.microsoft.com/office/drawing/2014/main" id="{A4E5947E-1FD9-9A25-FE35-BC5561529035}"/>
               </a:ext>
             </a:extLst>
           </p:cNvPr>
@@ -7095,40 +7650,34 @@
             <p:ph type="title"/>
           </p:nvPr>
         </p:nvSpPr>
-        <p:spPr>
-          <a:xfrm>
-            <a:off x="730120" y="341221"/>
-            <a:ext cx="10731759" cy="1056686"/>
-          </a:xfrm>
-        </p:spPr>
+        <p:spPr/>
         <p:txBody>
           <a:bodyPr>
             <a:noAutofit/>
           </a:bodyPr>
           <a:lstStyle/>
           <a:p>
-            <a:pPr algn="ctr"/>
-            <a:r>
-              <a:rPr lang="en-US" sz="3200" dirty="0"/>
-              <a:t>100, 1000, &amp; 10000 MC </a:t>
-            </a:r>
-            <a:r>
-              <a:rPr lang="en-US" sz="3200" dirty="0" err="1"/>
-              <a:t>Rho_soft</a:t>
-            </a:r>
-            <a:r>
-              <a:rPr lang="en-US" sz="3200" dirty="0"/>
-              <a:t> &amp; Bandgap Sizes</a:t>
+            <a:r>
+              <a:rPr lang="en-US" sz="2800" dirty="0"/>
+              <a:t>Stochastic Collocation 1D Quadrature – </a:t>
+            </a:r>
+            <a:r>
+              <a:rPr lang="en-US" sz="2800" dirty="0" err="1"/>
+              <a:t>E_soft</a:t>
+            </a:r>
+            <a:r>
+              <a:rPr lang="en-US" sz="2800" dirty="0"/>
+              <a:t> – Bandgap Size</a:t>
             </a:r>
           </a:p>
         </p:txBody>
       </p:sp>
       <p:pic>
         <p:nvPicPr>
-          <p:cNvPr id="7" name="Content Placeholder 6">
-            <a:extLst>
-              <a:ext uri="{FF2B5EF4-FFF2-40B4-BE49-F238E27FC236}">
-                <a16:creationId xmlns:a16="http://schemas.microsoft.com/office/drawing/2014/main" id="{45C121E0-2D9F-1F26-2360-E24CA0CD5905}"/>
+          <p:cNvPr id="5" name="Content Placeholder 4" descr="A graph with a red line&#10;&#10;Description automatically generated with low confidence">
+            <a:extLst>
+              <a:ext uri="{FF2B5EF4-FFF2-40B4-BE49-F238E27FC236}">
+                <a16:creationId xmlns:a16="http://schemas.microsoft.com/office/drawing/2014/main" id="{E481CCDB-BDC4-87DA-0787-F2BA39A1E2AE}"/>
               </a:ext>
             </a:extLst>
           </p:cNvPr>
@@ -7141,20 +7690,50 @@
         </p:nvPicPr>
         <p:blipFill>
           <a:blip r:embed="rId2"/>
+          <a:stretch>
+            <a:fillRect/>
+          </a:stretch>
+        </p:blipFill>
+        <p:spPr>
+          <a:xfrm>
+            <a:off x="97524" y="1293872"/>
+            <a:ext cx="5998476" cy="4270256"/>
+          </a:xfrm>
+        </p:spPr>
+      </p:pic>
+      <p:pic>
+        <p:nvPicPr>
+          <p:cNvPr id="6" name="Content Placeholder 4">
+            <a:extLst>
+              <a:ext uri="{FF2B5EF4-FFF2-40B4-BE49-F238E27FC236}">
+                <a16:creationId xmlns:a16="http://schemas.microsoft.com/office/drawing/2014/main" id="{E9363DFE-7C01-94EB-CEC4-D99A220009B8}"/>
+              </a:ext>
+            </a:extLst>
+          </p:cNvPr>
+          <p:cNvPicPr>
+            <a:picLocks noChangeAspect="1"/>
+          </p:cNvPicPr>
+          <p:nvPr/>
+        </p:nvPicPr>
+        <p:blipFill>
+          <a:blip r:embed="rId3"/>
           <a:srcRect/>
           <a:stretch/>
         </p:blipFill>
         <p:spPr>
           <a:xfrm>
-            <a:off x="1337301" y="1438275"/>
-            <a:ext cx="9517398" cy="4738688"/>
-          </a:xfrm>
+            <a:off x="6096000" y="1300362"/>
+            <a:ext cx="5998476" cy="4257276"/>
+          </a:xfrm>
+          <a:prstGeom prst="rect">
+            <a:avLst/>
+          </a:prstGeom>
         </p:spPr>
       </p:pic>
     </p:spTree>
     <p:extLst>
       <p:ext uri="{BB962C8B-B14F-4D97-AF65-F5344CB8AC3E}">
-        <p14:creationId xmlns:p14="http://schemas.microsoft.com/office/powerpoint/2010/main" val="2167552379"/>
+        <p14:creationId xmlns:p14="http://schemas.microsoft.com/office/powerpoint/2010/main" val="3315475792"/>
       </p:ext>
     </p:extLst>
   </p:cSld>
@@ -7216,11 +7795,11 @@
             </a:r>
             <a:r>
               <a:rPr lang="en-US" sz="3200" dirty="0" err="1"/>
-              <a:t>rho_soft</a:t>
+              <a:t>E_hard</a:t>
             </a:r>
             <a:r>
               <a:rPr lang="en-US" sz="3200" dirty="0"/>
-              <a:t> &amp; Bandgap Centers</a:t>
+              <a:t> &amp; Bandgap Sizes</a:t>
             </a:r>
           </a:p>
         </p:txBody>
@@ -7242,7 +7821,7 @@
           </p:nvPr>
         </p:nvPicPr>
         <p:blipFill>
-          <a:blip r:embed="rId3"/>
+          <a:blip r:embed="rId2"/>
           <a:srcRect/>
           <a:stretch/>
         </p:blipFill>
@@ -7256,18 +7835,13 @@
     </p:spTree>
     <p:extLst>
       <p:ext uri="{BB962C8B-B14F-4D97-AF65-F5344CB8AC3E}">
-        <p14:creationId xmlns:p14="http://schemas.microsoft.com/office/powerpoint/2010/main" val="523439960"/>
+        <p14:creationId xmlns:p14="http://schemas.microsoft.com/office/powerpoint/2010/main" val="3493700788"/>
       </p:ext>
     </p:extLst>
   </p:cSld>
   <p:clrMapOvr>
     <a:masterClrMapping/>
   </p:clrMapOvr>
-  <p:extLst>
-    <p:ext uri="{6950BFC3-D8DA-4A85-94F7-54DA5524770B}">
-      <p188:commentRel xmlns:p188="http://schemas.microsoft.com/office/powerpoint/2018/8/main" r:id="rId2"/>
-    </p:ext>
-  </p:extLst>
 </p:sld>
 </file>
 
@@ -7415,7 +7989,7 @@
           <p:cNvPr id="2" name="Title 1">
             <a:extLst>
               <a:ext uri="{FF2B5EF4-FFF2-40B4-BE49-F238E27FC236}">
-                <a16:creationId xmlns:a16="http://schemas.microsoft.com/office/drawing/2014/main" id="{A4E5947E-1FD9-9A25-FE35-BC5561529035}"/>
+                <a16:creationId xmlns:a16="http://schemas.microsoft.com/office/drawing/2014/main" id="{6DCC4830-BA42-B1C9-F66B-F78F9E32BB1D}"/>
               </a:ext>
             </a:extLst>
           </p:cNvPr>
@@ -7426,41 +8000,49 @@
             <p:ph type="title"/>
           </p:nvPr>
         </p:nvSpPr>
-        <p:spPr/>
+        <p:spPr>
+          <a:xfrm>
+            <a:off x="730120" y="341221"/>
+            <a:ext cx="10731759" cy="1056686"/>
+          </a:xfrm>
+        </p:spPr>
         <p:txBody>
           <a:bodyPr>
             <a:noAutofit/>
           </a:bodyPr>
           <a:lstStyle/>
           <a:p>
-            <a:r>
-              <a:rPr lang="en-US" sz="2800" dirty="0"/>
-              <a:t>Stochastic Collocation 1D Quadrature – </a:t>
-            </a:r>
-            <a:r>
-              <a:rPr lang="en-US" sz="2800" dirty="0" err="1"/>
-              <a:t>rho_soft</a:t>
-            </a:r>
-            <a:r>
-              <a:rPr lang="en-US" sz="2800" dirty="0"/>
-              <a:t> – Bandgap Size</a:t>
+            <a:pPr algn="ctr"/>
+            <a:r>
+              <a:rPr lang="en-US" sz="3200" dirty="0"/>
+              <a:t>100, 1000, &amp; 10000 MC </a:t>
+            </a:r>
+            <a:r>
+              <a:rPr lang="en-US" sz="3200" dirty="0" err="1"/>
+              <a:t>E_hard</a:t>
+            </a:r>
+            <a:r>
+              <a:rPr lang="en-US" sz="3200" dirty="0"/>
+              <a:t> &amp; Bandgap Centers</a:t>
             </a:r>
           </a:p>
         </p:txBody>
       </p:sp>
       <p:pic>
         <p:nvPicPr>
-          <p:cNvPr id="3" name="Content Placeholder 4">
-            <a:extLst>
-              <a:ext uri="{FF2B5EF4-FFF2-40B4-BE49-F238E27FC236}">
-                <a16:creationId xmlns:a16="http://schemas.microsoft.com/office/drawing/2014/main" id="{1C739005-B4B3-37FB-BA7A-F1409391C1DB}"/>
+          <p:cNvPr id="7" name="Content Placeholder 6">
+            <a:extLst>
+              <a:ext uri="{FF2B5EF4-FFF2-40B4-BE49-F238E27FC236}">
+                <a16:creationId xmlns:a16="http://schemas.microsoft.com/office/drawing/2014/main" id="{45C121E0-2D9F-1F26-2360-E24CA0CD5905}"/>
               </a:ext>
             </a:extLst>
           </p:cNvPr>
           <p:cNvPicPr>
-            <a:picLocks noChangeAspect="1"/>
+            <a:picLocks noGrp="1" noChangeAspect="1"/>
           </p:cNvPicPr>
-          <p:nvPr/>
+          <p:nvPr>
+            <p:ph idx="1"/>
+          </p:nvPr>
         </p:nvPicPr>
         <p:blipFill>
           <a:blip r:embed="rId2"/>
@@ -7469,47 +8051,15 @@
         </p:blipFill>
         <p:spPr>
           <a:xfrm>
-            <a:off x="134100" y="1293872"/>
-            <a:ext cx="5925324" cy="4270256"/>
-          </a:xfrm>
-          <a:prstGeom prst="rect">
-            <a:avLst/>
-          </a:prstGeom>
-        </p:spPr>
-      </p:pic>
-      <p:pic>
-        <p:nvPicPr>
-          <p:cNvPr id="5" name="Content Placeholder 4">
-            <a:extLst>
-              <a:ext uri="{FF2B5EF4-FFF2-40B4-BE49-F238E27FC236}">
-                <a16:creationId xmlns:a16="http://schemas.microsoft.com/office/drawing/2014/main" id="{942B7815-0639-2204-5B85-6081319074D7}"/>
-              </a:ext>
-            </a:extLst>
-          </p:cNvPr>
-          <p:cNvPicPr>
-            <a:picLocks noChangeAspect="1"/>
-          </p:cNvPicPr>
-          <p:nvPr/>
-        </p:nvPicPr>
-        <p:blipFill>
-          <a:blip r:embed="rId3"/>
-          <a:srcRect/>
-          <a:stretch/>
-        </p:blipFill>
-        <p:spPr>
-          <a:xfrm>
-            <a:off x="6096001" y="1300362"/>
-            <a:ext cx="5998473" cy="4257275"/>
-          </a:xfrm>
-          <a:prstGeom prst="rect">
-            <a:avLst/>
-          </a:prstGeom>
+            <a:off x="1337301" y="1438275"/>
+            <a:ext cx="9517398" cy="4738688"/>
+          </a:xfrm>
         </p:spPr>
       </p:pic>
     </p:spTree>
     <p:extLst>
       <p:ext uri="{BB962C8B-B14F-4D97-AF65-F5344CB8AC3E}">
-        <p14:creationId xmlns:p14="http://schemas.microsoft.com/office/powerpoint/2010/main" val="52214635"/>
+        <p14:creationId xmlns:p14="http://schemas.microsoft.com/office/powerpoint/2010/main" val="962386046"/>
       </p:ext>
     </p:extLst>
   </p:cSld>
@@ -7541,7 +8091,7 @@
           <p:cNvPr id="2" name="Title 1">
             <a:extLst>
               <a:ext uri="{FF2B5EF4-FFF2-40B4-BE49-F238E27FC236}">
-                <a16:creationId xmlns:a16="http://schemas.microsoft.com/office/drawing/2014/main" id="{6DCC4830-BA42-B1C9-F66B-F78F9E32BB1D}"/>
+                <a16:creationId xmlns:a16="http://schemas.microsoft.com/office/drawing/2014/main" id="{A4E5947E-1FD9-9A25-FE35-BC5561529035}"/>
               </a:ext>
             </a:extLst>
           </p:cNvPr>
@@ -7552,40 +8102,34 @@
             <p:ph type="title"/>
           </p:nvPr>
         </p:nvSpPr>
-        <p:spPr>
-          <a:xfrm>
-            <a:off x="730120" y="341221"/>
-            <a:ext cx="10731759" cy="1056686"/>
-          </a:xfrm>
-        </p:spPr>
+        <p:spPr/>
         <p:txBody>
           <a:bodyPr>
             <a:noAutofit/>
           </a:bodyPr>
           <a:lstStyle/>
           <a:p>
-            <a:pPr algn="ctr"/>
-            <a:r>
-              <a:rPr lang="en-US" sz="3200" dirty="0"/>
-              <a:t>100, 1000, &amp; 10000 MC </a:t>
-            </a:r>
-            <a:r>
-              <a:rPr lang="en-US" sz="3200" dirty="0" err="1"/>
-              <a:t>rho_hard</a:t>
-            </a:r>
-            <a:r>
-              <a:rPr lang="en-US" sz="3200" dirty="0"/>
-              <a:t> &amp; Bandgap Sizes</a:t>
+            <a:r>
+              <a:rPr lang="en-US" sz="2800" dirty="0"/>
+              <a:t>Stochastic Collocation 1D Quadrature – </a:t>
+            </a:r>
+            <a:r>
+              <a:rPr lang="en-US" sz="2800" dirty="0" err="1"/>
+              <a:t>E_hard</a:t>
+            </a:r>
+            <a:r>
+              <a:rPr lang="en-US" sz="2800" dirty="0"/>
+              <a:t> – Bandgap Size</a:t>
             </a:r>
           </a:p>
         </p:txBody>
       </p:sp>
       <p:pic>
         <p:nvPicPr>
-          <p:cNvPr id="7" name="Content Placeholder 6">
-            <a:extLst>
-              <a:ext uri="{FF2B5EF4-FFF2-40B4-BE49-F238E27FC236}">
-                <a16:creationId xmlns:a16="http://schemas.microsoft.com/office/drawing/2014/main" id="{45C121E0-2D9F-1F26-2360-E24CA0CD5905}"/>
+          <p:cNvPr id="5" name="Content Placeholder 4">
+            <a:extLst>
+              <a:ext uri="{FF2B5EF4-FFF2-40B4-BE49-F238E27FC236}">
+                <a16:creationId xmlns:a16="http://schemas.microsoft.com/office/drawing/2014/main" id="{E481CCDB-BDC4-87DA-0787-F2BA39A1E2AE}"/>
               </a:ext>
             </a:extLst>
           </p:cNvPr>
@@ -7603,15 +8147,44 @@
         </p:blipFill>
         <p:spPr>
           <a:xfrm>
-            <a:off x="1337301" y="1438275"/>
-            <a:ext cx="9517398" cy="4738688"/>
-          </a:xfrm>
+            <a:off x="97524" y="1293872"/>
+            <a:ext cx="5998476" cy="4270256"/>
+          </a:xfrm>
+        </p:spPr>
+      </p:pic>
+      <p:pic>
+        <p:nvPicPr>
+          <p:cNvPr id="6" name="Content Placeholder 4">
+            <a:extLst>
+              <a:ext uri="{FF2B5EF4-FFF2-40B4-BE49-F238E27FC236}">
+                <a16:creationId xmlns:a16="http://schemas.microsoft.com/office/drawing/2014/main" id="{E9363DFE-7C01-94EB-CEC4-D99A220009B8}"/>
+              </a:ext>
+            </a:extLst>
+          </p:cNvPr>
+          <p:cNvPicPr>
+            <a:picLocks noChangeAspect="1"/>
+          </p:cNvPicPr>
+          <p:nvPr/>
+        </p:nvPicPr>
+        <p:blipFill>
+          <a:blip r:embed="rId3"/>
+          <a:srcRect/>
+          <a:stretch/>
+        </p:blipFill>
+        <p:spPr>
+          <a:xfrm>
+            <a:off x="6096000" y="1300362"/>
+            <a:ext cx="5998475" cy="4257276"/>
+          </a:xfrm>
+          <a:prstGeom prst="rect">
+            <a:avLst/>
+          </a:prstGeom>
         </p:spPr>
       </p:pic>
     </p:spTree>
     <p:extLst>
       <p:ext uri="{BB962C8B-B14F-4D97-AF65-F5344CB8AC3E}">
-        <p14:creationId xmlns:p14="http://schemas.microsoft.com/office/powerpoint/2010/main" val="1938568823"/>
+        <p14:creationId xmlns:p14="http://schemas.microsoft.com/office/powerpoint/2010/main" val="6012088"/>
       </p:ext>
     </p:extLst>
   </p:cSld>
@@ -7673,11 +8246,11 @@
             </a:r>
             <a:r>
               <a:rPr lang="en-US" sz="3200" dirty="0" err="1"/>
-              <a:t>rho_hard</a:t>
+              <a:t>Rho_soft</a:t>
             </a:r>
             <a:r>
               <a:rPr lang="en-US" sz="3200" dirty="0"/>
-              <a:t> &amp; Bandgap Centers</a:t>
+              <a:t> &amp; Bandgap Sizes</a:t>
             </a:r>
           </a:p>
         </p:txBody>
@@ -7713,7 +8286,7 @@
     </p:spTree>
     <p:extLst>
       <p:ext uri="{BB962C8B-B14F-4D97-AF65-F5344CB8AC3E}">
-        <p14:creationId xmlns:p14="http://schemas.microsoft.com/office/powerpoint/2010/main" val="603733736"/>
+        <p14:creationId xmlns:p14="http://schemas.microsoft.com/office/powerpoint/2010/main" val="2167552379"/>
       </p:ext>
     </p:extLst>
   </p:cSld>
@@ -7745,6 +8318,443 @@
           <p:cNvPr id="2" name="Title 1">
             <a:extLst>
               <a:ext uri="{FF2B5EF4-FFF2-40B4-BE49-F238E27FC236}">
+                <a16:creationId xmlns:a16="http://schemas.microsoft.com/office/drawing/2014/main" id="{6DCC4830-BA42-B1C9-F66B-F78F9E32BB1D}"/>
+              </a:ext>
+            </a:extLst>
+          </p:cNvPr>
+          <p:cNvSpPr>
+            <a:spLocks noGrp="1"/>
+          </p:cNvSpPr>
+          <p:nvPr>
+            <p:ph type="title"/>
+          </p:nvPr>
+        </p:nvSpPr>
+        <p:spPr>
+          <a:xfrm>
+            <a:off x="730120" y="341221"/>
+            <a:ext cx="10731759" cy="1056686"/>
+          </a:xfrm>
+        </p:spPr>
+        <p:txBody>
+          <a:bodyPr>
+            <a:noAutofit/>
+          </a:bodyPr>
+          <a:lstStyle/>
+          <a:p>
+            <a:pPr algn="ctr"/>
+            <a:r>
+              <a:rPr lang="en-US" sz="3200" dirty="0"/>
+              <a:t>100, 1000, &amp; 10000 MC </a:t>
+            </a:r>
+            <a:r>
+              <a:rPr lang="en-US" sz="3200" dirty="0" err="1"/>
+              <a:t>rho_soft</a:t>
+            </a:r>
+            <a:r>
+              <a:rPr lang="en-US" sz="3200" dirty="0"/>
+              <a:t> &amp; Bandgap Centers</a:t>
+            </a:r>
+          </a:p>
+        </p:txBody>
+      </p:sp>
+      <p:pic>
+        <p:nvPicPr>
+          <p:cNvPr id="7" name="Content Placeholder 6">
+            <a:extLst>
+              <a:ext uri="{FF2B5EF4-FFF2-40B4-BE49-F238E27FC236}">
+                <a16:creationId xmlns:a16="http://schemas.microsoft.com/office/drawing/2014/main" id="{45C121E0-2D9F-1F26-2360-E24CA0CD5905}"/>
+              </a:ext>
+            </a:extLst>
+          </p:cNvPr>
+          <p:cNvPicPr>
+            <a:picLocks noGrp="1" noChangeAspect="1"/>
+          </p:cNvPicPr>
+          <p:nvPr>
+            <p:ph idx="1"/>
+          </p:nvPr>
+        </p:nvPicPr>
+        <p:blipFill>
+          <a:blip r:embed="rId3"/>
+          <a:srcRect/>
+          <a:stretch/>
+        </p:blipFill>
+        <p:spPr>
+          <a:xfrm>
+            <a:off x="1337301" y="1438275"/>
+            <a:ext cx="9517398" cy="4738688"/>
+          </a:xfrm>
+        </p:spPr>
+      </p:pic>
+    </p:spTree>
+    <p:extLst>
+      <p:ext uri="{BB962C8B-B14F-4D97-AF65-F5344CB8AC3E}">
+        <p14:creationId xmlns:p14="http://schemas.microsoft.com/office/powerpoint/2010/main" val="523439960"/>
+      </p:ext>
+    </p:extLst>
+  </p:cSld>
+  <p:clrMapOvr>
+    <a:masterClrMapping/>
+  </p:clrMapOvr>
+  <p:extLst>
+    <p:ext uri="{6950BFC3-D8DA-4A85-94F7-54DA5524770B}">
+      <p188:commentRel xmlns:p188="http://schemas.microsoft.com/office/powerpoint/2018/8/main" r:id="rId2"/>
+    </p:ext>
+  </p:extLst>
+</p:sld>
+</file>
+
+<file path=ppt/slides/slide34.xml><?xml version="1.0" encoding="utf-8"?>
+<p:sld xmlns:a="http://schemas.openxmlformats.org/drawingml/2006/main" xmlns:r="http://schemas.openxmlformats.org/officeDocument/2006/relationships" xmlns:p="http://schemas.openxmlformats.org/presentationml/2006/main">
+  <p:cSld>
+    <p:spTree>
+      <p:nvGrpSpPr>
+        <p:cNvPr id="1" name=""/>
+        <p:cNvGrpSpPr/>
+        <p:nvPr/>
+      </p:nvGrpSpPr>
+      <p:grpSpPr>
+        <a:xfrm>
+          <a:off x="0" y="0"/>
+          <a:ext cx="0" cy="0"/>
+          <a:chOff x="0" y="0"/>
+          <a:chExt cx="0" cy="0"/>
+        </a:xfrm>
+      </p:grpSpPr>
+      <p:sp>
+        <p:nvSpPr>
+          <p:cNvPr id="2" name="Title 1">
+            <a:extLst>
+              <a:ext uri="{FF2B5EF4-FFF2-40B4-BE49-F238E27FC236}">
+                <a16:creationId xmlns:a16="http://schemas.microsoft.com/office/drawing/2014/main" id="{A4E5947E-1FD9-9A25-FE35-BC5561529035}"/>
+              </a:ext>
+            </a:extLst>
+          </p:cNvPr>
+          <p:cNvSpPr>
+            <a:spLocks noGrp="1"/>
+          </p:cNvSpPr>
+          <p:nvPr>
+            <p:ph type="title"/>
+          </p:nvPr>
+        </p:nvSpPr>
+        <p:spPr/>
+        <p:txBody>
+          <a:bodyPr>
+            <a:noAutofit/>
+          </a:bodyPr>
+          <a:lstStyle/>
+          <a:p>
+            <a:r>
+              <a:rPr lang="en-US" sz="2800" dirty="0"/>
+              <a:t>Stochastic Collocation 1D Quadrature – </a:t>
+            </a:r>
+            <a:r>
+              <a:rPr lang="en-US" sz="2800" dirty="0" err="1"/>
+              <a:t>rho_soft</a:t>
+            </a:r>
+            <a:r>
+              <a:rPr lang="en-US" sz="2800" dirty="0"/>
+              <a:t> – Bandgap Size</a:t>
+            </a:r>
+          </a:p>
+        </p:txBody>
+      </p:sp>
+      <p:pic>
+        <p:nvPicPr>
+          <p:cNvPr id="3" name="Content Placeholder 4">
+            <a:extLst>
+              <a:ext uri="{FF2B5EF4-FFF2-40B4-BE49-F238E27FC236}">
+                <a16:creationId xmlns:a16="http://schemas.microsoft.com/office/drawing/2014/main" id="{1C739005-B4B3-37FB-BA7A-F1409391C1DB}"/>
+              </a:ext>
+            </a:extLst>
+          </p:cNvPr>
+          <p:cNvPicPr>
+            <a:picLocks noChangeAspect="1"/>
+          </p:cNvPicPr>
+          <p:nvPr/>
+        </p:nvPicPr>
+        <p:blipFill>
+          <a:blip r:embed="rId2"/>
+          <a:srcRect/>
+          <a:stretch/>
+        </p:blipFill>
+        <p:spPr>
+          <a:xfrm>
+            <a:off x="134100" y="1293872"/>
+            <a:ext cx="5925324" cy="4270256"/>
+          </a:xfrm>
+          <a:prstGeom prst="rect">
+            <a:avLst/>
+          </a:prstGeom>
+        </p:spPr>
+      </p:pic>
+      <p:pic>
+        <p:nvPicPr>
+          <p:cNvPr id="5" name="Content Placeholder 4">
+            <a:extLst>
+              <a:ext uri="{FF2B5EF4-FFF2-40B4-BE49-F238E27FC236}">
+                <a16:creationId xmlns:a16="http://schemas.microsoft.com/office/drawing/2014/main" id="{942B7815-0639-2204-5B85-6081319074D7}"/>
+              </a:ext>
+            </a:extLst>
+          </p:cNvPr>
+          <p:cNvPicPr>
+            <a:picLocks noChangeAspect="1"/>
+          </p:cNvPicPr>
+          <p:nvPr/>
+        </p:nvPicPr>
+        <p:blipFill>
+          <a:blip r:embed="rId3"/>
+          <a:srcRect/>
+          <a:stretch/>
+        </p:blipFill>
+        <p:spPr>
+          <a:xfrm>
+            <a:off x="6096001" y="1300362"/>
+            <a:ext cx="5998473" cy="4257275"/>
+          </a:xfrm>
+          <a:prstGeom prst="rect">
+            <a:avLst/>
+          </a:prstGeom>
+        </p:spPr>
+      </p:pic>
+    </p:spTree>
+    <p:extLst>
+      <p:ext uri="{BB962C8B-B14F-4D97-AF65-F5344CB8AC3E}">
+        <p14:creationId xmlns:p14="http://schemas.microsoft.com/office/powerpoint/2010/main" val="52214635"/>
+      </p:ext>
+    </p:extLst>
+  </p:cSld>
+  <p:clrMapOvr>
+    <a:masterClrMapping/>
+  </p:clrMapOvr>
+</p:sld>
+</file>
+
+<file path=ppt/slides/slide35.xml><?xml version="1.0" encoding="utf-8"?>
+<p:sld xmlns:a="http://schemas.openxmlformats.org/drawingml/2006/main" xmlns:r="http://schemas.openxmlformats.org/officeDocument/2006/relationships" xmlns:p="http://schemas.openxmlformats.org/presentationml/2006/main">
+  <p:cSld>
+    <p:spTree>
+      <p:nvGrpSpPr>
+        <p:cNvPr id="1" name=""/>
+        <p:cNvGrpSpPr/>
+        <p:nvPr/>
+      </p:nvGrpSpPr>
+      <p:grpSpPr>
+        <a:xfrm>
+          <a:off x="0" y="0"/>
+          <a:ext cx="0" cy="0"/>
+          <a:chOff x="0" y="0"/>
+          <a:chExt cx="0" cy="0"/>
+        </a:xfrm>
+      </p:grpSpPr>
+      <p:sp>
+        <p:nvSpPr>
+          <p:cNvPr id="2" name="Title 1">
+            <a:extLst>
+              <a:ext uri="{FF2B5EF4-FFF2-40B4-BE49-F238E27FC236}">
+                <a16:creationId xmlns:a16="http://schemas.microsoft.com/office/drawing/2014/main" id="{6DCC4830-BA42-B1C9-F66B-F78F9E32BB1D}"/>
+              </a:ext>
+            </a:extLst>
+          </p:cNvPr>
+          <p:cNvSpPr>
+            <a:spLocks noGrp="1"/>
+          </p:cNvSpPr>
+          <p:nvPr>
+            <p:ph type="title"/>
+          </p:nvPr>
+        </p:nvSpPr>
+        <p:spPr>
+          <a:xfrm>
+            <a:off x="730120" y="341221"/>
+            <a:ext cx="10731759" cy="1056686"/>
+          </a:xfrm>
+        </p:spPr>
+        <p:txBody>
+          <a:bodyPr>
+            <a:noAutofit/>
+          </a:bodyPr>
+          <a:lstStyle/>
+          <a:p>
+            <a:pPr algn="ctr"/>
+            <a:r>
+              <a:rPr lang="en-US" sz="3200" dirty="0"/>
+              <a:t>100, 1000, &amp; 10000 MC </a:t>
+            </a:r>
+            <a:r>
+              <a:rPr lang="en-US" sz="3200" dirty="0" err="1"/>
+              <a:t>rho_hard</a:t>
+            </a:r>
+            <a:r>
+              <a:rPr lang="en-US" sz="3200" dirty="0"/>
+              <a:t> &amp; Bandgap Sizes</a:t>
+            </a:r>
+          </a:p>
+        </p:txBody>
+      </p:sp>
+      <p:pic>
+        <p:nvPicPr>
+          <p:cNvPr id="7" name="Content Placeholder 6">
+            <a:extLst>
+              <a:ext uri="{FF2B5EF4-FFF2-40B4-BE49-F238E27FC236}">
+                <a16:creationId xmlns:a16="http://schemas.microsoft.com/office/drawing/2014/main" id="{45C121E0-2D9F-1F26-2360-E24CA0CD5905}"/>
+              </a:ext>
+            </a:extLst>
+          </p:cNvPr>
+          <p:cNvPicPr>
+            <a:picLocks noGrp="1" noChangeAspect="1"/>
+          </p:cNvPicPr>
+          <p:nvPr>
+            <p:ph idx="1"/>
+          </p:nvPr>
+        </p:nvPicPr>
+        <p:blipFill>
+          <a:blip r:embed="rId2"/>
+          <a:srcRect/>
+          <a:stretch/>
+        </p:blipFill>
+        <p:spPr>
+          <a:xfrm>
+            <a:off x="1337301" y="1438275"/>
+            <a:ext cx="9517398" cy="4738688"/>
+          </a:xfrm>
+        </p:spPr>
+      </p:pic>
+    </p:spTree>
+    <p:extLst>
+      <p:ext uri="{BB962C8B-B14F-4D97-AF65-F5344CB8AC3E}">
+        <p14:creationId xmlns:p14="http://schemas.microsoft.com/office/powerpoint/2010/main" val="1938568823"/>
+      </p:ext>
+    </p:extLst>
+  </p:cSld>
+  <p:clrMapOvr>
+    <a:masterClrMapping/>
+  </p:clrMapOvr>
+</p:sld>
+</file>
+
+<file path=ppt/slides/slide36.xml><?xml version="1.0" encoding="utf-8"?>
+<p:sld xmlns:a="http://schemas.openxmlformats.org/drawingml/2006/main" xmlns:r="http://schemas.openxmlformats.org/officeDocument/2006/relationships" xmlns:p="http://schemas.openxmlformats.org/presentationml/2006/main">
+  <p:cSld>
+    <p:spTree>
+      <p:nvGrpSpPr>
+        <p:cNvPr id="1" name=""/>
+        <p:cNvGrpSpPr/>
+        <p:nvPr/>
+      </p:nvGrpSpPr>
+      <p:grpSpPr>
+        <a:xfrm>
+          <a:off x="0" y="0"/>
+          <a:ext cx="0" cy="0"/>
+          <a:chOff x="0" y="0"/>
+          <a:chExt cx="0" cy="0"/>
+        </a:xfrm>
+      </p:grpSpPr>
+      <p:sp>
+        <p:nvSpPr>
+          <p:cNvPr id="2" name="Title 1">
+            <a:extLst>
+              <a:ext uri="{FF2B5EF4-FFF2-40B4-BE49-F238E27FC236}">
+                <a16:creationId xmlns:a16="http://schemas.microsoft.com/office/drawing/2014/main" id="{6DCC4830-BA42-B1C9-F66B-F78F9E32BB1D}"/>
+              </a:ext>
+            </a:extLst>
+          </p:cNvPr>
+          <p:cNvSpPr>
+            <a:spLocks noGrp="1"/>
+          </p:cNvSpPr>
+          <p:nvPr>
+            <p:ph type="title"/>
+          </p:nvPr>
+        </p:nvSpPr>
+        <p:spPr>
+          <a:xfrm>
+            <a:off x="730120" y="341221"/>
+            <a:ext cx="10731759" cy="1056686"/>
+          </a:xfrm>
+        </p:spPr>
+        <p:txBody>
+          <a:bodyPr>
+            <a:noAutofit/>
+          </a:bodyPr>
+          <a:lstStyle/>
+          <a:p>
+            <a:pPr algn="ctr"/>
+            <a:r>
+              <a:rPr lang="en-US" sz="3200" dirty="0"/>
+              <a:t>100, 1000, &amp; 10000 MC </a:t>
+            </a:r>
+            <a:r>
+              <a:rPr lang="en-US" sz="3200" dirty="0" err="1"/>
+              <a:t>rho_hard</a:t>
+            </a:r>
+            <a:r>
+              <a:rPr lang="en-US" sz="3200" dirty="0"/>
+              <a:t> &amp; Bandgap Centers</a:t>
+            </a:r>
+          </a:p>
+        </p:txBody>
+      </p:sp>
+      <p:pic>
+        <p:nvPicPr>
+          <p:cNvPr id="7" name="Content Placeholder 6">
+            <a:extLst>
+              <a:ext uri="{FF2B5EF4-FFF2-40B4-BE49-F238E27FC236}">
+                <a16:creationId xmlns:a16="http://schemas.microsoft.com/office/drawing/2014/main" id="{45C121E0-2D9F-1F26-2360-E24CA0CD5905}"/>
+              </a:ext>
+            </a:extLst>
+          </p:cNvPr>
+          <p:cNvPicPr>
+            <a:picLocks noGrp="1" noChangeAspect="1"/>
+          </p:cNvPicPr>
+          <p:nvPr>
+            <p:ph idx="1"/>
+          </p:nvPr>
+        </p:nvPicPr>
+        <p:blipFill>
+          <a:blip r:embed="rId2"/>
+          <a:srcRect/>
+          <a:stretch/>
+        </p:blipFill>
+        <p:spPr>
+          <a:xfrm>
+            <a:off x="1337301" y="1438275"/>
+            <a:ext cx="9517398" cy="4738688"/>
+          </a:xfrm>
+        </p:spPr>
+      </p:pic>
+    </p:spTree>
+    <p:extLst>
+      <p:ext uri="{BB962C8B-B14F-4D97-AF65-F5344CB8AC3E}">
+        <p14:creationId xmlns:p14="http://schemas.microsoft.com/office/powerpoint/2010/main" val="603733736"/>
+      </p:ext>
+    </p:extLst>
+  </p:cSld>
+  <p:clrMapOvr>
+    <a:masterClrMapping/>
+  </p:clrMapOvr>
+</p:sld>
+</file>
+
+<file path=ppt/slides/slide37.xml><?xml version="1.0" encoding="utf-8"?>
+<p:sld xmlns:a="http://schemas.openxmlformats.org/drawingml/2006/main" xmlns:r="http://schemas.openxmlformats.org/officeDocument/2006/relationships" xmlns:p="http://schemas.openxmlformats.org/presentationml/2006/main">
+  <p:cSld>
+    <p:spTree>
+      <p:nvGrpSpPr>
+        <p:cNvPr id="1" name=""/>
+        <p:cNvGrpSpPr/>
+        <p:nvPr/>
+      </p:nvGrpSpPr>
+      <p:grpSpPr>
+        <a:xfrm>
+          <a:off x="0" y="0"/>
+          <a:ext cx="0" cy="0"/>
+          <a:chOff x="0" y="0"/>
+          <a:chExt cx="0" cy="0"/>
+        </a:xfrm>
+      </p:grpSpPr>
+      <p:sp>
+        <p:nvSpPr>
+          <p:cNvPr id="2" name="Title 1">
+            <a:extLst>
+              <a:ext uri="{FF2B5EF4-FFF2-40B4-BE49-F238E27FC236}">
                 <a16:creationId xmlns:a16="http://schemas.microsoft.com/office/drawing/2014/main" id="{A4E5947E-1FD9-9A25-FE35-BC5561529035}"/>
               </a:ext>
             </a:extLst>
@@ -7848,7 +8858,7 @@
 </p:sld>
 </file>
 
-<file path=ppt/slides/slide34.xml><?xml version="1.0" encoding="utf-8"?>
+<file path=ppt/slides/slide38.xml><?xml version="1.0" encoding="utf-8"?>
 <p:sld xmlns:a="http://schemas.openxmlformats.org/drawingml/2006/main" xmlns:r="http://schemas.openxmlformats.org/officeDocument/2006/relationships" xmlns:p="http://schemas.openxmlformats.org/presentationml/2006/main">
   <p:cSld>
     <p:spTree>
@@ -8022,7 +9032,7 @@
 </p:sld>
 </file>
 
-<file path=ppt/slides/slide35.xml><?xml version="1.0" encoding="utf-8"?>
+<file path=ppt/slides/slide39.xml><?xml version="1.0" encoding="utf-8"?>
 <p:sld xmlns:a="http://schemas.openxmlformats.org/drawingml/2006/main" xmlns:r="http://schemas.openxmlformats.org/officeDocument/2006/relationships" xmlns:p="http://schemas.openxmlformats.org/presentationml/2006/main">
   <p:cSld>
     <p:spTree>
@@ -8196,7 +9206,101 @@
 </p:sld>
 </file>
 
-<file path=ppt/slides/slide36.xml><?xml version="1.0" encoding="utf-8"?>
+<file path=ppt/slides/slide4.xml><?xml version="1.0" encoding="utf-8"?>
+<p:sld xmlns:a="http://schemas.openxmlformats.org/drawingml/2006/main" xmlns:r="http://schemas.openxmlformats.org/officeDocument/2006/relationships" xmlns:p="http://schemas.openxmlformats.org/presentationml/2006/main">
+  <p:cSld>
+    <p:spTree>
+      <p:nvGrpSpPr>
+        <p:cNvPr id="1" name=""/>
+        <p:cNvGrpSpPr/>
+        <p:nvPr/>
+      </p:nvGrpSpPr>
+      <p:grpSpPr>
+        <a:xfrm>
+          <a:off x="0" y="0"/>
+          <a:ext cx="0" cy="0"/>
+          <a:chOff x="0" y="0"/>
+          <a:chExt cx="0" cy="0"/>
+        </a:xfrm>
+      </p:grpSpPr>
+      <p:sp>
+        <p:nvSpPr>
+          <p:cNvPr id="2" name="Title 1">
+            <a:extLst>
+              <a:ext uri="{FF2B5EF4-FFF2-40B4-BE49-F238E27FC236}">
+                <a16:creationId xmlns:a16="http://schemas.microsoft.com/office/drawing/2014/main" id="{6DCC4830-BA42-B1C9-F66B-F78F9E32BB1D}"/>
+              </a:ext>
+            </a:extLst>
+          </p:cNvPr>
+          <p:cNvSpPr>
+            <a:spLocks noGrp="1"/>
+          </p:cNvSpPr>
+          <p:nvPr>
+            <p:ph type="title"/>
+          </p:nvPr>
+        </p:nvSpPr>
+        <p:spPr>
+          <a:xfrm>
+            <a:off x="730120" y="341221"/>
+            <a:ext cx="10731759" cy="1056686"/>
+          </a:xfrm>
+        </p:spPr>
+        <p:txBody>
+          <a:bodyPr>
+            <a:noAutofit/>
+          </a:bodyPr>
+          <a:lstStyle/>
+          <a:p>
+            <a:r>
+              <a:rPr lang="en-US" sz="3200" dirty="0"/>
+              <a:t>Histograms – 100 MC Inputs</a:t>
+            </a:r>
+          </a:p>
+        </p:txBody>
+      </p:sp>
+      <p:pic>
+        <p:nvPicPr>
+          <p:cNvPr id="7" name="Content Placeholder 6" descr="A picture containing text, screenshot, diagram, plot&#10;&#10;Description automatically generated">
+            <a:extLst>
+              <a:ext uri="{FF2B5EF4-FFF2-40B4-BE49-F238E27FC236}">
+                <a16:creationId xmlns:a16="http://schemas.microsoft.com/office/drawing/2014/main" id="{45C121E0-2D9F-1F26-2360-E24CA0CD5905}"/>
+              </a:ext>
+            </a:extLst>
+          </p:cNvPr>
+          <p:cNvPicPr>
+            <a:picLocks noGrp="1" noChangeAspect="1"/>
+          </p:cNvPicPr>
+          <p:nvPr>
+            <p:ph idx="1"/>
+          </p:nvPr>
+        </p:nvPicPr>
+        <p:blipFill>
+          <a:blip r:embed="rId2"/>
+          <a:stretch>
+            <a:fillRect/>
+          </a:stretch>
+        </p:blipFill>
+        <p:spPr>
+          <a:xfrm>
+            <a:off x="1337301" y="1438275"/>
+            <a:ext cx="9517398" cy="4738688"/>
+          </a:xfrm>
+        </p:spPr>
+      </p:pic>
+    </p:spTree>
+    <p:extLst>
+      <p:ext uri="{BB962C8B-B14F-4D97-AF65-F5344CB8AC3E}">
+        <p14:creationId xmlns:p14="http://schemas.microsoft.com/office/powerpoint/2010/main" val="3409933397"/>
+      </p:ext>
+    </p:extLst>
+  </p:cSld>
+  <p:clrMapOvr>
+    <a:masterClrMapping/>
+  </p:clrMapOvr>
+</p:sld>
+</file>
+
+<file path=ppt/slides/slide40.xml><?xml version="1.0" encoding="utf-8"?>
 <p:sld xmlns:a="http://schemas.openxmlformats.org/drawingml/2006/main" xmlns:r="http://schemas.openxmlformats.org/officeDocument/2006/relationships" xmlns:p="http://schemas.openxmlformats.org/presentationml/2006/main">
   <p:cSld>
     <p:spTree>
@@ -8389,7 +9493,7 @@
 </p:sld>
 </file>
 
-<file path=ppt/slides/slide37.xml><?xml version="1.0" encoding="utf-8"?>
+<file path=ppt/slides/slide41.xml><?xml version="1.0" encoding="utf-8"?>
 <p:sld xmlns:a="http://schemas.openxmlformats.org/drawingml/2006/main" xmlns:r="http://schemas.openxmlformats.org/officeDocument/2006/relationships" xmlns:p="http://schemas.openxmlformats.org/presentationml/2006/main">
   <p:cSld>
     <p:spTree>
@@ -8569,7 +9673,7 @@
 </p:sld>
 </file>
 
-<file path=ppt/slides/slide38.xml><?xml version="1.0" encoding="utf-8"?>
+<file path=ppt/slides/slide42.xml><?xml version="1.0" encoding="utf-8"?>
 <p:sld xmlns:a="http://schemas.openxmlformats.org/drawingml/2006/main" xmlns:r="http://schemas.openxmlformats.org/officeDocument/2006/relationships" xmlns:p="http://schemas.openxmlformats.org/presentationml/2006/main">
   <p:cSld>
     <p:spTree>
@@ -8743,7 +9847,7 @@
 </p:sld>
 </file>
 
-<file path=ppt/slides/slide39.xml><?xml version="1.0" encoding="utf-8"?>
+<file path=ppt/slides/slide43.xml><?xml version="1.0" encoding="utf-8"?>
 <p:sld xmlns:a="http://schemas.openxmlformats.org/drawingml/2006/main" xmlns:r="http://schemas.openxmlformats.org/officeDocument/2006/relationships" xmlns:p="http://schemas.openxmlformats.org/presentationml/2006/main">
   <p:cSld>
     <p:spTree>
@@ -8933,109 +10037,10 @@
   <p:clrMapOvr>
     <a:masterClrMapping/>
   </p:clrMapOvr>
-  <p:extLst>
-    <p:ext uri="{6950BFC3-D8DA-4A85-94F7-54DA5524770B}">
-      <p188:commentRel xmlns:p188="http://schemas.microsoft.com/office/powerpoint/2018/8/main" r:id="rId2"/>
-    </p:ext>
-  </p:extLst>
 </p:sld>
 </file>
 
-<file path=ppt/slides/slide4.xml><?xml version="1.0" encoding="utf-8"?>
-<p:sld xmlns:a="http://schemas.openxmlformats.org/drawingml/2006/main" xmlns:r="http://schemas.openxmlformats.org/officeDocument/2006/relationships" xmlns:p="http://schemas.openxmlformats.org/presentationml/2006/main">
-  <p:cSld>
-    <p:spTree>
-      <p:nvGrpSpPr>
-        <p:cNvPr id="1" name=""/>
-        <p:cNvGrpSpPr/>
-        <p:nvPr/>
-      </p:nvGrpSpPr>
-      <p:grpSpPr>
-        <a:xfrm>
-          <a:off x="0" y="0"/>
-          <a:ext cx="0" cy="0"/>
-          <a:chOff x="0" y="0"/>
-          <a:chExt cx="0" cy="0"/>
-        </a:xfrm>
-      </p:grpSpPr>
-      <p:sp>
-        <p:nvSpPr>
-          <p:cNvPr id="2" name="Title 1">
-            <a:extLst>
-              <a:ext uri="{FF2B5EF4-FFF2-40B4-BE49-F238E27FC236}">
-                <a16:creationId xmlns:a16="http://schemas.microsoft.com/office/drawing/2014/main" id="{6DCC4830-BA42-B1C9-F66B-F78F9E32BB1D}"/>
-              </a:ext>
-            </a:extLst>
-          </p:cNvPr>
-          <p:cNvSpPr>
-            <a:spLocks noGrp="1"/>
-          </p:cNvSpPr>
-          <p:nvPr>
-            <p:ph type="title"/>
-          </p:nvPr>
-        </p:nvSpPr>
-        <p:spPr>
-          <a:xfrm>
-            <a:off x="730120" y="341221"/>
-            <a:ext cx="10731759" cy="1056686"/>
-          </a:xfrm>
-        </p:spPr>
-        <p:txBody>
-          <a:bodyPr>
-            <a:noAutofit/>
-          </a:bodyPr>
-          <a:lstStyle/>
-          <a:p>
-            <a:r>
-              <a:rPr lang="en-US" sz="3200" dirty="0"/>
-              <a:t>Histograms – 100 MC Inputs</a:t>
-            </a:r>
-          </a:p>
-        </p:txBody>
-      </p:sp>
-      <p:pic>
-        <p:nvPicPr>
-          <p:cNvPr id="7" name="Content Placeholder 6" descr="A picture containing text, screenshot, diagram, plot&#10;&#10;Description automatically generated">
-            <a:extLst>
-              <a:ext uri="{FF2B5EF4-FFF2-40B4-BE49-F238E27FC236}">
-                <a16:creationId xmlns:a16="http://schemas.microsoft.com/office/drawing/2014/main" id="{45C121E0-2D9F-1F26-2360-E24CA0CD5905}"/>
-              </a:ext>
-            </a:extLst>
-          </p:cNvPr>
-          <p:cNvPicPr>
-            <a:picLocks noGrp="1" noChangeAspect="1"/>
-          </p:cNvPicPr>
-          <p:nvPr>
-            <p:ph idx="1"/>
-          </p:nvPr>
-        </p:nvPicPr>
-        <p:blipFill>
-          <a:blip r:embed="rId2"/>
-          <a:stretch>
-            <a:fillRect/>
-          </a:stretch>
-        </p:blipFill>
-        <p:spPr>
-          <a:xfrm>
-            <a:off x="1337301" y="1438275"/>
-            <a:ext cx="9517398" cy="4738688"/>
-          </a:xfrm>
-        </p:spPr>
-      </p:pic>
-    </p:spTree>
-    <p:extLst>
-      <p:ext uri="{BB962C8B-B14F-4D97-AF65-F5344CB8AC3E}">
-        <p14:creationId xmlns:p14="http://schemas.microsoft.com/office/powerpoint/2010/main" val="3409933397"/>
-      </p:ext>
-    </p:extLst>
-  </p:cSld>
-  <p:clrMapOvr>
-    <a:masterClrMapping/>
-  </p:clrMapOvr>
-</p:sld>
-</file>
-
-<file path=ppt/slides/slide40.xml><?xml version="1.0" encoding="utf-8"?>
+<file path=ppt/slides/slide44.xml><?xml version="1.0" encoding="utf-8"?>
 <p:sld xmlns:a="http://schemas.openxmlformats.org/drawingml/2006/main" xmlns:r="http://schemas.openxmlformats.org/officeDocument/2006/relationships" xmlns:p="http://schemas.openxmlformats.org/presentationml/2006/main">
   <p:cSld>
     <p:spTree>
@@ -10205,6 +11210,21 @@
 </file>
 
 <file path=customXml/item1.xml><?xml version="1.0" encoding="utf-8"?>
+<p:properties xmlns:p="http://schemas.microsoft.com/office/2006/metadata/properties" xmlns:xsi="http://www.w3.org/2001/XMLSchema-instance" xmlns:pc="http://schemas.microsoft.com/office/infopath/2007/PartnerControls">
+  <documentManagement/>
+</p:properties>
+</file>
+
+<file path=customXml/item2.xml><?xml version="1.0" encoding="utf-8"?>
+<?mso-contentType ?>
+<FormTemplates xmlns="http://schemas.microsoft.com/sharepoint/v3/contenttype/forms">
+  <Display>DocumentLibraryForm</Display>
+  <Edit>DocumentLibraryForm</Edit>
+  <New>DocumentLibraryForm</New>
+</FormTemplates>
+</file>
+
+<file path=customXml/item3.xml><?xml version="1.0" encoding="utf-8"?>
 <ct:contentTypeSchema xmlns:ct="http://schemas.microsoft.com/office/2006/metadata/contentType" xmlns:ma="http://schemas.microsoft.com/office/2006/metadata/properties/metaAttributes" ct:_="" ma:_="" ma:contentTypeName="Document" ma:contentTypeID="0x0101006D977AFE0BA24A48A44BA40749E58BCA" ma:contentTypeVersion="4" ma:contentTypeDescription="Create a new document." ma:contentTypeScope="" ma:versionID="96123a612a8ea52de9eccec3cfd875c5">
   <xsd:schema xmlns:xsd="http://www.w3.org/2001/XMLSchema" xmlns:xs="http://www.w3.org/2001/XMLSchema" xmlns:p="http://schemas.microsoft.com/office/2006/metadata/properties" xmlns:ns2="ce377175-54a4-4d7f-a690-a38d13686295" targetNamespace="http://schemas.microsoft.com/office/2006/metadata/properties" ma:root="true" ma:fieldsID="e02eeb2f666df3e14fcd556b413490be" ns2:_="">
     <xsd:import namespace="ce377175-54a4-4d7f-a690-a38d13686295"/>
@@ -10350,22 +11370,31 @@
 </ct:contentTypeSchema>
 </file>
 
-<file path=customXml/item2.xml><?xml version="1.0" encoding="utf-8"?>
-<p:properties xmlns:p="http://schemas.microsoft.com/office/2006/metadata/properties" xmlns:xsi="http://www.w3.org/2001/XMLSchema-instance" xmlns:pc="http://schemas.microsoft.com/office/infopath/2007/PartnerControls">
-  <documentManagement/>
-</p:properties>
+<file path=customXml/itemProps1.xml><?xml version="1.0" encoding="utf-8"?>
+<ds:datastoreItem xmlns:ds="http://schemas.openxmlformats.org/officeDocument/2006/customXml" ds:itemID="{0748A49F-C736-4524-BB36-F11018D26634}">
+  <ds:schemaRefs>
+    <ds:schemaRef ds:uri="ce377175-54a4-4d7f-a690-a38d13686295"/>
+    <ds:schemaRef ds:uri="http://purl.org/dc/dcmitype/"/>
+    <ds:schemaRef ds:uri="http://purl.org/dc/elements/1.1/"/>
+    <ds:schemaRef ds:uri="http://purl.org/dc/terms/"/>
+    <ds:schemaRef ds:uri="http://schemas.microsoft.com/office/2006/documentManagement/types"/>
+    <ds:schemaRef ds:uri="http://schemas.microsoft.com/office/2006/metadata/properties"/>
+    <ds:schemaRef ds:uri="http://schemas.microsoft.com/office/infopath/2007/PartnerControls"/>
+    <ds:schemaRef ds:uri="http://schemas.openxmlformats.org/package/2006/metadata/core-properties"/>
+    <ds:schemaRef ds:uri="http://www.w3.org/XML/1998/namespace"/>
+  </ds:schemaRefs>
+</ds:datastoreItem>
 </file>
 
-<file path=customXml/item3.xml><?xml version="1.0" encoding="utf-8"?>
-<?mso-contentType ?>
-<FormTemplates xmlns="http://schemas.microsoft.com/sharepoint/v3/contenttype/forms">
-  <Display>DocumentLibraryForm</Display>
-  <Edit>DocumentLibraryForm</Edit>
-  <New>DocumentLibraryForm</New>
-</FormTemplates>
+<file path=customXml/itemProps2.xml><?xml version="1.0" encoding="utf-8"?>
+<ds:datastoreItem xmlns:ds="http://schemas.openxmlformats.org/officeDocument/2006/customXml" ds:itemID="{B294D1B7-8679-422F-949D-1455F508E596}">
+  <ds:schemaRefs>
+    <ds:schemaRef ds:uri="http://schemas.microsoft.com/sharepoint/v3/contenttype/forms"/>
+  </ds:schemaRefs>
+</ds:datastoreItem>
 </file>
 
-<file path=customXml/itemProps1.xml><?xml version="1.0" encoding="utf-8"?>
+<file path=customXml/itemProps3.xml><?xml version="1.0" encoding="utf-8"?>
 <ds:datastoreItem xmlns:ds="http://schemas.openxmlformats.org/officeDocument/2006/customXml" ds:itemID="{AA97010D-7C71-4286-B859-6803BB0ABFD2}">
   <ds:schemaRefs>
     <ds:schemaRef ds:uri="ce377175-54a4-4d7f-a690-a38d13686295"/>
@@ -10381,28 +11410,4 @@
     <ds:schemaRef ds:uri="http://www.w3.org/2001/XMLSchema"/>
   </ds:schemaRefs>
 </ds:datastoreItem>
-</file>
-
-<file path=customXml/itemProps2.xml><?xml version="1.0" encoding="utf-8"?>
-<ds:datastoreItem xmlns:ds="http://schemas.openxmlformats.org/officeDocument/2006/customXml" ds:itemID="{0748A49F-C736-4524-BB36-F11018D26634}">
-  <ds:schemaRefs>
-    <ds:schemaRef ds:uri="ce377175-54a4-4d7f-a690-a38d13686295"/>
-    <ds:schemaRef ds:uri="http://purl.org/dc/dcmitype/"/>
-    <ds:schemaRef ds:uri="http://purl.org/dc/elements/1.1/"/>
-    <ds:schemaRef ds:uri="http://purl.org/dc/terms/"/>
-    <ds:schemaRef ds:uri="http://schemas.microsoft.com/office/2006/documentManagement/types"/>
-    <ds:schemaRef ds:uri="http://schemas.microsoft.com/office/2006/metadata/properties"/>
-    <ds:schemaRef ds:uri="http://schemas.microsoft.com/office/infopath/2007/PartnerControls"/>
-    <ds:schemaRef ds:uri="http://schemas.openxmlformats.org/package/2006/metadata/core-properties"/>
-    <ds:schemaRef ds:uri="http://www.w3.org/XML/1998/namespace"/>
-  </ds:schemaRefs>
-</ds:datastoreItem>
-</file>
-
-<file path=customXml/itemProps3.xml><?xml version="1.0" encoding="utf-8"?>
-<ds:datastoreItem xmlns:ds="http://schemas.openxmlformats.org/officeDocument/2006/customXml" ds:itemID="{B294D1B7-8679-422F-949D-1455F508E596}">
-  <ds:schemaRefs>
-    <ds:schemaRef ds:uri="http://schemas.microsoft.com/sharepoint/v3/contenttype/forms"/>
-  </ds:schemaRefs>
-</ds:datastoreItem>
 </file>
--- a/UQ_2D_metamaterials_update.pptx
+++ b/UQ_2D_metamaterials_update.pptx
@@ -5,7 +5,7 @@
     <p:sldMasterId id="2147483660" r:id="rId4"/>
   </p:sldMasterIdLst>
   <p:notesMasterIdLst>
-    <p:notesMasterId r:id="rId49"/>
+    <p:notesMasterId r:id="rId51"/>
   </p:notesMasterIdLst>
   <p:sldIdLst>
     <p:sldId id="256" r:id="rId5"/>
@@ -20,38 +20,40 @@
     <p:sldId id="961" r:id="rId14"/>
     <p:sldId id="962" r:id="rId15"/>
     <p:sldId id="963" r:id="rId16"/>
-    <p:sldId id="964" r:id="rId17"/>
-    <p:sldId id="928" r:id="rId18"/>
-    <p:sldId id="922" r:id="rId19"/>
-    <p:sldId id="920" r:id="rId20"/>
-    <p:sldId id="933" r:id="rId21"/>
-    <p:sldId id="931" r:id="rId22"/>
-    <p:sldId id="932" r:id="rId23"/>
-    <p:sldId id="929" r:id="rId24"/>
-    <p:sldId id="921" r:id="rId25"/>
-    <p:sldId id="927" r:id="rId26"/>
-    <p:sldId id="923" r:id="rId27"/>
-    <p:sldId id="924" r:id="rId28"/>
-    <p:sldId id="938" r:id="rId29"/>
-    <p:sldId id="941" r:id="rId30"/>
-    <p:sldId id="942" r:id="rId31"/>
-    <p:sldId id="939" r:id="rId32"/>
-    <p:sldId id="945" r:id="rId33"/>
-    <p:sldId id="944" r:id="rId34"/>
-    <p:sldId id="943" r:id="rId35"/>
-    <p:sldId id="946" r:id="rId36"/>
-    <p:sldId id="947" r:id="rId37"/>
-    <p:sldId id="948" r:id="rId38"/>
-    <p:sldId id="949" r:id="rId39"/>
-    <p:sldId id="950" r:id="rId40"/>
-    <p:sldId id="951" r:id="rId41"/>
-    <p:sldId id="952" r:id="rId42"/>
-    <p:sldId id="953" r:id="rId43"/>
-    <p:sldId id="954" r:id="rId44"/>
-    <p:sldId id="955" r:id="rId45"/>
-    <p:sldId id="956" r:id="rId46"/>
-    <p:sldId id="957" r:id="rId47"/>
-    <p:sldId id="960" r:id="rId48"/>
+    <p:sldId id="965" r:id="rId17"/>
+    <p:sldId id="964" r:id="rId18"/>
+    <p:sldId id="966" r:id="rId19"/>
+    <p:sldId id="928" r:id="rId20"/>
+    <p:sldId id="922" r:id="rId21"/>
+    <p:sldId id="920" r:id="rId22"/>
+    <p:sldId id="933" r:id="rId23"/>
+    <p:sldId id="931" r:id="rId24"/>
+    <p:sldId id="932" r:id="rId25"/>
+    <p:sldId id="929" r:id="rId26"/>
+    <p:sldId id="921" r:id="rId27"/>
+    <p:sldId id="927" r:id="rId28"/>
+    <p:sldId id="923" r:id="rId29"/>
+    <p:sldId id="924" r:id="rId30"/>
+    <p:sldId id="938" r:id="rId31"/>
+    <p:sldId id="941" r:id="rId32"/>
+    <p:sldId id="942" r:id="rId33"/>
+    <p:sldId id="939" r:id="rId34"/>
+    <p:sldId id="945" r:id="rId35"/>
+    <p:sldId id="944" r:id="rId36"/>
+    <p:sldId id="943" r:id="rId37"/>
+    <p:sldId id="946" r:id="rId38"/>
+    <p:sldId id="947" r:id="rId39"/>
+    <p:sldId id="948" r:id="rId40"/>
+    <p:sldId id="949" r:id="rId41"/>
+    <p:sldId id="950" r:id="rId42"/>
+    <p:sldId id="951" r:id="rId43"/>
+    <p:sldId id="952" r:id="rId44"/>
+    <p:sldId id="953" r:id="rId45"/>
+    <p:sldId id="954" r:id="rId46"/>
+    <p:sldId id="955" r:id="rId47"/>
+    <p:sldId id="956" r:id="rId48"/>
+    <p:sldId id="957" r:id="rId49"/>
+    <p:sldId id="960" r:id="rId50"/>
   </p:sldIdLst>
   <p:sldSz cx="12192000" cy="6858000"/>
   <p:notesSz cx="6858000" cy="9144000"/>
@@ -167,7 +169,9 @@
             <p14:sldId id="961"/>
             <p14:sldId id="962"/>
             <p14:sldId id="963"/>
+            <p14:sldId id="965"/>
             <p14:sldId id="964"/>
+            <p14:sldId id="966"/>
           </p14:sldIdLst>
         </p14:section>
         <p14:section name="6D Material UQ - SC - MC" id="{64B834F4-7BF1-4CAA-BA6F-7818E8324EF0}">
@@ -336,7 +340,7 @@
           <a:p>
             <a:fld id="{5B2A9559-5325-4FFA-A5F2-CBDDB1074751}" type="datetimeFigureOut">
               <a:rPr lang="en-US" smtClean="0"/>
-              <a:t>8/7/2023</a:t>
+              <a:t>8/9/2023</a:t>
             </a:fld>
             <a:endParaRPr lang="en-US"/>
           </a:p>
@@ -687,6 +691,90 @@
 </p:notes>
 </file>
 
+<file path=ppt/notesSlides/notesSlide10.xml><?xml version="1.0" encoding="utf-8"?>
+<p:notes xmlns:a="http://schemas.openxmlformats.org/drawingml/2006/main" xmlns:r="http://schemas.openxmlformats.org/officeDocument/2006/relationships" xmlns:p="http://schemas.openxmlformats.org/presentationml/2006/main">
+  <p:cSld>
+    <p:spTree>
+      <p:nvGrpSpPr>
+        <p:cNvPr id="1" name=""/>
+        <p:cNvGrpSpPr/>
+        <p:nvPr/>
+      </p:nvGrpSpPr>
+      <p:grpSpPr>
+        <a:xfrm>
+          <a:off x="0" y="0"/>
+          <a:ext cx="0" cy="0"/>
+          <a:chOff x="0" y="0"/>
+          <a:chExt cx="0" cy="0"/>
+        </a:xfrm>
+      </p:grpSpPr>
+      <p:sp>
+        <p:nvSpPr>
+          <p:cNvPr id="2" name="Slide Image Placeholder 1"/>
+          <p:cNvSpPr>
+            <a:spLocks noGrp="1" noRot="1" noChangeAspect="1"/>
+          </p:cNvSpPr>
+          <p:nvPr>
+            <p:ph type="sldImg"/>
+          </p:nvPr>
+        </p:nvSpPr>
+        <p:spPr/>
+      </p:sp>
+      <p:sp>
+        <p:nvSpPr>
+          <p:cNvPr id="3" name="Notes Placeholder 2"/>
+          <p:cNvSpPr>
+            <a:spLocks noGrp="1"/>
+          </p:cNvSpPr>
+          <p:nvPr>
+            <p:ph type="body" idx="1"/>
+          </p:nvPr>
+        </p:nvSpPr>
+        <p:spPr/>
+        <p:txBody>
+          <a:bodyPr/>
+          <a:lstStyle/>
+          <a:p>
+            <a:endParaRPr lang="en-US" dirty="0"/>
+          </a:p>
+        </p:txBody>
+      </p:sp>
+      <p:sp>
+        <p:nvSpPr>
+          <p:cNvPr id="4" name="Slide Number Placeholder 3"/>
+          <p:cNvSpPr>
+            <a:spLocks noGrp="1"/>
+          </p:cNvSpPr>
+          <p:nvPr>
+            <p:ph type="sldNum" sz="quarter" idx="5"/>
+          </p:nvPr>
+        </p:nvSpPr>
+        <p:spPr/>
+        <p:txBody>
+          <a:bodyPr/>
+          <a:lstStyle/>
+          <a:p>
+            <a:fld id="{5ED6D2F6-D9A8-4EC3-B74F-DA40A0FC4A95}" type="slidenum">
+              <a:rPr lang="en-US" smtClean="0"/>
+              <a:t>21</a:t>
+            </a:fld>
+            <a:endParaRPr lang="en-US"/>
+          </a:p>
+        </p:txBody>
+      </p:sp>
+    </p:spTree>
+    <p:extLst>
+      <p:ext uri="{BB962C8B-B14F-4D97-AF65-F5344CB8AC3E}">
+        <p14:creationId xmlns:p14="http://schemas.microsoft.com/office/powerpoint/2010/main" val="1898275497"/>
+      </p:ext>
+    </p:extLst>
+  </p:cSld>
+  <p:clrMapOvr>
+    <a:masterClrMapping/>
+  </p:clrMapOvr>
+</p:notes>
+</file>
+
 <file path=ppt/notesSlides/notesSlide2.xml><?xml version="1.0" encoding="utf-8"?>
 <p:notes xmlns:a="http://schemas.openxmlformats.org/drawingml/2006/main" xmlns:r="http://schemas.openxmlformats.org/officeDocument/2006/relationships" xmlns:p="http://schemas.openxmlformats.org/presentationml/2006/main">
   <p:cSld>
@@ -929,7 +1017,7 @@
     </p:spTree>
     <p:extLst>
       <p:ext uri="{BB962C8B-B14F-4D97-AF65-F5344CB8AC3E}">
-        <p14:creationId xmlns:p14="http://schemas.microsoft.com/office/powerpoint/2010/main" val="4089741967"/>
+        <p14:creationId xmlns:p14="http://schemas.microsoft.com/office/powerpoint/2010/main" val="167993085"/>
       </p:ext>
     </p:extLst>
   </p:cSld>
@@ -1004,7 +1092,7 @@
           <a:p>
             <a:fld id="{5ED6D2F6-D9A8-4EC3-B74F-DA40A0FC4A95}" type="slidenum">
               <a:rPr lang="en-US" smtClean="0"/>
-              <a:t>16</a:t>
+              <a:t>14</a:t>
             </a:fld>
             <a:endParaRPr lang="en-US"/>
           </a:p>
@@ -1013,7 +1101,7 @@
     </p:spTree>
     <p:extLst>
       <p:ext uri="{BB962C8B-B14F-4D97-AF65-F5344CB8AC3E}">
-        <p14:creationId xmlns:p14="http://schemas.microsoft.com/office/powerpoint/2010/main" val="3356451182"/>
+        <p14:creationId xmlns:p14="http://schemas.microsoft.com/office/powerpoint/2010/main" val="4089741967"/>
       </p:ext>
     </p:extLst>
   </p:cSld>
@@ -1088,7 +1176,7 @@
           <a:p>
             <a:fld id="{5ED6D2F6-D9A8-4EC3-B74F-DA40A0FC4A95}" type="slidenum">
               <a:rPr lang="en-US" smtClean="0"/>
-              <a:t>17</a:t>
+              <a:t>15</a:t>
             </a:fld>
             <a:endParaRPr lang="en-US"/>
           </a:p>
@@ -1097,7 +1185,7 @@
     </p:spTree>
     <p:extLst>
       <p:ext uri="{BB962C8B-B14F-4D97-AF65-F5344CB8AC3E}">
-        <p14:creationId xmlns:p14="http://schemas.microsoft.com/office/powerpoint/2010/main" val="917664598"/>
+        <p14:creationId xmlns:p14="http://schemas.microsoft.com/office/powerpoint/2010/main" val="1639446416"/>
       </p:ext>
     </p:extLst>
   </p:cSld>
@@ -1181,7 +1269,7 @@
     </p:spTree>
     <p:extLst>
       <p:ext uri="{BB962C8B-B14F-4D97-AF65-F5344CB8AC3E}">
-        <p14:creationId xmlns:p14="http://schemas.microsoft.com/office/powerpoint/2010/main" val="4209106263"/>
+        <p14:creationId xmlns:p14="http://schemas.microsoft.com/office/powerpoint/2010/main" val="3356451182"/>
       </p:ext>
     </p:extLst>
   </p:cSld>
@@ -1265,7 +1353,91 @@
     </p:spTree>
     <p:extLst>
       <p:ext uri="{BB962C8B-B14F-4D97-AF65-F5344CB8AC3E}">
-        <p14:creationId xmlns:p14="http://schemas.microsoft.com/office/powerpoint/2010/main" val="1898275497"/>
+        <p14:creationId xmlns:p14="http://schemas.microsoft.com/office/powerpoint/2010/main" val="917664598"/>
+      </p:ext>
+    </p:extLst>
+  </p:cSld>
+  <p:clrMapOvr>
+    <a:masterClrMapping/>
+  </p:clrMapOvr>
+</p:notes>
+</file>
+
+<file path=ppt/notesSlides/notesSlide9.xml><?xml version="1.0" encoding="utf-8"?>
+<p:notes xmlns:a="http://schemas.openxmlformats.org/drawingml/2006/main" xmlns:r="http://schemas.openxmlformats.org/officeDocument/2006/relationships" xmlns:p="http://schemas.openxmlformats.org/presentationml/2006/main">
+  <p:cSld>
+    <p:spTree>
+      <p:nvGrpSpPr>
+        <p:cNvPr id="1" name=""/>
+        <p:cNvGrpSpPr/>
+        <p:nvPr/>
+      </p:nvGrpSpPr>
+      <p:grpSpPr>
+        <a:xfrm>
+          <a:off x="0" y="0"/>
+          <a:ext cx="0" cy="0"/>
+          <a:chOff x="0" y="0"/>
+          <a:chExt cx="0" cy="0"/>
+        </a:xfrm>
+      </p:grpSpPr>
+      <p:sp>
+        <p:nvSpPr>
+          <p:cNvPr id="2" name="Slide Image Placeholder 1"/>
+          <p:cNvSpPr>
+            <a:spLocks noGrp="1" noRot="1" noChangeAspect="1"/>
+          </p:cNvSpPr>
+          <p:nvPr>
+            <p:ph type="sldImg"/>
+          </p:nvPr>
+        </p:nvSpPr>
+        <p:spPr/>
+      </p:sp>
+      <p:sp>
+        <p:nvSpPr>
+          <p:cNvPr id="3" name="Notes Placeholder 2"/>
+          <p:cNvSpPr>
+            <a:spLocks noGrp="1"/>
+          </p:cNvSpPr>
+          <p:nvPr>
+            <p:ph type="body" idx="1"/>
+          </p:nvPr>
+        </p:nvSpPr>
+        <p:spPr/>
+        <p:txBody>
+          <a:bodyPr/>
+          <a:lstStyle/>
+          <a:p>
+            <a:endParaRPr lang="en-US" dirty="0"/>
+          </a:p>
+        </p:txBody>
+      </p:sp>
+      <p:sp>
+        <p:nvSpPr>
+          <p:cNvPr id="4" name="Slide Number Placeholder 3"/>
+          <p:cNvSpPr>
+            <a:spLocks noGrp="1"/>
+          </p:cNvSpPr>
+          <p:nvPr>
+            <p:ph type="sldNum" sz="quarter" idx="5"/>
+          </p:nvPr>
+        </p:nvSpPr>
+        <p:spPr/>
+        <p:txBody>
+          <a:bodyPr/>
+          <a:lstStyle/>
+          <a:p>
+            <a:fld id="{5ED6D2F6-D9A8-4EC3-B74F-DA40A0FC4A95}" type="slidenum">
+              <a:rPr lang="en-US" smtClean="0"/>
+              <a:t>20</a:t>
+            </a:fld>
+            <a:endParaRPr lang="en-US"/>
+          </a:p>
+        </p:txBody>
+      </p:sp>
+    </p:spTree>
+    <p:extLst>
+      <p:ext uri="{BB962C8B-B14F-4D97-AF65-F5344CB8AC3E}">
+        <p14:creationId xmlns:p14="http://schemas.microsoft.com/office/powerpoint/2010/main" val="4209106263"/>
       </p:ext>
     </p:extLst>
   </p:cSld>
@@ -1648,7 +1820,7 @@
           <a:p>
             <a:fld id="{43789B8F-7842-4BEF-9976-1EE74F57C738}" type="datetime1">
               <a:rPr lang="en-US" smtClean="0"/>
-              <a:t>8/7/2023</a:t>
+              <a:t>8/9/2023</a:t>
             </a:fld>
             <a:endParaRPr lang="en-US"/>
           </a:p>
@@ -1880,7 +2052,7 @@
           <a:p>
             <a:fld id="{050F5937-DD26-4F95-A0ED-C31A278A1247}" type="datetime1">
               <a:rPr lang="en-US" smtClean="0"/>
-              <a:t>8/7/2023</a:t>
+              <a:t>8/9/2023</a:t>
             </a:fld>
             <a:endParaRPr lang="en-US"/>
           </a:p>
@@ -2347,7 +2519,7 @@
           <a:p>
             <a:fld id="{49F581DC-F6E5-4AEE-98F3-A1977368E94D}" type="datetime1">
               <a:rPr lang="en-US" smtClean="0"/>
-              <a:t>8/7/2023</a:t>
+              <a:t>8/9/2023</a:t>
             </a:fld>
             <a:endParaRPr lang="en-US"/>
           </a:p>
@@ -2667,7 +2839,7 @@
           <a:p>
             <a:fld id="{A23148C6-A681-474A-852B-6488E264F1FD}" type="datetime1">
               <a:rPr lang="en-US" smtClean="0"/>
-              <a:t>8/7/2023</a:t>
+              <a:t>8/9/2023</a:t>
             </a:fld>
             <a:endParaRPr lang="en-US"/>
           </a:p>
@@ -3134,7 +3306,7 @@
           <a:p>
             <a:fld id="{E05877EE-87E6-4A80-A3D1-647EBC487900}" type="datetime1">
               <a:rPr lang="en-US" smtClean="0"/>
-              <a:t>8/7/2023</a:t>
+              <a:t>8/9/2023</a:t>
             </a:fld>
             <a:endParaRPr lang="en-US"/>
           </a:p>
@@ -3664,7 +3836,7 @@
           <a:p>
             <a:fld id="{1F39E345-7F84-425C-B838-418A9624F210}" type="datetime1">
               <a:rPr lang="en-US" smtClean="0"/>
-              <a:t>8/7/2023</a:t>
+              <a:t>8/9/2023</a:t>
             </a:fld>
             <a:endParaRPr lang="en-US"/>
           </a:p>
@@ -3979,7 +4151,7 @@
           <a:p>
             <a:fld id="{F90E5D04-5C5D-47CC-BDED-D4EAD1A4B7F8}" type="datetime1">
               <a:rPr lang="en-US" smtClean="0"/>
-              <a:t>8/7/2023</a:t>
+              <a:t>8/9/2023</a:t>
             </a:fld>
             <a:endParaRPr lang="en-US"/>
           </a:p>
@@ -4327,7 +4499,7 @@
           <a:p>
             <a:fld id="{B019BD83-B2B4-4833-86B7-8D5583952E34}" type="datetime1">
               <a:rPr lang="en-US" smtClean="0"/>
-              <a:t>8/7/2023</a:t>
+              <a:t>8/9/2023</a:t>
             </a:fld>
             <a:endParaRPr lang="en-US"/>
           </a:p>
@@ -5548,7 +5720,7 @@
           <a:p>
             <a:r>
               <a:rPr lang="en-US" dirty="0"/>
-              <a:t>EPF – Defect Convergence</a:t>
+              <a:t>EPF (FC) – Defect Convergence</a:t>
             </a:r>
           </a:p>
         </p:txBody>
@@ -5783,7 +5955,7 @@
     </p:spTree>
     <p:extLst>
       <p:ext uri="{BB962C8B-B14F-4D97-AF65-F5344CB8AC3E}">
-        <p14:creationId xmlns:p14="http://schemas.microsoft.com/office/powerpoint/2010/main" val="3440650923"/>
+        <p14:creationId xmlns:p14="http://schemas.microsoft.com/office/powerpoint/2010/main" val="348767598"/>
       </p:ext>
     </p:extLst>
   </p:cSld>
@@ -5810,12 +5982,69 @@
           <a:chExt cx="0" cy="0"/>
         </a:xfrm>
       </p:grpSpPr>
+      <p:pic>
+        <p:nvPicPr>
+          <p:cNvPr id="7" name="Content Placeholder 6">
+            <a:extLst>
+              <a:ext uri="{FF2B5EF4-FFF2-40B4-BE49-F238E27FC236}">
+                <a16:creationId xmlns:a16="http://schemas.microsoft.com/office/drawing/2014/main" id="{1932DB80-BA16-4C33-684D-08E3A69A4340}"/>
+              </a:ext>
+            </a:extLst>
+          </p:cNvPr>
+          <p:cNvPicPr>
+            <a:picLocks noGrp="1" noChangeAspect="1"/>
+          </p:cNvPicPr>
+          <p:nvPr>
+            <p:ph idx="1"/>
+          </p:nvPr>
+        </p:nvPicPr>
+        <p:blipFill>
+          <a:blip r:embed="rId3"/>
+          <a:srcRect/>
+          <a:stretch/>
+        </p:blipFill>
+        <p:spPr>
+          <a:xfrm>
+            <a:off x="678169" y="879354"/>
+            <a:ext cx="5417831" cy="2715773"/>
+          </a:xfrm>
+        </p:spPr>
+      </p:pic>
+      <p:pic>
+        <p:nvPicPr>
+          <p:cNvPr id="9" name="Picture 8">
+            <a:extLst>
+              <a:ext uri="{FF2B5EF4-FFF2-40B4-BE49-F238E27FC236}">
+                <a16:creationId xmlns:a16="http://schemas.microsoft.com/office/drawing/2014/main" id="{6B9C0983-42DC-E474-62AD-0C079F360FFE}"/>
+              </a:ext>
+            </a:extLst>
+          </p:cNvPr>
+          <p:cNvPicPr>
+            <a:picLocks noChangeAspect="1"/>
+          </p:cNvPicPr>
+          <p:nvPr/>
+        </p:nvPicPr>
+        <p:blipFill>
+          <a:blip r:embed="rId4"/>
+          <a:srcRect/>
+          <a:stretch/>
+        </p:blipFill>
+        <p:spPr>
+          <a:xfrm>
+            <a:off x="678168" y="3595127"/>
+            <a:ext cx="5417830" cy="2715772"/>
+          </a:xfrm>
+          <a:prstGeom prst="rect">
+            <a:avLst/>
+          </a:prstGeom>
+        </p:spPr>
+      </p:pic>
       <p:sp>
         <p:nvSpPr>
           <p:cNvPr id="2" name="Title 1">
             <a:extLst>
               <a:ext uri="{FF2B5EF4-FFF2-40B4-BE49-F238E27FC236}">
-                <a16:creationId xmlns:a16="http://schemas.microsoft.com/office/drawing/2014/main" id="{FF46EFE3-2612-B04E-2A19-D61DA27B229B}"/>
+                <a16:creationId xmlns:a16="http://schemas.microsoft.com/office/drawing/2014/main" id="{DE9A25E5-E49D-B8C1-069F-E83D8A83DA79}"/>
               </a:ext>
             </a:extLst>
           </p:cNvPr>
@@ -5828,52 +6057,246 @@
         </p:nvSpPr>
         <p:spPr>
           <a:xfrm>
-            <a:off x="838200" y="287165"/>
+            <a:off x="838200" y="104608"/>
             <a:ext cx="10515600" cy="1056686"/>
           </a:xfrm>
         </p:spPr>
         <p:txBody>
-          <a:bodyPr/>
+          <a:bodyPr anchor="ctr">
+            <a:normAutofit/>
+          </a:bodyPr>
           <a:lstStyle/>
           <a:p>
             <a:r>
-              <a:rPr lang="en-US" sz="4400" dirty="0"/>
-              <a:t>Stochastic Collocation – MC Regression</a:t>
-            </a:r>
-            <a:endParaRPr lang="en-US" dirty="0"/>
-          </a:p>
-        </p:txBody>
-      </p:sp>
-      <p:sp>
-        <p:nvSpPr>
-          <p:cNvPr id="3" name="Content Placeholder 2">
-            <a:extLst>
-              <a:ext uri="{FF2B5EF4-FFF2-40B4-BE49-F238E27FC236}">
-                <a16:creationId xmlns:a16="http://schemas.microsoft.com/office/drawing/2014/main" id="{C5AD6461-80F6-D156-FBF4-9DA7849BE8B4}"/>
-              </a:ext>
-            </a:extLst>
-          </p:cNvPr>
-          <p:cNvSpPr>
-            <a:spLocks noGrp="1"/>
-          </p:cNvSpPr>
-          <p:nvPr>
-            <p:ph idx="1"/>
-          </p:nvPr>
-        </p:nvSpPr>
-        <p:spPr/>
-        <p:txBody>
-          <a:bodyPr/>
-          <a:lstStyle/>
-          <a:p>
-            <a:r>
               <a:rPr lang="en-US" dirty="0"/>
-              <a:t>A variation of stochastic collocation where the orthogonal polynomials are fitted to MC generated samples</a:t>
-            </a:r>
-          </a:p>
+              <a:t>EPF (FP) – Defect Convergence</a:t>
+            </a:r>
+          </a:p>
+        </p:txBody>
+      </p:sp>
+      <p:sp>
+        <p:nvSpPr>
+          <p:cNvPr id="12" name="Content Placeholder 2">
+            <a:extLst>
+              <a:ext uri="{FF2B5EF4-FFF2-40B4-BE49-F238E27FC236}">
+                <a16:creationId xmlns:a16="http://schemas.microsoft.com/office/drawing/2014/main" id="{E1ACE7C9-7BBC-A392-0AA7-4A145D8DDAE9}"/>
+              </a:ext>
+            </a:extLst>
+          </p:cNvPr>
+          <p:cNvSpPr txBox="1">
+            <a:spLocks/>
+          </p:cNvSpPr>
+          <p:nvPr/>
+        </p:nvSpPr>
+        <p:spPr>
+          <a:xfrm>
+            <a:off x="6095999" y="1161294"/>
+            <a:ext cx="5494021" cy="5149606"/>
+          </a:xfrm>
+          <a:prstGeom prst="rect">
+            <a:avLst/>
+          </a:prstGeom>
+        </p:spPr>
+        <p:txBody>
+          <a:bodyPr vert="horz" lIns="91440" tIns="45720" rIns="91440" bIns="45720" rtlCol="0">
+            <a:normAutofit fontScale="70000" lnSpcReduction="20000"/>
+          </a:bodyPr>
+          <a:lstStyle>
+            <a:lvl1pPr marL="228600" indent="-228600" algn="l" defTabSz="914400" rtl="0" eaLnBrk="1" latinLnBrk="0" hangingPunct="1">
+              <a:lnSpc>
+                <a:spcPct val="90000"/>
+              </a:lnSpc>
+              <a:spcBef>
+                <a:spcPts val="1000"/>
+              </a:spcBef>
+              <a:buFont typeface="Arial" panose="020B0604020202020204" pitchFamily="34" charset="0"/>
+              <a:buChar char="•"/>
+              <a:defRPr sz="2800" kern="1200">
+                <a:solidFill>
+                  <a:schemeClr val="accent6">
+                    <a:lumMod val="75000"/>
+                  </a:schemeClr>
+                </a:solidFill>
+                <a:latin typeface="Trebuchet MS" panose="020B0603020202020204" pitchFamily="34" charset="0"/>
+                <a:ea typeface="+mn-ea"/>
+                <a:cs typeface="+mn-cs"/>
+              </a:defRPr>
+            </a:lvl1pPr>
+            <a:lvl2pPr marL="685800" indent="-228600" algn="l" defTabSz="914400" rtl="0" eaLnBrk="1" latinLnBrk="0" hangingPunct="1">
+              <a:lnSpc>
+                <a:spcPct val="90000"/>
+              </a:lnSpc>
+              <a:spcBef>
+                <a:spcPts val="500"/>
+              </a:spcBef>
+              <a:buFont typeface="Arial" panose="020B0604020202020204" pitchFamily="34" charset="0"/>
+              <a:buChar char="•"/>
+              <a:defRPr sz="2400" kern="1200">
+                <a:solidFill>
+                  <a:schemeClr val="accent6">
+                    <a:lumMod val="75000"/>
+                  </a:schemeClr>
+                </a:solidFill>
+                <a:latin typeface="Trebuchet MS" panose="020B0603020202020204" pitchFamily="34" charset="0"/>
+                <a:ea typeface="+mn-ea"/>
+                <a:cs typeface="+mn-cs"/>
+              </a:defRPr>
+            </a:lvl2pPr>
+            <a:lvl3pPr marL="1143000" indent="-228600" algn="l" defTabSz="914400" rtl="0" eaLnBrk="1" latinLnBrk="0" hangingPunct="1">
+              <a:lnSpc>
+                <a:spcPct val="90000"/>
+              </a:lnSpc>
+              <a:spcBef>
+                <a:spcPts val="500"/>
+              </a:spcBef>
+              <a:buFont typeface="Arial" panose="020B0604020202020204" pitchFamily="34" charset="0"/>
+              <a:buChar char="•"/>
+              <a:defRPr sz="2000" kern="1200">
+                <a:solidFill>
+                  <a:schemeClr val="accent6">
+                    <a:lumMod val="75000"/>
+                  </a:schemeClr>
+                </a:solidFill>
+                <a:latin typeface="Trebuchet MS" panose="020B0603020202020204" pitchFamily="34" charset="0"/>
+                <a:ea typeface="+mn-ea"/>
+                <a:cs typeface="+mn-cs"/>
+              </a:defRPr>
+            </a:lvl3pPr>
+            <a:lvl4pPr marL="1600200" indent="-228600" algn="l" defTabSz="914400" rtl="0" eaLnBrk="1" latinLnBrk="0" hangingPunct="1">
+              <a:lnSpc>
+                <a:spcPct val="90000"/>
+              </a:lnSpc>
+              <a:spcBef>
+                <a:spcPts val="500"/>
+              </a:spcBef>
+              <a:buFont typeface="Arial" panose="020B0604020202020204" pitchFamily="34" charset="0"/>
+              <a:buChar char="•"/>
+              <a:defRPr sz="1800" kern="1200">
+                <a:solidFill>
+                  <a:schemeClr val="accent6">
+                    <a:lumMod val="75000"/>
+                  </a:schemeClr>
+                </a:solidFill>
+                <a:latin typeface="Trebuchet MS" panose="020B0603020202020204" pitchFamily="34" charset="0"/>
+                <a:ea typeface="+mn-ea"/>
+                <a:cs typeface="+mn-cs"/>
+              </a:defRPr>
+            </a:lvl4pPr>
+            <a:lvl5pPr marL="2057400" indent="-228600" algn="l" defTabSz="914400" rtl="0" eaLnBrk="1" latinLnBrk="0" hangingPunct="1">
+              <a:lnSpc>
+                <a:spcPct val="90000"/>
+              </a:lnSpc>
+              <a:spcBef>
+                <a:spcPts val="500"/>
+              </a:spcBef>
+              <a:buFont typeface="Arial" panose="020B0604020202020204" pitchFamily="34" charset="0"/>
+              <a:buChar char="•"/>
+              <a:defRPr sz="1800" kern="1200">
+                <a:solidFill>
+                  <a:schemeClr val="accent6">
+                    <a:lumMod val="75000"/>
+                  </a:schemeClr>
+                </a:solidFill>
+                <a:latin typeface="Trebuchet MS" panose="020B0603020202020204" pitchFamily="34" charset="0"/>
+                <a:ea typeface="+mn-ea"/>
+                <a:cs typeface="+mn-cs"/>
+              </a:defRPr>
+            </a:lvl5pPr>
+            <a:lvl6pPr marL="2514600" indent="-228600" algn="l" defTabSz="914400" rtl="0" eaLnBrk="1" latinLnBrk="0" hangingPunct="1">
+              <a:lnSpc>
+                <a:spcPct val="90000"/>
+              </a:lnSpc>
+              <a:spcBef>
+                <a:spcPts val="500"/>
+              </a:spcBef>
+              <a:buFont typeface="Arial" panose="020B0604020202020204" pitchFamily="34" charset="0"/>
+              <a:buChar char="•"/>
+              <a:defRPr sz="1800" kern="1200">
+                <a:solidFill>
+                  <a:schemeClr val="tx1"/>
+                </a:solidFill>
+                <a:latin typeface="+mn-lt"/>
+                <a:ea typeface="+mn-ea"/>
+                <a:cs typeface="+mn-cs"/>
+              </a:defRPr>
+            </a:lvl6pPr>
+            <a:lvl7pPr marL="2971800" indent="-228600" algn="l" defTabSz="914400" rtl="0" eaLnBrk="1" latinLnBrk="0" hangingPunct="1">
+              <a:lnSpc>
+                <a:spcPct val="90000"/>
+              </a:lnSpc>
+              <a:spcBef>
+                <a:spcPts val="500"/>
+              </a:spcBef>
+              <a:buFont typeface="Arial" panose="020B0604020202020204" pitchFamily="34" charset="0"/>
+              <a:buChar char="•"/>
+              <a:defRPr sz="1800" kern="1200">
+                <a:solidFill>
+                  <a:schemeClr val="tx1"/>
+                </a:solidFill>
+                <a:latin typeface="+mn-lt"/>
+                <a:ea typeface="+mn-ea"/>
+                <a:cs typeface="+mn-cs"/>
+              </a:defRPr>
+            </a:lvl7pPr>
+            <a:lvl8pPr marL="3429000" indent="-228600" algn="l" defTabSz="914400" rtl="0" eaLnBrk="1" latinLnBrk="0" hangingPunct="1">
+              <a:lnSpc>
+                <a:spcPct val="90000"/>
+              </a:lnSpc>
+              <a:spcBef>
+                <a:spcPts val="500"/>
+              </a:spcBef>
+              <a:buFont typeface="Arial" panose="020B0604020202020204" pitchFamily="34" charset="0"/>
+              <a:buChar char="•"/>
+              <a:defRPr sz="1800" kern="1200">
+                <a:solidFill>
+                  <a:schemeClr val="tx1"/>
+                </a:solidFill>
+                <a:latin typeface="+mn-lt"/>
+                <a:ea typeface="+mn-ea"/>
+                <a:cs typeface="+mn-cs"/>
+              </a:defRPr>
+            </a:lvl8pPr>
+            <a:lvl9pPr marL="3886200" indent="-228600" algn="l" defTabSz="914400" rtl="0" eaLnBrk="1" latinLnBrk="0" hangingPunct="1">
+              <a:lnSpc>
+                <a:spcPct val="90000"/>
+              </a:lnSpc>
+              <a:spcBef>
+                <a:spcPts val="500"/>
+              </a:spcBef>
+              <a:buFont typeface="Arial" panose="020B0604020202020204" pitchFamily="34" charset="0"/>
+              <a:buChar char="•"/>
+              <a:defRPr sz="1800" kern="1200">
+                <a:solidFill>
+                  <a:schemeClr val="tx1"/>
+                </a:solidFill>
+                <a:latin typeface="+mn-lt"/>
+                <a:ea typeface="+mn-ea"/>
+                <a:cs typeface="+mn-cs"/>
+              </a:defRPr>
+            </a:lvl9pPr>
+          </a:lstStyle>
           <a:p>
             <a:r>
               <a:rPr lang="en-US" dirty="0"/>
-              <a:t>Usually more effective at higher dimensions and less efficient at lower dimensions compared to quadrature rule stochastic collocation</a:t>
+              <a:t>Typical bandgap size and center output distributions ranges 1000Hz for specified material property input distributions.</a:t>
+            </a:r>
+          </a:p>
+          <a:p>
+            <a:r>
+              <a:rPr lang="en-US" dirty="0"/>
+              <a:t>For 10p EPF, results are better with the FP approach than the FC approach. Still, we would probably consider this too wide of a distribution for any surrogate model to differentiate between effects of geometry defects and material properties.</a:t>
+            </a:r>
+          </a:p>
+          <a:p>
+            <a:r>
+              <a:rPr lang="en-US" dirty="0"/>
+              <a:t>However, around 40p, EPF-FP also converges and is a reasonable strategy, with the distribution of computed bandgap results for fixed material properties and 100 randomly generated defective geometries being more than an order of magnitude tighter than ranges seen from UQ on material properties.</a:t>
+            </a:r>
+          </a:p>
+          <a:p>
+            <a:r>
+              <a:rPr lang="en-US" dirty="0"/>
+              <a:t>This suggests we may be able to either incorporate geometry defects as part of the original model (as a meta-parameter), or as one of the inputs to UQ.</a:t>
             </a:r>
           </a:p>
         </p:txBody>
@@ -5881,7 +6304,7 @@
     </p:spTree>
     <p:extLst>
       <p:ext uri="{BB962C8B-B14F-4D97-AF65-F5344CB8AC3E}">
-        <p14:creationId xmlns:p14="http://schemas.microsoft.com/office/powerpoint/2010/main" val="51304751"/>
+        <p14:creationId xmlns:p14="http://schemas.microsoft.com/office/powerpoint/2010/main" val="3440650923"/>
       </p:ext>
     </p:extLst>
   </p:cSld>
@@ -5908,47 +6331,12 @@
           <a:chExt cx="0" cy="0"/>
         </a:xfrm>
       </p:grpSpPr>
-      <p:sp>
-        <p:nvSpPr>
-          <p:cNvPr id="2" name="Title 1">
-            <a:extLst>
-              <a:ext uri="{FF2B5EF4-FFF2-40B4-BE49-F238E27FC236}">
-                <a16:creationId xmlns:a16="http://schemas.microsoft.com/office/drawing/2014/main" id="{2FB1AF1B-E5FB-47C6-F2C8-D17A8AB062DF}"/>
-              </a:ext>
-            </a:extLst>
-          </p:cNvPr>
-          <p:cNvSpPr>
-            <a:spLocks noGrp="1"/>
-          </p:cNvSpPr>
-          <p:nvPr>
-            <p:ph type="title"/>
-          </p:nvPr>
-        </p:nvSpPr>
-        <p:spPr>
-          <a:xfrm>
-            <a:off x="838200" y="346701"/>
-            <a:ext cx="10515600" cy="1056686"/>
-          </a:xfrm>
-        </p:spPr>
-        <p:txBody>
-          <a:bodyPr>
-            <a:noAutofit/>
-          </a:bodyPr>
-          <a:lstStyle/>
-          <a:p>
-            <a:r>
-              <a:rPr lang="en-US" sz="3600" dirty="0"/>
-              <a:t>Stochastic Collocation – MC Regression (Underfit)</a:t>
-            </a:r>
-          </a:p>
-        </p:txBody>
-      </p:sp>
       <p:pic>
         <p:nvPicPr>
-          <p:cNvPr id="5" name="Content Placeholder 4">
-            <a:extLst>
-              <a:ext uri="{FF2B5EF4-FFF2-40B4-BE49-F238E27FC236}">
-                <a16:creationId xmlns:a16="http://schemas.microsoft.com/office/drawing/2014/main" id="{AE2D6E08-A882-0A1D-DD91-568191A07070}"/>
+          <p:cNvPr id="7" name="Content Placeholder 6" descr="A graph of different sizes and colors&#10;&#10;Description automatically generated with medium confidence">
+            <a:extLst>
+              <a:ext uri="{FF2B5EF4-FFF2-40B4-BE49-F238E27FC236}">
+                <a16:creationId xmlns:a16="http://schemas.microsoft.com/office/drawing/2014/main" id="{1932DB80-BA16-4C33-684D-08E3A69A4340}"/>
               </a:ext>
             </a:extLst>
           </p:cNvPr>
@@ -5960,21 +6348,143 @@
           </p:nvPr>
         </p:nvPicPr>
         <p:blipFill>
-          <a:blip r:embed="rId2"/>
+          <a:blip r:embed="rId3"/>
           <a:srcRect/>
           <a:stretch/>
         </p:blipFill>
         <p:spPr>
           <a:xfrm>
-            <a:off x="838200" y="1632281"/>
-            <a:ext cx="10515600" cy="4350675"/>
+            <a:off x="1335088" y="1436688"/>
+            <a:ext cx="4727575" cy="2336800"/>
           </a:xfrm>
         </p:spPr>
       </p:pic>
+      <p:pic>
+        <p:nvPicPr>
+          <p:cNvPr id="9" name="Picture 8" descr="A close-up of a graph&#10;&#10;Description automatically generated">
+            <a:extLst>
+              <a:ext uri="{FF2B5EF4-FFF2-40B4-BE49-F238E27FC236}">
+                <a16:creationId xmlns:a16="http://schemas.microsoft.com/office/drawing/2014/main" id="{6B9C0983-42DC-E474-62AD-0C079F360FFE}"/>
+              </a:ext>
+            </a:extLst>
+          </p:cNvPr>
+          <p:cNvPicPr>
+            <a:picLocks noChangeAspect="1"/>
+          </p:cNvPicPr>
+          <p:nvPr/>
+        </p:nvPicPr>
+        <p:blipFill>
+          <a:blip r:embed="rId4"/>
+          <a:srcRect/>
+          <a:stretch/>
+        </p:blipFill>
+        <p:spPr>
+          <a:xfrm>
+            <a:off x="6127750" y="1436688"/>
+            <a:ext cx="4729163" cy="2336800"/>
+          </a:xfrm>
+          <a:prstGeom prst="rect">
+            <a:avLst/>
+          </a:prstGeom>
+        </p:spPr>
+      </p:pic>
+      <p:pic>
+        <p:nvPicPr>
+          <p:cNvPr id="3" name="Content Placeholder 6" descr="A comparison of a band gadget&#10;&#10;Description automatically generated with medium confidence">
+            <a:extLst>
+              <a:ext uri="{FF2B5EF4-FFF2-40B4-BE49-F238E27FC236}">
+                <a16:creationId xmlns:a16="http://schemas.microsoft.com/office/drawing/2014/main" id="{839CC84F-1913-EF62-67C9-B8D0E439DF14}"/>
+              </a:ext>
+            </a:extLst>
+          </p:cNvPr>
+          <p:cNvPicPr>
+            <a:picLocks noChangeAspect="1"/>
+          </p:cNvPicPr>
+          <p:nvPr/>
+        </p:nvPicPr>
+        <p:blipFill>
+          <a:blip r:embed="rId5"/>
+          <a:srcRect/>
+          <a:stretch/>
+        </p:blipFill>
+        <p:spPr>
+          <a:xfrm>
+            <a:off x="1335088" y="3838575"/>
+            <a:ext cx="4727575" cy="2336800"/>
+          </a:xfrm>
+          <a:prstGeom prst="rect">
+            <a:avLst/>
+          </a:prstGeom>
+        </p:spPr>
+      </p:pic>
+      <p:pic>
+        <p:nvPicPr>
+          <p:cNvPr id="4" name="Picture 3" descr="A close-up of several different colored graphs&#10;&#10;Description automatically generated">
+            <a:extLst>
+              <a:ext uri="{FF2B5EF4-FFF2-40B4-BE49-F238E27FC236}">
+                <a16:creationId xmlns:a16="http://schemas.microsoft.com/office/drawing/2014/main" id="{B0BCE23E-EC43-CC79-E8BA-74F2BE29E275}"/>
+              </a:ext>
+            </a:extLst>
+          </p:cNvPr>
+          <p:cNvPicPr>
+            <a:picLocks noChangeAspect="1"/>
+          </p:cNvPicPr>
+          <p:nvPr/>
+        </p:nvPicPr>
+        <p:blipFill>
+          <a:blip r:embed="rId6"/>
+          <a:srcRect/>
+          <a:stretch/>
+        </p:blipFill>
+        <p:spPr>
+          <a:xfrm>
+            <a:off x="6127750" y="3838575"/>
+            <a:ext cx="4729163" cy="2336800"/>
+          </a:xfrm>
+          <a:prstGeom prst="rect">
+            <a:avLst/>
+          </a:prstGeom>
+        </p:spPr>
+      </p:pic>
+      <p:sp>
+        <p:nvSpPr>
+          <p:cNvPr id="2" name="Title 1">
+            <a:extLst>
+              <a:ext uri="{FF2B5EF4-FFF2-40B4-BE49-F238E27FC236}">
+                <a16:creationId xmlns:a16="http://schemas.microsoft.com/office/drawing/2014/main" id="{DE9A25E5-E49D-B8C1-069F-E83D8A83DA79}"/>
+              </a:ext>
+            </a:extLst>
+          </p:cNvPr>
+          <p:cNvSpPr>
+            <a:spLocks noGrp="1"/>
+          </p:cNvSpPr>
+          <p:nvPr>
+            <p:ph type="title"/>
+          </p:nvPr>
+        </p:nvSpPr>
+        <p:spPr>
+          <a:xfrm>
+            <a:off x="838200" y="104608"/>
+            <a:ext cx="10515600" cy="1056686"/>
+          </a:xfrm>
+        </p:spPr>
+        <p:txBody>
+          <a:bodyPr anchor="ctr">
+            <a:normAutofit/>
+          </a:bodyPr>
+          <a:lstStyle/>
+          <a:p>
+            <a:r>
+              <a:rPr lang="en-US" dirty="0"/>
+              <a:t>EPF FC VS FP – Defect Convergence</a:t>
+            </a:r>
+          </a:p>
+        </p:txBody>
+      </p:sp>
     </p:spTree>
     <p:extLst>
       <p:ext uri="{BB962C8B-B14F-4D97-AF65-F5344CB8AC3E}">
-        <p14:creationId xmlns:p14="http://schemas.microsoft.com/office/powerpoint/2010/main" val="313178282"/>
+        <p14:creationId xmlns:p14="http://schemas.microsoft.com/office/powerpoint/2010/main" val="784883634"/>
       </p:ext>
     </p:extLst>
   </p:cSld>
@@ -6006,7 +6516,7 @@
           <p:cNvPr id="2" name="Title 1">
             <a:extLst>
               <a:ext uri="{FF2B5EF4-FFF2-40B4-BE49-F238E27FC236}">
-                <a16:creationId xmlns:a16="http://schemas.microsoft.com/office/drawing/2014/main" id="{2FB1AF1B-E5FB-47C6-F2C8-D17A8AB062DF}"/>
+                <a16:creationId xmlns:a16="http://schemas.microsoft.com/office/drawing/2014/main" id="{FF46EFE3-2612-B04E-2A19-D61DA27B229B}"/>
               </a:ext>
             </a:extLst>
           </p:cNvPr>
@@ -6019,55 +6529,60 @@
         </p:nvSpPr>
         <p:spPr>
           <a:xfrm>
-            <a:off x="838200" y="346701"/>
+            <a:off x="838200" y="287165"/>
             <a:ext cx="10515600" cy="1056686"/>
           </a:xfrm>
         </p:spPr>
         <p:txBody>
-          <a:bodyPr>
-            <a:noAutofit/>
-          </a:bodyPr>
+          <a:bodyPr/>
           <a:lstStyle/>
           <a:p>
             <a:r>
-              <a:rPr lang="en-US" sz="3200" dirty="0"/>
-              <a:t>Stochastic Collocation – MC Regression – Bandgap Size</a:t>
-            </a:r>
-          </a:p>
-        </p:txBody>
-      </p:sp>
-      <p:pic>
-        <p:nvPicPr>
-          <p:cNvPr id="5" name="Content Placeholder 4">
-            <a:extLst>
-              <a:ext uri="{FF2B5EF4-FFF2-40B4-BE49-F238E27FC236}">
-                <a16:creationId xmlns:a16="http://schemas.microsoft.com/office/drawing/2014/main" id="{AE2D6E08-A882-0A1D-DD91-568191A07070}"/>
-              </a:ext>
-            </a:extLst>
-          </p:cNvPr>
-          <p:cNvPicPr>
-            <a:picLocks noGrp="1" noChangeAspect="1"/>
-          </p:cNvPicPr>
+              <a:rPr lang="en-US" sz="4400" dirty="0"/>
+              <a:t>Stochastic Collocation – MC Regression</a:t>
+            </a:r>
+            <a:endParaRPr lang="en-US" dirty="0"/>
+          </a:p>
+        </p:txBody>
+      </p:sp>
+      <p:sp>
+        <p:nvSpPr>
+          <p:cNvPr id="3" name="Content Placeholder 2">
+            <a:extLst>
+              <a:ext uri="{FF2B5EF4-FFF2-40B4-BE49-F238E27FC236}">
+                <a16:creationId xmlns:a16="http://schemas.microsoft.com/office/drawing/2014/main" id="{C5AD6461-80F6-D156-FBF4-9DA7849BE8B4}"/>
+              </a:ext>
+            </a:extLst>
+          </p:cNvPr>
+          <p:cNvSpPr>
+            <a:spLocks noGrp="1"/>
+          </p:cNvSpPr>
           <p:nvPr>
             <p:ph idx="1"/>
           </p:nvPr>
-        </p:nvPicPr>
-        <p:blipFill>
-          <a:blip r:embed="rId3"/>
-          <a:srcRect/>
-          <a:stretch/>
-        </p:blipFill>
-        <p:spPr>
-          <a:xfrm>
-            <a:off x="838200" y="1632281"/>
-            <a:ext cx="10515600" cy="4350675"/>
-          </a:xfrm>
-        </p:spPr>
-      </p:pic>
+        </p:nvSpPr>
+        <p:spPr/>
+        <p:txBody>
+          <a:bodyPr/>
+          <a:lstStyle/>
+          <a:p>
+            <a:r>
+              <a:rPr lang="en-US" dirty="0"/>
+              <a:t>A variation of stochastic collocation where the orthogonal polynomials are fitted to MC generated samples</a:t>
+            </a:r>
+          </a:p>
+          <a:p>
+            <a:r>
+              <a:rPr lang="en-US" dirty="0"/>
+              <a:t>Usually more effective at higher dimensions and less efficient at lower dimensions compared to quadrature rule stochastic collocation</a:t>
+            </a:r>
+          </a:p>
+        </p:txBody>
+      </p:sp>
     </p:spTree>
     <p:extLst>
       <p:ext uri="{BB962C8B-B14F-4D97-AF65-F5344CB8AC3E}">
-        <p14:creationId xmlns:p14="http://schemas.microsoft.com/office/powerpoint/2010/main" val="745860620"/>
+        <p14:creationId xmlns:p14="http://schemas.microsoft.com/office/powerpoint/2010/main" val="51304751"/>
       </p:ext>
     </p:extLst>
   </p:cSld>
@@ -6123,8 +6638,8 @@
           <a:lstStyle/>
           <a:p>
             <a:r>
-              <a:rPr lang="en-US" sz="3200" dirty="0"/>
-              <a:t>Stochastic Collocation – MC Regression – Bandgap Center</a:t>
+              <a:rPr lang="en-US" sz="3600" dirty="0"/>
+              <a:t>Stochastic Collocation – MC Regression (Underfit)</a:t>
             </a:r>
           </a:p>
         </p:txBody>
@@ -6146,7 +6661,7 @@
           </p:nvPr>
         </p:nvPicPr>
         <p:blipFill>
-          <a:blip r:embed="rId3"/>
+          <a:blip r:embed="rId2"/>
           <a:srcRect/>
           <a:stretch/>
         </p:blipFill>
@@ -6160,7 +6675,7 @@
     </p:spTree>
     <p:extLst>
       <p:ext uri="{BB962C8B-B14F-4D97-AF65-F5344CB8AC3E}">
-        <p14:creationId xmlns:p14="http://schemas.microsoft.com/office/powerpoint/2010/main" val="3377187287"/>
+        <p14:creationId xmlns:p14="http://schemas.microsoft.com/office/powerpoint/2010/main" val="313178282"/>
       </p:ext>
     </p:extLst>
   </p:cSld>
@@ -6217,7 +6732,7 @@
           <a:p>
             <a:r>
               <a:rPr lang="en-US" sz="3200" dirty="0"/>
-              <a:t>Stochastic Collocation – MC Regression – Bandgap Top</a:t>
+              <a:t>Stochastic Collocation – MC Regression – Bandgap Size</a:t>
             </a:r>
           </a:p>
         </p:txBody>
@@ -6253,7 +6768,7 @@
     </p:spTree>
     <p:extLst>
       <p:ext uri="{BB962C8B-B14F-4D97-AF65-F5344CB8AC3E}">
-        <p14:creationId xmlns:p14="http://schemas.microsoft.com/office/powerpoint/2010/main" val="555498027"/>
+        <p14:creationId xmlns:p14="http://schemas.microsoft.com/office/powerpoint/2010/main" val="745860620"/>
       </p:ext>
     </p:extLst>
   </p:cSld>
@@ -6310,7 +6825,7 @@
           <a:p>
             <a:r>
               <a:rPr lang="en-US" sz="3200" dirty="0"/>
-              <a:t>Stochastic Collocation – MC Regression – Bandgap Bottom</a:t>
+              <a:t>Stochastic Collocation – MC Regression – Bandgap Center</a:t>
             </a:r>
           </a:p>
         </p:txBody>
@@ -6346,7 +6861,7 @@
     </p:spTree>
     <p:extLst>
       <p:ext uri="{BB962C8B-B14F-4D97-AF65-F5344CB8AC3E}">
-        <p14:creationId xmlns:p14="http://schemas.microsoft.com/office/powerpoint/2010/main" val="3873354010"/>
+        <p14:creationId xmlns:p14="http://schemas.microsoft.com/office/powerpoint/2010/main" val="3377187287"/>
       </p:ext>
     </p:extLst>
   </p:cSld>
@@ -6808,7 +7323,7 @@
           <p:cNvPr id="2" name="Title 1">
             <a:extLst>
               <a:ext uri="{FF2B5EF4-FFF2-40B4-BE49-F238E27FC236}">
-                <a16:creationId xmlns:a16="http://schemas.microsoft.com/office/drawing/2014/main" id="{FF46EFE3-2612-B04E-2A19-D61DA27B229B}"/>
+                <a16:creationId xmlns:a16="http://schemas.microsoft.com/office/drawing/2014/main" id="{2FB1AF1B-E5FB-47C6-F2C8-D17A8AB062DF}"/>
               </a:ext>
             </a:extLst>
           </p:cNvPr>
@@ -6821,60 +7336,55 @@
         </p:nvSpPr>
         <p:spPr>
           <a:xfrm>
-            <a:off x="838200" y="265973"/>
+            <a:off x="838200" y="346701"/>
             <a:ext cx="10515600" cy="1056686"/>
           </a:xfrm>
         </p:spPr>
         <p:txBody>
-          <a:bodyPr/>
+          <a:bodyPr>
+            <a:noAutofit/>
+          </a:bodyPr>
           <a:lstStyle/>
           <a:p>
             <a:r>
-              <a:rPr lang="en-US" sz="4400" dirty="0"/>
-              <a:t>Stochastic Collocation – Quadrature Rule</a:t>
-            </a:r>
-            <a:endParaRPr lang="en-US" dirty="0"/>
-          </a:p>
-        </p:txBody>
-      </p:sp>
-      <p:sp>
-        <p:nvSpPr>
-          <p:cNvPr id="3" name="Content Placeholder 2">
-            <a:extLst>
-              <a:ext uri="{FF2B5EF4-FFF2-40B4-BE49-F238E27FC236}">
-                <a16:creationId xmlns:a16="http://schemas.microsoft.com/office/drawing/2014/main" id="{C5AD6461-80F6-D156-FBF4-9DA7849BE8B4}"/>
-              </a:ext>
-            </a:extLst>
-          </p:cNvPr>
-          <p:cNvSpPr>
-            <a:spLocks noGrp="1"/>
-          </p:cNvSpPr>
+              <a:rPr lang="en-US" sz="3200" dirty="0"/>
+              <a:t>Stochastic Collocation – MC Regression – Bandgap Top</a:t>
+            </a:r>
+          </a:p>
+        </p:txBody>
+      </p:sp>
+      <p:pic>
+        <p:nvPicPr>
+          <p:cNvPr id="5" name="Content Placeholder 4">
+            <a:extLst>
+              <a:ext uri="{FF2B5EF4-FFF2-40B4-BE49-F238E27FC236}">
+                <a16:creationId xmlns:a16="http://schemas.microsoft.com/office/drawing/2014/main" id="{AE2D6E08-A882-0A1D-DD91-568191A07070}"/>
+              </a:ext>
+            </a:extLst>
+          </p:cNvPr>
+          <p:cNvPicPr>
+            <a:picLocks noGrp="1" noChangeAspect="1"/>
+          </p:cNvPicPr>
           <p:nvPr>
             <p:ph idx="1"/>
           </p:nvPr>
-        </p:nvSpPr>
-        <p:spPr/>
-        <p:txBody>
-          <a:bodyPr/>
-          <a:lstStyle/>
-          <a:p>
-            <a:r>
-              <a:rPr lang="en-US" dirty="0"/>
-              <a:t>A variation of stochastic collocation where the orthogonal polynomials are fitted to specific points with weights, generated by using a rule function on the input distribution.</a:t>
-            </a:r>
-          </a:p>
-          <a:p>
-            <a:r>
-              <a:rPr lang="en-US" dirty="0"/>
-              <a:t>Extremely efficient at low dimensions, however points needed scales as s = (p + 1)^d, where s is the number of samples needed, p is the order of polynomial fit, and d is the dimensionality of the input space. This method therefore becomes very expensive very quickly as d increases.</a:t>
-            </a:r>
-          </a:p>
-        </p:txBody>
-      </p:sp>
+        </p:nvPicPr>
+        <p:blipFill>
+          <a:blip r:embed="rId3"/>
+          <a:srcRect/>
+          <a:stretch/>
+        </p:blipFill>
+        <p:spPr>
+          <a:xfrm>
+            <a:off x="838200" y="1632281"/>
+            <a:ext cx="10515600" cy="4350675"/>
+          </a:xfrm>
+        </p:spPr>
+      </p:pic>
     </p:spTree>
     <p:extLst>
       <p:ext uri="{BB962C8B-B14F-4D97-AF65-F5344CB8AC3E}">
-        <p14:creationId xmlns:p14="http://schemas.microsoft.com/office/powerpoint/2010/main" val="2229525489"/>
+        <p14:creationId xmlns:p14="http://schemas.microsoft.com/office/powerpoint/2010/main" val="555498027"/>
       </p:ext>
     </p:extLst>
   </p:cSld>
@@ -6906,7 +7416,7 @@
           <p:cNvPr id="2" name="Title 1">
             <a:extLst>
               <a:ext uri="{FF2B5EF4-FFF2-40B4-BE49-F238E27FC236}">
-                <a16:creationId xmlns:a16="http://schemas.microsoft.com/office/drawing/2014/main" id="{6DCC4830-BA42-B1C9-F66B-F78F9E32BB1D}"/>
+                <a16:creationId xmlns:a16="http://schemas.microsoft.com/office/drawing/2014/main" id="{2FB1AF1B-E5FB-47C6-F2C8-D17A8AB062DF}"/>
               </a:ext>
             </a:extLst>
           </p:cNvPr>
@@ -6919,7 +7429,7 @@
         </p:nvSpPr>
         <p:spPr>
           <a:xfrm>
-            <a:off x="838200" y="341221"/>
+            <a:off x="838200" y="346701"/>
             <a:ext cx="10515600" cy="1056686"/>
           </a:xfrm>
         </p:spPr>
@@ -6931,7 +7441,7 @@
           <a:p>
             <a:r>
               <a:rPr lang="en-US" sz="3200" dirty="0"/>
-              <a:t>Stochastic Collocation – Quadrature Rule – Bandgap Size</a:t>
+              <a:t>Stochastic Collocation – MC Regression – Bandgap Bottom</a:t>
             </a:r>
           </a:p>
         </p:txBody>
@@ -6941,7 +7451,7 @@
           <p:cNvPr id="5" name="Content Placeholder 4">
             <a:extLst>
               <a:ext uri="{FF2B5EF4-FFF2-40B4-BE49-F238E27FC236}">
-                <a16:creationId xmlns:a16="http://schemas.microsoft.com/office/drawing/2014/main" id="{CAE9A72B-8A68-6F30-1013-174001A44746}"/>
+                <a16:creationId xmlns:a16="http://schemas.microsoft.com/office/drawing/2014/main" id="{AE2D6E08-A882-0A1D-DD91-568191A07070}"/>
               </a:ext>
             </a:extLst>
           </p:cNvPr>
@@ -6953,21 +7463,21 @@
           </p:nvPr>
         </p:nvPicPr>
         <p:blipFill>
-          <a:blip r:embed="rId2"/>
+          <a:blip r:embed="rId3"/>
           <a:srcRect/>
           <a:stretch/>
         </p:blipFill>
         <p:spPr>
           <a:xfrm>
-            <a:off x="838200" y="1626802"/>
-            <a:ext cx="10515600" cy="4361634"/>
+            <a:off x="838200" y="1632281"/>
+            <a:ext cx="10515600" cy="4350675"/>
           </a:xfrm>
         </p:spPr>
       </p:pic>
     </p:spTree>
     <p:extLst>
       <p:ext uri="{BB962C8B-B14F-4D97-AF65-F5344CB8AC3E}">
-        <p14:creationId xmlns:p14="http://schemas.microsoft.com/office/powerpoint/2010/main" val="2296558744"/>
+        <p14:creationId xmlns:p14="http://schemas.microsoft.com/office/powerpoint/2010/main" val="3873354010"/>
       </p:ext>
     </p:extLst>
   </p:cSld>
@@ -6999,7 +7509,7 @@
           <p:cNvPr id="2" name="Title 1">
             <a:extLst>
               <a:ext uri="{FF2B5EF4-FFF2-40B4-BE49-F238E27FC236}">
-                <a16:creationId xmlns:a16="http://schemas.microsoft.com/office/drawing/2014/main" id="{6DCC4830-BA42-B1C9-F66B-F78F9E32BB1D}"/>
+                <a16:creationId xmlns:a16="http://schemas.microsoft.com/office/drawing/2014/main" id="{FF46EFE3-2612-B04E-2A19-D61DA27B229B}"/>
               </a:ext>
             </a:extLst>
           </p:cNvPr>
@@ -7012,55 +7522,60 @@
         </p:nvSpPr>
         <p:spPr>
           <a:xfrm>
-            <a:off x="730120" y="341221"/>
-            <a:ext cx="10731759" cy="1056686"/>
-          </a:xfrm>
-        </p:spPr>
-        <p:txBody>
-          <a:bodyPr>
-            <a:noAutofit/>
-          </a:bodyPr>
+            <a:off x="838200" y="265973"/>
+            <a:ext cx="10515600" cy="1056686"/>
+          </a:xfrm>
+        </p:spPr>
+        <p:txBody>
+          <a:bodyPr/>
           <a:lstStyle/>
           <a:p>
             <a:r>
-              <a:rPr lang="en-US" sz="3200" dirty="0"/>
-              <a:t>Stochastic Collocation – Quadrature Rule – Bandgap Center</a:t>
-            </a:r>
-          </a:p>
-        </p:txBody>
-      </p:sp>
-      <p:pic>
-        <p:nvPicPr>
-          <p:cNvPr id="5" name="Content Placeholder 4">
-            <a:extLst>
-              <a:ext uri="{FF2B5EF4-FFF2-40B4-BE49-F238E27FC236}">
-                <a16:creationId xmlns:a16="http://schemas.microsoft.com/office/drawing/2014/main" id="{CAE9A72B-8A68-6F30-1013-174001A44746}"/>
-              </a:ext>
-            </a:extLst>
-          </p:cNvPr>
-          <p:cNvPicPr>
-            <a:picLocks noGrp="1" noChangeAspect="1"/>
-          </p:cNvPicPr>
+              <a:rPr lang="en-US" sz="4400" dirty="0"/>
+              <a:t>Stochastic Collocation – Quadrature Rule</a:t>
+            </a:r>
+            <a:endParaRPr lang="en-US" dirty="0"/>
+          </a:p>
+        </p:txBody>
+      </p:sp>
+      <p:sp>
+        <p:nvSpPr>
+          <p:cNvPr id="3" name="Content Placeholder 2">
+            <a:extLst>
+              <a:ext uri="{FF2B5EF4-FFF2-40B4-BE49-F238E27FC236}">
+                <a16:creationId xmlns:a16="http://schemas.microsoft.com/office/drawing/2014/main" id="{C5AD6461-80F6-D156-FBF4-9DA7849BE8B4}"/>
+              </a:ext>
+            </a:extLst>
+          </p:cNvPr>
+          <p:cNvSpPr>
+            <a:spLocks noGrp="1"/>
+          </p:cNvSpPr>
           <p:nvPr>
             <p:ph idx="1"/>
           </p:nvPr>
-        </p:nvPicPr>
-        <p:blipFill>
-          <a:blip r:embed="rId2"/>
-          <a:srcRect/>
-          <a:stretch/>
-        </p:blipFill>
-        <p:spPr>
-          <a:xfrm>
-            <a:off x="838200" y="1626802"/>
-            <a:ext cx="10515600" cy="4361634"/>
-          </a:xfrm>
-        </p:spPr>
-      </p:pic>
+        </p:nvSpPr>
+        <p:spPr/>
+        <p:txBody>
+          <a:bodyPr/>
+          <a:lstStyle/>
+          <a:p>
+            <a:r>
+              <a:rPr lang="en-US" dirty="0"/>
+              <a:t>A variation of stochastic collocation where the orthogonal polynomials are fitted to specific points with weights, generated by using a rule function on the input distribution.</a:t>
+            </a:r>
+          </a:p>
+          <a:p>
+            <a:r>
+              <a:rPr lang="en-US" dirty="0"/>
+              <a:t>Extremely efficient at low dimensions, however points needed scales as s = (p + 1)^d, where s is the number of samples needed, p is the order of polynomial fit, and d is the dimensionality of the input space. This method therefore becomes very expensive very quickly as d increases.</a:t>
+            </a:r>
+          </a:p>
+        </p:txBody>
+      </p:sp>
     </p:spTree>
     <p:extLst>
       <p:ext uri="{BB962C8B-B14F-4D97-AF65-F5344CB8AC3E}">
-        <p14:creationId xmlns:p14="http://schemas.microsoft.com/office/powerpoint/2010/main" val="2358216360"/>
+        <p14:creationId xmlns:p14="http://schemas.microsoft.com/office/powerpoint/2010/main" val="2229525489"/>
       </p:ext>
     </p:extLst>
   </p:cSld>
@@ -7117,7 +7632,7 @@
           <a:p>
             <a:r>
               <a:rPr lang="en-US" sz="3200" dirty="0"/>
-              <a:t>Stochastic Collocation – Quadrature Rule – Bandgap Top</a:t>
+              <a:t>Stochastic Collocation – Quadrature Rule – Bandgap Size</a:t>
             </a:r>
           </a:p>
         </p:txBody>
@@ -7153,7 +7668,7 @@
     </p:spTree>
     <p:extLst>
       <p:ext uri="{BB962C8B-B14F-4D97-AF65-F5344CB8AC3E}">
-        <p14:creationId xmlns:p14="http://schemas.microsoft.com/office/powerpoint/2010/main" val="2271108801"/>
+        <p14:creationId xmlns:p14="http://schemas.microsoft.com/office/powerpoint/2010/main" val="2296558744"/>
       </p:ext>
     </p:extLst>
   </p:cSld>
@@ -7210,7 +7725,7 @@
           <a:p>
             <a:r>
               <a:rPr lang="en-US" sz="3200" dirty="0"/>
-              <a:t>Stochastic Collocation – Quadrature Rule – Bandgap Bottom</a:t>
+              <a:t>Stochastic Collocation – Quadrature Rule – Bandgap Center</a:t>
             </a:r>
           </a:p>
         </p:txBody>
@@ -7246,7 +7761,7 @@
     </p:spTree>
     <p:extLst>
       <p:ext uri="{BB962C8B-B14F-4D97-AF65-F5344CB8AC3E}">
-        <p14:creationId xmlns:p14="http://schemas.microsoft.com/office/powerpoint/2010/main" val="1348473648"/>
+        <p14:creationId xmlns:p14="http://schemas.microsoft.com/office/powerpoint/2010/main" val="2358216360"/>
       </p:ext>
     </p:extLst>
   </p:cSld>
@@ -7278,7 +7793,7 @@
           <p:cNvPr id="2" name="Title 1">
             <a:extLst>
               <a:ext uri="{FF2B5EF4-FFF2-40B4-BE49-F238E27FC236}">
-                <a16:creationId xmlns:a16="http://schemas.microsoft.com/office/drawing/2014/main" id="{EA484178-6ED4-2998-2632-83D0A0FF0D35}"/>
+                <a16:creationId xmlns:a16="http://schemas.microsoft.com/office/drawing/2014/main" id="{6DCC4830-BA42-B1C9-F66B-F78F9E32BB1D}"/>
               </a:ext>
             </a:extLst>
           </p:cNvPr>
@@ -7289,121 +7804,57 @@
             <p:ph type="title"/>
           </p:nvPr>
         </p:nvSpPr>
-        <p:spPr/>
-        <p:txBody>
-          <a:bodyPr/>
+        <p:spPr>
+          <a:xfrm>
+            <a:off x="838200" y="341221"/>
+            <a:ext cx="10515600" cy="1056686"/>
+          </a:xfrm>
+        </p:spPr>
+        <p:txBody>
+          <a:bodyPr>
+            <a:noAutofit/>
+          </a:bodyPr>
           <a:lstStyle/>
           <a:p>
             <a:r>
-              <a:rPr lang="en-US" dirty="0"/>
-              <a:t>1D PCE Fits</a:t>
-            </a:r>
-          </a:p>
-        </p:txBody>
-      </p:sp>
-      <p:sp>
-        <p:nvSpPr>
-          <p:cNvPr id="3" name="Content Placeholder 2">
-            <a:extLst>
-              <a:ext uri="{FF2B5EF4-FFF2-40B4-BE49-F238E27FC236}">
-                <a16:creationId xmlns:a16="http://schemas.microsoft.com/office/drawing/2014/main" id="{F1238953-6B6C-9866-7402-40977869F30D}"/>
-              </a:ext>
-            </a:extLst>
-          </p:cNvPr>
-          <p:cNvSpPr>
-            <a:spLocks noGrp="1"/>
-          </p:cNvSpPr>
+              <a:rPr lang="en-US" sz="3200" dirty="0"/>
+              <a:t>Stochastic Collocation – Quadrature Rule – Bandgap Top</a:t>
+            </a:r>
+          </a:p>
+        </p:txBody>
+      </p:sp>
+      <p:pic>
+        <p:nvPicPr>
+          <p:cNvPr id="5" name="Content Placeholder 4">
+            <a:extLst>
+              <a:ext uri="{FF2B5EF4-FFF2-40B4-BE49-F238E27FC236}">
+                <a16:creationId xmlns:a16="http://schemas.microsoft.com/office/drawing/2014/main" id="{CAE9A72B-8A68-6F30-1013-174001A44746}"/>
+              </a:ext>
+            </a:extLst>
+          </p:cNvPr>
+          <p:cNvPicPr>
+            <a:picLocks noGrp="1" noChangeAspect="1"/>
+          </p:cNvPicPr>
           <p:nvPr>
             <p:ph idx="1"/>
           </p:nvPr>
-        </p:nvSpPr>
-        <p:spPr/>
-        <p:txBody>
-          <a:bodyPr/>
-          <a:lstStyle/>
-          <a:p>
-            <a:r>
-              <a:rPr lang="en-US" dirty="0"/>
-              <a:t>The following figures are for 1 input, 1 output scenarios, whereby the other 5 inputs are held at the following default values:</a:t>
-            </a:r>
-          </a:p>
-          <a:p>
-            <a:pPr lvl="1"/>
-            <a:r>
-              <a:rPr lang="en-US" dirty="0" err="1"/>
-              <a:t>E_soft</a:t>
-            </a:r>
-            <a:r>
-              <a:rPr lang="en-US" dirty="0"/>
-              <a:t>: 200 MPa</a:t>
-            </a:r>
-          </a:p>
-          <a:p>
-            <a:pPr lvl="1"/>
-            <a:r>
-              <a:rPr lang="en-US" dirty="0" err="1"/>
-              <a:t>E_hard</a:t>
-            </a:r>
-            <a:r>
-              <a:rPr lang="en-US" dirty="0"/>
-              <a:t>: 200 </a:t>
-            </a:r>
-            <a:r>
-              <a:rPr lang="en-US" dirty="0" err="1"/>
-              <a:t>GPa</a:t>
-            </a:r>
-            <a:endParaRPr lang="en-US" dirty="0"/>
-          </a:p>
-          <a:p>
-            <a:pPr lvl="1"/>
-            <a:r>
-              <a:rPr lang="en-US" dirty="0" err="1"/>
-              <a:t>Rho_soft</a:t>
-            </a:r>
-            <a:r>
-              <a:rPr lang="en-US" dirty="0"/>
-              <a:t>: 1000 kg/m^3</a:t>
-            </a:r>
-          </a:p>
-          <a:p>
-            <a:pPr lvl="1"/>
-            <a:r>
-              <a:rPr lang="en-US" dirty="0" err="1"/>
-              <a:t>Rho_hard</a:t>
-            </a:r>
-            <a:r>
-              <a:rPr lang="en-US" dirty="0"/>
-              <a:t>: 8000 kg/m^3</a:t>
-            </a:r>
-          </a:p>
-          <a:p>
-            <a:pPr lvl="1"/>
-            <a:r>
-              <a:rPr lang="en-US" dirty="0" err="1"/>
-              <a:t>PR_soft</a:t>
-            </a:r>
-            <a:r>
-              <a:rPr lang="en-US" dirty="0"/>
-              <a:t>: 0</a:t>
-            </a:r>
-          </a:p>
-          <a:p>
-            <a:pPr lvl="1"/>
-            <a:r>
-              <a:rPr lang="en-US" dirty="0" err="1"/>
-              <a:t>PR_hard</a:t>
-            </a:r>
-            <a:r>
-              <a:rPr lang="en-US" dirty="0"/>
-              <a:t>: 0.5</a:t>
-            </a:r>
-          </a:p>
-        </p:txBody>
-      </p:sp>
+        </p:nvPicPr>
+        <p:blipFill>
+          <a:blip r:embed="rId2"/>
+          <a:srcRect/>
+          <a:stretch/>
+        </p:blipFill>
+        <p:spPr>
+          <a:xfrm>
+            <a:off x="838200" y="1626802"/>
+            <a:ext cx="10515600" cy="4361634"/>
+          </a:xfrm>
+        </p:spPr>
+      </p:pic>
     </p:spTree>
     <p:extLst>
       <p:ext uri="{BB962C8B-B14F-4D97-AF65-F5344CB8AC3E}">
-        <p14:creationId xmlns:p14="http://schemas.microsoft.com/office/powerpoint/2010/main" val="3582712087"/>
+        <p14:creationId xmlns:p14="http://schemas.microsoft.com/office/powerpoint/2010/main" val="2271108801"/>
       </p:ext>
     </p:extLst>
   </p:cSld>
@@ -7458,28 +7909,19 @@
           </a:bodyPr>
           <a:lstStyle/>
           <a:p>
-            <a:pPr algn="ctr"/>
             <a:r>
               <a:rPr lang="en-US" sz="3200" dirty="0"/>
-              <a:t>100, 1000, &amp; 10000 MC </a:t>
-            </a:r>
-            <a:r>
-              <a:rPr lang="en-US" sz="3200" dirty="0" err="1"/>
-              <a:t>E_soft</a:t>
-            </a:r>
-            <a:r>
-              <a:rPr lang="en-US" sz="3200" dirty="0"/>
-              <a:t> &amp; Bandgap Sizes</a:t>
+              <a:t>Stochastic Collocation – Quadrature Rule – Bandgap Bottom</a:t>
             </a:r>
           </a:p>
         </p:txBody>
       </p:sp>
       <p:pic>
         <p:nvPicPr>
-          <p:cNvPr id="7" name="Content Placeholder 6">
-            <a:extLst>
-              <a:ext uri="{FF2B5EF4-FFF2-40B4-BE49-F238E27FC236}">
-                <a16:creationId xmlns:a16="http://schemas.microsoft.com/office/drawing/2014/main" id="{45C121E0-2D9F-1F26-2360-E24CA0CD5905}"/>
+          <p:cNvPr id="5" name="Content Placeholder 4">
+            <a:extLst>
+              <a:ext uri="{FF2B5EF4-FFF2-40B4-BE49-F238E27FC236}">
+                <a16:creationId xmlns:a16="http://schemas.microsoft.com/office/drawing/2014/main" id="{CAE9A72B-8A68-6F30-1013-174001A44746}"/>
               </a:ext>
             </a:extLst>
           </p:cNvPr>
@@ -7497,15 +7939,15 @@
         </p:blipFill>
         <p:spPr>
           <a:xfrm>
-            <a:off x="1337301" y="1438275"/>
-            <a:ext cx="9517398" cy="4738688"/>
+            <a:off x="838200" y="1626802"/>
+            <a:ext cx="10515600" cy="4361634"/>
           </a:xfrm>
         </p:spPr>
       </p:pic>
     </p:spTree>
     <p:extLst>
       <p:ext uri="{BB962C8B-B14F-4D97-AF65-F5344CB8AC3E}">
-        <p14:creationId xmlns:p14="http://schemas.microsoft.com/office/powerpoint/2010/main" val="3772126645"/>
+        <p14:creationId xmlns:p14="http://schemas.microsoft.com/office/powerpoint/2010/main" val="1348473648"/>
       </p:ext>
     </p:extLst>
   </p:cSld>
@@ -7537,7 +7979,7 @@
           <p:cNvPr id="2" name="Title 1">
             <a:extLst>
               <a:ext uri="{FF2B5EF4-FFF2-40B4-BE49-F238E27FC236}">
-                <a16:creationId xmlns:a16="http://schemas.microsoft.com/office/drawing/2014/main" id="{6DCC4830-BA42-B1C9-F66B-F78F9E32BB1D}"/>
+                <a16:creationId xmlns:a16="http://schemas.microsoft.com/office/drawing/2014/main" id="{EA484178-6ED4-2998-2632-83D0A0FF0D35}"/>
               </a:ext>
             </a:extLst>
           </p:cNvPr>
@@ -7548,66 +7990,121 @@
             <p:ph type="title"/>
           </p:nvPr>
         </p:nvSpPr>
-        <p:spPr>
-          <a:xfrm>
-            <a:off x="730120" y="341221"/>
-            <a:ext cx="10731759" cy="1056686"/>
-          </a:xfrm>
-        </p:spPr>
-        <p:txBody>
-          <a:bodyPr>
-            <a:noAutofit/>
-          </a:bodyPr>
+        <p:spPr/>
+        <p:txBody>
+          <a:bodyPr/>
           <a:lstStyle/>
           <a:p>
-            <a:pPr algn="ctr"/>
-            <a:r>
-              <a:rPr lang="en-US" sz="3200" dirty="0"/>
-              <a:t>100, 1000, &amp; 10000 MC </a:t>
-            </a:r>
-            <a:r>
-              <a:rPr lang="en-US" sz="3200" dirty="0" err="1"/>
+            <a:r>
+              <a:rPr lang="en-US" dirty="0"/>
+              <a:t>1D PCE Fits</a:t>
+            </a:r>
+          </a:p>
+        </p:txBody>
+      </p:sp>
+      <p:sp>
+        <p:nvSpPr>
+          <p:cNvPr id="3" name="Content Placeholder 2">
+            <a:extLst>
+              <a:ext uri="{FF2B5EF4-FFF2-40B4-BE49-F238E27FC236}">
+                <a16:creationId xmlns:a16="http://schemas.microsoft.com/office/drawing/2014/main" id="{F1238953-6B6C-9866-7402-40977869F30D}"/>
+              </a:ext>
+            </a:extLst>
+          </p:cNvPr>
+          <p:cNvSpPr>
+            <a:spLocks noGrp="1"/>
+          </p:cNvSpPr>
+          <p:nvPr>
+            <p:ph idx="1"/>
+          </p:nvPr>
+        </p:nvSpPr>
+        <p:spPr/>
+        <p:txBody>
+          <a:bodyPr/>
+          <a:lstStyle/>
+          <a:p>
+            <a:r>
+              <a:rPr lang="en-US" dirty="0"/>
+              <a:t>The following figures are for 1 input, 1 output scenarios, whereby the other 5 inputs are held at the following default values:</a:t>
+            </a:r>
+          </a:p>
+          <a:p>
+            <a:pPr lvl="1"/>
+            <a:r>
+              <a:rPr lang="en-US" dirty="0" err="1"/>
               <a:t>E_soft</a:t>
             </a:r>
             <a:r>
-              <a:rPr lang="en-US" sz="3200" dirty="0"/>
-              <a:t> &amp; Bandgap Centers</a:t>
-            </a:r>
-          </a:p>
-        </p:txBody>
-      </p:sp>
-      <p:pic>
-        <p:nvPicPr>
-          <p:cNvPr id="7" name="Content Placeholder 6">
-            <a:extLst>
-              <a:ext uri="{FF2B5EF4-FFF2-40B4-BE49-F238E27FC236}">
-                <a16:creationId xmlns:a16="http://schemas.microsoft.com/office/drawing/2014/main" id="{45C121E0-2D9F-1F26-2360-E24CA0CD5905}"/>
-              </a:ext>
-            </a:extLst>
-          </p:cNvPr>
-          <p:cNvPicPr>
-            <a:picLocks noGrp="1" noChangeAspect="1"/>
-          </p:cNvPicPr>
-          <p:nvPr>
-            <p:ph idx="1"/>
-          </p:nvPr>
-        </p:nvPicPr>
-        <p:blipFill>
-          <a:blip r:embed="rId2"/>
-          <a:srcRect/>
-          <a:stretch/>
-        </p:blipFill>
-        <p:spPr>
-          <a:xfrm>
-            <a:off x="1337301" y="1438275"/>
-            <a:ext cx="9517398" cy="4738688"/>
-          </a:xfrm>
-        </p:spPr>
-      </p:pic>
+              <a:rPr lang="en-US" dirty="0"/>
+              <a:t>: 200 MPa</a:t>
+            </a:r>
+          </a:p>
+          <a:p>
+            <a:pPr lvl="1"/>
+            <a:r>
+              <a:rPr lang="en-US" dirty="0" err="1"/>
+              <a:t>E_hard</a:t>
+            </a:r>
+            <a:r>
+              <a:rPr lang="en-US" dirty="0"/>
+              <a:t>: 200 </a:t>
+            </a:r>
+            <a:r>
+              <a:rPr lang="en-US" dirty="0" err="1"/>
+              <a:t>GPa</a:t>
+            </a:r>
+            <a:endParaRPr lang="en-US" dirty="0"/>
+          </a:p>
+          <a:p>
+            <a:pPr lvl="1"/>
+            <a:r>
+              <a:rPr lang="en-US" dirty="0" err="1"/>
+              <a:t>Rho_soft</a:t>
+            </a:r>
+            <a:r>
+              <a:rPr lang="en-US" dirty="0"/>
+              <a:t>: 1000 kg/m^3</a:t>
+            </a:r>
+          </a:p>
+          <a:p>
+            <a:pPr lvl="1"/>
+            <a:r>
+              <a:rPr lang="en-US" dirty="0" err="1"/>
+              <a:t>Rho_hard</a:t>
+            </a:r>
+            <a:r>
+              <a:rPr lang="en-US" dirty="0"/>
+              <a:t>: 8000 kg/m^3</a:t>
+            </a:r>
+          </a:p>
+          <a:p>
+            <a:pPr lvl="1"/>
+            <a:r>
+              <a:rPr lang="en-US" dirty="0" err="1"/>
+              <a:t>PR_soft</a:t>
+            </a:r>
+            <a:r>
+              <a:rPr lang="en-US" dirty="0"/>
+              <a:t>: 0</a:t>
+            </a:r>
+          </a:p>
+          <a:p>
+            <a:pPr lvl="1"/>
+            <a:r>
+              <a:rPr lang="en-US" dirty="0" err="1"/>
+              <a:t>PR_hard</a:t>
+            </a:r>
+            <a:r>
+              <a:rPr lang="en-US" dirty="0"/>
+              <a:t>: 0.5</a:t>
+            </a:r>
+          </a:p>
+        </p:txBody>
+      </p:sp>
     </p:spTree>
     <p:extLst>
       <p:ext uri="{BB962C8B-B14F-4D97-AF65-F5344CB8AC3E}">
-        <p14:creationId xmlns:p14="http://schemas.microsoft.com/office/powerpoint/2010/main" val="2587583216"/>
+        <p14:creationId xmlns:p14="http://schemas.microsoft.com/office/powerpoint/2010/main" val="3582712087"/>
       </p:ext>
     </p:extLst>
   </p:cSld>
@@ -7639,7 +8136,7 @@
           <p:cNvPr id="2" name="Title 1">
             <a:extLst>
               <a:ext uri="{FF2B5EF4-FFF2-40B4-BE49-F238E27FC236}">
-                <a16:creationId xmlns:a16="http://schemas.microsoft.com/office/drawing/2014/main" id="{A4E5947E-1FD9-9A25-FE35-BC5561529035}"/>
+                <a16:creationId xmlns:a16="http://schemas.microsoft.com/office/drawing/2014/main" id="{6DCC4830-BA42-B1C9-F66B-F78F9E32BB1D}"/>
               </a:ext>
             </a:extLst>
           </p:cNvPr>
@@ -7650,34 +8147,40 @@
             <p:ph type="title"/>
           </p:nvPr>
         </p:nvSpPr>
-        <p:spPr/>
+        <p:spPr>
+          <a:xfrm>
+            <a:off x="730120" y="341221"/>
+            <a:ext cx="10731759" cy="1056686"/>
+          </a:xfrm>
+        </p:spPr>
         <p:txBody>
           <a:bodyPr>
             <a:noAutofit/>
           </a:bodyPr>
           <a:lstStyle/>
           <a:p>
-            <a:r>
-              <a:rPr lang="en-US" sz="2800" dirty="0"/>
-              <a:t>Stochastic Collocation 1D Quadrature – </a:t>
-            </a:r>
-            <a:r>
-              <a:rPr lang="en-US" sz="2800" dirty="0" err="1"/>
+            <a:pPr algn="ctr"/>
+            <a:r>
+              <a:rPr lang="en-US" sz="3200" dirty="0"/>
+              <a:t>100, 1000, &amp; 10000 MC </a:t>
+            </a:r>
+            <a:r>
+              <a:rPr lang="en-US" sz="3200" dirty="0" err="1"/>
               <a:t>E_soft</a:t>
             </a:r>
             <a:r>
-              <a:rPr lang="en-US" sz="2800" dirty="0"/>
-              <a:t> – Bandgap Size</a:t>
+              <a:rPr lang="en-US" sz="3200" dirty="0"/>
+              <a:t> &amp; Bandgap Sizes</a:t>
             </a:r>
           </a:p>
         </p:txBody>
       </p:sp>
       <p:pic>
         <p:nvPicPr>
-          <p:cNvPr id="5" name="Content Placeholder 4" descr="A graph with a red line&#10;&#10;Description automatically generated with low confidence">
-            <a:extLst>
-              <a:ext uri="{FF2B5EF4-FFF2-40B4-BE49-F238E27FC236}">
-                <a16:creationId xmlns:a16="http://schemas.microsoft.com/office/drawing/2014/main" id="{E481CCDB-BDC4-87DA-0787-F2BA39A1E2AE}"/>
+          <p:cNvPr id="7" name="Content Placeholder 6">
+            <a:extLst>
+              <a:ext uri="{FF2B5EF4-FFF2-40B4-BE49-F238E27FC236}">
+                <a16:creationId xmlns:a16="http://schemas.microsoft.com/office/drawing/2014/main" id="{45C121E0-2D9F-1F26-2360-E24CA0CD5905}"/>
               </a:ext>
             </a:extLst>
           </p:cNvPr>
@@ -7690,50 +8193,20 @@
         </p:nvPicPr>
         <p:blipFill>
           <a:blip r:embed="rId2"/>
-          <a:stretch>
-            <a:fillRect/>
-          </a:stretch>
-        </p:blipFill>
-        <p:spPr>
-          <a:xfrm>
-            <a:off x="97524" y="1293872"/>
-            <a:ext cx="5998476" cy="4270256"/>
-          </a:xfrm>
-        </p:spPr>
-      </p:pic>
-      <p:pic>
-        <p:nvPicPr>
-          <p:cNvPr id="6" name="Content Placeholder 4">
-            <a:extLst>
-              <a:ext uri="{FF2B5EF4-FFF2-40B4-BE49-F238E27FC236}">
-                <a16:creationId xmlns:a16="http://schemas.microsoft.com/office/drawing/2014/main" id="{E9363DFE-7C01-94EB-CEC4-D99A220009B8}"/>
-              </a:ext>
-            </a:extLst>
-          </p:cNvPr>
-          <p:cNvPicPr>
-            <a:picLocks noChangeAspect="1"/>
-          </p:cNvPicPr>
-          <p:nvPr/>
-        </p:nvPicPr>
-        <p:blipFill>
-          <a:blip r:embed="rId3"/>
           <a:srcRect/>
           <a:stretch/>
         </p:blipFill>
         <p:spPr>
           <a:xfrm>
-            <a:off x="6096000" y="1300362"/>
-            <a:ext cx="5998476" cy="4257276"/>
-          </a:xfrm>
-          <a:prstGeom prst="rect">
-            <a:avLst/>
-          </a:prstGeom>
+            <a:off x="1337301" y="1438275"/>
+            <a:ext cx="9517398" cy="4738688"/>
+          </a:xfrm>
         </p:spPr>
       </p:pic>
     </p:spTree>
     <p:extLst>
       <p:ext uri="{BB962C8B-B14F-4D97-AF65-F5344CB8AC3E}">
-        <p14:creationId xmlns:p14="http://schemas.microsoft.com/office/powerpoint/2010/main" val="3315475792"/>
+        <p14:creationId xmlns:p14="http://schemas.microsoft.com/office/powerpoint/2010/main" val="3772126645"/>
       </p:ext>
     </p:extLst>
   </p:cSld>
@@ -7795,11 +8268,11 @@
             </a:r>
             <a:r>
               <a:rPr lang="en-US" sz="3200" dirty="0" err="1"/>
-              <a:t>E_hard</a:t>
+              <a:t>E_soft</a:t>
             </a:r>
             <a:r>
               <a:rPr lang="en-US" sz="3200" dirty="0"/>
-              <a:t> &amp; Bandgap Sizes</a:t>
+              <a:t> &amp; Bandgap Centers</a:t>
             </a:r>
           </a:p>
         </p:txBody>
@@ -7835,7 +8308,7 @@
     </p:spTree>
     <p:extLst>
       <p:ext uri="{BB962C8B-B14F-4D97-AF65-F5344CB8AC3E}">
-        <p14:creationId xmlns:p14="http://schemas.microsoft.com/office/powerpoint/2010/main" val="3493700788"/>
+        <p14:creationId xmlns:p14="http://schemas.microsoft.com/office/powerpoint/2010/main" val="2587583216"/>
       </p:ext>
     </p:extLst>
   </p:cSld>
@@ -7989,7 +8462,7 @@
           <p:cNvPr id="2" name="Title 1">
             <a:extLst>
               <a:ext uri="{FF2B5EF4-FFF2-40B4-BE49-F238E27FC236}">
-                <a16:creationId xmlns:a16="http://schemas.microsoft.com/office/drawing/2014/main" id="{6DCC4830-BA42-B1C9-F66B-F78F9E32BB1D}"/>
+                <a16:creationId xmlns:a16="http://schemas.microsoft.com/office/drawing/2014/main" id="{A4E5947E-1FD9-9A25-FE35-BC5561529035}"/>
               </a:ext>
             </a:extLst>
           </p:cNvPr>
@@ -8000,40 +8473,34 @@
             <p:ph type="title"/>
           </p:nvPr>
         </p:nvSpPr>
-        <p:spPr>
-          <a:xfrm>
-            <a:off x="730120" y="341221"/>
-            <a:ext cx="10731759" cy="1056686"/>
-          </a:xfrm>
-        </p:spPr>
+        <p:spPr/>
         <p:txBody>
           <a:bodyPr>
             <a:noAutofit/>
           </a:bodyPr>
           <a:lstStyle/>
           <a:p>
-            <a:pPr algn="ctr"/>
-            <a:r>
-              <a:rPr lang="en-US" sz="3200" dirty="0"/>
-              <a:t>100, 1000, &amp; 10000 MC </a:t>
-            </a:r>
-            <a:r>
-              <a:rPr lang="en-US" sz="3200" dirty="0" err="1"/>
-              <a:t>E_hard</a:t>
-            </a:r>
-            <a:r>
-              <a:rPr lang="en-US" sz="3200" dirty="0"/>
-              <a:t> &amp; Bandgap Centers</a:t>
+            <a:r>
+              <a:rPr lang="en-US" sz="2800" dirty="0"/>
+              <a:t>Stochastic Collocation 1D Quadrature – </a:t>
+            </a:r>
+            <a:r>
+              <a:rPr lang="en-US" sz="2800" dirty="0" err="1"/>
+              <a:t>E_soft</a:t>
+            </a:r>
+            <a:r>
+              <a:rPr lang="en-US" sz="2800" dirty="0"/>
+              <a:t> – Bandgap Size</a:t>
             </a:r>
           </a:p>
         </p:txBody>
       </p:sp>
       <p:pic>
         <p:nvPicPr>
-          <p:cNvPr id="7" name="Content Placeholder 6">
-            <a:extLst>
-              <a:ext uri="{FF2B5EF4-FFF2-40B4-BE49-F238E27FC236}">
-                <a16:creationId xmlns:a16="http://schemas.microsoft.com/office/drawing/2014/main" id="{45C121E0-2D9F-1F26-2360-E24CA0CD5905}"/>
+          <p:cNvPr id="5" name="Content Placeholder 4" descr="A graph with a red line&#10;&#10;Description automatically generated with low confidence">
+            <a:extLst>
+              <a:ext uri="{FF2B5EF4-FFF2-40B4-BE49-F238E27FC236}">
+                <a16:creationId xmlns:a16="http://schemas.microsoft.com/office/drawing/2014/main" id="{E481CCDB-BDC4-87DA-0787-F2BA39A1E2AE}"/>
               </a:ext>
             </a:extLst>
           </p:cNvPr>
@@ -8046,20 +8513,50 @@
         </p:nvPicPr>
         <p:blipFill>
           <a:blip r:embed="rId2"/>
+          <a:stretch>
+            <a:fillRect/>
+          </a:stretch>
+        </p:blipFill>
+        <p:spPr>
+          <a:xfrm>
+            <a:off x="97524" y="1293872"/>
+            <a:ext cx="5998476" cy="4270256"/>
+          </a:xfrm>
+        </p:spPr>
+      </p:pic>
+      <p:pic>
+        <p:nvPicPr>
+          <p:cNvPr id="6" name="Content Placeholder 4">
+            <a:extLst>
+              <a:ext uri="{FF2B5EF4-FFF2-40B4-BE49-F238E27FC236}">
+                <a16:creationId xmlns:a16="http://schemas.microsoft.com/office/drawing/2014/main" id="{E9363DFE-7C01-94EB-CEC4-D99A220009B8}"/>
+              </a:ext>
+            </a:extLst>
+          </p:cNvPr>
+          <p:cNvPicPr>
+            <a:picLocks noChangeAspect="1"/>
+          </p:cNvPicPr>
+          <p:nvPr/>
+        </p:nvPicPr>
+        <p:blipFill>
+          <a:blip r:embed="rId3"/>
           <a:srcRect/>
           <a:stretch/>
         </p:blipFill>
         <p:spPr>
           <a:xfrm>
-            <a:off x="1337301" y="1438275"/>
-            <a:ext cx="9517398" cy="4738688"/>
-          </a:xfrm>
+            <a:off x="6096000" y="1300362"/>
+            <a:ext cx="5998476" cy="4257276"/>
+          </a:xfrm>
+          <a:prstGeom prst="rect">
+            <a:avLst/>
+          </a:prstGeom>
         </p:spPr>
       </p:pic>
     </p:spTree>
     <p:extLst>
       <p:ext uri="{BB962C8B-B14F-4D97-AF65-F5344CB8AC3E}">
-        <p14:creationId xmlns:p14="http://schemas.microsoft.com/office/powerpoint/2010/main" val="962386046"/>
+        <p14:creationId xmlns:p14="http://schemas.microsoft.com/office/powerpoint/2010/main" val="3315475792"/>
       </p:ext>
     </p:extLst>
   </p:cSld>
@@ -8091,7 +8588,7 @@
           <p:cNvPr id="2" name="Title 1">
             <a:extLst>
               <a:ext uri="{FF2B5EF4-FFF2-40B4-BE49-F238E27FC236}">
-                <a16:creationId xmlns:a16="http://schemas.microsoft.com/office/drawing/2014/main" id="{A4E5947E-1FD9-9A25-FE35-BC5561529035}"/>
+                <a16:creationId xmlns:a16="http://schemas.microsoft.com/office/drawing/2014/main" id="{6DCC4830-BA42-B1C9-F66B-F78F9E32BB1D}"/>
               </a:ext>
             </a:extLst>
           </p:cNvPr>
@@ -8102,34 +8599,40 @@
             <p:ph type="title"/>
           </p:nvPr>
         </p:nvSpPr>
-        <p:spPr/>
+        <p:spPr>
+          <a:xfrm>
+            <a:off x="730120" y="341221"/>
+            <a:ext cx="10731759" cy="1056686"/>
+          </a:xfrm>
+        </p:spPr>
         <p:txBody>
           <a:bodyPr>
             <a:noAutofit/>
           </a:bodyPr>
           <a:lstStyle/>
           <a:p>
-            <a:r>
-              <a:rPr lang="en-US" sz="2800" dirty="0"/>
-              <a:t>Stochastic Collocation 1D Quadrature – </a:t>
-            </a:r>
-            <a:r>
-              <a:rPr lang="en-US" sz="2800" dirty="0" err="1"/>
+            <a:pPr algn="ctr"/>
+            <a:r>
+              <a:rPr lang="en-US" sz="3200" dirty="0"/>
+              <a:t>100, 1000, &amp; 10000 MC </a:t>
+            </a:r>
+            <a:r>
+              <a:rPr lang="en-US" sz="3200" dirty="0" err="1"/>
               <a:t>E_hard</a:t>
             </a:r>
             <a:r>
-              <a:rPr lang="en-US" sz="2800" dirty="0"/>
-              <a:t> – Bandgap Size</a:t>
+              <a:rPr lang="en-US" sz="3200" dirty="0"/>
+              <a:t> &amp; Bandgap Sizes</a:t>
             </a:r>
           </a:p>
         </p:txBody>
       </p:sp>
       <p:pic>
         <p:nvPicPr>
-          <p:cNvPr id="5" name="Content Placeholder 4">
-            <a:extLst>
-              <a:ext uri="{FF2B5EF4-FFF2-40B4-BE49-F238E27FC236}">
-                <a16:creationId xmlns:a16="http://schemas.microsoft.com/office/drawing/2014/main" id="{E481CCDB-BDC4-87DA-0787-F2BA39A1E2AE}"/>
+          <p:cNvPr id="7" name="Content Placeholder 6">
+            <a:extLst>
+              <a:ext uri="{FF2B5EF4-FFF2-40B4-BE49-F238E27FC236}">
+                <a16:creationId xmlns:a16="http://schemas.microsoft.com/office/drawing/2014/main" id="{45C121E0-2D9F-1F26-2360-E24CA0CD5905}"/>
               </a:ext>
             </a:extLst>
           </p:cNvPr>
@@ -8147,44 +8650,15 @@
         </p:blipFill>
         <p:spPr>
           <a:xfrm>
-            <a:off x="97524" y="1293872"/>
-            <a:ext cx="5998476" cy="4270256"/>
-          </a:xfrm>
-        </p:spPr>
-      </p:pic>
-      <p:pic>
-        <p:nvPicPr>
-          <p:cNvPr id="6" name="Content Placeholder 4">
-            <a:extLst>
-              <a:ext uri="{FF2B5EF4-FFF2-40B4-BE49-F238E27FC236}">
-                <a16:creationId xmlns:a16="http://schemas.microsoft.com/office/drawing/2014/main" id="{E9363DFE-7C01-94EB-CEC4-D99A220009B8}"/>
-              </a:ext>
-            </a:extLst>
-          </p:cNvPr>
-          <p:cNvPicPr>
-            <a:picLocks noChangeAspect="1"/>
-          </p:cNvPicPr>
-          <p:nvPr/>
-        </p:nvPicPr>
-        <p:blipFill>
-          <a:blip r:embed="rId3"/>
-          <a:srcRect/>
-          <a:stretch/>
-        </p:blipFill>
-        <p:spPr>
-          <a:xfrm>
-            <a:off x="6096000" y="1300362"/>
-            <a:ext cx="5998475" cy="4257276"/>
-          </a:xfrm>
-          <a:prstGeom prst="rect">
-            <a:avLst/>
-          </a:prstGeom>
+            <a:off x="1337301" y="1438275"/>
+            <a:ext cx="9517398" cy="4738688"/>
+          </a:xfrm>
         </p:spPr>
       </p:pic>
     </p:spTree>
     <p:extLst>
       <p:ext uri="{BB962C8B-B14F-4D97-AF65-F5344CB8AC3E}">
-        <p14:creationId xmlns:p14="http://schemas.microsoft.com/office/powerpoint/2010/main" val="6012088"/>
+        <p14:creationId xmlns:p14="http://schemas.microsoft.com/office/powerpoint/2010/main" val="3493700788"/>
       </p:ext>
     </p:extLst>
   </p:cSld>
@@ -8246,11 +8720,11 @@
             </a:r>
             <a:r>
               <a:rPr lang="en-US" sz="3200" dirty="0" err="1"/>
-              <a:t>Rho_soft</a:t>
+              <a:t>E_hard</a:t>
             </a:r>
             <a:r>
               <a:rPr lang="en-US" sz="3200" dirty="0"/>
-              <a:t> &amp; Bandgap Sizes</a:t>
+              <a:t> &amp; Bandgap Centers</a:t>
             </a:r>
           </a:p>
         </p:txBody>
@@ -8286,7 +8760,7 @@
     </p:spTree>
     <p:extLst>
       <p:ext uri="{BB962C8B-B14F-4D97-AF65-F5344CB8AC3E}">
-        <p14:creationId xmlns:p14="http://schemas.microsoft.com/office/powerpoint/2010/main" val="2167552379"/>
+        <p14:creationId xmlns:p14="http://schemas.microsoft.com/office/powerpoint/2010/main" val="962386046"/>
       </p:ext>
     </p:extLst>
   </p:cSld>
@@ -8318,7 +8792,7 @@
           <p:cNvPr id="2" name="Title 1">
             <a:extLst>
               <a:ext uri="{FF2B5EF4-FFF2-40B4-BE49-F238E27FC236}">
-                <a16:creationId xmlns:a16="http://schemas.microsoft.com/office/drawing/2014/main" id="{6DCC4830-BA42-B1C9-F66B-F78F9E32BB1D}"/>
+                <a16:creationId xmlns:a16="http://schemas.microsoft.com/office/drawing/2014/main" id="{A4E5947E-1FD9-9A25-FE35-BC5561529035}"/>
               </a:ext>
             </a:extLst>
           </p:cNvPr>
@@ -8329,40 +8803,34 @@
             <p:ph type="title"/>
           </p:nvPr>
         </p:nvSpPr>
-        <p:spPr>
-          <a:xfrm>
-            <a:off x="730120" y="341221"/>
-            <a:ext cx="10731759" cy="1056686"/>
-          </a:xfrm>
-        </p:spPr>
+        <p:spPr/>
         <p:txBody>
           <a:bodyPr>
             <a:noAutofit/>
           </a:bodyPr>
           <a:lstStyle/>
           <a:p>
-            <a:pPr algn="ctr"/>
-            <a:r>
-              <a:rPr lang="en-US" sz="3200" dirty="0"/>
-              <a:t>100, 1000, &amp; 10000 MC </a:t>
-            </a:r>
-            <a:r>
-              <a:rPr lang="en-US" sz="3200" dirty="0" err="1"/>
-              <a:t>rho_soft</a:t>
-            </a:r>
-            <a:r>
-              <a:rPr lang="en-US" sz="3200" dirty="0"/>
-              <a:t> &amp; Bandgap Centers</a:t>
+            <a:r>
+              <a:rPr lang="en-US" sz="2800" dirty="0"/>
+              <a:t>Stochastic Collocation 1D Quadrature – </a:t>
+            </a:r>
+            <a:r>
+              <a:rPr lang="en-US" sz="2800" dirty="0" err="1"/>
+              <a:t>E_hard</a:t>
+            </a:r>
+            <a:r>
+              <a:rPr lang="en-US" sz="2800" dirty="0"/>
+              <a:t> – Bandgap Size</a:t>
             </a:r>
           </a:p>
         </p:txBody>
       </p:sp>
       <p:pic>
         <p:nvPicPr>
-          <p:cNvPr id="7" name="Content Placeholder 6">
-            <a:extLst>
-              <a:ext uri="{FF2B5EF4-FFF2-40B4-BE49-F238E27FC236}">
-                <a16:creationId xmlns:a16="http://schemas.microsoft.com/office/drawing/2014/main" id="{45C121E0-2D9F-1F26-2360-E24CA0CD5905}"/>
+          <p:cNvPr id="5" name="Content Placeholder 4">
+            <a:extLst>
+              <a:ext uri="{FF2B5EF4-FFF2-40B4-BE49-F238E27FC236}">
+                <a16:creationId xmlns:a16="http://schemas.microsoft.com/office/drawing/2014/main" id="{E481CCDB-BDC4-87DA-0787-F2BA39A1E2AE}"/>
               </a:ext>
             </a:extLst>
           </p:cNvPr>
@@ -8372,6 +8840,32 @@
           <p:nvPr>
             <p:ph idx="1"/>
           </p:nvPr>
+        </p:nvPicPr>
+        <p:blipFill>
+          <a:blip r:embed="rId2"/>
+          <a:srcRect/>
+          <a:stretch/>
+        </p:blipFill>
+        <p:spPr>
+          <a:xfrm>
+            <a:off x="97524" y="1293872"/>
+            <a:ext cx="5998476" cy="4270256"/>
+          </a:xfrm>
+        </p:spPr>
+      </p:pic>
+      <p:pic>
+        <p:nvPicPr>
+          <p:cNvPr id="6" name="Content Placeholder 4">
+            <a:extLst>
+              <a:ext uri="{FF2B5EF4-FFF2-40B4-BE49-F238E27FC236}">
+                <a16:creationId xmlns:a16="http://schemas.microsoft.com/office/drawing/2014/main" id="{E9363DFE-7C01-94EB-CEC4-D99A220009B8}"/>
+              </a:ext>
+            </a:extLst>
+          </p:cNvPr>
+          <p:cNvPicPr>
+            <a:picLocks noChangeAspect="1"/>
+          </p:cNvPicPr>
+          <p:nvPr/>
         </p:nvPicPr>
         <p:blipFill>
           <a:blip r:embed="rId3"/>
@@ -8380,26 +8874,24 @@
         </p:blipFill>
         <p:spPr>
           <a:xfrm>
-            <a:off x="1337301" y="1438275"/>
-            <a:ext cx="9517398" cy="4738688"/>
-          </a:xfrm>
+            <a:off x="6096000" y="1300362"/>
+            <a:ext cx="5998475" cy="4257276"/>
+          </a:xfrm>
+          <a:prstGeom prst="rect">
+            <a:avLst/>
+          </a:prstGeom>
         </p:spPr>
       </p:pic>
     </p:spTree>
     <p:extLst>
       <p:ext uri="{BB962C8B-B14F-4D97-AF65-F5344CB8AC3E}">
-        <p14:creationId xmlns:p14="http://schemas.microsoft.com/office/powerpoint/2010/main" val="523439960"/>
+        <p14:creationId xmlns:p14="http://schemas.microsoft.com/office/powerpoint/2010/main" val="6012088"/>
       </p:ext>
     </p:extLst>
   </p:cSld>
   <p:clrMapOvr>
     <a:masterClrMapping/>
   </p:clrMapOvr>
-  <p:extLst>
-    <p:ext uri="{6950BFC3-D8DA-4A85-94F7-54DA5524770B}">
-      <p188:commentRel xmlns:p188="http://schemas.microsoft.com/office/powerpoint/2018/8/main" r:id="rId2"/>
-    </p:ext>
-  </p:extLst>
 </p:sld>
 </file>
 
@@ -8425,7 +8917,7 @@
           <p:cNvPr id="2" name="Title 1">
             <a:extLst>
               <a:ext uri="{FF2B5EF4-FFF2-40B4-BE49-F238E27FC236}">
-                <a16:creationId xmlns:a16="http://schemas.microsoft.com/office/drawing/2014/main" id="{A4E5947E-1FD9-9A25-FE35-BC5561529035}"/>
+                <a16:creationId xmlns:a16="http://schemas.microsoft.com/office/drawing/2014/main" id="{6DCC4830-BA42-B1C9-F66B-F78F9E32BB1D}"/>
               </a:ext>
             </a:extLst>
           </p:cNvPr>
@@ -8436,41 +8928,49 @@
             <p:ph type="title"/>
           </p:nvPr>
         </p:nvSpPr>
-        <p:spPr/>
+        <p:spPr>
+          <a:xfrm>
+            <a:off x="730120" y="341221"/>
+            <a:ext cx="10731759" cy="1056686"/>
+          </a:xfrm>
+        </p:spPr>
         <p:txBody>
           <a:bodyPr>
             <a:noAutofit/>
           </a:bodyPr>
           <a:lstStyle/>
           <a:p>
-            <a:r>
-              <a:rPr lang="en-US" sz="2800" dirty="0"/>
-              <a:t>Stochastic Collocation 1D Quadrature – </a:t>
-            </a:r>
-            <a:r>
-              <a:rPr lang="en-US" sz="2800" dirty="0" err="1"/>
-              <a:t>rho_soft</a:t>
-            </a:r>
-            <a:r>
-              <a:rPr lang="en-US" sz="2800" dirty="0"/>
-              <a:t> – Bandgap Size</a:t>
+            <a:pPr algn="ctr"/>
+            <a:r>
+              <a:rPr lang="en-US" sz="3200" dirty="0"/>
+              <a:t>100, 1000, &amp; 10000 MC </a:t>
+            </a:r>
+            <a:r>
+              <a:rPr lang="en-US" sz="3200" dirty="0" err="1"/>
+              <a:t>Rho_soft</a:t>
+            </a:r>
+            <a:r>
+              <a:rPr lang="en-US" sz="3200" dirty="0"/>
+              <a:t> &amp; Bandgap Sizes</a:t>
             </a:r>
           </a:p>
         </p:txBody>
       </p:sp>
       <p:pic>
         <p:nvPicPr>
-          <p:cNvPr id="3" name="Content Placeholder 4">
-            <a:extLst>
-              <a:ext uri="{FF2B5EF4-FFF2-40B4-BE49-F238E27FC236}">
-                <a16:creationId xmlns:a16="http://schemas.microsoft.com/office/drawing/2014/main" id="{1C739005-B4B3-37FB-BA7A-F1409391C1DB}"/>
+          <p:cNvPr id="7" name="Content Placeholder 6">
+            <a:extLst>
+              <a:ext uri="{FF2B5EF4-FFF2-40B4-BE49-F238E27FC236}">
+                <a16:creationId xmlns:a16="http://schemas.microsoft.com/office/drawing/2014/main" id="{45C121E0-2D9F-1F26-2360-E24CA0CD5905}"/>
               </a:ext>
             </a:extLst>
           </p:cNvPr>
           <p:cNvPicPr>
-            <a:picLocks noChangeAspect="1"/>
+            <a:picLocks noGrp="1" noChangeAspect="1"/>
           </p:cNvPicPr>
-          <p:nvPr/>
+          <p:nvPr>
+            <p:ph idx="1"/>
+          </p:nvPr>
         </p:nvPicPr>
         <p:blipFill>
           <a:blip r:embed="rId2"/>
@@ -8479,47 +8979,15 @@
         </p:blipFill>
         <p:spPr>
           <a:xfrm>
-            <a:off x="134100" y="1293872"/>
-            <a:ext cx="5925324" cy="4270256"/>
-          </a:xfrm>
-          <a:prstGeom prst="rect">
-            <a:avLst/>
-          </a:prstGeom>
-        </p:spPr>
-      </p:pic>
-      <p:pic>
-        <p:nvPicPr>
-          <p:cNvPr id="5" name="Content Placeholder 4">
-            <a:extLst>
-              <a:ext uri="{FF2B5EF4-FFF2-40B4-BE49-F238E27FC236}">
-                <a16:creationId xmlns:a16="http://schemas.microsoft.com/office/drawing/2014/main" id="{942B7815-0639-2204-5B85-6081319074D7}"/>
-              </a:ext>
-            </a:extLst>
-          </p:cNvPr>
-          <p:cNvPicPr>
-            <a:picLocks noChangeAspect="1"/>
-          </p:cNvPicPr>
-          <p:nvPr/>
-        </p:nvPicPr>
-        <p:blipFill>
-          <a:blip r:embed="rId3"/>
-          <a:srcRect/>
-          <a:stretch/>
-        </p:blipFill>
-        <p:spPr>
-          <a:xfrm>
-            <a:off x="6096001" y="1300362"/>
-            <a:ext cx="5998473" cy="4257275"/>
-          </a:xfrm>
-          <a:prstGeom prst="rect">
-            <a:avLst/>
-          </a:prstGeom>
+            <a:off x="1337301" y="1438275"/>
+            <a:ext cx="9517398" cy="4738688"/>
+          </a:xfrm>
         </p:spPr>
       </p:pic>
     </p:spTree>
     <p:extLst>
       <p:ext uri="{BB962C8B-B14F-4D97-AF65-F5344CB8AC3E}">
-        <p14:creationId xmlns:p14="http://schemas.microsoft.com/office/powerpoint/2010/main" val="52214635"/>
+        <p14:creationId xmlns:p14="http://schemas.microsoft.com/office/powerpoint/2010/main" val="2167552379"/>
       </p:ext>
     </p:extLst>
   </p:cSld>
@@ -8581,11 +9049,11 @@
             </a:r>
             <a:r>
               <a:rPr lang="en-US" sz="3200" dirty="0" err="1"/>
-              <a:t>rho_hard</a:t>
+              <a:t>rho_soft</a:t>
             </a:r>
             <a:r>
               <a:rPr lang="en-US" sz="3200" dirty="0"/>
-              <a:t> &amp; Bandgap Sizes</a:t>
+              <a:t> &amp; Bandgap Centers</a:t>
             </a:r>
           </a:p>
         </p:txBody>
@@ -8607,7 +9075,7 @@
           </p:nvPr>
         </p:nvPicPr>
         <p:blipFill>
-          <a:blip r:embed="rId2"/>
+          <a:blip r:embed="rId3"/>
           <a:srcRect/>
           <a:stretch/>
         </p:blipFill>
@@ -8621,13 +9089,18 @@
     </p:spTree>
     <p:extLst>
       <p:ext uri="{BB962C8B-B14F-4D97-AF65-F5344CB8AC3E}">
-        <p14:creationId xmlns:p14="http://schemas.microsoft.com/office/powerpoint/2010/main" val="1938568823"/>
+        <p14:creationId xmlns:p14="http://schemas.microsoft.com/office/powerpoint/2010/main" val="523439960"/>
       </p:ext>
     </p:extLst>
   </p:cSld>
   <p:clrMapOvr>
     <a:masterClrMapping/>
   </p:clrMapOvr>
+  <p:extLst>
+    <p:ext uri="{6950BFC3-D8DA-4A85-94F7-54DA5524770B}">
+      <p188:commentRel xmlns:p188="http://schemas.microsoft.com/office/powerpoint/2018/8/main" r:id="rId2"/>
+    </p:ext>
+  </p:extLst>
 </p:sld>
 </file>
 
@@ -8653,7 +9126,7 @@
           <p:cNvPr id="2" name="Title 1">
             <a:extLst>
               <a:ext uri="{FF2B5EF4-FFF2-40B4-BE49-F238E27FC236}">
-                <a16:creationId xmlns:a16="http://schemas.microsoft.com/office/drawing/2014/main" id="{6DCC4830-BA42-B1C9-F66B-F78F9E32BB1D}"/>
+                <a16:creationId xmlns:a16="http://schemas.microsoft.com/office/drawing/2014/main" id="{A4E5947E-1FD9-9A25-FE35-BC5561529035}"/>
               </a:ext>
             </a:extLst>
           </p:cNvPr>
@@ -8664,49 +9137,41 @@
             <p:ph type="title"/>
           </p:nvPr>
         </p:nvSpPr>
-        <p:spPr>
-          <a:xfrm>
-            <a:off x="730120" y="341221"/>
-            <a:ext cx="10731759" cy="1056686"/>
-          </a:xfrm>
-        </p:spPr>
+        <p:spPr/>
         <p:txBody>
           <a:bodyPr>
             <a:noAutofit/>
           </a:bodyPr>
           <a:lstStyle/>
           <a:p>
-            <a:pPr algn="ctr"/>
-            <a:r>
-              <a:rPr lang="en-US" sz="3200" dirty="0"/>
-              <a:t>100, 1000, &amp; 10000 MC </a:t>
-            </a:r>
-            <a:r>
-              <a:rPr lang="en-US" sz="3200" dirty="0" err="1"/>
-              <a:t>rho_hard</a:t>
-            </a:r>
-            <a:r>
-              <a:rPr lang="en-US" sz="3200" dirty="0"/>
-              <a:t> &amp; Bandgap Centers</a:t>
+            <a:r>
+              <a:rPr lang="en-US" sz="2800" dirty="0"/>
+              <a:t>Stochastic Collocation 1D Quadrature – </a:t>
+            </a:r>
+            <a:r>
+              <a:rPr lang="en-US" sz="2800" dirty="0" err="1"/>
+              <a:t>rho_soft</a:t>
+            </a:r>
+            <a:r>
+              <a:rPr lang="en-US" sz="2800" dirty="0"/>
+              <a:t> – Bandgap Size</a:t>
             </a:r>
           </a:p>
         </p:txBody>
       </p:sp>
       <p:pic>
         <p:nvPicPr>
-          <p:cNvPr id="7" name="Content Placeholder 6">
-            <a:extLst>
-              <a:ext uri="{FF2B5EF4-FFF2-40B4-BE49-F238E27FC236}">
-                <a16:creationId xmlns:a16="http://schemas.microsoft.com/office/drawing/2014/main" id="{45C121E0-2D9F-1F26-2360-E24CA0CD5905}"/>
+          <p:cNvPr id="3" name="Content Placeholder 4">
+            <a:extLst>
+              <a:ext uri="{FF2B5EF4-FFF2-40B4-BE49-F238E27FC236}">
+                <a16:creationId xmlns:a16="http://schemas.microsoft.com/office/drawing/2014/main" id="{1C739005-B4B3-37FB-BA7A-F1409391C1DB}"/>
               </a:ext>
             </a:extLst>
           </p:cNvPr>
           <p:cNvPicPr>
-            <a:picLocks noGrp="1" noChangeAspect="1"/>
+            <a:picLocks noChangeAspect="1"/>
           </p:cNvPicPr>
-          <p:nvPr>
-            <p:ph idx="1"/>
-          </p:nvPr>
+          <p:nvPr/>
         </p:nvPicPr>
         <p:blipFill>
           <a:blip r:embed="rId2"/>
@@ -8715,15 +9180,47 @@
         </p:blipFill>
         <p:spPr>
           <a:xfrm>
-            <a:off x="1337301" y="1438275"/>
-            <a:ext cx="9517398" cy="4738688"/>
-          </a:xfrm>
+            <a:off x="134100" y="1293872"/>
+            <a:ext cx="5925324" cy="4270256"/>
+          </a:xfrm>
+          <a:prstGeom prst="rect">
+            <a:avLst/>
+          </a:prstGeom>
+        </p:spPr>
+      </p:pic>
+      <p:pic>
+        <p:nvPicPr>
+          <p:cNvPr id="5" name="Content Placeholder 4">
+            <a:extLst>
+              <a:ext uri="{FF2B5EF4-FFF2-40B4-BE49-F238E27FC236}">
+                <a16:creationId xmlns:a16="http://schemas.microsoft.com/office/drawing/2014/main" id="{942B7815-0639-2204-5B85-6081319074D7}"/>
+              </a:ext>
+            </a:extLst>
+          </p:cNvPr>
+          <p:cNvPicPr>
+            <a:picLocks noChangeAspect="1"/>
+          </p:cNvPicPr>
+          <p:nvPr/>
+        </p:nvPicPr>
+        <p:blipFill>
+          <a:blip r:embed="rId3"/>
+          <a:srcRect/>
+          <a:stretch/>
+        </p:blipFill>
+        <p:spPr>
+          <a:xfrm>
+            <a:off x="6096001" y="1300362"/>
+            <a:ext cx="5998473" cy="4257275"/>
+          </a:xfrm>
+          <a:prstGeom prst="rect">
+            <a:avLst/>
+          </a:prstGeom>
         </p:spPr>
       </p:pic>
     </p:spTree>
     <p:extLst>
       <p:ext uri="{BB962C8B-B14F-4D97-AF65-F5344CB8AC3E}">
-        <p14:creationId xmlns:p14="http://schemas.microsoft.com/office/powerpoint/2010/main" val="603733736"/>
+        <p14:creationId xmlns:p14="http://schemas.microsoft.com/office/powerpoint/2010/main" val="52214635"/>
       </p:ext>
     </p:extLst>
   </p:cSld>
@@ -8755,6 +9252,210 @@
           <p:cNvPr id="2" name="Title 1">
             <a:extLst>
               <a:ext uri="{FF2B5EF4-FFF2-40B4-BE49-F238E27FC236}">
+                <a16:creationId xmlns:a16="http://schemas.microsoft.com/office/drawing/2014/main" id="{6DCC4830-BA42-B1C9-F66B-F78F9E32BB1D}"/>
+              </a:ext>
+            </a:extLst>
+          </p:cNvPr>
+          <p:cNvSpPr>
+            <a:spLocks noGrp="1"/>
+          </p:cNvSpPr>
+          <p:nvPr>
+            <p:ph type="title"/>
+          </p:nvPr>
+        </p:nvSpPr>
+        <p:spPr>
+          <a:xfrm>
+            <a:off x="730120" y="341221"/>
+            <a:ext cx="10731759" cy="1056686"/>
+          </a:xfrm>
+        </p:spPr>
+        <p:txBody>
+          <a:bodyPr>
+            <a:noAutofit/>
+          </a:bodyPr>
+          <a:lstStyle/>
+          <a:p>
+            <a:pPr algn="ctr"/>
+            <a:r>
+              <a:rPr lang="en-US" sz="3200" dirty="0"/>
+              <a:t>100, 1000, &amp; 10000 MC </a:t>
+            </a:r>
+            <a:r>
+              <a:rPr lang="en-US" sz="3200" dirty="0" err="1"/>
+              <a:t>rho_hard</a:t>
+            </a:r>
+            <a:r>
+              <a:rPr lang="en-US" sz="3200" dirty="0"/>
+              <a:t> &amp; Bandgap Sizes</a:t>
+            </a:r>
+          </a:p>
+        </p:txBody>
+      </p:sp>
+      <p:pic>
+        <p:nvPicPr>
+          <p:cNvPr id="7" name="Content Placeholder 6">
+            <a:extLst>
+              <a:ext uri="{FF2B5EF4-FFF2-40B4-BE49-F238E27FC236}">
+                <a16:creationId xmlns:a16="http://schemas.microsoft.com/office/drawing/2014/main" id="{45C121E0-2D9F-1F26-2360-E24CA0CD5905}"/>
+              </a:ext>
+            </a:extLst>
+          </p:cNvPr>
+          <p:cNvPicPr>
+            <a:picLocks noGrp="1" noChangeAspect="1"/>
+          </p:cNvPicPr>
+          <p:nvPr>
+            <p:ph idx="1"/>
+          </p:nvPr>
+        </p:nvPicPr>
+        <p:blipFill>
+          <a:blip r:embed="rId2"/>
+          <a:srcRect/>
+          <a:stretch/>
+        </p:blipFill>
+        <p:spPr>
+          <a:xfrm>
+            <a:off x="1337301" y="1438275"/>
+            <a:ext cx="9517398" cy="4738688"/>
+          </a:xfrm>
+        </p:spPr>
+      </p:pic>
+    </p:spTree>
+    <p:extLst>
+      <p:ext uri="{BB962C8B-B14F-4D97-AF65-F5344CB8AC3E}">
+        <p14:creationId xmlns:p14="http://schemas.microsoft.com/office/powerpoint/2010/main" val="1938568823"/>
+      </p:ext>
+    </p:extLst>
+  </p:cSld>
+  <p:clrMapOvr>
+    <a:masterClrMapping/>
+  </p:clrMapOvr>
+</p:sld>
+</file>
+
+<file path=ppt/slides/slide38.xml><?xml version="1.0" encoding="utf-8"?>
+<p:sld xmlns:a="http://schemas.openxmlformats.org/drawingml/2006/main" xmlns:r="http://schemas.openxmlformats.org/officeDocument/2006/relationships" xmlns:p="http://schemas.openxmlformats.org/presentationml/2006/main">
+  <p:cSld>
+    <p:spTree>
+      <p:nvGrpSpPr>
+        <p:cNvPr id="1" name=""/>
+        <p:cNvGrpSpPr/>
+        <p:nvPr/>
+      </p:nvGrpSpPr>
+      <p:grpSpPr>
+        <a:xfrm>
+          <a:off x="0" y="0"/>
+          <a:ext cx="0" cy="0"/>
+          <a:chOff x="0" y="0"/>
+          <a:chExt cx="0" cy="0"/>
+        </a:xfrm>
+      </p:grpSpPr>
+      <p:sp>
+        <p:nvSpPr>
+          <p:cNvPr id="2" name="Title 1">
+            <a:extLst>
+              <a:ext uri="{FF2B5EF4-FFF2-40B4-BE49-F238E27FC236}">
+                <a16:creationId xmlns:a16="http://schemas.microsoft.com/office/drawing/2014/main" id="{6DCC4830-BA42-B1C9-F66B-F78F9E32BB1D}"/>
+              </a:ext>
+            </a:extLst>
+          </p:cNvPr>
+          <p:cNvSpPr>
+            <a:spLocks noGrp="1"/>
+          </p:cNvSpPr>
+          <p:nvPr>
+            <p:ph type="title"/>
+          </p:nvPr>
+        </p:nvSpPr>
+        <p:spPr>
+          <a:xfrm>
+            <a:off x="730120" y="341221"/>
+            <a:ext cx="10731759" cy="1056686"/>
+          </a:xfrm>
+        </p:spPr>
+        <p:txBody>
+          <a:bodyPr>
+            <a:noAutofit/>
+          </a:bodyPr>
+          <a:lstStyle/>
+          <a:p>
+            <a:pPr algn="ctr"/>
+            <a:r>
+              <a:rPr lang="en-US" sz="3200" dirty="0"/>
+              <a:t>100, 1000, &amp; 10000 MC </a:t>
+            </a:r>
+            <a:r>
+              <a:rPr lang="en-US" sz="3200" dirty="0" err="1"/>
+              <a:t>rho_hard</a:t>
+            </a:r>
+            <a:r>
+              <a:rPr lang="en-US" sz="3200" dirty="0"/>
+              <a:t> &amp; Bandgap Centers</a:t>
+            </a:r>
+          </a:p>
+        </p:txBody>
+      </p:sp>
+      <p:pic>
+        <p:nvPicPr>
+          <p:cNvPr id="7" name="Content Placeholder 6">
+            <a:extLst>
+              <a:ext uri="{FF2B5EF4-FFF2-40B4-BE49-F238E27FC236}">
+                <a16:creationId xmlns:a16="http://schemas.microsoft.com/office/drawing/2014/main" id="{45C121E0-2D9F-1F26-2360-E24CA0CD5905}"/>
+              </a:ext>
+            </a:extLst>
+          </p:cNvPr>
+          <p:cNvPicPr>
+            <a:picLocks noGrp="1" noChangeAspect="1"/>
+          </p:cNvPicPr>
+          <p:nvPr>
+            <p:ph idx="1"/>
+          </p:nvPr>
+        </p:nvPicPr>
+        <p:blipFill>
+          <a:blip r:embed="rId2"/>
+          <a:srcRect/>
+          <a:stretch/>
+        </p:blipFill>
+        <p:spPr>
+          <a:xfrm>
+            <a:off x="1337301" y="1438275"/>
+            <a:ext cx="9517398" cy="4738688"/>
+          </a:xfrm>
+        </p:spPr>
+      </p:pic>
+    </p:spTree>
+    <p:extLst>
+      <p:ext uri="{BB962C8B-B14F-4D97-AF65-F5344CB8AC3E}">
+        <p14:creationId xmlns:p14="http://schemas.microsoft.com/office/powerpoint/2010/main" val="603733736"/>
+      </p:ext>
+    </p:extLst>
+  </p:cSld>
+  <p:clrMapOvr>
+    <a:masterClrMapping/>
+  </p:clrMapOvr>
+</p:sld>
+</file>
+
+<file path=ppt/slides/slide39.xml><?xml version="1.0" encoding="utf-8"?>
+<p:sld xmlns:a="http://schemas.openxmlformats.org/drawingml/2006/main" xmlns:r="http://schemas.openxmlformats.org/officeDocument/2006/relationships" xmlns:p="http://schemas.openxmlformats.org/presentationml/2006/main">
+  <p:cSld>
+    <p:spTree>
+      <p:nvGrpSpPr>
+        <p:cNvPr id="1" name=""/>
+        <p:cNvGrpSpPr/>
+        <p:nvPr/>
+      </p:nvGrpSpPr>
+      <p:grpSpPr>
+        <a:xfrm>
+          <a:off x="0" y="0"/>
+          <a:ext cx="0" cy="0"/>
+          <a:chOff x="0" y="0"/>
+          <a:chExt cx="0" cy="0"/>
+        </a:xfrm>
+      </p:grpSpPr>
+      <p:sp>
+        <p:nvSpPr>
+          <p:cNvPr id="2" name="Title 1">
+            <a:extLst>
+              <a:ext uri="{FF2B5EF4-FFF2-40B4-BE49-F238E27FC236}">
                 <a16:creationId xmlns:a16="http://schemas.microsoft.com/office/drawing/2014/main" id="{A4E5947E-1FD9-9A25-FE35-BC5561529035}"/>
               </a:ext>
             </a:extLst>
@@ -8858,7 +9559,101 @@
 </p:sld>
 </file>
 
-<file path=ppt/slides/slide38.xml><?xml version="1.0" encoding="utf-8"?>
+<file path=ppt/slides/slide4.xml><?xml version="1.0" encoding="utf-8"?>
+<p:sld xmlns:a="http://schemas.openxmlformats.org/drawingml/2006/main" xmlns:r="http://schemas.openxmlformats.org/officeDocument/2006/relationships" xmlns:p="http://schemas.openxmlformats.org/presentationml/2006/main">
+  <p:cSld>
+    <p:spTree>
+      <p:nvGrpSpPr>
+        <p:cNvPr id="1" name=""/>
+        <p:cNvGrpSpPr/>
+        <p:nvPr/>
+      </p:nvGrpSpPr>
+      <p:grpSpPr>
+        <a:xfrm>
+          <a:off x="0" y="0"/>
+          <a:ext cx="0" cy="0"/>
+          <a:chOff x="0" y="0"/>
+          <a:chExt cx="0" cy="0"/>
+        </a:xfrm>
+      </p:grpSpPr>
+      <p:sp>
+        <p:nvSpPr>
+          <p:cNvPr id="2" name="Title 1">
+            <a:extLst>
+              <a:ext uri="{FF2B5EF4-FFF2-40B4-BE49-F238E27FC236}">
+                <a16:creationId xmlns:a16="http://schemas.microsoft.com/office/drawing/2014/main" id="{6DCC4830-BA42-B1C9-F66B-F78F9E32BB1D}"/>
+              </a:ext>
+            </a:extLst>
+          </p:cNvPr>
+          <p:cNvSpPr>
+            <a:spLocks noGrp="1"/>
+          </p:cNvSpPr>
+          <p:nvPr>
+            <p:ph type="title"/>
+          </p:nvPr>
+        </p:nvSpPr>
+        <p:spPr>
+          <a:xfrm>
+            <a:off x="730120" y="341221"/>
+            <a:ext cx="10731759" cy="1056686"/>
+          </a:xfrm>
+        </p:spPr>
+        <p:txBody>
+          <a:bodyPr>
+            <a:noAutofit/>
+          </a:bodyPr>
+          <a:lstStyle/>
+          <a:p>
+            <a:r>
+              <a:rPr lang="en-US" sz="3200" dirty="0"/>
+              <a:t>Histograms – 100 MC Inputs</a:t>
+            </a:r>
+          </a:p>
+        </p:txBody>
+      </p:sp>
+      <p:pic>
+        <p:nvPicPr>
+          <p:cNvPr id="7" name="Content Placeholder 6" descr="A picture containing text, screenshot, diagram, plot&#10;&#10;Description automatically generated">
+            <a:extLst>
+              <a:ext uri="{FF2B5EF4-FFF2-40B4-BE49-F238E27FC236}">
+                <a16:creationId xmlns:a16="http://schemas.microsoft.com/office/drawing/2014/main" id="{45C121E0-2D9F-1F26-2360-E24CA0CD5905}"/>
+              </a:ext>
+            </a:extLst>
+          </p:cNvPr>
+          <p:cNvPicPr>
+            <a:picLocks noGrp="1" noChangeAspect="1"/>
+          </p:cNvPicPr>
+          <p:nvPr>
+            <p:ph idx="1"/>
+          </p:nvPr>
+        </p:nvPicPr>
+        <p:blipFill>
+          <a:blip r:embed="rId2"/>
+          <a:stretch>
+            <a:fillRect/>
+          </a:stretch>
+        </p:blipFill>
+        <p:spPr>
+          <a:xfrm>
+            <a:off x="1337301" y="1438275"/>
+            <a:ext cx="9517398" cy="4738688"/>
+          </a:xfrm>
+        </p:spPr>
+      </p:pic>
+    </p:spTree>
+    <p:extLst>
+      <p:ext uri="{BB962C8B-B14F-4D97-AF65-F5344CB8AC3E}">
+        <p14:creationId xmlns:p14="http://schemas.microsoft.com/office/powerpoint/2010/main" val="3409933397"/>
+      </p:ext>
+    </p:extLst>
+  </p:cSld>
+  <p:clrMapOvr>
+    <a:masterClrMapping/>
+  </p:clrMapOvr>
+</p:sld>
+</file>
+
+<file path=ppt/slides/slide40.xml><?xml version="1.0" encoding="utf-8"?>
 <p:sld xmlns:a="http://schemas.openxmlformats.org/drawingml/2006/main" xmlns:r="http://schemas.openxmlformats.org/officeDocument/2006/relationships" xmlns:p="http://schemas.openxmlformats.org/presentationml/2006/main">
   <p:cSld>
     <p:spTree>
@@ -9032,7 +9827,7 @@
 </p:sld>
 </file>
 
-<file path=ppt/slides/slide39.xml><?xml version="1.0" encoding="utf-8"?>
+<file path=ppt/slides/slide41.xml><?xml version="1.0" encoding="utf-8"?>
 <p:sld xmlns:a="http://schemas.openxmlformats.org/drawingml/2006/main" xmlns:r="http://schemas.openxmlformats.org/officeDocument/2006/relationships" xmlns:p="http://schemas.openxmlformats.org/presentationml/2006/main">
   <p:cSld>
     <p:spTree>
@@ -9206,101 +10001,7 @@
 </p:sld>
 </file>
 
-<file path=ppt/slides/slide4.xml><?xml version="1.0" encoding="utf-8"?>
-<p:sld xmlns:a="http://schemas.openxmlformats.org/drawingml/2006/main" xmlns:r="http://schemas.openxmlformats.org/officeDocument/2006/relationships" xmlns:p="http://schemas.openxmlformats.org/presentationml/2006/main">
-  <p:cSld>
-    <p:spTree>
-      <p:nvGrpSpPr>
-        <p:cNvPr id="1" name=""/>
-        <p:cNvGrpSpPr/>
-        <p:nvPr/>
-      </p:nvGrpSpPr>
-      <p:grpSpPr>
-        <a:xfrm>
-          <a:off x="0" y="0"/>
-          <a:ext cx="0" cy="0"/>
-          <a:chOff x="0" y="0"/>
-          <a:chExt cx="0" cy="0"/>
-        </a:xfrm>
-      </p:grpSpPr>
-      <p:sp>
-        <p:nvSpPr>
-          <p:cNvPr id="2" name="Title 1">
-            <a:extLst>
-              <a:ext uri="{FF2B5EF4-FFF2-40B4-BE49-F238E27FC236}">
-                <a16:creationId xmlns:a16="http://schemas.microsoft.com/office/drawing/2014/main" id="{6DCC4830-BA42-B1C9-F66B-F78F9E32BB1D}"/>
-              </a:ext>
-            </a:extLst>
-          </p:cNvPr>
-          <p:cNvSpPr>
-            <a:spLocks noGrp="1"/>
-          </p:cNvSpPr>
-          <p:nvPr>
-            <p:ph type="title"/>
-          </p:nvPr>
-        </p:nvSpPr>
-        <p:spPr>
-          <a:xfrm>
-            <a:off x="730120" y="341221"/>
-            <a:ext cx="10731759" cy="1056686"/>
-          </a:xfrm>
-        </p:spPr>
-        <p:txBody>
-          <a:bodyPr>
-            <a:noAutofit/>
-          </a:bodyPr>
-          <a:lstStyle/>
-          <a:p>
-            <a:r>
-              <a:rPr lang="en-US" sz="3200" dirty="0"/>
-              <a:t>Histograms – 100 MC Inputs</a:t>
-            </a:r>
-          </a:p>
-        </p:txBody>
-      </p:sp>
-      <p:pic>
-        <p:nvPicPr>
-          <p:cNvPr id="7" name="Content Placeholder 6" descr="A picture containing text, screenshot, diagram, plot&#10;&#10;Description automatically generated">
-            <a:extLst>
-              <a:ext uri="{FF2B5EF4-FFF2-40B4-BE49-F238E27FC236}">
-                <a16:creationId xmlns:a16="http://schemas.microsoft.com/office/drawing/2014/main" id="{45C121E0-2D9F-1F26-2360-E24CA0CD5905}"/>
-              </a:ext>
-            </a:extLst>
-          </p:cNvPr>
-          <p:cNvPicPr>
-            <a:picLocks noGrp="1" noChangeAspect="1"/>
-          </p:cNvPicPr>
-          <p:nvPr>
-            <p:ph idx="1"/>
-          </p:nvPr>
-        </p:nvPicPr>
-        <p:blipFill>
-          <a:blip r:embed="rId2"/>
-          <a:stretch>
-            <a:fillRect/>
-          </a:stretch>
-        </p:blipFill>
-        <p:spPr>
-          <a:xfrm>
-            <a:off x="1337301" y="1438275"/>
-            <a:ext cx="9517398" cy="4738688"/>
-          </a:xfrm>
-        </p:spPr>
-      </p:pic>
-    </p:spTree>
-    <p:extLst>
-      <p:ext uri="{BB962C8B-B14F-4D97-AF65-F5344CB8AC3E}">
-        <p14:creationId xmlns:p14="http://schemas.microsoft.com/office/powerpoint/2010/main" val="3409933397"/>
-      </p:ext>
-    </p:extLst>
-  </p:cSld>
-  <p:clrMapOvr>
-    <a:masterClrMapping/>
-  </p:clrMapOvr>
-</p:sld>
-</file>
-
-<file path=ppt/slides/slide40.xml><?xml version="1.0" encoding="utf-8"?>
+<file path=ppt/slides/slide42.xml><?xml version="1.0" encoding="utf-8"?>
 <p:sld xmlns:a="http://schemas.openxmlformats.org/drawingml/2006/main" xmlns:r="http://schemas.openxmlformats.org/officeDocument/2006/relationships" xmlns:p="http://schemas.openxmlformats.org/presentationml/2006/main">
   <p:cSld>
     <p:spTree>
@@ -9493,7 +10194,7 @@
 </p:sld>
 </file>
 
-<file path=ppt/slides/slide41.xml><?xml version="1.0" encoding="utf-8"?>
+<file path=ppt/slides/slide43.xml><?xml version="1.0" encoding="utf-8"?>
 <p:sld xmlns:a="http://schemas.openxmlformats.org/drawingml/2006/main" xmlns:r="http://schemas.openxmlformats.org/officeDocument/2006/relationships" xmlns:p="http://schemas.openxmlformats.org/presentationml/2006/main">
   <p:cSld>
     <p:spTree>
@@ -9673,7 +10374,7 @@
 </p:sld>
 </file>
 
-<file path=ppt/slides/slide42.xml><?xml version="1.0" encoding="utf-8"?>
+<file path=ppt/slides/slide44.xml><?xml version="1.0" encoding="utf-8"?>
 <p:sld xmlns:a="http://schemas.openxmlformats.org/drawingml/2006/main" xmlns:r="http://schemas.openxmlformats.org/officeDocument/2006/relationships" xmlns:p="http://schemas.openxmlformats.org/presentationml/2006/main">
   <p:cSld>
     <p:spTree>
@@ -9847,7 +10548,7 @@
 </p:sld>
 </file>
 
-<file path=ppt/slides/slide43.xml><?xml version="1.0" encoding="utf-8"?>
+<file path=ppt/slides/slide45.xml><?xml version="1.0" encoding="utf-8"?>
 <p:sld xmlns:a="http://schemas.openxmlformats.org/drawingml/2006/main" xmlns:r="http://schemas.openxmlformats.org/officeDocument/2006/relationships" xmlns:p="http://schemas.openxmlformats.org/presentationml/2006/main">
   <p:cSld>
     <p:spTree>
@@ -10040,7 +10741,7 @@
 </p:sld>
 </file>
 
-<file path=ppt/slides/slide44.xml><?xml version="1.0" encoding="utf-8"?>
+<file path=ppt/slides/slide46.xml><?xml version="1.0" encoding="utf-8"?>
 <p:sld xmlns:a="http://schemas.openxmlformats.org/drawingml/2006/main" xmlns:r="http://schemas.openxmlformats.org/officeDocument/2006/relationships" xmlns:p="http://schemas.openxmlformats.org/presentationml/2006/main">
   <p:cSld>
     <p:spTree>
@@ -11210,12 +11911,6 @@
 </file>
 
 <file path=customXml/item1.xml><?xml version="1.0" encoding="utf-8"?>
-<p:properties xmlns:p="http://schemas.microsoft.com/office/2006/metadata/properties" xmlns:xsi="http://www.w3.org/2001/XMLSchema-instance" xmlns:pc="http://schemas.microsoft.com/office/infopath/2007/PartnerControls">
-  <documentManagement/>
-</p:properties>
-</file>
-
-<file path=customXml/item2.xml><?xml version="1.0" encoding="utf-8"?>
 <?mso-contentType ?>
 <FormTemplates xmlns="http://schemas.microsoft.com/sharepoint/v3/contenttype/forms">
   <Display>DocumentLibraryForm</Display>
@@ -11224,7 +11919,7 @@
 </FormTemplates>
 </file>
 
-<file path=customXml/item3.xml><?xml version="1.0" encoding="utf-8"?>
+<file path=customXml/item2.xml><?xml version="1.0" encoding="utf-8"?>
 <ct:contentTypeSchema xmlns:ct="http://schemas.microsoft.com/office/2006/metadata/contentType" xmlns:ma="http://schemas.microsoft.com/office/2006/metadata/properties/metaAttributes" ct:_="" ma:_="" ma:contentTypeName="Document" ma:contentTypeID="0x0101006D977AFE0BA24A48A44BA40749E58BCA" ma:contentTypeVersion="4" ma:contentTypeDescription="Create a new document." ma:contentTypeScope="" ma:versionID="96123a612a8ea52de9eccec3cfd875c5">
   <xsd:schema xmlns:xsd="http://www.w3.org/2001/XMLSchema" xmlns:xs="http://www.w3.org/2001/XMLSchema" xmlns:p="http://schemas.microsoft.com/office/2006/metadata/properties" xmlns:ns2="ce377175-54a4-4d7f-a690-a38d13686295" targetNamespace="http://schemas.microsoft.com/office/2006/metadata/properties" ma:root="true" ma:fieldsID="e02eeb2f666df3e14fcd556b413490be" ns2:_="">
     <xsd:import namespace="ce377175-54a4-4d7f-a690-a38d13686295"/>
@@ -11370,23 +12065,13 @@
 </ct:contentTypeSchema>
 </file>
 
-<file path=customXml/itemProps1.xml><?xml version="1.0" encoding="utf-8"?>
-<ds:datastoreItem xmlns:ds="http://schemas.openxmlformats.org/officeDocument/2006/customXml" ds:itemID="{0748A49F-C736-4524-BB36-F11018D26634}">
-  <ds:schemaRefs>
-    <ds:schemaRef ds:uri="ce377175-54a4-4d7f-a690-a38d13686295"/>
-    <ds:schemaRef ds:uri="http://purl.org/dc/dcmitype/"/>
-    <ds:schemaRef ds:uri="http://purl.org/dc/elements/1.1/"/>
-    <ds:schemaRef ds:uri="http://purl.org/dc/terms/"/>
-    <ds:schemaRef ds:uri="http://schemas.microsoft.com/office/2006/documentManagement/types"/>
-    <ds:schemaRef ds:uri="http://schemas.microsoft.com/office/2006/metadata/properties"/>
-    <ds:schemaRef ds:uri="http://schemas.microsoft.com/office/infopath/2007/PartnerControls"/>
-    <ds:schemaRef ds:uri="http://schemas.openxmlformats.org/package/2006/metadata/core-properties"/>
-    <ds:schemaRef ds:uri="http://www.w3.org/XML/1998/namespace"/>
-  </ds:schemaRefs>
-</ds:datastoreItem>
+<file path=customXml/item3.xml><?xml version="1.0" encoding="utf-8"?>
+<p:properties xmlns:p="http://schemas.microsoft.com/office/2006/metadata/properties" xmlns:xsi="http://www.w3.org/2001/XMLSchema-instance" xmlns:pc="http://schemas.microsoft.com/office/infopath/2007/PartnerControls">
+  <documentManagement/>
+</p:properties>
 </file>
 
-<file path=customXml/itemProps2.xml><?xml version="1.0" encoding="utf-8"?>
+<file path=customXml/itemProps1.xml><?xml version="1.0" encoding="utf-8"?>
 <ds:datastoreItem xmlns:ds="http://schemas.openxmlformats.org/officeDocument/2006/customXml" ds:itemID="{B294D1B7-8679-422F-949D-1455F508E596}">
   <ds:schemaRefs>
     <ds:schemaRef ds:uri="http://schemas.microsoft.com/sharepoint/v3/contenttype/forms"/>
@@ -11394,7 +12079,7 @@
 </ds:datastoreItem>
 </file>
 
-<file path=customXml/itemProps3.xml><?xml version="1.0" encoding="utf-8"?>
+<file path=customXml/itemProps2.xml><?xml version="1.0" encoding="utf-8"?>
 <ds:datastoreItem xmlns:ds="http://schemas.openxmlformats.org/officeDocument/2006/customXml" ds:itemID="{AA97010D-7C71-4286-B859-6803BB0ABFD2}">
   <ds:schemaRefs>
     <ds:schemaRef ds:uri="ce377175-54a4-4d7f-a690-a38d13686295"/>
@@ -11410,4 +12095,20 @@
     <ds:schemaRef ds:uri="http://www.w3.org/2001/XMLSchema"/>
   </ds:schemaRefs>
 </ds:datastoreItem>
+</file>
+
+<file path=customXml/itemProps3.xml><?xml version="1.0" encoding="utf-8"?>
+<ds:datastoreItem xmlns:ds="http://schemas.openxmlformats.org/officeDocument/2006/customXml" ds:itemID="{0748A49F-C736-4524-BB36-F11018D26634}">
+  <ds:schemaRefs>
+    <ds:schemaRef ds:uri="ce377175-54a4-4d7f-a690-a38d13686295"/>
+    <ds:schemaRef ds:uri="http://purl.org/dc/dcmitype/"/>
+    <ds:schemaRef ds:uri="http://purl.org/dc/elements/1.1/"/>
+    <ds:schemaRef ds:uri="http://purl.org/dc/terms/"/>
+    <ds:schemaRef ds:uri="http://schemas.microsoft.com/office/2006/documentManagement/types"/>
+    <ds:schemaRef ds:uri="http://schemas.microsoft.com/office/2006/metadata/properties"/>
+    <ds:schemaRef ds:uri="http://schemas.microsoft.com/office/infopath/2007/PartnerControls"/>
+    <ds:schemaRef ds:uri="http://schemas.openxmlformats.org/package/2006/metadata/core-properties"/>
+    <ds:schemaRef ds:uri="http://www.w3.org/XML/1998/namespace"/>
+  </ds:schemaRefs>
+</ds:datastoreItem>
 </file>
--- a/UQ_2D_metamaterials_update.pptx
+++ b/UQ_2D_metamaterials_update.pptx
@@ -5,7 +5,7 @@
     <p:sldMasterId id="2147483660" r:id="rId4"/>
   </p:sldMasterIdLst>
   <p:notesMasterIdLst>
-    <p:notesMasterId r:id="rId51"/>
+    <p:notesMasterId r:id="rId52"/>
   </p:notesMasterIdLst>
   <p:sldIdLst>
     <p:sldId id="256" r:id="rId5"/>
@@ -20,40 +20,41 @@
     <p:sldId id="961" r:id="rId14"/>
     <p:sldId id="962" r:id="rId15"/>
     <p:sldId id="963" r:id="rId16"/>
-    <p:sldId id="965" r:id="rId17"/>
-    <p:sldId id="964" r:id="rId18"/>
-    <p:sldId id="966" r:id="rId19"/>
-    <p:sldId id="928" r:id="rId20"/>
-    <p:sldId id="922" r:id="rId21"/>
-    <p:sldId id="920" r:id="rId22"/>
-    <p:sldId id="933" r:id="rId23"/>
-    <p:sldId id="931" r:id="rId24"/>
-    <p:sldId id="932" r:id="rId25"/>
-    <p:sldId id="929" r:id="rId26"/>
-    <p:sldId id="921" r:id="rId27"/>
-    <p:sldId id="927" r:id="rId28"/>
-    <p:sldId id="923" r:id="rId29"/>
-    <p:sldId id="924" r:id="rId30"/>
-    <p:sldId id="938" r:id="rId31"/>
-    <p:sldId id="941" r:id="rId32"/>
-    <p:sldId id="942" r:id="rId33"/>
-    <p:sldId id="939" r:id="rId34"/>
-    <p:sldId id="945" r:id="rId35"/>
-    <p:sldId id="944" r:id="rId36"/>
-    <p:sldId id="943" r:id="rId37"/>
-    <p:sldId id="946" r:id="rId38"/>
-    <p:sldId id="947" r:id="rId39"/>
-    <p:sldId id="948" r:id="rId40"/>
-    <p:sldId id="949" r:id="rId41"/>
-    <p:sldId id="950" r:id="rId42"/>
-    <p:sldId id="951" r:id="rId43"/>
-    <p:sldId id="952" r:id="rId44"/>
-    <p:sldId id="953" r:id="rId45"/>
-    <p:sldId id="954" r:id="rId46"/>
-    <p:sldId id="955" r:id="rId47"/>
-    <p:sldId id="956" r:id="rId48"/>
-    <p:sldId id="957" r:id="rId49"/>
-    <p:sldId id="960" r:id="rId50"/>
+    <p:sldId id="967" r:id="rId17"/>
+    <p:sldId id="965" r:id="rId18"/>
+    <p:sldId id="964" r:id="rId19"/>
+    <p:sldId id="966" r:id="rId20"/>
+    <p:sldId id="928" r:id="rId21"/>
+    <p:sldId id="922" r:id="rId22"/>
+    <p:sldId id="920" r:id="rId23"/>
+    <p:sldId id="933" r:id="rId24"/>
+    <p:sldId id="931" r:id="rId25"/>
+    <p:sldId id="932" r:id="rId26"/>
+    <p:sldId id="929" r:id="rId27"/>
+    <p:sldId id="921" r:id="rId28"/>
+    <p:sldId id="927" r:id="rId29"/>
+    <p:sldId id="923" r:id="rId30"/>
+    <p:sldId id="924" r:id="rId31"/>
+    <p:sldId id="938" r:id="rId32"/>
+    <p:sldId id="941" r:id="rId33"/>
+    <p:sldId id="942" r:id="rId34"/>
+    <p:sldId id="939" r:id="rId35"/>
+    <p:sldId id="945" r:id="rId36"/>
+    <p:sldId id="944" r:id="rId37"/>
+    <p:sldId id="943" r:id="rId38"/>
+    <p:sldId id="946" r:id="rId39"/>
+    <p:sldId id="947" r:id="rId40"/>
+    <p:sldId id="948" r:id="rId41"/>
+    <p:sldId id="949" r:id="rId42"/>
+    <p:sldId id="950" r:id="rId43"/>
+    <p:sldId id="951" r:id="rId44"/>
+    <p:sldId id="952" r:id="rId45"/>
+    <p:sldId id="953" r:id="rId46"/>
+    <p:sldId id="954" r:id="rId47"/>
+    <p:sldId id="955" r:id="rId48"/>
+    <p:sldId id="956" r:id="rId49"/>
+    <p:sldId id="957" r:id="rId50"/>
+    <p:sldId id="960" r:id="rId51"/>
   </p:sldIdLst>
   <p:sldSz cx="12192000" cy="6858000"/>
   <p:notesSz cx="6858000" cy="9144000"/>
@@ -169,6 +170,7 @@
             <p14:sldId id="961"/>
             <p14:sldId id="962"/>
             <p14:sldId id="963"/>
+            <p14:sldId id="967"/>
             <p14:sldId id="965"/>
             <p14:sldId id="964"/>
             <p14:sldId id="966"/>
@@ -340,7 +342,7 @@
           <a:p>
             <a:fld id="{5B2A9559-5325-4FFA-A5F2-CBDDB1074751}" type="datetimeFigureOut">
               <a:rPr lang="en-US" smtClean="0"/>
-              <a:t>8/9/2023</a:t>
+              <a:t>8/14/2023</a:t>
             </a:fld>
             <a:endParaRPr lang="en-US"/>
           </a:p>
@@ -765,6 +767,90 @@
     </p:spTree>
     <p:extLst>
       <p:ext uri="{BB962C8B-B14F-4D97-AF65-F5344CB8AC3E}">
+        <p14:creationId xmlns:p14="http://schemas.microsoft.com/office/powerpoint/2010/main" val="4209106263"/>
+      </p:ext>
+    </p:extLst>
+  </p:cSld>
+  <p:clrMapOvr>
+    <a:masterClrMapping/>
+  </p:clrMapOvr>
+</p:notes>
+</file>
+
+<file path=ppt/notesSlides/notesSlide11.xml><?xml version="1.0" encoding="utf-8"?>
+<p:notes xmlns:a="http://schemas.openxmlformats.org/drawingml/2006/main" xmlns:r="http://schemas.openxmlformats.org/officeDocument/2006/relationships" xmlns:p="http://schemas.openxmlformats.org/presentationml/2006/main">
+  <p:cSld>
+    <p:spTree>
+      <p:nvGrpSpPr>
+        <p:cNvPr id="1" name=""/>
+        <p:cNvGrpSpPr/>
+        <p:nvPr/>
+      </p:nvGrpSpPr>
+      <p:grpSpPr>
+        <a:xfrm>
+          <a:off x="0" y="0"/>
+          <a:ext cx="0" cy="0"/>
+          <a:chOff x="0" y="0"/>
+          <a:chExt cx="0" cy="0"/>
+        </a:xfrm>
+      </p:grpSpPr>
+      <p:sp>
+        <p:nvSpPr>
+          <p:cNvPr id="2" name="Slide Image Placeholder 1"/>
+          <p:cNvSpPr>
+            <a:spLocks noGrp="1" noRot="1" noChangeAspect="1"/>
+          </p:cNvSpPr>
+          <p:nvPr>
+            <p:ph type="sldImg"/>
+          </p:nvPr>
+        </p:nvSpPr>
+        <p:spPr/>
+      </p:sp>
+      <p:sp>
+        <p:nvSpPr>
+          <p:cNvPr id="3" name="Notes Placeholder 2"/>
+          <p:cNvSpPr>
+            <a:spLocks noGrp="1"/>
+          </p:cNvSpPr>
+          <p:nvPr>
+            <p:ph type="body" idx="1"/>
+          </p:nvPr>
+        </p:nvSpPr>
+        <p:spPr/>
+        <p:txBody>
+          <a:bodyPr/>
+          <a:lstStyle/>
+          <a:p>
+            <a:endParaRPr lang="en-US" dirty="0"/>
+          </a:p>
+        </p:txBody>
+      </p:sp>
+      <p:sp>
+        <p:nvSpPr>
+          <p:cNvPr id="4" name="Slide Number Placeholder 3"/>
+          <p:cNvSpPr>
+            <a:spLocks noGrp="1"/>
+          </p:cNvSpPr>
+          <p:nvPr>
+            <p:ph type="sldNum" sz="quarter" idx="5"/>
+          </p:nvPr>
+        </p:nvSpPr>
+        <p:spPr/>
+        <p:txBody>
+          <a:bodyPr/>
+          <a:lstStyle/>
+          <a:p>
+            <a:fld id="{5ED6D2F6-D9A8-4EC3-B74F-DA40A0FC4A95}" type="slidenum">
+              <a:rPr lang="en-US" smtClean="0"/>
+              <a:t>22</a:t>
+            </a:fld>
+            <a:endParaRPr lang="en-US"/>
+          </a:p>
+        </p:txBody>
+      </p:sp>
+    </p:spTree>
+    <p:extLst>
+      <p:ext uri="{BB962C8B-B14F-4D97-AF65-F5344CB8AC3E}">
         <p14:creationId xmlns:p14="http://schemas.microsoft.com/office/powerpoint/2010/main" val="1898275497"/>
       </p:ext>
     </p:extLst>
@@ -1017,7 +1103,7 @@
     </p:spTree>
     <p:extLst>
       <p:ext uri="{BB962C8B-B14F-4D97-AF65-F5344CB8AC3E}">
-        <p14:creationId xmlns:p14="http://schemas.microsoft.com/office/powerpoint/2010/main" val="167993085"/>
+        <p14:creationId xmlns:p14="http://schemas.microsoft.com/office/powerpoint/2010/main" val="271675527"/>
       </p:ext>
     </p:extLst>
   </p:cSld>
@@ -1101,7 +1187,7 @@
     </p:spTree>
     <p:extLst>
       <p:ext uri="{BB962C8B-B14F-4D97-AF65-F5344CB8AC3E}">
-        <p14:creationId xmlns:p14="http://schemas.microsoft.com/office/powerpoint/2010/main" val="4089741967"/>
+        <p14:creationId xmlns:p14="http://schemas.microsoft.com/office/powerpoint/2010/main" val="167993085"/>
       </p:ext>
     </p:extLst>
   </p:cSld>
@@ -1185,7 +1271,7 @@
     </p:spTree>
     <p:extLst>
       <p:ext uri="{BB962C8B-B14F-4D97-AF65-F5344CB8AC3E}">
-        <p14:creationId xmlns:p14="http://schemas.microsoft.com/office/powerpoint/2010/main" val="1639446416"/>
+        <p14:creationId xmlns:p14="http://schemas.microsoft.com/office/powerpoint/2010/main" val="4089741967"/>
       </p:ext>
     </p:extLst>
   </p:cSld>
@@ -1260,7 +1346,7 @@
           <a:p>
             <a:fld id="{5ED6D2F6-D9A8-4EC3-B74F-DA40A0FC4A95}" type="slidenum">
               <a:rPr lang="en-US" smtClean="0"/>
-              <a:t>18</a:t>
+              <a:t>16</a:t>
             </a:fld>
             <a:endParaRPr lang="en-US"/>
           </a:p>
@@ -1269,7 +1355,7 @@
     </p:spTree>
     <p:extLst>
       <p:ext uri="{BB962C8B-B14F-4D97-AF65-F5344CB8AC3E}">
-        <p14:creationId xmlns:p14="http://schemas.microsoft.com/office/powerpoint/2010/main" val="3356451182"/>
+        <p14:creationId xmlns:p14="http://schemas.microsoft.com/office/powerpoint/2010/main" val="1639446416"/>
       </p:ext>
     </p:extLst>
   </p:cSld>
@@ -1353,7 +1439,7 @@
     </p:spTree>
     <p:extLst>
       <p:ext uri="{BB962C8B-B14F-4D97-AF65-F5344CB8AC3E}">
-        <p14:creationId xmlns:p14="http://schemas.microsoft.com/office/powerpoint/2010/main" val="917664598"/>
+        <p14:creationId xmlns:p14="http://schemas.microsoft.com/office/powerpoint/2010/main" val="3356451182"/>
       </p:ext>
     </p:extLst>
   </p:cSld>
@@ -1437,7 +1523,7 @@
     </p:spTree>
     <p:extLst>
       <p:ext uri="{BB962C8B-B14F-4D97-AF65-F5344CB8AC3E}">
-        <p14:creationId xmlns:p14="http://schemas.microsoft.com/office/powerpoint/2010/main" val="4209106263"/>
+        <p14:creationId xmlns:p14="http://schemas.microsoft.com/office/powerpoint/2010/main" val="917664598"/>
       </p:ext>
     </p:extLst>
   </p:cSld>
@@ -1820,7 +1906,7 @@
           <a:p>
             <a:fld id="{43789B8F-7842-4BEF-9976-1EE74F57C738}" type="datetime1">
               <a:rPr lang="en-US" smtClean="0"/>
-              <a:t>8/9/2023</a:t>
+              <a:t>8/14/2023</a:t>
             </a:fld>
             <a:endParaRPr lang="en-US"/>
           </a:p>
@@ -2052,7 +2138,7 @@
           <a:p>
             <a:fld id="{050F5937-DD26-4F95-A0ED-C31A278A1247}" type="datetime1">
               <a:rPr lang="en-US" smtClean="0"/>
-              <a:t>8/9/2023</a:t>
+              <a:t>8/14/2023</a:t>
             </a:fld>
             <a:endParaRPr lang="en-US"/>
           </a:p>
@@ -2519,7 +2605,7 @@
           <a:p>
             <a:fld id="{49F581DC-F6E5-4AEE-98F3-A1977368E94D}" type="datetime1">
               <a:rPr lang="en-US" smtClean="0"/>
-              <a:t>8/9/2023</a:t>
+              <a:t>8/14/2023</a:t>
             </a:fld>
             <a:endParaRPr lang="en-US"/>
           </a:p>
@@ -2839,7 +2925,7 @@
           <a:p>
             <a:fld id="{A23148C6-A681-474A-852B-6488E264F1FD}" type="datetime1">
               <a:rPr lang="en-US" smtClean="0"/>
-              <a:t>8/9/2023</a:t>
+              <a:t>8/14/2023</a:t>
             </a:fld>
             <a:endParaRPr lang="en-US"/>
           </a:p>
@@ -3306,7 +3392,7 @@
           <a:p>
             <a:fld id="{E05877EE-87E6-4A80-A3D1-647EBC487900}" type="datetime1">
               <a:rPr lang="en-US" smtClean="0"/>
-              <a:t>8/9/2023</a:t>
+              <a:t>8/14/2023</a:t>
             </a:fld>
             <a:endParaRPr lang="en-US"/>
           </a:p>
@@ -3836,7 +3922,7 @@
           <a:p>
             <a:fld id="{1F39E345-7F84-425C-B838-418A9624F210}" type="datetime1">
               <a:rPr lang="en-US" smtClean="0"/>
-              <a:t>8/9/2023</a:t>
+              <a:t>8/14/2023</a:t>
             </a:fld>
             <a:endParaRPr lang="en-US"/>
           </a:p>
@@ -4151,7 +4237,7 @@
           <a:p>
             <a:fld id="{F90E5D04-5C5D-47CC-BDED-D4EAD1A4B7F8}" type="datetime1">
               <a:rPr lang="en-US" smtClean="0"/>
-              <a:t>8/9/2023</a:t>
+              <a:t>8/14/2023</a:t>
             </a:fld>
             <a:endParaRPr lang="en-US"/>
           </a:p>
@@ -4499,7 +4585,7 @@
           <a:p>
             <a:fld id="{B019BD83-B2B4-4833-86B7-8D5583952E34}" type="datetime1">
               <a:rPr lang="en-US" smtClean="0"/>
-              <a:t>8/9/2023</a:t>
+              <a:t>8/14/2023</a:t>
             </a:fld>
             <a:endParaRPr lang="en-US"/>
           </a:p>
@@ -5633,6 +5719,94 @@
           <a:chExt cx="0" cy="0"/>
         </a:xfrm>
       </p:grpSpPr>
+      <p:sp>
+        <p:nvSpPr>
+          <p:cNvPr id="2" name="Title 1">
+            <a:extLst>
+              <a:ext uri="{FF2B5EF4-FFF2-40B4-BE49-F238E27FC236}">
+                <a16:creationId xmlns:a16="http://schemas.microsoft.com/office/drawing/2014/main" id="{DE9A25E5-E49D-B8C1-069F-E83D8A83DA79}"/>
+              </a:ext>
+            </a:extLst>
+          </p:cNvPr>
+          <p:cNvSpPr>
+            <a:spLocks noGrp="1"/>
+          </p:cNvSpPr>
+          <p:nvPr>
+            <p:ph type="title"/>
+          </p:nvPr>
+        </p:nvSpPr>
+        <p:spPr/>
+        <p:txBody>
+          <a:bodyPr>
+            <a:normAutofit/>
+          </a:bodyPr>
+          <a:lstStyle/>
+          <a:p>
+            <a:r>
+              <a:rPr lang="en-US" dirty="0"/>
+              <a:t>Finite Element Mesh Convergence</a:t>
+            </a:r>
+          </a:p>
+        </p:txBody>
+      </p:sp>
+      <p:pic>
+        <p:nvPicPr>
+          <p:cNvPr id="5" name="Content Placeholder 4">
+            <a:extLst>
+              <a:ext uri="{FF2B5EF4-FFF2-40B4-BE49-F238E27FC236}">
+                <a16:creationId xmlns:a16="http://schemas.microsoft.com/office/drawing/2014/main" id="{B4D5F369-BB8F-09EB-6BBC-D52472D212F6}"/>
+              </a:ext>
+            </a:extLst>
+          </p:cNvPr>
+          <p:cNvPicPr>
+            <a:picLocks noGrp="1" noChangeAspect="1"/>
+          </p:cNvPicPr>
+          <p:nvPr>
+            <p:ph idx="1"/>
+          </p:nvPr>
+        </p:nvPicPr>
+        <p:blipFill>
+          <a:blip r:embed="rId3"/>
+          <a:srcRect/>
+          <a:stretch/>
+        </p:blipFill>
+        <p:spPr>
+          <a:xfrm>
+            <a:off x="838200" y="2047759"/>
+            <a:ext cx="10515600" cy="3519719"/>
+          </a:xfrm>
+        </p:spPr>
+      </p:pic>
+    </p:spTree>
+    <p:extLst>
+      <p:ext uri="{BB962C8B-B14F-4D97-AF65-F5344CB8AC3E}">
+        <p14:creationId xmlns:p14="http://schemas.microsoft.com/office/powerpoint/2010/main" val="2622640638"/>
+      </p:ext>
+    </p:extLst>
+  </p:cSld>
+  <p:clrMapOvr>
+    <a:masterClrMapping/>
+  </p:clrMapOvr>
+</p:sld>
+</file>
+
+<file path=ppt/slides/slide14.xml><?xml version="1.0" encoding="utf-8"?>
+<p:sld xmlns:a="http://schemas.openxmlformats.org/drawingml/2006/main" xmlns:r="http://schemas.openxmlformats.org/officeDocument/2006/relationships" xmlns:p="http://schemas.openxmlformats.org/presentationml/2006/main">
+  <p:cSld>
+    <p:spTree>
+      <p:nvGrpSpPr>
+        <p:cNvPr id="1" name=""/>
+        <p:cNvGrpSpPr/>
+        <p:nvPr/>
+      </p:nvGrpSpPr>
+      <p:grpSpPr>
+        <a:xfrm>
+          <a:off x="0" y="0"/>
+          <a:ext cx="0" cy="0"/>
+          <a:chOff x="0" y="0"/>
+          <a:chExt cx="0" cy="0"/>
+        </a:xfrm>
+      </p:grpSpPr>
       <p:pic>
         <p:nvPicPr>
           <p:cNvPr id="7" name="Content Placeholder 6">
@@ -5965,7 +6139,7 @@
 </p:sld>
 </file>
 
-<file path=ppt/slides/slide14.xml><?xml version="1.0" encoding="utf-8"?>
+<file path=ppt/slides/slide15.xml><?xml version="1.0" encoding="utf-8"?>
 <p:sld xmlns:a="http://schemas.openxmlformats.org/drawingml/2006/main" xmlns:r="http://schemas.openxmlformats.org/officeDocument/2006/relationships" xmlns:p="http://schemas.openxmlformats.org/presentationml/2006/main">
   <p:cSld>
     <p:spTree>
@@ -6314,7 +6488,7 @@
 </p:sld>
 </file>
 
-<file path=ppt/slides/slide15.xml><?xml version="1.0" encoding="utf-8"?>
+<file path=ppt/slides/slide16.xml><?xml version="1.0" encoding="utf-8"?>
 <p:sld xmlns:a="http://schemas.openxmlformats.org/drawingml/2006/main" xmlns:r="http://schemas.openxmlformats.org/officeDocument/2006/relationships" xmlns:p="http://schemas.openxmlformats.org/presentationml/2006/main">
   <p:cSld>
     <p:spTree>
@@ -6485,104 +6659,6 @@
     <p:extLst>
       <p:ext uri="{BB962C8B-B14F-4D97-AF65-F5344CB8AC3E}">
         <p14:creationId xmlns:p14="http://schemas.microsoft.com/office/powerpoint/2010/main" val="784883634"/>
-      </p:ext>
-    </p:extLst>
-  </p:cSld>
-  <p:clrMapOvr>
-    <a:masterClrMapping/>
-  </p:clrMapOvr>
-</p:sld>
-</file>
-
-<file path=ppt/slides/slide16.xml><?xml version="1.0" encoding="utf-8"?>
-<p:sld xmlns:a="http://schemas.openxmlformats.org/drawingml/2006/main" xmlns:r="http://schemas.openxmlformats.org/officeDocument/2006/relationships" xmlns:p="http://schemas.openxmlformats.org/presentationml/2006/main">
-  <p:cSld>
-    <p:spTree>
-      <p:nvGrpSpPr>
-        <p:cNvPr id="1" name=""/>
-        <p:cNvGrpSpPr/>
-        <p:nvPr/>
-      </p:nvGrpSpPr>
-      <p:grpSpPr>
-        <a:xfrm>
-          <a:off x="0" y="0"/>
-          <a:ext cx="0" cy="0"/>
-          <a:chOff x="0" y="0"/>
-          <a:chExt cx="0" cy="0"/>
-        </a:xfrm>
-      </p:grpSpPr>
-      <p:sp>
-        <p:nvSpPr>
-          <p:cNvPr id="2" name="Title 1">
-            <a:extLst>
-              <a:ext uri="{FF2B5EF4-FFF2-40B4-BE49-F238E27FC236}">
-                <a16:creationId xmlns:a16="http://schemas.microsoft.com/office/drawing/2014/main" id="{FF46EFE3-2612-B04E-2A19-D61DA27B229B}"/>
-              </a:ext>
-            </a:extLst>
-          </p:cNvPr>
-          <p:cNvSpPr>
-            <a:spLocks noGrp="1"/>
-          </p:cNvSpPr>
-          <p:nvPr>
-            <p:ph type="title"/>
-          </p:nvPr>
-        </p:nvSpPr>
-        <p:spPr>
-          <a:xfrm>
-            <a:off x="838200" y="287165"/>
-            <a:ext cx="10515600" cy="1056686"/>
-          </a:xfrm>
-        </p:spPr>
-        <p:txBody>
-          <a:bodyPr/>
-          <a:lstStyle/>
-          <a:p>
-            <a:r>
-              <a:rPr lang="en-US" sz="4400" dirty="0"/>
-              <a:t>Stochastic Collocation – MC Regression</a:t>
-            </a:r>
-            <a:endParaRPr lang="en-US" dirty="0"/>
-          </a:p>
-        </p:txBody>
-      </p:sp>
-      <p:sp>
-        <p:nvSpPr>
-          <p:cNvPr id="3" name="Content Placeholder 2">
-            <a:extLst>
-              <a:ext uri="{FF2B5EF4-FFF2-40B4-BE49-F238E27FC236}">
-                <a16:creationId xmlns:a16="http://schemas.microsoft.com/office/drawing/2014/main" id="{C5AD6461-80F6-D156-FBF4-9DA7849BE8B4}"/>
-              </a:ext>
-            </a:extLst>
-          </p:cNvPr>
-          <p:cNvSpPr>
-            <a:spLocks noGrp="1"/>
-          </p:cNvSpPr>
-          <p:nvPr>
-            <p:ph idx="1"/>
-          </p:nvPr>
-        </p:nvSpPr>
-        <p:spPr/>
-        <p:txBody>
-          <a:bodyPr/>
-          <a:lstStyle/>
-          <a:p>
-            <a:r>
-              <a:rPr lang="en-US" dirty="0"/>
-              <a:t>A variation of stochastic collocation where the orthogonal polynomials are fitted to MC generated samples</a:t>
-            </a:r>
-          </a:p>
-          <a:p>
-            <a:r>
-              <a:rPr lang="en-US" dirty="0"/>
-              <a:t>Usually more effective at higher dimensions and less efficient at lower dimensions compared to quadrature rule stochastic collocation</a:t>
-            </a:r>
-          </a:p>
-        </p:txBody>
-      </p:sp>
-    </p:spTree>
-    <p:extLst>
-      <p:ext uri="{BB962C8B-B14F-4D97-AF65-F5344CB8AC3E}">
-        <p14:creationId xmlns:p14="http://schemas.microsoft.com/office/powerpoint/2010/main" val="51304751"/>
       </p:ext>
     </p:extLst>
   </p:cSld>
@@ -6614,7 +6690,7 @@
           <p:cNvPr id="2" name="Title 1">
             <a:extLst>
               <a:ext uri="{FF2B5EF4-FFF2-40B4-BE49-F238E27FC236}">
-                <a16:creationId xmlns:a16="http://schemas.microsoft.com/office/drawing/2014/main" id="{2FB1AF1B-E5FB-47C6-F2C8-D17A8AB062DF}"/>
+                <a16:creationId xmlns:a16="http://schemas.microsoft.com/office/drawing/2014/main" id="{FF46EFE3-2612-B04E-2A19-D61DA27B229B}"/>
               </a:ext>
             </a:extLst>
           </p:cNvPr>
@@ -6627,55 +6703,60 @@
         </p:nvSpPr>
         <p:spPr>
           <a:xfrm>
-            <a:off x="838200" y="346701"/>
+            <a:off x="838200" y="287165"/>
             <a:ext cx="10515600" cy="1056686"/>
           </a:xfrm>
         </p:spPr>
         <p:txBody>
-          <a:bodyPr>
-            <a:noAutofit/>
-          </a:bodyPr>
+          <a:bodyPr/>
           <a:lstStyle/>
           <a:p>
             <a:r>
-              <a:rPr lang="en-US" sz="3600" dirty="0"/>
-              <a:t>Stochastic Collocation – MC Regression (Underfit)</a:t>
-            </a:r>
-          </a:p>
-        </p:txBody>
-      </p:sp>
-      <p:pic>
-        <p:nvPicPr>
-          <p:cNvPr id="5" name="Content Placeholder 4">
-            <a:extLst>
-              <a:ext uri="{FF2B5EF4-FFF2-40B4-BE49-F238E27FC236}">
-                <a16:creationId xmlns:a16="http://schemas.microsoft.com/office/drawing/2014/main" id="{AE2D6E08-A882-0A1D-DD91-568191A07070}"/>
-              </a:ext>
-            </a:extLst>
-          </p:cNvPr>
-          <p:cNvPicPr>
-            <a:picLocks noGrp="1" noChangeAspect="1"/>
-          </p:cNvPicPr>
+              <a:rPr lang="en-US" sz="4400" dirty="0"/>
+              <a:t>Stochastic Collocation – MC Regression</a:t>
+            </a:r>
+            <a:endParaRPr lang="en-US" dirty="0"/>
+          </a:p>
+        </p:txBody>
+      </p:sp>
+      <p:sp>
+        <p:nvSpPr>
+          <p:cNvPr id="3" name="Content Placeholder 2">
+            <a:extLst>
+              <a:ext uri="{FF2B5EF4-FFF2-40B4-BE49-F238E27FC236}">
+                <a16:creationId xmlns:a16="http://schemas.microsoft.com/office/drawing/2014/main" id="{C5AD6461-80F6-D156-FBF4-9DA7849BE8B4}"/>
+              </a:ext>
+            </a:extLst>
+          </p:cNvPr>
+          <p:cNvSpPr>
+            <a:spLocks noGrp="1"/>
+          </p:cNvSpPr>
           <p:nvPr>
             <p:ph idx="1"/>
           </p:nvPr>
-        </p:nvPicPr>
-        <p:blipFill>
-          <a:blip r:embed="rId2"/>
-          <a:srcRect/>
-          <a:stretch/>
-        </p:blipFill>
-        <p:spPr>
-          <a:xfrm>
-            <a:off x="838200" y="1632281"/>
-            <a:ext cx="10515600" cy="4350675"/>
-          </a:xfrm>
-        </p:spPr>
-      </p:pic>
+        </p:nvSpPr>
+        <p:spPr/>
+        <p:txBody>
+          <a:bodyPr/>
+          <a:lstStyle/>
+          <a:p>
+            <a:r>
+              <a:rPr lang="en-US" dirty="0"/>
+              <a:t>A variation of stochastic collocation where the orthogonal polynomials are fitted to MC generated samples</a:t>
+            </a:r>
+          </a:p>
+          <a:p>
+            <a:r>
+              <a:rPr lang="en-US" dirty="0"/>
+              <a:t>Usually more effective at higher dimensions and less efficient at lower dimensions compared to quadrature rule stochastic collocation</a:t>
+            </a:r>
+          </a:p>
+        </p:txBody>
+      </p:sp>
     </p:spTree>
     <p:extLst>
       <p:ext uri="{BB962C8B-B14F-4D97-AF65-F5344CB8AC3E}">
-        <p14:creationId xmlns:p14="http://schemas.microsoft.com/office/powerpoint/2010/main" val="313178282"/>
+        <p14:creationId xmlns:p14="http://schemas.microsoft.com/office/powerpoint/2010/main" val="51304751"/>
       </p:ext>
     </p:extLst>
   </p:cSld>
@@ -6731,8 +6812,8 @@
           <a:lstStyle/>
           <a:p>
             <a:r>
-              <a:rPr lang="en-US" sz="3200" dirty="0"/>
-              <a:t>Stochastic Collocation – MC Regression – Bandgap Size</a:t>
+              <a:rPr lang="en-US" sz="3600" dirty="0"/>
+              <a:t>Stochastic Collocation – MC Regression (Underfit)</a:t>
             </a:r>
           </a:p>
         </p:txBody>
@@ -6754,7 +6835,7 @@
           </p:nvPr>
         </p:nvPicPr>
         <p:blipFill>
-          <a:blip r:embed="rId3"/>
+          <a:blip r:embed="rId2"/>
           <a:srcRect/>
           <a:stretch/>
         </p:blipFill>
@@ -6768,7 +6849,7 @@
     </p:spTree>
     <p:extLst>
       <p:ext uri="{BB962C8B-B14F-4D97-AF65-F5344CB8AC3E}">
-        <p14:creationId xmlns:p14="http://schemas.microsoft.com/office/powerpoint/2010/main" val="745860620"/>
+        <p14:creationId xmlns:p14="http://schemas.microsoft.com/office/powerpoint/2010/main" val="313178282"/>
       </p:ext>
     </p:extLst>
   </p:cSld>
@@ -6825,7 +6906,7 @@
           <a:p>
             <a:r>
               <a:rPr lang="en-US" sz="3200" dirty="0"/>
-              <a:t>Stochastic Collocation – MC Regression – Bandgap Center</a:t>
+              <a:t>Stochastic Collocation – MC Regression – Bandgap Size</a:t>
             </a:r>
           </a:p>
         </p:txBody>
@@ -6861,7 +6942,7 @@
     </p:spTree>
     <p:extLst>
       <p:ext uri="{BB962C8B-B14F-4D97-AF65-F5344CB8AC3E}">
-        <p14:creationId xmlns:p14="http://schemas.microsoft.com/office/powerpoint/2010/main" val="3377187287"/>
+        <p14:creationId xmlns:p14="http://schemas.microsoft.com/office/powerpoint/2010/main" val="745860620"/>
       </p:ext>
     </p:extLst>
   </p:cSld>
@@ -7348,7 +7429,7 @@
           <a:p>
             <a:r>
               <a:rPr lang="en-US" sz="3200" dirty="0"/>
-              <a:t>Stochastic Collocation – MC Regression – Bandgap Top</a:t>
+              <a:t>Stochastic Collocation – MC Regression – Bandgap Center</a:t>
             </a:r>
           </a:p>
         </p:txBody>
@@ -7384,7 +7465,7 @@
     </p:spTree>
     <p:extLst>
       <p:ext uri="{BB962C8B-B14F-4D97-AF65-F5344CB8AC3E}">
-        <p14:creationId xmlns:p14="http://schemas.microsoft.com/office/powerpoint/2010/main" val="555498027"/>
+        <p14:creationId xmlns:p14="http://schemas.microsoft.com/office/powerpoint/2010/main" val="3377187287"/>
       </p:ext>
     </p:extLst>
   </p:cSld>
@@ -7441,7 +7522,7 @@
           <a:p>
             <a:r>
               <a:rPr lang="en-US" sz="3200" dirty="0"/>
-              <a:t>Stochastic Collocation – MC Regression – Bandgap Bottom</a:t>
+              <a:t>Stochastic Collocation – MC Regression – Bandgap Top</a:t>
             </a:r>
           </a:p>
         </p:txBody>
@@ -7477,7 +7558,7 @@
     </p:spTree>
     <p:extLst>
       <p:ext uri="{BB962C8B-B14F-4D97-AF65-F5344CB8AC3E}">
-        <p14:creationId xmlns:p14="http://schemas.microsoft.com/office/powerpoint/2010/main" val="3873354010"/>
+        <p14:creationId xmlns:p14="http://schemas.microsoft.com/office/powerpoint/2010/main" val="555498027"/>
       </p:ext>
     </p:extLst>
   </p:cSld>
@@ -7509,7 +7590,7 @@
           <p:cNvPr id="2" name="Title 1">
             <a:extLst>
               <a:ext uri="{FF2B5EF4-FFF2-40B4-BE49-F238E27FC236}">
-                <a16:creationId xmlns:a16="http://schemas.microsoft.com/office/drawing/2014/main" id="{FF46EFE3-2612-B04E-2A19-D61DA27B229B}"/>
+                <a16:creationId xmlns:a16="http://schemas.microsoft.com/office/drawing/2014/main" id="{2FB1AF1B-E5FB-47C6-F2C8-D17A8AB062DF}"/>
               </a:ext>
             </a:extLst>
           </p:cNvPr>
@@ -7522,60 +7603,55 @@
         </p:nvSpPr>
         <p:spPr>
           <a:xfrm>
-            <a:off x="838200" y="265973"/>
+            <a:off x="838200" y="346701"/>
             <a:ext cx="10515600" cy="1056686"/>
           </a:xfrm>
         </p:spPr>
         <p:txBody>
-          <a:bodyPr/>
+          <a:bodyPr>
+            <a:noAutofit/>
+          </a:bodyPr>
           <a:lstStyle/>
           <a:p>
             <a:r>
-              <a:rPr lang="en-US" sz="4400" dirty="0"/>
-              <a:t>Stochastic Collocation – Quadrature Rule</a:t>
-            </a:r>
-            <a:endParaRPr lang="en-US" dirty="0"/>
-          </a:p>
-        </p:txBody>
-      </p:sp>
-      <p:sp>
-        <p:nvSpPr>
-          <p:cNvPr id="3" name="Content Placeholder 2">
-            <a:extLst>
-              <a:ext uri="{FF2B5EF4-FFF2-40B4-BE49-F238E27FC236}">
-                <a16:creationId xmlns:a16="http://schemas.microsoft.com/office/drawing/2014/main" id="{C5AD6461-80F6-D156-FBF4-9DA7849BE8B4}"/>
-              </a:ext>
-            </a:extLst>
-          </p:cNvPr>
-          <p:cNvSpPr>
-            <a:spLocks noGrp="1"/>
-          </p:cNvSpPr>
+              <a:rPr lang="en-US" sz="3200" dirty="0"/>
+              <a:t>Stochastic Collocation – MC Regression – Bandgap Bottom</a:t>
+            </a:r>
+          </a:p>
+        </p:txBody>
+      </p:sp>
+      <p:pic>
+        <p:nvPicPr>
+          <p:cNvPr id="5" name="Content Placeholder 4">
+            <a:extLst>
+              <a:ext uri="{FF2B5EF4-FFF2-40B4-BE49-F238E27FC236}">
+                <a16:creationId xmlns:a16="http://schemas.microsoft.com/office/drawing/2014/main" id="{AE2D6E08-A882-0A1D-DD91-568191A07070}"/>
+              </a:ext>
+            </a:extLst>
+          </p:cNvPr>
+          <p:cNvPicPr>
+            <a:picLocks noGrp="1" noChangeAspect="1"/>
+          </p:cNvPicPr>
           <p:nvPr>
             <p:ph idx="1"/>
           </p:nvPr>
-        </p:nvSpPr>
-        <p:spPr/>
-        <p:txBody>
-          <a:bodyPr/>
-          <a:lstStyle/>
-          <a:p>
-            <a:r>
-              <a:rPr lang="en-US" dirty="0"/>
-              <a:t>A variation of stochastic collocation where the orthogonal polynomials are fitted to specific points with weights, generated by using a rule function on the input distribution.</a:t>
-            </a:r>
-          </a:p>
-          <a:p>
-            <a:r>
-              <a:rPr lang="en-US" dirty="0"/>
-              <a:t>Extremely efficient at low dimensions, however points needed scales as s = (p + 1)^d, where s is the number of samples needed, p is the order of polynomial fit, and d is the dimensionality of the input space. This method therefore becomes very expensive very quickly as d increases.</a:t>
-            </a:r>
-          </a:p>
-        </p:txBody>
-      </p:sp>
+        </p:nvPicPr>
+        <p:blipFill>
+          <a:blip r:embed="rId3"/>
+          <a:srcRect/>
+          <a:stretch/>
+        </p:blipFill>
+        <p:spPr>
+          <a:xfrm>
+            <a:off x="838200" y="1632281"/>
+            <a:ext cx="10515600" cy="4350675"/>
+          </a:xfrm>
+        </p:spPr>
+      </p:pic>
     </p:spTree>
     <p:extLst>
       <p:ext uri="{BB962C8B-B14F-4D97-AF65-F5344CB8AC3E}">
-        <p14:creationId xmlns:p14="http://schemas.microsoft.com/office/powerpoint/2010/main" val="2229525489"/>
+        <p14:creationId xmlns:p14="http://schemas.microsoft.com/office/powerpoint/2010/main" val="3873354010"/>
       </p:ext>
     </p:extLst>
   </p:cSld>
@@ -7607,7 +7683,7 @@
           <p:cNvPr id="2" name="Title 1">
             <a:extLst>
               <a:ext uri="{FF2B5EF4-FFF2-40B4-BE49-F238E27FC236}">
-                <a16:creationId xmlns:a16="http://schemas.microsoft.com/office/drawing/2014/main" id="{6DCC4830-BA42-B1C9-F66B-F78F9E32BB1D}"/>
+                <a16:creationId xmlns:a16="http://schemas.microsoft.com/office/drawing/2014/main" id="{FF46EFE3-2612-B04E-2A19-D61DA27B229B}"/>
               </a:ext>
             </a:extLst>
           </p:cNvPr>
@@ -7620,55 +7696,60 @@
         </p:nvSpPr>
         <p:spPr>
           <a:xfrm>
-            <a:off x="838200" y="341221"/>
+            <a:off x="838200" y="265973"/>
             <a:ext cx="10515600" cy="1056686"/>
           </a:xfrm>
         </p:spPr>
         <p:txBody>
-          <a:bodyPr>
-            <a:noAutofit/>
-          </a:bodyPr>
+          <a:bodyPr/>
           <a:lstStyle/>
           <a:p>
             <a:r>
-              <a:rPr lang="en-US" sz="3200" dirty="0"/>
-              <a:t>Stochastic Collocation – Quadrature Rule – Bandgap Size</a:t>
-            </a:r>
-          </a:p>
-        </p:txBody>
-      </p:sp>
-      <p:pic>
-        <p:nvPicPr>
-          <p:cNvPr id="5" name="Content Placeholder 4">
-            <a:extLst>
-              <a:ext uri="{FF2B5EF4-FFF2-40B4-BE49-F238E27FC236}">
-                <a16:creationId xmlns:a16="http://schemas.microsoft.com/office/drawing/2014/main" id="{CAE9A72B-8A68-6F30-1013-174001A44746}"/>
-              </a:ext>
-            </a:extLst>
-          </p:cNvPr>
-          <p:cNvPicPr>
-            <a:picLocks noGrp="1" noChangeAspect="1"/>
-          </p:cNvPicPr>
+              <a:rPr lang="en-US" sz="4400" dirty="0"/>
+              <a:t>Stochastic Collocation – Quadrature Rule</a:t>
+            </a:r>
+            <a:endParaRPr lang="en-US" dirty="0"/>
+          </a:p>
+        </p:txBody>
+      </p:sp>
+      <p:sp>
+        <p:nvSpPr>
+          <p:cNvPr id="3" name="Content Placeholder 2">
+            <a:extLst>
+              <a:ext uri="{FF2B5EF4-FFF2-40B4-BE49-F238E27FC236}">
+                <a16:creationId xmlns:a16="http://schemas.microsoft.com/office/drawing/2014/main" id="{C5AD6461-80F6-D156-FBF4-9DA7849BE8B4}"/>
+              </a:ext>
+            </a:extLst>
+          </p:cNvPr>
+          <p:cNvSpPr>
+            <a:spLocks noGrp="1"/>
+          </p:cNvSpPr>
           <p:nvPr>
             <p:ph idx="1"/>
           </p:nvPr>
-        </p:nvPicPr>
-        <p:blipFill>
-          <a:blip r:embed="rId2"/>
-          <a:srcRect/>
-          <a:stretch/>
-        </p:blipFill>
-        <p:spPr>
-          <a:xfrm>
-            <a:off x="838200" y="1626802"/>
-            <a:ext cx="10515600" cy="4361634"/>
-          </a:xfrm>
-        </p:spPr>
-      </p:pic>
+        </p:nvSpPr>
+        <p:spPr/>
+        <p:txBody>
+          <a:bodyPr/>
+          <a:lstStyle/>
+          <a:p>
+            <a:r>
+              <a:rPr lang="en-US" dirty="0"/>
+              <a:t>A variation of stochastic collocation where the orthogonal polynomials are fitted to specific points with weights, generated by using a rule function on the input distribution.</a:t>
+            </a:r>
+          </a:p>
+          <a:p>
+            <a:r>
+              <a:rPr lang="en-US" dirty="0"/>
+              <a:t>Extremely efficient at low dimensions, however points needed scales as s = (p + 1)^d, where s is the number of samples needed, p is the order of polynomial fit, and d is the dimensionality of the input space. This method therefore becomes very expensive very quickly as d increases.</a:t>
+            </a:r>
+          </a:p>
+        </p:txBody>
+      </p:sp>
     </p:spTree>
     <p:extLst>
       <p:ext uri="{BB962C8B-B14F-4D97-AF65-F5344CB8AC3E}">
-        <p14:creationId xmlns:p14="http://schemas.microsoft.com/office/powerpoint/2010/main" val="2296558744"/>
+        <p14:creationId xmlns:p14="http://schemas.microsoft.com/office/powerpoint/2010/main" val="2229525489"/>
       </p:ext>
     </p:extLst>
   </p:cSld>
@@ -7713,8 +7794,8 @@
         </p:nvSpPr>
         <p:spPr>
           <a:xfrm>
-            <a:off x="730120" y="341221"/>
-            <a:ext cx="10731759" cy="1056686"/>
+            <a:off x="838200" y="341221"/>
+            <a:ext cx="10515600" cy="1056686"/>
           </a:xfrm>
         </p:spPr>
         <p:txBody>
@@ -7725,7 +7806,7 @@
           <a:p>
             <a:r>
               <a:rPr lang="en-US" sz="3200" dirty="0"/>
-              <a:t>Stochastic Collocation – Quadrature Rule – Bandgap Center</a:t>
+              <a:t>Stochastic Collocation – Quadrature Rule – Bandgap Size</a:t>
             </a:r>
           </a:p>
         </p:txBody>
@@ -7761,7 +7842,7 @@
     </p:spTree>
     <p:extLst>
       <p:ext uri="{BB962C8B-B14F-4D97-AF65-F5344CB8AC3E}">
-        <p14:creationId xmlns:p14="http://schemas.microsoft.com/office/powerpoint/2010/main" val="2358216360"/>
+        <p14:creationId xmlns:p14="http://schemas.microsoft.com/office/powerpoint/2010/main" val="2296558744"/>
       </p:ext>
     </p:extLst>
   </p:cSld>
@@ -7806,8 +7887,8 @@
         </p:nvSpPr>
         <p:spPr>
           <a:xfrm>
-            <a:off x="838200" y="341221"/>
-            <a:ext cx="10515600" cy="1056686"/>
+            <a:off x="730120" y="341221"/>
+            <a:ext cx="10731759" cy="1056686"/>
           </a:xfrm>
         </p:spPr>
         <p:txBody>
@@ -7818,7 +7899,7 @@
           <a:p>
             <a:r>
               <a:rPr lang="en-US" sz="3200" dirty="0"/>
-              <a:t>Stochastic Collocation – Quadrature Rule – Bandgap Top</a:t>
+              <a:t>Stochastic Collocation – Quadrature Rule – Bandgap Center</a:t>
             </a:r>
           </a:p>
         </p:txBody>
@@ -7854,7 +7935,7 @@
     </p:spTree>
     <p:extLst>
       <p:ext uri="{BB962C8B-B14F-4D97-AF65-F5344CB8AC3E}">
-        <p14:creationId xmlns:p14="http://schemas.microsoft.com/office/powerpoint/2010/main" val="2271108801"/>
+        <p14:creationId xmlns:p14="http://schemas.microsoft.com/office/powerpoint/2010/main" val="2358216360"/>
       </p:ext>
     </p:extLst>
   </p:cSld>
@@ -7899,8 +7980,8 @@
         </p:nvSpPr>
         <p:spPr>
           <a:xfrm>
-            <a:off x="730120" y="341221"/>
-            <a:ext cx="10731759" cy="1056686"/>
+            <a:off x="838200" y="341221"/>
+            <a:ext cx="10515600" cy="1056686"/>
           </a:xfrm>
         </p:spPr>
         <p:txBody>
@@ -7911,7 +7992,7 @@
           <a:p>
             <a:r>
               <a:rPr lang="en-US" sz="3200" dirty="0"/>
-              <a:t>Stochastic Collocation – Quadrature Rule – Bandgap Bottom</a:t>
+              <a:t>Stochastic Collocation – Quadrature Rule – Bandgap Top</a:t>
             </a:r>
           </a:p>
         </p:txBody>
@@ -7947,7 +8028,7 @@
     </p:spTree>
     <p:extLst>
       <p:ext uri="{BB962C8B-B14F-4D97-AF65-F5344CB8AC3E}">
-        <p14:creationId xmlns:p14="http://schemas.microsoft.com/office/powerpoint/2010/main" val="1348473648"/>
+        <p14:creationId xmlns:p14="http://schemas.microsoft.com/office/powerpoint/2010/main" val="2271108801"/>
       </p:ext>
     </p:extLst>
   </p:cSld>
@@ -7979,7 +8060,7 @@
           <p:cNvPr id="2" name="Title 1">
             <a:extLst>
               <a:ext uri="{FF2B5EF4-FFF2-40B4-BE49-F238E27FC236}">
-                <a16:creationId xmlns:a16="http://schemas.microsoft.com/office/drawing/2014/main" id="{EA484178-6ED4-2998-2632-83D0A0FF0D35}"/>
+                <a16:creationId xmlns:a16="http://schemas.microsoft.com/office/drawing/2014/main" id="{6DCC4830-BA42-B1C9-F66B-F78F9E32BB1D}"/>
               </a:ext>
             </a:extLst>
           </p:cNvPr>
@@ -7990,121 +8071,57 @@
             <p:ph type="title"/>
           </p:nvPr>
         </p:nvSpPr>
-        <p:spPr/>
-        <p:txBody>
-          <a:bodyPr/>
+        <p:spPr>
+          <a:xfrm>
+            <a:off x="730120" y="341221"/>
+            <a:ext cx="10731759" cy="1056686"/>
+          </a:xfrm>
+        </p:spPr>
+        <p:txBody>
+          <a:bodyPr>
+            <a:noAutofit/>
+          </a:bodyPr>
           <a:lstStyle/>
           <a:p>
             <a:r>
-              <a:rPr lang="en-US" dirty="0"/>
-              <a:t>1D PCE Fits</a:t>
-            </a:r>
-          </a:p>
-        </p:txBody>
-      </p:sp>
-      <p:sp>
-        <p:nvSpPr>
-          <p:cNvPr id="3" name="Content Placeholder 2">
-            <a:extLst>
-              <a:ext uri="{FF2B5EF4-FFF2-40B4-BE49-F238E27FC236}">
-                <a16:creationId xmlns:a16="http://schemas.microsoft.com/office/drawing/2014/main" id="{F1238953-6B6C-9866-7402-40977869F30D}"/>
-              </a:ext>
-            </a:extLst>
-          </p:cNvPr>
-          <p:cNvSpPr>
-            <a:spLocks noGrp="1"/>
-          </p:cNvSpPr>
+              <a:rPr lang="en-US" sz="3200" dirty="0"/>
+              <a:t>Stochastic Collocation – Quadrature Rule – Bandgap Bottom</a:t>
+            </a:r>
+          </a:p>
+        </p:txBody>
+      </p:sp>
+      <p:pic>
+        <p:nvPicPr>
+          <p:cNvPr id="5" name="Content Placeholder 4">
+            <a:extLst>
+              <a:ext uri="{FF2B5EF4-FFF2-40B4-BE49-F238E27FC236}">
+                <a16:creationId xmlns:a16="http://schemas.microsoft.com/office/drawing/2014/main" id="{CAE9A72B-8A68-6F30-1013-174001A44746}"/>
+              </a:ext>
+            </a:extLst>
+          </p:cNvPr>
+          <p:cNvPicPr>
+            <a:picLocks noGrp="1" noChangeAspect="1"/>
+          </p:cNvPicPr>
           <p:nvPr>
             <p:ph idx="1"/>
           </p:nvPr>
-        </p:nvSpPr>
-        <p:spPr/>
-        <p:txBody>
-          <a:bodyPr/>
-          <a:lstStyle/>
-          <a:p>
-            <a:r>
-              <a:rPr lang="en-US" dirty="0"/>
-              <a:t>The following figures are for 1 input, 1 output scenarios, whereby the other 5 inputs are held at the following default values:</a:t>
-            </a:r>
-          </a:p>
-          <a:p>
-            <a:pPr lvl="1"/>
-            <a:r>
-              <a:rPr lang="en-US" dirty="0" err="1"/>
-              <a:t>E_soft</a:t>
-            </a:r>
-            <a:r>
-              <a:rPr lang="en-US" dirty="0"/>
-              <a:t>: 200 MPa</a:t>
-            </a:r>
-          </a:p>
-          <a:p>
-            <a:pPr lvl="1"/>
-            <a:r>
-              <a:rPr lang="en-US" dirty="0" err="1"/>
-              <a:t>E_hard</a:t>
-            </a:r>
-            <a:r>
-              <a:rPr lang="en-US" dirty="0"/>
-              <a:t>: 200 </a:t>
-            </a:r>
-            <a:r>
-              <a:rPr lang="en-US" dirty="0" err="1"/>
-              <a:t>GPa</a:t>
-            </a:r>
-            <a:endParaRPr lang="en-US" dirty="0"/>
-          </a:p>
-          <a:p>
-            <a:pPr lvl="1"/>
-            <a:r>
-              <a:rPr lang="en-US" dirty="0" err="1"/>
-              <a:t>Rho_soft</a:t>
-            </a:r>
-            <a:r>
-              <a:rPr lang="en-US" dirty="0"/>
-              <a:t>: 1000 kg/m^3</a:t>
-            </a:r>
-          </a:p>
-          <a:p>
-            <a:pPr lvl="1"/>
-            <a:r>
-              <a:rPr lang="en-US" dirty="0" err="1"/>
-              <a:t>Rho_hard</a:t>
-            </a:r>
-            <a:r>
-              <a:rPr lang="en-US" dirty="0"/>
-              <a:t>: 8000 kg/m^3</a:t>
-            </a:r>
-          </a:p>
-          <a:p>
-            <a:pPr lvl="1"/>
-            <a:r>
-              <a:rPr lang="en-US" dirty="0" err="1"/>
-              <a:t>PR_soft</a:t>
-            </a:r>
-            <a:r>
-              <a:rPr lang="en-US" dirty="0"/>
-              <a:t>: 0</a:t>
-            </a:r>
-          </a:p>
-          <a:p>
-            <a:pPr lvl="1"/>
-            <a:r>
-              <a:rPr lang="en-US" dirty="0" err="1"/>
-              <a:t>PR_hard</a:t>
-            </a:r>
-            <a:r>
-              <a:rPr lang="en-US" dirty="0"/>
-              <a:t>: 0.5</a:t>
-            </a:r>
-          </a:p>
-        </p:txBody>
-      </p:sp>
+        </p:nvPicPr>
+        <p:blipFill>
+          <a:blip r:embed="rId2"/>
+          <a:srcRect/>
+          <a:stretch/>
+        </p:blipFill>
+        <p:spPr>
+          <a:xfrm>
+            <a:off x="838200" y="1626802"/>
+            <a:ext cx="10515600" cy="4361634"/>
+          </a:xfrm>
+        </p:spPr>
+      </p:pic>
     </p:spTree>
     <p:extLst>
       <p:ext uri="{BB962C8B-B14F-4D97-AF65-F5344CB8AC3E}">
-        <p14:creationId xmlns:p14="http://schemas.microsoft.com/office/powerpoint/2010/main" val="3582712087"/>
+        <p14:creationId xmlns:p14="http://schemas.microsoft.com/office/powerpoint/2010/main" val="1348473648"/>
       </p:ext>
     </p:extLst>
   </p:cSld>
@@ -8136,7 +8153,7 @@
           <p:cNvPr id="2" name="Title 1">
             <a:extLst>
               <a:ext uri="{FF2B5EF4-FFF2-40B4-BE49-F238E27FC236}">
-                <a16:creationId xmlns:a16="http://schemas.microsoft.com/office/drawing/2014/main" id="{6DCC4830-BA42-B1C9-F66B-F78F9E32BB1D}"/>
+                <a16:creationId xmlns:a16="http://schemas.microsoft.com/office/drawing/2014/main" id="{EA484178-6ED4-2998-2632-83D0A0FF0D35}"/>
               </a:ext>
             </a:extLst>
           </p:cNvPr>
@@ -8147,66 +8164,121 @@
             <p:ph type="title"/>
           </p:nvPr>
         </p:nvSpPr>
-        <p:spPr>
-          <a:xfrm>
-            <a:off x="730120" y="341221"/>
-            <a:ext cx="10731759" cy="1056686"/>
-          </a:xfrm>
-        </p:spPr>
-        <p:txBody>
-          <a:bodyPr>
-            <a:noAutofit/>
-          </a:bodyPr>
+        <p:spPr/>
+        <p:txBody>
+          <a:bodyPr/>
           <a:lstStyle/>
           <a:p>
-            <a:pPr algn="ctr"/>
-            <a:r>
-              <a:rPr lang="en-US" sz="3200" dirty="0"/>
-              <a:t>100, 1000, &amp; 10000 MC </a:t>
-            </a:r>
-            <a:r>
-              <a:rPr lang="en-US" sz="3200" dirty="0" err="1"/>
+            <a:r>
+              <a:rPr lang="en-US" dirty="0"/>
+              <a:t>1D PCE Fits</a:t>
+            </a:r>
+          </a:p>
+        </p:txBody>
+      </p:sp>
+      <p:sp>
+        <p:nvSpPr>
+          <p:cNvPr id="3" name="Content Placeholder 2">
+            <a:extLst>
+              <a:ext uri="{FF2B5EF4-FFF2-40B4-BE49-F238E27FC236}">
+                <a16:creationId xmlns:a16="http://schemas.microsoft.com/office/drawing/2014/main" id="{F1238953-6B6C-9866-7402-40977869F30D}"/>
+              </a:ext>
+            </a:extLst>
+          </p:cNvPr>
+          <p:cNvSpPr>
+            <a:spLocks noGrp="1"/>
+          </p:cNvSpPr>
+          <p:nvPr>
+            <p:ph idx="1"/>
+          </p:nvPr>
+        </p:nvSpPr>
+        <p:spPr/>
+        <p:txBody>
+          <a:bodyPr/>
+          <a:lstStyle/>
+          <a:p>
+            <a:r>
+              <a:rPr lang="en-US" dirty="0"/>
+              <a:t>The following figures are for 1 input, 1 output scenarios, whereby the other 5 inputs are held at the following default values:</a:t>
+            </a:r>
+          </a:p>
+          <a:p>
+            <a:pPr lvl="1"/>
+            <a:r>
+              <a:rPr lang="en-US" dirty="0" err="1"/>
               <a:t>E_soft</a:t>
             </a:r>
             <a:r>
-              <a:rPr lang="en-US" sz="3200" dirty="0"/>
-              <a:t> &amp; Bandgap Sizes</a:t>
-            </a:r>
-          </a:p>
-        </p:txBody>
-      </p:sp>
-      <p:pic>
-        <p:nvPicPr>
-          <p:cNvPr id="7" name="Content Placeholder 6">
-            <a:extLst>
-              <a:ext uri="{FF2B5EF4-FFF2-40B4-BE49-F238E27FC236}">
-                <a16:creationId xmlns:a16="http://schemas.microsoft.com/office/drawing/2014/main" id="{45C121E0-2D9F-1F26-2360-E24CA0CD5905}"/>
-              </a:ext>
-            </a:extLst>
-          </p:cNvPr>
-          <p:cNvPicPr>
-            <a:picLocks noGrp="1" noChangeAspect="1"/>
-          </p:cNvPicPr>
-          <p:nvPr>
-            <p:ph idx="1"/>
-          </p:nvPr>
-        </p:nvPicPr>
-        <p:blipFill>
-          <a:blip r:embed="rId2"/>
-          <a:srcRect/>
-          <a:stretch/>
-        </p:blipFill>
-        <p:spPr>
-          <a:xfrm>
-            <a:off x="1337301" y="1438275"/>
-            <a:ext cx="9517398" cy="4738688"/>
-          </a:xfrm>
-        </p:spPr>
-      </p:pic>
+              <a:rPr lang="en-US" dirty="0"/>
+              <a:t>: 200 MPa</a:t>
+            </a:r>
+          </a:p>
+          <a:p>
+            <a:pPr lvl="1"/>
+            <a:r>
+              <a:rPr lang="en-US" dirty="0" err="1"/>
+              <a:t>E_hard</a:t>
+            </a:r>
+            <a:r>
+              <a:rPr lang="en-US" dirty="0"/>
+              <a:t>: 200 </a:t>
+            </a:r>
+            <a:r>
+              <a:rPr lang="en-US" dirty="0" err="1"/>
+              <a:t>GPa</a:t>
+            </a:r>
+            <a:endParaRPr lang="en-US" dirty="0"/>
+          </a:p>
+          <a:p>
+            <a:pPr lvl="1"/>
+            <a:r>
+              <a:rPr lang="en-US" dirty="0" err="1"/>
+              <a:t>Rho_soft</a:t>
+            </a:r>
+            <a:r>
+              <a:rPr lang="en-US" dirty="0"/>
+              <a:t>: 1000 kg/m^3</a:t>
+            </a:r>
+          </a:p>
+          <a:p>
+            <a:pPr lvl="1"/>
+            <a:r>
+              <a:rPr lang="en-US" dirty="0" err="1"/>
+              <a:t>Rho_hard</a:t>
+            </a:r>
+            <a:r>
+              <a:rPr lang="en-US" dirty="0"/>
+              <a:t>: 8000 kg/m^3</a:t>
+            </a:r>
+          </a:p>
+          <a:p>
+            <a:pPr lvl="1"/>
+            <a:r>
+              <a:rPr lang="en-US" dirty="0" err="1"/>
+              <a:t>PR_soft</a:t>
+            </a:r>
+            <a:r>
+              <a:rPr lang="en-US" dirty="0"/>
+              <a:t>: 0</a:t>
+            </a:r>
+          </a:p>
+          <a:p>
+            <a:pPr lvl="1"/>
+            <a:r>
+              <a:rPr lang="en-US" dirty="0" err="1"/>
+              <a:t>PR_hard</a:t>
+            </a:r>
+            <a:r>
+              <a:rPr lang="en-US" dirty="0"/>
+              <a:t>: 0.5</a:t>
+            </a:r>
+          </a:p>
+        </p:txBody>
+      </p:sp>
     </p:spTree>
     <p:extLst>
       <p:ext uri="{BB962C8B-B14F-4D97-AF65-F5344CB8AC3E}">
-        <p14:creationId xmlns:p14="http://schemas.microsoft.com/office/powerpoint/2010/main" val="3772126645"/>
+        <p14:creationId xmlns:p14="http://schemas.microsoft.com/office/powerpoint/2010/main" val="3582712087"/>
       </p:ext>
     </p:extLst>
   </p:cSld>
@@ -8272,7 +8344,7 @@
             </a:r>
             <a:r>
               <a:rPr lang="en-US" sz="3200" dirty="0"/>
-              <a:t> &amp; Bandgap Centers</a:t>
+              <a:t> &amp; Bandgap Sizes</a:t>
             </a:r>
           </a:p>
         </p:txBody>
@@ -8308,7 +8380,7 @@
     </p:spTree>
     <p:extLst>
       <p:ext uri="{BB962C8B-B14F-4D97-AF65-F5344CB8AC3E}">
-        <p14:creationId xmlns:p14="http://schemas.microsoft.com/office/powerpoint/2010/main" val="2587583216"/>
+        <p14:creationId xmlns:p14="http://schemas.microsoft.com/office/powerpoint/2010/main" val="3772126645"/>
       </p:ext>
     </p:extLst>
   </p:cSld>
@@ -8462,7 +8534,7 @@
           <p:cNvPr id="2" name="Title 1">
             <a:extLst>
               <a:ext uri="{FF2B5EF4-FFF2-40B4-BE49-F238E27FC236}">
-                <a16:creationId xmlns:a16="http://schemas.microsoft.com/office/drawing/2014/main" id="{A4E5947E-1FD9-9A25-FE35-BC5561529035}"/>
+                <a16:creationId xmlns:a16="http://schemas.microsoft.com/office/drawing/2014/main" id="{6DCC4830-BA42-B1C9-F66B-F78F9E32BB1D}"/>
               </a:ext>
             </a:extLst>
           </p:cNvPr>
@@ -8473,34 +8545,40 @@
             <p:ph type="title"/>
           </p:nvPr>
         </p:nvSpPr>
-        <p:spPr/>
+        <p:spPr>
+          <a:xfrm>
+            <a:off x="730120" y="341221"/>
+            <a:ext cx="10731759" cy="1056686"/>
+          </a:xfrm>
+        </p:spPr>
         <p:txBody>
           <a:bodyPr>
             <a:noAutofit/>
           </a:bodyPr>
           <a:lstStyle/>
           <a:p>
-            <a:r>
-              <a:rPr lang="en-US" sz="2800" dirty="0"/>
-              <a:t>Stochastic Collocation 1D Quadrature – </a:t>
-            </a:r>
-            <a:r>
-              <a:rPr lang="en-US" sz="2800" dirty="0" err="1"/>
+            <a:pPr algn="ctr"/>
+            <a:r>
+              <a:rPr lang="en-US" sz="3200" dirty="0"/>
+              <a:t>100, 1000, &amp; 10000 MC </a:t>
+            </a:r>
+            <a:r>
+              <a:rPr lang="en-US" sz="3200" dirty="0" err="1"/>
               <a:t>E_soft</a:t>
             </a:r>
             <a:r>
-              <a:rPr lang="en-US" sz="2800" dirty="0"/>
-              <a:t> – Bandgap Size</a:t>
+              <a:rPr lang="en-US" sz="3200" dirty="0"/>
+              <a:t> &amp; Bandgap Centers</a:t>
             </a:r>
           </a:p>
         </p:txBody>
       </p:sp>
       <p:pic>
         <p:nvPicPr>
-          <p:cNvPr id="5" name="Content Placeholder 4" descr="A graph with a red line&#10;&#10;Description automatically generated with low confidence">
-            <a:extLst>
-              <a:ext uri="{FF2B5EF4-FFF2-40B4-BE49-F238E27FC236}">
-                <a16:creationId xmlns:a16="http://schemas.microsoft.com/office/drawing/2014/main" id="{E481CCDB-BDC4-87DA-0787-F2BA39A1E2AE}"/>
+          <p:cNvPr id="7" name="Content Placeholder 6">
+            <a:extLst>
+              <a:ext uri="{FF2B5EF4-FFF2-40B4-BE49-F238E27FC236}">
+                <a16:creationId xmlns:a16="http://schemas.microsoft.com/office/drawing/2014/main" id="{45C121E0-2D9F-1F26-2360-E24CA0CD5905}"/>
               </a:ext>
             </a:extLst>
           </p:cNvPr>
@@ -8513,50 +8591,20 @@
         </p:nvPicPr>
         <p:blipFill>
           <a:blip r:embed="rId2"/>
-          <a:stretch>
-            <a:fillRect/>
-          </a:stretch>
-        </p:blipFill>
-        <p:spPr>
-          <a:xfrm>
-            <a:off x="97524" y="1293872"/>
-            <a:ext cx="5998476" cy="4270256"/>
-          </a:xfrm>
-        </p:spPr>
-      </p:pic>
-      <p:pic>
-        <p:nvPicPr>
-          <p:cNvPr id="6" name="Content Placeholder 4">
-            <a:extLst>
-              <a:ext uri="{FF2B5EF4-FFF2-40B4-BE49-F238E27FC236}">
-                <a16:creationId xmlns:a16="http://schemas.microsoft.com/office/drawing/2014/main" id="{E9363DFE-7C01-94EB-CEC4-D99A220009B8}"/>
-              </a:ext>
-            </a:extLst>
-          </p:cNvPr>
-          <p:cNvPicPr>
-            <a:picLocks noChangeAspect="1"/>
-          </p:cNvPicPr>
-          <p:nvPr/>
-        </p:nvPicPr>
-        <p:blipFill>
-          <a:blip r:embed="rId3"/>
           <a:srcRect/>
           <a:stretch/>
         </p:blipFill>
         <p:spPr>
           <a:xfrm>
-            <a:off x="6096000" y="1300362"/>
-            <a:ext cx="5998476" cy="4257276"/>
-          </a:xfrm>
-          <a:prstGeom prst="rect">
-            <a:avLst/>
-          </a:prstGeom>
+            <a:off x="1337301" y="1438275"/>
+            <a:ext cx="9517398" cy="4738688"/>
+          </a:xfrm>
         </p:spPr>
       </p:pic>
     </p:spTree>
     <p:extLst>
       <p:ext uri="{BB962C8B-B14F-4D97-AF65-F5344CB8AC3E}">
-        <p14:creationId xmlns:p14="http://schemas.microsoft.com/office/powerpoint/2010/main" val="3315475792"/>
+        <p14:creationId xmlns:p14="http://schemas.microsoft.com/office/powerpoint/2010/main" val="2587583216"/>
       </p:ext>
     </p:extLst>
   </p:cSld>
@@ -8588,7 +8636,7 @@
           <p:cNvPr id="2" name="Title 1">
             <a:extLst>
               <a:ext uri="{FF2B5EF4-FFF2-40B4-BE49-F238E27FC236}">
-                <a16:creationId xmlns:a16="http://schemas.microsoft.com/office/drawing/2014/main" id="{6DCC4830-BA42-B1C9-F66B-F78F9E32BB1D}"/>
+                <a16:creationId xmlns:a16="http://schemas.microsoft.com/office/drawing/2014/main" id="{A4E5947E-1FD9-9A25-FE35-BC5561529035}"/>
               </a:ext>
             </a:extLst>
           </p:cNvPr>
@@ -8599,40 +8647,34 @@
             <p:ph type="title"/>
           </p:nvPr>
         </p:nvSpPr>
-        <p:spPr>
-          <a:xfrm>
-            <a:off x="730120" y="341221"/>
-            <a:ext cx="10731759" cy="1056686"/>
-          </a:xfrm>
-        </p:spPr>
+        <p:spPr/>
         <p:txBody>
           <a:bodyPr>
             <a:noAutofit/>
           </a:bodyPr>
           <a:lstStyle/>
           <a:p>
-            <a:pPr algn="ctr"/>
-            <a:r>
-              <a:rPr lang="en-US" sz="3200" dirty="0"/>
-              <a:t>100, 1000, &amp; 10000 MC </a:t>
-            </a:r>
-            <a:r>
-              <a:rPr lang="en-US" sz="3200" dirty="0" err="1"/>
-              <a:t>E_hard</a:t>
-            </a:r>
-            <a:r>
-              <a:rPr lang="en-US" sz="3200" dirty="0"/>
-              <a:t> &amp; Bandgap Sizes</a:t>
+            <a:r>
+              <a:rPr lang="en-US" sz="2800" dirty="0"/>
+              <a:t>Stochastic Collocation 1D Quadrature – </a:t>
+            </a:r>
+            <a:r>
+              <a:rPr lang="en-US" sz="2800" dirty="0" err="1"/>
+              <a:t>E_soft</a:t>
+            </a:r>
+            <a:r>
+              <a:rPr lang="en-US" sz="2800" dirty="0"/>
+              <a:t> – Bandgap Size</a:t>
             </a:r>
           </a:p>
         </p:txBody>
       </p:sp>
       <p:pic>
         <p:nvPicPr>
-          <p:cNvPr id="7" name="Content Placeholder 6">
-            <a:extLst>
-              <a:ext uri="{FF2B5EF4-FFF2-40B4-BE49-F238E27FC236}">
-                <a16:creationId xmlns:a16="http://schemas.microsoft.com/office/drawing/2014/main" id="{45C121E0-2D9F-1F26-2360-E24CA0CD5905}"/>
+          <p:cNvPr id="5" name="Content Placeholder 4" descr="A graph with a red line&#10;&#10;Description automatically generated with low confidence">
+            <a:extLst>
+              <a:ext uri="{FF2B5EF4-FFF2-40B4-BE49-F238E27FC236}">
+                <a16:creationId xmlns:a16="http://schemas.microsoft.com/office/drawing/2014/main" id="{E481CCDB-BDC4-87DA-0787-F2BA39A1E2AE}"/>
               </a:ext>
             </a:extLst>
           </p:cNvPr>
@@ -8645,20 +8687,50 @@
         </p:nvPicPr>
         <p:blipFill>
           <a:blip r:embed="rId2"/>
+          <a:stretch>
+            <a:fillRect/>
+          </a:stretch>
+        </p:blipFill>
+        <p:spPr>
+          <a:xfrm>
+            <a:off x="97524" y="1293872"/>
+            <a:ext cx="5998476" cy="4270256"/>
+          </a:xfrm>
+        </p:spPr>
+      </p:pic>
+      <p:pic>
+        <p:nvPicPr>
+          <p:cNvPr id="6" name="Content Placeholder 4">
+            <a:extLst>
+              <a:ext uri="{FF2B5EF4-FFF2-40B4-BE49-F238E27FC236}">
+                <a16:creationId xmlns:a16="http://schemas.microsoft.com/office/drawing/2014/main" id="{E9363DFE-7C01-94EB-CEC4-D99A220009B8}"/>
+              </a:ext>
+            </a:extLst>
+          </p:cNvPr>
+          <p:cNvPicPr>
+            <a:picLocks noChangeAspect="1"/>
+          </p:cNvPicPr>
+          <p:nvPr/>
+        </p:nvPicPr>
+        <p:blipFill>
+          <a:blip r:embed="rId3"/>
           <a:srcRect/>
           <a:stretch/>
         </p:blipFill>
         <p:spPr>
           <a:xfrm>
-            <a:off x="1337301" y="1438275"/>
-            <a:ext cx="9517398" cy="4738688"/>
-          </a:xfrm>
+            <a:off x="6096000" y="1300362"/>
+            <a:ext cx="5998476" cy="4257276"/>
+          </a:xfrm>
+          <a:prstGeom prst="rect">
+            <a:avLst/>
+          </a:prstGeom>
         </p:spPr>
       </p:pic>
     </p:spTree>
     <p:extLst>
       <p:ext uri="{BB962C8B-B14F-4D97-AF65-F5344CB8AC3E}">
-        <p14:creationId xmlns:p14="http://schemas.microsoft.com/office/powerpoint/2010/main" val="3493700788"/>
+        <p14:creationId xmlns:p14="http://schemas.microsoft.com/office/powerpoint/2010/main" val="3315475792"/>
       </p:ext>
     </p:extLst>
   </p:cSld>
@@ -8724,7 +8796,7 @@
             </a:r>
             <a:r>
               <a:rPr lang="en-US" sz="3200" dirty="0"/>
-              <a:t> &amp; Bandgap Centers</a:t>
+              <a:t> &amp; Bandgap Sizes</a:t>
             </a:r>
           </a:p>
         </p:txBody>
@@ -8760,7 +8832,7 @@
     </p:spTree>
     <p:extLst>
       <p:ext uri="{BB962C8B-B14F-4D97-AF65-F5344CB8AC3E}">
-        <p14:creationId xmlns:p14="http://schemas.microsoft.com/office/powerpoint/2010/main" val="962386046"/>
+        <p14:creationId xmlns:p14="http://schemas.microsoft.com/office/powerpoint/2010/main" val="3493700788"/>
       </p:ext>
     </p:extLst>
   </p:cSld>
@@ -8792,7 +8864,7 @@
           <p:cNvPr id="2" name="Title 1">
             <a:extLst>
               <a:ext uri="{FF2B5EF4-FFF2-40B4-BE49-F238E27FC236}">
-                <a16:creationId xmlns:a16="http://schemas.microsoft.com/office/drawing/2014/main" id="{A4E5947E-1FD9-9A25-FE35-BC5561529035}"/>
+                <a16:creationId xmlns:a16="http://schemas.microsoft.com/office/drawing/2014/main" id="{6DCC4830-BA42-B1C9-F66B-F78F9E32BB1D}"/>
               </a:ext>
             </a:extLst>
           </p:cNvPr>
@@ -8803,34 +8875,40 @@
             <p:ph type="title"/>
           </p:nvPr>
         </p:nvSpPr>
-        <p:spPr/>
+        <p:spPr>
+          <a:xfrm>
+            <a:off x="730120" y="341221"/>
+            <a:ext cx="10731759" cy="1056686"/>
+          </a:xfrm>
+        </p:spPr>
         <p:txBody>
           <a:bodyPr>
             <a:noAutofit/>
           </a:bodyPr>
           <a:lstStyle/>
           <a:p>
-            <a:r>
-              <a:rPr lang="en-US" sz="2800" dirty="0"/>
-              <a:t>Stochastic Collocation 1D Quadrature – </a:t>
-            </a:r>
-            <a:r>
-              <a:rPr lang="en-US" sz="2800" dirty="0" err="1"/>
+            <a:pPr algn="ctr"/>
+            <a:r>
+              <a:rPr lang="en-US" sz="3200" dirty="0"/>
+              <a:t>100, 1000, &amp; 10000 MC </a:t>
+            </a:r>
+            <a:r>
+              <a:rPr lang="en-US" sz="3200" dirty="0" err="1"/>
               <a:t>E_hard</a:t>
             </a:r>
             <a:r>
-              <a:rPr lang="en-US" sz="2800" dirty="0"/>
-              <a:t> – Bandgap Size</a:t>
+              <a:rPr lang="en-US" sz="3200" dirty="0"/>
+              <a:t> &amp; Bandgap Centers</a:t>
             </a:r>
           </a:p>
         </p:txBody>
       </p:sp>
       <p:pic>
         <p:nvPicPr>
-          <p:cNvPr id="5" name="Content Placeholder 4">
-            <a:extLst>
-              <a:ext uri="{FF2B5EF4-FFF2-40B4-BE49-F238E27FC236}">
-                <a16:creationId xmlns:a16="http://schemas.microsoft.com/office/drawing/2014/main" id="{E481CCDB-BDC4-87DA-0787-F2BA39A1E2AE}"/>
+          <p:cNvPr id="7" name="Content Placeholder 6">
+            <a:extLst>
+              <a:ext uri="{FF2B5EF4-FFF2-40B4-BE49-F238E27FC236}">
+                <a16:creationId xmlns:a16="http://schemas.microsoft.com/office/drawing/2014/main" id="{45C121E0-2D9F-1F26-2360-E24CA0CD5905}"/>
               </a:ext>
             </a:extLst>
           </p:cNvPr>
@@ -8848,44 +8926,15 @@
         </p:blipFill>
         <p:spPr>
           <a:xfrm>
-            <a:off x="97524" y="1293872"/>
-            <a:ext cx="5998476" cy="4270256"/>
-          </a:xfrm>
-        </p:spPr>
-      </p:pic>
-      <p:pic>
-        <p:nvPicPr>
-          <p:cNvPr id="6" name="Content Placeholder 4">
-            <a:extLst>
-              <a:ext uri="{FF2B5EF4-FFF2-40B4-BE49-F238E27FC236}">
-                <a16:creationId xmlns:a16="http://schemas.microsoft.com/office/drawing/2014/main" id="{E9363DFE-7C01-94EB-CEC4-D99A220009B8}"/>
-              </a:ext>
-            </a:extLst>
-          </p:cNvPr>
-          <p:cNvPicPr>
-            <a:picLocks noChangeAspect="1"/>
-          </p:cNvPicPr>
-          <p:nvPr/>
-        </p:nvPicPr>
-        <p:blipFill>
-          <a:blip r:embed="rId3"/>
-          <a:srcRect/>
-          <a:stretch/>
-        </p:blipFill>
-        <p:spPr>
-          <a:xfrm>
-            <a:off x="6096000" y="1300362"/>
-            <a:ext cx="5998475" cy="4257276"/>
-          </a:xfrm>
-          <a:prstGeom prst="rect">
-            <a:avLst/>
-          </a:prstGeom>
+            <a:off x="1337301" y="1438275"/>
+            <a:ext cx="9517398" cy="4738688"/>
+          </a:xfrm>
         </p:spPr>
       </p:pic>
     </p:spTree>
     <p:extLst>
       <p:ext uri="{BB962C8B-B14F-4D97-AF65-F5344CB8AC3E}">
-        <p14:creationId xmlns:p14="http://schemas.microsoft.com/office/powerpoint/2010/main" val="6012088"/>
+        <p14:creationId xmlns:p14="http://schemas.microsoft.com/office/powerpoint/2010/main" val="962386046"/>
       </p:ext>
     </p:extLst>
   </p:cSld>
@@ -8917,7 +8966,7 @@
           <p:cNvPr id="2" name="Title 1">
             <a:extLst>
               <a:ext uri="{FF2B5EF4-FFF2-40B4-BE49-F238E27FC236}">
-                <a16:creationId xmlns:a16="http://schemas.microsoft.com/office/drawing/2014/main" id="{6DCC4830-BA42-B1C9-F66B-F78F9E32BB1D}"/>
+                <a16:creationId xmlns:a16="http://schemas.microsoft.com/office/drawing/2014/main" id="{A4E5947E-1FD9-9A25-FE35-BC5561529035}"/>
               </a:ext>
             </a:extLst>
           </p:cNvPr>
@@ -8928,40 +8977,34 @@
             <p:ph type="title"/>
           </p:nvPr>
         </p:nvSpPr>
-        <p:spPr>
-          <a:xfrm>
-            <a:off x="730120" y="341221"/>
-            <a:ext cx="10731759" cy="1056686"/>
-          </a:xfrm>
-        </p:spPr>
+        <p:spPr/>
         <p:txBody>
           <a:bodyPr>
             <a:noAutofit/>
           </a:bodyPr>
           <a:lstStyle/>
           <a:p>
-            <a:pPr algn="ctr"/>
-            <a:r>
-              <a:rPr lang="en-US" sz="3200" dirty="0"/>
-              <a:t>100, 1000, &amp; 10000 MC </a:t>
-            </a:r>
-            <a:r>
-              <a:rPr lang="en-US" sz="3200" dirty="0" err="1"/>
-              <a:t>Rho_soft</a:t>
-            </a:r>
-            <a:r>
-              <a:rPr lang="en-US" sz="3200" dirty="0"/>
-              <a:t> &amp; Bandgap Sizes</a:t>
+            <a:r>
+              <a:rPr lang="en-US" sz="2800" dirty="0"/>
+              <a:t>Stochastic Collocation 1D Quadrature – </a:t>
+            </a:r>
+            <a:r>
+              <a:rPr lang="en-US" sz="2800" dirty="0" err="1"/>
+              <a:t>E_hard</a:t>
+            </a:r>
+            <a:r>
+              <a:rPr lang="en-US" sz="2800" dirty="0"/>
+              <a:t> – Bandgap Size</a:t>
             </a:r>
           </a:p>
         </p:txBody>
       </p:sp>
       <p:pic>
         <p:nvPicPr>
-          <p:cNvPr id="7" name="Content Placeholder 6">
-            <a:extLst>
-              <a:ext uri="{FF2B5EF4-FFF2-40B4-BE49-F238E27FC236}">
-                <a16:creationId xmlns:a16="http://schemas.microsoft.com/office/drawing/2014/main" id="{45C121E0-2D9F-1F26-2360-E24CA0CD5905}"/>
+          <p:cNvPr id="5" name="Content Placeholder 4">
+            <a:extLst>
+              <a:ext uri="{FF2B5EF4-FFF2-40B4-BE49-F238E27FC236}">
+                <a16:creationId xmlns:a16="http://schemas.microsoft.com/office/drawing/2014/main" id="{E481CCDB-BDC4-87DA-0787-F2BA39A1E2AE}"/>
               </a:ext>
             </a:extLst>
           </p:cNvPr>
@@ -8979,15 +9022,44 @@
         </p:blipFill>
         <p:spPr>
           <a:xfrm>
-            <a:off x="1337301" y="1438275"/>
-            <a:ext cx="9517398" cy="4738688"/>
-          </a:xfrm>
+            <a:off x="97524" y="1293872"/>
+            <a:ext cx="5998476" cy="4270256"/>
+          </a:xfrm>
+        </p:spPr>
+      </p:pic>
+      <p:pic>
+        <p:nvPicPr>
+          <p:cNvPr id="6" name="Content Placeholder 4">
+            <a:extLst>
+              <a:ext uri="{FF2B5EF4-FFF2-40B4-BE49-F238E27FC236}">
+                <a16:creationId xmlns:a16="http://schemas.microsoft.com/office/drawing/2014/main" id="{E9363DFE-7C01-94EB-CEC4-D99A220009B8}"/>
+              </a:ext>
+            </a:extLst>
+          </p:cNvPr>
+          <p:cNvPicPr>
+            <a:picLocks noChangeAspect="1"/>
+          </p:cNvPicPr>
+          <p:nvPr/>
+        </p:nvPicPr>
+        <p:blipFill>
+          <a:blip r:embed="rId3"/>
+          <a:srcRect/>
+          <a:stretch/>
+        </p:blipFill>
+        <p:spPr>
+          <a:xfrm>
+            <a:off x="6096000" y="1300362"/>
+            <a:ext cx="5998475" cy="4257276"/>
+          </a:xfrm>
+          <a:prstGeom prst="rect">
+            <a:avLst/>
+          </a:prstGeom>
         </p:spPr>
       </p:pic>
     </p:spTree>
     <p:extLst>
       <p:ext uri="{BB962C8B-B14F-4D97-AF65-F5344CB8AC3E}">
-        <p14:creationId xmlns:p14="http://schemas.microsoft.com/office/powerpoint/2010/main" val="2167552379"/>
+        <p14:creationId xmlns:p14="http://schemas.microsoft.com/office/powerpoint/2010/main" val="6012088"/>
       </p:ext>
     </p:extLst>
   </p:cSld>
@@ -9049,11 +9121,11 @@
             </a:r>
             <a:r>
               <a:rPr lang="en-US" sz="3200" dirty="0" err="1"/>
-              <a:t>rho_soft</a:t>
+              <a:t>Rho_soft</a:t>
             </a:r>
             <a:r>
               <a:rPr lang="en-US" sz="3200" dirty="0"/>
-              <a:t> &amp; Bandgap Centers</a:t>
+              <a:t> &amp; Bandgap Sizes</a:t>
             </a:r>
           </a:p>
         </p:txBody>
@@ -9075,7 +9147,7 @@
           </p:nvPr>
         </p:nvPicPr>
         <p:blipFill>
-          <a:blip r:embed="rId3"/>
+          <a:blip r:embed="rId2"/>
           <a:srcRect/>
           <a:stretch/>
         </p:blipFill>
@@ -9089,18 +9161,13 @@
     </p:spTree>
     <p:extLst>
       <p:ext uri="{BB962C8B-B14F-4D97-AF65-F5344CB8AC3E}">
-        <p14:creationId xmlns:p14="http://schemas.microsoft.com/office/powerpoint/2010/main" val="523439960"/>
+        <p14:creationId xmlns:p14="http://schemas.microsoft.com/office/powerpoint/2010/main" val="2167552379"/>
       </p:ext>
     </p:extLst>
   </p:cSld>
   <p:clrMapOvr>
     <a:masterClrMapping/>
   </p:clrMapOvr>
-  <p:extLst>
-    <p:ext uri="{6950BFC3-D8DA-4A85-94F7-54DA5524770B}">
-      <p188:commentRel xmlns:p188="http://schemas.microsoft.com/office/powerpoint/2018/8/main" r:id="rId2"/>
-    </p:ext>
-  </p:extLst>
 </p:sld>
 </file>
 
@@ -9126,7 +9193,7 @@
           <p:cNvPr id="2" name="Title 1">
             <a:extLst>
               <a:ext uri="{FF2B5EF4-FFF2-40B4-BE49-F238E27FC236}">
-                <a16:creationId xmlns:a16="http://schemas.microsoft.com/office/drawing/2014/main" id="{A4E5947E-1FD9-9A25-FE35-BC5561529035}"/>
+                <a16:creationId xmlns:a16="http://schemas.microsoft.com/office/drawing/2014/main" id="{6DCC4830-BA42-B1C9-F66B-F78F9E32BB1D}"/>
               </a:ext>
             </a:extLst>
           </p:cNvPr>
@@ -9137,70 +9204,49 @@
             <p:ph type="title"/>
           </p:nvPr>
         </p:nvSpPr>
-        <p:spPr/>
+        <p:spPr>
+          <a:xfrm>
+            <a:off x="730120" y="341221"/>
+            <a:ext cx="10731759" cy="1056686"/>
+          </a:xfrm>
+        </p:spPr>
         <p:txBody>
           <a:bodyPr>
             <a:noAutofit/>
           </a:bodyPr>
           <a:lstStyle/>
           <a:p>
-            <a:r>
-              <a:rPr lang="en-US" sz="2800" dirty="0"/>
-              <a:t>Stochastic Collocation 1D Quadrature – </a:t>
-            </a:r>
-            <a:r>
-              <a:rPr lang="en-US" sz="2800" dirty="0" err="1"/>
+            <a:pPr algn="ctr"/>
+            <a:r>
+              <a:rPr lang="en-US" sz="3200" dirty="0"/>
+              <a:t>100, 1000, &amp; 10000 MC </a:t>
+            </a:r>
+            <a:r>
+              <a:rPr lang="en-US" sz="3200" dirty="0" err="1"/>
               <a:t>rho_soft</a:t>
             </a:r>
             <a:r>
-              <a:rPr lang="en-US" sz="2800" dirty="0"/>
-              <a:t> – Bandgap Size</a:t>
+              <a:rPr lang="en-US" sz="3200" dirty="0"/>
+              <a:t> &amp; Bandgap Centers</a:t>
             </a:r>
           </a:p>
         </p:txBody>
       </p:sp>
       <p:pic>
         <p:nvPicPr>
-          <p:cNvPr id="3" name="Content Placeholder 4">
-            <a:extLst>
-              <a:ext uri="{FF2B5EF4-FFF2-40B4-BE49-F238E27FC236}">
-                <a16:creationId xmlns:a16="http://schemas.microsoft.com/office/drawing/2014/main" id="{1C739005-B4B3-37FB-BA7A-F1409391C1DB}"/>
+          <p:cNvPr id="7" name="Content Placeholder 6">
+            <a:extLst>
+              <a:ext uri="{FF2B5EF4-FFF2-40B4-BE49-F238E27FC236}">
+                <a16:creationId xmlns:a16="http://schemas.microsoft.com/office/drawing/2014/main" id="{45C121E0-2D9F-1F26-2360-E24CA0CD5905}"/>
               </a:ext>
             </a:extLst>
           </p:cNvPr>
           <p:cNvPicPr>
-            <a:picLocks noChangeAspect="1"/>
+            <a:picLocks noGrp="1" noChangeAspect="1"/>
           </p:cNvPicPr>
-          <p:nvPr/>
-        </p:nvPicPr>
-        <p:blipFill>
-          <a:blip r:embed="rId2"/>
-          <a:srcRect/>
-          <a:stretch/>
-        </p:blipFill>
-        <p:spPr>
-          <a:xfrm>
-            <a:off x="134100" y="1293872"/>
-            <a:ext cx="5925324" cy="4270256"/>
-          </a:xfrm>
-          <a:prstGeom prst="rect">
-            <a:avLst/>
-          </a:prstGeom>
-        </p:spPr>
-      </p:pic>
-      <p:pic>
-        <p:nvPicPr>
-          <p:cNvPr id="5" name="Content Placeholder 4">
-            <a:extLst>
-              <a:ext uri="{FF2B5EF4-FFF2-40B4-BE49-F238E27FC236}">
-                <a16:creationId xmlns:a16="http://schemas.microsoft.com/office/drawing/2014/main" id="{942B7815-0639-2204-5B85-6081319074D7}"/>
-              </a:ext>
-            </a:extLst>
-          </p:cNvPr>
-          <p:cNvPicPr>
-            <a:picLocks noChangeAspect="1"/>
-          </p:cNvPicPr>
-          <p:nvPr/>
+          <p:nvPr>
+            <p:ph idx="1"/>
+          </p:nvPr>
         </p:nvPicPr>
         <p:blipFill>
           <a:blip r:embed="rId3"/>
@@ -9209,24 +9255,26 @@
         </p:blipFill>
         <p:spPr>
           <a:xfrm>
-            <a:off x="6096001" y="1300362"/>
-            <a:ext cx="5998473" cy="4257275"/>
-          </a:xfrm>
-          <a:prstGeom prst="rect">
-            <a:avLst/>
-          </a:prstGeom>
+            <a:off x="1337301" y="1438275"/>
+            <a:ext cx="9517398" cy="4738688"/>
+          </a:xfrm>
         </p:spPr>
       </p:pic>
     </p:spTree>
     <p:extLst>
       <p:ext uri="{BB962C8B-B14F-4D97-AF65-F5344CB8AC3E}">
-        <p14:creationId xmlns:p14="http://schemas.microsoft.com/office/powerpoint/2010/main" val="52214635"/>
+        <p14:creationId xmlns:p14="http://schemas.microsoft.com/office/powerpoint/2010/main" val="523439960"/>
       </p:ext>
     </p:extLst>
   </p:cSld>
   <p:clrMapOvr>
     <a:masterClrMapping/>
   </p:clrMapOvr>
+  <p:extLst>
+    <p:ext uri="{6950BFC3-D8DA-4A85-94F7-54DA5524770B}">
+      <p188:commentRel xmlns:p188="http://schemas.microsoft.com/office/powerpoint/2018/8/main" r:id="rId2"/>
+    </p:ext>
+  </p:extLst>
 </p:sld>
 </file>
 
@@ -9252,7 +9300,7 @@
           <p:cNvPr id="2" name="Title 1">
             <a:extLst>
               <a:ext uri="{FF2B5EF4-FFF2-40B4-BE49-F238E27FC236}">
-                <a16:creationId xmlns:a16="http://schemas.microsoft.com/office/drawing/2014/main" id="{6DCC4830-BA42-B1C9-F66B-F78F9E32BB1D}"/>
+                <a16:creationId xmlns:a16="http://schemas.microsoft.com/office/drawing/2014/main" id="{A4E5947E-1FD9-9A25-FE35-BC5561529035}"/>
               </a:ext>
             </a:extLst>
           </p:cNvPr>
@@ -9263,49 +9311,41 @@
             <p:ph type="title"/>
           </p:nvPr>
         </p:nvSpPr>
-        <p:spPr>
-          <a:xfrm>
-            <a:off x="730120" y="341221"/>
-            <a:ext cx="10731759" cy="1056686"/>
-          </a:xfrm>
-        </p:spPr>
+        <p:spPr/>
         <p:txBody>
           <a:bodyPr>
             <a:noAutofit/>
           </a:bodyPr>
           <a:lstStyle/>
           <a:p>
-            <a:pPr algn="ctr"/>
-            <a:r>
-              <a:rPr lang="en-US" sz="3200" dirty="0"/>
-              <a:t>100, 1000, &amp; 10000 MC </a:t>
-            </a:r>
-            <a:r>
-              <a:rPr lang="en-US" sz="3200" dirty="0" err="1"/>
-              <a:t>rho_hard</a:t>
-            </a:r>
-            <a:r>
-              <a:rPr lang="en-US" sz="3200" dirty="0"/>
-              <a:t> &amp; Bandgap Sizes</a:t>
+            <a:r>
+              <a:rPr lang="en-US" sz="2800" dirty="0"/>
+              <a:t>Stochastic Collocation 1D Quadrature – </a:t>
+            </a:r>
+            <a:r>
+              <a:rPr lang="en-US" sz="2800" dirty="0" err="1"/>
+              <a:t>rho_soft</a:t>
+            </a:r>
+            <a:r>
+              <a:rPr lang="en-US" sz="2800" dirty="0"/>
+              <a:t> – Bandgap Size</a:t>
             </a:r>
           </a:p>
         </p:txBody>
       </p:sp>
       <p:pic>
         <p:nvPicPr>
-          <p:cNvPr id="7" name="Content Placeholder 6">
-            <a:extLst>
-              <a:ext uri="{FF2B5EF4-FFF2-40B4-BE49-F238E27FC236}">
-                <a16:creationId xmlns:a16="http://schemas.microsoft.com/office/drawing/2014/main" id="{45C121E0-2D9F-1F26-2360-E24CA0CD5905}"/>
+          <p:cNvPr id="3" name="Content Placeholder 4">
+            <a:extLst>
+              <a:ext uri="{FF2B5EF4-FFF2-40B4-BE49-F238E27FC236}">
+                <a16:creationId xmlns:a16="http://schemas.microsoft.com/office/drawing/2014/main" id="{1C739005-B4B3-37FB-BA7A-F1409391C1DB}"/>
               </a:ext>
             </a:extLst>
           </p:cNvPr>
           <p:cNvPicPr>
-            <a:picLocks noGrp="1" noChangeAspect="1"/>
+            <a:picLocks noChangeAspect="1"/>
           </p:cNvPicPr>
-          <p:nvPr>
-            <p:ph idx="1"/>
-          </p:nvPr>
+          <p:nvPr/>
         </p:nvPicPr>
         <p:blipFill>
           <a:blip r:embed="rId2"/>
@@ -9314,15 +9354,47 @@
         </p:blipFill>
         <p:spPr>
           <a:xfrm>
-            <a:off x="1337301" y="1438275"/>
-            <a:ext cx="9517398" cy="4738688"/>
-          </a:xfrm>
+            <a:off x="134100" y="1293872"/>
+            <a:ext cx="5925324" cy="4270256"/>
+          </a:xfrm>
+          <a:prstGeom prst="rect">
+            <a:avLst/>
+          </a:prstGeom>
+        </p:spPr>
+      </p:pic>
+      <p:pic>
+        <p:nvPicPr>
+          <p:cNvPr id="5" name="Content Placeholder 4">
+            <a:extLst>
+              <a:ext uri="{FF2B5EF4-FFF2-40B4-BE49-F238E27FC236}">
+                <a16:creationId xmlns:a16="http://schemas.microsoft.com/office/drawing/2014/main" id="{942B7815-0639-2204-5B85-6081319074D7}"/>
+              </a:ext>
+            </a:extLst>
+          </p:cNvPr>
+          <p:cNvPicPr>
+            <a:picLocks noChangeAspect="1"/>
+          </p:cNvPicPr>
+          <p:nvPr/>
+        </p:nvPicPr>
+        <p:blipFill>
+          <a:blip r:embed="rId3"/>
+          <a:srcRect/>
+          <a:stretch/>
+        </p:blipFill>
+        <p:spPr>
+          <a:xfrm>
+            <a:off x="6096001" y="1300362"/>
+            <a:ext cx="5998473" cy="4257275"/>
+          </a:xfrm>
+          <a:prstGeom prst="rect">
+            <a:avLst/>
+          </a:prstGeom>
         </p:spPr>
       </p:pic>
     </p:spTree>
     <p:extLst>
       <p:ext uri="{BB962C8B-B14F-4D97-AF65-F5344CB8AC3E}">
-        <p14:creationId xmlns:p14="http://schemas.microsoft.com/office/powerpoint/2010/main" val="1938568823"/>
+        <p14:creationId xmlns:p14="http://schemas.microsoft.com/office/powerpoint/2010/main" val="52214635"/>
       </p:ext>
     </p:extLst>
   </p:cSld>
@@ -9388,7 +9460,7 @@
             </a:r>
             <a:r>
               <a:rPr lang="en-US" sz="3200" dirty="0"/>
-              <a:t> &amp; Bandgap Centers</a:t>
+              <a:t> &amp; Bandgap Sizes</a:t>
             </a:r>
           </a:p>
         </p:txBody>
@@ -9424,7 +9496,7 @@
     </p:spTree>
     <p:extLst>
       <p:ext uri="{BB962C8B-B14F-4D97-AF65-F5344CB8AC3E}">
-        <p14:creationId xmlns:p14="http://schemas.microsoft.com/office/powerpoint/2010/main" val="603733736"/>
+        <p14:creationId xmlns:p14="http://schemas.microsoft.com/office/powerpoint/2010/main" val="1938568823"/>
       </p:ext>
     </p:extLst>
   </p:cSld>
@@ -9456,7 +9528,7 @@
           <p:cNvPr id="2" name="Title 1">
             <a:extLst>
               <a:ext uri="{FF2B5EF4-FFF2-40B4-BE49-F238E27FC236}">
-                <a16:creationId xmlns:a16="http://schemas.microsoft.com/office/drawing/2014/main" id="{A4E5947E-1FD9-9A25-FE35-BC5561529035}"/>
+                <a16:creationId xmlns:a16="http://schemas.microsoft.com/office/drawing/2014/main" id="{6DCC4830-BA42-B1C9-F66B-F78F9E32BB1D}"/>
               </a:ext>
             </a:extLst>
           </p:cNvPr>
@@ -9467,34 +9539,40 @@
             <p:ph type="title"/>
           </p:nvPr>
         </p:nvSpPr>
-        <p:spPr/>
+        <p:spPr>
+          <a:xfrm>
+            <a:off x="730120" y="341221"/>
+            <a:ext cx="10731759" cy="1056686"/>
+          </a:xfrm>
+        </p:spPr>
         <p:txBody>
           <a:bodyPr>
             <a:noAutofit/>
           </a:bodyPr>
           <a:lstStyle/>
           <a:p>
-            <a:r>
-              <a:rPr lang="en-US" sz="2800" dirty="0"/>
-              <a:t>Stochastic Collocation 1D Quadrature – </a:t>
-            </a:r>
-            <a:r>
-              <a:rPr lang="en-US" sz="2800" dirty="0" err="1"/>
+            <a:pPr algn="ctr"/>
+            <a:r>
+              <a:rPr lang="en-US" sz="3200" dirty="0"/>
+              <a:t>100, 1000, &amp; 10000 MC </a:t>
+            </a:r>
+            <a:r>
+              <a:rPr lang="en-US" sz="3200" dirty="0" err="1"/>
               <a:t>rho_hard</a:t>
             </a:r>
             <a:r>
-              <a:rPr lang="en-US" sz="2800" dirty="0"/>
-              <a:t> – Bandgap Size</a:t>
+              <a:rPr lang="en-US" sz="3200" dirty="0"/>
+              <a:t> &amp; Bandgap Centers</a:t>
             </a:r>
           </a:p>
         </p:txBody>
       </p:sp>
       <p:pic>
         <p:nvPicPr>
-          <p:cNvPr id="5" name="Content Placeholder 4">
-            <a:extLst>
-              <a:ext uri="{FF2B5EF4-FFF2-40B4-BE49-F238E27FC236}">
-                <a16:creationId xmlns:a16="http://schemas.microsoft.com/office/drawing/2014/main" id="{E481CCDB-BDC4-87DA-0787-F2BA39A1E2AE}"/>
+          <p:cNvPr id="7" name="Content Placeholder 6">
+            <a:extLst>
+              <a:ext uri="{FF2B5EF4-FFF2-40B4-BE49-F238E27FC236}">
+                <a16:creationId xmlns:a16="http://schemas.microsoft.com/office/drawing/2014/main" id="{45C121E0-2D9F-1F26-2360-E24CA0CD5905}"/>
               </a:ext>
             </a:extLst>
           </p:cNvPr>
@@ -9512,44 +9590,15 @@
         </p:blipFill>
         <p:spPr>
           <a:xfrm>
-            <a:off x="97524" y="1293872"/>
-            <a:ext cx="5998476" cy="4270256"/>
-          </a:xfrm>
-        </p:spPr>
-      </p:pic>
-      <p:pic>
-        <p:nvPicPr>
-          <p:cNvPr id="6" name="Content Placeholder 4">
-            <a:extLst>
-              <a:ext uri="{FF2B5EF4-FFF2-40B4-BE49-F238E27FC236}">
-                <a16:creationId xmlns:a16="http://schemas.microsoft.com/office/drawing/2014/main" id="{E9363DFE-7C01-94EB-CEC4-D99A220009B8}"/>
-              </a:ext>
-            </a:extLst>
-          </p:cNvPr>
-          <p:cNvPicPr>
-            <a:picLocks noChangeAspect="1"/>
-          </p:cNvPicPr>
-          <p:nvPr/>
-        </p:nvPicPr>
-        <p:blipFill>
-          <a:blip r:embed="rId3"/>
-          <a:srcRect/>
-          <a:stretch/>
-        </p:blipFill>
-        <p:spPr>
-          <a:xfrm>
-            <a:off x="6096000" y="1300362"/>
-            <a:ext cx="5998475" cy="4257275"/>
-          </a:xfrm>
-          <a:prstGeom prst="rect">
-            <a:avLst/>
-          </a:prstGeom>
+            <a:off x="1337301" y="1438275"/>
+            <a:ext cx="9517398" cy="4738688"/>
+          </a:xfrm>
         </p:spPr>
       </p:pic>
     </p:spTree>
     <p:extLst>
       <p:ext uri="{BB962C8B-B14F-4D97-AF65-F5344CB8AC3E}">
-        <p14:creationId xmlns:p14="http://schemas.microsoft.com/office/powerpoint/2010/main" val="3211597128"/>
+        <p14:creationId xmlns:p14="http://schemas.microsoft.com/office/powerpoint/2010/main" val="603733736"/>
       </p:ext>
     </p:extLst>
   </p:cSld>
@@ -9654,6 +9703,131 @@
 </file>
 
 <file path=ppt/slides/slide40.xml><?xml version="1.0" encoding="utf-8"?>
+<p:sld xmlns:a="http://schemas.openxmlformats.org/drawingml/2006/main" xmlns:r="http://schemas.openxmlformats.org/officeDocument/2006/relationships" xmlns:p="http://schemas.openxmlformats.org/presentationml/2006/main">
+  <p:cSld>
+    <p:spTree>
+      <p:nvGrpSpPr>
+        <p:cNvPr id="1" name=""/>
+        <p:cNvGrpSpPr/>
+        <p:nvPr/>
+      </p:nvGrpSpPr>
+      <p:grpSpPr>
+        <a:xfrm>
+          <a:off x="0" y="0"/>
+          <a:ext cx="0" cy="0"/>
+          <a:chOff x="0" y="0"/>
+          <a:chExt cx="0" cy="0"/>
+        </a:xfrm>
+      </p:grpSpPr>
+      <p:sp>
+        <p:nvSpPr>
+          <p:cNvPr id="2" name="Title 1">
+            <a:extLst>
+              <a:ext uri="{FF2B5EF4-FFF2-40B4-BE49-F238E27FC236}">
+                <a16:creationId xmlns:a16="http://schemas.microsoft.com/office/drawing/2014/main" id="{A4E5947E-1FD9-9A25-FE35-BC5561529035}"/>
+              </a:ext>
+            </a:extLst>
+          </p:cNvPr>
+          <p:cNvSpPr>
+            <a:spLocks noGrp="1"/>
+          </p:cNvSpPr>
+          <p:nvPr>
+            <p:ph type="title"/>
+          </p:nvPr>
+        </p:nvSpPr>
+        <p:spPr/>
+        <p:txBody>
+          <a:bodyPr>
+            <a:noAutofit/>
+          </a:bodyPr>
+          <a:lstStyle/>
+          <a:p>
+            <a:r>
+              <a:rPr lang="en-US" sz="2800" dirty="0"/>
+              <a:t>Stochastic Collocation 1D Quadrature – </a:t>
+            </a:r>
+            <a:r>
+              <a:rPr lang="en-US" sz="2800" dirty="0" err="1"/>
+              <a:t>rho_hard</a:t>
+            </a:r>
+            <a:r>
+              <a:rPr lang="en-US" sz="2800" dirty="0"/>
+              <a:t> – Bandgap Size</a:t>
+            </a:r>
+          </a:p>
+        </p:txBody>
+      </p:sp>
+      <p:pic>
+        <p:nvPicPr>
+          <p:cNvPr id="5" name="Content Placeholder 4">
+            <a:extLst>
+              <a:ext uri="{FF2B5EF4-FFF2-40B4-BE49-F238E27FC236}">
+                <a16:creationId xmlns:a16="http://schemas.microsoft.com/office/drawing/2014/main" id="{E481CCDB-BDC4-87DA-0787-F2BA39A1E2AE}"/>
+              </a:ext>
+            </a:extLst>
+          </p:cNvPr>
+          <p:cNvPicPr>
+            <a:picLocks noGrp="1" noChangeAspect="1"/>
+          </p:cNvPicPr>
+          <p:nvPr>
+            <p:ph idx="1"/>
+          </p:nvPr>
+        </p:nvPicPr>
+        <p:blipFill>
+          <a:blip r:embed="rId2"/>
+          <a:srcRect/>
+          <a:stretch/>
+        </p:blipFill>
+        <p:spPr>
+          <a:xfrm>
+            <a:off x="97524" y="1293872"/>
+            <a:ext cx="5998476" cy="4270256"/>
+          </a:xfrm>
+        </p:spPr>
+      </p:pic>
+      <p:pic>
+        <p:nvPicPr>
+          <p:cNvPr id="6" name="Content Placeholder 4">
+            <a:extLst>
+              <a:ext uri="{FF2B5EF4-FFF2-40B4-BE49-F238E27FC236}">
+                <a16:creationId xmlns:a16="http://schemas.microsoft.com/office/drawing/2014/main" id="{E9363DFE-7C01-94EB-CEC4-D99A220009B8}"/>
+              </a:ext>
+            </a:extLst>
+          </p:cNvPr>
+          <p:cNvPicPr>
+            <a:picLocks noChangeAspect="1"/>
+          </p:cNvPicPr>
+          <p:nvPr/>
+        </p:nvPicPr>
+        <p:blipFill>
+          <a:blip r:embed="rId3"/>
+          <a:srcRect/>
+          <a:stretch/>
+        </p:blipFill>
+        <p:spPr>
+          <a:xfrm>
+            <a:off x="6096000" y="1300362"/>
+            <a:ext cx="5998475" cy="4257275"/>
+          </a:xfrm>
+          <a:prstGeom prst="rect">
+            <a:avLst/>
+          </a:prstGeom>
+        </p:spPr>
+      </p:pic>
+    </p:spTree>
+    <p:extLst>
+      <p:ext uri="{BB962C8B-B14F-4D97-AF65-F5344CB8AC3E}">
+        <p14:creationId xmlns:p14="http://schemas.microsoft.com/office/powerpoint/2010/main" val="3211597128"/>
+      </p:ext>
+    </p:extLst>
+  </p:cSld>
+  <p:clrMapOvr>
+    <a:masterClrMapping/>
+  </p:clrMapOvr>
+</p:sld>
+</file>
+
+<file path=ppt/slides/slide41.xml><?xml version="1.0" encoding="utf-8"?>
 <p:sld xmlns:a="http://schemas.openxmlformats.org/drawingml/2006/main" xmlns:r="http://schemas.openxmlformats.org/officeDocument/2006/relationships" xmlns:p="http://schemas.openxmlformats.org/presentationml/2006/main">
   <p:cSld>
     <p:spTree>
@@ -9827,7 +10001,7 @@
 </p:sld>
 </file>
 
-<file path=ppt/slides/slide41.xml><?xml version="1.0" encoding="utf-8"?>
+<file path=ppt/slides/slide42.xml><?xml version="1.0" encoding="utf-8"?>
 <p:sld xmlns:a="http://schemas.openxmlformats.org/drawingml/2006/main" xmlns:r="http://schemas.openxmlformats.org/officeDocument/2006/relationships" xmlns:p="http://schemas.openxmlformats.org/presentationml/2006/main">
   <p:cSld>
     <p:spTree>
@@ -10001,7 +10175,7 @@
 </p:sld>
 </file>
 
-<file path=ppt/slides/slide42.xml><?xml version="1.0" encoding="utf-8"?>
+<file path=ppt/slides/slide43.xml><?xml version="1.0" encoding="utf-8"?>
 <p:sld xmlns:a="http://schemas.openxmlformats.org/drawingml/2006/main" xmlns:r="http://schemas.openxmlformats.org/officeDocument/2006/relationships" xmlns:p="http://schemas.openxmlformats.org/presentationml/2006/main">
   <p:cSld>
     <p:spTree>
@@ -10194,7 +10368,7 @@
 </p:sld>
 </file>
 
-<file path=ppt/slides/slide43.xml><?xml version="1.0" encoding="utf-8"?>
+<file path=ppt/slides/slide44.xml><?xml version="1.0" encoding="utf-8"?>
 <p:sld xmlns:a="http://schemas.openxmlformats.org/drawingml/2006/main" xmlns:r="http://schemas.openxmlformats.org/officeDocument/2006/relationships" xmlns:p="http://schemas.openxmlformats.org/presentationml/2006/main">
   <p:cSld>
     <p:spTree>
@@ -10374,7 +10548,7 @@
 </p:sld>
 </file>
 
-<file path=ppt/slides/slide44.xml><?xml version="1.0" encoding="utf-8"?>
+<file path=ppt/slides/slide45.xml><?xml version="1.0" encoding="utf-8"?>
 <p:sld xmlns:a="http://schemas.openxmlformats.org/drawingml/2006/main" xmlns:r="http://schemas.openxmlformats.org/officeDocument/2006/relationships" xmlns:p="http://schemas.openxmlformats.org/presentationml/2006/main">
   <p:cSld>
     <p:spTree>
@@ -10548,7 +10722,7 @@
 </p:sld>
 </file>
 
-<file path=ppt/slides/slide45.xml><?xml version="1.0" encoding="utf-8"?>
+<file path=ppt/slides/slide46.xml><?xml version="1.0" encoding="utf-8"?>
 <p:sld xmlns:a="http://schemas.openxmlformats.org/drawingml/2006/main" xmlns:r="http://schemas.openxmlformats.org/officeDocument/2006/relationships" xmlns:p="http://schemas.openxmlformats.org/presentationml/2006/main">
   <p:cSld>
     <p:spTree>
@@ -10741,7 +10915,7 @@
 </p:sld>
 </file>
 
-<file path=ppt/slides/slide46.xml><?xml version="1.0" encoding="utf-8"?>
+<file path=ppt/slides/slide47.xml><?xml version="1.0" encoding="utf-8"?>
 <p:sld xmlns:a="http://schemas.openxmlformats.org/drawingml/2006/main" xmlns:r="http://schemas.openxmlformats.org/officeDocument/2006/relationships" xmlns:p="http://schemas.openxmlformats.org/presentationml/2006/main">
   <p:cSld>
     <p:spTree>
@@ -11911,15 +12085,6 @@
 </file>
 
 <file path=customXml/item1.xml><?xml version="1.0" encoding="utf-8"?>
-<?mso-contentType ?>
-<FormTemplates xmlns="http://schemas.microsoft.com/sharepoint/v3/contenttype/forms">
-  <Display>DocumentLibraryForm</Display>
-  <Edit>DocumentLibraryForm</Edit>
-  <New>DocumentLibraryForm</New>
-</FormTemplates>
-</file>
-
-<file path=customXml/item2.xml><?xml version="1.0" encoding="utf-8"?>
 <ct:contentTypeSchema xmlns:ct="http://schemas.microsoft.com/office/2006/metadata/contentType" xmlns:ma="http://schemas.microsoft.com/office/2006/metadata/properties/metaAttributes" ct:_="" ma:_="" ma:contentTypeName="Document" ma:contentTypeID="0x0101006D977AFE0BA24A48A44BA40749E58BCA" ma:contentTypeVersion="4" ma:contentTypeDescription="Create a new document." ma:contentTypeScope="" ma:versionID="96123a612a8ea52de9eccec3cfd875c5">
   <xsd:schema xmlns:xsd="http://www.w3.org/2001/XMLSchema" xmlns:xs="http://www.w3.org/2001/XMLSchema" xmlns:p="http://schemas.microsoft.com/office/2006/metadata/properties" xmlns:ns2="ce377175-54a4-4d7f-a690-a38d13686295" targetNamespace="http://schemas.microsoft.com/office/2006/metadata/properties" ma:root="true" ma:fieldsID="e02eeb2f666df3e14fcd556b413490be" ns2:_="">
     <xsd:import namespace="ce377175-54a4-4d7f-a690-a38d13686295"/>
@@ -12065,21 +12230,22 @@
 </ct:contentTypeSchema>
 </file>
 
-<file path=customXml/item3.xml><?xml version="1.0" encoding="utf-8"?>
+<file path=customXml/item2.xml><?xml version="1.0" encoding="utf-8"?>
 <p:properties xmlns:p="http://schemas.microsoft.com/office/2006/metadata/properties" xmlns:xsi="http://www.w3.org/2001/XMLSchema-instance" xmlns:pc="http://schemas.microsoft.com/office/infopath/2007/PartnerControls">
   <documentManagement/>
 </p:properties>
 </file>
 
-<file path=customXml/itemProps1.xml><?xml version="1.0" encoding="utf-8"?>
-<ds:datastoreItem xmlns:ds="http://schemas.openxmlformats.org/officeDocument/2006/customXml" ds:itemID="{B294D1B7-8679-422F-949D-1455F508E596}">
-  <ds:schemaRefs>
-    <ds:schemaRef ds:uri="http://schemas.microsoft.com/sharepoint/v3/contenttype/forms"/>
-  </ds:schemaRefs>
-</ds:datastoreItem>
+<file path=customXml/item3.xml><?xml version="1.0" encoding="utf-8"?>
+<?mso-contentType ?>
+<FormTemplates xmlns="http://schemas.microsoft.com/sharepoint/v3/contenttype/forms">
+  <Display>DocumentLibraryForm</Display>
+  <Edit>DocumentLibraryForm</Edit>
+  <New>DocumentLibraryForm</New>
+</FormTemplates>
 </file>
 
-<file path=customXml/itemProps2.xml><?xml version="1.0" encoding="utf-8"?>
+<file path=customXml/itemProps1.xml><?xml version="1.0" encoding="utf-8"?>
 <ds:datastoreItem xmlns:ds="http://schemas.openxmlformats.org/officeDocument/2006/customXml" ds:itemID="{AA97010D-7C71-4286-B859-6803BB0ABFD2}">
   <ds:schemaRefs>
     <ds:schemaRef ds:uri="ce377175-54a4-4d7f-a690-a38d13686295"/>
@@ -12097,7 +12263,7 @@
 </ds:datastoreItem>
 </file>
 
-<file path=customXml/itemProps3.xml><?xml version="1.0" encoding="utf-8"?>
+<file path=customXml/itemProps2.xml><?xml version="1.0" encoding="utf-8"?>
 <ds:datastoreItem xmlns:ds="http://schemas.openxmlformats.org/officeDocument/2006/customXml" ds:itemID="{0748A49F-C736-4524-BB36-F11018D26634}">
   <ds:schemaRefs>
     <ds:schemaRef ds:uri="ce377175-54a4-4d7f-a690-a38d13686295"/>
@@ -12111,4 +12277,12 @@
     <ds:schemaRef ds:uri="http://www.w3.org/XML/1998/namespace"/>
   </ds:schemaRefs>
 </ds:datastoreItem>
+</file>
+
+<file path=customXml/itemProps3.xml><?xml version="1.0" encoding="utf-8"?>
+<ds:datastoreItem xmlns:ds="http://schemas.openxmlformats.org/officeDocument/2006/customXml" ds:itemID="{B294D1B7-8679-422F-949D-1455F508E596}">
+  <ds:schemaRefs>
+    <ds:schemaRef ds:uri="http://schemas.microsoft.com/sharepoint/v3/contenttype/forms"/>
+  </ds:schemaRefs>
+</ds:datastoreItem>
 </file>